--- a/Dissertacia/MyWork/DocWork/Модель деформируемого объекта управления.pptx
+++ b/Dissertacia/MyWork/DocWork/Модель деформируемого объекта управления.pptx
@@ -2958,8 +2958,8 @@
           </a:p>
         </p:txBody>
       </p:sp>
-      <mc:AlternateContent xmlns:mc="http://schemas.openxmlformats.org/markup-compatibility/2006">
-        <mc:Choice xmlns:a14="http://schemas.microsoft.com/office/drawing/2010/main" Requires="a14">
+      <mc:AlternateContent xmlns:mc="http://schemas.openxmlformats.org/markup-compatibility/2006" xmlns:a14="http://schemas.microsoft.com/office/drawing/2010/main">
+        <mc:Choice Requires="a14">
           <p:sp>
             <p:nvSpPr>
               <p:cNvPr id="3" name="Объект 2"/>
@@ -3016,11 +3016,15 @@
                 <a14:m>
                   <m:oMath xmlns:m="http://schemas.openxmlformats.org/officeDocument/2006/math">
                     <m:r>
-                      <a:rPr lang="ru-RU" sz="2000" i="1"/>
+                      <a:rPr lang="ru-RU" sz="2000" i="1">
+                        <a:latin typeface="Cambria Math" panose="02040503050406030204" pitchFamily="18" charset="0"/>
+                      </a:rPr>
                       <m:t>𝛼</m:t>
                     </m:r>
                     <m:r>
-                      <a:rPr lang="ru-RU" sz="2000" i="1"/>
+                      <a:rPr lang="ru-RU" sz="2000" i="1">
+                        <a:latin typeface="Cambria Math" panose="02040503050406030204" pitchFamily="18" charset="0"/>
+                      </a:rPr>
                       <m:t>− </m:t>
                     </m:r>
                   </m:oMath>
@@ -3035,11 +3039,15 @@
                 <a14:m>
                   <m:oMath xmlns:m="http://schemas.openxmlformats.org/officeDocument/2006/math">
                     <m:r>
-                      <a:rPr lang="ru-RU" sz="2000" i="1"/>
+                      <a:rPr lang="ru-RU" sz="2000" i="1">
+                        <a:latin typeface="Cambria Math" panose="02040503050406030204" pitchFamily="18" charset="0"/>
+                      </a:rPr>
                       <m:t>𝛾</m:t>
                     </m:r>
                     <m:r>
-                      <a:rPr lang="ru-RU" sz="2000" i="1"/>
+                      <a:rPr lang="ru-RU" sz="2000" i="1">
+                        <a:latin typeface="Cambria Math" panose="02040503050406030204" pitchFamily="18" charset="0"/>
+                      </a:rPr>
                       <m:t>− </m:t>
                     </m:r>
                   </m:oMath>
@@ -3055,7 +3063,7 @@
             </p:txBody>
           </p:sp>
         </mc:Choice>
-        <mc:Fallback>
+        <mc:Fallback xmlns="">
           <p:sp>
             <p:nvSpPr>
               <p:cNvPr id="3" name="Объект 2"/>
@@ -3201,7 +3209,7 @@
           <a:graphicData uri="http://schemas.openxmlformats.org/presentationml/2006/ole">
             <mc:AlternateContent xmlns:mc="http://schemas.openxmlformats.org/markup-compatibility/2006">
               <mc:Choice xmlns:v="urn:schemas-microsoft-com:vml" Requires="v">
-                <p:oleObj spid="_x0000_s1031" r:id="rId4" imgW="2304913" imgH="1533698" progId="Visio.Drawing.15">
+                <p:oleObj spid="_x0000_s1034" r:id="rId4" imgW="2304913" imgH="1533698" progId="Visio.Drawing.15">
                   <p:embed/>
                 </p:oleObj>
               </mc:Choice>

--- a/Dissertacia/MyWork/DocWork/Модель деформируемого объекта управления.pptx
+++ b/Dissertacia/MyWork/DocWork/Модель деформируемого объекта управления.pptx
@@ -5,7 +5,7 @@
     <p:sldMasterId id="2147483648" r:id="rId1"/>
   </p:sldMasterIdLst>
   <p:notesMasterIdLst>
-    <p:notesMasterId r:id="rId13"/>
+    <p:notesMasterId r:id="rId16"/>
   </p:notesMasterIdLst>
   <p:sldIdLst>
     <p:sldId id="280" r:id="rId2"/>
@@ -14,11 +14,14 @@
     <p:sldId id="291" r:id="rId5"/>
     <p:sldId id="285" r:id="rId6"/>
     <p:sldId id="286" r:id="rId7"/>
-    <p:sldId id="287" r:id="rId8"/>
-    <p:sldId id="288" r:id="rId9"/>
-    <p:sldId id="289" r:id="rId10"/>
-    <p:sldId id="290" r:id="rId11"/>
-    <p:sldId id="278" r:id="rId12"/>
+    <p:sldId id="293" r:id="rId8"/>
+    <p:sldId id="287" r:id="rId9"/>
+    <p:sldId id="288" r:id="rId10"/>
+    <p:sldId id="292" r:id="rId11"/>
+    <p:sldId id="294" r:id="rId12"/>
+    <p:sldId id="289" r:id="rId13"/>
+    <p:sldId id="278" r:id="rId14"/>
+    <p:sldId id="290" r:id="rId15"/>
   </p:sldIdLst>
   <p:sldSz cx="9144000" cy="6858000" type="screen4x3"/>
   <p:notesSz cx="6858000" cy="9144000"/>
@@ -136,6 +139,4864 @@
 </p:presentation>
 </file>
 
+<file path=ppt/charts/chart1.xml><?xml version="1.0" encoding="utf-8"?>
+<c:chartSpace xmlns:c="http://schemas.openxmlformats.org/drawingml/2006/chart" xmlns:a="http://schemas.openxmlformats.org/drawingml/2006/main" xmlns:r="http://schemas.openxmlformats.org/officeDocument/2006/relationships">
+  <c:date1904 val="0"/>
+  <c:lang val="ru-RU"/>
+  <c:roundedCorners val="0"/>
+  <mc:AlternateContent xmlns:mc="http://schemas.openxmlformats.org/markup-compatibility/2006">
+    <mc:Choice xmlns:c14="http://schemas.microsoft.com/office/drawing/2007/8/2/chart" Requires="c14">
+      <c14:style val="102"/>
+    </mc:Choice>
+    <mc:Fallback>
+      <c:style val="2"/>
+    </mc:Fallback>
+  </mc:AlternateContent>
+  <c:chart>
+    <c:title>
+      <c:tx>
+        <c:rich>
+          <a:bodyPr rot="0" spcFirstLastPara="1" vertOverflow="ellipsis" vert="horz" wrap="square" anchor="ctr" anchorCtr="1"/>
+          <a:lstStyle/>
+          <a:p>
+            <a:pPr>
+              <a:defRPr sz="1800" b="0" i="0" u="none" strike="noStrike" kern="1200" spc="0" baseline="0">
+                <a:solidFill>
+                  <a:schemeClr val="tx1">
+                    <a:lumMod val="65000"/>
+                    <a:lumOff val="35000"/>
+                  </a:schemeClr>
+                </a:solidFill>
+                <a:latin typeface="+mn-lt"/>
+                <a:ea typeface="+mn-ea"/>
+                <a:cs typeface="+mn-cs"/>
+              </a:defRPr>
+            </a:pPr>
+            <a:r>
+              <a:rPr lang="ru-RU" sz="1800"/>
+              <a:t>Смещение иглы в зависимости от плотности материала</a:t>
+            </a:r>
+          </a:p>
+        </c:rich>
+      </c:tx>
+      <c:layout/>
+      <c:overlay val="0"/>
+      <c:spPr>
+        <a:noFill/>
+        <a:ln>
+          <a:noFill/>
+        </a:ln>
+        <a:effectLst/>
+      </c:spPr>
+      <c:txPr>
+        <a:bodyPr rot="0" spcFirstLastPara="1" vertOverflow="ellipsis" vert="horz" wrap="square" anchor="ctr" anchorCtr="1"/>
+        <a:lstStyle/>
+        <a:p>
+          <a:pPr>
+            <a:defRPr sz="1800" b="0" i="0" u="none" strike="noStrike" kern="1200" spc="0" baseline="0">
+              <a:solidFill>
+                <a:schemeClr val="tx1">
+                  <a:lumMod val="65000"/>
+                  <a:lumOff val="35000"/>
+                </a:schemeClr>
+              </a:solidFill>
+              <a:latin typeface="+mn-lt"/>
+              <a:ea typeface="+mn-ea"/>
+              <a:cs typeface="+mn-cs"/>
+            </a:defRPr>
+          </a:pPr>
+          <a:endParaRPr lang="ru-RU"/>
+        </a:p>
+      </c:txPr>
+    </c:title>
+    <c:autoTitleDeleted val="0"/>
+    <c:plotArea>
+      <c:layout/>
+      <c:scatterChart>
+        <c:scatterStyle val="smoothMarker"/>
+        <c:varyColors val="0"/>
+        <c:ser>
+          <c:idx val="0"/>
+          <c:order val="0"/>
+          <c:tx>
+            <c:v>1500 кг/м3</c:v>
+          </c:tx>
+          <c:spPr>
+            <a:ln w="19050" cap="rnd">
+              <a:solidFill>
+                <a:schemeClr val="accent1"/>
+              </a:solidFill>
+              <a:round/>
+            </a:ln>
+            <a:effectLst/>
+          </c:spPr>
+          <c:marker>
+            <c:symbol val="circle"/>
+            <c:size val="5"/>
+            <c:spPr>
+              <a:solidFill>
+                <a:schemeClr val="accent1"/>
+              </a:solidFill>
+              <a:ln w="9525">
+                <a:solidFill>
+                  <a:schemeClr val="accent1"/>
+                </a:solidFill>
+              </a:ln>
+              <a:effectLst/>
+            </c:spPr>
+          </c:marker>
+          <c:xVal>
+            <c:numRef>
+              <c:f>Лист1!$C$64:$C$73</c:f>
+              <c:numCache>
+                <c:formatCode>General</c:formatCode>
+                <c:ptCount val="10"/>
+                <c:pt idx="0">
+                  <c:v>3</c:v>
+                </c:pt>
+                <c:pt idx="1">
+                  <c:v>6</c:v>
+                </c:pt>
+                <c:pt idx="2">
+                  <c:v>9</c:v>
+                </c:pt>
+                <c:pt idx="3">
+                  <c:v>12</c:v>
+                </c:pt>
+                <c:pt idx="4">
+                  <c:v>15</c:v>
+                </c:pt>
+                <c:pt idx="5">
+                  <c:v>18</c:v>
+                </c:pt>
+                <c:pt idx="6">
+                  <c:v>21</c:v>
+                </c:pt>
+                <c:pt idx="7">
+                  <c:v>24</c:v>
+                </c:pt>
+                <c:pt idx="8">
+                  <c:v>27</c:v>
+                </c:pt>
+                <c:pt idx="9">
+                  <c:v>30</c:v>
+                </c:pt>
+              </c:numCache>
+            </c:numRef>
+          </c:xVal>
+          <c:yVal>
+            <c:numRef>
+              <c:f>Лист1!$D$64:$D$73</c:f>
+              <c:numCache>
+                <c:formatCode>0.000</c:formatCode>
+                <c:ptCount val="10"/>
+                <c:pt idx="0">
+                  <c:v>3.6592785075420499E-2</c:v>
+                </c:pt>
+                <c:pt idx="1">
+                  <c:v>0.146371140301682</c:v>
+                </c:pt>
+                <c:pt idx="2">
+                  <c:v>0.32933506567877602</c:v>
+                </c:pt>
+                <c:pt idx="3">
+                  <c:v>0.58548456120672798</c:v>
+                </c:pt>
+                <c:pt idx="4">
+                  <c:v>0.91481962688549701</c:v>
+                </c:pt>
+                <c:pt idx="5">
+                  <c:v>1.3173402627151101</c:v>
+                </c:pt>
+                <c:pt idx="6">
+                  <c:v>1.79304646869567</c:v>
+                </c:pt>
+                <c:pt idx="7">
+                  <c:v>2.3419382448269102</c:v>
+                </c:pt>
+                <c:pt idx="8">
+                  <c:v>2.9640155911088701</c:v>
+                </c:pt>
+                <c:pt idx="9">
+                  <c:v>3.6592785075419898</c:v>
+                </c:pt>
+              </c:numCache>
+            </c:numRef>
+          </c:yVal>
+          <c:smooth val="1"/>
+        </c:ser>
+        <c:ser>
+          <c:idx val="1"/>
+          <c:order val="1"/>
+          <c:tx>
+            <c:v>1100 кг/м3</c:v>
+          </c:tx>
+          <c:spPr>
+            <a:ln w="19050" cap="rnd">
+              <a:solidFill>
+                <a:schemeClr val="accent2"/>
+              </a:solidFill>
+              <a:round/>
+            </a:ln>
+            <a:effectLst/>
+          </c:spPr>
+          <c:marker>
+            <c:symbol val="circle"/>
+            <c:size val="5"/>
+            <c:spPr>
+              <a:solidFill>
+                <a:schemeClr val="accent2"/>
+              </a:solidFill>
+              <a:ln w="9525">
+                <a:solidFill>
+                  <a:schemeClr val="accent2"/>
+                </a:solidFill>
+              </a:ln>
+              <a:effectLst/>
+            </c:spPr>
+          </c:marker>
+          <c:xVal>
+            <c:numRef>
+              <c:f>Лист1!$C$64:$C$73</c:f>
+              <c:numCache>
+                <c:formatCode>General</c:formatCode>
+                <c:ptCount val="10"/>
+                <c:pt idx="0">
+                  <c:v>3</c:v>
+                </c:pt>
+                <c:pt idx="1">
+                  <c:v>6</c:v>
+                </c:pt>
+                <c:pt idx="2">
+                  <c:v>9</c:v>
+                </c:pt>
+                <c:pt idx="3">
+                  <c:v>12</c:v>
+                </c:pt>
+                <c:pt idx="4">
+                  <c:v>15</c:v>
+                </c:pt>
+                <c:pt idx="5">
+                  <c:v>18</c:v>
+                </c:pt>
+                <c:pt idx="6">
+                  <c:v>21</c:v>
+                </c:pt>
+                <c:pt idx="7">
+                  <c:v>24</c:v>
+                </c:pt>
+                <c:pt idx="8">
+                  <c:v>27</c:v>
+                </c:pt>
+                <c:pt idx="9">
+                  <c:v>30</c:v>
+                </c:pt>
+              </c:numCache>
+            </c:numRef>
+          </c:xVal>
+          <c:yVal>
+            <c:numRef>
+              <c:f>Лист1!$F$64:$F$73</c:f>
+              <c:numCache>
+                <c:formatCode>0.000</c:formatCode>
+                <c:ptCount val="10"/>
+                <c:pt idx="0">
+                  <c:v>2.6834709055307701E-2</c:v>
+                </c:pt>
+                <c:pt idx="1">
+                  <c:v>0.107338836221231</c:v>
+                </c:pt>
+                <c:pt idx="2">
+                  <c:v>0.241512381497759</c:v>
+                </c:pt>
+                <c:pt idx="3">
+                  <c:v>0.429355344884924</c:v>
+                </c:pt>
+                <c:pt idx="4">
+                  <c:v>0.67086772638273295</c:v>
+                </c:pt>
+                <c:pt idx="5">
+                  <c:v>0.966049525991035</c:v>
+                </c:pt>
+                <c:pt idx="6">
+                  <c:v>1.3149007437100699</c:v>
+                </c:pt>
+                <c:pt idx="7">
+                  <c:v>1.71742137953969</c:v>
+                </c:pt>
+                <c:pt idx="8">
+                  <c:v>2.17361143347987</c:v>
+                </c:pt>
+                <c:pt idx="9">
+                  <c:v>2.68347090553093</c:v>
+                </c:pt>
+              </c:numCache>
+            </c:numRef>
+          </c:yVal>
+          <c:smooth val="1"/>
+        </c:ser>
+        <c:ser>
+          <c:idx val="2"/>
+          <c:order val="2"/>
+          <c:tx>
+            <c:v>900 кг/м3</c:v>
+          </c:tx>
+          <c:spPr>
+            <a:ln w="19050" cap="rnd">
+              <a:solidFill>
+                <a:schemeClr val="accent3"/>
+              </a:solidFill>
+              <a:round/>
+            </a:ln>
+            <a:effectLst/>
+          </c:spPr>
+          <c:marker>
+            <c:symbol val="circle"/>
+            <c:size val="5"/>
+            <c:spPr>
+              <a:solidFill>
+                <a:schemeClr val="accent3"/>
+              </a:solidFill>
+              <a:ln w="9525">
+                <a:solidFill>
+                  <a:schemeClr val="accent3"/>
+                </a:solidFill>
+              </a:ln>
+              <a:effectLst/>
+            </c:spPr>
+          </c:marker>
+          <c:xVal>
+            <c:numRef>
+              <c:f>Лист1!$C$64:$C$73</c:f>
+              <c:numCache>
+                <c:formatCode>General</c:formatCode>
+                <c:ptCount val="10"/>
+                <c:pt idx="0">
+                  <c:v>3</c:v>
+                </c:pt>
+                <c:pt idx="1">
+                  <c:v>6</c:v>
+                </c:pt>
+                <c:pt idx="2">
+                  <c:v>9</c:v>
+                </c:pt>
+                <c:pt idx="3">
+                  <c:v>12</c:v>
+                </c:pt>
+                <c:pt idx="4">
+                  <c:v>15</c:v>
+                </c:pt>
+                <c:pt idx="5">
+                  <c:v>18</c:v>
+                </c:pt>
+                <c:pt idx="6">
+                  <c:v>21</c:v>
+                </c:pt>
+                <c:pt idx="7">
+                  <c:v>24</c:v>
+                </c:pt>
+                <c:pt idx="8">
+                  <c:v>27</c:v>
+                </c:pt>
+                <c:pt idx="9">
+                  <c:v>30</c:v>
+                </c:pt>
+              </c:numCache>
+            </c:numRef>
+          </c:xVal>
+          <c:yVal>
+            <c:numRef>
+              <c:f>Лист1!$H$64:$H$73</c:f>
+              <c:numCache>
+                <c:formatCode>0.000</c:formatCode>
+                <c:ptCount val="10"/>
+                <c:pt idx="0">
+                  <c:v>2.1955671045252201E-2</c:v>
+                </c:pt>
+                <c:pt idx="1">
+                  <c:v>8.7822684181008998E-2</c:v>
+                </c:pt>
+                <c:pt idx="2">
+                  <c:v>0.19760103940725701</c:v>
+                </c:pt>
+                <c:pt idx="3">
+                  <c:v>0.35129073672403599</c:v>
+                </c:pt>
+                <c:pt idx="4">
+                  <c:v>0.54889177613131901</c:v>
+                </c:pt>
+                <c:pt idx="5">
+                  <c:v>0.79040415762902905</c:v>
+                </c:pt>
+                <c:pt idx="6">
+                  <c:v>1.0758278812174</c:v>
+                </c:pt>
+                <c:pt idx="7">
+                  <c:v>1.40516294689614</c:v>
+                </c:pt>
+                <c:pt idx="8">
+                  <c:v>1.77840935466551</c:v>
+                </c:pt>
+                <c:pt idx="9">
+                  <c:v>2.19556710452528</c:v>
+                </c:pt>
+              </c:numCache>
+            </c:numRef>
+          </c:yVal>
+          <c:smooth val="1"/>
+        </c:ser>
+        <c:dLbls>
+          <c:showLegendKey val="0"/>
+          <c:showVal val="0"/>
+          <c:showCatName val="0"/>
+          <c:showSerName val="0"/>
+          <c:showPercent val="0"/>
+          <c:showBubbleSize val="0"/>
+        </c:dLbls>
+        <c:axId val="461949568"/>
+        <c:axId val="462995016"/>
+      </c:scatterChart>
+      <c:valAx>
+        <c:axId val="461949568"/>
+        <c:scaling>
+          <c:orientation val="minMax"/>
+        </c:scaling>
+        <c:delete val="0"/>
+        <c:axPos val="b"/>
+        <c:majorGridlines>
+          <c:spPr>
+            <a:ln w="9525" cap="flat" cmpd="sng" algn="ctr">
+              <a:solidFill>
+                <a:schemeClr val="tx1">
+                  <a:lumMod val="15000"/>
+                  <a:lumOff val="85000"/>
+                </a:schemeClr>
+              </a:solidFill>
+              <a:round/>
+            </a:ln>
+            <a:effectLst/>
+          </c:spPr>
+        </c:majorGridlines>
+        <c:minorGridlines>
+          <c:spPr>
+            <a:ln w="9525" cap="flat" cmpd="sng" algn="ctr">
+              <a:solidFill>
+                <a:schemeClr val="tx1">
+                  <a:lumMod val="5000"/>
+                  <a:lumOff val="95000"/>
+                </a:schemeClr>
+              </a:solidFill>
+              <a:round/>
+            </a:ln>
+            <a:effectLst/>
+          </c:spPr>
+        </c:minorGridlines>
+        <c:title>
+          <c:tx>
+            <c:rich>
+              <a:bodyPr rot="0" spcFirstLastPara="1" vertOverflow="ellipsis" vert="horz" wrap="square" anchor="ctr" anchorCtr="1"/>
+              <a:lstStyle/>
+              <a:p>
+                <a:pPr>
+                  <a:defRPr sz="1200" b="0" i="0" u="none" strike="noStrike" kern="1200" baseline="0">
+                    <a:solidFill>
+                      <a:schemeClr val="tx1">
+                        <a:lumMod val="65000"/>
+                        <a:lumOff val="35000"/>
+                      </a:schemeClr>
+                    </a:solidFill>
+                    <a:latin typeface="+mn-lt"/>
+                    <a:ea typeface="+mn-ea"/>
+                    <a:cs typeface="+mn-cs"/>
+                  </a:defRPr>
+                </a:pPr>
+                <a:r>
+                  <a:rPr lang="ru-RU"/>
+                  <a:t>Скорость, мм/с</a:t>
+                </a:r>
+              </a:p>
+            </c:rich>
+          </c:tx>
+          <c:layout/>
+          <c:overlay val="0"/>
+          <c:spPr>
+            <a:noFill/>
+            <a:ln>
+              <a:noFill/>
+            </a:ln>
+            <a:effectLst/>
+          </c:spPr>
+          <c:txPr>
+            <a:bodyPr rot="0" spcFirstLastPara="1" vertOverflow="ellipsis" vert="horz" wrap="square" anchor="ctr" anchorCtr="1"/>
+            <a:lstStyle/>
+            <a:p>
+              <a:pPr>
+                <a:defRPr sz="1200" b="0" i="0" u="none" strike="noStrike" kern="1200" baseline="0">
+                  <a:solidFill>
+                    <a:schemeClr val="tx1">
+                      <a:lumMod val="65000"/>
+                      <a:lumOff val="35000"/>
+                    </a:schemeClr>
+                  </a:solidFill>
+                  <a:latin typeface="+mn-lt"/>
+                  <a:ea typeface="+mn-ea"/>
+                  <a:cs typeface="+mn-cs"/>
+                </a:defRPr>
+              </a:pPr>
+              <a:endParaRPr lang="ru-RU"/>
+            </a:p>
+          </c:txPr>
+        </c:title>
+        <c:numFmt formatCode="General" sourceLinked="1"/>
+        <c:majorTickMark val="none"/>
+        <c:minorTickMark val="none"/>
+        <c:tickLblPos val="nextTo"/>
+        <c:spPr>
+          <a:noFill/>
+          <a:ln w="9525" cap="flat" cmpd="sng" algn="ctr">
+            <a:solidFill>
+              <a:schemeClr val="tx1">
+                <a:lumMod val="25000"/>
+                <a:lumOff val="75000"/>
+              </a:schemeClr>
+            </a:solidFill>
+            <a:round/>
+          </a:ln>
+          <a:effectLst/>
+        </c:spPr>
+        <c:txPr>
+          <a:bodyPr rot="-60000000" spcFirstLastPara="1" vertOverflow="ellipsis" vert="horz" wrap="square" anchor="ctr" anchorCtr="1"/>
+          <a:lstStyle/>
+          <a:p>
+            <a:pPr>
+              <a:defRPr sz="1200" b="0" i="0" u="none" strike="noStrike" kern="1200" baseline="0">
+                <a:solidFill>
+                  <a:schemeClr val="tx1">
+                    <a:lumMod val="65000"/>
+                    <a:lumOff val="35000"/>
+                  </a:schemeClr>
+                </a:solidFill>
+                <a:latin typeface="+mn-lt"/>
+                <a:ea typeface="+mn-ea"/>
+                <a:cs typeface="+mn-cs"/>
+              </a:defRPr>
+            </a:pPr>
+            <a:endParaRPr lang="ru-RU"/>
+          </a:p>
+        </c:txPr>
+        <c:crossAx val="462995016"/>
+        <c:crosses val="autoZero"/>
+        <c:crossBetween val="midCat"/>
+      </c:valAx>
+      <c:valAx>
+        <c:axId val="462995016"/>
+        <c:scaling>
+          <c:orientation val="minMax"/>
+          <c:max val="4"/>
+        </c:scaling>
+        <c:delete val="0"/>
+        <c:axPos val="l"/>
+        <c:majorGridlines>
+          <c:spPr>
+            <a:ln w="9525" cap="flat" cmpd="sng" algn="ctr">
+              <a:solidFill>
+                <a:schemeClr val="tx1">
+                  <a:lumMod val="15000"/>
+                  <a:lumOff val="85000"/>
+                </a:schemeClr>
+              </a:solidFill>
+              <a:round/>
+            </a:ln>
+            <a:effectLst/>
+          </c:spPr>
+        </c:majorGridlines>
+        <c:minorGridlines>
+          <c:spPr>
+            <a:ln w="9525" cap="flat" cmpd="sng" algn="ctr">
+              <a:solidFill>
+                <a:schemeClr val="tx1">
+                  <a:lumMod val="5000"/>
+                  <a:lumOff val="95000"/>
+                </a:schemeClr>
+              </a:solidFill>
+              <a:round/>
+            </a:ln>
+            <a:effectLst/>
+          </c:spPr>
+        </c:minorGridlines>
+        <c:title>
+          <c:tx>
+            <c:rich>
+              <a:bodyPr rot="-5400000" spcFirstLastPara="1" vertOverflow="ellipsis" vert="horz" wrap="square" anchor="ctr" anchorCtr="1"/>
+              <a:lstStyle/>
+              <a:p>
+                <a:pPr>
+                  <a:defRPr sz="1200" b="0" i="0" u="none" strike="noStrike" kern="1200" baseline="0">
+                    <a:solidFill>
+                      <a:schemeClr val="tx1">
+                        <a:lumMod val="65000"/>
+                        <a:lumOff val="35000"/>
+                      </a:schemeClr>
+                    </a:solidFill>
+                    <a:latin typeface="+mn-lt"/>
+                    <a:ea typeface="+mn-ea"/>
+                    <a:cs typeface="+mn-cs"/>
+                  </a:defRPr>
+                </a:pPr>
+                <a:r>
+                  <a:rPr lang="ru-RU"/>
+                  <a:t>Смещение, мм</a:t>
+                </a:r>
+              </a:p>
+            </c:rich>
+          </c:tx>
+          <c:layout/>
+          <c:overlay val="0"/>
+          <c:spPr>
+            <a:noFill/>
+            <a:ln>
+              <a:noFill/>
+            </a:ln>
+            <a:effectLst/>
+          </c:spPr>
+          <c:txPr>
+            <a:bodyPr rot="-5400000" spcFirstLastPara="1" vertOverflow="ellipsis" vert="horz" wrap="square" anchor="ctr" anchorCtr="1"/>
+            <a:lstStyle/>
+            <a:p>
+              <a:pPr>
+                <a:defRPr sz="1200" b="0" i="0" u="none" strike="noStrike" kern="1200" baseline="0">
+                  <a:solidFill>
+                    <a:schemeClr val="tx1">
+                      <a:lumMod val="65000"/>
+                      <a:lumOff val="35000"/>
+                    </a:schemeClr>
+                  </a:solidFill>
+                  <a:latin typeface="+mn-lt"/>
+                  <a:ea typeface="+mn-ea"/>
+                  <a:cs typeface="+mn-cs"/>
+                </a:defRPr>
+              </a:pPr>
+              <a:endParaRPr lang="ru-RU"/>
+            </a:p>
+          </c:txPr>
+        </c:title>
+        <c:numFmt formatCode="0.000" sourceLinked="1"/>
+        <c:majorTickMark val="none"/>
+        <c:minorTickMark val="none"/>
+        <c:tickLblPos val="nextTo"/>
+        <c:spPr>
+          <a:noFill/>
+          <a:ln w="9525" cap="flat" cmpd="sng" algn="ctr">
+            <a:solidFill>
+              <a:schemeClr val="tx1">
+                <a:lumMod val="25000"/>
+                <a:lumOff val="75000"/>
+              </a:schemeClr>
+            </a:solidFill>
+            <a:round/>
+          </a:ln>
+          <a:effectLst/>
+        </c:spPr>
+        <c:txPr>
+          <a:bodyPr rot="-60000000" spcFirstLastPara="1" vertOverflow="ellipsis" vert="horz" wrap="square" anchor="ctr" anchorCtr="1"/>
+          <a:lstStyle/>
+          <a:p>
+            <a:pPr>
+              <a:defRPr sz="1200" b="0" i="0" u="none" strike="noStrike" kern="1200" baseline="0">
+                <a:solidFill>
+                  <a:schemeClr val="tx1">
+                    <a:lumMod val="65000"/>
+                    <a:lumOff val="35000"/>
+                  </a:schemeClr>
+                </a:solidFill>
+                <a:latin typeface="+mn-lt"/>
+                <a:ea typeface="+mn-ea"/>
+                <a:cs typeface="+mn-cs"/>
+              </a:defRPr>
+            </a:pPr>
+            <a:endParaRPr lang="ru-RU"/>
+          </a:p>
+        </c:txPr>
+        <c:crossAx val="461949568"/>
+        <c:crosses val="autoZero"/>
+        <c:crossBetween val="midCat"/>
+      </c:valAx>
+      <c:spPr>
+        <a:noFill/>
+        <a:ln>
+          <a:noFill/>
+        </a:ln>
+        <a:effectLst/>
+      </c:spPr>
+    </c:plotArea>
+    <c:legend>
+      <c:legendPos val="b"/>
+      <c:layout/>
+      <c:overlay val="0"/>
+      <c:spPr>
+        <a:noFill/>
+        <a:ln>
+          <a:noFill/>
+        </a:ln>
+        <a:effectLst/>
+      </c:spPr>
+      <c:txPr>
+        <a:bodyPr rot="0" spcFirstLastPara="1" vertOverflow="ellipsis" vert="horz" wrap="square" anchor="ctr" anchorCtr="1"/>
+        <a:lstStyle/>
+        <a:p>
+          <a:pPr>
+            <a:defRPr sz="1200" b="0" i="0" u="none" strike="noStrike" kern="1200" baseline="0">
+              <a:solidFill>
+                <a:schemeClr val="tx1">
+                  <a:lumMod val="65000"/>
+                  <a:lumOff val="35000"/>
+                </a:schemeClr>
+              </a:solidFill>
+              <a:latin typeface="+mn-lt"/>
+              <a:ea typeface="+mn-ea"/>
+              <a:cs typeface="+mn-cs"/>
+            </a:defRPr>
+          </a:pPr>
+          <a:endParaRPr lang="ru-RU"/>
+        </a:p>
+      </c:txPr>
+    </c:legend>
+    <c:plotVisOnly val="1"/>
+    <c:dispBlanksAs val="gap"/>
+    <c:showDLblsOverMax val="0"/>
+  </c:chart>
+  <c:spPr>
+    <a:noFill/>
+    <a:ln>
+      <a:noFill/>
+    </a:ln>
+    <a:effectLst/>
+  </c:spPr>
+  <c:txPr>
+    <a:bodyPr/>
+    <a:lstStyle/>
+    <a:p>
+      <a:pPr>
+        <a:defRPr sz="1200"/>
+      </a:pPr>
+      <a:endParaRPr lang="ru-RU"/>
+    </a:p>
+  </c:txPr>
+  <c:externalData r:id="rId3">
+    <c:autoUpdate val="0"/>
+  </c:externalData>
+</c:chartSpace>
+</file>
+
+<file path=ppt/charts/chart2.xml><?xml version="1.0" encoding="utf-8"?>
+<c:chartSpace xmlns:c="http://schemas.openxmlformats.org/drawingml/2006/chart" xmlns:a="http://schemas.openxmlformats.org/drawingml/2006/main" xmlns:r="http://schemas.openxmlformats.org/officeDocument/2006/relationships">
+  <c:date1904 val="0"/>
+  <c:lang val="ru-RU"/>
+  <c:roundedCorners val="0"/>
+  <mc:AlternateContent xmlns:mc="http://schemas.openxmlformats.org/markup-compatibility/2006">
+    <mc:Choice xmlns:c14="http://schemas.microsoft.com/office/drawing/2007/8/2/chart" Requires="c14">
+      <c14:style val="102"/>
+    </mc:Choice>
+    <mc:Fallback>
+      <c:style val="2"/>
+    </mc:Fallback>
+  </mc:AlternateContent>
+  <c:chart>
+    <c:title>
+      <c:tx>
+        <c:rich>
+          <a:bodyPr rot="0" spcFirstLastPara="1" vertOverflow="ellipsis" vert="horz" wrap="square" anchor="ctr" anchorCtr="1"/>
+          <a:lstStyle/>
+          <a:p>
+            <a:pPr>
+              <a:defRPr sz="1400" b="0" i="0" u="none" strike="noStrike" kern="1200" spc="0" baseline="0">
+                <a:solidFill>
+                  <a:schemeClr val="tx1">
+                    <a:lumMod val="65000"/>
+                    <a:lumOff val="35000"/>
+                  </a:schemeClr>
+                </a:solidFill>
+                <a:latin typeface="+mn-lt"/>
+                <a:ea typeface="+mn-ea"/>
+                <a:cs typeface="+mn-cs"/>
+              </a:defRPr>
+            </a:pPr>
+            <a:r>
+              <a:rPr lang="ru-RU" sz="1800" dirty="0"/>
+              <a:t>Смещение</a:t>
+            </a:r>
+            <a:r>
+              <a:rPr lang="ru-RU" sz="1800" baseline="0" dirty="0"/>
+              <a:t> иглы в зависимости от угла острия</a:t>
+            </a:r>
+            <a:endParaRPr lang="ru-RU" sz="1800" dirty="0"/>
+          </a:p>
+        </c:rich>
+      </c:tx>
+      <c:layout/>
+      <c:overlay val="0"/>
+      <c:spPr>
+        <a:noFill/>
+        <a:ln>
+          <a:noFill/>
+        </a:ln>
+        <a:effectLst/>
+      </c:spPr>
+      <c:txPr>
+        <a:bodyPr rot="0" spcFirstLastPara="1" vertOverflow="ellipsis" vert="horz" wrap="square" anchor="ctr" anchorCtr="1"/>
+        <a:lstStyle/>
+        <a:p>
+          <a:pPr>
+            <a:defRPr sz="1400" b="0" i="0" u="none" strike="noStrike" kern="1200" spc="0" baseline="0">
+              <a:solidFill>
+                <a:schemeClr val="tx1">
+                  <a:lumMod val="65000"/>
+                  <a:lumOff val="35000"/>
+                </a:schemeClr>
+              </a:solidFill>
+              <a:latin typeface="+mn-lt"/>
+              <a:ea typeface="+mn-ea"/>
+              <a:cs typeface="+mn-cs"/>
+            </a:defRPr>
+          </a:pPr>
+          <a:endParaRPr lang="ru-RU"/>
+        </a:p>
+      </c:txPr>
+    </c:title>
+    <c:autoTitleDeleted val="0"/>
+    <c:plotArea>
+      <c:layout/>
+      <c:scatterChart>
+        <c:scatterStyle val="smoothMarker"/>
+        <c:varyColors val="0"/>
+        <c:ser>
+          <c:idx val="0"/>
+          <c:order val="0"/>
+          <c:tx>
+            <c:v>30 градусов</c:v>
+          </c:tx>
+          <c:spPr>
+            <a:ln w="19050" cap="rnd">
+              <a:solidFill>
+                <a:schemeClr val="accent1"/>
+              </a:solidFill>
+              <a:round/>
+            </a:ln>
+            <a:effectLst/>
+          </c:spPr>
+          <c:marker>
+            <c:symbol val="circle"/>
+            <c:size val="5"/>
+            <c:spPr>
+              <a:solidFill>
+                <a:schemeClr val="accent1"/>
+              </a:solidFill>
+              <a:ln w="9525">
+                <a:solidFill>
+                  <a:schemeClr val="accent1"/>
+                </a:solidFill>
+              </a:ln>
+              <a:effectLst/>
+            </c:spPr>
+          </c:marker>
+          <c:xVal>
+            <c:numRef>
+              <c:f>Лист1!$C$49:$C$58</c:f>
+              <c:numCache>
+                <c:formatCode>General</c:formatCode>
+                <c:ptCount val="10"/>
+                <c:pt idx="0">
+                  <c:v>3</c:v>
+                </c:pt>
+                <c:pt idx="1">
+                  <c:v>6</c:v>
+                </c:pt>
+                <c:pt idx="2">
+                  <c:v>9</c:v>
+                </c:pt>
+                <c:pt idx="3">
+                  <c:v>12</c:v>
+                </c:pt>
+                <c:pt idx="4">
+                  <c:v>15</c:v>
+                </c:pt>
+                <c:pt idx="5">
+                  <c:v>18</c:v>
+                </c:pt>
+                <c:pt idx="6">
+                  <c:v>21</c:v>
+                </c:pt>
+                <c:pt idx="7">
+                  <c:v>24</c:v>
+                </c:pt>
+                <c:pt idx="8">
+                  <c:v>27</c:v>
+                </c:pt>
+                <c:pt idx="9">
+                  <c:v>30</c:v>
+                </c:pt>
+              </c:numCache>
+            </c:numRef>
+          </c:xVal>
+          <c:yVal>
+            <c:numRef>
+              <c:f>Лист1!$D$49:$D$58</c:f>
+              <c:numCache>
+                <c:formatCode>0.000</c:formatCode>
+                <c:ptCount val="10"/>
+                <c:pt idx="0">
+                  <c:v>2.58750064700933E-2</c:v>
+                </c:pt>
+                <c:pt idx="1">
+                  <c:v>0.10350002588037301</c:v>
+                </c:pt>
+                <c:pt idx="2">
+                  <c:v>0.23287505823082999</c:v>
+                </c:pt>
+                <c:pt idx="3">
+                  <c:v>0.41400010352149302</c:v>
+                </c:pt>
+                <c:pt idx="4">
+                  <c:v>0.64687516175232795</c:v>
+                </c:pt>
+                <c:pt idx="5">
+                  <c:v>0.93150023292332096</c:v>
+                </c:pt>
+                <c:pt idx="6">
+                  <c:v>1.26787531703461</c:v>
+                </c:pt>
+                <c:pt idx="7">
+                  <c:v>1.6560004140859701</c:v>
+                </c:pt>
+                <c:pt idx="8">
+                  <c:v>2.09587552407752</c:v>
+                </c:pt>
+                <c:pt idx="9">
+                  <c:v>2.58750064700931</c:v>
+                </c:pt>
+              </c:numCache>
+            </c:numRef>
+          </c:yVal>
+          <c:smooth val="1"/>
+        </c:ser>
+        <c:ser>
+          <c:idx val="1"/>
+          <c:order val="1"/>
+          <c:tx>
+            <c:v>45  градусов</c:v>
+          </c:tx>
+          <c:spPr>
+            <a:ln w="19050" cap="rnd">
+              <a:solidFill>
+                <a:schemeClr val="accent2"/>
+              </a:solidFill>
+              <a:round/>
+            </a:ln>
+            <a:effectLst/>
+          </c:spPr>
+          <c:marker>
+            <c:symbol val="circle"/>
+            <c:size val="5"/>
+            <c:spPr>
+              <a:solidFill>
+                <a:schemeClr val="accent2"/>
+              </a:solidFill>
+              <a:ln w="9525">
+                <a:solidFill>
+                  <a:schemeClr val="accent2"/>
+                </a:solidFill>
+              </a:ln>
+              <a:effectLst/>
+            </c:spPr>
+          </c:marker>
+          <c:xVal>
+            <c:numRef>
+              <c:f>Лист1!$C$64:$C$73</c:f>
+              <c:numCache>
+                <c:formatCode>General</c:formatCode>
+                <c:ptCount val="10"/>
+                <c:pt idx="0">
+                  <c:v>3</c:v>
+                </c:pt>
+                <c:pt idx="1">
+                  <c:v>6</c:v>
+                </c:pt>
+                <c:pt idx="2">
+                  <c:v>9</c:v>
+                </c:pt>
+                <c:pt idx="3">
+                  <c:v>12</c:v>
+                </c:pt>
+                <c:pt idx="4">
+                  <c:v>15</c:v>
+                </c:pt>
+                <c:pt idx="5">
+                  <c:v>18</c:v>
+                </c:pt>
+                <c:pt idx="6">
+                  <c:v>21</c:v>
+                </c:pt>
+                <c:pt idx="7">
+                  <c:v>24</c:v>
+                </c:pt>
+                <c:pt idx="8">
+                  <c:v>27</c:v>
+                </c:pt>
+                <c:pt idx="9">
+                  <c:v>30</c:v>
+                </c:pt>
+              </c:numCache>
+            </c:numRef>
+          </c:xVal>
+          <c:yVal>
+            <c:numRef>
+              <c:f>Лист1!$D$64:$D$73</c:f>
+              <c:numCache>
+                <c:formatCode>0.000</c:formatCode>
+                <c:ptCount val="10"/>
+                <c:pt idx="0">
+                  <c:v>3.6592785075420499E-2</c:v>
+                </c:pt>
+                <c:pt idx="1">
+                  <c:v>0.146371140301682</c:v>
+                </c:pt>
+                <c:pt idx="2">
+                  <c:v>0.32933506567877602</c:v>
+                </c:pt>
+                <c:pt idx="3">
+                  <c:v>0.58548456120672798</c:v>
+                </c:pt>
+                <c:pt idx="4">
+                  <c:v>0.91481962688549701</c:v>
+                </c:pt>
+                <c:pt idx="5">
+                  <c:v>1.3173402627151101</c:v>
+                </c:pt>
+                <c:pt idx="6">
+                  <c:v>1.79304646869567</c:v>
+                </c:pt>
+                <c:pt idx="7">
+                  <c:v>2.3419382448269102</c:v>
+                </c:pt>
+                <c:pt idx="8">
+                  <c:v>2.9640155911088701</c:v>
+                </c:pt>
+                <c:pt idx="9">
+                  <c:v>3.6592785075419898</c:v>
+                </c:pt>
+              </c:numCache>
+            </c:numRef>
+          </c:yVal>
+          <c:smooth val="1"/>
+        </c:ser>
+        <c:ser>
+          <c:idx val="2"/>
+          <c:order val="2"/>
+          <c:tx>
+            <c:v>60 градусов</c:v>
+          </c:tx>
+          <c:spPr>
+            <a:ln w="19050" cap="rnd">
+              <a:solidFill>
+                <a:schemeClr val="accent3"/>
+              </a:solidFill>
+              <a:round/>
+            </a:ln>
+            <a:effectLst/>
+          </c:spPr>
+          <c:marker>
+            <c:symbol val="circle"/>
+            <c:size val="5"/>
+            <c:spPr>
+              <a:solidFill>
+                <a:schemeClr val="accent3"/>
+              </a:solidFill>
+              <a:ln w="9525">
+                <a:solidFill>
+                  <a:schemeClr val="accent3"/>
+                </a:solidFill>
+              </a:ln>
+              <a:effectLst/>
+            </c:spPr>
+          </c:marker>
+          <c:xVal>
+            <c:numRef>
+              <c:f>Лист1!$C$81:$C$90</c:f>
+              <c:numCache>
+                <c:formatCode>General</c:formatCode>
+                <c:ptCount val="10"/>
+                <c:pt idx="0">
+                  <c:v>3</c:v>
+                </c:pt>
+                <c:pt idx="1">
+                  <c:v>6</c:v>
+                </c:pt>
+                <c:pt idx="2">
+                  <c:v>9</c:v>
+                </c:pt>
+                <c:pt idx="3">
+                  <c:v>12</c:v>
+                </c:pt>
+                <c:pt idx="4">
+                  <c:v>15</c:v>
+                </c:pt>
+                <c:pt idx="5">
+                  <c:v>18</c:v>
+                </c:pt>
+                <c:pt idx="6">
+                  <c:v>21</c:v>
+                </c:pt>
+                <c:pt idx="7">
+                  <c:v>24</c:v>
+                </c:pt>
+                <c:pt idx="8">
+                  <c:v>27</c:v>
+                </c:pt>
+                <c:pt idx="9">
+                  <c:v>30</c:v>
+                </c:pt>
+              </c:numCache>
+            </c:numRef>
+          </c:xVal>
+          <c:yVal>
+            <c:numRef>
+              <c:f>Лист1!$D$81:$D$90</c:f>
+              <c:numCache>
+                <c:formatCode>0.000</c:formatCode>
+                <c:ptCount val="10"/>
+                <c:pt idx="0">
+                  <c:v>4.4816825850438897E-2</c:v>
+                </c:pt>
+                <c:pt idx="1">
+                  <c:v>0.17926730340175601</c:v>
+                </c:pt>
+                <c:pt idx="2">
+                  <c:v>0.40335143265391998</c:v>
+                </c:pt>
+                <c:pt idx="3">
+                  <c:v>0.71706921360702203</c:v>
+                </c:pt>
+                <c:pt idx="4">
+                  <c:v>1.1204206462609301</c:v>
+                </c:pt>
+                <c:pt idx="5">
+                  <c:v>1.6134057306156799</c:v>
+                </c:pt>
+                <c:pt idx="6">
+                  <c:v>2.1960244666714601</c:v>
+                </c:pt>
+                <c:pt idx="7">
+                  <c:v>2.8682768544280899</c:v>
+                </c:pt>
+                <c:pt idx="8">
+                  <c:v>3.63016289388512</c:v>
+                </c:pt>
+                <c:pt idx="9">
+                  <c:v>4.4816825850436999</c:v>
+                </c:pt>
+              </c:numCache>
+            </c:numRef>
+          </c:yVal>
+          <c:smooth val="1"/>
+        </c:ser>
+        <c:dLbls>
+          <c:showLegendKey val="0"/>
+          <c:showVal val="0"/>
+          <c:showCatName val="0"/>
+          <c:showSerName val="0"/>
+          <c:showPercent val="0"/>
+          <c:showBubbleSize val="0"/>
+        </c:dLbls>
+        <c:axId val="468072776"/>
+        <c:axId val="468073168"/>
+      </c:scatterChart>
+      <c:valAx>
+        <c:axId val="468072776"/>
+        <c:scaling>
+          <c:orientation val="minMax"/>
+        </c:scaling>
+        <c:delete val="0"/>
+        <c:axPos val="b"/>
+        <c:majorGridlines>
+          <c:spPr>
+            <a:ln w="9525" cap="flat" cmpd="sng" algn="ctr">
+              <a:solidFill>
+                <a:schemeClr val="tx1">
+                  <a:lumMod val="15000"/>
+                  <a:lumOff val="85000"/>
+                </a:schemeClr>
+              </a:solidFill>
+              <a:round/>
+            </a:ln>
+            <a:effectLst/>
+          </c:spPr>
+        </c:majorGridlines>
+        <c:minorGridlines>
+          <c:spPr>
+            <a:ln w="9525" cap="flat" cmpd="sng" algn="ctr">
+              <a:solidFill>
+                <a:schemeClr val="tx1">
+                  <a:lumMod val="5000"/>
+                  <a:lumOff val="95000"/>
+                </a:schemeClr>
+              </a:solidFill>
+              <a:round/>
+            </a:ln>
+            <a:effectLst/>
+          </c:spPr>
+        </c:minorGridlines>
+        <c:title>
+          <c:tx>
+            <c:rich>
+              <a:bodyPr rot="0" spcFirstLastPara="1" vertOverflow="ellipsis" vert="horz" wrap="square" anchor="ctr" anchorCtr="1"/>
+              <a:lstStyle/>
+              <a:p>
+                <a:pPr>
+                  <a:defRPr sz="1400" b="0" i="0" u="none" strike="noStrike" kern="1200" baseline="0">
+                    <a:solidFill>
+                      <a:schemeClr val="tx1">
+                        <a:lumMod val="65000"/>
+                        <a:lumOff val="35000"/>
+                      </a:schemeClr>
+                    </a:solidFill>
+                    <a:latin typeface="+mn-lt"/>
+                    <a:ea typeface="+mn-ea"/>
+                    <a:cs typeface="+mn-cs"/>
+                  </a:defRPr>
+                </a:pPr>
+                <a:r>
+                  <a:rPr lang="ru-RU" sz="1400" baseline="0"/>
+                  <a:t>Скорость, мм/с</a:t>
+                </a:r>
+                <a:endParaRPr lang="ru-RU" sz="1400"/>
+              </a:p>
+            </c:rich>
+          </c:tx>
+          <c:layout/>
+          <c:overlay val="0"/>
+          <c:spPr>
+            <a:noFill/>
+            <a:ln>
+              <a:noFill/>
+            </a:ln>
+            <a:effectLst/>
+          </c:spPr>
+          <c:txPr>
+            <a:bodyPr rot="0" spcFirstLastPara="1" vertOverflow="ellipsis" vert="horz" wrap="square" anchor="ctr" anchorCtr="1"/>
+            <a:lstStyle/>
+            <a:p>
+              <a:pPr>
+                <a:defRPr sz="1400" b="0" i="0" u="none" strike="noStrike" kern="1200" baseline="0">
+                  <a:solidFill>
+                    <a:schemeClr val="tx1">
+                      <a:lumMod val="65000"/>
+                      <a:lumOff val="35000"/>
+                    </a:schemeClr>
+                  </a:solidFill>
+                  <a:latin typeface="+mn-lt"/>
+                  <a:ea typeface="+mn-ea"/>
+                  <a:cs typeface="+mn-cs"/>
+                </a:defRPr>
+              </a:pPr>
+              <a:endParaRPr lang="ru-RU"/>
+            </a:p>
+          </c:txPr>
+        </c:title>
+        <c:numFmt formatCode="General" sourceLinked="1"/>
+        <c:majorTickMark val="none"/>
+        <c:minorTickMark val="none"/>
+        <c:tickLblPos val="nextTo"/>
+        <c:spPr>
+          <a:noFill/>
+          <a:ln w="9525" cap="flat" cmpd="sng" algn="ctr">
+            <a:solidFill>
+              <a:schemeClr val="tx1">
+                <a:lumMod val="25000"/>
+                <a:lumOff val="75000"/>
+              </a:schemeClr>
+            </a:solidFill>
+            <a:round/>
+          </a:ln>
+          <a:effectLst/>
+        </c:spPr>
+        <c:txPr>
+          <a:bodyPr rot="-60000000" spcFirstLastPara="1" vertOverflow="ellipsis" vert="horz" wrap="square" anchor="ctr" anchorCtr="1"/>
+          <a:lstStyle/>
+          <a:p>
+            <a:pPr>
+              <a:defRPr sz="1200" b="0" i="0" u="none" strike="noStrike" kern="1200" baseline="0">
+                <a:solidFill>
+                  <a:schemeClr val="tx1">
+                    <a:lumMod val="65000"/>
+                    <a:lumOff val="35000"/>
+                  </a:schemeClr>
+                </a:solidFill>
+                <a:latin typeface="+mn-lt"/>
+                <a:ea typeface="+mn-ea"/>
+                <a:cs typeface="+mn-cs"/>
+              </a:defRPr>
+            </a:pPr>
+            <a:endParaRPr lang="ru-RU"/>
+          </a:p>
+        </c:txPr>
+        <c:crossAx val="468073168"/>
+        <c:crosses val="autoZero"/>
+        <c:crossBetween val="midCat"/>
+      </c:valAx>
+      <c:valAx>
+        <c:axId val="468073168"/>
+        <c:scaling>
+          <c:orientation val="minMax"/>
+        </c:scaling>
+        <c:delete val="0"/>
+        <c:axPos val="l"/>
+        <c:majorGridlines>
+          <c:spPr>
+            <a:ln w="9525" cap="flat" cmpd="sng" algn="ctr">
+              <a:solidFill>
+                <a:schemeClr val="tx1">
+                  <a:lumMod val="15000"/>
+                  <a:lumOff val="85000"/>
+                </a:schemeClr>
+              </a:solidFill>
+              <a:round/>
+            </a:ln>
+            <a:effectLst/>
+          </c:spPr>
+        </c:majorGridlines>
+        <c:minorGridlines>
+          <c:spPr>
+            <a:ln w="9525" cap="flat" cmpd="sng" algn="ctr">
+              <a:solidFill>
+                <a:schemeClr val="tx1">
+                  <a:lumMod val="5000"/>
+                  <a:lumOff val="95000"/>
+                </a:schemeClr>
+              </a:solidFill>
+              <a:round/>
+            </a:ln>
+            <a:effectLst/>
+          </c:spPr>
+        </c:minorGridlines>
+        <c:title>
+          <c:tx>
+            <c:rich>
+              <a:bodyPr rot="-5400000" spcFirstLastPara="1" vertOverflow="ellipsis" vert="horz" wrap="square" anchor="ctr" anchorCtr="1"/>
+              <a:lstStyle/>
+              <a:p>
+                <a:pPr>
+                  <a:defRPr sz="1400" b="0" i="0" u="none" strike="noStrike" kern="1200" baseline="0">
+                    <a:solidFill>
+                      <a:schemeClr val="tx1">
+                        <a:lumMod val="65000"/>
+                        <a:lumOff val="35000"/>
+                      </a:schemeClr>
+                    </a:solidFill>
+                    <a:latin typeface="+mn-lt"/>
+                    <a:ea typeface="+mn-ea"/>
+                    <a:cs typeface="+mn-cs"/>
+                  </a:defRPr>
+                </a:pPr>
+                <a:r>
+                  <a:rPr lang="ru-RU" sz="1400"/>
+                  <a:t>Смещение,</a:t>
+                </a:r>
+                <a:r>
+                  <a:rPr lang="ru-RU" sz="1400" baseline="0"/>
+                  <a:t> мм</a:t>
+                </a:r>
+                <a:endParaRPr lang="ru-RU" sz="1400"/>
+              </a:p>
+            </c:rich>
+          </c:tx>
+          <c:layout/>
+          <c:overlay val="0"/>
+          <c:spPr>
+            <a:noFill/>
+            <a:ln>
+              <a:noFill/>
+            </a:ln>
+            <a:effectLst/>
+          </c:spPr>
+          <c:txPr>
+            <a:bodyPr rot="-5400000" spcFirstLastPara="1" vertOverflow="ellipsis" vert="horz" wrap="square" anchor="ctr" anchorCtr="1"/>
+            <a:lstStyle/>
+            <a:p>
+              <a:pPr>
+                <a:defRPr sz="1400" b="0" i="0" u="none" strike="noStrike" kern="1200" baseline="0">
+                  <a:solidFill>
+                    <a:schemeClr val="tx1">
+                      <a:lumMod val="65000"/>
+                      <a:lumOff val="35000"/>
+                    </a:schemeClr>
+                  </a:solidFill>
+                  <a:latin typeface="+mn-lt"/>
+                  <a:ea typeface="+mn-ea"/>
+                  <a:cs typeface="+mn-cs"/>
+                </a:defRPr>
+              </a:pPr>
+              <a:endParaRPr lang="ru-RU"/>
+            </a:p>
+          </c:txPr>
+        </c:title>
+        <c:numFmt formatCode="0.000" sourceLinked="1"/>
+        <c:majorTickMark val="none"/>
+        <c:minorTickMark val="none"/>
+        <c:tickLblPos val="nextTo"/>
+        <c:spPr>
+          <a:noFill/>
+          <a:ln w="9525" cap="flat" cmpd="sng" algn="ctr">
+            <a:solidFill>
+              <a:schemeClr val="tx1">
+                <a:lumMod val="25000"/>
+                <a:lumOff val="75000"/>
+              </a:schemeClr>
+            </a:solidFill>
+            <a:round/>
+          </a:ln>
+          <a:effectLst/>
+        </c:spPr>
+        <c:txPr>
+          <a:bodyPr rot="-60000000" spcFirstLastPara="1" vertOverflow="ellipsis" vert="horz" wrap="square" anchor="ctr" anchorCtr="1"/>
+          <a:lstStyle/>
+          <a:p>
+            <a:pPr>
+              <a:defRPr sz="1200" b="0" i="0" u="none" strike="noStrike" kern="1200" baseline="0">
+                <a:solidFill>
+                  <a:schemeClr val="tx1">
+                    <a:lumMod val="65000"/>
+                    <a:lumOff val="35000"/>
+                  </a:schemeClr>
+                </a:solidFill>
+                <a:latin typeface="+mn-lt"/>
+                <a:ea typeface="+mn-ea"/>
+                <a:cs typeface="+mn-cs"/>
+              </a:defRPr>
+            </a:pPr>
+            <a:endParaRPr lang="ru-RU"/>
+          </a:p>
+        </c:txPr>
+        <c:crossAx val="468072776"/>
+        <c:crosses val="autoZero"/>
+        <c:crossBetween val="midCat"/>
+      </c:valAx>
+      <c:spPr>
+        <a:noFill/>
+        <a:ln>
+          <a:noFill/>
+        </a:ln>
+        <a:effectLst/>
+      </c:spPr>
+    </c:plotArea>
+    <c:legend>
+      <c:legendPos val="b"/>
+      <c:layout/>
+      <c:overlay val="0"/>
+      <c:spPr>
+        <a:noFill/>
+        <a:ln>
+          <a:noFill/>
+        </a:ln>
+        <a:effectLst/>
+      </c:spPr>
+      <c:txPr>
+        <a:bodyPr rot="0" spcFirstLastPara="1" vertOverflow="ellipsis" vert="horz" wrap="square" anchor="ctr" anchorCtr="1"/>
+        <a:lstStyle/>
+        <a:p>
+          <a:pPr>
+            <a:defRPr sz="900" b="0" i="0" u="none" strike="noStrike" kern="1200" baseline="0">
+              <a:solidFill>
+                <a:schemeClr val="tx1">
+                  <a:lumMod val="65000"/>
+                  <a:lumOff val="35000"/>
+                </a:schemeClr>
+              </a:solidFill>
+              <a:latin typeface="+mn-lt"/>
+              <a:ea typeface="+mn-ea"/>
+              <a:cs typeface="+mn-cs"/>
+            </a:defRPr>
+          </a:pPr>
+          <a:endParaRPr lang="ru-RU"/>
+        </a:p>
+      </c:txPr>
+    </c:legend>
+    <c:plotVisOnly val="1"/>
+    <c:dispBlanksAs val="gap"/>
+    <c:showDLblsOverMax val="0"/>
+  </c:chart>
+  <c:spPr>
+    <a:noFill/>
+    <a:ln>
+      <a:noFill/>
+    </a:ln>
+    <a:effectLst/>
+  </c:spPr>
+  <c:txPr>
+    <a:bodyPr/>
+    <a:lstStyle/>
+    <a:p>
+      <a:pPr>
+        <a:defRPr/>
+      </a:pPr>
+      <a:endParaRPr lang="ru-RU"/>
+    </a:p>
+  </c:txPr>
+  <c:externalData r:id="rId3">
+    <c:autoUpdate val="0"/>
+  </c:externalData>
+</c:chartSpace>
+</file>
+
+<file path=ppt/charts/chart3.xml><?xml version="1.0" encoding="utf-8"?>
+<c:chartSpace xmlns:c="http://schemas.openxmlformats.org/drawingml/2006/chart" xmlns:a="http://schemas.openxmlformats.org/drawingml/2006/main" xmlns:r="http://schemas.openxmlformats.org/officeDocument/2006/relationships">
+  <c:date1904 val="0"/>
+  <c:lang val="ru-RU"/>
+  <c:roundedCorners val="0"/>
+  <mc:AlternateContent xmlns:mc="http://schemas.openxmlformats.org/markup-compatibility/2006">
+    <mc:Choice xmlns:c14="http://schemas.microsoft.com/office/drawing/2007/8/2/chart" Requires="c14">
+      <c14:style val="102"/>
+    </mc:Choice>
+    <mc:Fallback>
+      <c:style val="2"/>
+    </mc:Fallback>
+  </mc:AlternateContent>
+  <c:chart>
+    <c:autoTitleDeleted val="1"/>
+    <c:plotArea>
+      <c:layout/>
+      <c:scatterChart>
+        <c:scatterStyle val="smoothMarker"/>
+        <c:varyColors val="0"/>
+        <c:ser>
+          <c:idx val="0"/>
+          <c:order val="0"/>
+          <c:tx>
+            <c:v>Эксперимент</c:v>
+          </c:tx>
+          <c:spPr>
+            <a:ln w="19050" cap="rnd">
+              <a:solidFill>
+                <a:schemeClr val="accent1"/>
+              </a:solidFill>
+              <a:round/>
+            </a:ln>
+            <a:effectLst/>
+          </c:spPr>
+          <c:marker>
+            <c:symbol val="circle"/>
+            <c:size val="5"/>
+            <c:spPr>
+              <a:solidFill>
+                <a:schemeClr val="accent1"/>
+              </a:solidFill>
+              <a:ln w="9525">
+                <a:solidFill>
+                  <a:schemeClr val="accent1"/>
+                </a:solidFill>
+              </a:ln>
+              <a:effectLst/>
+            </c:spPr>
+          </c:marker>
+          <c:xVal>
+            <c:numRef>
+              <c:f>Лист1!$C$4:$C$13</c:f>
+              <c:numCache>
+                <c:formatCode>General</c:formatCode>
+                <c:ptCount val="10"/>
+                <c:pt idx="0">
+                  <c:v>3</c:v>
+                </c:pt>
+                <c:pt idx="1">
+                  <c:v>6</c:v>
+                </c:pt>
+                <c:pt idx="2">
+                  <c:v>9</c:v>
+                </c:pt>
+                <c:pt idx="3">
+                  <c:v>12</c:v>
+                </c:pt>
+                <c:pt idx="4">
+                  <c:v>15</c:v>
+                </c:pt>
+                <c:pt idx="5">
+                  <c:v>18</c:v>
+                </c:pt>
+                <c:pt idx="6">
+                  <c:v>21</c:v>
+                </c:pt>
+                <c:pt idx="7">
+                  <c:v>24</c:v>
+                </c:pt>
+                <c:pt idx="8">
+                  <c:v>27</c:v>
+                </c:pt>
+                <c:pt idx="9">
+                  <c:v>30</c:v>
+                </c:pt>
+              </c:numCache>
+            </c:numRef>
+          </c:xVal>
+          <c:yVal>
+            <c:numRef>
+              <c:f>Лист1!$D$4:$D$13</c:f>
+              <c:numCache>
+                <c:formatCode>General</c:formatCode>
+                <c:ptCount val="10"/>
+                <c:pt idx="0">
+                  <c:v>0.1</c:v>
+                </c:pt>
+                <c:pt idx="1">
+                  <c:v>0.16</c:v>
+                </c:pt>
+                <c:pt idx="2">
+                  <c:v>0.24</c:v>
+                </c:pt>
+                <c:pt idx="3">
+                  <c:v>0.39</c:v>
+                </c:pt>
+                <c:pt idx="4">
+                  <c:v>0.62</c:v>
+                </c:pt>
+                <c:pt idx="5">
+                  <c:v>0.93</c:v>
+                </c:pt>
+                <c:pt idx="6">
+                  <c:v>1.44</c:v>
+                </c:pt>
+                <c:pt idx="7">
+                  <c:v>2.2000000000000002</c:v>
+                </c:pt>
+                <c:pt idx="8">
+                  <c:v>3.3</c:v>
+                </c:pt>
+                <c:pt idx="9">
+                  <c:v>4.9400000000000004</c:v>
+                </c:pt>
+              </c:numCache>
+            </c:numRef>
+          </c:yVal>
+          <c:smooth val="1"/>
+        </c:ser>
+        <c:ser>
+          <c:idx val="1"/>
+          <c:order val="1"/>
+          <c:tx>
+            <c:v>Модель </c:v>
+          </c:tx>
+          <c:spPr>
+            <a:ln w="19050" cap="rnd">
+              <a:solidFill>
+                <a:schemeClr val="accent2"/>
+              </a:solidFill>
+              <a:round/>
+            </a:ln>
+            <a:effectLst/>
+          </c:spPr>
+          <c:marker>
+            <c:symbol val="circle"/>
+            <c:size val="5"/>
+            <c:spPr>
+              <a:solidFill>
+                <a:schemeClr val="accent2"/>
+              </a:solidFill>
+              <a:ln w="9525">
+                <a:solidFill>
+                  <a:schemeClr val="accent2"/>
+                </a:solidFill>
+              </a:ln>
+              <a:effectLst/>
+            </c:spPr>
+          </c:marker>
+          <c:xVal>
+            <c:numRef>
+              <c:f>Лист1!$C$64:$C$73</c:f>
+              <c:numCache>
+                <c:formatCode>General</c:formatCode>
+                <c:ptCount val="10"/>
+                <c:pt idx="0">
+                  <c:v>3</c:v>
+                </c:pt>
+                <c:pt idx="1">
+                  <c:v>6</c:v>
+                </c:pt>
+                <c:pt idx="2">
+                  <c:v>9</c:v>
+                </c:pt>
+                <c:pt idx="3">
+                  <c:v>12</c:v>
+                </c:pt>
+                <c:pt idx="4">
+                  <c:v>15</c:v>
+                </c:pt>
+                <c:pt idx="5">
+                  <c:v>18</c:v>
+                </c:pt>
+                <c:pt idx="6">
+                  <c:v>21</c:v>
+                </c:pt>
+                <c:pt idx="7">
+                  <c:v>24</c:v>
+                </c:pt>
+                <c:pt idx="8">
+                  <c:v>27</c:v>
+                </c:pt>
+                <c:pt idx="9">
+                  <c:v>30</c:v>
+                </c:pt>
+              </c:numCache>
+            </c:numRef>
+          </c:xVal>
+          <c:yVal>
+            <c:numRef>
+              <c:f>Лист1!$D$64:$D$73</c:f>
+              <c:numCache>
+                <c:formatCode>0.000</c:formatCode>
+                <c:ptCount val="10"/>
+                <c:pt idx="0">
+                  <c:v>3.6592785075420499E-2</c:v>
+                </c:pt>
+                <c:pt idx="1">
+                  <c:v>0.146371140301682</c:v>
+                </c:pt>
+                <c:pt idx="2">
+                  <c:v>0.32933506567877602</c:v>
+                </c:pt>
+                <c:pt idx="3">
+                  <c:v>0.58548456120672798</c:v>
+                </c:pt>
+                <c:pt idx="4">
+                  <c:v>0.91481962688549701</c:v>
+                </c:pt>
+                <c:pt idx="5">
+                  <c:v>1.3173402627151101</c:v>
+                </c:pt>
+                <c:pt idx="6">
+                  <c:v>1.79304646869567</c:v>
+                </c:pt>
+                <c:pt idx="7">
+                  <c:v>2.3419382448269102</c:v>
+                </c:pt>
+                <c:pt idx="8">
+                  <c:v>2.9640155911088701</c:v>
+                </c:pt>
+                <c:pt idx="9">
+                  <c:v>3.6592785075419898</c:v>
+                </c:pt>
+              </c:numCache>
+            </c:numRef>
+          </c:yVal>
+          <c:smooth val="1"/>
+        </c:ser>
+        <c:dLbls>
+          <c:showLegendKey val="0"/>
+          <c:showVal val="0"/>
+          <c:showCatName val="0"/>
+          <c:showSerName val="0"/>
+          <c:showPercent val="0"/>
+          <c:showBubbleSize val="0"/>
+        </c:dLbls>
+        <c:axId val="534749816"/>
+        <c:axId val="534750208"/>
+      </c:scatterChart>
+      <c:valAx>
+        <c:axId val="534749816"/>
+        <c:scaling>
+          <c:orientation val="minMax"/>
+        </c:scaling>
+        <c:delete val="0"/>
+        <c:axPos val="b"/>
+        <c:majorGridlines>
+          <c:spPr>
+            <a:ln w="9525" cap="flat" cmpd="sng" algn="ctr">
+              <a:solidFill>
+                <a:schemeClr val="tx1">
+                  <a:lumMod val="15000"/>
+                  <a:lumOff val="85000"/>
+                </a:schemeClr>
+              </a:solidFill>
+              <a:round/>
+            </a:ln>
+            <a:effectLst/>
+          </c:spPr>
+        </c:majorGridlines>
+        <c:minorGridlines>
+          <c:spPr>
+            <a:ln w="9525" cap="flat" cmpd="sng" algn="ctr">
+              <a:solidFill>
+                <a:schemeClr val="tx1">
+                  <a:lumMod val="5000"/>
+                  <a:lumOff val="95000"/>
+                </a:schemeClr>
+              </a:solidFill>
+              <a:round/>
+            </a:ln>
+            <a:effectLst/>
+          </c:spPr>
+        </c:minorGridlines>
+        <c:title>
+          <c:tx>
+            <c:rich>
+              <a:bodyPr rot="0" spcFirstLastPara="1" vertOverflow="ellipsis" vert="horz" wrap="square" anchor="ctr" anchorCtr="1"/>
+              <a:lstStyle/>
+              <a:p>
+                <a:pPr>
+                  <a:defRPr sz="1400" b="0" i="0" u="none" strike="noStrike" kern="1200" baseline="0">
+                    <a:solidFill>
+                      <a:schemeClr val="tx1">
+                        <a:lumMod val="65000"/>
+                        <a:lumOff val="35000"/>
+                      </a:schemeClr>
+                    </a:solidFill>
+                    <a:latin typeface="+mn-lt"/>
+                    <a:ea typeface="+mn-ea"/>
+                    <a:cs typeface="+mn-cs"/>
+                  </a:defRPr>
+                </a:pPr>
+                <a:r>
+                  <a:rPr lang="ru-RU" sz="1400" baseline="0"/>
+                  <a:t>Скорость, мм/с</a:t>
+                </a:r>
+                <a:endParaRPr lang="ru-RU" sz="1400"/>
+              </a:p>
+            </c:rich>
+          </c:tx>
+          <c:layout/>
+          <c:overlay val="0"/>
+          <c:spPr>
+            <a:noFill/>
+            <a:ln>
+              <a:noFill/>
+            </a:ln>
+            <a:effectLst/>
+          </c:spPr>
+          <c:txPr>
+            <a:bodyPr rot="0" spcFirstLastPara="1" vertOverflow="ellipsis" vert="horz" wrap="square" anchor="ctr" anchorCtr="1"/>
+            <a:lstStyle/>
+            <a:p>
+              <a:pPr>
+                <a:defRPr sz="1400" b="0" i="0" u="none" strike="noStrike" kern="1200" baseline="0">
+                  <a:solidFill>
+                    <a:schemeClr val="tx1">
+                      <a:lumMod val="65000"/>
+                      <a:lumOff val="35000"/>
+                    </a:schemeClr>
+                  </a:solidFill>
+                  <a:latin typeface="+mn-lt"/>
+                  <a:ea typeface="+mn-ea"/>
+                  <a:cs typeface="+mn-cs"/>
+                </a:defRPr>
+              </a:pPr>
+              <a:endParaRPr lang="ru-RU"/>
+            </a:p>
+          </c:txPr>
+        </c:title>
+        <c:numFmt formatCode="General" sourceLinked="1"/>
+        <c:majorTickMark val="none"/>
+        <c:minorTickMark val="none"/>
+        <c:tickLblPos val="nextTo"/>
+        <c:spPr>
+          <a:noFill/>
+          <a:ln w="9525" cap="flat" cmpd="sng" algn="ctr">
+            <a:solidFill>
+              <a:schemeClr val="tx1">
+                <a:lumMod val="25000"/>
+                <a:lumOff val="75000"/>
+              </a:schemeClr>
+            </a:solidFill>
+            <a:round/>
+          </a:ln>
+          <a:effectLst/>
+        </c:spPr>
+        <c:txPr>
+          <a:bodyPr rot="-60000000" spcFirstLastPara="1" vertOverflow="ellipsis" vert="horz" wrap="square" anchor="ctr" anchorCtr="1"/>
+          <a:lstStyle/>
+          <a:p>
+            <a:pPr>
+              <a:defRPr sz="1200" b="0" i="0" u="none" strike="noStrike" kern="1200" baseline="0">
+                <a:solidFill>
+                  <a:schemeClr val="tx1">
+                    <a:lumMod val="65000"/>
+                    <a:lumOff val="35000"/>
+                  </a:schemeClr>
+                </a:solidFill>
+                <a:latin typeface="+mn-lt"/>
+                <a:ea typeface="+mn-ea"/>
+                <a:cs typeface="+mn-cs"/>
+              </a:defRPr>
+            </a:pPr>
+            <a:endParaRPr lang="ru-RU"/>
+          </a:p>
+        </c:txPr>
+        <c:crossAx val="534750208"/>
+        <c:crosses val="autoZero"/>
+        <c:crossBetween val="midCat"/>
+      </c:valAx>
+      <c:valAx>
+        <c:axId val="534750208"/>
+        <c:scaling>
+          <c:orientation val="minMax"/>
+        </c:scaling>
+        <c:delete val="0"/>
+        <c:axPos val="l"/>
+        <c:majorGridlines>
+          <c:spPr>
+            <a:ln w="9525" cap="flat" cmpd="sng" algn="ctr">
+              <a:solidFill>
+                <a:schemeClr val="tx1">
+                  <a:lumMod val="15000"/>
+                  <a:lumOff val="85000"/>
+                </a:schemeClr>
+              </a:solidFill>
+              <a:round/>
+            </a:ln>
+            <a:effectLst/>
+          </c:spPr>
+        </c:majorGridlines>
+        <c:minorGridlines>
+          <c:spPr>
+            <a:ln w="9525" cap="flat" cmpd="sng" algn="ctr">
+              <a:solidFill>
+                <a:schemeClr val="tx1">
+                  <a:lumMod val="5000"/>
+                  <a:lumOff val="95000"/>
+                </a:schemeClr>
+              </a:solidFill>
+              <a:round/>
+            </a:ln>
+            <a:effectLst/>
+          </c:spPr>
+        </c:minorGridlines>
+        <c:title>
+          <c:tx>
+            <c:rich>
+              <a:bodyPr rot="-5400000" spcFirstLastPara="1" vertOverflow="ellipsis" vert="horz" wrap="square" anchor="ctr" anchorCtr="1"/>
+              <a:lstStyle/>
+              <a:p>
+                <a:pPr>
+                  <a:defRPr sz="1400" b="0" i="0" u="none" strike="noStrike" kern="1200" baseline="0">
+                    <a:solidFill>
+                      <a:schemeClr val="tx1">
+                        <a:lumMod val="65000"/>
+                        <a:lumOff val="35000"/>
+                      </a:schemeClr>
+                    </a:solidFill>
+                    <a:latin typeface="+mn-lt"/>
+                    <a:ea typeface="+mn-ea"/>
+                    <a:cs typeface="+mn-cs"/>
+                  </a:defRPr>
+                </a:pPr>
+                <a:r>
+                  <a:rPr lang="ru-RU" sz="1400" dirty="0"/>
+                  <a:t>Смещение,</a:t>
+                </a:r>
+                <a:r>
+                  <a:rPr lang="ru-RU" sz="1400" baseline="0" dirty="0"/>
+                  <a:t> мм</a:t>
+                </a:r>
+                <a:endParaRPr lang="ru-RU" sz="1400" dirty="0"/>
+              </a:p>
+            </c:rich>
+          </c:tx>
+          <c:layout/>
+          <c:overlay val="0"/>
+          <c:spPr>
+            <a:noFill/>
+            <a:ln>
+              <a:noFill/>
+            </a:ln>
+            <a:effectLst/>
+          </c:spPr>
+          <c:txPr>
+            <a:bodyPr rot="-5400000" spcFirstLastPara="1" vertOverflow="ellipsis" vert="horz" wrap="square" anchor="ctr" anchorCtr="1"/>
+            <a:lstStyle/>
+            <a:p>
+              <a:pPr>
+                <a:defRPr sz="1400" b="0" i="0" u="none" strike="noStrike" kern="1200" baseline="0">
+                  <a:solidFill>
+                    <a:schemeClr val="tx1">
+                      <a:lumMod val="65000"/>
+                      <a:lumOff val="35000"/>
+                    </a:schemeClr>
+                  </a:solidFill>
+                  <a:latin typeface="+mn-lt"/>
+                  <a:ea typeface="+mn-ea"/>
+                  <a:cs typeface="+mn-cs"/>
+                </a:defRPr>
+              </a:pPr>
+              <a:endParaRPr lang="ru-RU"/>
+            </a:p>
+          </c:txPr>
+        </c:title>
+        <c:numFmt formatCode="General" sourceLinked="1"/>
+        <c:majorTickMark val="none"/>
+        <c:minorTickMark val="none"/>
+        <c:tickLblPos val="nextTo"/>
+        <c:spPr>
+          <a:noFill/>
+          <a:ln w="9525" cap="flat" cmpd="sng" algn="ctr">
+            <a:solidFill>
+              <a:schemeClr val="tx1">
+                <a:lumMod val="25000"/>
+                <a:lumOff val="75000"/>
+              </a:schemeClr>
+            </a:solidFill>
+            <a:round/>
+          </a:ln>
+          <a:effectLst/>
+        </c:spPr>
+        <c:txPr>
+          <a:bodyPr rot="-60000000" spcFirstLastPara="1" vertOverflow="ellipsis" vert="horz" wrap="square" anchor="ctr" anchorCtr="1"/>
+          <a:lstStyle/>
+          <a:p>
+            <a:pPr>
+              <a:defRPr sz="1200" b="0" i="0" u="none" strike="noStrike" kern="1200" baseline="0">
+                <a:solidFill>
+                  <a:schemeClr val="tx1">
+                    <a:lumMod val="65000"/>
+                    <a:lumOff val="35000"/>
+                  </a:schemeClr>
+                </a:solidFill>
+                <a:latin typeface="+mn-lt"/>
+                <a:ea typeface="+mn-ea"/>
+                <a:cs typeface="+mn-cs"/>
+              </a:defRPr>
+            </a:pPr>
+            <a:endParaRPr lang="ru-RU"/>
+          </a:p>
+        </c:txPr>
+        <c:crossAx val="534749816"/>
+        <c:crosses val="autoZero"/>
+        <c:crossBetween val="midCat"/>
+      </c:valAx>
+      <c:spPr>
+        <a:noFill/>
+        <a:ln>
+          <a:noFill/>
+        </a:ln>
+        <a:effectLst/>
+      </c:spPr>
+    </c:plotArea>
+    <c:legend>
+      <c:legendPos val="b"/>
+      <c:layout/>
+      <c:overlay val="0"/>
+      <c:spPr>
+        <a:noFill/>
+        <a:ln>
+          <a:noFill/>
+        </a:ln>
+        <a:effectLst/>
+      </c:spPr>
+      <c:txPr>
+        <a:bodyPr rot="0" spcFirstLastPara="1" vertOverflow="ellipsis" vert="horz" wrap="square" anchor="ctr" anchorCtr="1"/>
+        <a:lstStyle/>
+        <a:p>
+          <a:pPr>
+            <a:defRPr sz="900" b="0" i="0" u="none" strike="noStrike" kern="1200" baseline="0">
+              <a:solidFill>
+                <a:schemeClr val="tx1">
+                  <a:lumMod val="65000"/>
+                  <a:lumOff val="35000"/>
+                </a:schemeClr>
+              </a:solidFill>
+              <a:latin typeface="+mn-lt"/>
+              <a:ea typeface="+mn-ea"/>
+              <a:cs typeface="+mn-cs"/>
+            </a:defRPr>
+          </a:pPr>
+          <a:endParaRPr lang="ru-RU"/>
+        </a:p>
+      </c:txPr>
+    </c:legend>
+    <c:plotVisOnly val="1"/>
+    <c:dispBlanksAs val="gap"/>
+    <c:showDLblsOverMax val="0"/>
+  </c:chart>
+  <c:spPr>
+    <a:noFill/>
+    <a:ln>
+      <a:noFill/>
+    </a:ln>
+    <a:effectLst/>
+  </c:spPr>
+  <c:txPr>
+    <a:bodyPr/>
+    <a:lstStyle/>
+    <a:p>
+      <a:pPr>
+        <a:defRPr/>
+      </a:pPr>
+      <a:endParaRPr lang="ru-RU"/>
+    </a:p>
+  </c:txPr>
+  <c:externalData r:id="rId3">
+    <c:autoUpdate val="0"/>
+  </c:externalData>
+</c:chartSpace>
+</file>
+
+<file path=ppt/charts/chart4.xml><?xml version="1.0" encoding="utf-8"?>
+<c:chartSpace xmlns:c="http://schemas.openxmlformats.org/drawingml/2006/chart" xmlns:a="http://schemas.openxmlformats.org/drawingml/2006/main" xmlns:r="http://schemas.openxmlformats.org/officeDocument/2006/relationships">
+  <c:date1904 val="0"/>
+  <c:lang val="ru-RU"/>
+  <c:roundedCorners val="0"/>
+  <mc:AlternateContent xmlns:mc="http://schemas.openxmlformats.org/markup-compatibility/2006">
+    <mc:Choice xmlns:c14="http://schemas.microsoft.com/office/drawing/2007/8/2/chart" Requires="c14">
+      <c14:style val="102"/>
+    </mc:Choice>
+    <mc:Fallback>
+      <c:style val="2"/>
+    </mc:Fallback>
+  </mc:AlternateContent>
+  <c:chart>
+    <c:title>
+      <c:tx>
+        <c:rich>
+          <a:bodyPr rot="0" spcFirstLastPara="1" vertOverflow="ellipsis" vert="horz" wrap="square" anchor="ctr" anchorCtr="1"/>
+          <a:lstStyle/>
+          <a:p>
+            <a:pPr>
+              <a:defRPr sz="1800" b="0" i="0" u="none" strike="noStrike" kern="1200" spc="0" baseline="0">
+                <a:solidFill>
+                  <a:schemeClr val="tx1">
+                    <a:lumMod val="65000"/>
+                    <a:lumOff val="35000"/>
+                  </a:schemeClr>
+                </a:solidFill>
+                <a:latin typeface="+mn-lt"/>
+                <a:ea typeface="+mn-ea"/>
+                <a:cs typeface="+mn-cs"/>
+              </a:defRPr>
+            </a:pPr>
+            <a:r>
+              <a:rPr lang="ru-RU" sz="1800"/>
+              <a:t>Погрешность</a:t>
+            </a:r>
+          </a:p>
+        </c:rich>
+      </c:tx>
+      <c:layout>
+        <c:manualLayout>
+          <c:xMode val="edge"/>
+          <c:yMode val="edge"/>
+          <c:x val="0.40876215840666974"/>
+          <c:y val="2.6070763500931099E-2"/>
+        </c:manualLayout>
+      </c:layout>
+      <c:overlay val="0"/>
+      <c:spPr>
+        <a:noFill/>
+        <a:ln>
+          <a:noFill/>
+        </a:ln>
+        <a:effectLst/>
+      </c:spPr>
+      <c:txPr>
+        <a:bodyPr rot="0" spcFirstLastPara="1" vertOverflow="ellipsis" vert="horz" wrap="square" anchor="ctr" anchorCtr="1"/>
+        <a:lstStyle/>
+        <a:p>
+          <a:pPr>
+            <a:defRPr sz="1800" b="0" i="0" u="none" strike="noStrike" kern="1200" spc="0" baseline="0">
+              <a:solidFill>
+                <a:schemeClr val="tx1">
+                  <a:lumMod val="65000"/>
+                  <a:lumOff val="35000"/>
+                </a:schemeClr>
+              </a:solidFill>
+              <a:latin typeface="+mn-lt"/>
+              <a:ea typeface="+mn-ea"/>
+              <a:cs typeface="+mn-cs"/>
+            </a:defRPr>
+          </a:pPr>
+          <a:endParaRPr lang="ru-RU"/>
+        </a:p>
+      </c:txPr>
+    </c:title>
+    <c:autoTitleDeleted val="0"/>
+    <c:plotArea>
+      <c:layout/>
+      <c:scatterChart>
+        <c:scatterStyle val="smoothMarker"/>
+        <c:varyColors val="0"/>
+        <c:ser>
+          <c:idx val="0"/>
+          <c:order val="0"/>
+          <c:tx>
+            <c:strRef>
+              <c:f>Лист1!$C$96:$C$105</c:f>
+              <c:strCache>
+                <c:ptCount val="10"/>
+                <c:pt idx="0">
+                  <c:v>3</c:v>
+                </c:pt>
+                <c:pt idx="1">
+                  <c:v>6</c:v>
+                </c:pt>
+                <c:pt idx="2">
+                  <c:v>9</c:v>
+                </c:pt>
+                <c:pt idx="3">
+                  <c:v>12</c:v>
+                </c:pt>
+                <c:pt idx="4">
+                  <c:v>15</c:v>
+                </c:pt>
+                <c:pt idx="5">
+                  <c:v>18</c:v>
+                </c:pt>
+                <c:pt idx="6">
+                  <c:v>21</c:v>
+                </c:pt>
+                <c:pt idx="7">
+                  <c:v>24</c:v>
+                </c:pt>
+                <c:pt idx="8">
+                  <c:v>27</c:v>
+                </c:pt>
+                <c:pt idx="9">
+                  <c:v>30</c:v>
+                </c:pt>
+              </c:strCache>
+            </c:strRef>
+          </c:tx>
+          <c:spPr>
+            <a:ln w="19050" cap="rnd">
+              <a:solidFill>
+                <a:schemeClr val="accent1"/>
+              </a:solidFill>
+              <a:round/>
+            </a:ln>
+            <a:effectLst/>
+          </c:spPr>
+          <c:marker>
+            <c:symbol val="circle"/>
+            <c:size val="5"/>
+            <c:spPr>
+              <a:solidFill>
+                <a:schemeClr val="accent1"/>
+              </a:solidFill>
+              <a:ln w="9525">
+                <a:solidFill>
+                  <a:schemeClr val="accent1"/>
+                </a:solidFill>
+              </a:ln>
+              <a:effectLst/>
+            </c:spPr>
+          </c:marker>
+          <c:xVal>
+            <c:numRef>
+              <c:f>Лист1!$C$96:$C$105</c:f>
+              <c:numCache>
+                <c:formatCode>General</c:formatCode>
+                <c:ptCount val="10"/>
+                <c:pt idx="0">
+                  <c:v>3</c:v>
+                </c:pt>
+                <c:pt idx="1">
+                  <c:v>6</c:v>
+                </c:pt>
+                <c:pt idx="2">
+                  <c:v>9</c:v>
+                </c:pt>
+                <c:pt idx="3">
+                  <c:v>12</c:v>
+                </c:pt>
+                <c:pt idx="4">
+                  <c:v>15</c:v>
+                </c:pt>
+                <c:pt idx="5">
+                  <c:v>18</c:v>
+                </c:pt>
+                <c:pt idx="6">
+                  <c:v>21</c:v>
+                </c:pt>
+                <c:pt idx="7">
+                  <c:v>24</c:v>
+                </c:pt>
+                <c:pt idx="8">
+                  <c:v>27</c:v>
+                </c:pt>
+                <c:pt idx="9">
+                  <c:v>30</c:v>
+                </c:pt>
+              </c:numCache>
+            </c:numRef>
+          </c:xVal>
+          <c:yVal>
+            <c:numRef>
+              <c:f>Лист1!$F$96:$F$105</c:f>
+              <c:numCache>
+                <c:formatCode>0.000</c:formatCode>
+                <c:ptCount val="10"/>
+                <c:pt idx="0">
+                  <c:v>6.3407214924579514E-2</c:v>
+                </c:pt>
+                <c:pt idx="1">
+                  <c:v>1.3628859698318008E-2</c:v>
+                </c:pt>
+                <c:pt idx="2">
+                  <c:v>8.9335065678776027E-2</c:v>
+                </c:pt>
+                <c:pt idx="3">
+                  <c:v>0.19548456120672797</c:v>
+                </c:pt>
+                <c:pt idx="4">
+                  <c:v>0.29481962688549701</c:v>
+                </c:pt>
+                <c:pt idx="5">
+                  <c:v>0.38734026271511002</c:v>
+                </c:pt>
+                <c:pt idx="6">
+                  <c:v>0.35304646869567002</c:v>
+                </c:pt>
+                <c:pt idx="7">
+                  <c:v>0.14193824482690998</c:v>
+                </c:pt>
+                <c:pt idx="8">
+                  <c:v>0.33598440889112968</c:v>
+                </c:pt>
+                <c:pt idx="9">
+                  <c:v>1.2807214924580106</c:v>
+                </c:pt>
+              </c:numCache>
+            </c:numRef>
+          </c:yVal>
+          <c:smooth val="1"/>
+        </c:ser>
+        <c:dLbls>
+          <c:showLegendKey val="0"/>
+          <c:showVal val="0"/>
+          <c:showCatName val="0"/>
+          <c:showSerName val="0"/>
+          <c:showPercent val="0"/>
+          <c:showBubbleSize val="0"/>
+        </c:dLbls>
+        <c:axId val="462821008"/>
+        <c:axId val="475598832"/>
+      </c:scatterChart>
+      <c:valAx>
+        <c:axId val="462821008"/>
+        <c:scaling>
+          <c:orientation val="minMax"/>
+        </c:scaling>
+        <c:delete val="0"/>
+        <c:axPos val="b"/>
+        <c:majorGridlines>
+          <c:spPr>
+            <a:ln w="9525" cap="flat" cmpd="sng" algn="ctr">
+              <a:solidFill>
+                <a:schemeClr val="tx1">
+                  <a:lumMod val="15000"/>
+                  <a:lumOff val="85000"/>
+                </a:schemeClr>
+              </a:solidFill>
+              <a:round/>
+            </a:ln>
+            <a:effectLst/>
+          </c:spPr>
+        </c:majorGridlines>
+        <c:minorGridlines>
+          <c:spPr>
+            <a:ln w="9525" cap="flat" cmpd="sng" algn="ctr">
+              <a:solidFill>
+                <a:schemeClr val="tx1">
+                  <a:lumMod val="5000"/>
+                  <a:lumOff val="95000"/>
+                </a:schemeClr>
+              </a:solidFill>
+              <a:round/>
+            </a:ln>
+            <a:effectLst/>
+          </c:spPr>
+        </c:minorGridlines>
+        <c:title>
+          <c:tx>
+            <c:rich>
+              <a:bodyPr rot="0" spcFirstLastPara="1" vertOverflow="ellipsis" vert="horz" wrap="square" anchor="ctr" anchorCtr="1"/>
+              <a:lstStyle/>
+              <a:p>
+                <a:pPr>
+                  <a:defRPr sz="1200" b="0" i="0" u="none" strike="noStrike" kern="1200" baseline="0">
+                    <a:solidFill>
+                      <a:schemeClr val="tx1">
+                        <a:lumMod val="65000"/>
+                        <a:lumOff val="35000"/>
+                      </a:schemeClr>
+                    </a:solidFill>
+                    <a:latin typeface="+mn-lt"/>
+                    <a:ea typeface="+mn-ea"/>
+                    <a:cs typeface="+mn-cs"/>
+                  </a:defRPr>
+                </a:pPr>
+                <a:r>
+                  <a:rPr lang="ru-RU"/>
+                  <a:t>Скорость, мм/с</a:t>
+                </a:r>
+              </a:p>
+            </c:rich>
+          </c:tx>
+          <c:layout/>
+          <c:overlay val="0"/>
+          <c:spPr>
+            <a:noFill/>
+            <a:ln>
+              <a:noFill/>
+            </a:ln>
+            <a:effectLst/>
+          </c:spPr>
+          <c:txPr>
+            <a:bodyPr rot="0" spcFirstLastPara="1" vertOverflow="ellipsis" vert="horz" wrap="square" anchor="ctr" anchorCtr="1"/>
+            <a:lstStyle/>
+            <a:p>
+              <a:pPr>
+                <a:defRPr sz="1200" b="0" i="0" u="none" strike="noStrike" kern="1200" baseline="0">
+                  <a:solidFill>
+                    <a:schemeClr val="tx1">
+                      <a:lumMod val="65000"/>
+                      <a:lumOff val="35000"/>
+                    </a:schemeClr>
+                  </a:solidFill>
+                  <a:latin typeface="+mn-lt"/>
+                  <a:ea typeface="+mn-ea"/>
+                  <a:cs typeface="+mn-cs"/>
+                </a:defRPr>
+              </a:pPr>
+              <a:endParaRPr lang="ru-RU"/>
+            </a:p>
+          </c:txPr>
+        </c:title>
+        <c:numFmt formatCode="General" sourceLinked="1"/>
+        <c:majorTickMark val="none"/>
+        <c:minorTickMark val="none"/>
+        <c:tickLblPos val="nextTo"/>
+        <c:spPr>
+          <a:noFill/>
+          <a:ln w="9525" cap="flat" cmpd="sng" algn="ctr">
+            <a:solidFill>
+              <a:schemeClr val="tx1">
+                <a:lumMod val="25000"/>
+                <a:lumOff val="75000"/>
+              </a:schemeClr>
+            </a:solidFill>
+            <a:round/>
+          </a:ln>
+          <a:effectLst/>
+        </c:spPr>
+        <c:txPr>
+          <a:bodyPr rot="-60000000" spcFirstLastPara="1" vertOverflow="ellipsis" vert="horz" wrap="square" anchor="ctr" anchorCtr="1"/>
+          <a:lstStyle/>
+          <a:p>
+            <a:pPr>
+              <a:defRPr sz="1200" b="0" i="0" u="none" strike="noStrike" kern="1200" baseline="0">
+                <a:solidFill>
+                  <a:schemeClr val="tx1">
+                    <a:lumMod val="65000"/>
+                    <a:lumOff val="35000"/>
+                  </a:schemeClr>
+                </a:solidFill>
+                <a:latin typeface="+mn-lt"/>
+                <a:ea typeface="+mn-ea"/>
+                <a:cs typeface="+mn-cs"/>
+              </a:defRPr>
+            </a:pPr>
+            <a:endParaRPr lang="ru-RU"/>
+          </a:p>
+        </c:txPr>
+        <c:crossAx val="475598832"/>
+        <c:crosses val="autoZero"/>
+        <c:crossBetween val="midCat"/>
+      </c:valAx>
+      <c:valAx>
+        <c:axId val="475598832"/>
+        <c:scaling>
+          <c:orientation val="minMax"/>
+        </c:scaling>
+        <c:delete val="0"/>
+        <c:axPos val="l"/>
+        <c:majorGridlines>
+          <c:spPr>
+            <a:ln w="9525" cap="flat" cmpd="sng" algn="ctr">
+              <a:solidFill>
+                <a:schemeClr val="tx1">
+                  <a:lumMod val="15000"/>
+                  <a:lumOff val="85000"/>
+                </a:schemeClr>
+              </a:solidFill>
+              <a:round/>
+            </a:ln>
+            <a:effectLst/>
+          </c:spPr>
+        </c:majorGridlines>
+        <c:minorGridlines>
+          <c:spPr>
+            <a:ln w="9525" cap="flat" cmpd="sng" algn="ctr">
+              <a:solidFill>
+                <a:schemeClr val="tx1">
+                  <a:lumMod val="5000"/>
+                  <a:lumOff val="95000"/>
+                </a:schemeClr>
+              </a:solidFill>
+              <a:round/>
+            </a:ln>
+            <a:effectLst/>
+          </c:spPr>
+        </c:minorGridlines>
+        <c:title>
+          <c:tx>
+            <c:rich>
+              <a:bodyPr rot="-5400000" spcFirstLastPara="1" vertOverflow="ellipsis" vert="horz" wrap="square" anchor="ctr" anchorCtr="1"/>
+              <a:lstStyle/>
+              <a:p>
+                <a:pPr>
+                  <a:defRPr sz="1200" b="0" i="0" u="none" strike="noStrike" kern="1200" baseline="0">
+                    <a:solidFill>
+                      <a:schemeClr val="tx1">
+                        <a:lumMod val="65000"/>
+                        <a:lumOff val="35000"/>
+                      </a:schemeClr>
+                    </a:solidFill>
+                    <a:latin typeface="+mn-lt"/>
+                    <a:ea typeface="+mn-ea"/>
+                    <a:cs typeface="+mn-cs"/>
+                  </a:defRPr>
+                </a:pPr>
+                <a:r>
+                  <a:rPr lang="ru-RU" sz="1200"/>
+                  <a:t>Смещение, мм</a:t>
+                </a:r>
+              </a:p>
+            </c:rich>
+          </c:tx>
+          <c:layout/>
+          <c:overlay val="0"/>
+          <c:spPr>
+            <a:noFill/>
+            <a:ln>
+              <a:noFill/>
+            </a:ln>
+            <a:effectLst/>
+          </c:spPr>
+          <c:txPr>
+            <a:bodyPr rot="-5400000" spcFirstLastPara="1" vertOverflow="ellipsis" vert="horz" wrap="square" anchor="ctr" anchorCtr="1"/>
+            <a:lstStyle/>
+            <a:p>
+              <a:pPr>
+                <a:defRPr sz="1200" b="0" i="0" u="none" strike="noStrike" kern="1200" baseline="0">
+                  <a:solidFill>
+                    <a:schemeClr val="tx1">
+                      <a:lumMod val="65000"/>
+                      <a:lumOff val="35000"/>
+                    </a:schemeClr>
+                  </a:solidFill>
+                  <a:latin typeface="+mn-lt"/>
+                  <a:ea typeface="+mn-ea"/>
+                  <a:cs typeface="+mn-cs"/>
+                </a:defRPr>
+              </a:pPr>
+              <a:endParaRPr lang="ru-RU"/>
+            </a:p>
+          </c:txPr>
+        </c:title>
+        <c:numFmt formatCode="0.000" sourceLinked="1"/>
+        <c:majorTickMark val="none"/>
+        <c:minorTickMark val="none"/>
+        <c:tickLblPos val="nextTo"/>
+        <c:spPr>
+          <a:noFill/>
+          <a:ln w="9525" cap="flat" cmpd="sng" algn="ctr">
+            <a:solidFill>
+              <a:schemeClr val="tx1">
+                <a:lumMod val="25000"/>
+                <a:lumOff val="75000"/>
+              </a:schemeClr>
+            </a:solidFill>
+            <a:round/>
+          </a:ln>
+          <a:effectLst/>
+        </c:spPr>
+        <c:txPr>
+          <a:bodyPr rot="-60000000" spcFirstLastPara="1" vertOverflow="ellipsis" vert="horz" wrap="square" anchor="ctr" anchorCtr="1"/>
+          <a:lstStyle/>
+          <a:p>
+            <a:pPr>
+              <a:defRPr sz="1200" b="0" i="0" u="none" strike="noStrike" kern="1200" baseline="0">
+                <a:solidFill>
+                  <a:schemeClr val="tx1">
+                    <a:lumMod val="65000"/>
+                    <a:lumOff val="35000"/>
+                  </a:schemeClr>
+                </a:solidFill>
+                <a:latin typeface="+mn-lt"/>
+                <a:ea typeface="+mn-ea"/>
+                <a:cs typeface="+mn-cs"/>
+              </a:defRPr>
+            </a:pPr>
+            <a:endParaRPr lang="ru-RU"/>
+          </a:p>
+        </c:txPr>
+        <c:crossAx val="462821008"/>
+        <c:crosses val="autoZero"/>
+        <c:crossBetween val="midCat"/>
+      </c:valAx>
+      <c:spPr>
+        <a:noFill/>
+        <a:ln>
+          <a:noFill/>
+        </a:ln>
+        <a:effectLst/>
+      </c:spPr>
+    </c:plotArea>
+    <c:plotVisOnly val="1"/>
+    <c:dispBlanksAs val="gap"/>
+    <c:showDLblsOverMax val="0"/>
+  </c:chart>
+  <c:spPr>
+    <a:noFill/>
+    <a:ln>
+      <a:noFill/>
+    </a:ln>
+    <a:effectLst/>
+  </c:spPr>
+  <c:txPr>
+    <a:bodyPr/>
+    <a:lstStyle/>
+    <a:p>
+      <a:pPr>
+        <a:defRPr sz="1200"/>
+      </a:pPr>
+      <a:endParaRPr lang="ru-RU"/>
+    </a:p>
+  </c:txPr>
+  <c:externalData r:id="rId3">
+    <c:autoUpdate val="0"/>
+  </c:externalData>
+</c:chartSpace>
+</file>
+
+<file path=ppt/charts/colors1.xml><?xml version="1.0" encoding="utf-8"?>
+<cs:colorStyle xmlns:cs="http://schemas.microsoft.com/office/drawing/2012/chartStyle" xmlns:a="http://schemas.openxmlformats.org/drawingml/2006/main" meth="cycle" id="10">
+  <a:schemeClr val="accent1"/>
+  <a:schemeClr val="accent2"/>
+  <a:schemeClr val="accent3"/>
+  <a:schemeClr val="accent4"/>
+  <a:schemeClr val="accent5"/>
+  <a:schemeClr val="accent6"/>
+  <cs:variation/>
+  <cs:variation>
+    <a:lumMod val="60000"/>
+  </cs:variation>
+  <cs:variation>
+    <a:lumMod val="80000"/>
+    <a:lumOff val="20000"/>
+  </cs:variation>
+  <cs:variation>
+    <a:lumMod val="80000"/>
+  </cs:variation>
+  <cs:variation>
+    <a:lumMod val="60000"/>
+    <a:lumOff val="40000"/>
+  </cs:variation>
+  <cs:variation>
+    <a:lumMod val="50000"/>
+  </cs:variation>
+  <cs:variation>
+    <a:lumMod val="70000"/>
+    <a:lumOff val="30000"/>
+  </cs:variation>
+  <cs:variation>
+    <a:lumMod val="70000"/>
+  </cs:variation>
+  <cs:variation>
+    <a:lumMod val="50000"/>
+    <a:lumOff val="50000"/>
+  </cs:variation>
+</cs:colorStyle>
+</file>
+
+<file path=ppt/charts/colors2.xml><?xml version="1.0" encoding="utf-8"?>
+<cs:colorStyle xmlns:cs="http://schemas.microsoft.com/office/drawing/2012/chartStyle" xmlns:a="http://schemas.openxmlformats.org/drawingml/2006/main" meth="cycle" id="10">
+  <a:schemeClr val="accent1"/>
+  <a:schemeClr val="accent2"/>
+  <a:schemeClr val="accent3"/>
+  <a:schemeClr val="accent4"/>
+  <a:schemeClr val="accent5"/>
+  <a:schemeClr val="accent6"/>
+  <cs:variation/>
+  <cs:variation>
+    <a:lumMod val="60000"/>
+  </cs:variation>
+  <cs:variation>
+    <a:lumMod val="80000"/>
+    <a:lumOff val="20000"/>
+  </cs:variation>
+  <cs:variation>
+    <a:lumMod val="80000"/>
+  </cs:variation>
+  <cs:variation>
+    <a:lumMod val="60000"/>
+    <a:lumOff val="40000"/>
+  </cs:variation>
+  <cs:variation>
+    <a:lumMod val="50000"/>
+  </cs:variation>
+  <cs:variation>
+    <a:lumMod val="70000"/>
+    <a:lumOff val="30000"/>
+  </cs:variation>
+  <cs:variation>
+    <a:lumMod val="70000"/>
+  </cs:variation>
+  <cs:variation>
+    <a:lumMod val="50000"/>
+    <a:lumOff val="50000"/>
+  </cs:variation>
+</cs:colorStyle>
+</file>
+
+<file path=ppt/charts/colors3.xml><?xml version="1.0" encoding="utf-8"?>
+<cs:colorStyle xmlns:cs="http://schemas.microsoft.com/office/drawing/2012/chartStyle" xmlns:a="http://schemas.openxmlformats.org/drawingml/2006/main" meth="cycle" id="10">
+  <a:schemeClr val="accent1"/>
+  <a:schemeClr val="accent2"/>
+  <a:schemeClr val="accent3"/>
+  <a:schemeClr val="accent4"/>
+  <a:schemeClr val="accent5"/>
+  <a:schemeClr val="accent6"/>
+  <cs:variation/>
+  <cs:variation>
+    <a:lumMod val="60000"/>
+  </cs:variation>
+  <cs:variation>
+    <a:lumMod val="80000"/>
+    <a:lumOff val="20000"/>
+  </cs:variation>
+  <cs:variation>
+    <a:lumMod val="80000"/>
+  </cs:variation>
+  <cs:variation>
+    <a:lumMod val="60000"/>
+    <a:lumOff val="40000"/>
+  </cs:variation>
+  <cs:variation>
+    <a:lumMod val="50000"/>
+  </cs:variation>
+  <cs:variation>
+    <a:lumMod val="70000"/>
+    <a:lumOff val="30000"/>
+  </cs:variation>
+  <cs:variation>
+    <a:lumMod val="70000"/>
+  </cs:variation>
+  <cs:variation>
+    <a:lumMod val="50000"/>
+    <a:lumOff val="50000"/>
+  </cs:variation>
+</cs:colorStyle>
+</file>
+
+<file path=ppt/charts/colors4.xml><?xml version="1.0" encoding="utf-8"?>
+<cs:colorStyle xmlns:cs="http://schemas.microsoft.com/office/drawing/2012/chartStyle" xmlns:a="http://schemas.openxmlformats.org/drawingml/2006/main" meth="cycle" id="10">
+  <a:schemeClr val="accent1"/>
+  <a:schemeClr val="accent2"/>
+  <a:schemeClr val="accent3"/>
+  <a:schemeClr val="accent4"/>
+  <a:schemeClr val="accent5"/>
+  <a:schemeClr val="accent6"/>
+  <cs:variation/>
+  <cs:variation>
+    <a:lumMod val="60000"/>
+  </cs:variation>
+  <cs:variation>
+    <a:lumMod val="80000"/>
+    <a:lumOff val="20000"/>
+  </cs:variation>
+  <cs:variation>
+    <a:lumMod val="80000"/>
+  </cs:variation>
+  <cs:variation>
+    <a:lumMod val="60000"/>
+    <a:lumOff val="40000"/>
+  </cs:variation>
+  <cs:variation>
+    <a:lumMod val="50000"/>
+  </cs:variation>
+  <cs:variation>
+    <a:lumMod val="70000"/>
+    <a:lumOff val="30000"/>
+  </cs:variation>
+  <cs:variation>
+    <a:lumMod val="70000"/>
+  </cs:variation>
+  <cs:variation>
+    <a:lumMod val="50000"/>
+    <a:lumOff val="50000"/>
+  </cs:variation>
+</cs:colorStyle>
+</file>
+
+<file path=ppt/charts/style1.xml><?xml version="1.0" encoding="utf-8"?>
+<cs:chartStyle xmlns:cs="http://schemas.microsoft.com/office/drawing/2012/chartStyle" xmlns:a="http://schemas.openxmlformats.org/drawingml/2006/main" id="240">
+  <cs:axisTitle>
+    <cs:lnRef idx="0"/>
+    <cs:fillRef idx="0"/>
+    <cs:effectRef idx="0"/>
+    <cs:fontRef idx="minor">
+      <a:schemeClr val="tx1">
+        <a:lumMod val="65000"/>
+        <a:lumOff val="35000"/>
+      </a:schemeClr>
+    </cs:fontRef>
+    <cs:defRPr sz="1000" kern="1200"/>
+  </cs:axisTitle>
+  <cs:categoryAxis>
+    <cs:lnRef idx="0"/>
+    <cs:fillRef idx="0"/>
+    <cs:effectRef idx="0"/>
+    <cs:fontRef idx="minor">
+      <a:schemeClr val="tx1">
+        <a:lumMod val="65000"/>
+        <a:lumOff val="35000"/>
+      </a:schemeClr>
+    </cs:fontRef>
+    <cs:spPr>
+      <a:ln w="9525" cap="flat" cmpd="sng" algn="ctr">
+        <a:solidFill>
+          <a:schemeClr val="tx1">
+            <a:lumMod val="25000"/>
+            <a:lumOff val="75000"/>
+          </a:schemeClr>
+        </a:solidFill>
+        <a:round/>
+      </a:ln>
+    </cs:spPr>
+    <cs:defRPr sz="900" kern="1200"/>
+  </cs:categoryAxis>
+  <cs:chartArea mods="allowNoFillOverride allowNoLineOverride">
+    <cs:lnRef idx="0"/>
+    <cs:fillRef idx="0"/>
+    <cs:effectRef idx="0"/>
+    <cs:fontRef idx="minor">
+      <a:schemeClr val="tx1"/>
+    </cs:fontRef>
+    <cs:spPr>
+      <a:solidFill>
+        <a:schemeClr val="bg1"/>
+      </a:solidFill>
+      <a:ln w="9525" cap="flat" cmpd="sng" algn="ctr">
+        <a:solidFill>
+          <a:schemeClr val="tx1">
+            <a:lumMod val="15000"/>
+            <a:lumOff val="85000"/>
+          </a:schemeClr>
+        </a:solidFill>
+        <a:round/>
+      </a:ln>
+    </cs:spPr>
+    <cs:defRPr sz="1000" kern="1200"/>
+  </cs:chartArea>
+  <cs:dataLabel>
+    <cs:lnRef idx="0"/>
+    <cs:fillRef idx="0"/>
+    <cs:effectRef idx="0"/>
+    <cs:fontRef idx="minor">
+      <a:schemeClr val="tx1">
+        <a:lumMod val="75000"/>
+        <a:lumOff val="25000"/>
+      </a:schemeClr>
+    </cs:fontRef>
+    <cs:defRPr sz="900" kern="1200"/>
+  </cs:dataLabel>
+  <cs:dataLabelCallout>
+    <cs:lnRef idx="0"/>
+    <cs:fillRef idx="0"/>
+    <cs:effectRef idx="0"/>
+    <cs:fontRef idx="minor">
+      <a:schemeClr val="dk1">
+        <a:lumMod val="65000"/>
+        <a:lumOff val="35000"/>
+      </a:schemeClr>
+    </cs:fontRef>
+    <cs:spPr>
+      <a:solidFill>
+        <a:schemeClr val="lt1"/>
+      </a:solidFill>
+      <a:ln>
+        <a:solidFill>
+          <a:schemeClr val="dk1">
+            <a:lumMod val="25000"/>
+            <a:lumOff val="75000"/>
+          </a:schemeClr>
+        </a:solidFill>
+      </a:ln>
+    </cs:spPr>
+    <cs:defRPr sz="900" kern="1200"/>
+    <cs:bodyPr rot="0" spcFirstLastPara="1" vertOverflow="clip" horzOverflow="clip" vert="horz" wrap="square" lIns="36576" tIns="18288" rIns="36576" bIns="18288" anchor="ctr" anchorCtr="1">
+      <a:spAutoFit/>
+    </cs:bodyPr>
+  </cs:dataLabelCallout>
+  <cs:dataPoint>
+    <cs:lnRef idx="0"/>
+    <cs:fillRef idx="1">
+      <cs:styleClr val="auto"/>
+    </cs:fillRef>
+    <cs:effectRef idx="0"/>
+    <cs:fontRef idx="minor">
+      <a:schemeClr val="tx1"/>
+    </cs:fontRef>
+  </cs:dataPoint>
+  <cs:dataPoint3D>
+    <cs:lnRef idx="0"/>
+    <cs:fillRef idx="1">
+      <cs:styleClr val="auto"/>
+    </cs:fillRef>
+    <cs:effectRef idx="0"/>
+    <cs:fontRef idx="minor">
+      <a:schemeClr val="tx1"/>
+    </cs:fontRef>
+  </cs:dataPoint3D>
+  <cs:dataPointLine>
+    <cs:lnRef idx="0">
+      <cs:styleClr val="auto"/>
+    </cs:lnRef>
+    <cs:fillRef idx="1"/>
+    <cs:effectRef idx="0"/>
+    <cs:fontRef idx="minor">
+      <a:schemeClr val="tx1"/>
+    </cs:fontRef>
+    <cs:spPr>
+      <a:ln w="19050" cap="rnd">
+        <a:solidFill>
+          <a:schemeClr val="phClr"/>
+        </a:solidFill>
+        <a:round/>
+      </a:ln>
+    </cs:spPr>
+  </cs:dataPointLine>
+  <cs:dataPointMarker>
+    <cs:lnRef idx="0">
+      <cs:styleClr val="auto"/>
+    </cs:lnRef>
+    <cs:fillRef idx="1">
+      <cs:styleClr val="auto"/>
+    </cs:fillRef>
+    <cs:effectRef idx="0"/>
+    <cs:fontRef idx="minor">
+      <a:schemeClr val="tx1"/>
+    </cs:fontRef>
+    <cs:spPr>
+      <a:ln w="9525">
+        <a:solidFill>
+          <a:schemeClr val="phClr"/>
+        </a:solidFill>
+      </a:ln>
+    </cs:spPr>
+  </cs:dataPointMarker>
+  <cs:dataPointMarkerLayout symbol="circle" size="5"/>
+  <cs:dataPointWireframe>
+    <cs:lnRef idx="0">
+      <cs:styleClr val="auto"/>
+    </cs:lnRef>
+    <cs:fillRef idx="0"/>
+    <cs:effectRef idx="0"/>
+    <cs:fontRef idx="minor">
+      <a:schemeClr val="dk1"/>
+    </cs:fontRef>
+    <cs:spPr>
+      <a:ln w="9525" cap="rnd">
+        <a:solidFill>
+          <a:schemeClr val="phClr"/>
+        </a:solidFill>
+        <a:round/>
+      </a:ln>
+    </cs:spPr>
+  </cs:dataPointWireframe>
+  <cs:dataTable>
+    <cs:lnRef idx="0"/>
+    <cs:fillRef idx="0"/>
+    <cs:effectRef idx="0"/>
+    <cs:fontRef idx="minor">
+      <a:schemeClr val="tx1">
+        <a:lumMod val="65000"/>
+        <a:lumOff val="35000"/>
+      </a:schemeClr>
+    </cs:fontRef>
+    <cs:spPr>
+      <a:noFill/>
+      <a:ln w="9525" cap="flat" cmpd="sng" algn="ctr">
+        <a:solidFill>
+          <a:schemeClr val="tx1">
+            <a:lumMod val="15000"/>
+            <a:lumOff val="85000"/>
+          </a:schemeClr>
+        </a:solidFill>
+        <a:round/>
+      </a:ln>
+    </cs:spPr>
+    <cs:defRPr sz="900" kern="1200"/>
+  </cs:dataTable>
+  <cs:downBar>
+    <cs:lnRef idx="0"/>
+    <cs:fillRef idx="0"/>
+    <cs:effectRef idx="0"/>
+    <cs:fontRef idx="minor">
+      <a:schemeClr val="tx1"/>
+    </cs:fontRef>
+    <cs:spPr>
+      <a:solidFill>
+        <a:schemeClr val="dk1">
+          <a:lumMod val="75000"/>
+          <a:lumOff val="25000"/>
+        </a:schemeClr>
+      </a:solidFill>
+      <a:ln w="9525" cap="flat" cmpd="sng" algn="ctr">
+        <a:solidFill>
+          <a:schemeClr val="tx1">
+            <a:lumMod val="65000"/>
+            <a:lumOff val="35000"/>
+          </a:schemeClr>
+        </a:solidFill>
+        <a:round/>
+      </a:ln>
+    </cs:spPr>
+  </cs:downBar>
+  <cs:dropLine>
+    <cs:lnRef idx="0"/>
+    <cs:fillRef idx="0"/>
+    <cs:effectRef idx="0"/>
+    <cs:fontRef idx="minor">
+      <a:schemeClr val="tx1"/>
+    </cs:fontRef>
+    <cs:spPr>
+      <a:ln w="9525" cap="flat" cmpd="sng" algn="ctr">
+        <a:solidFill>
+          <a:schemeClr val="tx1">
+            <a:lumMod val="35000"/>
+            <a:lumOff val="65000"/>
+          </a:schemeClr>
+        </a:solidFill>
+        <a:round/>
+      </a:ln>
+    </cs:spPr>
+  </cs:dropLine>
+  <cs:errorBar>
+    <cs:lnRef idx="0"/>
+    <cs:fillRef idx="0"/>
+    <cs:effectRef idx="0"/>
+    <cs:fontRef idx="minor">
+      <a:schemeClr val="tx1"/>
+    </cs:fontRef>
+    <cs:spPr>
+      <a:ln w="9525" cap="flat" cmpd="sng" algn="ctr">
+        <a:solidFill>
+          <a:schemeClr val="tx1">
+            <a:lumMod val="65000"/>
+            <a:lumOff val="35000"/>
+          </a:schemeClr>
+        </a:solidFill>
+        <a:round/>
+      </a:ln>
+    </cs:spPr>
+  </cs:errorBar>
+  <cs:floor>
+    <cs:lnRef idx="0"/>
+    <cs:fillRef idx="0"/>
+    <cs:effectRef idx="0"/>
+    <cs:fontRef idx="minor">
+      <a:schemeClr val="tx1"/>
+    </cs:fontRef>
+    <cs:spPr>
+      <a:noFill/>
+      <a:ln>
+        <a:noFill/>
+      </a:ln>
+    </cs:spPr>
+  </cs:floor>
+  <cs:gridlineMajor>
+    <cs:lnRef idx="0"/>
+    <cs:fillRef idx="0"/>
+    <cs:effectRef idx="0"/>
+    <cs:fontRef idx="minor">
+      <a:schemeClr val="tx1"/>
+    </cs:fontRef>
+    <cs:spPr>
+      <a:ln w="9525" cap="flat" cmpd="sng" algn="ctr">
+        <a:solidFill>
+          <a:schemeClr val="tx1">
+            <a:lumMod val="15000"/>
+            <a:lumOff val="85000"/>
+          </a:schemeClr>
+        </a:solidFill>
+        <a:round/>
+      </a:ln>
+    </cs:spPr>
+  </cs:gridlineMajor>
+  <cs:gridlineMinor>
+    <cs:lnRef idx="0"/>
+    <cs:fillRef idx="0"/>
+    <cs:effectRef idx="0"/>
+    <cs:fontRef idx="minor">
+      <a:schemeClr val="tx1"/>
+    </cs:fontRef>
+    <cs:spPr>
+      <a:ln w="9525" cap="flat" cmpd="sng" algn="ctr">
+        <a:solidFill>
+          <a:schemeClr val="tx1">
+            <a:lumMod val="5000"/>
+            <a:lumOff val="95000"/>
+          </a:schemeClr>
+        </a:solidFill>
+        <a:round/>
+      </a:ln>
+    </cs:spPr>
+  </cs:gridlineMinor>
+  <cs:hiLoLine>
+    <cs:lnRef idx="0"/>
+    <cs:fillRef idx="0"/>
+    <cs:effectRef idx="0"/>
+    <cs:fontRef idx="minor">
+      <a:schemeClr val="tx1"/>
+    </cs:fontRef>
+    <cs:spPr>
+      <a:ln w="9525" cap="flat" cmpd="sng" algn="ctr">
+        <a:solidFill>
+          <a:schemeClr val="tx1">
+            <a:lumMod val="50000"/>
+            <a:lumOff val="50000"/>
+          </a:schemeClr>
+        </a:solidFill>
+        <a:round/>
+      </a:ln>
+    </cs:spPr>
+  </cs:hiLoLine>
+  <cs:leaderLine>
+    <cs:lnRef idx="0"/>
+    <cs:fillRef idx="0"/>
+    <cs:effectRef idx="0"/>
+    <cs:fontRef idx="minor">
+      <a:schemeClr val="tx1"/>
+    </cs:fontRef>
+    <cs:spPr>
+      <a:ln w="9525" cap="flat" cmpd="sng" algn="ctr">
+        <a:solidFill>
+          <a:schemeClr val="tx1">
+            <a:lumMod val="35000"/>
+            <a:lumOff val="65000"/>
+          </a:schemeClr>
+        </a:solidFill>
+        <a:round/>
+      </a:ln>
+    </cs:spPr>
+  </cs:leaderLine>
+  <cs:legend>
+    <cs:lnRef idx="0"/>
+    <cs:fillRef idx="0"/>
+    <cs:effectRef idx="0"/>
+    <cs:fontRef idx="minor">
+      <a:schemeClr val="tx1">
+        <a:lumMod val="65000"/>
+        <a:lumOff val="35000"/>
+      </a:schemeClr>
+    </cs:fontRef>
+    <cs:defRPr sz="900" kern="1200"/>
+  </cs:legend>
+  <cs:plotArea mods="allowNoFillOverride allowNoLineOverride">
+    <cs:lnRef idx="0"/>
+    <cs:fillRef idx="0"/>
+    <cs:effectRef idx="0"/>
+    <cs:fontRef idx="minor">
+      <a:schemeClr val="tx1"/>
+    </cs:fontRef>
+  </cs:plotArea>
+  <cs:plotArea3D mods="allowNoFillOverride allowNoLineOverride">
+    <cs:lnRef idx="0"/>
+    <cs:fillRef idx="0"/>
+    <cs:effectRef idx="0"/>
+    <cs:fontRef idx="minor">
+      <a:schemeClr val="tx1"/>
+    </cs:fontRef>
+  </cs:plotArea3D>
+  <cs:seriesAxis>
+    <cs:lnRef idx="0"/>
+    <cs:fillRef idx="0"/>
+    <cs:effectRef idx="0"/>
+    <cs:fontRef idx="minor">
+      <a:schemeClr val="tx1">
+        <a:lumMod val="65000"/>
+        <a:lumOff val="35000"/>
+      </a:schemeClr>
+    </cs:fontRef>
+    <cs:defRPr sz="900" kern="1200"/>
+  </cs:seriesAxis>
+  <cs:seriesLine>
+    <cs:lnRef idx="0"/>
+    <cs:fillRef idx="0"/>
+    <cs:effectRef idx="0"/>
+    <cs:fontRef idx="minor">
+      <a:schemeClr val="tx1"/>
+    </cs:fontRef>
+    <cs:spPr>
+      <a:ln w="9525" cap="flat" cmpd="sng" algn="ctr">
+        <a:solidFill>
+          <a:schemeClr val="tx1">
+            <a:lumMod val="35000"/>
+            <a:lumOff val="65000"/>
+          </a:schemeClr>
+        </a:solidFill>
+        <a:round/>
+      </a:ln>
+    </cs:spPr>
+  </cs:seriesLine>
+  <cs:title>
+    <cs:lnRef idx="0"/>
+    <cs:fillRef idx="0"/>
+    <cs:effectRef idx="0"/>
+    <cs:fontRef idx="minor">
+      <a:schemeClr val="tx1">
+        <a:lumMod val="65000"/>
+        <a:lumOff val="35000"/>
+      </a:schemeClr>
+    </cs:fontRef>
+    <cs:defRPr sz="1400" b="0" kern="1200" spc="0" baseline="0"/>
+  </cs:title>
+  <cs:trendline>
+    <cs:lnRef idx="0">
+      <cs:styleClr val="auto"/>
+    </cs:lnRef>
+    <cs:fillRef idx="0"/>
+    <cs:effectRef idx="0"/>
+    <cs:fontRef idx="minor">
+      <a:schemeClr val="tx1"/>
+    </cs:fontRef>
+    <cs:spPr>
+      <a:ln w="19050" cap="rnd">
+        <a:solidFill>
+          <a:schemeClr val="phClr"/>
+        </a:solidFill>
+        <a:prstDash val="sysDot"/>
+      </a:ln>
+    </cs:spPr>
+  </cs:trendline>
+  <cs:trendlineLabel>
+    <cs:lnRef idx="0"/>
+    <cs:fillRef idx="0"/>
+    <cs:effectRef idx="0"/>
+    <cs:fontRef idx="minor">
+      <a:schemeClr val="tx1">
+        <a:lumMod val="65000"/>
+        <a:lumOff val="35000"/>
+      </a:schemeClr>
+    </cs:fontRef>
+    <cs:defRPr sz="900" kern="1200"/>
+  </cs:trendlineLabel>
+  <cs:upBar>
+    <cs:lnRef idx="0"/>
+    <cs:fillRef idx="0"/>
+    <cs:effectRef idx="0"/>
+    <cs:fontRef idx="minor">
+      <a:schemeClr val="tx1"/>
+    </cs:fontRef>
+    <cs:spPr>
+      <a:solidFill>
+        <a:schemeClr val="lt1"/>
+      </a:solidFill>
+      <a:ln w="9525" cap="flat" cmpd="sng" algn="ctr">
+        <a:solidFill>
+          <a:schemeClr val="tx1">
+            <a:lumMod val="65000"/>
+            <a:lumOff val="35000"/>
+          </a:schemeClr>
+        </a:solidFill>
+        <a:round/>
+      </a:ln>
+    </cs:spPr>
+  </cs:upBar>
+  <cs:valueAxis>
+    <cs:lnRef idx="0"/>
+    <cs:fillRef idx="0"/>
+    <cs:effectRef idx="0"/>
+    <cs:fontRef idx="minor">
+      <a:schemeClr val="tx1">
+        <a:lumMod val="65000"/>
+        <a:lumOff val="35000"/>
+      </a:schemeClr>
+    </cs:fontRef>
+    <cs:spPr>
+      <a:ln w="9525" cap="flat" cmpd="sng" algn="ctr">
+        <a:solidFill>
+          <a:schemeClr val="tx1">
+            <a:lumMod val="25000"/>
+            <a:lumOff val="75000"/>
+          </a:schemeClr>
+        </a:solidFill>
+        <a:round/>
+      </a:ln>
+    </cs:spPr>
+    <cs:defRPr sz="900" kern="1200"/>
+  </cs:valueAxis>
+  <cs:wall>
+    <cs:lnRef idx="0"/>
+    <cs:fillRef idx="0"/>
+    <cs:effectRef idx="0"/>
+    <cs:fontRef idx="minor">
+      <a:schemeClr val="tx1"/>
+    </cs:fontRef>
+    <cs:spPr>
+      <a:noFill/>
+      <a:ln>
+        <a:noFill/>
+      </a:ln>
+    </cs:spPr>
+  </cs:wall>
+</cs:chartStyle>
+</file>
+
+<file path=ppt/charts/style2.xml><?xml version="1.0" encoding="utf-8"?>
+<cs:chartStyle xmlns:cs="http://schemas.microsoft.com/office/drawing/2012/chartStyle" xmlns:a="http://schemas.openxmlformats.org/drawingml/2006/main" id="240">
+  <cs:axisTitle>
+    <cs:lnRef idx="0"/>
+    <cs:fillRef idx="0"/>
+    <cs:effectRef idx="0"/>
+    <cs:fontRef idx="minor">
+      <a:schemeClr val="tx1">
+        <a:lumMod val="65000"/>
+        <a:lumOff val="35000"/>
+      </a:schemeClr>
+    </cs:fontRef>
+    <cs:defRPr sz="1000" kern="1200"/>
+  </cs:axisTitle>
+  <cs:categoryAxis>
+    <cs:lnRef idx="0"/>
+    <cs:fillRef idx="0"/>
+    <cs:effectRef idx="0"/>
+    <cs:fontRef idx="minor">
+      <a:schemeClr val="tx1">
+        <a:lumMod val="65000"/>
+        <a:lumOff val="35000"/>
+      </a:schemeClr>
+    </cs:fontRef>
+    <cs:spPr>
+      <a:ln w="9525" cap="flat" cmpd="sng" algn="ctr">
+        <a:solidFill>
+          <a:schemeClr val="tx1">
+            <a:lumMod val="25000"/>
+            <a:lumOff val="75000"/>
+          </a:schemeClr>
+        </a:solidFill>
+        <a:round/>
+      </a:ln>
+    </cs:spPr>
+    <cs:defRPr sz="900" kern="1200"/>
+  </cs:categoryAxis>
+  <cs:chartArea mods="allowNoFillOverride allowNoLineOverride">
+    <cs:lnRef idx="0"/>
+    <cs:fillRef idx="0"/>
+    <cs:effectRef idx="0"/>
+    <cs:fontRef idx="minor">
+      <a:schemeClr val="tx1"/>
+    </cs:fontRef>
+    <cs:spPr>
+      <a:solidFill>
+        <a:schemeClr val="bg1"/>
+      </a:solidFill>
+      <a:ln w="9525" cap="flat" cmpd="sng" algn="ctr">
+        <a:solidFill>
+          <a:schemeClr val="tx1">
+            <a:lumMod val="15000"/>
+            <a:lumOff val="85000"/>
+          </a:schemeClr>
+        </a:solidFill>
+        <a:round/>
+      </a:ln>
+    </cs:spPr>
+    <cs:defRPr sz="1000" kern="1200"/>
+  </cs:chartArea>
+  <cs:dataLabel>
+    <cs:lnRef idx="0"/>
+    <cs:fillRef idx="0"/>
+    <cs:effectRef idx="0"/>
+    <cs:fontRef idx="minor">
+      <a:schemeClr val="tx1">
+        <a:lumMod val="75000"/>
+        <a:lumOff val="25000"/>
+      </a:schemeClr>
+    </cs:fontRef>
+    <cs:defRPr sz="900" kern="1200"/>
+  </cs:dataLabel>
+  <cs:dataLabelCallout>
+    <cs:lnRef idx="0"/>
+    <cs:fillRef idx="0"/>
+    <cs:effectRef idx="0"/>
+    <cs:fontRef idx="minor">
+      <a:schemeClr val="dk1">
+        <a:lumMod val="65000"/>
+        <a:lumOff val="35000"/>
+      </a:schemeClr>
+    </cs:fontRef>
+    <cs:spPr>
+      <a:solidFill>
+        <a:schemeClr val="lt1"/>
+      </a:solidFill>
+      <a:ln>
+        <a:solidFill>
+          <a:schemeClr val="dk1">
+            <a:lumMod val="25000"/>
+            <a:lumOff val="75000"/>
+          </a:schemeClr>
+        </a:solidFill>
+      </a:ln>
+    </cs:spPr>
+    <cs:defRPr sz="900" kern="1200"/>
+    <cs:bodyPr rot="0" spcFirstLastPara="1" vertOverflow="clip" horzOverflow="clip" vert="horz" wrap="square" lIns="36576" tIns="18288" rIns="36576" bIns="18288" anchor="ctr" anchorCtr="1">
+      <a:spAutoFit/>
+    </cs:bodyPr>
+  </cs:dataLabelCallout>
+  <cs:dataPoint>
+    <cs:lnRef idx="0"/>
+    <cs:fillRef idx="1">
+      <cs:styleClr val="auto"/>
+    </cs:fillRef>
+    <cs:effectRef idx="0"/>
+    <cs:fontRef idx="minor">
+      <a:schemeClr val="tx1"/>
+    </cs:fontRef>
+  </cs:dataPoint>
+  <cs:dataPoint3D>
+    <cs:lnRef idx="0"/>
+    <cs:fillRef idx="1">
+      <cs:styleClr val="auto"/>
+    </cs:fillRef>
+    <cs:effectRef idx="0"/>
+    <cs:fontRef idx="minor">
+      <a:schemeClr val="tx1"/>
+    </cs:fontRef>
+  </cs:dataPoint3D>
+  <cs:dataPointLine>
+    <cs:lnRef idx="0">
+      <cs:styleClr val="auto"/>
+    </cs:lnRef>
+    <cs:fillRef idx="1"/>
+    <cs:effectRef idx="0"/>
+    <cs:fontRef idx="minor">
+      <a:schemeClr val="tx1"/>
+    </cs:fontRef>
+    <cs:spPr>
+      <a:ln w="19050" cap="rnd">
+        <a:solidFill>
+          <a:schemeClr val="phClr"/>
+        </a:solidFill>
+        <a:round/>
+      </a:ln>
+    </cs:spPr>
+  </cs:dataPointLine>
+  <cs:dataPointMarker>
+    <cs:lnRef idx="0">
+      <cs:styleClr val="auto"/>
+    </cs:lnRef>
+    <cs:fillRef idx="1">
+      <cs:styleClr val="auto"/>
+    </cs:fillRef>
+    <cs:effectRef idx="0"/>
+    <cs:fontRef idx="minor">
+      <a:schemeClr val="tx1"/>
+    </cs:fontRef>
+    <cs:spPr>
+      <a:ln w="9525">
+        <a:solidFill>
+          <a:schemeClr val="phClr"/>
+        </a:solidFill>
+      </a:ln>
+    </cs:spPr>
+  </cs:dataPointMarker>
+  <cs:dataPointMarkerLayout symbol="circle" size="5"/>
+  <cs:dataPointWireframe>
+    <cs:lnRef idx="0">
+      <cs:styleClr val="auto"/>
+    </cs:lnRef>
+    <cs:fillRef idx="0"/>
+    <cs:effectRef idx="0"/>
+    <cs:fontRef idx="minor">
+      <a:schemeClr val="dk1"/>
+    </cs:fontRef>
+    <cs:spPr>
+      <a:ln w="9525" cap="rnd">
+        <a:solidFill>
+          <a:schemeClr val="phClr"/>
+        </a:solidFill>
+        <a:round/>
+      </a:ln>
+    </cs:spPr>
+  </cs:dataPointWireframe>
+  <cs:dataTable>
+    <cs:lnRef idx="0"/>
+    <cs:fillRef idx="0"/>
+    <cs:effectRef idx="0"/>
+    <cs:fontRef idx="minor">
+      <a:schemeClr val="tx1">
+        <a:lumMod val="65000"/>
+        <a:lumOff val="35000"/>
+      </a:schemeClr>
+    </cs:fontRef>
+    <cs:spPr>
+      <a:noFill/>
+      <a:ln w="9525" cap="flat" cmpd="sng" algn="ctr">
+        <a:solidFill>
+          <a:schemeClr val="tx1">
+            <a:lumMod val="15000"/>
+            <a:lumOff val="85000"/>
+          </a:schemeClr>
+        </a:solidFill>
+        <a:round/>
+      </a:ln>
+    </cs:spPr>
+    <cs:defRPr sz="900" kern="1200"/>
+  </cs:dataTable>
+  <cs:downBar>
+    <cs:lnRef idx="0"/>
+    <cs:fillRef idx="0"/>
+    <cs:effectRef idx="0"/>
+    <cs:fontRef idx="minor">
+      <a:schemeClr val="tx1"/>
+    </cs:fontRef>
+    <cs:spPr>
+      <a:solidFill>
+        <a:schemeClr val="dk1">
+          <a:lumMod val="75000"/>
+          <a:lumOff val="25000"/>
+        </a:schemeClr>
+      </a:solidFill>
+      <a:ln w="9525" cap="flat" cmpd="sng" algn="ctr">
+        <a:solidFill>
+          <a:schemeClr val="tx1">
+            <a:lumMod val="65000"/>
+            <a:lumOff val="35000"/>
+          </a:schemeClr>
+        </a:solidFill>
+        <a:round/>
+      </a:ln>
+    </cs:spPr>
+  </cs:downBar>
+  <cs:dropLine>
+    <cs:lnRef idx="0"/>
+    <cs:fillRef idx="0"/>
+    <cs:effectRef idx="0"/>
+    <cs:fontRef idx="minor">
+      <a:schemeClr val="tx1"/>
+    </cs:fontRef>
+    <cs:spPr>
+      <a:ln w="9525" cap="flat" cmpd="sng" algn="ctr">
+        <a:solidFill>
+          <a:schemeClr val="tx1">
+            <a:lumMod val="35000"/>
+            <a:lumOff val="65000"/>
+          </a:schemeClr>
+        </a:solidFill>
+        <a:round/>
+      </a:ln>
+    </cs:spPr>
+  </cs:dropLine>
+  <cs:errorBar>
+    <cs:lnRef idx="0"/>
+    <cs:fillRef idx="0"/>
+    <cs:effectRef idx="0"/>
+    <cs:fontRef idx="minor">
+      <a:schemeClr val="tx1"/>
+    </cs:fontRef>
+    <cs:spPr>
+      <a:ln w="9525" cap="flat" cmpd="sng" algn="ctr">
+        <a:solidFill>
+          <a:schemeClr val="tx1">
+            <a:lumMod val="65000"/>
+            <a:lumOff val="35000"/>
+          </a:schemeClr>
+        </a:solidFill>
+        <a:round/>
+      </a:ln>
+    </cs:spPr>
+  </cs:errorBar>
+  <cs:floor>
+    <cs:lnRef idx="0"/>
+    <cs:fillRef idx="0"/>
+    <cs:effectRef idx="0"/>
+    <cs:fontRef idx="minor">
+      <a:schemeClr val="tx1"/>
+    </cs:fontRef>
+    <cs:spPr>
+      <a:noFill/>
+      <a:ln>
+        <a:noFill/>
+      </a:ln>
+    </cs:spPr>
+  </cs:floor>
+  <cs:gridlineMajor>
+    <cs:lnRef idx="0"/>
+    <cs:fillRef idx="0"/>
+    <cs:effectRef idx="0"/>
+    <cs:fontRef idx="minor">
+      <a:schemeClr val="tx1"/>
+    </cs:fontRef>
+    <cs:spPr>
+      <a:ln w="9525" cap="flat" cmpd="sng" algn="ctr">
+        <a:solidFill>
+          <a:schemeClr val="tx1">
+            <a:lumMod val="15000"/>
+            <a:lumOff val="85000"/>
+          </a:schemeClr>
+        </a:solidFill>
+        <a:round/>
+      </a:ln>
+    </cs:spPr>
+  </cs:gridlineMajor>
+  <cs:gridlineMinor>
+    <cs:lnRef idx="0"/>
+    <cs:fillRef idx="0"/>
+    <cs:effectRef idx="0"/>
+    <cs:fontRef idx="minor">
+      <a:schemeClr val="tx1"/>
+    </cs:fontRef>
+    <cs:spPr>
+      <a:ln w="9525" cap="flat" cmpd="sng" algn="ctr">
+        <a:solidFill>
+          <a:schemeClr val="tx1">
+            <a:lumMod val="5000"/>
+            <a:lumOff val="95000"/>
+          </a:schemeClr>
+        </a:solidFill>
+        <a:round/>
+      </a:ln>
+    </cs:spPr>
+  </cs:gridlineMinor>
+  <cs:hiLoLine>
+    <cs:lnRef idx="0"/>
+    <cs:fillRef idx="0"/>
+    <cs:effectRef idx="0"/>
+    <cs:fontRef idx="minor">
+      <a:schemeClr val="tx1"/>
+    </cs:fontRef>
+    <cs:spPr>
+      <a:ln w="9525" cap="flat" cmpd="sng" algn="ctr">
+        <a:solidFill>
+          <a:schemeClr val="tx1">
+            <a:lumMod val="50000"/>
+            <a:lumOff val="50000"/>
+          </a:schemeClr>
+        </a:solidFill>
+        <a:round/>
+      </a:ln>
+    </cs:spPr>
+  </cs:hiLoLine>
+  <cs:leaderLine>
+    <cs:lnRef idx="0"/>
+    <cs:fillRef idx="0"/>
+    <cs:effectRef idx="0"/>
+    <cs:fontRef idx="minor">
+      <a:schemeClr val="tx1"/>
+    </cs:fontRef>
+    <cs:spPr>
+      <a:ln w="9525" cap="flat" cmpd="sng" algn="ctr">
+        <a:solidFill>
+          <a:schemeClr val="tx1">
+            <a:lumMod val="35000"/>
+            <a:lumOff val="65000"/>
+          </a:schemeClr>
+        </a:solidFill>
+        <a:round/>
+      </a:ln>
+    </cs:spPr>
+  </cs:leaderLine>
+  <cs:legend>
+    <cs:lnRef idx="0"/>
+    <cs:fillRef idx="0"/>
+    <cs:effectRef idx="0"/>
+    <cs:fontRef idx="minor">
+      <a:schemeClr val="tx1">
+        <a:lumMod val="65000"/>
+        <a:lumOff val="35000"/>
+      </a:schemeClr>
+    </cs:fontRef>
+    <cs:defRPr sz="900" kern="1200"/>
+  </cs:legend>
+  <cs:plotArea mods="allowNoFillOverride allowNoLineOverride">
+    <cs:lnRef idx="0"/>
+    <cs:fillRef idx="0"/>
+    <cs:effectRef idx="0"/>
+    <cs:fontRef idx="minor">
+      <a:schemeClr val="tx1"/>
+    </cs:fontRef>
+  </cs:plotArea>
+  <cs:plotArea3D mods="allowNoFillOverride allowNoLineOverride">
+    <cs:lnRef idx="0"/>
+    <cs:fillRef idx="0"/>
+    <cs:effectRef idx="0"/>
+    <cs:fontRef idx="minor">
+      <a:schemeClr val="tx1"/>
+    </cs:fontRef>
+  </cs:plotArea3D>
+  <cs:seriesAxis>
+    <cs:lnRef idx="0"/>
+    <cs:fillRef idx="0"/>
+    <cs:effectRef idx="0"/>
+    <cs:fontRef idx="minor">
+      <a:schemeClr val="tx1">
+        <a:lumMod val="65000"/>
+        <a:lumOff val="35000"/>
+      </a:schemeClr>
+    </cs:fontRef>
+    <cs:defRPr sz="900" kern="1200"/>
+  </cs:seriesAxis>
+  <cs:seriesLine>
+    <cs:lnRef idx="0"/>
+    <cs:fillRef idx="0"/>
+    <cs:effectRef idx="0"/>
+    <cs:fontRef idx="minor">
+      <a:schemeClr val="tx1"/>
+    </cs:fontRef>
+    <cs:spPr>
+      <a:ln w="9525" cap="flat" cmpd="sng" algn="ctr">
+        <a:solidFill>
+          <a:schemeClr val="tx1">
+            <a:lumMod val="35000"/>
+            <a:lumOff val="65000"/>
+          </a:schemeClr>
+        </a:solidFill>
+        <a:round/>
+      </a:ln>
+    </cs:spPr>
+  </cs:seriesLine>
+  <cs:title>
+    <cs:lnRef idx="0"/>
+    <cs:fillRef idx="0"/>
+    <cs:effectRef idx="0"/>
+    <cs:fontRef idx="minor">
+      <a:schemeClr val="tx1">
+        <a:lumMod val="65000"/>
+        <a:lumOff val="35000"/>
+      </a:schemeClr>
+    </cs:fontRef>
+    <cs:defRPr sz="1400" b="0" kern="1200" spc="0" baseline="0"/>
+  </cs:title>
+  <cs:trendline>
+    <cs:lnRef idx="0">
+      <cs:styleClr val="auto"/>
+    </cs:lnRef>
+    <cs:fillRef idx="0"/>
+    <cs:effectRef idx="0"/>
+    <cs:fontRef idx="minor">
+      <a:schemeClr val="tx1"/>
+    </cs:fontRef>
+    <cs:spPr>
+      <a:ln w="19050" cap="rnd">
+        <a:solidFill>
+          <a:schemeClr val="phClr"/>
+        </a:solidFill>
+        <a:prstDash val="sysDot"/>
+      </a:ln>
+    </cs:spPr>
+  </cs:trendline>
+  <cs:trendlineLabel>
+    <cs:lnRef idx="0"/>
+    <cs:fillRef idx="0"/>
+    <cs:effectRef idx="0"/>
+    <cs:fontRef idx="minor">
+      <a:schemeClr val="tx1">
+        <a:lumMod val="65000"/>
+        <a:lumOff val="35000"/>
+      </a:schemeClr>
+    </cs:fontRef>
+    <cs:defRPr sz="900" kern="1200"/>
+  </cs:trendlineLabel>
+  <cs:upBar>
+    <cs:lnRef idx="0"/>
+    <cs:fillRef idx="0"/>
+    <cs:effectRef idx="0"/>
+    <cs:fontRef idx="minor">
+      <a:schemeClr val="tx1"/>
+    </cs:fontRef>
+    <cs:spPr>
+      <a:solidFill>
+        <a:schemeClr val="lt1"/>
+      </a:solidFill>
+      <a:ln w="9525" cap="flat" cmpd="sng" algn="ctr">
+        <a:solidFill>
+          <a:schemeClr val="tx1">
+            <a:lumMod val="65000"/>
+            <a:lumOff val="35000"/>
+          </a:schemeClr>
+        </a:solidFill>
+        <a:round/>
+      </a:ln>
+    </cs:spPr>
+  </cs:upBar>
+  <cs:valueAxis>
+    <cs:lnRef idx="0"/>
+    <cs:fillRef idx="0"/>
+    <cs:effectRef idx="0"/>
+    <cs:fontRef idx="minor">
+      <a:schemeClr val="tx1">
+        <a:lumMod val="65000"/>
+        <a:lumOff val="35000"/>
+      </a:schemeClr>
+    </cs:fontRef>
+    <cs:spPr>
+      <a:ln w="9525" cap="flat" cmpd="sng" algn="ctr">
+        <a:solidFill>
+          <a:schemeClr val="tx1">
+            <a:lumMod val="25000"/>
+            <a:lumOff val="75000"/>
+          </a:schemeClr>
+        </a:solidFill>
+        <a:round/>
+      </a:ln>
+    </cs:spPr>
+    <cs:defRPr sz="900" kern="1200"/>
+  </cs:valueAxis>
+  <cs:wall>
+    <cs:lnRef idx="0"/>
+    <cs:fillRef idx="0"/>
+    <cs:effectRef idx="0"/>
+    <cs:fontRef idx="minor">
+      <a:schemeClr val="tx1"/>
+    </cs:fontRef>
+    <cs:spPr>
+      <a:noFill/>
+      <a:ln>
+        <a:noFill/>
+      </a:ln>
+    </cs:spPr>
+  </cs:wall>
+</cs:chartStyle>
+</file>
+
+<file path=ppt/charts/style3.xml><?xml version="1.0" encoding="utf-8"?>
+<cs:chartStyle xmlns:cs="http://schemas.microsoft.com/office/drawing/2012/chartStyle" xmlns:a="http://schemas.openxmlformats.org/drawingml/2006/main" id="240">
+  <cs:axisTitle>
+    <cs:lnRef idx="0"/>
+    <cs:fillRef idx="0"/>
+    <cs:effectRef idx="0"/>
+    <cs:fontRef idx="minor">
+      <a:schemeClr val="tx1">
+        <a:lumMod val="65000"/>
+        <a:lumOff val="35000"/>
+      </a:schemeClr>
+    </cs:fontRef>
+    <cs:defRPr sz="1000" kern="1200"/>
+  </cs:axisTitle>
+  <cs:categoryAxis>
+    <cs:lnRef idx="0"/>
+    <cs:fillRef idx="0"/>
+    <cs:effectRef idx="0"/>
+    <cs:fontRef idx="minor">
+      <a:schemeClr val="tx1">
+        <a:lumMod val="65000"/>
+        <a:lumOff val="35000"/>
+      </a:schemeClr>
+    </cs:fontRef>
+    <cs:spPr>
+      <a:ln w="9525" cap="flat" cmpd="sng" algn="ctr">
+        <a:solidFill>
+          <a:schemeClr val="tx1">
+            <a:lumMod val="25000"/>
+            <a:lumOff val="75000"/>
+          </a:schemeClr>
+        </a:solidFill>
+        <a:round/>
+      </a:ln>
+    </cs:spPr>
+    <cs:defRPr sz="900" kern="1200"/>
+  </cs:categoryAxis>
+  <cs:chartArea mods="allowNoFillOverride allowNoLineOverride">
+    <cs:lnRef idx="0"/>
+    <cs:fillRef idx="0"/>
+    <cs:effectRef idx="0"/>
+    <cs:fontRef idx="minor">
+      <a:schemeClr val="tx1"/>
+    </cs:fontRef>
+    <cs:spPr>
+      <a:solidFill>
+        <a:schemeClr val="bg1"/>
+      </a:solidFill>
+      <a:ln w="9525" cap="flat" cmpd="sng" algn="ctr">
+        <a:solidFill>
+          <a:schemeClr val="tx1">
+            <a:lumMod val="15000"/>
+            <a:lumOff val="85000"/>
+          </a:schemeClr>
+        </a:solidFill>
+        <a:round/>
+      </a:ln>
+    </cs:spPr>
+    <cs:defRPr sz="1000" kern="1200"/>
+  </cs:chartArea>
+  <cs:dataLabel>
+    <cs:lnRef idx="0"/>
+    <cs:fillRef idx="0"/>
+    <cs:effectRef idx="0"/>
+    <cs:fontRef idx="minor">
+      <a:schemeClr val="tx1">
+        <a:lumMod val="75000"/>
+        <a:lumOff val="25000"/>
+      </a:schemeClr>
+    </cs:fontRef>
+    <cs:defRPr sz="900" kern="1200"/>
+  </cs:dataLabel>
+  <cs:dataLabelCallout>
+    <cs:lnRef idx="0"/>
+    <cs:fillRef idx="0"/>
+    <cs:effectRef idx="0"/>
+    <cs:fontRef idx="minor">
+      <a:schemeClr val="dk1">
+        <a:lumMod val="65000"/>
+        <a:lumOff val="35000"/>
+      </a:schemeClr>
+    </cs:fontRef>
+    <cs:spPr>
+      <a:solidFill>
+        <a:schemeClr val="lt1"/>
+      </a:solidFill>
+      <a:ln>
+        <a:solidFill>
+          <a:schemeClr val="dk1">
+            <a:lumMod val="25000"/>
+            <a:lumOff val="75000"/>
+          </a:schemeClr>
+        </a:solidFill>
+      </a:ln>
+    </cs:spPr>
+    <cs:defRPr sz="900" kern="1200"/>
+    <cs:bodyPr rot="0" spcFirstLastPara="1" vertOverflow="clip" horzOverflow="clip" vert="horz" wrap="square" lIns="36576" tIns="18288" rIns="36576" bIns="18288" anchor="ctr" anchorCtr="1">
+      <a:spAutoFit/>
+    </cs:bodyPr>
+  </cs:dataLabelCallout>
+  <cs:dataPoint>
+    <cs:lnRef idx="0"/>
+    <cs:fillRef idx="1">
+      <cs:styleClr val="auto"/>
+    </cs:fillRef>
+    <cs:effectRef idx="0"/>
+    <cs:fontRef idx="minor">
+      <a:schemeClr val="tx1"/>
+    </cs:fontRef>
+  </cs:dataPoint>
+  <cs:dataPoint3D>
+    <cs:lnRef idx="0"/>
+    <cs:fillRef idx="1">
+      <cs:styleClr val="auto"/>
+    </cs:fillRef>
+    <cs:effectRef idx="0"/>
+    <cs:fontRef idx="minor">
+      <a:schemeClr val="tx1"/>
+    </cs:fontRef>
+  </cs:dataPoint3D>
+  <cs:dataPointLine>
+    <cs:lnRef idx="0">
+      <cs:styleClr val="auto"/>
+    </cs:lnRef>
+    <cs:fillRef idx="1"/>
+    <cs:effectRef idx="0"/>
+    <cs:fontRef idx="minor">
+      <a:schemeClr val="tx1"/>
+    </cs:fontRef>
+    <cs:spPr>
+      <a:ln w="19050" cap="rnd">
+        <a:solidFill>
+          <a:schemeClr val="phClr"/>
+        </a:solidFill>
+        <a:round/>
+      </a:ln>
+    </cs:spPr>
+  </cs:dataPointLine>
+  <cs:dataPointMarker>
+    <cs:lnRef idx="0">
+      <cs:styleClr val="auto"/>
+    </cs:lnRef>
+    <cs:fillRef idx="1">
+      <cs:styleClr val="auto"/>
+    </cs:fillRef>
+    <cs:effectRef idx="0"/>
+    <cs:fontRef idx="minor">
+      <a:schemeClr val="tx1"/>
+    </cs:fontRef>
+    <cs:spPr>
+      <a:ln w="9525">
+        <a:solidFill>
+          <a:schemeClr val="phClr"/>
+        </a:solidFill>
+      </a:ln>
+    </cs:spPr>
+  </cs:dataPointMarker>
+  <cs:dataPointMarkerLayout symbol="circle" size="5"/>
+  <cs:dataPointWireframe>
+    <cs:lnRef idx="0">
+      <cs:styleClr val="auto"/>
+    </cs:lnRef>
+    <cs:fillRef idx="0"/>
+    <cs:effectRef idx="0"/>
+    <cs:fontRef idx="minor">
+      <a:schemeClr val="dk1"/>
+    </cs:fontRef>
+    <cs:spPr>
+      <a:ln w="9525" cap="rnd">
+        <a:solidFill>
+          <a:schemeClr val="phClr"/>
+        </a:solidFill>
+        <a:round/>
+      </a:ln>
+    </cs:spPr>
+  </cs:dataPointWireframe>
+  <cs:dataTable>
+    <cs:lnRef idx="0"/>
+    <cs:fillRef idx="0"/>
+    <cs:effectRef idx="0"/>
+    <cs:fontRef idx="minor">
+      <a:schemeClr val="tx1">
+        <a:lumMod val="65000"/>
+        <a:lumOff val="35000"/>
+      </a:schemeClr>
+    </cs:fontRef>
+    <cs:spPr>
+      <a:noFill/>
+      <a:ln w="9525" cap="flat" cmpd="sng" algn="ctr">
+        <a:solidFill>
+          <a:schemeClr val="tx1">
+            <a:lumMod val="15000"/>
+            <a:lumOff val="85000"/>
+          </a:schemeClr>
+        </a:solidFill>
+        <a:round/>
+      </a:ln>
+    </cs:spPr>
+    <cs:defRPr sz="900" kern="1200"/>
+  </cs:dataTable>
+  <cs:downBar>
+    <cs:lnRef idx="0"/>
+    <cs:fillRef idx="0"/>
+    <cs:effectRef idx="0"/>
+    <cs:fontRef idx="minor">
+      <a:schemeClr val="tx1"/>
+    </cs:fontRef>
+    <cs:spPr>
+      <a:solidFill>
+        <a:schemeClr val="dk1">
+          <a:lumMod val="75000"/>
+          <a:lumOff val="25000"/>
+        </a:schemeClr>
+      </a:solidFill>
+      <a:ln w="9525" cap="flat" cmpd="sng" algn="ctr">
+        <a:solidFill>
+          <a:schemeClr val="tx1">
+            <a:lumMod val="65000"/>
+            <a:lumOff val="35000"/>
+          </a:schemeClr>
+        </a:solidFill>
+        <a:round/>
+      </a:ln>
+    </cs:spPr>
+  </cs:downBar>
+  <cs:dropLine>
+    <cs:lnRef idx="0"/>
+    <cs:fillRef idx="0"/>
+    <cs:effectRef idx="0"/>
+    <cs:fontRef idx="minor">
+      <a:schemeClr val="tx1"/>
+    </cs:fontRef>
+    <cs:spPr>
+      <a:ln w="9525" cap="flat" cmpd="sng" algn="ctr">
+        <a:solidFill>
+          <a:schemeClr val="tx1">
+            <a:lumMod val="35000"/>
+            <a:lumOff val="65000"/>
+          </a:schemeClr>
+        </a:solidFill>
+        <a:round/>
+      </a:ln>
+    </cs:spPr>
+  </cs:dropLine>
+  <cs:errorBar>
+    <cs:lnRef idx="0"/>
+    <cs:fillRef idx="0"/>
+    <cs:effectRef idx="0"/>
+    <cs:fontRef idx="minor">
+      <a:schemeClr val="tx1"/>
+    </cs:fontRef>
+    <cs:spPr>
+      <a:ln w="9525" cap="flat" cmpd="sng" algn="ctr">
+        <a:solidFill>
+          <a:schemeClr val="tx1">
+            <a:lumMod val="65000"/>
+            <a:lumOff val="35000"/>
+          </a:schemeClr>
+        </a:solidFill>
+        <a:round/>
+      </a:ln>
+    </cs:spPr>
+  </cs:errorBar>
+  <cs:floor>
+    <cs:lnRef idx="0"/>
+    <cs:fillRef idx="0"/>
+    <cs:effectRef idx="0"/>
+    <cs:fontRef idx="minor">
+      <a:schemeClr val="tx1"/>
+    </cs:fontRef>
+    <cs:spPr>
+      <a:noFill/>
+      <a:ln>
+        <a:noFill/>
+      </a:ln>
+    </cs:spPr>
+  </cs:floor>
+  <cs:gridlineMajor>
+    <cs:lnRef idx="0"/>
+    <cs:fillRef idx="0"/>
+    <cs:effectRef idx="0"/>
+    <cs:fontRef idx="minor">
+      <a:schemeClr val="tx1"/>
+    </cs:fontRef>
+    <cs:spPr>
+      <a:ln w="9525" cap="flat" cmpd="sng" algn="ctr">
+        <a:solidFill>
+          <a:schemeClr val="tx1">
+            <a:lumMod val="15000"/>
+            <a:lumOff val="85000"/>
+          </a:schemeClr>
+        </a:solidFill>
+        <a:round/>
+      </a:ln>
+    </cs:spPr>
+  </cs:gridlineMajor>
+  <cs:gridlineMinor>
+    <cs:lnRef idx="0"/>
+    <cs:fillRef idx="0"/>
+    <cs:effectRef idx="0"/>
+    <cs:fontRef idx="minor">
+      <a:schemeClr val="tx1"/>
+    </cs:fontRef>
+    <cs:spPr>
+      <a:ln w="9525" cap="flat" cmpd="sng" algn="ctr">
+        <a:solidFill>
+          <a:schemeClr val="tx1">
+            <a:lumMod val="5000"/>
+            <a:lumOff val="95000"/>
+          </a:schemeClr>
+        </a:solidFill>
+        <a:round/>
+      </a:ln>
+    </cs:spPr>
+  </cs:gridlineMinor>
+  <cs:hiLoLine>
+    <cs:lnRef idx="0"/>
+    <cs:fillRef idx="0"/>
+    <cs:effectRef idx="0"/>
+    <cs:fontRef idx="minor">
+      <a:schemeClr val="tx1"/>
+    </cs:fontRef>
+    <cs:spPr>
+      <a:ln w="9525" cap="flat" cmpd="sng" algn="ctr">
+        <a:solidFill>
+          <a:schemeClr val="tx1">
+            <a:lumMod val="50000"/>
+            <a:lumOff val="50000"/>
+          </a:schemeClr>
+        </a:solidFill>
+        <a:round/>
+      </a:ln>
+    </cs:spPr>
+  </cs:hiLoLine>
+  <cs:leaderLine>
+    <cs:lnRef idx="0"/>
+    <cs:fillRef idx="0"/>
+    <cs:effectRef idx="0"/>
+    <cs:fontRef idx="minor">
+      <a:schemeClr val="tx1"/>
+    </cs:fontRef>
+    <cs:spPr>
+      <a:ln w="9525" cap="flat" cmpd="sng" algn="ctr">
+        <a:solidFill>
+          <a:schemeClr val="tx1">
+            <a:lumMod val="35000"/>
+            <a:lumOff val="65000"/>
+          </a:schemeClr>
+        </a:solidFill>
+        <a:round/>
+      </a:ln>
+    </cs:spPr>
+  </cs:leaderLine>
+  <cs:legend>
+    <cs:lnRef idx="0"/>
+    <cs:fillRef idx="0"/>
+    <cs:effectRef idx="0"/>
+    <cs:fontRef idx="minor">
+      <a:schemeClr val="tx1">
+        <a:lumMod val="65000"/>
+        <a:lumOff val="35000"/>
+      </a:schemeClr>
+    </cs:fontRef>
+    <cs:defRPr sz="900" kern="1200"/>
+  </cs:legend>
+  <cs:plotArea mods="allowNoFillOverride allowNoLineOverride">
+    <cs:lnRef idx="0"/>
+    <cs:fillRef idx="0"/>
+    <cs:effectRef idx="0"/>
+    <cs:fontRef idx="minor">
+      <a:schemeClr val="tx1"/>
+    </cs:fontRef>
+  </cs:plotArea>
+  <cs:plotArea3D mods="allowNoFillOverride allowNoLineOverride">
+    <cs:lnRef idx="0"/>
+    <cs:fillRef idx="0"/>
+    <cs:effectRef idx="0"/>
+    <cs:fontRef idx="minor">
+      <a:schemeClr val="tx1"/>
+    </cs:fontRef>
+  </cs:plotArea3D>
+  <cs:seriesAxis>
+    <cs:lnRef idx="0"/>
+    <cs:fillRef idx="0"/>
+    <cs:effectRef idx="0"/>
+    <cs:fontRef idx="minor">
+      <a:schemeClr val="tx1">
+        <a:lumMod val="65000"/>
+        <a:lumOff val="35000"/>
+      </a:schemeClr>
+    </cs:fontRef>
+    <cs:defRPr sz="900" kern="1200"/>
+  </cs:seriesAxis>
+  <cs:seriesLine>
+    <cs:lnRef idx="0"/>
+    <cs:fillRef idx="0"/>
+    <cs:effectRef idx="0"/>
+    <cs:fontRef idx="minor">
+      <a:schemeClr val="tx1"/>
+    </cs:fontRef>
+    <cs:spPr>
+      <a:ln w="9525" cap="flat" cmpd="sng" algn="ctr">
+        <a:solidFill>
+          <a:schemeClr val="tx1">
+            <a:lumMod val="35000"/>
+            <a:lumOff val="65000"/>
+          </a:schemeClr>
+        </a:solidFill>
+        <a:round/>
+      </a:ln>
+    </cs:spPr>
+  </cs:seriesLine>
+  <cs:title>
+    <cs:lnRef idx="0"/>
+    <cs:fillRef idx="0"/>
+    <cs:effectRef idx="0"/>
+    <cs:fontRef idx="minor">
+      <a:schemeClr val="tx1">
+        <a:lumMod val="65000"/>
+        <a:lumOff val="35000"/>
+      </a:schemeClr>
+    </cs:fontRef>
+    <cs:defRPr sz="1400" b="0" kern="1200" spc="0" baseline="0"/>
+  </cs:title>
+  <cs:trendline>
+    <cs:lnRef idx="0">
+      <cs:styleClr val="auto"/>
+    </cs:lnRef>
+    <cs:fillRef idx="0"/>
+    <cs:effectRef idx="0"/>
+    <cs:fontRef idx="minor">
+      <a:schemeClr val="tx1"/>
+    </cs:fontRef>
+    <cs:spPr>
+      <a:ln w="19050" cap="rnd">
+        <a:solidFill>
+          <a:schemeClr val="phClr"/>
+        </a:solidFill>
+        <a:prstDash val="sysDot"/>
+      </a:ln>
+    </cs:spPr>
+  </cs:trendline>
+  <cs:trendlineLabel>
+    <cs:lnRef idx="0"/>
+    <cs:fillRef idx="0"/>
+    <cs:effectRef idx="0"/>
+    <cs:fontRef idx="minor">
+      <a:schemeClr val="tx1">
+        <a:lumMod val="65000"/>
+        <a:lumOff val="35000"/>
+      </a:schemeClr>
+    </cs:fontRef>
+    <cs:defRPr sz="900" kern="1200"/>
+  </cs:trendlineLabel>
+  <cs:upBar>
+    <cs:lnRef idx="0"/>
+    <cs:fillRef idx="0"/>
+    <cs:effectRef idx="0"/>
+    <cs:fontRef idx="minor">
+      <a:schemeClr val="tx1"/>
+    </cs:fontRef>
+    <cs:spPr>
+      <a:solidFill>
+        <a:schemeClr val="lt1"/>
+      </a:solidFill>
+      <a:ln w="9525" cap="flat" cmpd="sng" algn="ctr">
+        <a:solidFill>
+          <a:schemeClr val="tx1">
+            <a:lumMod val="65000"/>
+            <a:lumOff val="35000"/>
+          </a:schemeClr>
+        </a:solidFill>
+        <a:round/>
+      </a:ln>
+    </cs:spPr>
+  </cs:upBar>
+  <cs:valueAxis>
+    <cs:lnRef idx="0"/>
+    <cs:fillRef idx="0"/>
+    <cs:effectRef idx="0"/>
+    <cs:fontRef idx="minor">
+      <a:schemeClr val="tx1">
+        <a:lumMod val="65000"/>
+        <a:lumOff val="35000"/>
+      </a:schemeClr>
+    </cs:fontRef>
+    <cs:spPr>
+      <a:ln w="9525" cap="flat" cmpd="sng" algn="ctr">
+        <a:solidFill>
+          <a:schemeClr val="tx1">
+            <a:lumMod val="25000"/>
+            <a:lumOff val="75000"/>
+          </a:schemeClr>
+        </a:solidFill>
+        <a:round/>
+      </a:ln>
+    </cs:spPr>
+    <cs:defRPr sz="900" kern="1200"/>
+  </cs:valueAxis>
+  <cs:wall>
+    <cs:lnRef idx="0"/>
+    <cs:fillRef idx="0"/>
+    <cs:effectRef idx="0"/>
+    <cs:fontRef idx="minor">
+      <a:schemeClr val="tx1"/>
+    </cs:fontRef>
+    <cs:spPr>
+      <a:noFill/>
+      <a:ln>
+        <a:noFill/>
+      </a:ln>
+    </cs:spPr>
+  </cs:wall>
+</cs:chartStyle>
+</file>
+
+<file path=ppt/charts/style4.xml><?xml version="1.0" encoding="utf-8"?>
+<cs:chartStyle xmlns:cs="http://schemas.microsoft.com/office/drawing/2012/chartStyle" xmlns:a="http://schemas.openxmlformats.org/drawingml/2006/main" id="240">
+  <cs:axisTitle>
+    <cs:lnRef idx="0"/>
+    <cs:fillRef idx="0"/>
+    <cs:effectRef idx="0"/>
+    <cs:fontRef idx="minor">
+      <a:schemeClr val="tx1">
+        <a:lumMod val="65000"/>
+        <a:lumOff val="35000"/>
+      </a:schemeClr>
+    </cs:fontRef>
+    <cs:defRPr sz="1000" kern="1200"/>
+  </cs:axisTitle>
+  <cs:categoryAxis>
+    <cs:lnRef idx="0"/>
+    <cs:fillRef idx="0"/>
+    <cs:effectRef idx="0"/>
+    <cs:fontRef idx="minor">
+      <a:schemeClr val="tx1">
+        <a:lumMod val="65000"/>
+        <a:lumOff val="35000"/>
+      </a:schemeClr>
+    </cs:fontRef>
+    <cs:spPr>
+      <a:ln w="9525" cap="flat" cmpd="sng" algn="ctr">
+        <a:solidFill>
+          <a:schemeClr val="tx1">
+            <a:lumMod val="25000"/>
+            <a:lumOff val="75000"/>
+          </a:schemeClr>
+        </a:solidFill>
+        <a:round/>
+      </a:ln>
+    </cs:spPr>
+    <cs:defRPr sz="900" kern="1200"/>
+  </cs:categoryAxis>
+  <cs:chartArea mods="allowNoFillOverride allowNoLineOverride">
+    <cs:lnRef idx="0"/>
+    <cs:fillRef idx="0"/>
+    <cs:effectRef idx="0"/>
+    <cs:fontRef idx="minor">
+      <a:schemeClr val="tx1"/>
+    </cs:fontRef>
+    <cs:spPr>
+      <a:solidFill>
+        <a:schemeClr val="bg1"/>
+      </a:solidFill>
+      <a:ln w="9525" cap="flat" cmpd="sng" algn="ctr">
+        <a:solidFill>
+          <a:schemeClr val="tx1">
+            <a:lumMod val="15000"/>
+            <a:lumOff val="85000"/>
+          </a:schemeClr>
+        </a:solidFill>
+        <a:round/>
+      </a:ln>
+    </cs:spPr>
+    <cs:defRPr sz="1000" kern="1200"/>
+  </cs:chartArea>
+  <cs:dataLabel>
+    <cs:lnRef idx="0"/>
+    <cs:fillRef idx="0"/>
+    <cs:effectRef idx="0"/>
+    <cs:fontRef idx="minor">
+      <a:schemeClr val="tx1">
+        <a:lumMod val="75000"/>
+        <a:lumOff val="25000"/>
+      </a:schemeClr>
+    </cs:fontRef>
+    <cs:defRPr sz="900" kern="1200"/>
+  </cs:dataLabel>
+  <cs:dataLabelCallout>
+    <cs:lnRef idx="0"/>
+    <cs:fillRef idx="0"/>
+    <cs:effectRef idx="0"/>
+    <cs:fontRef idx="minor">
+      <a:schemeClr val="dk1">
+        <a:lumMod val="65000"/>
+        <a:lumOff val="35000"/>
+      </a:schemeClr>
+    </cs:fontRef>
+    <cs:spPr>
+      <a:solidFill>
+        <a:schemeClr val="lt1"/>
+      </a:solidFill>
+      <a:ln>
+        <a:solidFill>
+          <a:schemeClr val="dk1">
+            <a:lumMod val="25000"/>
+            <a:lumOff val="75000"/>
+          </a:schemeClr>
+        </a:solidFill>
+      </a:ln>
+    </cs:spPr>
+    <cs:defRPr sz="900" kern="1200"/>
+    <cs:bodyPr rot="0" spcFirstLastPara="1" vertOverflow="clip" horzOverflow="clip" vert="horz" wrap="square" lIns="36576" tIns="18288" rIns="36576" bIns="18288" anchor="ctr" anchorCtr="1">
+      <a:spAutoFit/>
+    </cs:bodyPr>
+  </cs:dataLabelCallout>
+  <cs:dataPoint>
+    <cs:lnRef idx="0"/>
+    <cs:fillRef idx="1">
+      <cs:styleClr val="auto"/>
+    </cs:fillRef>
+    <cs:effectRef idx="0"/>
+    <cs:fontRef idx="minor">
+      <a:schemeClr val="tx1"/>
+    </cs:fontRef>
+  </cs:dataPoint>
+  <cs:dataPoint3D>
+    <cs:lnRef idx="0"/>
+    <cs:fillRef idx="1">
+      <cs:styleClr val="auto"/>
+    </cs:fillRef>
+    <cs:effectRef idx="0"/>
+    <cs:fontRef idx="minor">
+      <a:schemeClr val="tx1"/>
+    </cs:fontRef>
+  </cs:dataPoint3D>
+  <cs:dataPointLine>
+    <cs:lnRef idx="0">
+      <cs:styleClr val="auto"/>
+    </cs:lnRef>
+    <cs:fillRef idx="1"/>
+    <cs:effectRef idx="0"/>
+    <cs:fontRef idx="minor">
+      <a:schemeClr val="tx1"/>
+    </cs:fontRef>
+    <cs:spPr>
+      <a:ln w="19050" cap="rnd">
+        <a:solidFill>
+          <a:schemeClr val="phClr"/>
+        </a:solidFill>
+        <a:round/>
+      </a:ln>
+    </cs:spPr>
+  </cs:dataPointLine>
+  <cs:dataPointMarker>
+    <cs:lnRef idx="0">
+      <cs:styleClr val="auto"/>
+    </cs:lnRef>
+    <cs:fillRef idx="1">
+      <cs:styleClr val="auto"/>
+    </cs:fillRef>
+    <cs:effectRef idx="0"/>
+    <cs:fontRef idx="minor">
+      <a:schemeClr val="tx1"/>
+    </cs:fontRef>
+    <cs:spPr>
+      <a:ln w="9525">
+        <a:solidFill>
+          <a:schemeClr val="phClr"/>
+        </a:solidFill>
+      </a:ln>
+    </cs:spPr>
+  </cs:dataPointMarker>
+  <cs:dataPointMarkerLayout symbol="circle" size="5"/>
+  <cs:dataPointWireframe>
+    <cs:lnRef idx="0">
+      <cs:styleClr val="auto"/>
+    </cs:lnRef>
+    <cs:fillRef idx="0"/>
+    <cs:effectRef idx="0"/>
+    <cs:fontRef idx="minor">
+      <a:schemeClr val="dk1"/>
+    </cs:fontRef>
+    <cs:spPr>
+      <a:ln w="9525" cap="rnd">
+        <a:solidFill>
+          <a:schemeClr val="phClr"/>
+        </a:solidFill>
+        <a:round/>
+      </a:ln>
+    </cs:spPr>
+  </cs:dataPointWireframe>
+  <cs:dataTable>
+    <cs:lnRef idx="0"/>
+    <cs:fillRef idx="0"/>
+    <cs:effectRef idx="0"/>
+    <cs:fontRef idx="minor">
+      <a:schemeClr val="tx1">
+        <a:lumMod val="65000"/>
+        <a:lumOff val="35000"/>
+      </a:schemeClr>
+    </cs:fontRef>
+    <cs:spPr>
+      <a:noFill/>
+      <a:ln w="9525" cap="flat" cmpd="sng" algn="ctr">
+        <a:solidFill>
+          <a:schemeClr val="tx1">
+            <a:lumMod val="15000"/>
+            <a:lumOff val="85000"/>
+          </a:schemeClr>
+        </a:solidFill>
+        <a:round/>
+      </a:ln>
+    </cs:spPr>
+    <cs:defRPr sz="900" kern="1200"/>
+  </cs:dataTable>
+  <cs:downBar>
+    <cs:lnRef idx="0"/>
+    <cs:fillRef idx="0"/>
+    <cs:effectRef idx="0"/>
+    <cs:fontRef idx="minor">
+      <a:schemeClr val="tx1"/>
+    </cs:fontRef>
+    <cs:spPr>
+      <a:solidFill>
+        <a:schemeClr val="dk1">
+          <a:lumMod val="75000"/>
+          <a:lumOff val="25000"/>
+        </a:schemeClr>
+      </a:solidFill>
+      <a:ln w="9525" cap="flat" cmpd="sng" algn="ctr">
+        <a:solidFill>
+          <a:schemeClr val="tx1">
+            <a:lumMod val="65000"/>
+            <a:lumOff val="35000"/>
+          </a:schemeClr>
+        </a:solidFill>
+        <a:round/>
+      </a:ln>
+    </cs:spPr>
+  </cs:downBar>
+  <cs:dropLine>
+    <cs:lnRef idx="0"/>
+    <cs:fillRef idx="0"/>
+    <cs:effectRef idx="0"/>
+    <cs:fontRef idx="minor">
+      <a:schemeClr val="tx1"/>
+    </cs:fontRef>
+    <cs:spPr>
+      <a:ln w="9525" cap="flat" cmpd="sng" algn="ctr">
+        <a:solidFill>
+          <a:schemeClr val="tx1">
+            <a:lumMod val="35000"/>
+            <a:lumOff val="65000"/>
+          </a:schemeClr>
+        </a:solidFill>
+        <a:round/>
+      </a:ln>
+    </cs:spPr>
+  </cs:dropLine>
+  <cs:errorBar>
+    <cs:lnRef idx="0"/>
+    <cs:fillRef idx="0"/>
+    <cs:effectRef idx="0"/>
+    <cs:fontRef idx="minor">
+      <a:schemeClr val="tx1"/>
+    </cs:fontRef>
+    <cs:spPr>
+      <a:ln w="9525" cap="flat" cmpd="sng" algn="ctr">
+        <a:solidFill>
+          <a:schemeClr val="tx1">
+            <a:lumMod val="65000"/>
+            <a:lumOff val="35000"/>
+          </a:schemeClr>
+        </a:solidFill>
+        <a:round/>
+      </a:ln>
+    </cs:spPr>
+  </cs:errorBar>
+  <cs:floor>
+    <cs:lnRef idx="0"/>
+    <cs:fillRef idx="0"/>
+    <cs:effectRef idx="0"/>
+    <cs:fontRef idx="minor">
+      <a:schemeClr val="tx1"/>
+    </cs:fontRef>
+    <cs:spPr>
+      <a:noFill/>
+      <a:ln>
+        <a:noFill/>
+      </a:ln>
+    </cs:spPr>
+  </cs:floor>
+  <cs:gridlineMajor>
+    <cs:lnRef idx="0"/>
+    <cs:fillRef idx="0"/>
+    <cs:effectRef idx="0"/>
+    <cs:fontRef idx="minor">
+      <a:schemeClr val="tx1"/>
+    </cs:fontRef>
+    <cs:spPr>
+      <a:ln w="9525" cap="flat" cmpd="sng" algn="ctr">
+        <a:solidFill>
+          <a:schemeClr val="tx1">
+            <a:lumMod val="15000"/>
+            <a:lumOff val="85000"/>
+          </a:schemeClr>
+        </a:solidFill>
+        <a:round/>
+      </a:ln>
+    </cs:spPr>
+  </cs:gridlineMajor>
+  <cs:gridlineMinor>
+    <cs:lnRef idx="0"/>
+    <cs:fillRef idx="0"/>
+    <cs:effectRef idx="0"/>
+    <cs:fontRef idx="minor">
+      <a:schemeClr val="tx1"/>
+    </cs:fontRef>
+    <cs:spPr>
+      <a:ln w="9525" cap="flat" cmpd="sng" algn="ctr">
+        <a:solidFill>
+          <a:schemeClr val="tx1">
+            <a:lumMod val="5000"/>
+            <a:lumOff val="95000"/>
+          </a:schemeClr>
+        </a:solidFill>
+        <a:round/>
+      </a:ln>
+    </cs:spPr>
+  </cs:gridlineMinor>
+  <cs:hiLoLine>
+    <cs:lnRef idx="0"/>
+    <cs:fillRef idx="0"/>
+    <cs:effectRef idx="0"/>
+    <cs:fontRef idx="minor">
+      <a:schemeClr val="tx1"/>
+    </cs:fontRef>
+    <cs:spPr>
+      <a:ln w="9525" cap="flat" cmpd="sng" algn="ctr">
+        <a:solidFill>
+          <a:schemeClr val="tx1">
+            <a:lumMod val="50000"/>
+            <a:lumOff val="50000"/>
+          </a:schemeClr>
+        </a:solidFill>
+        <a:round/>
+      </a:ln>
+    </cs:spPr>
+  </cs:hiLoLine>
+  <cs:leaderLine>
+    <cs:lnRef idx="0"/>
+    <cs:fillRef idx="0"/>
+    <cs:effectRef idx="0"/>
+    <cs:fontRef idx="minor">
+      <a:schemeClr val="tx1"/>
+    </cs:fontRef>
+    <cs:spPr>
+      <a:ln w="9525" cap="flat" cmpd="sng" algn="ctr">
+        <a:solidFill>
+          <a:schemeClr val="tx1">
+            <a:lumMod val="35000"/>
+            <a:lumOff val="65000"/>
+          </a:schemeClr>
+        </a:solidFill>
+        <a:round/>
+      </a:ln>
+    </cs:spPr>
+  </cs:leaderLine>
+  <cs:legend>
+    <cs:lnRef idx="0"/>
+    <cs:fillRef idx="0"/>
+    <cs:effectRef idx="0"/>
+    <cs:fontRef idx="minor">
+      <a:schemeClr val="tx1">
+        <a:lumMod val="65000"/>
+        <a:lumOff val="35000"/>
+      </a:schemeClr>
+    </cs:fontRef>
+    <cs:defRPr sz="900" kern="1200"/>
+  </cs:legend>
+  <cs:plotArea mods="allowNoFillOverride allowNoLineOverride">
+    <cs:lnRef idx="0"/>
+    <cs:fillRef idx="0"/>
+    <cs:effectRef idx="0"/>
+    <cs:fontRef idx="minor">
+      <a:schemeClr val="tx1"/>
+    </cs:fontRef>
+  </cs:plotArea>
+  <cs:plotArea3D mods="allowNoFillOverride allowNoLineOverride">
+    <cs:lnRef idx="0"/>
+    <cs:fillRef idx="0"/>
+    <cs:effectRef idx="0"/>
+    <cs:fontRef idx="minor">
+      <a:schemeClr val="tx1"/>
+    </cs:fontRef>
+  </cs:plotArea3D>
+  <cs:seriesAxis>
+    <cs:lnRef idx="0"/>
+    <cs:fillRef idx="0"/>
+    <cs:effectRef idx="0"/>
+    <cs:fontRef idx="minor">
+      <a:schemeClr val="tx1">
+        <a:lumMod val="65000"/>
+        <a:lumOff val="35000"/>
+      </a:schemeClr>
+    </cs:fontRef>
+    <cs:defRPr sz="900" kern="1200"/>
+  </cs:seriesAxis>
+  <cs:seriesLine>
+    <cs:lnRef idx="0"/>
+    <cs:fillRef idx="0"/>
+    <cs:effectRef idx="0"/>
+    <cs:fontRef idx="minor">
+      <a:schemeClr val="tx1"/>
+    </cs:fontRef>
+    <cs:spPr>
+      <a:ln w="9525" cap="flat" cmpd="sng" algn="ctr">
+        <a:solidFill>
+          <a:schemeClr val="tx1">
+            <a:lumMod val="35000"/>
+            <a:lumOff val="65000"/>
+          </a:schemeClr>
+        </a:solidFill>
+        <a:round/>
+      </a:ln>
+    </cs:spPr>
+  </cs:seriesLine>
+  <cs:title>
+    <cs:lnRef idx="0"/>
+    <cs:fillRef idx="0"/>
+    <cs:effectRef idx="0"/>
+    <cs:fontRef idx="minor">
+      <a:schemeClr val="tx1">
+        <a:lumMod val="65000"/>
+        <a:lumOff val="35000"/>
+      </a:schemeClr>
+    </cs:fontRef>
+    <cs:defRPr sz="1400" b="0" kern="1200" spc="0" baseline="0"/>
+  </cs:title>
+  <cs:trendline>
+    <cs:lnRef idx="0">
+      <cs:styleClr val="auto"/>
+    </cs:lnRef>
+    <cs:fillRef idx="0"/>
+    <cs:effectRef idx="0"/>
+    <cs:fontRef idx="minor">
+      <a:schemeClr val="tx1"/>
+    </cs:fontRef>
+    <cs:spPr>
+      <a:ln w="19050" cap="rnd">
+        <a:solidFill>
+          <a:schemeClr val="phClr"/>
+        </a:solidFill>
+        <a:prstDash val="sysDot"/>
+      </a:ln>
+    </cs:spPr>
+  </cs:trendline>
+  <cs:trendlineLabel>
+    <cs:lnRef idx="0"/>
+    <cs:fillRef idx="0"/>
+    <cs:effectRef idx="0"/>
+    <cs:fontRef idx="minor">
+      <a:schemeClr val="tx1">
+        <a:lumMod val="65000"/>
+        <a:lumOff val="35000"/>
+      </a:schemeClr>
+    </cs:fontRef>
+    <cs:defRPr sz="900" kern="1200"/>
+  </cs:trendlineLabel>
+  <cs:upBar>
+    <cs:lnRef idx="0"/>
+    <cs:fillRef idx="0"/>
+    <cs:effectRef idx="0"/>
+    <cs:fontRef idx="minor">
+      <a:schemeClr val="tx1"/>
+    </cs:fontRef>
+    <cs:spPr>
+      <a:solidFill>
+        <a:schemeClr val="lt1"/>
+      </a:solidFill>
+      <a:ln w="9525" cap="flat" cmpd="sng" algn="ctr">
+        <a:solidFill>
+          <a:schemeClr val="tx1">
+            <a:lumMod val="65000"/>
+            <a:lumOff val="35000"/>
+          </a:schemeClr>
+        </a:solidFill>
+        <a:round/>
+      </a:ln>
+    </cs:spPr>
+  </cs:upBar>
+  <cs:valueAxis>
+    <cs:lnRef idx="0"/>
+    <cs:fillRef idx="0"/>
+    <cs:effectRef idx="0"/>
+    <cs:fontRef idx="minor">
+      <a:schemeClr val="tx1">
+        <a:lumMod val="65000"/>
+        <a:lumOff val="35000"/>
+      </a:schemeClr>
+    </cs:fontRef>
+    <cs:spPr>
+      <a:ln w="9525" cap="flat" cmpd="sng" algn="ctr">
+        <a:solidFill>
+          <a:schemeClr val="tx1">
+            <a:lumMod val="25000"/>
+            <a:lumOff val="75000"/>
+          </a:schemeClr>
+        </a:solidFill>
+        <a:round/>
+      </a:ln>
+    </cs:spPr>
+    <cs:defRPr sz="900" kern="1200"/>
+  </cs:valueAxis>
+  <cs:wall>
+    <cs:lnRef idx="0"/>
+    <cs:fillRef idx="0"/>
+    <cs:effectRef idx="0"/>
+    <cs:fontRef idx="minor">
+      <a:schemeClr val="tx1"/>
+    </cs:fontRef>
+    <cs:spPr>
+      <a:noFill/>
+      <a:ln>
+        <a:noFill/>
+      </a:ln>
+    </cs:spPr>
+  </cs:wall>
+</cs:chartStyle>
+</file>
+
 <file path=ppt/notesMasters/notesMaster1.xml><?xml version="1.0" encoding="utf-8"?>
 <p:notesMaster xmlns:a="http://schemas.openxmlformats.org/drawingml/2006/main" xmlns:r="http://schemas.openxmlformats.org/officeDocument/2006/relationships" xmlns:p="http://schemas.openxmlformats.org/presentationml/2006/main">
   <p:cSld>
@@ -218,7 +5079,7 @@
           <a:p>
             <a:fld id="{2E86FABA-D603-46B8-94C7-F73A40963B6B}" type="datetimeFigureOut">
               <a:rPr lang="ru-RU" smtClean="0"/>
-              <a:t>19.04.2018</a:t>
+              <a:t>22.04.2018</a:t>
             </a:fld>
             <a:endParaRPr lang="ru-RU" dirty="0"/>
           </a:p>
@@ -1969,47 +6830,16 @@
           <a:p>
             <a:r>
               <a:rPr lang="ru-RU" dirty="0" smtClean="0"/>
-              <a:t>Публикации</a:t>
+              <a:t>Результаты моделирования</a:t>
             </a:r>
             <a:br>
               <a:rPr lang="ru-RU" dirty="0" smtClean="0"/>
             </a:br>
             <a:r>
               <a:rPr lang="ru-RU" dirty="0" smtClean="0"/>
-              <a:t>Сотрудничество с </a:t>
-            </a:r>
-            <a:r>
-              <a:rPr lang="ru-RU" dirty="0" err="1" smtClean="0"/>
-              <a:t>цнии</a:t>
-            </a:r>
-            <a:r>
-              <a:rPr lang="ru-RU" dirty="0" smtClean="0"/>
-              <a:t> </a:t>
-            </a:r>
-            <a:r>
-              <a:rPr lang="ru-RU" dirty="0" err="1" smtClean="0"/>
-              <a:t>ртк</a:t>
+              <a:t>сравнение с экспериментом</a:t>
             </a:r>
             <a:endParaRPr lang="ru-RU" dirty="0"/>
-          </a:p>
-        </p:txBody>
-      </p:sp>
-      <p:sp>
-        <p:nvSpPr>
-          <p:cNvPr id="3" name="Объект 2"/>
-          <p:cNvSpPr>
-            <a:spLocks noGrp="1"/>
-          </p:cNvSpPr>
-          <p:nvPr>
-            <p:ph idx="1"/>
-          </p:nvPr>
-        </p:nvSpPr>
-        <p:spPr/>
-        <p:txBody>
-          <a:bodyPr/>
-          <a:lstStyle/>
-          <a:p>
-            <a:endParaRPr lang="ru-RU"/>
           </a:p>
         </p:txBody>
       </p:sp>
@@ -2036,10 +6866,226 @@
           </a:p>
         </p:txBody>
       </p:sp>
+      <p:graphicFrame>
+        <p:nvGraphicFramePr>
+          <p:cNvPr id="5" name="Диаграмма 4"/>
+          <p:cNvGraphicFramePr/>
+          <p:nvPr>
+            <p:extLst>
+              <p:ext uri="{D42A27DB-BD31-4B8C-83A1-F6EECF244321}">
+                <p14:modId xmlns:p14="http://schemas.microsoft.com/office/powerpoint/2010/main" val="3914226382"/>
+              </p:ext>
+            </p:extLst>
+          </p:nvPr>
+        </p:nvGraphicFramePr>
+        <p:xfrm>
+          <a:off x="251520" y="1772816"/>
+          <a:ext cx="8686328" cy="4680520"/>
+        </p:xfrm>
+        <a:graphic>
+          <a:graphicData uri="http://schemas.openxmlformats.org/drawingml/2006/chart">
+            <c:chart xmlns:c="http://schemas.openxmlformats.org/drawingml/2006/chart" xmlns:r="http://schemas.openxmlformats.org/officeDocument/2006/relationships" r:id="rId2"/>
+          </a:graphicData>
+        </a:graphic>
+      </p:graphicFrame>
+      <p:sp>
+        <p:nvSpPr>
+          <p:cNvPr id="7" name="Прямоугольник 6"/>
+          <p:cNvSpPr/>
+          <p:nvPr/>
+        </p:nvSpPr>
+        <p:spPr>
+          <a:xfrm>
+            <a:off x="395536" y="1189544"/>
+            <a:ext cx="3888432" cy="369332"/>
+          </a:xfrm>
+          <a:prstGeom prst="rect">
+            <a:avLst/>
+          </a:prstGeom>
+        </p:spPr>
+        <p:txBody>
+          <a:bodyPr wrap="square">
+            <a:spAutoFit/>
+          </a:bodyPr>
+          <a:lstStyle/>
+          <a:p>
+            <a:r>
+              <a:rPr lang="ru-RU" dirty="0"/>
+              <a:t>П</a:t>
+            </a:r>
+            <a:r>
+              <a:rPr lang="ru-RU" dirty="0" smtClean="0"/>
+              <a:t>лотность материала  </a:t>
+            </a:r>
+            <a:r>
+              <a:rPr lang="en-US" dirty="0"/>
+              <a:t>– </a:t>
+            </a:r>
+            <a:r>
+              <a:rPr lang="ru-RU" dirty="0"/>
+              <a:t> 1500 </a:t>
+            </a:r>
+            <a:r>
+              <a:rPr lang="ru-RU" dirty="0">
+                <a:solidFill>
+                  <a:schemeClr val="dk1"/>
+                </a:solidFill>
+              </a:rPr>
+              <a:t>кг/м</a:t>
+            </a:r>
+            <a:r>
+              <a:rPr lang="ru-RU" baseline="30000" dirty="0">
+                <a:solidFill>
+                  <a:schemeClr val="dk1"/>
+                </a:solidFill>
+              </a:rPr>
+              <a:t>3</a:t>
+            </a:r>
+          </a:p>
+        </p:txBody>
+      </p:sp>
+      <p:sp>
+        <p:nvSpPr>
+          <p:cNvPr id="8" name="Прямоугольник 7"/>
+          <p:cNvSpPr/>
+          <p:nvPr/>
+        </p:nvSpPr>
+        <p:spPr>
+          <a:xfrm>
+            <a:off x="6300192" y="1189544"/>
+            <a:ext cx="3888432" cy="369332"/>
+          </a:xfrm>
+          <a:prstGeom prst="rect">
+            <a:avLst/>
+          </a:prstGeom>
+        </p:spPr>
+        <p:txBody>
+          <a:bodyPr wrap="square">
+            <a:spAutoFit/>
+          </a:bodyPr>
+          <a:lstStyle/>
+          <a:p>
+            <a:r>
+              <a:rPr lang="ru-RU" dirty="0" smtClean="0"/>
+              <a:t>Угол острия 45 градусов</a:t>
+            </a:r>
+            <a:endParaRPr lang="ru-RU" baseline="30000" dirty="0">
+              <a:solidFill>
+                <a:schemeClr val="dk1"/>
+              </a:solidFill>
+            </a:endParaRPr>
+          </a:p>
+        </p:txBody>
+      </p:sp>
     </p:spTree>
     <p:extLst>
       <p:ext uri="{BB962C8B-B14F-4D97-AF65-F5344CB8AC3E}">
-        <p14:creationId xmlns:p14="http://schemas.microsoft.com/office/powerpoint/2010/main" val="1206948750"/>
+        <p14:creationId xmlns:p14="http://schemas.microsoft.com/office/powerpoint/2010/main" val="4116918572"/>
+      </p:ext>
+    </p:extLst>
+  </p:cSld>
+  <p:clrMapOvr>
+    <a:masterClrMapping/>
+  </p:clrMapOvr>
+  <p:timing>
+    <p:tnLst>
+      <p:par>
+        <p:cTn id="1" dur="indefinite" restart="never" nodeType="tmRoot"/>
+      </p:par>
+    </p:tnLst>
+  </p:timing>
+</p:sld>
+</file>
+
+<file path=ppt/slides/slide11.xml><?xml version="1.0" encoding="utf-8"?>
+<p:sld xmlns:a="http://schemas.openxmlformats.org/drawingml/2006/main" xmlns:r="http://schemas.openxmlformats.org/officeDocument/2006/relationships" xmlns:p="http://schemas.openxmlformats.org/presentationml/2006/main">
+  <p:cSld>
+    <p:spTree>
+      <p:nvGrpSpPr>
+        <p:cNvPr id="1" name=""/>
+        <p:cNvGrpSpPr/>
+        <p:nvPr/>
+      </p:nvGrpSpPr>
+      <p:grpSpPr>
+        <a:xfrm>
+          <a:off x="0" y="0"/>
+          <a:ext cx="0" cy="0"/>
+          <a:chOff x="0" y="0"/>
+          <a:chExt cx="0" cy="0"/>
+        </a:xfrm>
+      </p:grpSpPr>
+      <p:sp>
+        <p:nvSpPr>
+          <p:cNvPr id="2" name="Заголовок 1"/>
+          <p:cNvSpPr>
+            <a:spLocks noGrp="1"/>
+          </p:cNvSpPr>
+          <p:nvPr>
+            <p:ph type="title"/>
+          </p:nvPr>
+        </p:nvSpPr>
+        <p:spPr/>
+        <p:txBody>
+          <a:bodyPr/>
+          <a:lstStyle/>
+          <a:p>
+            <a:r>
+              <a:rPr lang="ru-RU" dirty="0" smtClean="0"/>
+              <a:t>Погрешность модели</a:t>
+            </a:r>
+            <a:endParaRPr lang="ru-RU" dirty="0"/>
+          </a:p>
+        </p:txBody>
+      </p:sp>
+      <p:sp>
+        <p:nvSpPr>
+          <p:cNvPr id="4" name="Номер слайда 3"/>
+          <p:cNvSpPr>
+            <a:spLocks noGrp="1"/>
+          </p:cNvSpPr>
+          <p:nvPr>
+            <p:ph type="sldNum" sz="quarter" idx="12"/>
+          </p:nvPr>
+        </p:nvSpPr>
+        <p:spPr/>
+        <p:txBody>
+          <a:bodyPr/>
+          <a:lstStyle/>
+          <a:p>
+            <a:fld id="{B6743867-4E32-4E2D-8739-58246E7E28D2}" type="slidenum">
+              <a:rPr lang="ru-RU" smtClean="0"/>
+              <a:t>11</a:t>
+            </a:fld>
+            <a:endParaRPr lang="ru-RU" dirty="0"/>
+          </a:p>
+        </p:txBody>
+      </p:sp>
+      <p:graphicFrame>
+        <p:nvGraphicFramePr>
+          <p:cNvPr id="5" name="Диаграмма 4"/>
+          <p:cNvGraphicFramePr/>
+          <p:nvPr>
+            <p:extLst>
+              <p:ext uri="{D42A27DB-BD31-4B8C-83A1-F6EECF244321}">
+                <p14:modId xmlns:p14="http://schemas.microsoft.com/office/powerpoint/2010/main" val="1677397092"/>
+              </p:ext>
+            </p:extLst>
+          </p:nvPr>
+        </p:nvGraphicFramePr>
+        <p:xfrm>
+          <a:off x="683568" y="1340768"/>
+          <a:ext cx="7560840" cy="4464496"/>
+        </p:xfrm>
+        <a:graphic>
+          <a:graphicData uri="http://schemas.openxmlformats.org/drawingml/2006/chart">
+            <c:chart xmlns:c="http://schemas.openxmlformats.org/drawingml/2006/chart" xmlns:r="http://schemas.openxmlformats.org/officeDocument/2006/relationships" r:id="rId2"/>
+          </a:graphicData>
+        </a:graphic>
+      </p:graphicFrame>
+    </p:spTree>
+    <p:extLst>
+      <p:ext uri="{BB962C8B-B14F-4D97-AF65-F5344CB8AC3E}">
+        <p14:creationId xmlns:p14="http://schemas.microsoft.com/office/powerpoint/2010/main" val="1900078824"/>
       </p:ext>
     </p:extLst>
   </p:cSld>
@@ -2049,7 +7095,156 @@
 </p:sld>
 </file>
 
-<file path=ppt/slides/slide11.xml><?xml version="1.0" encoding="utf-8"?>
+<file path=ppt/slides/slide12.xml><?xml version="1.0" encoding="utf-8"?>
+<p:sld xmlns:a="http://schemas.openxmlformats.org/drawingml/2006/main" xmlns:r="http://schemas.openxmlformats.org/officeDocument/2006/relationships" xmlns:p="http://schemas.openxmlformats.org/presentationml/2006/main">
+  <p:cSld>
+    <p:spTree>
+      <p:nvGrpSpPr>
+        <p:cNvPr id="1" name=""/>
+        <p:cNvGrpSpPr/>
+        <p:nvPr/>
+      </p:nvGrpSpPr>
+      <p:grpSpPr>
+        <a:xfrm>
+          <a:off x="0" y="0"/>
+          <a:ext cx="0" cy="0"/>
+          <a:chOff x="0" y="0"/>
+          <a:chExt cx="0" cy="0"/>
+        </a:xfrm>
+      </p:grpSpPr>
+      <p:sp>
+        <p:nvSpPr>
+          <p:cNvPr id="2" name="Заголовок 1"/>
+          <p:cNvSpPr>
+            <a:spLocks noGrp="1"/>
+          </p:cNvSpPr>
+          <p:nvPr>
+            <p:ph type="title"/>
+          </p:nvPr>
+        </p:nvSpPr>
+        <p:spPr/>
+        <p:txBody>
+          <a:bodyPr/>
+          <a:lstStyle/>
+          <a:p>
+            <a:r>
+              <a:rPr lang="ru-RU" dirty="0" smtClean="0"/>
+              <a:t>Выводы</a:t>
+            </a:r>
+            <a:endParaRPr lang="ru-RU" dirty="0"/>
+          </a:p>
+        </p:txBody>
+      </p:sp>
+      <p:sp>
+        <p:nvSpPr>
+          <p:cNvPr id="4" name="Номер слайда 3"/>
+          <p:cNvSpPr>
+            <a:spLocks noGrp="1"/>
+          </p:cNvSpPr>
+          <p:nvPr>
+            <p:ph type="sldNum" sz="quarter" idx="12"/>
+          </p:nvPr>
+        </p:nvSpPr>
+        <p:spPr/>
+        <p:txBody>
+          <a:bodyPr/>
+          <a:lstStyle/>
+          <a:p>
+            <a:fld id="{B6743867-4E32-4E2D-8739-58246E7E28D2}" type="slidenum">
+              <a:rPr lang="ru-RU" smtClean="0"/>
+              <a:t>12</a:t>
+            </a:fld>
+            <a:endParaRPr lang="ru-RU" dirty="0"/>
+          </a:p>
+        </p:txBody>
+      </p:sp>
+      <p:sp>
+        <p:nvSpPr>
+          <p:cNvPr id="6" name="TextBox 5"/>
+          <p:cNvSpPr txBox="1"/>
+          <p:nvPr/>
+        </p:nvSpPr>
+        <p:spPr>
+          <a:xfrm>
+            <a:off x="179512" y="1844824"/>
+            <a:ext cx="8654641" cy="2585323"/>
+          </a:xfrm>
+          <a:prstGeom prst="rect">
+            <a:avLst/>
+          </a:prstGeom>
+          <a:noFill/>
+        </p:spPr>
+        <p:txBody>
+          <a:bodyPr wrap="square" rtlCol="0">
+            <a:spAutoFit/>
+          </a:bodyPr>
+          <a:lstStyle/>
+          <a:p>
+            <a:pPr marL="285750" indent="-285750" algn="just">
+              <a:buFont typeface="Arial" panose="020B0604020202020204" pitchFamily="34" charset="0"/>
+              <a:buChar char="•"/>
+            </a:pPr>
+            <a:r>
+              <a:rPr lang="ru-RU" dirty="0" smtClean="0"/>
+              <a:t>Разработана модель описывающая деформацию иглы при движении в вязкоупругих материалах в реальном времени</a:t>
+            </a:r>
+            <a:r>
+              <a:rPr lang="en-US" dirty="0" smtClean="0"/>
+              <a:t>;</a:t>
+            </a:r>
+            <a:endParaRPr lang="ru-RU" dirty="0" smtClean="0"/>
+          </a:p>
+          <a:p>
+            <a:pPr algn="just"/>
+            <a:endParaRPr lang="en-US" dirty="0" smtClean="0"/>
+          </a:p>
+          <a:p>
+            <a:pPr marL="285750" indent="-285750" algn="just">
+              <a:buFont typeface="Arial" panose="020B0604020202020204" pitchFamily="34" charset="0"/>
+              <a:buChar char="•"/>
+            </a:pPr>
+            <a:r>
+              <a:rPr lang="ru-RU" dirty="0" smtClean="0"/>
+              <a:t>С помощь разработанной модели проведено моделирование движения иглы при различных начальных параметрах;</a:t>
+            </a:r>
+          </a:p>
+          <a:p>
+            <a:pPr algn="just"/>
+            <a:endParaRPr lang="ru-RU" dirty="0" smtClean="0"/>
+          </a:p>
+          <a:p>
+            <a:pPr marL="285750" indent="-285750" algn="just">
+              <a:buFont typeface="Arial" panose="020B0604020202020204" pitchFamily="34" charset="0"/>
+              <a:buChar char="•"/>
+            </a:pPr>
+            <a:r>
+              <a:rPr lang="ru-RU" dirty="0" smtClean="0"/>
+              <a:t>В результате сравнения экспериментальных данных и результатов моделирования было показано, что данная модель после доработки, может быть использована для корректировки робототехнического комплекса </a:t>
+            </a:r>
+          </a:p>
+        </p:txBody>
+      </p:sp>
+    </p:spTree>
+    <p:extLst>
+      <p:ext uri="{BB962C8B-B14F-4D97-AF65-F5344CB8AC3E}">
+        <p14:creationId xmlns:p14="http://schemas.microsoft.com/office/powerpoint/2010/main" val="3504713763"/>
+      </p:ext>
+    </p:extLst>
+  </p:cSld>
+  <p:clrMapOvr>
+    <a:masterClrMapping/>
+  </p:clrMapOvr>
+  <p:timing>
+    <p:tnLst>
+      <p:par>
+        <p:cTn id="1" dur="indefinite" restart="never" nodeType="tmRoot"/>
+      </p:par>
+    </p:tnLst>
+  </p:timing>
+</p:sld>
+</file>
+
+<file path=ppt/slides/slide13.xml><?xml version="1.0" encoding="utf-8"?>
 <p:sld xmlns:a="http://schemas.openxmlformats.org/drawingml/2006/main" xmlns:r="http://schemas.openxmlformats.org/officeDocument/2006/relationships" xmlns:p="http://schemas.openxmlformats.org/presentationml/2006/main">
   <p:cSld>
     <p:spTree>
@@ -2126,7 +7321,7 @@
         </p:nvSpPr>
         <p:spPr>
           <a:xfrm>
-            <a:off x="6444208" y="2348880"/>
+            <a:off x="6444208" y="2051530"/>
             <a:ext cx="2376264" cy="461665"/>
           </a:xfrm>
           <a:prstGeom prst="rect">
@@ -2165,8 +7360,8 @@
         </p:nvSpPr>
         <p:spPr>
           <a:xfrm>
-            <a:off x="5364088" y="3151949"/>
-            <a:ext cx="3456384" cy="830997"/>
+            <a:off x="4860032" y="3429000"/>
+            <a:ext cx="3987824" cy="830997"/>
           </a:xfrm>
           <a:prstGeom prst="rect">
             <a:avLst/>
@@ -2192,12 +7387,36 @@
           <a:p>
             <a:pPr algn="r"/>
             <a:r>
+              <a:rPr lang="ru-RU" sz="2400" dirty="0" err="1">
+                <a:solidFill>
+                  <a:schemeClr val="bg1"/>
+                </a:solidFill>
+              </a:rPr>
+              <a:t>д</a:t>
+            </a:r>
+            <a:r>
+              <a:rPr lang="ru-RU" sz="2400" dirty="0" err="1" smtClean="0">
+                <a:solidFill>
+                  <a:schemeClr val="bg1"/>
+                </a:solidFill>
+              </a:rPr>
+              <a:t>.ф-м.н</a:t>
+            </a:r>
+            <a:r>
               <a:rPr lang="ru-RU" sz="2400" dirty="0" smtClean="0">
                 <a:solidFill>
                   <a:schemeClr val="bg1"/>
                 </a:solidFill>
               </a:rPr>
-              <a:t>Морозов В.А.</a:t>
+              <a:t>. Морозов </a:t>
+            </a:r>
+            <a:r>
+              <a:rPr lang="ru-RU" sz="2400" dirty="0" smtClean="0">
+                <a:solidFill>
+                  <a:schemeClr val="bg1"/>
+                </a:solidFill>
+              </a:rPr>
+              <a:t>В.А.</a:t>
             </a:r>
             <a:endParaRPr lang="ru-RU" sz="2400" dirty="0">
               <a:solidFill>
@@ -2217,6 +7436,136 @@
   <p:clrMapOvr>
     <a:masterClrMapping/>
   </p:clrMapOvr>
+  <p:timing>
+    <p:tnLst>
+      <p:par>
+        <p:cTn id="1" dur="indefinite" restart="never" nodeType="tmRoot"/>
+      </p:par>
+    </p:tnLst>
+  </p:timing>
+</p:sld>
+</file>
+
+<file path=ppt/slides/slide14.xml><?xml version="1.0" encoding="utf-8"?>
+<p:sld xmlns:a="http://schemas.openxmlformats.org/drawingml/2006/main" xmlns:r="http://schemas.openxmlformats.org/officeDocument/2006/relationships" xmlns:p="http://schemas.openxmlformats.org/presentationml/2006/main">
+  <p:cSld>
+    <p:spTree>
+      <p:nvGrpSpPr>
+        <p:cNvPr id="1" name=""/>
+        <p:cNvGrpSpPr/>
+        <p:nvPr/>
+      </p:nvGrpSpPr>
+      <p:grpSpPr>
+        <a:xfrm>
+          <a:off x="0" y="0"/>
+          <a:ext cx="0" cy="0"/>
+          <a:chOff x="0" y="0"/>
+          <a:chExt cx="0" cy="0"/>
+        </a:xfrm>
+      </p:grpSpPr>
+      <p:sp>
+        <p:nvSpPr>
+          <p:cNvPr id="2" name="Заголовок 1"/>
+          <p:cNvSpPr>
+            <a:spLocks noGrp="1"/>
+          </p:cNvSpPr>
+          <p:nvPr>
+            <p:ph type="title"/>
+          </p:nvPr>
+        </p:nvSpPr>
+        <p:spPr/>
+        <p:txBody>
+          <a:bodyPr>
+            <a:normAutofit fontScale="90000"/>
+          </a:bodyPr>
+          <a:lstStyle/>
+          <a:p>
+            <a:r>
+              <a:rPr lang="ru-RU" dirty="0" smtClean="0"/>
+              <a:t>Публикации</a:t>
+            </a:r>
+            <a:br>
+              <a:rPr lang="ru-RU" dirty="0" smtClean="0"/>
+            </a:br>
+            <a:r>
+              <a:rPr lang="ru-RU" dirty="0" smtClean="0"/>
+              <a:t>Сотрудничество с </a:t>
+            </a:r>
+            <a:r>
+              <a:rPr lang="ru-RU" dirty="0" err="1" smtClean="0"/>
+              <a:t>цнии</a:t>
+            </a:r>
+            <a:r>
+              <a:rPr lang="ru-RU" dirty="0" smtClean="0"/>
+              <a:t> </a:t>
+            </a:r>
+            <a:r>
+              <a:rPr lang="ru-RU" dirty="0" err="1" smtClean="0"/>
+              <a:t>ртк</a:t>
+            </a:r>
+            <a:endParaRPr lang="ru-RU" dirty="0"/>
+          </a:p>
+        </p:txBody>
+      </p:sp>
+      <p:sp>
+        <p:nvSpPr>
+          <p:cNvPr id="3" name="Объект 2"/>
+          <p:cNvSpPr>
+            <a:spLocks noGrp="1"/>
+          </p:cNvSpPr>
+          <p:nvPr>
+            <p:ph idx="1"/>
+          </p:nvPr>
+        </p:nvSpPr>
+        <p:spPr/>
+        <p:txBody>
+          <a:bodyPr/>
+          <a:lstStyle/>
+          <a:p>
+            <a:endParaRPr lang="ru-RU"/>
+          </a:p>
+        </p:txBody>
+      </p:sp>
+      <p:sp>
+        <p:nvSpPr>
+          <p:cNvPr id="4" name="Номер слайда 3"/>
+          <p:cNvSpPr>
+            <a:spLocks noGrp="1"/>
+          </p:cNvSpPr>
+          <p:nvPr>
+            <p:ph type="sldNum" sz="quarter" idx="12"/>
+          </p:nvPr>
+        </p:nvSpPr>
+        <p:spPr/>
+        <p:txBody>
+          <a:bodyPr/>
+          <a:lstStyle/>
+          <a:p>
+            <a:fld id="{B6743867-4E32-4E2D-8739-58246E7E28D2}" type="slidenum">
+              <a:rPr lang="ru-RU" smtClean="0"/>
+              <a:t>14</a:t>
+            </a:fld>
+            <a:endParaRPr lang="ru-RU" dirty="0"/>
+          </a:p>
+        </p:txBody>
+      </p:sp>
+    </p:spTree>
+    <p:extLst>
+      <p:ext uri="{BB962C8B-B14F-4D97-AF65-F5344CB8AC3E}">
+        <p14:creationId xmlns:p14="http://schemas.microsoft.com/office/powerpoint/2010/main" val="1206948750"/>
+      </p:ext>
+    </p:extLst>
+  </p:cSld>
+  <p:clrMapOvr>
+    <a:masterClrMapping/>
+  </p:clrMapOvr>
+  <p:timing>
+    <p:tnLst>
+      <p:par>
+        <p:cTn id="1" dur="indefinite" restart="never" nodeType="tmRoot"/>
+      </p:par>
+    </p:tnLst>
+  </p:timing>
 </p:sld>
 </file>
 
@@ -3209,7 +8558,7 @@
           <a:graphicData uri="http://schemas.openxmlformats.org/presentationml/2006/ole">
             <mc:AlternateContent xmlns:mc="http://schemas.openxmlformats.org/markup-compatibility/2006">
               <mc:Choice xmlns:v="urn:schemas-microsoft-com:vml" Requires="v">
-                <p:oleObj spid="_x0000_s1034" r:id="rId4" imgW="2304913" imgH="1533698" progId="Visio.Drawing.15">
+                <p:oleObj spid="_x0000_s1052" r:id="rId4" imgW="2304913" imgH="1533698" progId="Visio.Drawing.15">
                   <p:embed/>
                 </p:oleObj>
               </mc:Choice>
@@ -3305,8 +8654,13 @@
             </a:r>
             <a:r>
               <a:rPr lang="ru-RU" sz="2000" dirty="0"/>
-              <a:t>деформация иглы в зависимости от поступательного движения;</a:t>
+              <a:t>деформация иглы в зависимости от </a:t>
             </a:r>
+            <a:r>
+              <a:rPr lang="ru-RU" sz="2000" dirty="0" smtClean="0"/>
+              <a:t>движения;</a:t>
+            </a:r>
+            <a:endParaRPr lang="ru-RU" sz="2000" dirty="0"/>
           </a:p>
         </p:txBody>
       </p:sp>
@@ -3320,6 +8674,13 @@
   <p:clrMapOvr>
     <a:masterClrMapping/>
   </p:clrMapOvr>
+  <p:timing>
+    <p:tnLst>
+      <p:par>
+        <p:cTn id="1" dur="indefinite" restart="never" nodeType="tmRoot"/>
+      </p:par>
+    </p:tnLst>
+  </p:timing>
 </p:sld>
 </file>
 
@@ -3350,7 +8711,12 @@
             <p:ph type="title"/>
           </p:nvPr>
         </p:nvSpPr>
-        <p:spPr/>
+        <p:spPr>
+          <a:xfrm>
+            <a:off x="2411760" y="281097"/>
+            <a:ext cx="6624736" cy="706090"/>
+          </a:xfrm>
+        </p:spPr>
         <p:txBody>
           <a:bodyPr/>
           <a:lstStyle/>
@@ -3360,25 +8726,6 @@
               <a:t>Модель деформации</a:t>
             </a:r>
             <a:endParaRPr lang="ru-RU" dirty="0"/>
-          </a:p>
-        </p:txBody>
-      </p:sp>
-      <p:sp>
-        <p:nvSpPr>
-          <p:cNvPr id="3" name="Объект 2"/>
-          <p:cNvSpPr>
-            <a:spLocks noGrp="1"/>
-          </p:cNvSpPr>
-          <p:nvPr>
-            <p:ph idx="1"/>
-          </p:nvPr>
-        </p:nvSpPr>
-        <p:spPr/>
-        <p:txBody>
-          <a:bodyPr/>
-          <a:lstStyle/>
-          <a:p>
-            <a:endParaRPr lang="ru-RU"/>
           </a:p>
         </p:txBody>
       </p:sp>
@@ -3405,6 +8752,2770 @@
           </a:p>
         </p:txBody>
       </p:sp>
+      <p:graphicFrame>
+        <p:nvGraphicFramePr>
+          <p:cNvPr id="8" name="Таблица 7"/>
+          <p:cNvGraphicFramePr>
+            <a:graphicFrameLocks noGrp="1"/>
+          </p:cNvGraphicFramePr>
+          <p:nvPr>
+            <p:extLst>
+              <p:ext uri="{D42A27DB-BD31-4B8C-83A1-F6EECF244321}">
+                <p14:modId xmlns:p14="http://schemas.microsoft.com/office/powerpoint/2010/main" val="4276688427"/>
+              </p:ext>
+            </p:extLst>
+          </p:nvPr>
+        </p:nvGraphicFramePr>
+        <p:xfrm>
+          <a:off x="4067944" y="1107345"/>
+          <a:ext cx="4892422" cy="2218536"/>
+        </p:xfrm>
+        <a:graphic>
+          <a:graphicData uri="http://schemas.openxmlformats.org/drawingml/2006/table">
+            <a:tbl>
+              <a:tblPr firstRow="1" bandRow="1">
+                <a:tableStyleId>{69CF1AB2-1976-4502-BF36-3FF5EA218861}</a:tableStyleId>
+              </a:tblPr>
+              <a:tblGrid>
+                <a:gridCol w="2448272"/>
+                <a:gridCol w="2444150"/>
+              </a:tblGrid>
+              <a:tr h="312184">
+                <a:tc>
+                  <a:txBody>
+                    <a:bodyPr/>
+                    <a:lstStyle/>
+                    <a:p>
+                      <a:pPr algn="ctr"/>
+                      <a:r>
+                        <a:rPr lang="ru-RU" dirty="0" smtClean="0"/>
+                        <a:t>Расчет</a:t>
+                      </a:r>
+                      <a:r>
+                        <a:rPr lang="ru-RU" baseline="0" dirty="0" smtClean="0"/>
+                        <a:t> деформации</a:t>
+                      </a:r>
+                      <a:endParaRPr lang="ru-RU" dirty="0"/>
+                    </a:p>
+                  </a:txBody>
+                  <a:tcPr>
+                    <a:lnL w="12700" cap="flat" cmpd="sng" algn="ctr">
+                      <a:solidFill>
+                        <a:schemeClr val="tx1"/>
+                      </a:solidFill>
+                      <a:prstDash val="solid"/>
+                      <a:round/>
+                      <a:headEnd type="none" w="med" len="med"/>
+                      <a:tailEnd type="none" w="med" len="med"/>
+                    </a:lnL>
+                    <a:lnR w="12700" cap="flat" cmpd="sng" algn="ctr">
+                      <a:solidFill>
+                        <a:schemeClr val="tx1"/>
+                      </a:solidFill>
+                      <a:prstDash val="solid"/>
+                      <a:round/>
+                      <a:headEnd type="none" w="med" len="med"/>
+                      <a:tailEnd type="none" w="med" len="med"/>
+                    </a:lnR>
+                    <a:lnT w="12700" cap="flat" cmpd="sng" algn="ctr">
+                      <a:solidFill>
+                        <a:schemeClr val="tx1"/>
+                      </a:solidFill>
+                      <a:prstDash val="solid"/>
+                      <a:round/>
+                      <a:headEnd type="none" w="med" len="med"/>
+                      <a:tailEnd type="none" w="med" len="med"/>
+                    </a:lnT>
+                    <a:lnB w="12700" cap="flat" cmpd="sng" algn="ctr">
+                      <a:solidFill>
+                        <a:schemeClr val="tx1"/>
+                      </a:solidFill>
+                      <a:prstDash val="solid"/>
+                      <a:round/>
+                      <a:headEnd type="none" w="med" len="med"/>
+                      <a:tailEnd type="none" w="med" len="med"/>
+                    </a:lnB>
+                    <a:solidFill>
+                      <a:schemeClr val="bg1">
+                        <a:lumMod val="85000"/>
+                      </a:schemeClr>
+                    </a:solidFill>
+                  </a:tcPr>
+                </a:tc>
+                <a:tc>
+                  <a:txBody>
+                    <a:bodyPr/>
+                    <a:lstStyle/>
+                    <a:p>
+                      <a:pPr algn="ctr"/>
+                      <a:r>
+                        <a:rPr lang="ru-RU" dirty="0" smtClean="0"/>
+                        <a:t>Воздействие</a:t>
+                      </a:r>
+                      <a:r>
+                        <a:rPr lang="ru-RU" baseline="0" dirty="0" smtClean="0"/>
+                        <a:t> внешней среды</a:t>
+                      </a:r>
+                      <a:endParaRPr lang="ru-RU" dirty="0"/>
+                    </a:p>
+                  </a:txBody>
+                  <a:tcPr>
+                    <a:lnL w="12700" cap="flat" cmpd="sng" algn="ctr">
+                      <a:solidFill>
+                        <a:schemeClr val="tx1"/>
+                      </a:solidFill>
+                      <a:prstDash val="solid"/>
+                      <a:round/>
+                      <a:headEnd type="none" w="med" len="med"/>
+                      <a:tailEnd type="none" w="med" len="med"/>
+                    </a:lnL>
+                    <a:lnR w="12700" cap="flat" cmpd="sng" algn="ctr">
+                      <a:solidFill>
+                        <a:schemeClr val="tx1"/>
+                      </a:solidFill>
+                      <a:prstDash val="solid"/>
+                      <a:round/>
+                      <a:headEnd type="none" w="med" len="med"/>
+                      <a:tailEnd type="none" w="med" len="med"/>
+                    </a:lnR>
+                    <a:lnT w="12700" cap="flat" cmpd="sng" algn="ctr">
+                      <a:solidFill>
+                        <a:schemeClr val="tx1"/>
+                      </a:solidFill>
+                      <a:prstDash val="solid"/>
+                      <a:round/>
+                      <a:headEnd type="none" w="med" len="med"/>
+                      <a:tailEnd type="none" w="med" len="med"/>
+                    </a:lnT>
+                    <a:lnB w="12700" cap="flat" cmpd="sng" algn="ctr">
+                      <a:solidFill>
+                        <a:schemeClr val="tx1"/>
+                      </a:solidFill>
+                      <a:prstDash val="solid"/>
+                      <a:round/>
+                      <a:headEnd type="none" w="med" len="med"/>
+                      <a:tailEnd type="none" w="med" len="med"/>
+                    </a:lnB>
+                    <a:solidFill>
+                      <a:schemeClr val="bg1">
+                        <a:lumMod val="85000"/>
+                      </a:schemeClr>
+                    </a:solidFill>
+                  </a:tcPr>
+                </a:tc>
+              </a:tr>
+              <a:tr h="1578456">
+                <a:tc>
+                  <a:txBody>
+                    <a:bodyPr/>
+                    <a:lstStyle/>
+                    <a:p>
+                      <a:endParaRPr lang="ru-RU" dirty="0"/>
+                    </a:p>
+                  </a:txBody>
+                  <a:tcPr>
+                    <a:lnL w="12700" cap="flat" cmpd="sng" algn="ctr">
+                      <a:solidFill>
+                        <a:schemeClr val="tx1"/>
+                      </a:solidFill>
+                      <a:prstDash val="solid"/>
+                      <a:round/>
+                      <a:headEnd type="none" w="med" len="med"/>
+                      <a:tailEnd type="none" w="med" len="med"/>
+                    </a:lnL>
+                    <a:lnR w="12700" cap="flat" cmpd="sng" algn="ctr">
+                      <a:solidFill>
+                        <a:schemeClr val="tx1"/>
+                      </a:solidFill>
+                      <a:prstDash val="solid"/>
+                      <a:round/>
+                      <a:headEnd type="none" w="med" len="med"/>
+                      <a:tailEnd type="none" w="med" len="med"/>
+                    </a:lnR>
+                    <a:lnT w="12700" cap="flat" cmpd="sng" algn="ctr">
+                      <a:solidFill>
+                        <a:schemeClr val="tx1"/>
+                      </a:solidFill>
+                      <a:prstDash val="solid"/>
+                      <a:round/>
+                      <a:headEnd type="none" w="med" len="med"/>
+                      <a:tailEnd type="none" w="med" len="med"/>
+                    </a:lnT>
+                    <a:lnB w="12700" cap="flat" cmpd="sng" algn="ctr">
+                      <a:solidFill>
+                        <a:schemeClr val="tx1"/>
+                      </a:solidFill>
+                      <a:prstDash val="solid"/>
+                      <a:round/>
+                      <a:headEnd type="none" w="med" len="med"/>
+                      <a:tailEnd type="none" w="med" len="med"/>
+                    </a:lnB>
+                    <a:solidFill>
+                      <a:schemeClr val="bg1"/>
+                    </a:solidFill>
+                  </a:tcPr>
+                </a:tc>
+                <a:tc>
+                  <a:txBody>
+                    <a:bodyPr/>
+                    <a:lstStyle/>
+                    <a:p>
+                      <a:endParaRPr lang="ru-RU" dirty="0"/>
+                    </a:p>
+                  </a:txBody>
+                  <a:tcPr>
+                    <a:lnL w="12700" cap="flat" cmpd="sng" algn="ctr">
+                      <a:solidFill>
+                        <a:schemeClr val="tx1"/>
+                      </a:solidFill>
+                      <a:prstDash val="solid"/>
+                      <a:round/>
+                      <a:headEnd type="none" w="med" len="med"/>
+                      <a:tailEnd type="none" w="med" len="med"/>
+                    </a:lnL>
+                    <a:lnR w="12700" cap="flat" cmpd="sng" algn="ctr">
+                      <a:solidFill>
+                        <a:schemeClr val="tx1"/>
+                      </a:solidFill>
+                      <a:prstDash val="solid"/>
+                      <a:round/>
+                      <a:headEnd type="none" w="med" len="med"/>
+                      <a:tailEnd type="none" w="med" len="med"/>
+                    </a:lnR>
+                    <a:lnT w="12700" cap="flat" cmpd="sng" algn="ctr">
+                      <a:solidFill>
+                        <a:schemeClr val="tx1"/>
+                      </a:solidFill>
+                      <a:prstDash val="solid"/>
+                      <a:round/>
+                      <a:headEnd type="none" w="med" len="med"/>
+                      <a:tailEnd type="none" w="med" len="med"/>
+                    </a:lnT>
+                    <a:lnB w="12700" cap="flat" cmpd="sng" algn="ctr">
+                      <a:solidFill>
+                        <a:schemeClr val="tx1"/>
+                      </a:solidFill>
+                      <a:prstDash val="solid"/>
+                      <a:round/>
+                      <a:headEnd type="none" w="med" len="med"/>
+                      <a:tailEnd type="none" w="med" len="med"/>
+                    </a:lnB>
+                    <a:solidFill>
+                      <a:schemeClr val="bg1"/>
+                    </a:solidFill>
+                  </a:tcPr>
+                </a:tc>
+              </a:tr>
+            </a:tbl>
+          </a:graphicData>
+        </a:graphic>
+      </p:graphicFrame>
+      <mc:AlternateContent xmlns:mc="http://schemas.openxmlformats.org/markup-compatibility/2006" xmlns:a14="http://schemas.microsoft.com/office/drawing/2010/main">
+        <mc:Choice Requires="a14">
+          <p:sp>
+            <p:nvSpPr>
+              <p:cNvPr id="9" name="Прямоугольник 8"/>
+              <p:cNvSpPr/>
+              <p:nvPr/>
+            </p:nvSpPr>
+            <p:spPr>
+              <a:xfrm>
+                <a:off x="4350309" y="1872131"/>
+                <a:ext cx="2160240" cy="701987"/>
+              </a:xfrm>
+              <a:prstGeom prst="rect">
+                <a:avLst/>
+              </a:prstGeom>
+            </p:spPr>
+            <p:txBody>
+              <a:bodyPr wrap="square">
+                <a:spAutoFit/>
+              </a:bodyPr>
+              <a:lstStyle/>
+              <a:p>
+                <a:pPr/>
+                <a14:m>
+                  <m:oMathPara xmlns:m="http://schemas.openxmlformats.org/officeDocument/2006/math">
+                    <m:oMathParaPr>
+                      <m:jc m:val="centerGroup"/>
+                    </m:oMathParaPr>
+                    <m:oMath xmlns:m="http://schemas.openxmlformats.org/officeDocument/2006/math">
+                      <m:r>
+                        <a:rPr lang="ru-RU" i="1" smtClean="0">
+                          <a:latin typeface="Cambria Math" panose="02040503050406030204" pitchFamily="18" charset="0"/>
+                        </a:rPr>
+                        <m:t>𝑦</m:t>
+                      </m:r>
+                      <m:r>
+                        <a:rPr lang="ru-RU" i="0">
+                          <a:latin typeface="Cambria Math" panose="02040503050406030204" pitchFamily="18" charset="0"/>
+                        </a:rPr>
+                        <m:t>= </m:t>
+                      </m:r>
+                      <m:f>
+                        <m:fPr>
+                          <m:ctrlPr>
+                            <a:rPr lang="ru-RU" i="1">
+                              <a:latin typeface="Cambria Math" panose="02040503050406030204" pitchFamily="18" charset="0"/>
+                            </a:rPr>
+                          </m:ctrlPr>
+                        </m:fPr>
+                        <m:num>
+                          <m:sSub>
+                            <m:sSubPr>
+                              <m:ctrlPr>
+                                <a:rPr lang="ru-RU" i="1" smtClean="0">
+                                  <a:latin typeface="Cambria Math" panose="02040503050406030204" pitchFamily="18" charset="0"/>
+                                </a:rPr>
+                              </m:ctrlPr>
+                            </m:sSubPr>
+                            <m:e>
+                              <m:r>
+                                <a:rPr lang="en-US" b="0" i="1" smtClean="0">
+                                  <a:latin typeface="Cambria Math" panose="02040503050406030204" pitchFamily="18" charset="0"/>
+                                </a:rPr>
+                                <m:t>𝐹</m:t>
+                              </m:r>
+                            </m:e>
+                            <m:sub>
+                              <m:r>
+                                <a:rPr lang="en-US" b="0" i="1" smtClean="0">
+                                  <a:latin typeface="Cambria Math" panose="02040503050406030204" pitchFamily="18" charset="0"/>
+                                </a:rPr>
+                                <m:t>𝑝</m:t>
+                              </m:r>
+                            </m:sub>
+                          </m:sSub>
+                          <m:sSup>
+                            <m:sSupPr>
+                              <m:ctrlPr>
+                                <a:rPr lang="ru-RU" i="1">
+                                  <a:latin typeface="Cambria Math" panose="02040503050406030204" pitchFamily="18" charset="0"/>
+                                </a:rPr>
+                              </m:ctrlPr>
+                            </m:sSupPr>
+                            <m:e>
+                              <m:r>
+                                <a:rPr lang="ru-RU" i="1">
+                                  <a:latin typeface="Cambria Math" panose="02040503050406030204" pitchFamily="18" charset="0"/>
+                                </a:rPr>
+                                <m:t>𝑙</m:t>
+                              </m:r>
+                            </m:e>
+                            <m:sup>
+                              <m:r>
+                                <a:rPr lang="ru-RU" i="0">
+                                  <a:latin typeface="Cambria Math" panose="02040503050406030204" pitchFamily="18" charset="0"/>
+                                </a:rPr>
+                                <m:t>3</m:t>
+                              </m:r>
+                            </m:sup>
+                          </m:sSup>
+                        </m:num>
+                        <m:den>
+                          <m:r>
+                            <a:rPr lang="ru-RU" i="0">
+                              <a:latin typeface="Cambria Math" panose="02040503050406030204" pitchFamily="18" charset="0"/>
+                            </a:rPr>
+                            <m:t>2</m:t>
+                          </m:r>
+                          <m:r>
+                            <a:rPr lang="ru-RU" i="1">
+                              <a:latin typeface="Cambria Math" panose="02040503050406030204" pitchFamily="18" charset="0"/>
+                            </a:rPr>
+                            <m:t>𝐸</m:t>
+                          </m:r>
+                          <m:sSub>
+                            <m:sSubPr>
+                              <m:ctrlPr>
+                                <a:rPr lang="ru-RU" i="1">
+                                  <a:latin typeface="Cambria Math" panose="02040503050406030204" pitchFamily="18" charset="0"/>
+                                </a:rPr>
+                              </m:ctrlPr>
+                            </m:sSubPr>
+                            <m:e>
+                              <m:r>
+                                <a:rPr lang="ru-RU" i="1">
+                                  <a:latin typeface="Cambria Math" panose="02040503050406030204" pitchFamily="18" charset="0"/>
+                                </a:rPr>
+                                <m:t>𝐽</m:t>
+                              </m:r>
+                            </m:e>
+                            <m:sub>
+                              <m:r>
+                                <a:rPr lang="ru-RU" i="1">
+                                  <a:latin typeface="Cambria Math" panose="02040503050406030204" pitchFamily="18" charset="0"/>
+                                </a:rPr>
+                                <m:t>𝑥</m:t>
+                              </m:r>
+                            </m:sub>
+                          </m:sSub>
+                        </m:den>
+                      </m:f>
+                      <m:r>
+                        <a:rPr lang="ru-RU" b="0" i="0" smtClean="0">
+                          <a:latin typeface="Cambria Math" panose="02040503050406030204" pitchFamily="18" charset="0"/>
+                        </a:rPr>
+                        <m:t> </m:t>
+                      </m:r>
+                      <m:r>
+                        <a:rPr lang="en-US" b="0" i="0" smtClean="0">
+                          <a:latin typeface="Cambria Math" panose="02040503050406030204" pitchFamily="18" charset="0"/>
+                        </a:rPr>
+                        <m:t>      </m:t>
+                      </m:r>
+                      <m:r>
+                        <a:rPr lang="ru-RU" b="0" i="0" smtClean="0">
+                          <a:latin typeface="Cambria Math" panose="02040503050406030204" pitchFamily="18" charset="0"/>
+                        </a:rPr>
+                        <m:t>(1)</m:t>
+                      </m:r>
+                    </m:oMath>
+                  </m:oMathPara>
+                </a14:m>
+                <a:endParaRPr lang="ru-RU" dirty="0"/>
+              </a:p>
+            </p:txBody>
+          </p:sp>
+        </mc:Choice>
+        <mc:Fallback xmlns="">
+          <p:sp>
+            <p:nvSpPr>
+              <p:cNvPr id="9" name="Прямоугольник 8"/>
+              <p:cNvSpPr>
+                <a:spLocks noRot="1" noChangeAspect="1" noMove="1" noResize="1" noEditPoints="1" noAdjustHandles="1" noChangeArrowheads="1" noChangeShapeType="1" noTextEdit="1"/>
+              </p:cNvSpPr>
+              <p:nvPr/>
+            </p:nvSpPr>
+            <p:spPr>
+              <a:xfrm>
+                <a:off x="4350309" y="1872131"/>
+                <a:ext cx="2160240" cy="701987"/>
+              </a:xfrm>
+              <a:prstGeom prst="rect">
+                <a:avLst/>
+              </a:prstGeom>
+              <a:blipFill rotWithShape="0">
+                <a:blip r:embed="rId3"/>
+                <a:stretch>
+                  <a:fillRect/>
+                </a:stretch>
+              </a:blipFill>
+            </p:spPr>
+            <p:txBody>
+              <a:bodyPr/>
+              <a:lstStyle/>
+              <a:p>
+                <a:r>
+                  <a:rPr lang="ru-RU">
+                    <a:noFill/>
+                  </a:rPr>
+                  <a:t> </a:t>
+                </a:r>
+              </a:p>
+            </p:txBody>
+          </p:sp>
+        </mc:Fallback>
+      </mc:AlternateContent>
+      <mc:AlternateContent xmlns:mc="http://schemas.openxmlformats.org/markup-compatibility/2006" xmlns:a14="http://schemas.microsoft.com/office/drawing/2010/main">
+        <mc:Choice Requires="a14">
+          <p:sp>
+            <p:nvSpPr>
+              <p:cNvPr id="10" name="Прямоугольник 9"/>
+              <p:cNvSpPr/>
+              <p:nvPr/>
+            </p:nvSpPr>
+            <p:spPr>
+              <a:xfrm>
+                <a:off x="4280907" y="2548679"/>
+                <a:ext cx="2160240" cy="646331"/>
+              </a:xfrm>
+              <a:prstGeom prst="rect">
+                <a:avLst/>
+              </a:prstGeom>
+            </p:spPr>
+            <p:txBody>
+              <a:bodyPr wrap="square">
+                <a:spAutoFit/>
+              </a:bodyPr>
+              <a:lstStyle/>
+              <a:p>
+                <a:pPr/>
+                <a14:m>
+                  <m:oMathPara xmlns:m="http://schemas.openxmlformats.org/officeDocument/2006/math">
+                    <m:oMathParaPr>
+                      <m:jc m:val="centerGroup"/>
+                    </m:oMathParaPr>
+                    <m:oMath xmlns:m="http://schemas.openxmlformats.org/officeDocument/2006/math">
+                      <m:sSub>
+                        <m:sSubPr>
+                          <m:ctrlPr>
+                            <a:rPr lang="ru-RU" i="1" smtClean="0">
+                              <a:latin typeface="Cambria Math" panose="02040503050406030204" pitchFamily="18" charset="0"/>
+                            </a:rPr>
+                          </m:ctrlPr>
+                        </m:sSubPr>
+                        <m:e>
+                          <m:r>
+                            <a:rPr lang="ru-RU" i="1">
+                              <a:latin typeface="Cambria Math" panose="02040503050406030204" pitchFamily="18" charset="0"/>
+                            </a:rPr>
+                            <m:t>𝐽</m:t>
+                          </m:r>
+                        </m:e>
+                        <m:sub>
+                          <m:r>
+                            <a:rPr lang="ru-RU" i="1">
+                              <a:latin typeface="Cambria Math" panose="02040503050406030204" pitchFamily="18" charset="0"/>
+                            </a:rPr>
+                            <m:t>𝑥</m:t>
+                          </m:r>
+                          <m:r>
+                            <a:rPr lang="ru-RU" i="0">
+                              <a:latin typeface="Cambria Math" panose="02040503050406030204" pitchFamily="18" charset="0"/>
+                            </a:rPr>
+                            <m:t> </m:t>
+                          </m:r>
+                        </m:sub>
+                      </m:sSub>
+                      <m:r>
+                        <a:rPr lang="ru-RU" i="0">
+                          <a:latin typeface="Cambria Math" panose="02040503050406030204" pitchFamily="18" charset="0"/>
+                        </a:rPr>
+                        <m:t>= </m:t>
+                      </m:r>
+                      <m:f>
+                        <m:fPr>
+                          <m:ctrlPr>
+                            <a:rPr lang="ru-RU" i="1">
+                              <a:latin typeface="Cambria Math" panose="02040503050406030204" pitchFamily="18" charset="0"/>
+                            </a:rPr>
+                          </m:ctrlPr>
+                        </m:fPr>
+                        <m:num>
+                          <m:r>
+                            <a:rPr lang="ru-RU" i="1">
+                              <a:latin typeface="Cambria Math" panose="02040503050406030204" pitchFamily="18" charset="0"/>
+                            </a:rPr>
+                            <m:t>𝜋</m:t>
+                          </m:r>
+                          <m:sSup>
+                            <m:sSupPr>
+                              <m:ctrlPr>
+                                <a:rPr lang="ru-RU" i="1">
+                                  <a:latin typeface="Cambria Math" panose="02040503050406030204" pitchFamily="18" charset="0"/>
+                                </a:rPr>
+                              </m:ctrlPr>
+                            </m:sSupPr>
+                            <m:e>
+                              <m:r>
+                                <a:rPr lang="ru-RU" i="1">
+                                  <a:latin typeface="Cambria Math" panose="02040503050406030204" pitchFamily="18" charset="0"/>
+                                </a:rPr>
+                                <m:t>𝐷</m:t>
+                              </m:r>
+                            </m:e>
+                            <m:sup>
+                              <m:r>
+                                <a:rPr lang="ru-RU" i="0">
+                                  <a:latin typeface="Cambria Math" panose="02040503050406030204" pitchFamily="18" charset="0"/>
+                                </a:rPr>
+                                <m:t>3</m:t>
+                              </m:r>
+                            </m:sup>
+                          </m:sSup>
+                          <m:r>
+                            <a:rPr lang="ru-RU" i="1">
+                              <a:latin typeface="Cambria Math" panose="02040503050406030204" pitchFamily="18" charset="0"/>
+                            </a:rPr>
+                            <m:t>𝑠</m:t>
+                          </m:r>
+                        </m:num>
+                        <m:den>
+                          <m:r>
+                            <a:rPr lang="ru-RU" i="0">
+                              <a:latin typeface="Cambria Math" panose="02040503050406030204" pitchFamily="18" charset="0"/>
+                            </a:rPr>
+                            <m:t>12</m:t>
+                          </m:r>
+                        </m:den>
+                      </m:f>
+                      <m:r>
+                        <a:rPr lang="ru-RU" i="0">
+                          <a:latin typeface="Cambria Math" panose="02040503050406030204" pitchFamily="18" charset="0"/>
+                        </a:rPr>
+                        <m:t> </m:t>
+                      </m:r>
+                      <m:r>
+                        <a:rPr lang="en-US" b="0" i="0" smtClean="0">
+                          <a:latin typeface="Cambria Math" panose="02040503050406030204" pitchFamily="18" charset="0"/>
+                        </a:rPr>
+                        <m:t>    (2)</m:t>
+                      </m:r>
+                    </m:oMath>
+                  </m:oMathPara>
+                </a14:m>
+                <a:endParaRPr lang="ru-RU" dirty="0"/>
+              </a:p>
+            </p:txBody>
+          </p:sp>
+        </mc:Choice>
+        <mc:Fallback xmlns="">
+          <p:sp>
+            <p:nvSpPr>
+              <p:cNvPr id="10" name="Прямоугольник 9"/>
+              <p:cNvSpPr>
+                <a:spLocks noRot="1" noChangeAspect="1" noMove="1" noResize="1" noEditPoints="1" noAdjustHandles="1" noChangeArrowheads="1" noChangeShapeType="1" noTextEdit="1"/>
+              </p:cNvSpPr>
+              <p:nvPr/>
+            </p:nvSpPr>
+            <p:spPr>
+              <a:xfrm>
+                <a:off x="4280907" y="2548679"/>
+                <a:ext cx="2160240" cy="646331"/>
+              </a:xfrm>
+              <a:prstGeom prst="rect">
+                <a:avLst/>
+              </a:prstGeom>
+              <a:blipFill rotWithShape="0">
+                <a:blip r:embed="rId4"/>
+                <a:stretch>
+                  <a:fillRect/>
+                </a:stretch>
+              </a:blipFill>
+            </p:spPr>
+            <p:txBody>
+              <a:bodyPr/>
+              <a:lstStyle/>
+              <a:p>
+                <a:r>
+                  <a:rPr lang="ru-RU">
+                    <a:noFill/>
+                  </a:rPr>
+                  <a:t> </a:t>
+                </a:r>
+              </a:p>
+            </p:txBody>
+          </p:sp>
+        </mc:Fallback>
+      </mc:AlternateContent>
+      <mc:AlternateContent xmlns:mc="http://schemas.openxmlformats.org/markup-compatibility/2006" xmlns:a14="http://schemas.microsoft.com/office/drawing/2010/main">
+        <mc:Choice Requires="a14">
+          <p:sp>
+            <p:nvSpPr>
+              <p:cNvPr id="11" name="Прямоугольник 10"/>
+              <p:cNvSpPr/>
+              <p:nvPr/>
+            </p:nvSpPr>
+            <p:spPr>
+              <a:xfrm>
+                <a:off x="6536129" y="1857289"/>
+                <a:ext cx="2401719" cy="646331"/>
+              </a:xfrm>
+              <a:prstGeom prst="rect">
+                <a:avLst/>
+              </a:prstGeom>
+            </p:spPr>
+            <p:txBody>
+              <a:bodyPr wrap="square">
+                <a:spAutoFit/>
+              </a:bodyPr>
+              <a:lstStyle/>
+              <a:p>
+                <a:pPr/>
+                <a14:m>
+                  <m:oMathPara xmlns:m="http://schemas.openxmlformats.org/officeDocument/2006/math">
+                    <m:oMathParaPr>
+                      <m:jc m:val="centerGroup"/>
+                    </m:oMathParaPr>
+                    <m:oMath xmlns:m="http://schemas.openxmlformats.org/officeDocument/2006/math">
+                      <m:r>
+                        <a:rPr lang="en-US" b="0" i="1" smtClean="0">
+                          <a:latin typeface="Cambria Math" panose="02040503050406030204" pitchFamily="18" charset="0"/>
+                        </a:rPr>
+                        <m:t>     </m:t>
+                      </m:r>
+                      <m:r>
+                        <a:rPr lang="ru-RU" i="1" smtClean="0">
+                          <a:latin typeface="Cambria Math" panose="02040503050406030204" pitchFamily="18" charset="0"/>
+                        </a:rPr>
+                        <m:t>𝐹</m:t>
+                      </m:r>
+                      <m:r>
+                        <a:rPr lang="ru-RU" i="0">
+                          <a:latin typeface="Cambria Math" panose="02040503050406030204" pitchFamily="18" charset="0"/>
+                        </a:rPr>
+                        <m:t>=</m:t>
+                      </m:r>
+                      <m:r>
+                        <a:rPr lang="ru-RU" i="1">
+                          <a:latin typeface="Cambria Math" panose="02040503050406030204" pitchFamily="18" charset="0"/>
+                        </a:rPr>
+                        <m:t>𝐶</m:t>
+                      </m:r>
+                      <m:r>
+                        <a:rPr lang="ru-RU" i="0">
+                          <a:latin typeface="Cambria Math" panose="02040503050406030204" pitchFamily="18" charset="0"/>
+                        </a:rPr>
+                        <m:t> </m:t>
+                      </m:r>
+                      <m:f>
+                        <m:fPr>
+                          <m:ctrlPr>
+                            <a:rPr lang="ru-RU" i="1">
+                              <a:latin typeface="Cambria Math" panose="02040503050406030204" pitchFamily="18" charset="0"/>
+                            </a:rPr>
+                          </m:ctrlPr>
+                        </m:fPr>
+                        <m:num>
+                          <m:r>
+                            <a:rPr lang="ru-RU" i="1">
+                              <a:latin typeface="Cambria Math" panose="02040503050406030204" pitchFamily="18" charset="0"/>
+                            </a:rPr>
+                            <m:t>𝜌</m:t>
+                          </m:r>
+                          <m:r>
+                            <a:rPr lang="ru-RU" i="0">
+                              <a:latin typeface="Cambria Math" panose="02040503050406030204" pitchFamily="18" charset="0"/>
+                            </a:rPr>
+                            <m:t> </m:t>
+                          </m:r>
+                          <m:sSup>
+                            <m:sSupPr>
+                              <m:ctrlPr>
+                                <a:rPr lang="ru-RU" i="1">
+                                  <a:latin typeface="Cambria Math" panose="02040503050406030204" pitchFamily="18" charset="0"/>
+                                </a:rPr>
+                              </m:ctrlPr>
+                            </m:sSupPr>
+                            <m:e>
+                              <m:r>
+                                <a:rPr lang="ru-RU" i="1">
+                                  <a:latin typeface="Cambria Math" panose="02040503050406030204" pitchFamily="18" charset="0"/>
+                                </a:rPr>
+                                <m:t>𝑣</m:t>
+                              </m:r>
+                            </m:e>
+                            <m:sup>
+                              <m:r>
+                                <a:rPr lang="ru-RU" i="0">
+                                  <a:latin typeface="Cambria Math" panose="02040503050406030204" pitchFamily="18" charset="0"/>
+                                </a:rPr>
+                                <m:t>2</m:t>
+                              </m:r>
+                            </m:sup>
+                          </m:sSup>
+                        </m:num>
+                        <m:den>
+                          <m:r>
+                            <a:rPr lang="ru-RU" i="0">
+                              <a:latin typeface="Cambria Math" panose="02040503050406030204" pitchFamily="18" charset="0"/>
+                            </a:rPr>
+                            <m:t>2</m:t>
+                          </m:r>
+                        </m:den>
+                      </m:f>
+                      <m:r>
+                        <a:rPr lang="ru-RU" i="0">
+                          <a:latin typeface="Cambria Math" panose="02040503050406030204" pitchFamily="18" charset="0"/>
+                        </a:rPr>
+                        <m:t> </m:t>
+                      </m:r>
+                      <m:r>
+                        <a:rPr lang="ru-RU" i="1">
+                          <a:latin typeface="Cambria Math" panose="02040503050406030204" pitchFamily="18" charset="0"/>
+                        </a:rPr>
+                        <m:t>𝑆</m:t>
+                      </m:r>
+                      <m:r>
+                        <a:rPr lang="ru-RU" i="0">
+                          <a:latin typeface="Cambria Math" panose="02040503050406030204" pitchFamily="18" charset="0"/>
+                        </a:rPr>
+                        <m:t> </m:t>
+                      </m:r>
+                      <m:r>
+                        <a:rPr lang="en-US" b="0" i="0" smtClean="0">
+                          <a:latin typeface="Cambria Math" panose="02040503050406030204" pitchFamily="18" charset="0"/>
+                        </a:rPr>
+                        <m:t>     (3)</m:t>
+                      </m:r>
+                    </m:oMath>
+                  </m:oMathPara>
+                </a14:m>
+                <a:endParaRPr lang="ru-RU" dirty="0"/>
+              </a:p>
+            </p:txBody>
+          </p:sp>
+        </mc:Choice>
+        <mc:Fallback xmlns="">
+          <p:sp>
+            <p:nvSpPr>
+              <p:cNvPr id="11" name="Прямоугольник 10"/>
+              <p:cNvSpPr>
+                <a:spLocks noRot="1" noChangeAspect="1" noMove="1" noResize="1" noEditPoints="1" noAdjustHandles="1" noChangeArrowheads="1" noChangeShapeType="1" noTextEdit="1"/>
+              </p:cNvSpPr>
+              <p:nvPr/>
+            </p:nvSpPr>
+            <p:spPr>
+              <a:xfrm>
+                <a:off x="6536129" y="1857289"/>
+                <a:ext cx="2401719" cy="646331"/>
+              </a:xfrm>
+              <a:prstGeom prst="rect">
+                <a:avLst/>
+              </a:prstGeom>
+              <a:blipFill rotWithShape="0">
+                <a:blip r:embed="rId5"/>
+                <a:stretch>
+                  <a:fillRect/>
+                </a:stretch>
+              </a:blipFill>
+            </p:spPr>
+            <p:txBody>
+              <a:bodyPr/>
+              <a:lstStyle/>
+              <a:p>
+                <a:r>
+                  <a:rPr lang="ru-RU">
+                    <a:noFill/>
+                  </a:rPr>
+                  <a:t> </a:t>
+                </a:r>
+              </a:p>
+            </p:txBody>
+          </p:sp>
+        </mc:Fallback>
+      </mc:AlternateContent>
+      <mc:AlternateContent xmlns:mc="http://schemas.openxmlformats.org/markup-compatibility/2006" xmlns:a14="http://schemas.microsoft.com/office/drawing/2010/main">
+        <mc:Choice Requires="a14">
+          <p:sp>
+            <p:nvSpPr>
+              <p:cNvPr id="13" name="Прямоугольник 12"/>
+              <p:cNvSpPr/>
+              <p:nvPr/>
+            </p:nvSpPr>
+            <p:spPr>
+              <a:xfrm>
+                <a:off x="6536130" y="2676471"/>
+                <a:ext cx="2401718" cy="390748"/>
+              </a:xfrm>
+              <a:prstGeom prst="rect">
+                <a:avLst/>
+              </a:prstGeom>
+            </p:spPr>
+            <p:txBody>
+              <a:bodyPr wrap="square">
+                <a:spAutoFit/>
+              </a:bodyPr>
+              <a:lstStyle/>
+              <a:p>
+                <a:pPr/>
+                <a14:m>
+                  <m:oMathPara xmlns:m="http://schemas.openxmlformats.org/officeDocument/2006/math">
+                    <m:oMathParaPr>
+                      <m:jc m:val="centerGroup"/>
+                    </m:oMathParaPr>
+                    <m:oMath xmlns:m="http://schemas.openxmlformats.org/officeDocument/2006/math">
+                      <m:sSub>
+                        <m:sSubPr>
+                          <m:ctrlPr>
+                            <a:rPr lang="ru-RU" i="1" smtClean="0">
+                              <a:latin typeface="Cambria Math" panose="02040503050406030204" pitchFamily="18" charset="0"/>
+                            </a:rPr>
+                          </m:ctrlPr>
+                        </m:sSubPr>
+                        <m:e>
+                          <m:r>
+                            <a:rPr lang="en-US" b="0" i="1" smtClean="0">
+                              <a:latin typeface="Cambria Math" panose="02040503050406030204" pitchFamily="18" charset="0"/>
+                            </a:rPr>
+                            <m:t>     </m:t>
+                          </m:r>
+                          <m:r>
+                            <a:rPr lang="ru-RU" i="1">
+                              <a:latin typeface="Cambria Math" panose="02040503050406030204" pitchFamily="18" charset="0"/>
+                            </a:rPr>
+                            <m:t>𝐹</m:t>
+                          </m:r>
+                        </m:e>
+                        <m:sub>
+                          <m:r>
+                            <a:rPr lang="ru-RU" i="1">
+                              <a:latin typeface="Cambria Math" panose="02040503050406030204" pitchFamily="18" charset="0"/>
+                            </a:rPr>
+                            <m:t>𝑝</m:t>
+                          </m:r>
+                        </m:sub>
+                      </m:sSub>
+                      <m:r>
+                        <a:rPr lang="ru-RU" i="0">
+                          <a:latin typeface="Cambria Math" panose="02040503050406030204" pitchFamily="18" charset="0"/>
+                        </a:rPr>
+                        <m:t>=</m:t>
+                      </m:r>
+                      <m:r>
+                        <a:rPr lang="ru-RU" i="1">
+                          <a:latin typeface="Cambria Math" panose="02040503050406030204" pitchFamily="18" charset="0"/>
+                        </a:rPr>
+                        <m:t>𝐹</m:t>
+                      </m:r>
+                      <m:r>
+                        <a:rPr lang="ru-RU" i="0">
+                          <a:latin typeface="Cambria Math" panose="02040503050406030204" pitchFamily="18" charset="0"/>
+                        </a:rPr>
+                        <m:t>∙</m:t>
+                      </m:r>
+                      <m:func>
+                        <m:funcPr>
+                          <m:ctrlPr>
+                            <a:rPr lang="ru-RU" i="1">
+                              <a:latin typeface="Cambria Math" panose="02040503050406030204" pitchFamily="18" charset="0"/>
+                            </a:rPr>
+                          </m:ctrlPr>
+                        </m:funcPr>
+                        <m:fName>
+                          <m:r>
+                            <m:rPr>
+                              <m:sty m:val="p"/>
+                            </m:rPr>
+                            <a:rPr lang="ru-RU" i="0">
+                              <a:latin typeface="Cambria Math" panose="02040503050406030204" pitchFamily="18" charset="0"/>
+                            </a:rPr>
+                            <m:t>cos</m:t>
+                          </m:r>
+                        </m:fName>
+                        <m:e>
+                          <m:r>
+                            <a:rPr lang="ru-RU" i="1">
+                              <a:latin typeface="Cambria Math" panose="02040503050406030204" pitchFamily="18" charset="0"/>
+                            </a:rPr>
+                            <m:t>𝛾</m:t>
+                          </m:r>
+                        </m:e>
+                      </m:func>
+                      <m:r>
+                        <a:rPr lang="en-US" b="0" i="0" smtClean="0">
+                          <a:latin typeface="Cambria Math" panose="02040503050406030204" pitchFamily="18" charset="0"/>
+                        </a:rPr>
+                        <m:t>       (4)</m:t>
+                      </m:r>
+                    </m:oMath>
+                  </m:oMathPara>
+                </a14:m>
+                <a:endParaRPr lang="ru-RU" dirty="0"/>
+              </a:p>
+            </p:txBody>
+          </p:sp>
+        </mc:Choice>
+        <mc:Fallback xmlns="">
+          <p:sp>
+            <p:nvSpPr>
+              <p:cNvPr id="13" name="Прямоугольник 12"/>
+              <p:cNvSpPr>
+                <a:spLocks noRot="1" noChangeAspect="1" noMove="1" noResize="1" noEditPoints="1" noAdjustHandles="1" noChangeArrowheads="1" noChangeShapeType="1" noTextEdit="1"/>
+              </p:cNvSpPr>
+              <p:nvPr/>
+            </p:nvSpPr>
+            <p:spPr>
+              <a:xfrm>
+                <a:off x="6536130" y="2676471"/>
+                <a:ext cx="2401718" cy="390748"/>
+              </a:xfrm>
+              <a:prstGeom prst="rect">
+                <a:avLst/>
+              </a:prstGeom>
+              <a:blipFill rotWithShape="0">
+                <a:blip r:embed="rId6"/>
+                <a:stretch>
+                  <a:fillRect r="-761" b="-9375"/>
+                </a:stretch>
+              </a:blipFill>
+            </p:spPr>
+            <p:txBody>
+              <a:bodyPr/>
+              <a:lstStyle/>
+              <a:p>
+                <a:r>
+                  <a:rPr lang="ru-RU">
+                    <a:noFill/>
+                  </a:rPr>
+                  <a:t> </a:t>
+                </a:r>
+              </a:p>
+            </p:txBody>
+          </p:sp>
+        </mc:Fallback>
+      </mc:AlternateContent>
+      <p:sp>
+        <p:nvSpPr>
+          <p:cNvPr id="14" name="Rectangle 2"/>
+          <p:cNvSpPr>
+            <a:spLocks noChangeArrowheads="1"/>
+          </p:cNvSpPr>
+          <p:nvPr/>
+        </p:nvSpPr>
+        <p:spPr bwMode="auto">
+          <a:xfrm>
+            <a:off x="323528" y="3067219"/>
+            <a:ext cx="9144000" cy="0"/>
+          </a:xfrm>
+          <a:prstGeom prst="rect">
+            <a:avLst/>
+          </a:prstGeom>
+          <a:noFill/>
+          <a:ln>
+            <a:noFill/>
+          </a:ln>
+          <a:effectLst/>
+          <a:extLst>
+            <a:ext uri="{909E8E84-426E-40DD-AFC4-6F175D3DCCD1}">
+              <a14:hiddenFill xmlns:a14="http://schemas.microsoft.com/office/drawing/2010/main">
+                <a:solidFill>
+                  <a:schemeClr val="accent1"/>
+                </a:solidFill>
+              </a14:hiddenFill>
+            </a:ext>
+            <a:ext uri="{91240B29-F687-4F45-9708-019B960494DF}">
+              <a14:hiddenLine xmlns:a14="http://schemas.microsoft.com/office/drawing/2010/main" w="9525">
+                <a:solidFill>
+                  <a:schemeClr val="tx1"/>
+                </a:solidFill>
+                <a:miter lim="800000"/>
+                <a:headEnd/>
+                <a:tailEnd/>
+              </a14:hiddenLine>
+            </a:ext>
+            <a:ext uri="{AF507438-7753-43E0-B8FC-AC1667EBCBE1}">
+              <a14:hiddenEffects xmlns:a14="http://schemas.microsoft.com/office/drawing/2010/main">
+                <a:effectLst>
+                  <a:outerShdw dist="35921" dir="2700000" algn="ctr" rotWithShape="0">
+                    <a:schemeClr val="bg2"/>
+                  </a:outerShdw>
+                </a:effectLst>
+              </a14:hiddenEffects>
+            </a:ext>
+          </a:extLst>
+        </p:spPr>
+        <p:txBody>
+          <a:bodyPr vert="horz" wrap="none" lIns="91440" tIns="45720" rIns="91440" bIns="45720" numCol="1" anchor="ctr" anchorCtr="0" compatLnSpc="1">
+            <a:prstTxWarp prst="textNoShape">
+              <a:avLst/>
+            </a:prstTxWarp>
+            <a:spAutoFit/>
+          </a:bodyPr>
+          <a:lstStyle/>
+          <a:p>
+            <a:endParaRPr lang="ru-RU"/>
+          </a:p>
+        </p:txBody>
+      </p:sp>
+      <p:graphicFrame>
+        <p:nvGraphicFramePr>
+          <p:cNvPr id="15" name="Объект 14"/>
+          <p:cNvGraphicFramePr>
+            <a:graphicFrameLocks noChangeAspect="1"/>
+          </p:cNvGraphicFramePr>
+          <p:nvPr>
+            <p:extLst>
+              <p:ext uri="{D42A27DB-BD31-4B8C-83A1-F6EECF244321}">
+                <p14:modId xmlns:p14="http://schemas.microsoft.com/office/powerpoint/2010/main" val="3512611122"/>
+              </p:ext>
+            </p:extLst>
+          </p:nvPr>
+        </p:nvGraphicFramePr>
+        <p:xfrm>
+          <a:off x="64894" y="897948"/>
+          <a:ext cx="3838048" cy="2747076"/>
+        </p:xfrm>
+        <a:graphic>
+          <a:graphicData uri="http://schemas.openxmlformats.org/presentationml/2006/ole">
+            <mc:AlternateContent xmlns:mc="http://schemas.openxmlformats.org/markup-compatibility/2006">
+              <mc:Choice xmlns:v="urn:schemas-microsoft-com:vml" Requires="v">
+                <p:oleObj spid="_x0000_s2104" r:id="rId7" imgW="2248001" imgH="1514648" progId="Visio.Drawing.15">
+                  <p:embed/>
+                </p:oleObj>
+              </mc:Choice>
+              <mc:Fallback>
+                <p:oleObj r:id="rId7" imgW="2248001" imgH="1514648" progId="Visio.Drawing.15">
+                  <p:embed/>
+                  <p:pic>
+                    <p:nvPicPr>
+                      <p:cNvPr id="0" name="Object 1"/>
+                      <p:cNvPicPr>
+                        <a:picLocks noChangeAspect="1" noChangeArrowheads="1"/>
+                      </p:cNvPicPr>
+                      <p:nvPr/>
+                    </p:nvPicPr>
+                    <p:blipFill>
+                      <a:blip r:embed="rId8">
+                        <a:extLst>
+                          <a:ext uri="{28A0092B-C50C-407E-A947-70E740481C1C}">
+                            <a14:useLocalDpi xmlns:a14="http://schemas.microsoft.com/office/drawing/2010/main" val="0"/>
+                          </a:ext>
+                        </a:extLst>
+                      </a:blip>
+                      <a:srcRect/>
+                      <a:stretch>
+                        <a:fillRect/>
+                      </a:stretch>
+                    </p:blipFill>
+                    <p:spPr bwMode="auto">
+                      <a:xfrm>
+                        <a:off x="64894" y="897948"/>
+                        <a:ext cx="3838048" cy="2747076"/>
+                      </a:xfrm>
+                      <a:prstGeom prst="rect">
+                        <a:avLst/>
+                      </a:prstGeom>
+                      <a:noFill/>
+                    </p:spPr>
+                  </p:pic>
+                </p:oleObj>
+              </mc:Fallback>
+            </mc:AlternateContent>
+          </a:graphicData>
+        </a:graphic>
+      </p:graphicFrame>
+      <mc:AlternateContent xmlns:mc="http://schemas.openxmlformats.org/markup-compatibility/2006">
+        <mc:Choice xmlns:a14="http://schemas.microsoft.com/office/drawing/2010/main" Requires="a14">
+          <p:graphicFrame>
+            <p:nvGraphicFramePr>
+              <p:cNvPr id="16" name="Таблица 15"/>
+              <p:cNvGraphicFramePr>
+                <a:graphicFrameLocks noGrp="1"/>
+              </p:cNvGraphicFramePr>
+              <p:nvPr>
+                <p:extLst>
+                  <p:ext uri="{D42A27DB-BD31-4B8C-83A1-F6EECF244321}">
+                    <p14:modId xmlns:p14="http://schemas.microsoft.com/office/powerpoint/2010/main" val="2346272547"/>
+                  </p:ext>
+                </p:extLst>
+              </p:nvPr>
+            </p:nvGraphicFramePr>
+            <p:xfrm>
+              <a:off x="4067944" y="3447431"/>
+              <a:ext cx="4903137" cy="3119184"/>
+            </p:xfrm>
+            <a:graphic>
+              <a:graphicData uri="http://schemas.openxmlformats.org/drawingml/2006/table">
+                <a:tbl>
+                  <a:tblPr firstRow="1" bandRow="1">
+                    <a:tableStyleId>{5C22544A-7EE6-4342-B048-85BDC9FD1C3A}</a:tableStyleId>
+                  </a:tblPr>
+                  <a:tblGrid>
+                    <a:gridCol w="4903137"/>
+                  </a:tblGrid>
+                  <a:tr h="329183">
+                    <a:tc>
+                      <a:txBody>
+                        <a:bodyPr/>
+                        <a:lstStyle/>
+                        <a:p>
+                          <a:pPr algn="ctr"/>
+                          <a:r>
+                            <a:rPr lang="ru-RU" dirty="0" smtClean="0">
+                              <a:solidFill>
+                                <a:sysClr val="windowText" lastClr="000000"/>
+                              </a:solidFill>
+                            </a:rPr>
+                            <a:t>Параметры </a:t>
+                          </a:r>
+                          <a:endParaRPr lang="ru-RU" dirty="0">
+                            <a:solidFill>
+                              <a:sysClr val="windowText" lastClr="000000"/>
+                            </a:solidFill>
+                          </a:endParaRPr>
+                        </a:p>
+                      </a:txBody>
+                      <a:tcPr>
+                        <a:lnL w="12700" cap="flat" cmpd="sng" algn="ctr">
+                          <a:solidFill>
+                            <a:schemeClr val="tx1"/>
+                          </a:solidFill>
+                          <a:prstDash val="solid"/>
+                          <a:round/>
+                          <a:headEnd type="none" w="med" len="med"/>
+                          <a:tailEnd type="none" w="med" len="med"/>
+                        </a:lnL>
+                        <a:lnR w="12700" cap="flat" cmpd="sng" algn="ctr">
+                          <a:solidFill>
+                            <a:schemeClr val="tx1"/>
+                          </a:solidFill>
+                          <a:prstDash val="solid"/>
+                          <a:round/>
+                          <a:headEnd type="none" w="med" len="med"/>
+                          <a:tailEnd type="none" w="med" len="med"/>
+                        </a:lnR>
+                        <a:lnT w="12700" cap="flat" cmpd="sng" algn="ctr">
+                          <a:solidFill>
+                            <a:schemeClr val="tx1"/>
+                          </a:solidFill>
+                          <a:prstDash val="solid"/>
+                          <a:round/>
+                          <a:headEnd type="none" w="med" len="med"/>
+                          <a:tailEnd type="none" w="med" len="med"/>
+                        </a:lnT>
+                        <a:lnB w="12700" cap="flat" cmpd="sng" algn="ctr">
+                          <a:solidFill>
+                            <a:schemeClr val="tx1"/>
+                          </a:solidFill>
+                          <a:prstDash val="solid"/>
+                          <a:round/>
+                          <a:headEnd type="none" w="med" len="med"/>
+                          <a:tailEnd type="none" w="med" len="med"/>
+                        </a:lnB>
+                        <a:solidFill>
+                          <a:schemeClr val="bg1">
+                            <a:lumMod val="85000"/>
+                          </a:schemeClr>
+                        </a:solidFill>
+                      </a:tcPr>
+                    </a:tc>
+                  </a:tr>
+                  <a:tr h="370840">
+                    <a:tc>
+                      <a:txBody>
+                        <a:bodyPr/>
+                        <a:lstStyle/>
+                        <a:p>
+                          <a14:m>
+                            <m:oMath xmlns:m="http://schemas.openxmlformats.org/officeDocument/2006/math">
+                              <m:r>
+                                <a:rPr lang="ru-RU" i="1" smtClean="0">
+                                  <a:latin typeface="Cambria Math" panose="02040503050406030204" pitchFamily="18" charset="0"/>
+                                </a:rPr>
+                                <m:t>𝜌</m:t>
+                              </m:r>
+                            </m:oMath>
+                          </a14:m>
+                          <a:r>
+                            <a:rPr lang="en-US" dirty="0" smtClean="0"/>
+                            <a:t> – </a:t>
+                          </a:r>
+                          <a:r>
+                            <a:rPr lang="ru-RU" dirty="0" smtClean="0"/>
+                            <a:t>плотность</a:t>
+                          </a:r>
+                          <a:r>
+                            <a:rPr lang="ru-RU" baseline="0" dirty="0" smtClean="0"/>
+                            <a:t>  </a:t>
+                          </a:r>
+                          <a:r>
+                            <a:rPr lang="en-US" dirty="0" smtClean="0"/>
+                            <a:t>– </a:t>
+                          </a:r>
+                          <a:r>
+                            <a:rPr lang="ru-RU" baseline="0" dirty="0" smtClean="0"/>
+                            <a:t> 1500 </a:t>
+                          </a:r>
+                          <a:r>
+                            <a:rPr lang="ru-RU" sz="1800" kern="1200" dirty="0" smtClean="0">
+                              <a:solidFill>
+                                <a:schemeClr val="dk1"/>
+                              </a:solidFill>
+                              <a:effectLst/>
+                              <a:latin typeface="+mn-lt"/>
+                              <a:ea typeface="+mn-ea"/>
+                              <a:cs typeface="+mn-cs"/>
+                            </a:rPr>
+                            <a:t>кг/м</a:t>
+                          </a:r>
+                          <a:r>
+                            <a:rPr lang="ru-RU" sz="1800" kern="1200" baseline="30000" dirty="0" smtClean="0">
+                              <a:solidFill>
+                                <a:schemeClr val="dk1"/>
+                              </a:solidFill>
+                              <a:effectLst/>
+                              <a:latin typeface="+mn-lt"/>
+                              <a:ea typeface="+mn-ea"/>
+                              <a:cs typeface="+mn-cs"/>
+                            </a:rPr>
+                            <a:t>3</a:t>
+                          </a:r>
+                        </a:p>
+                        <a:p>
+                          <a:endParaRPr lang="ru-RU" sz="1800" kern="1200" baseline="30000" dirty="0" smtClean="0">
+                            <a:solidFill>
+                              <a:schemeClr val="dk1"/>
+                            </a:solidFill>
+                            <a:effectLst/>
+                            <a:latin typeface="+mn-lt"/>
+                            <a:ea typeface="+mn-ea"/>
+                            <a:cs typeface="+mn-cs"/>
+                          </a:endParaRPr>
+                        </a:p>
+                        <a:p>
+                          <a14:m>
+                            <m:oMath xmlns:m="http://schemas.openxmlformats.org/officeDocument/2006/math">
+                              <m:r>
+                                <a:rPr lang="ru-RU" i="1" smtClean="0">
+                                  <a:latin typeface="Cambria Math" panose="02040503050406030204" pitchFamily="18" charset="0"/>
+                                </a:rPr>
+                                <m:t>𝑣</m:t>
+                              </m:r>
+                            </m:oMath>
+                          </a14:m>
+                          <a:r>
+                            <a:rPr lang="ru-RU" dirty="0" smtClean="0"/>
+                            <a:t> – скорость движения иглы</a:t>
+                          </a:r>
+                          <a:r>
+                            <a:rPr lang="ru-RU" baseline="0" dirty="0" smtClean="0"/>
+                            <a:t>  - от 3 до 30 мм/с</a:t>
+                          </a:r>
+                        </a:p>
+                        <a:p>
+                          <a:endParaRPr lang="ru-RU" baseline="0" dirty="0" smtClean="0"/>
+                        </a:p>
+                        <a:p>
+                          <a14:m>
+                            <m:oMath xmlns:m="http://schemas.openxmlformats.org/officeDocument/2006/math">
+                              <m:r>
+                                <a:rPr lang="ru-RU" sz="1800" i="1" kern="1200" smtClean="0">
+                                  <a:solidFill>
+                                    <a:schemeClr val="dk1"/>
+                                  </a:solidFill>
+                                  <a:effectLst/>
+                                  <a:latin typeface="Cambria Math" panose="02040503050406030204" pitchFamily="18" charset="0"/>
+                                  <a:ea typeface="+mn-ea"/>
+                                  <a:cs typeface="+mn-cs"/>
+                                </a:rPr>
+                                <m:t>𝑆</m:t>
+                              </m:r>
+                              <m:r>
+                                <a:rPr lang="ru-RU" sz="1800" i="1" kern="1200" smtClean="0">
+                                  <a:solidFill>
+                                    <a:schemeClr val="dk1"/>
+                                  </a:solidFill>
+                                  <a:effectLst/>
+                                  <a:latin typeface="Cambria Math" panose="02040503050406030204" pitchFamily="18" charset="0"/>
+                                  <a:ea typeface="+mn-ea"/>
+                                  <a:cs typeface="+mn-cs"/>
+                                </a:rPr>
+                                <m:t>= </m:t>
+                              </m:r>
+                              <m:sSup>
+                                <m:sSupPr>
+                                  <m:ctrlPr>
+                                    <a:rPr lang="ru-RU" sz="1800" i="1" kern="1200">
+                                      <a:solidFill>
+                                        <a:schemeClr val="dk1"/>
+                                      </a:solidFill>
+                                      <a:effectLst/>
+                                      <a:latin typeface="Cambria Math" panose="02040503050406030204" pitchFamily="18" charset="0"/>
+                                      <a:ea typeface="+mn-ea"/>
+                                      <a:cs typeface="+mn-cs"/>
+                                    </a:rPr>
+                                  </m:ctrlPr>
+                                </m:sSupPr>
+                                <m:e>
+                                  <m:r>
+                                    <a:rPr lang="ru-RU" sz="1800" i="1" kern="1200">
+                                      <a:solidFill>
+                                        <a:schemeClr val="dk1"/>
+                                      </a:solidFill>
+                                      <a:effectLst/>
+                                      <a:latin typeface="Cambria Math" panose="02040503050406030204" pitchFamily="18" charset="0"/>
+                                      <a:ea typeface="+mn-ea"/>
+                                      <a:cs typeface="+mn-cs"/>
+                                    </a:rPr>
+                                    <m:t>𝑉</m:t>
+                                  </m:r>
+                                </m:e>
+                                <m:sup>
+                                  <m:r>
+                                    <a:rPr lang="ru-RU" sz="1800" i="1" kern="1200">
+                                      <a:solidFill>
+                                        <a:schemeClr val="dk1"/>
+                                      </a:solidFill>
+                                      <a:effectLst/>
+                                      <a:latin typeface="Cambria Math" panose="02040503050406030204" pitchFamily="18" charset="0"/>
+                                      <a:ea typeface="+mn-ea"/>
+                                      <a:cs typeface="+mn-cs"/>
+                                    </a:rPr>
+                                    <m:t>2/3</m:t>
+                                  </m:r>
+                                </m:sup>
+                              </m:sSup>
+                            </m:oMath>
+                          </a14:m>
+                          <a:r>
+                            <a:rPr lang="ru-RU" sz="1800" kern="1200" dirty="0">
+                              <a:solidFill>
+                                <a:schemeClr val="dk1"/>
+                              </a:solidFill>
+                              <a:effectLst/>
+                              <a:latin typeface="+mn-lt"/>
+                              <a:ea typeface="+mn-ea"/>
+                              <a:cs typeface="+mn-cs"/>
+                            </a:rPr>
+                            <a:t>, где </a:t>
+                          </a:r>
+                          <a14:m>
+                            <m:oMath xmlns:m="http://schemas.openxmlformats.org/officeDocument/2006/math">
+                              <m:r>
+                                <a:rPr lang="ru-RU" sz="1800" i="1" kern="1200">
+                                  <a:solidFill>
+                                    <a:schemeClr val="dk1"/>
+                                  </a:solidFill>
+                                  <a:effectLst/>
+                                  <a:latin typeface="Cambria Math" panose="02040503050406030204" pitchFamily="18" charset="0"/>
+                                  <a:ea typeface="+mn-ea"/>
+                                  <a:cs typeface="+mn-cs"/>
+                                </a:rPr>
+                                <m:t>𝑉</m:t>
+                              </m:r>
+                              <m:r>
+                                <a:rPr lang="ru-RU" sz="1800" i="1" kern="1200">
+                                  <a:solidFill>
+                                    <a:schemeClr val="dk1"/>
+                                  </a:solidFill>
+                                  <a:effectLst/>
+                                  <a:latin typeface="Cambria Math" panose="02040503050406030204" pitchFamily="18" charset="0"/>
+                                  <a:ea typeface="+mn-ea"/>
+                                  <a:cs typeface="+mn-cs"/>
+                                </a:rPr>
+                                <m:t>− </m:t>
+                              </m:r>
+                            </m:oMath>
+                          </a14:m>
+                          <a:r>
+                            <a:rPr lang="ru-RU" sz="1800" kern="1200" dirty="0">
+                              <a:solidFill>
+                                <a:schemeClr val="dk1"/>
+                              </a:solidFill>
+                              <a:effectLst/>
+                              <a:latin typeface="+mn-lt"/>
+                              <a:ea typeface="+mn-ea"/>
+                              <a:cs typeface="+mn-cs"/>
+                            </a:rPr>
+                            <a:t>объем </a:t>
+                          </a:r>
+                          <a:r>
+                            <a:rPr lang="ru-RU" sz="1800" kern="1200" dirty="0" smtClean="0">
+                              <a:solidFill>
+                                <a:schemeClr val="dk1"/>
+                              </a:solidFill>
+                              <a:effectLst/>
+                              <a:latin typeface="+mn-lt"/>
+                              <a:ea typeface="+mn-ea"/>
+                              <a:cs typeface="+mn-cs"/>
+                            </a:rPr>
+                            <a:t>тела</a:t>
+                          </a:r>
+                        </a:p>
+                        <a:p>
+                          <a:endParaRPr lang="ru-RU" sz="1800" kern="1200" dirty="0" smtClean="0">
+                            <a:solidFill>
+                              <a:schemeClr val="dk1"/>
+                            </a:solidFill>
+                            <a:effectLst/>
+                            <a:latin typeface="+mn-lt"/>
+                            <a:ea typeface="+mn-ea"/>
+                            <a:cs typeface="+mn-cs"/>
+                          </a:endParaRPr>
+                        </a:p>
+                        <a:p>
+                          <a14:m>
+                            <m:oMath xmlns:m="http://schemas.openxmlformats.org/officeDocument/2006/math">
+                              <m:r>
+                                <a:rPr lang="ru-RU" i="1" smtClean="0">
+                                  <a:latin typeface="Cambria Math" panose="02040503050406030204" pitchFamily="18" charset="0"/>
+                                </a:rPr>
+                                <m:t>𝑙</m:t>
+                              </m:r>
+                            </m:oMath>
+                          </a14:m>
+                          <a:r>
+                            <a:rPr lang="ru-RU" dirty="0" smtClean="0"/>
+                            <a:t> – длина иглы от 0 до 100 </a:t>
+                          </a:r>
+                          <a:r>
+                            <a:rPr lang="ru-RU" dirty="0" smtClean="0"/>
+                            <a:t>мм – изменяется с</a:t>
+                          </a:r>
+                          <a:r>
+                            <a:rPr lang="ru-RU" baseline="0" dirty="0" smtClean="0"/>
+                            <a:t> определённым шагом времени</a:t>
+                          </a:r>
+                          <a:r>
+                            <a:rPr lang="ru-RU" dirty="0" smtClean="0"/>
+                            <a:t> </a:t>
+                          </a:r>
+                        </a:p>
+                        <a:p>
+                          <a:endParaRPr lang="ru-RU" dirty="0" smtClean="0"/>
+                        </a:p>
+                        <a:p>
+                          <a14:m>
+                            <m:oMath xmlns:m="http://schemas.openxmlformats.org/officeDocument/2006/math">
+                              <m:r>
+                                <a:rPr lang="ru-RU" i="1" smtClean="0">
+                                  <a:latin typeface="Cambria Math" panose="02040503050406030204" pitchFamily="18" charset="0"/>
+                                </a:rPr>
+                                <m:t>𝐸</m:t>
+                              </m:r>
+                            </m:oMath>
+                          </a14:m>
+                          <a:r>
+                            <a:rPr lang="ru-RU" dirty="0" smtClean="0"/>
+                            <a:t> – модуль Юнга</a:t>
+                          </a:r>
+                          <a:r>
+                            <a:rPr lang="ru-RU" baseline="0" dirty="0" smtClean="0"/>
+                            <a:t> - </a:t>
+                          </a:r>
+                          <a:r>
+                            <a:rPr lang="ru-RU" sz="1800" kern="1200" dirty="0" smtClean="0">
+                              <a:solidFill>
+                                <a:schemeClr val="dk1"/>
+                              </a:solidFill>
+                              <a:effectLst/>
+                              <a:latin typeface="+mn-lt"/>
+                              <a:ea typeface="+mn-ea"/>
+                              <a:cs typeface="+mn-cs"/>
+                            </a:rPr>
+                            <a:t>2.0·10</a:t>
+                          </a:r>
+                          <a:r>
+                            <a:rPr lang="ru-RU" sz="1800" kern="1200" baseline="30000" dirty="0" smtClean="0">
+                              <a:solidFill>
+                                <a:schemeClr val="dk1"/>
+                              </a:solidFill>
+                              <a:effectLst/>
+                              <a:latin typeface="+mn-lt"/>
+                              <a:ea typeface="+mn-ea"/>
+                              <a:cs typeface="+mn-cs"/>
+                            </a:rPr>
+                            <a:t>11  </a:t>
+                          </a:r>
+                          <a:r>
+                            <a:rPr lang="ru-RU" sz="1800" kern="1200" dirty="0" smtClean="0">
+                              <a:solidFill>
+                                <a:schemeClr val="dk1"/>
+                              </a:solidFill>
+                              <a:effectLst/>
+                              <a:latin typeface="+mn-lt"/>
+                              <a:ea typeface="+mn-ea"/>
+                              <a:cs typeface="+mn-cs"/>
+                            </a:rPr>
+                            <a:t>н/м</a:t>
+                          </a:r>
+                          <a:r>
+                            <a:rPr lang="ru-RU" sz="1800" kern="1200" baseline="30000" dirty="0" smtClean="0">
+                              <a:solidFill>
+                                <a:schemeClr val="dk1"/>
+                              </a:solidFill>
+                              <a:effectLst/>
+                              <a:latin typeface="+mn-lt"/>
+                              <a:ea typeface="+mn-ea"/>
+                              <a:cs typeface="+mn-cs"/>
+                            </a:rPr>
+                            <a:t>2</a:t>
+                          </a:r>
+                        </a:p>
+                      </a:txBody>
+                      <a:tcPr>
+                        <a:lnL w="12700" cap="flat" cmpd="sng" algn="ctr">
+                          <a:solidFill>
+                            <a:schemeClr val="tx1"/>
+                          </a:solidFill>
+                          <a:prstDash val="solid"/>
+                          <a:round/>
+                          <a:headEnd type="none" w="med" len="med"/>
+                          <a:tailEnd type="none" w="med" len="med"/>
+                        </a:lnL>
+                        <a:lnR w="12700" cap="flat" cmpd="sng" algn="ctr">
+                          <a:solidFill>
+                            <a:schemeClr val="tx1"/>
+                          </a:solidFill>
+                          <a:prstDash val="solid"/>
+                          <a:round/>
+                          <a:headEnd type="none" w="med" len="med"/>
+                          <a:tailEnd type="none" w="med" len="med"/>
+                        </a:lnR>
+                        <a:lnT w="12700" cap="flat" cmpd="sng" algn="ctr">
+                          <a:solidFill>
+                            <a:schemeClr val="tx1"/>
+                          </a:solidFill>
+                          <a:prstDash val="solid"/>
+                          <a:round/>
+                          <a:headEnd type="none" w="med" len="med"/>
+                          <a:tailEnd type="none" w="med" len="med"/>
+                        </a:lnT>
+                        <a:lnB w="12700" cap="flat" cmpd="sng" algn="ctr">
+                          <a:solidFill>
+                            <a:schemeClr val="tx1"/>
+                          </a:solidFill>
+                          <a:prstDash val="solid"/>
+                          <a:round/>
+                          <a:headEnd type="none" w="med" len="med"/>
+                          <a:tailEnd type="none" w="med" len="med"/>
+                        </a:lnB>
+                        <a:solidFill>
+                          <a:schemeClr val="bg1"/>
+                        </a:solidFill>
+                      </a:tcPr>
+                    </a:tc>
+                  </a:tr>
+                </a:tbl>
+              </a:graphicData>
+            </a:graphic>
+          </p:graphicFrame>
+        </mc:Choice>
+        <mc:Fallback>
+          <p:graphicFrame>
+            <p:nvGraphicFramePr>
+              <p:cNvPr id="16" name="Таблица 15"/>
+              <p:cNvGraphicFramePr>
+                <a:graphicFrameLocks noGrp="1"/>
+              </p:cNvGraphicFramePr>
+              <p:nvPr>
+                <p:extLst>
+                  <p:ext uri="{D42A27DB-BD31-4B8C-83A1-F6EECF244321}">
+                    <p14:modId xmlns:p14="http://schemas.microsoft.com/office/powerpoint/2010/main" val="2346272547"/>
+                  </p:ext>
+                </p:extLst>
+              </p:nvPr>
+            </p:nvGraphicFramePr>
+            <p:xfrm>
+              <a:off x="4067944" y="3447431"/>
+              <a:ext cx="4903137" cy="3119184"/>
+            </p:xfrm>
+            <a:graphic>
+              <a:graphicData uri="http://schemas.openxmlformats.org/drawingml/2006/table">
+                <a:tbl>
+                  <a:tblPr firstRow="1" bandRow="1">
+                    <a:tableStyleId>{5C22544A-7EE6-4342-B048-85BDC9FD1C3A}</a:tableStyleId>
+                  </a:tblPr>
+                  <a:tblGrid>
+                    <a:gridCol w="4903137"/>
+                  </a:tblGrid>
+                  <a:tr h="365760">
+                    <a:tc>
+                      <a:txBody>
+                        <a:bodyPr/>
+                        <a:lstStyle/>
+                        <a:p>
+                          <a:pPr algn="ctr"/>
+                          <a:r>
+                            <a:rPr lang="ru-RU" dirty="0" smtClean="0">
+                              <a:solidFill>
+                                <a:sysClr val="windowText" lastClr="000000"/>
+                              </a:solidFill>
+                            </a:rPr>
+                            <a:t>Параметры </a:t>
+                          </a:r>
+                          <a:endParaRPr lang="ru-RU" dirty="0">
+                            <a:solidFill>
+                              <a:sysClr val="windowText" lastClr="000000"/>
+                            </a:solidFill>
+                          </a:endParaRPr>
+                        </a:p>
+                      </a:txBody>
+                      <a:tcPr>
+                        <a:lnL w="12700" cap="flat" cmpd="sng" algn="ctr">
+                          <a:solidFill>
+                            <a:schemeClr val="tx1"/>
+                          </a:solidFill>
+                          <a:prstDash val="solid"/>
+                          <a:round/>
+                          <a:headEnd type="none" w="med" len="med"/>
+                          <a:tailEnd type="none" w="med" len="med"/>
+                        </a:lnL>
+                        <a:lnR w="12700" cap="flat" cmpd="sng" algn="ctr">
+                          <a:solidFill>
+                            <a:schemeClr val="tx1"/>
+                          </a:solidFill>
+                          <a:prstDash val="solid"/>
+                          <a:round/>
+                          <a:headEnd type="none" w="med" len="med"/>
+                          <a:tailEnd type="none" w="med" len="med"/>
+                        </a:lnR>
+                        <a:lnT w="12700" cap="flat" cmpd="sng" algn="ctr">
+                          <a:solidFill>
+                            <a:schemeClr val="tx1"/>
+                          </a:solidFill>
+                          <a:prstDash val="solid"/>
+                          <a:round/>
+                          <a:headEnd type="none" w="med" len="med"/>
+                          <a:tailEnd type="none" w="med" len="med"/>
+                        </a:lnT>
+                        <a:lnB w="12700" cap="flat" cmpd="sng" algn="ctr">
+                          <a:solidFill>
+                            <a:schemeClr val="tx1"/>
+                          </a:solidFill>
+                          <a:prstDash val="solid"/>
+                          <a:round/>
+                          <a:headEnd type="none" w="med" len="med"/>
+                          <a:tailEnd type="none" w="med" len="med"/>
+                        </a:lnB>
+                        <a:solidFill>
+                          <a:schemeClr val="bg1">
+                            <a:lumMod val="85000"/>
+                          </a:schemeClr>
+                        </a:solidFill>
+                      </a:tcPr>
+                    </a:tc>
+                  </a:tr>
+                  <a:tr h="2753424">
+                    <a:tc>
+                      <a:txBody>
+                        <a:bodyPr/>
+                        <a:lstStyle/>
+                        <a:p>
+                          <a:endParaRPr lang="ru-RU"/>
+                        </a:p>
+                      </a:txBody>
+                      <a:tcPr>
+                        <a:lnL w="12700" cap="flat" cmpd="sng" algn="ctr">
+                          <a:solidFill>
+                            <a:schemeClr val="tx1"/>
+                          </a:solidFill>
+                          <a:prstDash val="solid"/>
+                          <a:round/>
+                          <a:headEnd type="none" w="med" len="med"/>
+                          <a:tailEnd type="none" w="med" len="med"/>
+                        </a:lnL>
+                        <a:lnR w="12700" cap="flat" cmpd="sng" algn="ctr">
+                          <a:solidFill>
+                            <a:schemeClr val="tx1"/>
+                          </a:solidFill>
+                          <a:prstDash val="solid"/>
+                          <a:round/>
+                          <a:headEnd type="none" w="med" len="med"/>
+                          <a:tailEnd type="none" w="med" len="med"/>
+                        </a:lnR>
+                        <a:lnT w="12700" cap="flat" cmpd="sng" algn="ctr">
+                          <a:solidFill>
+                            <a:schemeClr val="tx1"/>
+                          </a:solidFill>
+                          <a:prstDash val="solid"/>
+                          <a:round/>
+                          <a:headEnd type="none" w="med" len="med"/>
+                          <a:tailEnd type="none" w="med" len="med"/>
+                        </a:lnT>
+                        <a:lnB w="12700" cap="flat" cmpd="sng" algn="ctr">
+                          <a:solidFill>
+                            <a:schemeClr val="tx1"/>
+                          </a:solidFill>
+                          <a:prstDash val="solid"/>
+                          <a:round/>
+                          <a:headEnd type="none" w="med" len="med"/>
+                          <a:tailEnd type="none" w="med" len="med"/>
+                        </a:lnB>
+                        <a:blipFill rotWithShape="0">
+                          <a:blip r:embed="rId9"/>
+                          <a:stretch>
+                            <a:fillRect l="-124" t="-14349" r="-248" b="-3532"/>
+                          </a:stretch>
+                        </a:blipFill>
+                      </a:tcPr>
+                    </a:tc>
+                  </a:tr>
+                </a:tbl>
+              </a:graphicData>
+            </a:graphic>
+          </p:graphicFrame>
+        </mc:Fallback>
+      </mc:AlternateContent>
+      <p:sp>
+        <p:nvSpPr>
+          <p:cNvPr id="17" name="Rectangle 5"/>
+          <p:cNvSpPr>
+            <a:spLocks noChangeArrowheads="1"/>
+          </p:cNvSpPr>
+          <p:nvPr/>
+        </p:nvSpPr>
+        <p:spPr bwMode="auto">
+          <a:xfrm flipV="1">
+            <a:off x="6536129" y="4840749"/>
+            <a:ext cx="5574813" cy="45719"/>
+          </a:xfrm>
+          <a:prstGeom prst="rect">
+            <a:avLst/>
+          </a:prstGeom>
+          <a:noFill/>
+          <a:ln>
+            <a:noFill/>
+          </a:ln>
+          <a:effectLst/>
+          <a:extLst>
+            <a:ext uri="{909E8E84-426E-40DD-AFC4-6F175D3DCCD1}">
+              <a14:hiddenFill xmlns:a14="http://schemas.microsoft.com/office/drawing/2010/main">
+                <a:solidFill>
+                  <a:schemeClr val="accent1"/>
+                </a:solidFill>
+              </a14:hiddenFill>
+            </a:ext>
+            <a:ext uri="{91240B29-F687-4F45-9708-019B960494DF}">
+              <a14:hiddenLine xmlns:a14="http://schemas.microsoft.com/office/drawing/2010/main" w="9525">
+                <a:solidFill>
+                  <a:schemeClr val="tx1"/>
+                </a:solidFill>
+                <a:miter lim="800000"/>
+                <a:headEnd/>
+                <a:tailEnd/>
+              </a14:hiddenLine>
+            </a:ext>
+            <a:ext uri="{AF507438-7753-43E0-B8FC-AC1667EBCBE1}">
+              <a14:hiddenEffects xmlns:a14="http://schemas.microsoft.com/office/drawing/2010/main">
+                <a:effectLst>
+                  <a:outerShdw dist="35921" dir="2700000" algn="ctr" rotWithShape="0">
+                    <a:schemeClr val="bg2"/>
+                  </a:outerShdw>
+                </a:effectLst>
+              </a14:hiddenEffects>
+            </a:ext>
+          </a:extLst>
+        </p:spPr>
+        <p:txBody>
+          <a:bodyPr vert="horz" wrap="square" lIns="91440" tIns="45720" rIns="91440" bIns="45720" numCol="1" anchor="ctr" anchorCtr="0" compatLnSpc="1">
+            <a:prstTxWarp prst="textNoShape">
+              <a:avLst/>
+            </a:prstTxWarp>
+            <a:spAutoFit/>
+          </a:bodyPr>
+          <a:lstStyle/>
+          <a:p>
+            <a:endParaRPr lang="ru-RU"/>
+          </a:p>
+        </p:txBody>
+      </p:sp>
+      <p:graphicFrame>
+        <p:nvGraphicFramePr>
+          <p:cNvPr id="18" name="Объект 17"/>
+          <p:cNvGraphicFramePr>
+            <a:graphicFrameLocks noChangeAspect="1"/>
+          </p:cNvGraphicFramePr>
+          <p:nvPr>
+            <p:extLst>
+              <p:ext uri="{D42A27DB-BD31-4B8C-83A1-F6EECF244321}">
+                <p14:modId xmlns:p14="http://schemas.microsoft.com/office/powerpoint/2010/main" val="3664004476"/>
+              </p:ext>
+            </p:extLst>
+          </p:nvPr>
+        </p:nvGraphicFramePr>
+        <p:xfrm>
+          <a:off x="3073741" y="2830103"/>
+          <a:ext cx="575935" cy="794233"/>
+        </p:xfrm>
+        <a:graphic>
+          <a:graphicData uri="http://schemas.openxmlformats.org/presentationml/2006/ole">
+            <mc:AlternateContent xmlns:mc="http://schemas.openxmlformats.org/markup-compatibility/2006">
+              <mc:Choice xmlns:v="urn:schemas-microsoft-com:vml" Requires="v">
+                <p:oleObj spid="_x0000_s2105" r:id="rId10" imgW="666627" imgH="914400" progId="Visio.Drawing.15">
+                  <p:embed/>
+                </p:oleObj>
+              </mc:Choice>
+              <mc:Fallback>
+                <p:oleObj r:id="rId10" imgW="666627" imgH="914400" progId="Visio.Drawing.15">
+                  <p:embed/>
+                  <p:pic>
+                    <p:nvPicPr>
+                      <p:cNvPr id="0" name="Object 4"/>
+                      <p:cNvPicPr>
+                        <a:picLocks noChangeAspect="1" noChangeArrowheads="1"/>
+                      </p:cNvPicPr>
+                      <p:nvPr/>
+                    </p:nvPicPr>
+                    <p:blipFill>
+                      <a:blip r:embed="rId11">
+                        <a:extLst>
+                          <a:ext uri="{28A0092B-C50C-407E-A947-70E740481C1C}">
+                            <a14:useLocalDpi xmlns:a14="http://schemas.microsoft.com/office/drawing/2010/main" val="0"/>
+                          </a:ext>
+                        </a:extLst>
+                      </a:blip>
+                      <a:srcRect/>
+                      <a:stretch>
+                        <a:fillRect/>
+                      </a:stretch>
+                    </p:blipFill>
+                    <p:spPr bwMode="auto">
+                      <a:xfrm>
+                        <a:off x="3073741" y="2830103"/>
+                        <a:ext cx="575935" cy="794233"/>
+                      </a:xfrm>
+                      <a:prstGeom prst="rect">
+                        <a:avLst/>
+                      </a:prstGeom>
+                      <a:noFill/>
+                    </p:spPr>
+                  </p:pic>
+                </p:oleObj>
+              </mc:Fallback>
+            </mc:AlternateContent>
+          </a:graphicData>
+        </a:graphic>
+      </p:graphicFrame>
+      <p:graphicFrame>
+        <p:nvGraphicFramePr>
+          <p:cNvPr id="6" name="Таблица 5"/>
+          <p:cNvGraphicFramePr>
+            <a:graphicFrameLocks noGrp="1"/>
+          </p:cNvGraphicFramePr>
+          <p:nvPr>
+            <p:extLst>
+              <p:ext uri="{D42A27DB-BD31-4B8C-83A1-F6EECF244321}">
+                <p14:modId xmlns:p14="http://schemas.microsoft.com/office/powerpoint/2010/main" val="3160724051"/>
+              </p:ext>
+            </p:extLst>
+          </p:nvPr>
+        </p:nvGraphicFramePr>
+        <p:xfrm>
+          <a:off x="179512" y="3930992"/>
+          <a:ext cx="3744416" cy="2306320"/>
+        </p:xfrm>
+        <a:graphic>
+          <a:graphicData uri="http://schemas.openxmlformats.org/drawingml/2006/table">
+            <a:tbl>
+              <a:tblPr firstRow="1" bandRow="1">
+                <a:tableStyleId>{5C22544A-7EE6-4342-B048-85BDC9FD1C3A}</a:tableStyleId>
+              </a:tblPr>
+              <a:tblGrid>
+                <a:gridCol w="1440160"/>
+                <a:gridCol w="2304256"/>
+              </a:tblGrid>
+              <a:tr h="370840">
+                <a:tc>
+                  <a:txBody>
+                    <a:bodyPr/>
+                    <a:lstStyle/>
+                    <a:p>
+                      <a:pPr algn="ctr"/>
+                      <a:r>
+                        <a:rPr lang="ru-RU" sz="1600" dirty="0" smtClean="0">
+                          <a:solidFill>
+                            <a:sysClr val="windowText" lastClr="000000"/>
+                          </a:solidFill>
+                        </a:rPr>
+                        <a:t>Линейная скорость,</a:t>
+                      </a:r>
+                      <a:r>
+                        <a:rPr lang="ru-RU" sz="1600" baseline="0" dirty="0" smtClean="0">
+                          <a:solidFill>
+                            <a:sysClr val="windowText" lastClr="000000"/>
+                          </a:solidFill>
+                        </a:rPr>
+                        <a:t> мм/с</a:t>
+                      </a:r>
+                      <a:endParaRPr lang="ru-RU" sz="1600" dirty="0">
+                        <a:solidFill>
+                          <a:sysClr val="windowText" lastClr="000000"/>
+                        </a:solidFill>
+                      </a:endParaRPr>
+                    </a:p>
+                  </a:txBody>
+                  <a:tcPr>
+                    <a:lnL w="12700" cap="flat" cmpd="sng" algn="ctr">
+                      <a:solidFill>
+                        <a:schemeClr val="tx1"/>
+                      </a:solidFill>
+                      <a:prstDash val="solid"/>
+                      <a:round/>
+                      <a:headEnd type="none" w="med" len="med"/>
+                      <a:tailEnd type="none" w="med" len="med"/>
+                    </a:lnL>
+                    <a:lnR w="12700" cap="flat" cmpd="sng" algn="ctr">
+                      <a:solidFill>
+                        <a:schemeClr val="tx1"/>
+                      </a:solidFill>
+                      <a:prstDash val="solid"/>
+                      <a:round/>
+                      <a:headEnd type="none" w="med" len="med"/>
+                      <a:tailEnd type="none" w="med" len="med"/>
+                    </a:lnR>
+                    <a:lnT w="12700" cap="flat" cmpd="sng" algn="ctr">
+                      <a:solidFill>
+                        <a:schemeClr val="tx1"/>
+                      </a:solidFill>
+                      <a:prstDash val="solid"/>
+                      <a:round/>
+                      <a:headEnd type="none" w="med" len="med"/>
+                      <a:tailEnd type="none" w="med" len="med"/>
+                    </a:lnT>
+                    <a:lnB w="12700" cap="flat" cmpd="sng" algn="ctr">
+                      <a:solidFill>
+                        <a:schemeClr val="tx1"/>
+                      </a:solidFill>
+                      <a:prstDash val="solid"/>
+                      <a:round/>
+                      <a:headEnd type="none" w="med" len="med"/>
+                      <a:tailEnd type="none" w="med" len="med"/>
+                    </a:lnB>
+                    <a:solidFill>
+                      <a:schemeClr val="bg1">
+                        <a:lumMod val="85000"/>
+                      </a:schemeClr>
+                    </a:solidFill>
+                  </a:tcPr>
+                </a:tc>
+                <a:tc>
+                  <a:txBody>
+                    <a:bodyPr/>
+                    <a:lstStyle/>
+                    <a:p>
+                      <a:pPr algn="ctr"/>
+                      <a:r>
+                        <a:rPr lang="ru-RU" sz="1600" dirty="0" smtClean="0">
+                          <a:solidFill>
+                            <a:sysClr val="windowText" lastClr="000000"/>
+                          </a:solidFill>
+                        </a:rPr>
+                        <a:t>Шаг времени, с</a:t>
+                      </a:r>
+                      <a:r>
+                        <a:rPr lang="ru-RU" sz="1600" baseline="0" dirty="0" smtClean="0">
+                          <a:solidFill>
+                            <a:sysClr val="windowText" lastClr="000000"/>
+                          </a:solidFill>
+                        </a:rPr>
+                        <a:t> </a:t>
+                      </a:r>
+                      <a:endParaRPr lang="ru-RU" sz="1600" dirty="0">
+                        <a:solidFill>
+                          <a:sysClr val="windowText" lastClr="000000"/>
+                        </a:solidFill>
+                      </a:endParaRPr>
+                    </a:p>
+                  </a:txBody>
+                  <a:tcPr>
+                    <a:lnL w="12700" cap="flat" cmpd="sng" algn="ctr">
+                      <a:solidFill>
+                        <a:schemeClr val="tx1"/>
+                      </a:solidFill>
+                      <a:prstDash val="solid"/>
+                      <a:round/>
+                      <a:headEnd type="none" w="med" len="med"/>
+                      <a:tailEnd type="none" w="med" len="med"/>
+                    </a:lnL>
+                    <a:lnR w="12700" cap="flat" cmpd="sng" algn="ctr">
+                      <a:solidFill>
+                        <a:schemeClr val="tx1"/>
+                      </a:solidFill>
+                      <a:prstDash val="solid"/>
+                      <a:round/>
+                      <a:headEnd type="none" w="med" len="med"/>
+                      <a:tailEnd type="none" w="med" len="med"/>
+                    </a:lnR>
+                    <a:lnT w="12700" cap="flat" cmpd="sng" algn="ctr">
+                      <a:solidFill>
+                        <a:schemeClr val="tx1"/>
+                      </a:solidFill>
+                      <a:prstDash val="solid"/>
+                      <a:round/>
+                      <a:headEnd type="none" w="med" len="med"/>
+                      <a:tailEnd type="none" w="med" len="med"/>
+                    </a:lnT>
+                    <a:lnB w="12700" cap="flat" cmpd="sng" algn="ctr">
+                      <a:solidFill>
+                        <a:schemeClr val="tx1"/>
+                      </a:solidFill>
+                      <a:prstDash val="solid"/>
+                      <a:round/>
+                      <a:headEnd type="none" w="med" len="med"/>
+                      <a:tailEnd type="none" w="med" len="med"/>
+                    </a:lnB>
+                    <a:solidFill>
+                      <a:schemeClr val="bg1">
+                        <a:lumMod val="85000"/>
+                      </a:schemeClr>
+                    </a:solidFill>
+                  </a:tcPr>
+                </a:tc>
+              </a:tr>
+              <a:tr h="370840">
+                <a:tc>
+                  <a:txBody>
+                    <a:bodyPr/>
+                    <a:lstStyle/>
+                    <a:p>
+                      <a:pPr algn="ctr"/>
+                      <a:r>
+                        <a:rPr lang="ru-RU" sz="1600" dirty="0" smtClean="0"/>
+                        <a:t>3</a:t>
+                      </a:r>
+                      <a:endParaRPr lang="ru-RU" sz="1600" dirty="0"/>
+                    </a:p>
+                  </a:txBody>
+                  <a:tcPr>
+                    <a:lnL w="12700" cap="flat" cmpd="sng" algn="ctr">
+                      <a:solidFill>
+                        <a:schemeClr val="tx1"/>
+                      </a:solidFill>
+                      <a:prstDash val="solid"/>
+                      <a:round/>
+                      <a:headEnd type="none" w="med" len="med"/>
+                      <a:tailEnd type="none" w="med" len="med"/>
+                    </a:lnL>
+                    <a:lnR w="12700" cap="flat" cmpd="sng" algn="ctr">
+                      <a:solidFill>
+                        <a:schemeClr val="tx1"/>
+                      </a:solidFill>
+                      <a:prstDash val="solid"/>
+                      <a:round/>
+                      <a:headEnd type="none" w="med" len="med"/>
+                      <a:tailEnd type="none" w="med" len="med"/>
+                    </a:lnR>
+                    <a:lnT w="12700" cap="flat" cmpd="sng" algn="ctr">
+                      <a:solidFill>
+                        <a:schemeClr val="tx1"/>
+                      </a:solidFill>
+                      <a:prstDash val="solid"/>
+                      <a:round/>
+                      <a:headEnd type="none" w="med" len="med"/>
+                      <a:tailEnd type="none" w="med" len="med"/>
+                    </a:lnT>
+                    <a:lnB w="12700" cap="flat" cmpd="sng" algn="ctr">
+                      <a:solidFill>
+                        <a:schemeClr val="tx1"/>
+                      </a:solidFill>
+                      <a:prstDash val="solid"/>
+                      <a:round/>
+                      <a:headEnd type="none" w="med" len="med"/>
+                      <a:tailEnd type="none" w="med" len="med"/>
+                    </a:lnB>
+                    <a:solidFill>
+                      <a:schemeClr val="bg1"/>
+                    </a:solidFill>
+                  </a:tcPr>
+                </a:tc>
+                <a:tc>
+                  <a:txBody>
+                    <a:bodyPr/>
+                    <a:lstStyle/>
+                    <a:p>
+                      <a:pPr marL="0" marR="0" indent="0" algn="ctr" defTabSz="914400" rtl="0" eaLnBrk="1" fontAlgn="auto" latinLnBrk="0" hangingPunct="1">
+                        <a:lnSpc>
+                          <a:spcPct val="100000"/>
+                        </a:lnSpc>
+                        <a:spcBef>
+                          <a:spcPts val="0"/>
+                        </a:spcBef>
+                        <a:spcAft>
+                          <a:spcPts val="0"/>
+                        </a:spcAft>
+                        <a:buClrTx/>
+                        <a:buSzTx/>
+                        <a:buFontTx/>
+                        <a:buNone/>
+                        <a:tabLst/>
+                        <a:defRPr/>
+                      </a:pPr>
+                      <a:r>
+                        <a:rPr lang="ru-RU" sz="1600" dirty="0" smtClean="0">
+                          <a:solidFill>
+                            <a:sysClr val="windowText" lastClr="000000"/>
+                          </a:solidFill>
+                          <a:effectLst/>
+                        </a:rPr>
+                        <a:t>3,33·10</a:t>
+                      </a:r>
+                      <a:r>
+                        <a:rPr lang="ru-RU" sz="1600" baseline="30000" dirty="0" smtClean="0">
+                          <a:solidFill>
+                            <a:sysClr val="windowText" lastClr="000000"/>
+                          </a:solidFill>
+                          <a:effectLst/>
+                        </a:rPr>
+                        <a:t>-6</a:t>
+                      </a:r>
+                      <a:endParaRPr lang="ru-RU" sz="1600" dirty="0" smtClean="0">
+                        <a:solidFill>
+                          <a:sysClr val="windowText" lastClr="000000"/>
+                        </a:solidFill>
+                        <a:effectLst/>
+                        <a:latin typeface="Times New Roman" panose="02020603050405020304" pitchFamily="18" charset="0"/>
+                        <a:ea typeface="Calibri" panose="020F0502020204030204" pitchFamily="34" charset="0"/>
+                        <a:cs typeface="Times New Roman" panose="02020603050405020304" pitchFamily="18" charset="0"/>
+                      </a:endParaRPr>
+                    </a:p>
+                  </a:txBody>
+                  <a:tcPr>
+                    <a:lnL w="12700" cap="flat" cmpd="sng" algn="ctr">
+                      <a:solidFill>
+                        <a:schemeClr val="tx1"/>
+                      </a:solidFill>
+                      <a:prstDash val="solid"/>
+                      <a:round/>
+                      <a:headEnd type="none" w="med" len="med"/>
+                      <a:tailEnd type="none" w="med" len="med"/>
+                    </a:lnL>
+                    <a:lnR w="12700" cap="flat" cmpd="sng" algn="ctr">
+                      <a:solidFill>
+                        <a:schemeClr val="tx1"/>
+                      </a:solidFill>
+                      <a:prstDash val="solid"/>
+                      <a:round/>
+                      <a:headEnd type="none" w="med" len="med"/>
+                      <a:tailEnd type="none" w="med" len="med"/>
+                    </a:lnR>
+                    <a:lnT w="12700" cap="flat" cmpd="sng" algn="ctr">
+                      <a:solidFill>
+                        <a:schemeClr val="tx1"/>
+                      </a:solidFill>
+                      <a:prstDash val="solid"/>
+                      <a:round/>
+                      <a:headEnd type="none" w="med" len="med"/>
+                      <a:tailEnd type="none" w="med" len="med"/>
+                    </a:lnT>
+                    <a:lnB w="12700" cap="flat" cmpd="sng" algn="ctr">
+                      <a:solidFill>
+                        <a:schemeClr val="tx1"/>
+                      </a:solidFill>
+                      <a:prstDash val="solid"/>
+                      <a:round/>
+                      <a:headEnd type="none" w="med" len="med"/>
+                      <a:tailEnd type="none" w="med" len="med"/>
+                    </a:lnB>
+                    <a:solidFill>
+                      <a:schemeClr val="bg1"/>
+                    </a:solidFill>
+                  </a:tcPr>
+                </a:tc>
+              </a:tr>
+              <a:tr h="370840">
+                <a:tc>
+                  <a:txBody>
+                    <a:bodyPr/>
+                    <a:lstStyle/>
+                    <a:p>
+                      <a:pPr marL="0" marR="0" indent="0" algn="ctr" defTabSz="914400" rtl="0" eaLnBrk="1" fontAlgn="auto" latinLnBrk="0" hangingPunct="1">
+                        <a:lnSpc>
+                          <a:spcPct val="100000"/>
+                        </a:lnSpc>
+                        <a:spcBef>
+                          <a:spcPts val="0"/>
+                        </a:spcBef>
+                        <a:spcAft>
+                          <a:spcPts val="0"/>
+                        </a:spcAft>
+                        <a:buClrTx/>
+                        <a:buSzTx/>
+                        <a:buFontTx/>
+                        <a:buNone/>
+                        <a:tabLst/>
+                        <a:defRPr/>
+                      </a:pPr>
+                      <a:r>
+                        <a:rPr lang="ru-RU" sz="1600" b="0" dirty="0" smtClean="0">
+                          <a:solidFill>
+                            <a:sysClr val="windowText" lastClr="000000"/>
+                          </a:solidFill>
+                          <a:effectLst/>
+                        </a:rPr>
+                        <a:t>15</a:t>
+                      </a:r>
+                      <a:endParaRPr lang="ru-RU" sz="1600" b="0" dirty="0" smtClean="0">
+                        <a:solidFill>
+                          <a:sysClr val="windowText" lastClr="000000"/>
+                        </a:solidFill>
+                        <a:effectLst/>
+                        <a:latin typeface="Times New Roman" panose="02020603050405020304" pitchFamily="18" charset="0"/>
+                        <a:ea typeface="Calibri" panose="020F0502020204030204" pitchFamily="34" charset="0"/>
+                        <a:cs typeface="Times New Roman" panose="02020603050405020304" pitchFamily="18" charset="0"/>
+                      </a:endParaRPr>
+                    </a:p>
+                  </a:txBody>
+                  <a:tcPr>
+                    <a:lnL w="12700" cap="flat" cmpd="sng" algn="ctr">
+                      <a:solidFill>
+                        <a:schemeClr val="tx1"/>
+                      </a:solidFill>
+                      <a:prstDash val="solid"/>
+                      <a:round/>
+                      <a:headEnd type="none" w="med" len="med"/>
+                      <a:tailEnd type="none" w="med" len="med"/>
+                    </a:lnL>
+                    <a:lnR w="12700" cap="flat" cmpd="sng" algn="ctr">
+                      <a:solidFill>
+                        <a:schemeClr val="tx1"/>
+                      </a:solidFill>
+                      <a:prstDash val="solid"/>
+                      <a:round/>
+                      <a:headEnd type="none" w="med" len="med"/>
+                      <a:tailEnd type="none" w="med" len="med"/>
+                    </a:lnR>
+                    <a:lnT w="12700" cap="flat" cmpd="sng" algn="ctr">
+                      <a:solidFill>
+                        <a:schemeClr val="tx1"/>
+                      </a:solidFill>
+                      <a:prstDash val="solid"/>
+                      <a:round/>
+                      <a:headEnd type="none" w="med" len="med"/>
+                      <a:tailEnd type="none" w="med" len="med"/>
+                    </a:lnT>
+                    <a:lnB w="12700" cap="flat" cmpd="sng" algn="ctr">
+                      <a:solidFill>
+                        <a:schemeClr val="tx1"/>
+                      </a:solidFill>
+                      <a:prstDash val="solid"/>
+                      <a:round/>
+                      <a:headEnd type="none" w="med" len="med"/>
+                      <a:tailEnd type="none" w="med" len="med"/>
+                    </a:lnB>
+                    <a:solidFill>
+                      <a:schemeClr val="bg1"/>
+                    </a:solidFill>
+                  </a:tcPr>
+                </a:tc>
+                <a:tc>
+                  <a:txBody>
+                    <a:bodyPr/>
+                    <a:lstStyle/>
+                    <a:p>
+                      <a:pPr marL="0" marR="0" indent="0" algn="ctr" defTabSz="914400" rtl="0" eaLnBrk="1" fontAlgn="auto" latinLnBrk="0" hangingPunct="1">
+                        <a:lnSpc>
+                          <a:spcPct val="100000"/>
+                        </a:lnSpc>
+                        <a:spcBef>
+                          <a:spcPts val="0"/>
+                        </a:spcBef>
+                        <a:spcAft>
+                          <a:spcPts val="0"/>
+                        </a:spcAft>
+                        <a:buClrTx/>
+                        <a:buSzTx/>
+                        <a:buFontTx/>
+                        <a:buNone/>
+                        <a:tabLst/>
+                        <a:defRPr/>
+                      </a:pPr>
+                      <a:r>
+                        <a:rPr lang="ru-RU" sz="1600" dirty="0" smtClean="0">
+                          <a:solidFill>
+                            <a:sysClr val="windowText" lastClr="000000"/>
+                          </a:solidFill>
+                          <a:effectLst/>
+                        </a:rPr>
+                        <a:t>6,67·10</a:t>
+                      </a:r>
+                      <a:r>
+                        <a:rPr lang="ru-RU" sz="1600" baseline="30000" dirty="0" smtClean="0">
+                          <a:solidFill>
+                            <a:sysClr val="windowText" lastClr="000000"/>
+                          </a:solidFill>
+                          <a:effectLst/>
+                        </a:rPr>
+                        <a:t>-6</a:t>
+                      </a:r>
+                      <a:endParaRPr lang="ru-RU" sz="1600" dirty="0" smtClean="0">
+                        <a:solidFill>
+                          <a:sysClr val="windowText" lastClr="000000"/>
+                        </a:solidFill>
+                        <a:effectLst/>
+                        <a:latin typeface="Times New Roman" panose="02020603050405020304" pitchFamily="18" charset="0"/>
+                        <a:ea typeface="Calibri" panose="020F0502020204030204" pitchFamily="34" charset="0"/>
+                        <a:cs typeface="Times New Roman" panose="02020603050405020304" pitchFamily="18" charset="0"/>
+                      </a:endParaRPr>
+                    </a:p>
+                  </a:txBody>
+                  <a:tcPr>
+                    <a:lnL w="12700" cap="flat" cmpd="sng" algn="ctr">
+                      <a:solidFill>
+                        <a:schemeClr val="tx1"/>
+                      </a:solidFill>
+                      <a:prstDash val="solid"/>
+                      <a:round/>
+                      <a:headEnd type="none" w="med" len="med"/>
+                      <a:tailEnd type="none" w="med" len="med"/>
+                    </a:lnL>
+                    <a:lnR w="12700" cap="flat" cmpd="sng" algn="ctr">
+                      <a:solidFill>
+                        <a:schemeClr val="tx1"/>
+                      </a:solidFill>
+                      <a:prstDash val="solid"/>
+                      <a:round/>
+                      <a:headEnd type="none" w="med" len="med"/>
+                      <a:tailEnd type="none" w="med" len="med"/>
+                    </a:lnR>
+                    <a:lnT w="12700" cap="flat" cmpd="sng" algn="ctr">
+                      <a:solidFill>
+                        <a:schemeClr val="tx1"/>
+                      </a:solidFill>
+                      <a:prstDash val="solid"/>
+                      <a:round/>
+                      <a:headEnd type="none" w="med" len="med"/>
+                      <a:tailEnd type="none" w="med" len="med"/>
+                    </a:lnT>
+                    <a:lnB w="12700" cap="flat" cmpd="sng" algn="ctr">
+                      <a:solidFill>
+                        <a:schemeClr val="tx1"/>
+                      </a:solidFill>
+                      <a:prstDash val="solid"/>
+                      <a:round/>
+                      <a:headEnd type="none" w="med" len="med"/>
+                      <a:tailEnd type="none" w="med" len="med"/>
+                    </a:lnB>
+                    <a:solidFill>
+                      <a:schemeClr val="bg1"/>
+                    </a:solidFill>
+                  </a:tcPr>
+                </a:tc>
+              </a:tr>
+              <a:tr h="370840">
+                <a:tc>
+                  <a:txBody>
+                    <a:bodyPr/>
+                    <a:lstStyle/>
+                    <a:p>
+                      <a:pPr marL="0" marR="0" indent="0" algn="ctr" defTabSz="914400" rtl="0" eaLnBrk="1" fontAlgn="auto" latinLnBrk="0" hangingPunct="1">
+                        <a:lnSpc>
+                          <a:spcPct val="100000"/>
+                        </a:lnSpc>
+                        <a:spcBef>
+                          <a:spcPts val="0"/>
+                        </a:spcBef>
+                        <a:spcAft>
+                          <a:spcPts val="0"/>
+                        </a:spcAft>
+                        <a:buClrTx/>
+                        <a:buSzTx/>
+                        <a:buFontTx/>
+                        <a:buNone/>
+                        <a:tabLst/>
+                        <a:defRPr/>
+                      </a:pPr>
+                      <a:r>
+                        <a:rPr lang="ru-RU" sz="1600" b="0" dirty="0" smtClean="0">
+                          <a:solidFill>
+                            <a:sysClr val="windowText" lastClr="000000"/>
+                          </a:solidFill>
+                          <a:effectLst/>
+                        </a:rPr>
+                        <a:t>24</a:t>
+                      </a:r>
+                      <a:endParaRPr lang="ru-RU" sz="1600" b="0" dirty="0" smtClean="0">
+                        <a:solidFill>
+                          <a:sysClr val="windowText" lastClr="000000"/>
+                        </a:solidFill>
+                        <a:effectLst/>
+                        <a:latin typeface="Times New Roman" panose="02020603050405020304" pitchFamily="18" charset="0"/>
+                        <a:ea typeface="Calibri" panose="020F0502020204030204" pitchFamily="34" charset="0"/>
+                        <a:cs typeface="Times New Roman" panose="02020603050405020304" pitchFamily="18" charset="0"/>
+                      </a:endParaRPr>
+                    </a:p>
+                  </a:txBody>
+                  <a:tcPr>
+                    <a:lnL w="12700" cap="flat" cmpd="sng" algn="ctr">
+                      <a:solidFill>
+                        <a:schemeClr val="tx1"/>
+                      </a:solidFill>
+                      <a:prstDash val="solid"/>
+                      <a:round/>
+                      <a:headEnd type="none" w="med" len="med"/>
+                      <a:tailEnd type="none" w="med" len="med"/>
+                    </a:lnL>
+                    <a:lnR w="12700" cap="flat" cmpd="sng" algn="ctr">
+                      <a:solidFill>
+                        <a:schemeClr val="tx1"/>
+                      </a:solidFill>
+                      <a:prstDash val="solid"/>
+                      <a:round/>
+                      <a:headEnd type="none" w="med" len="med"/>
+                      <a:tailEnd type="none" w="med" len="med"/>
+                    </a:lnR>
+                    <a:lnT w="12700" cap="flat" cmpd="sng" algn="ctr">
+                      <a:solidFill>
+                        <a:schemeClr val="tx1"/>
+                      </a:solidFill>
+                      <a:prstDash val="solid"/>
+                      <a:round/>
+                      <a:headEnd type="none" w="med" len="med"/>
+                      <a:tailEnd type="none" w="med" len="med"/>
+                    </a:lnT>
+                    <a:lnB w="12700" cap="flat" cmpd="sng" algn="ctr">
+                      <a:solidFill>
+                        <a:schemeClr val="tx1"/>
+                      </a:solidFill>
+                      <a:prstDash val="solid"/>
+                      <a:round/>
+                      <a:headEnd type="none" w="med" len="med"/>
+                      <a:tailEnd type="none" w="med" len="med"/>
+                    </a:lnB>
+                    <a:solidFill>
+                      <a:schemeClr val="bg1"/>
+                    </a:solidFill>
+                  </a:tcPr>
+                </a:tc>
+                <a:tc>
+                  <a:txBody>
+                    <a:bodyPr/>
+                    <a:lstStyle/>
+                    <a:p>
+                      <a:pPr marL="0" marR="0" indent="0" algn="ctr" defTabSz="914400" rtl="0" eaLnBrk="1" fontAlgn="auto" latinLnBrk="0" hangingPunct="1">
+                        <a:lnSpc>
+                          <a:spcPct val="100000"/>
+                        </a:lnSpc>
+                        <a:spcBef>
+                          <a:spcPts val="0"/>
+                        </a:spcBef>
+                        <a:spcAft>
+                          <a:spcPts val="0"/>
+                        </a:spcAft>
+                        <a:buClrTx/>
+                        <a:buSzTx/>
+                        <a:buFontTx/>
+                        <a:buNone/>
+                        <a:tabLst/>
+                        <a:defRPr/>
+                      </a:pPr>
+                      <a:r>
+                        <a:rPr lang="ru-RU" sz="1600" dirty="0" smtClean="0">
+                          <a:solidFill>
+                            <a:sysClr val="windowText" lastClr="000000"/>
+                          </a:solidFill>
+                          <a:effectLst/>
+                        </a:rPr>
+                        <a:t>4,17·10</a:t>
+                      </a:r>
+                      <a:r>
+                        <a:rPr lang="ru-RU" sz="1600" baseline="30000" dirty="0" smtClean="0">
+                          <a:solidFill>
+                            <a:sysClr val="windowText" lastClr="000000"/>
+                          </a:solidFill>
+                          <a:effectLst/>
+                        </a:rPr>
+                        <a:t>-7</a:t>
+                      </a:r>
+                      <a:endParaRPr lang="ru-RU" sz="1600" dirty="0" smtClean="0">
+                        <a:solidFill>
+                          <a:sysClr val="windowText" lastClr="000000"/>
+                        </a:solidFill>
+                        <a:effectLst/>
+                        <a:latin typeface="Times New Roman" panose="02020603050405020304" pitchFamily="18" charset="0"/>
+                        <a:ea typeface="Calibri" panose="020F0502020204030204" pitchFamily="34" charset="0"/>
+                        <a:cs typeface="Times New Roman" panose="02020603050405020304" pitchFamily="18" charset="0"/>
+                      </a:endParaRPr>
+                    </a:p>
+                  </a:txBody>
+                  <a:tcPr>
+                    <a:lnL w="12700" cap="flat" cmpd="sng" algn="ctr">
+                      <a:solidFill>
+                        <a:schemeClr val="tx1"/>
+                      </a:solidFill>
+                      <a:prstDash val="solid"/>
+                      <a:round/>
+                      <a:headEnd type="none" w="med" len="med"/>
+                      <a:tailEnd type="none" w="med" len="med"/>
+                    </a:lnL>
+                    <a:lnR w="12700" cap="flat" cmpd="sng" algn="ctr">
+                      <a:solidFill>
+                        <a:schemeClr val="tx1"/>
+                      </a:solidFill>
+                      <a:prstDash val="solid"/>
+                      <a:round/>
+                      <a:headEnd type="none" w="med" len="med"/>
+                      <a:tailEnd type="none" w="med" len="med"/>
+                    </a:lnR>
+                    <a:lnT w="12700" cap="flat" cmpd="sng" algn="ctr">
+                      <a:solidFill>
+                        <a:schemeClr val="tx1"/>
+                      </a:solidFill>
+                      <a:prstDash val="solid"/>
+                      <a:round/>
+                      <a:headEnd type="none" w="med" len="med"/>
+                      <a:tailEnd type="none" w="med" len="med"/>
+                    </a:lnT>
+                    <a:lnB w="12700" cap="flat" cmpd="sng" algn="ctr">
+                      <a:solidFill>
+                        <a:schemeClr val="tx1"/>
+                      </a:solidFill>
+                      <a:prstDash val="solid"/>
+                      <a:round/>
+                      <a:headEnd type="none" w="med" len="med"/>
+                      <a:tailEnd type="none" w="med" len="med"/>
+                    </a:lnB>
+                    <a:solidFill>
+                      <a:schemeClr val="bg1"/>
+                    </a:solidFill>
+                  </a:tcPr>
+                </a:tc>
+              </a:tr>
+              <a:tr h="370840">
+                <a:tc>
+                  <a:txBody>
+                    <a:bodyPr/>
+                    <a:lstStyle/>
+                    <a:p>
+                      <a:pPr marL="0" marR="0" indent="0" algn="ctr" defTabSz="914400" rtl="0" eaLnBrk="1" fontAlgn="auto" latinLnBrk="0" hangingPunct="1">
+                        <a:lnSpc>
+                          <a:spcPct val="100000"/>
+                        </a:lnSpc>
+                        <a:spcBef>
+                          <a:spcPts val="0"/>
+                        </a:spcBef>
+                        <a:spcAft>
+                          <a:spcPts val="0"/>
+                        </a:spcAft>
+                        <a:buClrTx/>
+                        <a:buSzTx/>
+                        <a:buFontTx/>
+                        <a:buNone/>
+                        <a:tabLst/>
+                        <a:defRPr/>
+                      </a:pPr>
+                      <a:r>
+                        <a:rPr lang="ru-RU" sz="1600" b="0" dirty="0" smtClean="0">
+                          <a:solidFill>
+                            <a:sysClr val="windowText" lastClr="000000"/>
+                          </a:solidFill>
+                          <a:effectLst/>
+                        </a:rPr>
+                        <a:t>30</a:t>
+                      </a:r>
+                      <a:endParaRPr lang="ru-RU" sz="1600" b="0" dirty="0" smtClean="0">
+                        <a:solidFill>
+                          <a:sysClr val="windowText" lastClr="000000"/>
+                        </a:solidFill>
+                        <a:effectLst/>
+                        <a:latin typeface="Times New Roman" panose="02020603050405020304" pitchFamily="18" charset="0"/>
+                        <a:ea typeface="Calibri" panose="020F0502020204030204" pitchFamily="34" charset="0"/>
+                        <a:cs typeface="Times New Roman" panose="02020603050405020304" pitchFamily="18" charset="0"/>
+                      </a:endParaRPr>
+                    </a:p>
+                  </a:txBody>
+                  <a:tcPr>
+                    <a:lnL w="12700" cap="flat" cmpd="sng" algn="ctr">
+                      <a:solidFill>
+                        <a:schemeClr val="tx1"/>
+                      </a:solidFill>
+                      <a:prstDash val="solid"/>
+                      <a:round/>
+                      <a:headEnd type="none" w="med" len="med"/>
+                      <a:tailEnd type="none" w="med" len="med"/>
+                    </a:lnL>
+                    <a:lnR w="12700" cap="flat" cmpd="sng" algn="ctr">
+                      <a:solidFill>
+                        <a:schemeClr val="tx1"/>
+                      </a:solidFill>
+                      <a:prstDash val="solid"/>
+                      <a:round/>
+                      <a:headEnd type="none" w="med" len="med"/>
+                      <a:tailEnd type="none" w="med" len="med"/>
+                    </a:lnR>
+                    <a:lnT w="12700" cap="flat" cmpd="sng" algn="ctr">
+                      <a:solidFill>
+                        <a:schemeClr val="tx1"/>
+                      </a:solidFill>
+                      <a:prstDash val="solid"/>
+                      <a:round/>
+                      <a:headEnd type="none" w="med" len="med"/>
+                      <a:tailEnd type="none" w="med" len="med"/>
+                    </a:lnT>
+                    <a:lnB w="12700" cap="flat" cmpd="sng" algn="ctr">
+                      <a:solidFill>
+                        <a:schemeClr val="tx1"/>
+                      </a:solidFill>
+                      <a:prstDash val="solid"/>
+                      <a:round/>
+                      <a:headEnd type="none" w="med" len="med"/>
+                      <a:tailEnd type="none" w="med" len="med"/>
+                    </a:lnB>
+                    <a:solidFill>
+                      <a:schemeClr val="bg1"/>
+                    </a:solidFill>
+                  </a:tcPr>
+                </a:tc>
+                <a:tc>
+                  <a:txBody>
+                    <a:bodyPr/>
+                    <a:lstStyle/>
+                    <a:p>
+                      <a:pPr marL="0" marR="0" indent="0" algn="ctr" defTabSz="914400" rtl="0" eaLnBrk="1" fontAlgn="auto" latinLnBrk="0" hangingPunct="1">
+                        <a:lnSpc>
+                          <a:spcPct val="100000"/>
+                        </a:lnSpc>
+                        <a:spcBef>
+                          <a:spcPts val="0"/>
+                        </a:spcBef>
+                        <a:spcAft>
+                          <a:spcPts val="0"/>
+                        </a:spcAft>
+                        <a:buClrTx/>
+                        <a:buSzTx/>
+                        <a:buFontTx/>
+                        <a:buNone/>
+                        <a:tabLst/>
+                        <a:defRPr/>
+                      </a:pPr>
+                      <a:r>
+                        <a:rPr lang="ru-RU" sz="1600" dirty="0" smtClean="0">
+                          <a:solidFill>
+                            <a:sysClr val="windowText" lastClr="000000"/>
+                          </a:solidFill>
+                          <a:effectLst/>
+                        </a:rPr>
+                        <a:t>3,34·10</a:t>
+                      </a:r>
+                      <a:r>
+                        <a:rPr lang="ru-RU" sz="1600" baseline="30000" dirty="0" smtClean="0">
+                          <a:solidFill>
+                            <a:sysClr val="windowText" lastClr="000000"/>
+                          </a:solidFill>
+                          <a:effectLst/>
+                        </a:rPr>
+                        <a:t>-7</a:t>
+                      </a:r>
+                      <a:endParaRPr lang="ru-RU" sz="1600" dirty="0" smtClean="0">
+                        <a:solidFill>
+                          <a:sysClr val="windowText" lastClr="000000"/>
+                        </a:solidFill>
+                        <a:effectLst/>
+                        <a:latin typeface="Times New Roman" panose="02020603050405020304" pitchFamily="18" charset="0"/>
+                        <a:ea typeface="Calibri" panose="020F0502020204030204" pitchFamily="34" charset="0"/>
+                        <a:cs typeface="Times New Roman" panose="02020603050405020304" pitchFamily="18" charset="0"/>
+                      </a:endParaRPr>
+                    </a:p>
+                  </a:txBody>
+                  <a:tcPr>
+                    <a:lnL w="12700" cap="flat" cmpd="sng" algn="ctr">
+                      <a:solidFill>
+                        <a:schemeClr val="tx1"/>
+                      </a:solidFill>
+                      <a:prstDash val="solid"/>
+                      <a:round/>
+                      <a:headEnd type="none" w="med" len="med"/>
+                      <a:tailEnd type="none" w="med" len="med"/>
+                    </a:lnL>
+                    <a:lnR w="12700" cap="flat" cmpd="sng" algn="ctr">
+                      <a:solidFill>
+                        <a:schemeClr val="tx1"/>
+                      </a:solidFill>
+                      <a:prstDash val="solid"/>
+                      <a:round/>
+                      <a:headEnd type="none" w="med" len="med"/>
+                      <a:tailEnd type="none" w="med" len="med"/>
+                    </a:lnR>
+                    <a:lnT w="12700" cap="flat" cmpd="sng" algn="ctr">
+                      <a:solidFill>
+                        <a:schemeClr val="tx1"/>
+                      </a:solidFill>
+                      <a:prstDash val="solid"/>
+                      <a:round/>
+                      <a:headEnd type="none" w="med" len="med"/>
+                      <a:tailEnd type="none" w="med" len="med"/>
+                    </a:lnT>
+                    <a:lnB w="12700" cap="flat" cmpd="sng" algn="ctr">
+                      <a:solidFill>
+                        <a:schemeClr val="tx1"/>
+                      </a:solidFill>
+                      <a:prstDash val="solid"/>
+                      <a:round/>
+                      <a:headEnd type="none" w="med" len="med"/>
+                      <a:tailEnd type="none" w="med" len="med"/>
+                    </a:lnB>
+                    <a:solidFill>
+                      <a:schemeClr val="bg1"/>
+                    </a:solidFill>
+                  </a:tcPr>
+                </a:tc>
+              </a:tr>
+            </a:tbl>
+          </a:graphicData>
+        </a:graphic>
+      </p:graphicFrame>
     </p:spTree>
     <p:extLst>
       <p:ext uri="{BB962C8B-B14F-4D97-AF65-F5344CB8AC3E}">
@@ -3415,6 +11526,13 @@
   <p:clrMapOvr>
     <a:masterClrMapping/>
   </p:clrMapOvr>
+  <p:timing>
+    <p:tnLst>
+      <p:par>
+        <p:cTn id="1" dur="indefinite" restart="never" nodeType="tmRoot"/>
+      </p:par>
+    </p:tnLst>
+  </p:timing>
 </p:sld>
 </file>
 
@@ -3454,34 +11572,8 @@
           <a:p>
             <a:r>
               <a:rPr lang="ru-RU" dirty="0" smtClean="0"/>
-              <a:t>Результаты моделирования</a:t>
+              <a:t>Результаты Моделирования при разной плотности материла</a:t>
             </a:r>
-            <a:br>
-              <a:rPr lang="ru-RU" dirty="0" smtClean="0"/>
-            </a:br>
-            <a:r>
-              <a:rPr lang="ru-RU" dirty="0" smtClean="0"/>
-              <a:t>сравнение с экспериментом</a:t>
-            </a:r>
-            <a:endParaRPr lang="ru-RU" dirty="0"/>
-          </a:p>
-        </p:txBody>
-      </p:sp>
-      <p:sp>
-        <p:nvSpPr>
-          <p:cNvPr id="3" name="Объект 2"/>
-          <p:cNvSpPr>
-            <a:spLocks noGrp="1"/>
-          </p:cNvSpPr>
-          <p:nvPr>
-            <p:ph idx="1"/>
-          </p:nvPr>
-        </p:nvSpPr>
-        <p:spPr/>
-        <p:txBody>
-          <a:bodyPr/>
-          <a:lstStyle/>
-          <a:p>
             <a:endParaRPr lang="ru-RU" dirty="0"/>
           </a:p>
         </p:txBody>
@@ -3509,6 +11601,224 @@
           </a:p>
         </p:txBody>
       </p:sp>
+      <p:graphicFrame>
+        <p:nvGraphicFramePr>
+          <p:cNvPr id="5" name="Диаграмма 4"/>
+          <p:cNvGraphicFramePr/>
+          <p:nvPr>
+            <p:extLst>
+              <p:ext uri="{D42A27DB-BD31-4B8C-83A1-F6EECF244321}">
+                <p14:modId xmlns:p14="http://schemas.microsoft.com/office/powerpoint/2010/main" val="4108512707"/>
+              </p:ext>
+            </p:extLst>
+          </p:nvPr>
+        </p:nvGraphicFramePr>
+        <p:xfrm>
+          <a:off x="467544" y="1628800"/>
+          <a:ext cx="7920880" cy="4536504"/>
+        </p:xfrm>
+        <a:graphic>
+          <a:graphicData uri="http://schemas.openxmlformats.org/drawingml/2006/chart">
+            <c:chart xmlns:c="http://schemas.openxmlformats.org/drawingml/2006/chart" xmlns:r="http://schemas.openxmlformats.org/officeDocument/2006/relationships" r:id="rId2"/>
+          </a:graphicData>
+        </a:graphic>
+      </p:graphicFrame>
+      <p:sp>
+        <p:nvSpPr>
+          <p:cNvPr id="8" name="Прямоугольник 7"/>
+          <p:cNvSpPr/>
+          <p:nvPr/>
+        </p:nvSpPr>
+        <p:spPr>
+          <a:xfrm>
+            <a:off x="539552" y="1196752"/>
+            <a:ext cx="3888432" cy="369332"/>
+          </a:xfrm>
+          <a:prstGeom prst="rect">
+            <a:avLst/>
+          </a:prstGeom>
+        </p:spPr>
+        <p:txBody>
+          <a:bodyPr wrap="square">
+            <a:spAutoFit/>
+          </a:bodyPr>
+          <a:lstStyle/>
+          <a:p>
+            <a:r>
+              <a:rPr lang="ru-RU" dirty="0" smtClean="0"/>
+              <a:t>Угол острия 45 градусов</a:t>
+            </a:r>
+            <a:endParaRPr lang="ru-RU" baseline="30000" dirty="0">
+              <a:solidFill>
+                <a:schemeClr val="dk1"/>
+              </a:solidFill>
+            </a:endParaRPr>
+          </a:p>
+        </p:txBody>
+      </p:sp>
+    </p:spTree>
+    <p:extLst>
+      <p:ext uri="{BB962C8B-B14F-4D97-AF65-F5344CB8AC3E}">
+        <p14:creationId xmlns:p14="http://schemas.microsoft.com/office/powerpoint/2010/main" val="1001137116"/>
+      </p:ext>
+    </p:extLst>
+  </p:cSld>
+  <p:clrMapOvr>
+    <a:masterClrMapping/>
+  </p:clrMapOvr>
+  <p:timing>
+    <p:tnLst>
+      <p:par>
+        <p:cTn id="1" dur="indefinite" restart="never" nodeType="tmRoot"/>
+      </p:par>
+    </p:tnLst>
+  </p:timing>
+</p:sld>
+</file>
+
+<file path=ppt/slides/slide8.xml><?xml version="1.0" encoding="utf-8"?>
+<p:sld xmlns:a="http://schemas.openxmlformats.org/drawingml/2006/main" xmlns:r="http://schemas.openxmlformats.org/officeDocument/2006/relationships" xmlns:p="http://schemas.openxmlformats.org/presentationml/2006/main">
+  <p:cSld>
+    <p:spTree>
+      <p:nvGrpSpPr>
+        <p:cNvPr id="1" name=""/>
+        <p:cNvGrpSpPr/>
+        <p:nvPr/>
+      </p:nvGrpSpPr>
+      <p:grpSpPr>
+        <a:xfrm>
+          <a:off x="0" y="0"/>
+          <a:ext cx="0" cy="0"/>
+          <a:chOff x="0" y="0"/>
+          <a:chExt cx="0" cy="0"/>
+        </a:xfrm>
+      </p:grpSpPr>
+      <p:sp>
+        <p:nvSpPr>
+          <p:cNvPr id="2" name="Заголовок 1"/>
+          <p:cNvSpPr>
+            <a:spLocks noGrp="1"/>
+          </p:cNvSpPr>
+          <p:nvPr>
+            <p:ph type="title"/>
+          </p:nvPr>
+        </p:nvSpPr>
+        <p:spPr/>
+        <p:txBody>
+          <a:bodyPr>
+            <a:normAutofit fontScale="90000"/>
+          </a:bodyPr>
+          <a:lstStyle/>
+          <a:p>
+            <a:r>
+              <a:rPr lang="ru-RU" dirty="0" smtClean="0"/>
+              <a:t>Результаты Моделирования при разном угле острия</a:t>
+            </a:r>
+            <a:endParaRPr lang="ru-RU" dirty="0"/>
+          </a:p>
+        </p:txBody>
+      </p:sp>
+      <p:sp>
+        <p:nvSpPr>
+          <p:cNvPr id="4" name="Номер слайда 3"/>
+          <p:cNvSpPr>
+            <a:spLocks noGrp="1"/>
+          </p:cNvSpPr>
+          <p:nvPr>
+            <p:ph type="sldNum" sz="quarter" idx="12"/>
+          </p:nvPr>
+        </p:nvSpPr>
+        <p:spPr/>
+        <p:txBody>
+          <a:bodyPr/>
+          <a:lstStyle/>
+          <a:p>
+            <a:fld id="{B6743867-4E32-4E2D-8739-58246E7E28D2}" type="slidenum">
+              <a:rPr lang="ru-RU" smtClean="0"/>
+              <a:t>8</a:t>
+            </a:fld>
+            <a:endParaRPr lang="ru-RU" dirty="0"/>
+          </a:p>
+        </p:txBody>
+      </p:sp>
+      <p:graphicFrame>
+        <p:nvGraphicFramePr>
+          <p:cNvPr id="5" name="Диаграмма 4"/>
+          <p:cNvGraphicFramePr/>
+          <p:nvPr>
+            <p:extLst>
+              <p:ext uri="{D42A27DB-BD31-4B8C-83A1-F6EECF244321}">
+                <p14:modId xmlns:p14="http://schemas.microsoft.com/office/powerpoint/2010/main" val="932917703"/>
+              </p:ext>
+            </p:extLst>
+          </p:nvPr>
+        </p:nvGraphicFramePr>
+        <p:xfrm>
+          <a:off x="395536" y="1628800"/>
+          <a:ext cx="8538140" cy="4752528"/>
+        </p:xfrm>
+        <a:graphic>
+          <a:graphicData uri="http://schemas.openxmlformats.org/drawingml/2006/chart">
+            <c:chart xmlns:c="http://schemas.openxmlformats.org/drawingml/2006/chart" xmlns:r="http://schemas.openxmlformats.org/officeDocument/2006/relationships" r:id="rId2"/>
+          </a:graphicData>
+        </a:graphic>
+      </p:graphicFrame>
+      <p:sp>
+        <p:nvSpPr>
+          <p:cNvPr id="6" name="Прямоугольник 5"/>
+          <p:cNvSpPr/>
+          <p:nvPr/>
+        </p:nvSpPr>
+        <p:spPr>
+          <a:xfrm>
+            <a:off x="539552" y="1196752"/>
+            <a:ext cx="3888432" cy="369332"/>
+          </a:xfrm>
+          <a:prstGeom prst="rect">
+            <a:avLst/>
+          </a:prstGeom>
+        </p:spPr>
+        <p:txBody>
+          <a:bodyPr wrap="square">
+            <a:spAutoFit/>
+          </a:bodyPr>
+          <a:lstStyle/>
+          <a:p>
+            <a:r>
+              <a:rPr lang="ru-RU" dirty="0"/>
+              <a:t>П</a:t>
+            </a:r>
+            <a:r>
+              <a:rPr lang="ru-RU" dirty="0" smtClean="0"/>
+              <a:t>лотность материала  </a:t>
+            </a:r>
+            <a:r>
+              <a:rPr lang="en-US" dirty="0"/>
+              <a:t>– </a:t>
+            </a:r>
+            <a:r>
+              <a:rPr lang="ru-RU" dirty="0"/>
+              <a:t> 1500 </a:t>
+            </a:r>
+            <a:r>
+              <a:rPr lang="ru-RU" dirty="0">
+                <a:solidFill>
+                  <a:schemeClr val="dk1"/>
+                </a:solidFill>
+              </a:rPr>
+              <a:t>кг/м</a:t>
+            </a:r>
+            <a:r>
+              <a:rPr lang="ru-RU" baseline="30000" dirty="0">
+                <a:solidFill>
+                  <a:schemeClr val="dk1"/>
+                </a:solidFill>
+              </a:rPr>
+              <a:t>3</a:t>
+            </a:r>
+          </a:p>
+        </p:txBody>
+      </p:sp>
     </p:spTree>
     <p:extLst>
       <p:ext uri="{BB962C8B-B14F-4D97-AF65-F5344CB8AC3E}">
@@ -3519,10 +11829,17 @@
   <p:clrMapOvr>
     <a:masterClrMapping/>
   </p:clrMapOvr>
+  <p:timing>
+    <p:tnLst>
+      <p:par>
+        <p:cTn id="1" dur="indefinite" restart="never" nodeType="tmRoot"/>
+      </p:par>
+    </p:tnLst>
+  </p:timing>
 </p:sld>
 </file>
 
-<file path=ppt/slides/slide8.xml><?xml version="1.0" encoding="utf-8"?>
+<file path=ppt/slides/slide9.xml><?xml version="1.0" encoding="utf-8"?>
 <p:sld xmlns:a="http://schemas.openxmlformats.org/drawingml/2006/main" xmlns:r="http://schemas.openxmlformats.org/officeDocument/2006/relationships" xmlns:p="http://schemas.openxmlformats.org/presentationml/2006/main">
   <p:cSld>
     <p:spTree>
@@ -3564,120 +11881,6 @@
       </p:sp>
       <p:sp>
         <p:nvSpPr>
-          <p:cNvPr id="3" name="Объект 2"/>
-          <p:cNvSpPr>
-            <a:spLocks noGrp="1"/>
-          </p:cNvSpPr>
-          <p:nvPr>
-            <p:ph idx="1"/>
-          </p:nvPr>
-        </p:nvSpPr>
-        <p:spPr/>
-        <p:txBody>
-          <a:bodyPr/>
-          <a:lstStyle/>
-          <a:p>
-            <a:endParaRPr lang="ru-RU"/>
-          </a:p>
-        </p:txBody>
-      </p:sp>
-      <p:sp>
-        <p:nvSpPr>
-          <p:cNvPr id="4" name="Номер слайда 3"/>
-          <p:cNvSpPr>
-            <a:spLocks noGrp="1"/>
-          </p:cNvSpPr>
-          <p:nvPr>
-            <p:ph type="sldNum" sz="quarter" idx="12"/>
-          </p:nvPr>
-        </p:nvSpPr>
-        <p:spPr/>
-        <p:txBody>
-          <a:bodyPr/>
-          <a:lstStyle/>
-          <a:p>
-            <a:fld id="{B6743867-4E32-4E2D-8739-58246E7E28D2}" type="slidenum">
-              <a:rPr lang="ru-RU" smtClean="0"/>
-              <a:t>8</a:t>
-            </a:fld>
-            <a:endParaRPr lang="ru-RU" dirty="0"/>
-          </a:p>
-        </p:txBody>
-      </p:sp>
-    </p:spTree>
-    <p:extLst>
-      <p:ext uri="{BB962C8B-B14F-4D97-AF65-F5344CB8AC3E}">
-        <p14:creationId xmlns:p14="http://schemas.microsoft.com/office/powerpoint/2010/main" val="2060578180"/>
-      </p:ext>
-    </p:extLst>
-  </p:cSld>
-  <p:clrMapOvr>
-    <a:masterClrMapping/>
-  </p:clrMapOvr>
-</p:sld>
-</file>
-
-<file path=ppt/slides/slide9.xml><?xml version="1.0" encoding="utf-8"?>
-<p:sld xmlns:a="http://schemas.openxmlformats.org/drawingml/2006/main" xmlns:r="http://schemas.openxmlformats.org/officeDocument/2006/relationships" xmlns:p="http://schemas.openxmlformats.org/presentationml/2006/main">
-  <p:cSld>
-    <p:spTree>
-      <p:nvGrpSpPr>
-        <p:cNvPr id="1" name=""/>
-        <p:cNvGrpSpPr/>
-        <p:nvPr/>
-      </p:nvGrpSpPr>
-      <p:grpSpPr>
-        <a:xfrm>
-          <a:off x="0" y="0"/>
-          <a:ext cx="0" cy="0"/>
-          <a:chOff x="0" y="0"/>
-          <a:chExt cx="0" cy="0"/>
-        </a:xfrm>
-      </p:grpSpPr>
-      <p:sp>
-        <p:nvSpPr>
-          <p:cNvPr id="2" name="Заголовок 1"/>
-          <p:cNvSpPr>
-            <a:spLocks noGrp="1"/>
-          </p:cNvSpPr>
-          <p:nvPr>
-            <p:ph type="title"/>
-          </p:nvPr>
-        </p:nvSpPr>
-        <p:spPr/>
-        <p:txBody>
-          <a:bodyPr/>
-          <a:lstStyle/>
-          <a:p>
-            <a:r>
-              <a:rPr lang="ru-RU" dirty="0" err="1" smtClean="0"/>
-              <a:t>ВЫводы</a:t>
-            </a:r>
-            <a:endParaRPr lang="ru-RU" dirty="0"/>
-          </a:p>
-        </p:txBody>
-      </p:sp>
-      <p:sp>
-        <p:nvSpPr>
-          <p:cNvPr id="3" name="Объект 2"/>
-          <p:cNvSpPr>
-            <a:spLocks noGrp="1"/>
-          </p:cNvSpPr>
-          <p:nvPr>
-            <p:ph idx="1"/>
-          </p:nvPr>
-        </p:nvSpPr>
-        <p:spPr/>
-        <p:txBody>
-          <a:bodyPr/>
-          <a:lstStyle/>
-          <a:p>
-            <a:endParaRPr lang="ru-RU"/>
-          </a:p>
-        </p:txBody>
-      </p:sp>
-      <p:sp>
-        <p:nvSpPr>
           <p:cNvPr id="4" name="Номер слайда 3"/>
           <p:cNvSpPr>
             <a:spLocks noGrp="1"/>
@@ -3699,16 +11902,200 @@
           </a:p>
         </p:txBody>
       </p:sp>
+      <p:pic>
+        <p:nvPicPr>
+          <p:cNvPr id="5" name="Рисунок 4"/>
+          <p:cNvPicPr/>
+          <p:nvPr/>
+        </p:nvPicPr>
+        <p:blipFill>
+          <a:blip r:embed="rId2"/>
+          <a:stretch>
+            <a:fillRect/>
+          </a:stretch>
+        </p:blipFill>
+        <p:spPr>
+          <a:xfrm>
+            <a:off x="2411760" y="1048980"/>
+            <a:ext cx="6732240" cy="3600401"/>
+          </a:xfrm>
+          <a:prstGeom prst="rect">
+            <a:avLst/>
+          </a:prstGeom>
+        </p:spPr>
+      </p:pic>
+      <p:sp>
+        <p:nvSpPr>
+          <p:cNvPr id="6" name="Прямоугольник 5"/>
+          <p:cNvSpPr/>
+          <p:nvPr/>
+        </p:nvSpPr>
+        <p:spPr>
+          <a:xfrm>
+            <a:off x="3419872" y="4649381"/>
+            <a:ext cx="6192688" cy="1477328"/>
+          </a:xfrm>
+          <a:prstGeom prst="rect">
+            <a:avLst/>
+          </a:prstGeom>
+        </p:spPr>
+        <p:txBody>
+          <a:bodyPr wrap="square">
+            <a:spAutoFit/>
+          </a:bodyPr>
+          <a:lstStyle/>
+          <a:p>
+            <a:pPr indent="450215" algn="ctr">
+              <a:lnSpc>
+                <a:spcPct val="150000"/>
+              </a:lnSpc>
+              <a:spcAft>
+                <a:spcPts val="0"/>
+              </a:spcAft>
+            </a:pPr>
+            <a:r>
+              <a:rPr lang="ru-RU" sz="2000" dirty="0">
+                <a:latin typeface="+mj-lt"/>
+                <a:ea typeface="Calibri" panose="020F0502020204030204" pitchFamily="34" charset="0"/>
+                <a:cs typeface="Times New Roman" panose="02020603050405020304" pitchFamily="18" charset="0"/>
+              </a:rPr>
+              <a:t>УПИ – устройство перемещения </a:t>
+            </a:r>
+            <a:r>
+              <a:rPr lang="ru-RU" sz="2000" dirty="0" smtClean="0">
+                <a:latin typeface="+mj-lt"/>
+                <a:ea typeface="Calibri" panose="020F0502020204030204" pitchFamily="34" charset="0"/>
+                <a:cs typeface="Times New Roman" panose="02020603050405020304" pitchFamily="18" charset="0"/>
+              </a:rPr>
+              <a:t>игл</a:t>
+            </a:r>
+          </a:p>
+          <a:p>
+            <a:pPr indent="450215" algn="ctr">
+              <a:lnSpc>
+                <a:spcPct val="150000"/>
+              </a:lnSpc>
+              <a:spcAft>
+                <a:spcPts val="0"/>
+              </a:spcAft>
+            </a:pPr>
+            <a:r>
+              <a:rPr lang="ru-RU" sz="2000" dirty="0" smtClean="0">
+                <a:latin typeface="+mj-lt"/>
+                <a:ea typeface="Calibri" panose="020F0502020204030204" pitchFamily="34" charset="0"/>
+                <a:cs typeface="Times New Roman" panose="02020603050405020304" pitchFamily="18" charset="0"/>
+              </a:rPr>
+              <a:t>Угол острия иглы  - 45 градусов</a:t>
+            </a:r>
+          </a:p>
+          <a:p>
+            <a:pPr indent="450215" algn="ctr">
+              <a:lnSpc>
+                <a:spcPct val="150000"/>
+              </a:lnSpc>
+              <a:spcAft>
+                <a:spcPts val="0"/>
+              </a:spcAft>
+            </a:pPr>
+            <a:r>
+              <a:rPr lang="ru-RU" sz="2000" dirty="0" smtClean="0">
+                <a:effectLst/>
+                <a:latin typeface="+mj-lt"/>
+                <a:ea typeface="Calibri" panose="020F0502020204030204" pitchFamily="34" charset="0"/>
+                <a:cs typeface="Times New Roman" panose="02020603050405020304" pitchFamily="18" charset="0"/>
+              </a:rPr>
+              <a:t>Плотность материала 1500 </a:t>
+            </a:r>
+            <a:r>
+              <a:rPr lang="ru-RU" sz="2000" dirty="0"/>
+              <a:t>1500 </a:t>
+            </a:r>
+            <a:r>
+              <a:rPr lang="ru-RU" sz="2000" dirty="0">
+                <a:solidFill>
+                  <a:schemeClr val="dk1"/>
+                </a:solidFill>
+              </a:rPr>
+              <a:t>кг/м</a:t>
+            </a:r>
+            <a:r>
+              <a:rPr lang="ru-RU" sz="2000" baseline="30000" dirty="0">
+                <a:solidFill>
+                  <a:schemeClr val="dk1"/>
+                </a:solidFill>
+              </a:rPr>
+              <a:t>3</a:t>
+            </a:r>
+            <a:endParaRPr lang="ru-RU" sz="2000" dirty="0">
+              <a:effectLst/>
+              <a:latin typeface="+mj-lt"/>
+              <a:ea typeface="Calibri" panose="020F0502020204030204" pitchFamily="34" charset="0"/>
+              <a:cs typeface="Times New Roman" panose="02020603050405020304" pitchFamily="18" charset="0"/>
+            </a:endParaRPr>
+          </a:p>
+        </p:txBody>
+      </p:sp>
+      <p:pic>
+        <p:nvPicPr>
+          <p:cNvPr id="7" name="Рисунок 6"/>
+          <p:cNvPicPr/>
+          <p:nvPr/>
+        </p:nvPicPr>
+        <p:blipFill>
+          <a:blip r:embed="rId3"/>
+          <a:stretch>
+            <a:fillRect/>
+          </a:stretch>
+        </p:blipFill>
+        <p:spPr>
+          <a:xfrm>
+            <a:off x="179512" y="1071550"/>
+            <a:ext cx="4320480" cy="2957413"/>
+          </a:xfrm>
+          <a:prstGeom prst="rect">
+            <a:avLst/>
+          </a:prstGeom>
+        </p:spPr>
+      </p:pic>
+      <p:pic>
+        <p:nvPicPr>
+          <p:cNvPr id="8" name="Рисунок 7"/>
+          <p:cNvPicPr/>
+          <p:nvPr/>
+        </p:nvPicPr>
+        <p:blipFill>
+          <a:blip r:embed="rId4"/>
+          <a:stretch>
+            <a:fillRect/>
+          </a:stretch>
+        </p:blipFill>
+        <p:spPr>
+          <a:xfrm>
+            <a:off x="35496" y="4028964"/>
+            <a:ext cx="4464496" cy="2285606"/>
+          </a:xfrm>
+          <a:prstGeom prst="rect">
+            <a:avLst/>
+          </a:prstGeom>
+        </p:spPr>
+      </p:pic>
     </p:spTree>
     <p:extLst>
       <p:ext uri="{BB962C8B-B14F-4D97-AF65-F5344CB8AC3E}">
-        <p14:creationId xmlns:p14="http://schemas.microsoft.com/office/powerpoint/2010/main" val="3504713763"/>
+        <p14:creationId xmlns:p14="http://schemas.microsoft.com/office/powerpoint/2010/main" val="2060578180"/>
       </p:ext>
     </p:extLst>
   </p:cSld>
   <p:clrMapOvr>
     <a:masterClrMapping/>
   </p:clrMapOvr>
+  <p:timing>
+    <p:tnLst>
+      <p:par>
+        <p:cTn id="1" dur="indefinite" restart="never" nodeType="tmRoot"/>
+      </p:par>
+    </p:tnLst>
+  </p:timing>
 </p:sld>
 </file>
 

--- a/Dissertacia/MyWork/DocWork/Модель деформируемого объекта управления.pptx
+++ b/Dissertacia/MyWork/DocWork/Модель деформируемого объекта управления.pptx
@@ -5,7 +5,7 @@
     <p:sldMasterId id="2147483648" r:id="rId1"/>
   </p:sldMasterIdLst>
   <p:notesMasterIdLst>
-    <p:notesMasterId r:id="rId16"/>
+    <p:notesMasterId r:id="rId15"/>
   </p:notesMasterIdLst>
   <p:sldIdLst>
     <p:sldId id="280" r:id="rId2"/>
@@ -18,10 +18,9 @@
     <p:sldId id="287" r:id="rId9"/>
     <p:sldId id="288" r:id="rId10"/>
     <p:sldId id="292" r:id="rId11"/>
-    <p:sldId id="294" r:id="rId12"/>
-    <p:sldId id="289" r:id="rId13"/>
-    <p:sldId id="278" r:id="rId14"/>
-    <p:sldId id="290" r:id="rId15"/>
+    <p:sldId id="289" r:id="rId12"/>
+    <p:sldId id="278" r:id="rId13"/>
+    <p:sldId id="290" r:id="rId14"/>
   </p:sldIdLst>
   <p:sldSz cx="9144000" cy="6858000" type="screen4x3"/>
   <p:notesSz cx="6858000" cy="9144000"/>
@@ -173,8 +172,12 @@
               </a:defRPr>
             </a:pPr>
             <a:r>
-              <a:rPr lang="ru-RU" sz="1800"/>
-              <a:t>Смещение иглы в зависимости от плотности материала</a:t>
+              <a:rPr lang="ru-RU" sz="1800" dirty="0" smtClean="0"/>
+              <a:t>Отклонение </a:t>
+            </a:r>
+            <a:r>
+              <a:rPr lang="ru-RU" sz="1800" dirty="0"/>
+              <a:t>иглы в зависимости от плотности материала</a:t>
             </a:r>
           </a:p>
         </c:rich>
@@ -188,26 +191,6 @@
         </a:ln>
         <a:effectLst/>
       </c:spPr>
-      <c:txPr>
-        <a:bodyPr rot="0" spcFirstLastPara="1" vertOverflow="ellipsis" vert="horz" wrap="square" anchor="ctr" anchorCtr="1"/>
-        <a:lstStyle/>
-        <a:p>
-          <a:pPr>
-            <a:defRPr sz="1800" b="0" i="0" u="none" strike="noStrike" kern="1200" spc="0" baseline="0">
-              <a:solidFill>
-                <a:schemeClr val="tx1">
-                  <a:lumMod val="65000"/>
-                  <a:lumOff val="35000"/>
-                </a:schemeClr>
-              </a:solidFill>
-              <a:latin typeface="+mn-lt"/>
-              <a:ea typeface="+mn-ea"/>
-              <a:cs typeface="+mn-cs"/>
-            </a:defRPr>
-          </a:pPr>
-          <a:endParaRPr lang="ru-RU"/>
-        </a:p>
-      </c:txPr>
     </c:title>
     <c:autoTitleDeleted val="0"/>
     <c:plotArea>
@@ -297,25 +280,25 @@
                   <c:v>0.146371140301682</c:v>
                 </c:pt>
                 <c:pt idx="2">
-                  <c:v>0.32933506567877602</c:v>
+                  <c:v>0.32933506567877607</c:v>
                 </c:pt>
                 <c:pt idx="3">
-                  <c:v>0.58548456120672798</c:v>
+                  <c:v>0.58548456120672776</c:v>
                 </c:pt>
                 <c:pt idx="4">
-                  <c:v>0.91481962688549701</c:v>
+                  <c:v>0.91481962688549712</c:v>
                 </c:pt>
                 <c:pt idx="5">
-                  <c:v>1.3173402627151101</c:v>
+                  <c:v>1.3173402627151098</c:v>
                 </c:pt>
                 <c:pt idx="6">
                   <c:v>1.79304646869567</c:v>
                 </c:pt>
                 <c:pt idx="7">
-                  <c:v>2.3419382448269102</c:v>
+                  <c:v>2.3419382448269106</c:v>
                 </c:pt>
                 <c:pt idx="8">
-                  <c:v>2.9640155911088701</c:v>
+                  <c:v>2.9640155911088697</c:v>
                 </c:pt>
                 <c:pt idx="9">
                   <c:v>3.6592785075419898</c:v>
@@ -401,16 +384,16 @@
                 <c:formatCode>0.000</c:formatCode>
                 <c:ptCount val="10"/>
                 <c:pt idx="0">
-                  <c:v>2.6834709055307701E-2</c:v>
+                  <c:v>2.6834709055307705E-2</c:v>
                 </c:pt>
                 <c:pt idx="1">
-                  <c:v>0.107338836221231</c:v>
+                  <c:v>0.10733883622123101</c:v>
                 </c:pt>
                 <c:pt idx="2">
-                  <c:v>0.241512381497759</c:v>
+                  <c:v>0.24151238149775905</c:v>
                 </c:pt>
                 <c:pt idx="3">
-                  <c:v>0.429355344884924</c:v>
+                  <c:v>0.42935534488492405</c:v>
                 </c:pt>
                 <c:pt idx="4">
                   <c:v>0.67086772638273295</c:v>
@@ -422,13 +405,13 @@
                   <c:v>1.3149007437100699</c:v>
                 </c:pt>
                 <c:pt idx="7">
-                  <c:v>1.71742137953969</c:v>
+                  <c:v>1.7174213795396895</c:v>
                 </c:pt>
                 <c:pt idx="8">
-                  <c:v>2.17361143347987</c:v>
+                  <c:v>2.1736114334798695</c:v>
                 </c:pt>
                 <c:pt idx="9">
-                  <c:v>2.68347090553093</c:v>
+                  <c:v>2.6834709055309305</c:v>
                 </c:pt>
               </c:numCache>
             </c:numRef>
@@ -511,7 +494,7 @@
                 <c:formatCode>0.000</c:formatCode>
                 <c:ptCount val="10"/>
                 <c:pt idx="0">
-                  <c:v>2.1955671045252201E-2</c:v>
+                  <c:v>2.1955671045252197E-2</c:v>
                 </c:pt>
                 <c:pt idx="1">
                   <c:v>8.7822684181008998E-2</c:v>
@@ -523,13 +506,13 @@
                   <c:v>0.35129073672403599</c:v>
                 </c:pt>
                 <c:pt idx="4">
-                  <c:v>0.54889177613131901</c:v>
+                  <c:v>0.54889177613131912</c:v>
                 </c:pt>
                 <c:pt idx="5">
                   <c:v>0.79040415762902905</c:v>
                 </c:pt>
                 <c:pt idx="6">
-                  <c:v>1.0758278812174</c:v>
+                  <c:v>1.0758278812173998</c:v>
                 </c:pt>
                 <c:pt idx="7">
                   <c:v>1.40516294689614</c:v>
@@ -538,7 +521,7 @@
                   <c:v>1.77840935466551</c:v>
                 </c:pt>
                 <c:pt idx="9">
-                  <c:v>2.19556710452528</c:v>
+                  <c:v>2.1955671045252796</c:v>
                 </c:pt>
               </c:numCache>
             </c:numRef>
@@ -553,11 +536,11 @@
           <c:showPercent val="0"/>
           <c:showBubbleSize val="0"/>
         </c:dLbls>
-        <c:axId val="461949568"/>
-        <c:axId val="462995016"/>
+        <c:axId val="232602944"/>
+        <c:axId val="232544104"/>
       </c:scatterChart>
       <c:valAx>
-        <c:axId val="461949568"/>
+        <c:axId val="232602944"/>
         <c:scaling>
           <c:orientation val="minMax"/>
         </c:scaling>
@@ -626,26 +609,6 @@
             </a:ln>
             <a:effectLst/>
           </c:spPr>
-          <c:txPr>
-            <a:bodyPr rot="0" spcFirstLastPara="1" vertOverflow="ellipsis" vert="horz" wrap="square" anchor="ctr" anchorCtr="1"/>
-            <a:lstStyle/>
-            <a:p>
-              <a:pPr>
-                <a:defRPr sz="1200" b="0" i="0" u="none" strike="noStrike" kern="1200" baseline="0">
-                  <a:solidFill>
-                    <a:schemeClr val="tx1">
-                      <a:lumMod val="65000"/>
-                      <a:lumOff val="35000"/>
-                    </a:schemeClr>
-                  </a:solidFill>
-                  <a:latin typeface="+mn-lt"/>
-                  <a:ea typeface="+mn-ea"/>
-                  <a:cs typeface="+mn-cs"/>
-                </a:defRPr>
-              </a:pPr>
-              <a:endParaRPr lang="ru-RU"/>
-            </a:p>
-          </c:txPr>
         </c:title>
         <c:numFmt formatCode="General" sourceLinked="1"/>
         <c:majorTickMark val="none"/>
@@ -684,12 +647,12 @@
             <a:endParaRPr lang="ru-RU"/>
           </a:p>
         </c:txPr>
-        <c:crossAx val="462995016"/>
+        <c:crossAx val="232544104"/>
         <c:crosses val="autoZero"/>
         <c:crossBetween val="midCat"/>
       </c:valAx>
       <c:valAx>
-        <c:axId val="462995016"/>
+        <c:axId val="232544104"/>
         <c:scaling>
           <c:orientation val="minMax"/>
           <c:max val="4"/>
@@ -744,8 +707,12 @@
                   </a:defRPr>
                 </a:pPr>
                 <a:r>
-                  <a:rPr lang="ru-RU"/>
-                  <a:t>Смещение, мм</a:t>
+                  <a:rPr lang="ru-RU" dirty="0" smtClean="0"/>
+                  <a:t>Отклонение, </a:t>
+                </a:r>
+                <a:r>
+                  <a:rPr lang="ru-RU" dirty="0"/>
+                  <a:t>мм</a:t>
                 </a:r>
               </a:p>
             </c:rich>
@@ -759,26 +726,6 @@
             </a:ln>
             <a:effectLst/>
           </c:spPr>
-          <c:txPr>
-            <a:bodyPr rot="-5400000" spcFirstLastPara="1" vertOverflow="ellipsis" vert="horz" wrap="square" anchor="ctr" anchorCtr="1"/>
-            <a:lstStyle/>
-            <a:p>
-              <a:pPr>
-                <a:defRPr sz="1200" b="0" i="0" u="none" strike="noStrike" kern="1200" baseline="0">
-                  <a:solidFill>
-                    <a:schemeClr val="tx1">
-                      <a:lumMod val="65000"/>
-                      <a:lumOff val="35000"/>
-                    </a:schemeClr>
-                  </a:solidFill>
-                  <a:latin typeface="+mn-lt"/>
-                  <a:ea typeface="+mn-ea"/>
-                  <a:cs typeface="+mn-cs"/>
-                </a:defRPr>
-              </a:pPr>
-              <a:endParaRPr lang="ru-RU"/>
-            </a:p>
-          </c:txPr>
         </c:title>
         <c:numFmt formatCode="0.000" sourceLinked="1"/>
         <c:majorTickMark val="none"/>
@@ -817,7 +764,7 @@
             <a:endParaRPr lang="ru-RU"/>
           </a:p>
         </c:txPr>
-        <c:crossAx val="461949568"/>
+        <c:crossAx val="232602944"/>
         <c:crosses val="autoZero"/>
         <c:crossBetween val="midCat"/>
       </c:valAx>
@@ -882,7 +829,7 @@
       <a:endParaRPr lang="ru-RU"/>
     </a:p>
   </c:txPr>
-  <c:externalData r:id="rId3">
+  <c:externalData r:id="rId1">
     <c:autoUpdate val="0"/>
   </c:externalData>
 </c:chartSpace>
@@ -922,12 +869,12 @@
               </a:defRPr>
             </a:pPr>
             <a:r>
-              <a:rPr lang="ru-RU" sz="1800" dirty="0"/>
-              <a:t>Смещение</a:t>
+              <a:rPr lang="ru-RU" sz="1800" baseline="0" dirty="0" smtClean="0"/>
+              <a:t>Отклонение иглы </a:t>
             </a:r>
             <a:r>
               <a:rPr lang="ru-RU" sz="1800" baseline="0" dirty="0"/>
-              <a:t> иглы в зависимости от угла острия</a:t>
+              <a:t>в зависимости от угла острия</a:t>
             </a:r>
             <a:endParaRPr lang="ru-RU" sz="1800" dirty="0"/>
           </a:p>
@@ -942,26 +889,6 @@
         </a:ln>
         <a:effectLst/>
       </c:spPr>
-      <c:txPr>
-        <a:bodyPr rot="0" spcFirstLastPara="1" vertOverflow="ellipsis" vert="horz" wrap="square" anchor="ctr" anchorCtr="1"/>
-        <a:lstStyle/>
-        <a:p>
-          <a:pPr>
-            <a:defRPr sz="1400" b="0" i="0" u="none" strike="noStrike" kern="1200" spc="0" baseline="0">
-              <a:solidFill>
-                <a:schemeClr val="tx1">
-                  <a:lumMod val="65000"/>
-                  <a:lumOff val="35000"/>
-                </a:schemeClr>
-              </a:solidFill>
-              <a:latin typeface="+mn-lt"/>
-              <a:ea typeface="+mn-ea"/>
-              <a:cs typeface="+mn-cs"/>
-            </a:defRPr>
-          </a:pPr>
-          <a:endParaRPr lang="ru-RU"/>
-        </a:p>
-      </c:txPr>
     </c:title>
     <c:autoTitleDeleted val="0"/>
     <c:plotArea>
@@ -1045,34 +972,34 @@
                 <c:formatCode>0.000</c:formatCode>
                 <c:ptCount val="10"/>
                 <c:pt idx="0">
-                  <c:v>2.58750064700933E-2</c:v>
+                  <c:v>2.5875006470093311E-2</c:v>
                 </c:pt>
                 <c:pt idx="1">
-                  <c:v>0.10350002588037301</c:v>
+                  <c:v>0.10350002588037302</c:v>
                 </c:pt>
                 <c:pt idx="2">
-                  <c:v>0.23287505823082999</c:v>
+                  <c:v>0.23287505823082996</c:v>
                 </c:pt>
                 <c:pt idx="3">
                   <c:v>0.41400010352149302</c:v>
                 </c:pt>
                 <c:pt idx="4">
-                  <c:v>0.64687516175232795</c:v>
+                  <c:v>0.64687516175232784</c:v>
                 </c:pt>
                 <c:pt idx="5">
-                  <c:v>0.93150023292332096</c:v>
+                  <c:v>0.93150023292332107</c:v>
                 </c:pt>
                 <c:pt idx="6">
-                  <c:v>1.26787531703461</c:v>
+                  <c:v>1.2678753170346095</c:v>
                 </c:pt>
                 <c:pt idx="7">
                   <c:v>1.6560004140859701</c:v>
                 </c:pt>
                 <c:pt idx="8">
-                  <c:v>2.09587552407752</c:v>
+                  <c:v>2.0958755240775195</c:v>
                 </c:pt>
                 <c:pt idx="9">
-                  <c:v>2.58750064700931</c:v>
+                  <c:v>2.5875006470093109</c:v>
                 </c:pt>
               </c:numCache>
             </c:numRef>
@@ -1161,25 +1088,25 @@
                   <c:v>0.146371140301682</c:v>
                 </c:pt>
                 <c:pt idx="2">
-                  <c:v>0.32933506567877602</c:v>
+                  <c:v>0.32933506567877607</c:v>
                 </c:pt>
                 <c:pt idx="3">
-                  <c:v>0.58548456120672798</c:v>
+                  <c:v>0.58548456120672776</c:v>
                 </c:pt>
                 <c:pt idx="4">
-                  <c:v>0.91481962688549701</c:v>
+                  <c:v>0.91481962688549712</c:v>
                 </c:pt>
                 <c:pt idx="5">
-                  <c:v>1.3173402627151101</c:v>
+                  <c:v>1.3173402627151098</c:v>
                 </c:pt>
                 <c:pt idx="6">
                   <c:v>1.79304646869567</c:v>
                 </c:pt>
                 <c:pt idx="7">
-                  <c:v>2.3419382448269102</c:v>
+                  <c:v>2.3419382448269106</c:v>
                 </c:pt>
                 <c:pt idx="8">
-                  <c:v>2.9640155911088701</c:v>
+                  <c:v>2.9640155911088697</c:v>
                 </c:pt>
                 <c:pt idx="9">
                   <c:v>3.6592785075419898</c:v>
@@ -1265,19 +1192,19 @@
                 <c:formatCode>0.000</c:formatCode>
                 <c:ptCount val="10"/>
                 <c:pt idx="0">
-                  <c:v>4.4816825850438897E-2</c:v>
+                  <c:v>4.4816825850438925E-2</c:v>
                 </c:pt>
                 <c:pt idx="1">
-                  <c:v>0.17926730340175601</c:v>
+                  <c:v>0.17926730340175603</c:v>
                 </c:pt>
                 <c:pt idx="2">
-                  <c:v>0.40335143265391998</c:v>
+                  <c:v>0.40335143265391993</c:v>
                 </c:pt>
                 <c:pt idx="3">
-                  <c:v>0.71706921360702203</c:v>
+                  <c:v>0.71706921360702214</c:v>
                 </c:pt>
                 <c:pt idx="4">
-                  <c:v>1.1204206462609301</c:v>
+                  <c:v>1.1204206462609299</c:v>
                 </c:pt>
                 <c:pt idx="5">
                   <c:v>1.6134057306156799</c:v>
@@ -1286,13 +1213,13 @@
                   <c:v>2.1960244666714601</c:v>
                 </c:pt>
                 <c:pt idx="7">
-                  <c:v>2.8682768544280899</c:v>
+                  <c:v>2.8682768544280894</c:v>
                 </c:pt>
                 <c:pt idx="8">
-                  <c:v>3.63016289388512</c:v>
+                  <c:v>3.6301628938851196</c:v>
                 </c:pt>
                 <c:pt idx="9">
-                  <c:v>4.4816825850436999</c:v>
+                  <c:v>4.4816825850437016</c:v>
                 </c:pt>
               </c:numCache>
             </c:numRef>
@@ -1307,11 +1234,11 @@
           <c:showPercent val="0"/>
           <c:showBubbleSize val="0"/>
         </c:dLbls>
-        <c:axId val="468072776"/>
-        <c:axId val="468073168"/>
+        <c:axId val="232437872"/>
+        <c:axId val="232456592"/>
       </c:scatterChart>
       <c:valAx>
-        <c:axId val="468072776"/>
+        <c:axId val="232437872"/>
         <c:scaling>
           <c:orientation val="minMax"/>
         </c:scaling>
@@ -1381,26 +1308,6 @@
             </a:ln>
             <a:effectLst/>
           </c:spPr>
-          <c:txPr>
-            <a:bodyPr rot="0" spcFirstLastPara="1" vertOverflow="ellipsis" vert="horz" wrap="square" anchor="ctr" anchorCtr="1"/>
-            <a:lstStyle/>
-            <a:p>
-              <a:pPr>
-                <a:defRPr sz="1400" b="0" i="0" u="none" strike="noStrike" kern="1200" baseline="0">
-                  <a:solidFill>
-                    <a:schemeClr val="tx1">
-                      <a:lumMod val="65000"/>
-                      <a:lumOff val="35000"/>
-                    </a:schemeClr>
-                  </a:solidFill>
-                  <a:latin typeface="+mn-lt"/>
-                  <a:ea typeface="+mn-ea"/>
-                  <a:cs typeface="+mn-cs"/>
-                </a:defRPr>
-              </a:pPr>
-              <a:endParaRPr lang="ru-RU"/>
-            </a:p>
-          </c:txPr>
         </c:title>
         <c:numFmt formatCode="General" sourceLinked="1"/>
         <c:majorTickMark val="none"/>
@@ -1439,12 +1346,12 @@
             <a:endParaRPr lang="ru-RU"/>
           </a:p>
         </c:txPr>
-        <c:crossAx val="468073168"/>
+        <c:crossAx val="232456592"/>
         <c:crosses val="autoZero"/>
         <c:crossBetween val="midCat"/>
       </c:valAx>
       <c:valAx>
-        <c:axId val="468073168"/>
+        <c:axId val="232456592"/>
         <c:scaling>
           <c:orientation val="minMax"/>
         </c:scaling>
@@ -1498,14 +1405,18 @@
                   </a:defRPr>
                 </a:pPr>
                 <a:r>
-                  <a:rPr lang="ru-RU" sz="1400"/>
-                  <a:t>Смещение,</a:t>
+                  <a:rPr lang="ru-RU" sz="1400" dirty="0" smtClean="0"/>
+                  <a:t>Отклонение,</a:t>
                 </a:r>
                 <a:r>
-                  <a:rPr lang="ru-RU" sz="1400" baseline="0"/>
-                  <a:t> мм</a:t>
+                  <a:rPr lang="ru-RU" sz="1400" baseline="0" dirty="0" smtClean="0"/>
+                  <a:t> </a:t>
                 </a:r>
-                <a:endParaRPr lang="ru-RU" sz="1400"/>
+                <a:r>
+                  <a:rPr lang="ru-RU" sz="1400" baseline="0" dirty="0"/>
+                  <a:t>мм</a:t>
+                </a:r>
+                <a:endParaRPr lang="ru-RU" sz="1400" dirty="0"/>
               </a:p>
             </c:rich>
           </c:tx>
@@ -1518,26 +1429,6 @@
             </a:ln>
             <a:effectLst/>
           </c:spPr>
-          <c:txPr>
-            <a:bodyPr rot="-5400000" spcFirstLastPara="1" vertOverflow="ellipsis" vert="horz" wrap="square" anchor="ctr" anchorCtr="1"/>
-            <a:lstStyle/>
-            <a:p>
-              <a:pPr>
-                <a:defRPr sz="1400" b="0" i="0" u="none" strike="noStrike" kern="1200" baseline="0">
-                  <a:solidFill>
-                    <a:schemeClr val="tx1">
-                      <a:lumMod val="65000"/>
-                      <a:lumOff val="35000"/>
-                    </a:schemeClr>
-                  </a:solidFill>
-                  <a:latin typeface="+mn-lt"/>
-                  <a:ea typeface="+mn-ea"/>
-                  <a:cs typeface="+mn-cs"/>
-                </a:defRPr>
-              </a:pPr>
-              <a:endParaRPr lang="ru-RU"/>
-            </a:p>
-          </c:txPr>
         </c:title>
         <c:numFmt formatCode="0.000" sourceLinked="1"/>
         <c:majorTickMark val="none"/>
@@ -1576,7 +1467,7 @@
             <a:endParaRPr lang="ru-RU"/>
           </a:p>
         </c:txPr>
-        <c:crossAx val="468072776"/>
+        <c:crossAx val="232437872"/>
         <c:crosses val="autoZero"/>
         <c:crossBetween val="midCat"/>
       </c:valAx>
@@ -1641,7 +1532,7 @@
       <a:endParaRPr lang="ru-RU"/>
     </a:p>
   </c:txPr>
-  <c:externalData r:id="rId3">
+  <c:externalData r:id="rId1">
     <c:autoUpdate val="0"/>
   </c:externalData>
 </c:chartSpace>
@@ -1749,13 +1640,13 @@
                   <c:v>0.16</c:v>
                 </c:pt>
                 <c:pt idx="2">
-                  <c:v>0.24</c:v>
+                  <c:v>0.24000000000000002</c:v>
                 </c:pt>
                 <c:pt idx="3">
-                  <c:v>0.39</c:v>
+                  <c:v>0.39000000000000007</c:v>
                 </c:pt>
                 <c:pt idx="4">
-                  <c:v>0.62</c:v>
+                  <c:v>0.62000000000000011</c:v>
                 </c:pt>
                 <c:pt idx="5">
                   <c:v>0.93</c:v>
@@ -1859,25 +1750,25 @@
                   <c:v>0.146371140301682</c:v>
                 </c:pt>
                 <c:pt idx="2">
-                  <c:v>0.32933506567877602</c:v>
+                  <c:v>0.32933506567877607</c:v>
                 </c:pt>
                 <c:pt idx="3">
-                  <c:v>0.58548456120672798</c:v>
+                  <c:v>0.58548456120672776</c:v>
                 </c:pt>
                 <c:pt idx="4">
-                  <c:v>0.91481962688549701</c:v>
+                  <c:v>0.91481962688549712</c:v>
                 </c:pt>
                 <c:pt idx="5">
-                  <c:v>1.3173402627151101</c:v>
+                  <c:v>1.3173402627151098</c:v>
                 </c:pt>
                 <c:pt idx="6">
                   <c:v>1.79304646869567</c:v>
                 </c:pt>
                 <c:pt idx="7">
-                  <c:v>2.3419382448269102</c:v>
+                  <c:v>2.3419382448269106</c:v>
                 </c:pt>
                 <c:pt idx="8">
-                  <c:v>2.9640155911088701</c:v>
+                  <c:v>2.9640155911088697</c:v>
                 </c:pt>
                 <c:pt idx="9">
                   <c:v>3.6592785075419898</c:v>
@@ -1895,11 +1786,11 @@
           <c:showPercent val="0"/>
           <c:showBubbleSize val="0"/>
         </c:dLbls>
-        <c:axId val="534749816"/>
-        <c:axId val="534750208"/>
+        <c:axId val="232289264"/>
+        <c:axId val="233275264"/>
       </c:scatterChart>
       <c:valAx>
-        <c:axId val="534749816"/>
+        <c:axId val="232289264"/>
         <c:scaling>
           <c:orientation val="minMax"/>
         </c:scaling>
@@ -1969,26 +1860,6 @@
             </a:ln>
             <a:effectLst/>
           </c:spPr>
-          <c:txPr>
-            <a:bodyPr rot="0" spcFirstLastPara="1" vertOverflow="ellipsis" vert="horz" wrap="square" anchor="ctr" anchorCtr="1"/>
-            <a:lstStyle/>
-            <a:p>
-              <a:pPr>
-                <a:defRPr sz="1400" b="0" i="0" u="none" strike="noStrike" kern="1200" baseline="0">
-                  <a:solidFill>
-                    <a:schemeClr val="tx1">
-                      <a:lumMod val="65000"/>
-                      <a:lumOff val="35000"/>
-                    </a:schemeClr>
-                  </a:solidFill>
-                  <a:latin typeface="+mn-lt"/>
-                  <a:ea typeface="+mn-ea"/>
-                  <a:cs typeface="+mn-cs"/>
-                </a:defRPr>
-              </a:pPr>
-              <a:endParaRPr lang="ru-RU"/>
-            </a:p>
-          </c:txPr>
         </c:title>
         <c:numFmt formatCode="General" sourceLinked="1"/>
         <c:majorTickMark val="none"/>
@@ -2027,12 +1898,12 @@
             <a:endParaRPr lang="ru-RU"/>
           </a:p>
         </c:txPr>
-        <c:crossAx val="534750208"/>
+        <c:crossAx val="233275264"/>
         <c:crosses val="autoZero"/>
         <c:crossBetween val="midCat"/>
       </c:valAx>
       <c:valAx>
-        <c:axId val="534750208"/>
+        <c:axId val="233275264"/>
         <c:scaling>
           <c:orientation val="minMax"/>
         </c:scaling>
@@ -2086,12 +1957,16 @@
                   </a:defRPr>
                 </a:pPr>
                 <a:r>
-                  <a:rPr lang="ru-RU" sz="1400" dirty="0"/>
-                  <a:t>Смещение,</a:t>
+                  <a:rPr lang="ru-RU" sz="1400" dirty="0" smtClean="0"/>
+                  <a:t>Отклонение,</a:t>
+                </a:r>
+                <a:r>
+                  <a:rPr lang="ru-RU" sz="1400" baseline="0" dirty="0" smtClean="0"/>
+                  <a:t> </a:t>
                 </a:r>
                 <a:r>
                   <a:rPr lang="ru-RU" sz="1400" baseline="0" dirty="0"/>
-                  <a:t> мм</a:t>
+                  <a:t>мм</a:t>
                 </a:r>
                 <a:endParaRPr lang="ru-RU" sz="1400" dirty="0"/>
               </a:p>
@@ -2106,26 +1981,6 @@
             </a:ln>
             <a:effectLst/>
           </c:spPr>
-          <c:txPr>
-            <a:bodyPr rot="-5400000" spcFirstLastPara="1" vertOverflow="ellipsis" vert="horz" wrap="square" anchor="ctr" anchorCtr="1"/>
-            <a:lstStyle/>
-            <a:p>
-              <a:pPr>
-                <a:defRPr sz="1400" b="0" i="0" u="none" strike="noStrike" kern="1200" baseline="0">
-                  <a:solidFill>
-                    <a:schemeClr val="tx1">
-                      <a:lumMod val="65000"/>
-                      <a:lumOff val="35000"/>
-                    </a:schemeClr>
-                  </a:solidFill>
-                  <a:latin typeface="+mn-lt"/>
-                  <a:ea typeface="+mn-ea"/>
-                  <a:cs typeface="+mn-cs"/>
-                </a:defRPr>
-              </a:pPr>
-              <a:endParaRPr lang="ru-RU"/>
-            </a:p>
-          </c:txPr>
         </c:title>
         <c:numFmt formatCode="General" sourceLinked="1"/>
         <c:majorTickMark val="none"/>
@@ -2164,7 +2019,7 @@
             <a:endParaRPr lang="ru-RU"/>
           </a:p>
         </c:txPr>
-        <c:crossAx val="534749816"/>
+        <c:crossAx val="232289264"/>
         <c:crosses val="autoZero"/>
         <c:crossBetween val="midCat"/>
       </c:valAx>
@@ -2229,2772 +2084,10 @@
       <a:endParaRPr lang="ru-RU"/>
     </a:p>
   </c:txPr>
-  <c:externalData r:id="rId3">
+  <c:externalData r:id="rId1">
     <c:autoUpdate val="0"/>
   </c:externalData>
 </c:chartSpace>
-</file>
-
-<file path=ppt/charts/chart4.xml><?xml version="1.0" encoding="utf-8"?>
-<c:chartSpace xmlns:c="http://schemas.openxmlformats.org/drawingml/2006/chart" xmlns:a="http://schemas.openxmlformats.org/drawingml/2006/main" xmlns:r="http://schemas.openxmlformats.org/officeDocument/2006/relationships">
-  <c:date1904 val="0"/>
-  <c:lang val="ru-RU"/>
-  <c:roundedCorners val="0"/>
-  <mc:AlternateContent xmlns:mc="http://schemas.openxmlformats.org/markup-compatibility/2006">
-    <mc:Choice xmlns:c14="http://schemas.microsoft.com/office/drawing/2007/8/2/chart" Requires="c14">
-      <c14:style val="102"/>
-    </mc:Choice>
-    <mc:Fallback>
-      <c:style val="2"/>
-    </mc:Fallback>
-  </mc:AlternateContent>
-  <c:chart>
-    <c:title>
-      <c:tx>
-        <c:rich>
-          <a:bodyPr rot="0" spcFirstLastPara="1" vertOverflow="ellipsis" vert="horz" wrap="square" anchor="ctr" anchorCtr="1"/>
-          <a:lstStyle/>
-          <a:p>
-            <a:pPr>
-              <a:defRPr sz="1800" b="0" i="0" u="none" strike="noStrike" kern="1200" spc="0" baseline="0">
-                <a:solidFill>
-                  <a:schemeClr val="tx1">
-                    <a:lumMod val="65000"/>
-                    <a:lumOff val="35000"/>
-                  </a:schemeClr>
-                </a:solidFill>
-                <a:latin typeface="+mn-lt"/>
-                <a:ea typeface="+mn-ea"/>
-                <a:cs typeface="+mn-cs"/>
-              </a:defRPr>
-            </a:pPr>
-            <a:r>
-              <a:rPr lang="ru-RU" sz="1800"/>
-              <a:t>Погрешность</a:t>
-            </a:r>
-          </a:p>
-        </c:rich>
-      </c:tx>
-      <c:layout>
-        <c:manualLayout>
-          <c:xMode val="edge"/>
-          <c:yMode val="edge"/>
-          <c:x val="0.40876215840666974"/>
-          <c:y val="2.6070763500931099E-2"/>
-        </c:manualLayout>
-      </c:layout>
-      <c:overlay val="0"/>
-      <c:spPr>
-        <a:noFill/>
-        <a:ln>
-          <a:noFill/>
-        </a:ln>
-        <a:effectLst/>
-      </c:spPr>
-      <c:txPr>
-        <a:bodyPr rot="0" spcFirstLastPara="1" vertOverflow="ellipsis" vert="horz" wrap="square" anchor="ctr" anchorCtr="1"/>
-        <a:lstStyle/>
-        <a:p>
-          <a:pPr>
-            <a:defRPr sz="1800" b="0" i="0" u="none" strike="noStrike" kern="1200" spc="0" baseline="0">
-              <a:solidFill>
-                <a:schemeClr val="tx1">
-                  <a:lumMod val="65000"/>
-                  <a:lumOff val="35000"/>
-                </a:schemeClr>
-              </a:solidFill>
-              <a:latin typeface="+mn-lt"/>
-              <a:ea typeface="+mn-ea"/>
-              <a:cs typeface="+mn-cs"/>
-            </a:defRPr>
-          </a:pPr>
-          <a:endParaRPr lang="ru-RU"/>
-        </a:p>
-      </c:txPr>
-    </c:title>
-    <c:autoTitleDeleted val="0"/>
-    <c:plotArea>
-      <c:layout/>
-      <c:scatterChart>
-        <c:scatterStyle val="smoothMarker"/>
-        <c:varyColors val="0"/>
-        <c:ser>
-          <c:idx val="0"/>
-          <c:order val="0"/>
-          <c:tx>
-            <c:strRef>
-              <c:f>Лист1!$C$96:$C$105</c:f>
-              <c:strCache>
-                <c:ptCount val="10"/>
-                <c:pt idx="0">
-                  <c:v>3</c:v>
-                </c:pt>
-                <c:pt idx="1">
-                  <c:v>6</c:v>
-                </c:pt>
-                <c:pt idx="2">
-                  <c:v>9</c:v>
-                </c:pt>
-                <c:pt idx="3">
-                  <c:v>12</c:v>
-                </c:pt>
-                <c:pt idx="4">
-                  <c:v>15</c:v>
-                </c:pt>
-                <c:pt idx="5">
-                  <c:v>18</c:v>
-                </c:pt>
-                <c:pt idx="6">
-                  <c:v>21</c:v>
-                </c:pt>
-                <c:pt idx="7">
-                  <c:v>24</c:v>
-                </c:pt>
-                <c:pt idx="8">
-                  <c:v>27</c:v>
-                </c:pt>
-                <c:pt idx="9">
-                  <c:v>30</c:v>
-                </c:pt>
-              </c:strCache>
-            </c:strRef>
-          </c:tx>
-          <c:spPr>
-            <a:ln w="19050" cap="rnd">
-              <a:solidFill>
-                <a:schemeClr val="accent1"/>
-              </a:solidFill>
-              <a:round/>
-            </a:ln>
-            <a:effectLst/>
-          </c:spPr>
-          <c:marker>
-            <c:symbol val="circle"/>
-            <c:size val="5"/>
-            <c:spPr>
-              <a:solidFill>
-                <a:schemeClr val="accent1"/>
-              </a:solidFill>
-              <a:ln w="9525">
-                <a:solidFill>
-                  <a:schemeClr val="accent1"/>
-                </a:solidFill>
-              </a:ln>
-              <a:effectLst/>
-            </c:spPr>
-          </c:marker>
-          <c:xVal>
-            <c:numRef>
-              <c:f>Лист1!$C$96:$C$105</c:f>
-              <c:numCache>
-                <c:formatCode>General</c:formatCode>
-                <c:ptCount val="10"/>
-                <c:pt idx="0">
-                  <c:v>3</c:v>
-                </c:pt>
-                <c:pt idx="1">
-                  <c:v>6</c:v>
-                </c:pt>
-                <c:pt idx="2">
-                  <c:v>9</c:v>
-                </c:pt>
-                <c:pt idx="3">
-                  <c:v>12</c:v>
-                </c:pt>
-                <c:pt idx="4">
-                  <c:v>15</c:v>
-                </c:pt>
-                <c:pt idx="5">
-                  <c:v>18</c:v>
-                </c:pt>
-                <c:pt idx="6">
-                  <c:v>21</c:v>
-                </c:pt>
-                <c:pt idx="7">
-                  <c:v>24</c:v>
-                </c:pt>
-                <c:pt idx="8">
-                  <c:v>27</c:v>
-                </c:pt>
-                <c:pt idx="9">
-                  <c:v>30</c:v>
-                </c:pt>
-              </c:numCache>
-            </c:numRef>
-          </c:xVal>
-          <c:yVal>
-            <c:numRef>
-              <c:f>Лист1!$F$96:$F$105</c:f>
-              <c:numCache>
-                <c:formatCode>0.000</c:formatCode>
-                <c:ptCount val="10"/>
-                <c:pt idx="0">
-                  <c:v>6.3407214924579514E-2</c:v>
-                </c:pt>
-                <c:pt idx="1">
-                  <c:v>1.3628859698318008E-2</c:v>
-                </c:pt>
-                <c:pt idx="2">
-                  <c:v>8.9335065678776027E-2</c:v>
-                </c:pt>
-                <c:pt idx="3">
-                  <c:v>0.19548456120672797</c:v>
-                </c:pt>
-                <c:pt idx="4">
-                  <c:v>0.29481962688549701</c:v>
-                </c:pt>
-                <c:pt idx="5">
-                  <c:v>0.38734026271511002</c:v>
-                </c:pt>
-                <c:pt idx="6">
-                  <c:v>0.35304646869567002</c:v>
-                </c:pt>
-                <c:pt idx="7">
-                  <c:v>0.14193824482690998</c:v>
-                </c:pt>
-                <c:pt idx="8">
-                  <c:v>0.33598440889112968</c:v>
-                </c:pt>
-                <c:pt idx="9">
-                  <c:v>1.2807214924580106</c:v>
-                </c:pt>
-              </c:numCache>
-            </c:numRef>
-          </c:yVal>
-          <c:smooth val="1"/>
-        </c:ser>
-        <c:dLbls>
-          <c:showLegendKey val="0"/>
-          <c:showVal val="0"/>
-          <c:showCatName val="0"/>
-          <c:showSerName val="0"/>
-          <c:showPercent val="0"/>
-          <c:showBubbleSize val="0"/>
-        </c:dLbls>
-        <c:axId val="462821008"/>
-        <c:axId val="475598832"/>
-      </c:scatterChart>
-      <c:valAx>
-        <c:axId val="462821008"/>
-        <c:scaling>
-          <c:orientation val="minMax"/>
-        </c:scaling>
-        <c:delete val="0"/>
-        <c:axPos val="b"/>
-        <c:majorGridlines>
-          <c:spPr>
-            <a:ln w="9525" cap="flat" cmpd="sng" algn="ctr">
-              <a:solidFill>
-                <a:schemeClr val="tx1">
-                  <a:lumMod val="15000"/>
-                  <a:lumOff val="85000"/>
-                </a:schemeClr>
-              </a:solidFill>
-              <a:round/>
-            </a:ln>
-            <a:effectLst/>
-          </c:spPr>
-        </c:majorGridlines>
-        <c:minorGridlines>
-          <c:spPr>
-            <a:ln w="9525" cap="flat" cmpd="sng" algn="ctr">
-              <a:solidFill>
-                <a:schemeClr val="tx1">
-                  <a:lumMod val="5000"/>
-                  <a:lumOff val="95000"/>
-                </a:schemeClr>
-              </a:solidFill>
-              <a:round/>
-            </a:ln>
-            <a:effectLst/>
-          </c:spPr>
-        </c:minorGridlines>
-        <c:title>
-          <c:tx>
-            <c:rich>
-              <a:bodyPr rot="0" spcFirstLastPara="1" vertOverflow="ellipsis" vert="horz" wrap="square" anchor="ctr" anchorCtr="1"/>
-              <a:lstStyle/>
-              <a:p>
-                <a:pPr>
-                  <a:defRPr sz="1200" b="0" i="0" u="none" strike="noStrike" kern="1200" baseline="0">
-                    <a:solidFill>
-                      <a:schemeClr val="tx1">
-                        <a:lumMod val="65000"/>
-                        <a:lumOff val="35000"/>
-                      </a:schemeClr>
-                    </a:solidFill>
-                    <a:latin typeface="+mn-lt"/>
-                    <a:ea typeface="+mn-ea"/>
-                    <a:cs typeface="+mn-cs"/>
-                  </a:defRPr>
-                </a:pPr>
-                <a:r>
-                  <a:rPr lang="ru-RU"/>
-                  <a:t>Скорость, мм/с</a:t>
-                </a:r>
-              </a:p>
-            </c:rich>
-          </c:tx>
-          <c:layout/>
-          <c:overlay val="0"/>
-          <c:spPr>
-            <a:noFill/>
-            <a:ln>
-              <a:noFill/>
-            </a:ln>
-            <a:effectLst/>
-          </c:spPr>
-          <c:txPr>
-            <a:bodyPr rot="0" spcFirstLastPara="1" vertOverflow="ellipsis" vert="horz" wrap="square" anchor="ctr" anchorCtr="1"/>
-            <a:lstStyle/>
-            <a:p>
-              <a:pPr>
-                <a:defRPr sz="1200" b="0" i="0" u="none" strike="noStrike" kern="1200" baseline="0">
-                  <a:solidFill>
-                    <a:schemeClr val="tx1">
-                      <a:lumMod val="65000"/>
-                      <a:lumOff val="35000"/>
-                    </a:schemeClr>
-                  </a:solidFill>
-                  <a:latin typeface="+mn-lt"/>
-                  <a:ea typeface="+mn-ea"/>
-                  <a:cs typeface="+mn-cs"/>
-                </a:defRPr>
-              </a:pPr>
-              <a:endParaRPr lang="ru-RU"/>
-            </a:p>
-          </c:txPr>
-        </c:title>
-        <c:numFmt formatCode="General" sourceLinked="1"/>
-        <c:majorTickMark val="none"/>
-        <c:minorTickMark val="none"/>
-        <c:tickLblPos val="nextTo"/>
-        <c:spPr>
-          <a:noFill/>
-          <a:ln w="9525" cap="flat" cmpd="sng" algn="ctr">
-            <a:solidFill>
-              <a:schemeClr val="tx1">
-                <a:lumMod val="25000"/>
-                <a:lumOff val="75000"/>
-              </a:schemeClr>
-            </a:solidFill>
-            <a:round/>
-          </a:ln>
-          <a:effectLst/>
-        </c:spPr>
-        <c:txPr>
-          <a:bodyPr rot="-60000000" spcFirstLastPara="1" vertOverflow="ellipsis" vert="horz" wrap="square" anchor="ctr" anchorCtr="1"/>
-          <a:lstStyle/>
-          <a:p>
-            <a:pPr>
-              <a:defRPr sz="1200" b="0" i="0" u="none" strike="noStrike" kern="1200" baseline="0">
-                <a:solidFill>
-                  <a:schemeClr val="tx1">
-                    <a:lumMod val="65000"/>
-                    <a:lumOff val="35000"/>
-                  </a:schemeClr>
-                </a:solidFill>
-                <a:latin typeface="+mn-lt"/>
-                <a:ea typeface="+mn-ea"/>
-                <a:cs typeface="+mn-cs"/>
-              </a:defRPr>
-            </a:pPr>
-            <a:endParaRPr lang="ru-RU"/>
-          </a:p>
-        </c:txPr>
-        <c:crossAx val="475598832"/>
-        <c:crosses val="autoZero"/>
-        <c:crossBetween val="midCat"/>
-      </c:valAx>
-      <c:valAx>
-        <c:axId val="475598832"/>
-        <c:scaling>
-          <c:orientation val="minMax"/>
-        </c:scaling>
-        <c:delete val="0"/>
-        <c:axPos val="l"/>
-        <c:majorGridlines>
-          <c:spPr>
-            <a:ln w="9525" cap="flat" cmpd="sng" algn="ctr">
-              <a:solidFill>
-                <a:schemeClr val="tx1">
-                  <a:lumMod val="15000"/>
-                  <a:lumOff val="85000"/>
-                </a:schemeClr>
-              </a:solidFill>
-              <a:round/>
-            </a:ln>
-            <a:effectLst/>
-          </c:spPr>
-        </c:majorGridlines>
-        <c:minorGridlines>
-          <c:spPr>
-            <a:ln w="9525" cap="flat" cmpd="sng" algn="ctr">
-              <a:solidFill>
-                <a:schemeClr val="tx1">
-                  <a:lumMod val="5000"/>
-                  <a:lumOff val="95000"/>
-                </a:schemeClr>
-              </a:solidFill>
-              <a:round/>
-            </a:ln>
-            <a:effectLst/>
-          </c:spPr>
-        </c:minorGridlines>
-        <c:title>
-          <c:tx>
-            <c:rich>
-              <a:bodyPr rot="-5400000" spcFirstLastPara="1" vertOverflow="ellipsis" vert="horz" wrap="square" anchor="ctr" anchorCtr="1"/>
-              <a:lstStyle/>
-              <a:p>
-                <a:pPr>
-                  <a:defRPr sz="1200" b="0" i="0" u="none" strike="noStrike" kern="1200" baseline="0">
-                    <a:solidFill>
-                      <a:schemeClr val="tx1">
-                        <a:lumMod val="65000"/>
-                        <a:lumOff val="35000"/>
-                      </a:schemeClr>
-                    </a:solidFill>
-                    <a:latin typeface="+mn-lt"/>
-                    <a:ea typeface="+mn-ea"/>
-                    <a:cs typeface="+mn-cs"/>
-                  </a:defRPr>
-                </a:pPr>
-                <a:r>
-                  <a:rPr lang="ru-RU" sz="1200"/>
-                  <a:t>Смещение, мм</a:t>
-                </a:r>
-              </a:p>
-            </c:rich>
-          </c:tx>
-          <c:layout/>
-          <c:overlay val="0"/>
-          <c:spPr>
-            <a:noFill/>
-            <a:ln>
-              <a:noFill/>
-            </a:ln>
-            <a:effectLst/>
-          </c:spPr>
-          <c:txPr>
-            <a:bodyPr rot="-5400000" spcFirstLastPara="1" vertOverflow="ellipsis" vert="horz" wrap="square" anchor="ctr" anchorCtr="1"/>
-            <a:lstStyle/>
-            <a:p>
-              <a:pPr>
-                <a:defRPr sz="1200" b="0" i="0" u="none" strike="noStrike" kern="1200" baseline="0">
-                  <a:solidFill>
-                    <a:schemeClr val="tx1">
-                      <a:lumMod val="65000"/>
-                      <a:lumOff val="35000"/>
-                    </a:schemeClr>
-                  </a:solidFill>
-                  <a:latin typeface="+mn-lt"/>
-                  <a:ea typeface="+mn-ea"/>
-                  <a:cs typeface="+mn-cs"/>
-                </a:defRPr>
-              </a:pPr>
-              <a:endParaRPr lang="ru-RU"/>
-            </a:p>
-          </c:txPr>
-        </c:title>
-        <c:numFmt formatCode="0.000" sourceLinked="1"/>
-        <c:majorTickMark val="none"/>
-        <c:minorTickMark val="none"/>
-        <c:tickLblPos val="nextTo"/>
-        <c:spPr>
-          <a:noFill/>
-          <a:ln w="9525" cap="flat" cmpd="sng" algn="ctr">
-            <a:solidFill>
-              <a:schemeClr val="tx1">
-                <a:lumMod val="25000"/>
-                <a:lumOff val="75000"/>
-              </a:schemeClr>
-            </a:solidFill>
-            <a:round/>
-          </a:ln>
-          <a:effectLst/>
-        </c:spPr>
-        <c:txPr>
-          <a:bodyPr rot="-60000000" spcFirstLastPara="1" vertOverflow="ellipsis" vert="horz" wrap="square" anchor="ctr" anchorCtr="1"/>
-          <a:lstStyle/>
-          <a:p>
-            <a:pPr>
-              <a:defRPr sz="1200" b="0" i="0" u="none" strike="noStrike" kern="1200" baseline="0">
-                <a:solidFill>
-                  <a:schemeClr val="tx1">
-                    <a:lumMod val="65000"/>
-                    <a:lumOff val="35000"/>
-                  </a:schemeClr>
-                </a:solidFill>
-                <a:latin typeface="+mn-lt"/>
-                <a:ea typeface="+mn-ea"/>
-                <a:cs typeface="+mn-cs"/>
-              </a:defRPr>
-            </a:pPr>
-            <a:endParaRPr lang="ru-RU"/>
-          </a:p>
-        </c:txPr>
-        <c:crossAx val="462821008"/>
-        <c:crosses val="autoZero"/>
-        <c:crossBetween val="midCat"/>
-      </c:valAx>
-      <c:spPr>
-        <a:noFill/>
-        <a:ln>
-          <a:noFill/>
-        </a:ln>
-        <a:effectLst/>
-      </c:spPr>
-    </c:plotArea>
-    <c:plotVisOnly val="1"/>
-    <c:dispBlanksAs val="gap"/>
-    <c:showDLblsOverMax val="0"/>
-  </c:chart>
-  <c:spPr>
-    <a:noFill/>
-    <a:ln>
-      <a:noFill/>
-    </a:ln>
-    <a:effectLst/>
-  </c:spPr>
-  <c:txPr>
-    <a:bodyPr/>
-    <a:lstStyle/>
-    <a:p>
-      <a:pPr>
-        <a:defRPr sz="1200"/>
-      </a:pPr>
-      <a:endParaRPr lang="ru-RU"/>
-    </a:p>
-  </c:txPr>
-  <c:externalData r:id="rId3">
-    <c:autoUpdate val="0"/>
-  </c:externalData>
-</c:chartSpace>
-</file>
-
-<file path=ppt/charts/colors1.xml><?xml version="1.0" encoding="utf-8"?>
-<cs:colorStyle xmlns:cs="http://schemas.microsoft.com/office/drawing/2012/chartStyle" xmlns:a="http://schemas.openxmlformats.org/drawingml/2006/main" meth="cycle" id="10">
-  <a:schemeClr val="accent1"/>
-  <a:schemeClr val="accent2"/>
-  <a:schemeClr val="accent3"/>
-  <a:schemeClr val="accent4"/>
-  <a:schemeClr val="accent5"/>
-  <a:schemeClr val="accent6"/>
-  <cs:variation/>
-  <cs:variation>
-    <a:lumMod val="60000"/>
-  </cs:variation>
-  <cs:variation>
-    <a:lumMod val="80000"/>
-    <a:lumOff val="20000"/>
-  </cs:variation>
-  <cs:variation>
-    <a:lumMod val="80000"/>
-  </cs:variation>
-  <cs:variation>
-    <a:lumMod val="60000"/>
-    <a:lumOff val="40000"/>
-  </cs:variation>
-  <cs:variation>
-    <a:lumMod val="50000"/>
-  </cs:variation>
-  <cs:variation>
-    <a:lumMod val="70000"/>
-    <a:lumOff val="30000"/>
-  </cs:variation>
-  <cs:variation>
-    <a:lumMod val="70000"/>
-  </cs:variation>
-  <cs:variation>
-    <a:lumMod val="50000"/>
-    <a:lumOff val="50000"/>
-  </cs:variation>
-</cs:colorStyle>
-</file>
-
-<file path=ppt/charts/colors2.xml><?xml version="1.0" encoding="utf-8"?>
-<cs:colorStyle xmlns:cs="http://schemas.microsoft.com/office/drawing/2012/chartStyle" xmlns:a="http://schemas.openxmlformats.org/drawingml/2006/main" meth="cycle" id="10">
-  <a:schemeClr val="accent1"/>
-  <a:schemeClr val="accent2"/>
-  <a:schemeClr val="accent3"/>
-  <a:schemeClr val="accent4"/>
-  <a:schemeClr val="accent5"/>
-  <a:schemeClr val="accent6"/>
-  <cs:variation/>
-  <cs:variation>
-    <a:lumMod val="60000"/>
-  </cs:variation>
-  <cs:variation>
-    <a:lumMod val="80000"/>
-    <a:lumOff val="20000"/>
-  </cs:variation>
-  <cs:variation>
-    <a:lumMod val="80000"/>
-  </cs:variation>
-  <cs:variation>
-    <a:lumMod val="60000"/>
-    <a:lumOff val="40000"/>
-  </cs:variation>
-  <cs:variation>
-    <a:lumMod val="50000"/>
-  </cs:variation>
-  <cs:variation>
-    <a:lumMod val="70000"/>
-    <a:lumOff val="30000"/>
-  </cs:variation>
-  <cs:variation>
-    <a:lumMod val="70000"/>
-  </cs:variation>
-  <cs:variation>
-    <a:lumMod val="50000"/>
-    <a:lumOff val="50000"/>
-  </cs:variation>
-</cs:colorStyle>
-</file>
-
-<file path=ppt/charts/colors3.xml><?xml version="1.0" encoding="utf-8"?>
-<cs:colorStyle xmlns:cs="http://schemas.microsoft.com/office/drawing/2012/chartStyle" xmlns:a="http://schemas.openxmlformats.org/drawingml/2006/main" meth="cycle" id="10">
-  <a:schemeClr val="accent1"/>
-  <a:schemeClr val="accent2"/>
-  <a:schemeClr val="accent3"/>
-  <a:schemeClr val="accent4"/>
-  <a:schemeClr val="accent5"/>
-  <a:schemeClr val="accent6"/>
-  <cs:variation/>
-  <cs:variation>
-    <a:lumMod val="60000"/>
-  </cs:variation>
-  <cs:variation>
-    <a:lumMod val="80000"/>
-    <a:lumOff val="20000"/>
-  </cs:variation>
-  <cs:variation>
-    <a:lumMod val="80000"/>
-  </cs:variation>
-  <cs:variation>
-    <a:lumMod val="60000"/>
-    <a:lumOff val="40000"/>
-  </cs:variation>
-  <cs:variation>
-    <a:lumMod val="50000"/>
-  </cs:variation>
-  <cs:variation>
-    <a:lumMod val="70000"/>
-    <a:lumOff val="30000"/>
-  </cs:variation>
-  <cs:variation>
-    <a:lumMod val="70000"/>
-  </cs:variation>
-  <cs:variation>
-    <a:lumMod val="50000"/>
-    <a:lumOff val="50000"/>
-  </cs:variation>
-</cs:colorStyle>
-</file>
-
-<file path=ppt/charts/colors4.xml><?xml version="1.0" encoding="utf-8"?>
-<cs:colorStyle xmlns:cs="http://schemas.microsoft.com/office/drawing/2012/chartStyle" xmlns:a="http://schemas.openxmlformats.org/drawingml/2006/main" meth="cycle" id="10">
-  <a:schemeClr val="accent1"/>
-  <a:schemeClr val="accent2"/>
-  <a:schemeClr val="accent3"/>
-  <a:schemeClr val="accent4"/>
-  <a:schemeClr val="accent5"/>
-  <a:schemeClr val="accent6"/>
-  <cs:variation/>
-  <cs:variation>
-    <a:lumMod val="60000"/>
-  </cs:variation>
-  <cs:variation>
-    <a:lumMod val="80000"/>
-    <a:lumOff val="20000"/>
-  </cs:variation>
-  <cs:variation>
-    <a:lumMod val="80000"/>
-  </cs:variation>
-  <cs:variation>
-    <a:lumMod val="60000"/>
-    <a:lumOff val="40000"/>
-  </cs:variation>
-  <cs:variation>
-    <a:lumMod val="50000"/>
-  </cs:variation>
-  <cs:variation>
-    <a:lumMod val="70000"/>
-    <a:lumOff val="30000"/>
-  </cs:variation>
-  <cs:variation>
-    <a:lumMod val="70000"/>
-  </cs:variation>
-  <cs:variation>
-    <a:lumMod val="50000"/>
-    <a:lumOff val="50000"/>
-  </cs:variation>
-</cs:colorStyle>
-</file>
-
-<file path=ppt/charts/style1.xml><?xml version="1.0" encoding="utf-8"?>
-<cs:chartStyle xmlns:cs="http://schemas.microsoft.com/office/drawing/2012/chartStyle" xmlns:a="http://schemas.openxmlformats.org/drawingml/2006/main" id="240">
-  <cs:axisTitle>
-    <cs:lnRef idx="0"/>
-    <cs:fillRef idx="0"/>
-    <cs:effectRef idx="0"/>
-    <cs:fontRef idx="minor">
-      <a:schemeClr val="tx1">
-        <a:lumMod val="65000"/>
-        <a:lumOff val="35000"/>
-      </a:schemeClr>
-    </cs:fontRef>
-    <cs:defRPr sz="1000" kern="1200"/>
-  </cs:axisTitle>
-  <cs:categoryAxis>
-    <cs:lnRef idx="0"/>
-    <cs:fillRef idx="0"/>
-    <cs:effectRef idx="0"/>
-    <cs:fontRef idx="minor">
-      <a:schemeClr val="tx1">
-        <a:lumMod val="65000"/>
-        <a:lumOff val="35000"/>
-      </a:schemeClr>
-    </cs:fontRef>
-    <cs:spPr>
-      <a:ln w="9525" cap="flat" cmpd="sng" algn="ctr">
-        <a:solidFill>
-          <a:schemeClr val="tx1">
-            <a:lumMod val="25000"/>
-            <a:lumOff val="75000"/>
-          </a:schemeClr>
-        </a:solidFill>
-        <a:round/>
-      </a:ln>
-    </cs:spPr>
-    <cs:defRPr sz="900" kern="1200"/>
-  </cs:categoryAxis>
-  <cs:chartArea mods="allowNoFillOverride allowNoLineOverride">
-    <cs:lnRef idx="0"/>
-    <cs:fillRef idx="0"/>
-    <cs:effectRef idx="0"/>
-    <cs:fontRef idx="minor">
-      <a:schemeClr val="tx1"/>
-    </cs:fontRef>
-    <cs:spPr>
-      <a:solidFill>
-        <a:schemeClr val="bg1"/>
-      </a:solidFill>
-      <a:ln w="9525" cap="flat" cmpd="sng" algn="ctr">
-        <a:solidFill>
-          <a:schemeClr val="tx1">
-            <a:lumMod val="15000"/>
-            <a:lumOff val="85000"/>
-          </a:schemeClr>
-        </a:solidFill>
-        <a:round/>
-      </a:ln>
-    </cs:spPr>
-    <cs:defRPr sz="1000" kern="1200"/>
-  </cs:chartArea>
-  <cs:dataLabel>
-    <cs:lnRef idx="0"/>
-    <cs:fillRef idx="0"/>
-    <cs:effectRef idx="0"/>
-    <cs:fontRef idx="minor">
-      <a:schemeClr val="tx1">
-        <a:lumMod val="75000"/>
-        <a:lumOff val="25000"/>
-      </a:schemeClr>
-    </cs:fontRef>
-    <cs:defRPr sz="900" kern="1200"/>
-  </cs:dataLabel>
-  <cs:dataLabelCallout>
-    <cs:lnRef idx="0"/>
-    <cs:fillRef idx="0"/>
-    <cs:effectRef idx="0"/>
-    <cs:fontRef idx="minor">
-      <a:schemeClr val="dk1">
-        <a:lumMod val="65000"/>
-        <a:lumOff val="35000"/>
-      </a:schemeClr>
-    </cs:fontRef>
-    <cs:spPr>
-      <a:solidFill>
-        <a:schemeClr val="lt1"/>
-      </a:solidFill>
-      <a:ln>
-        <a:solidFill>
-          <a:schemeClr val="dk1">
-            <a:lumMod val="25000"/>
-            <a:lumOff val="75000"/>
-          </a:schemeClr>
-        </a:solidFill>
-      </a:ln>
-    </cs:spPr>
-    <cs:defRPr sz="900" kern="1200"/>
-    <cs:bodyPr rot="0" spcFirstLastPara="1" vertOverflow="clip" horzOverflow="clip" vert="horz" wrap="square" lIns="36576" tIns="18288" rIns="36576" bIns="18288" anchor="ctr" anchorCtr="1">
-      <a:spAutoFit/>
-    </cs:bodyPr>
-  </cs:dataLabelCallout>
-  <cs:dataPoint>
-    <cs:lnRef idx="0"/>
-    <cs:fillRef idx="1">
-      <cs:styleClr val="auto"/>
-    </cs:fillRef>
-    <cs:effectRef idx="0"/>
-    <cs:fontRef idx="minor">
-      <a:schemeClr val="tx1"/>
-    </cs:fontRef>
-  </cs:dataPoint>
-  <cs:dataPoint3D>
-    <cs:lnRef idx="0"/>
-    <cs:fillRef idx="1">
-      <cs:styleClr val="auto"/>
-    </cs:fillRef>
-    <cs:effectRef idx="0"/>
-    <cs:fontRef idx="minor">
-      <a:schemeClr val="tx1"/>
-    </cs:fontRef>
-  </cs:dataPoint3D>
-  <cs:dataPointLine>
-    <cs:lnRef idx="0">
-      <cs:styleClr val="auto"/>
-    </cs:lnRef>
-    <cs:fillRef idx="1"/>
-    <cs:effectRef idx="0"/>
-    <cs:fontRef idx="minor">
-      <a:schemeClr val="tx1"/>
-    </cs:fontRef>
-    <cs:spPr>
-      <a:ln w="19050" cap="rnd">
-        <a:solidFill>
-          <a:schemeClr val="phClr"/>
-        </a:solidFill>
-        <a:round/>
-      </a:ln>
-    </cs:spPr>
-  </cs:dataPointLine>
-  <cs:dataPointMarker>
-    <cs:lnRef idx="0">
-      <cs:styleClr val="auto"/>
-    </cs:lnRef>
-    <cs:fillRef idx="1">
-      <cs:styleClr val="auto"/>
-    </cs:fillRef>
-    <cs:effectRef idx="0"/>
-    <cs:fontRef idx="minor">
-      <a:schemeClr val="tx1"/>
-    </cs:fontRef>
-    <cs:spPr>
-      <a:ln w="9525">
-        <a:solidFill>
-          <a:schemeClr val="phClr"/>
-        </a:solidFill>
-      </a:ln>
-    </cs:spPr>
-  </cs:dataPointMarker>
-  <cs:dataPointMarkerLayout symbol="circle" size="5"/>
-  <cs:dataPointWireframe>
-    <cs:lnRef idx="0">
-      <cs:styleClr val="auto"/>
-    </cs:lnRef>
-    <cs:fillRef idx="0"/>
-    <cs:effectRef idx="0"/>
-    <cs:fontRef idx="minor">
-      <a:schemeClr val="dk1"/>
-    </cs:fontRef>
-    <cs:spPr>
-      <a:ln w="9525" cap="rnd">
-        <a:solidFill>
-          <a:schemeClr val="phClr"/>
-        </a:solidFill>
-        <a:round/>
-      </a:ln>
-    </cs:spPr>
-  </cs:dataPointWireframe>
-  <cs:dataTable>
-    <cs:lnRef idx="0"/>
-    <cs:fillRef idx="0"/>
-    <cs:effectRef idx="0"/>
-    <cs:fontRef idx="minor">
-      <a:schemeClr val="tx1">
-        <a:lumMod val="65000"/>
-        <a:lumOff val="35000"/>
-      </a:schemeClr>
-    </cs:fontRef>
-    <cs:spPr>
-      <a:noFill/>
-      <a:ln w="9525" cap="flat" cmpd="sng" algn="ctr">
-        <a:solidFill>
-          <a:schemeClr val="tx1">
-            <a:lumMod val="15000"/>
-            <a:lumOff val="85000"/>
-          </a:schemeClr>
-        </a:solidFill>
-        <a:round/>
-      </a:ln>
-    </cs:spPr>
-    <cs:defRPr sz="900" kern="1200"/>
-  </cs:dataTable>
-  <cs:downBar>
-    <cs:lnRef idx="0"/>
-    <cs:fillRef idx="0"/>
-    <cs:effectRef idx="0"/>
-    <cs:fontRef idx="minor">
-      <a:schemeClr val="tx1"/>
-    </cs:fontRef>
-    <cs:spPr>
-      <a:solidFill>
-        <a:schemeClr val="dk1">
-          <a:lumMod val="75000"/>
-          <a:lumOff val="25000"/>
-        </a:schemeClr>
-      </a:solidFill>
-      <a:ln w="9525" cap="flat" cmpd="sng" algn="ctr">
-        <a:solidFill>
-          <a:schemeClr val="tx1">
-            <a:lumMod val="65000"/>
-            <a:lumOff val="35000"/>
-          </a:schemeClr>
-        </a:solidFill>
-        <a:round/>
-      </a:ln>
-    </cs:spPr>
-  </cs:downBar>
-  <cs:dropLine>
-    <cs:lnRef idx="0"/>
-    <cs:fillRef idx="0"/>
-    <cs:effectRef idx="0"/>
-    <cs:fontRef idx="minor">
-      <a:schemeClr val="tx1"/>
-    </cs:fontRef>
-    <cs:spPr>
-      <a:ln w="9525" cap="flat" cmpd="sng" algn="ctr">
-        <a:solidFill>
-          <a:schemeClr val="tx1">
-            <a:lumMod val="35000"/>
-            <a:lumOff val="65000"/>
-          </a:schemeClr>
-        </a:solidFill>
-        <a:round/>
-      </a:ln>
-    </cs:spPr>
-  </cs:dropLine>
-  <cs:errorBar>
-    <cs:lnRef idx="0"/>
-    <cs:fillRef idx="0"/>
-    <cs:effectRef idx="0"/>
-    <cs:fontRef idx="minor">
-      <a:schemeClr val="tx1"/>
-    </cs:fontRef>
-    <cs:spPr>
-      <a:ln w="9525" cap="flat" cmpd="sng" algn="ctr">
-        <a:solidFill>
-          <a:schemeClr val="tx1">
-            <a:lumMod val="65000"/>
-            <a:lumOff val="35000"/>
-          </a:schemeClr>
-        </a:solidFill>
-        <a:round/>
-      </a:ln>
-    </cs:spPr>
-  </cs:errorBar>
-  <cs:floor>
-    <cs:lnRef idx="0"/>
-    <cs:fillRef idx="0"/>
-    <cs:effectRef idx="0"/>
-    <cs:fontRef idx="minor">
-      <a:schemeClr val="tx1"/>
-    </cs:fontRef>
-    <cs:spPr>
-      <a:noFill/>
-      <a:ln>
-        <a:noFill/>
-      </a:ln>
-    </cs:spPr>
-  </cs:floor>
-  <cs:gridlineMajor>
-    <cs:lnRef idx="0"/>
-    <cs:fillRef idx="0"/>
-    <cs:effectRef idx="0"/>
-    <cs:fontRef idx="minor">
-      <a:schemeClr val="tx1"/>
-    </cs:fontRef>
-    <cs:spPr>
-      <a:ln w="9525" cap="flat" cmpd="sng" algn="ctr">
-        <a:solidFill>
-          <a:schemeClr val="tx1">
-            <a:lumMod val="15000"/>
-            <a:lumOff val="85000"/>
-          </a:schemeClr>
-        </a:solidFill>
-        <a:round/>
-      </a:ln>
-    </cs:spPr>
-  </cs:gridlineMajor>
-  <cs:gridlineMinor>
-    <cs:lnRef idx="0"/>
-    <cs:fillRef idx="0"/>
-    <cs:effectRef idx="0"/>
-    <cs:fontRef idx="minor">
-      <a:schemeClr val="tx1"/>
-    </cs:fontRef>
-    <cs:spPr>
-      <a:ln w="9525" cap="flat" cmpd="sng" algn="ctr">
-        <a:solidFill>
-          <a:schemeClr val="tx1">
-            <a:lumMod val="5000"/>
-            <a:lumOff val="95000"/>
-          </a:schemeClr>
-        </a:solidFill>
-        <a:round/>
-      </a:ln>
-    </cs:spPr>
-  </cs:gridlineMinor>
-  <cs:hiLoLine>
-    <cs:lnRef idx="0"/>
-    <cs:fillRef idx="0"/>
-    <cs:effectRef idx="0"/>
-    <cs:fontRef idx="minor">
-      <a:schemeClr val="tx1"/>
-    </cs:fontRef>
-    <cs:spPr>
-      <a:ln w="9525" cap="flat" cmpd="sng" algn="ctr">
-        <a:solidFill>
-          <a:schemeClr val="tx1">
-            <a:lumMod val="50000"/>
-            <a:lumOff val="50000"/>
-          </a:schemeClr>
-        </a:solidFill>
-        <a:round/>
-      </a:ln>
-    </cs:spPr>
-  </cs:hiLoLine>
-  <cs:leaderLine>
-    <cs:lnRef idx="0"/>
-    <cs:fillRef idx="0"/>
-    <cs:effectRef idx="0"/>
-    <cs:fontRef idx="minor">
-      <a:schemeClr val="tx1"/>
-    </cs:fontRef>
-    <cs:spPr>
-      <a:ln w="9525" cap="flat" cmpd="sng" algn="ctr">
-        <a:solidFill>
-          <a:schemeClr val="tx1">
-            <a:lumMod val="35000"/>
-            <a:lumOff val="65000"/>
-          </a:schemeClr>
-        </a:solidFill>
-        <a:round/>
-      </a:ln>
-    </cs:spPr>
-  </cs:leaderLine>
-  <cs:legend>
-    <cs:lnRef idx="0"/>
-    <cs:fillRef idx="0"/>
-    <cs:effectRef idx="0"/>
-    <cs:fontRef idx="minor">
-      <a:schemeClr val="tx1">
-        <a:lumMod val="65000"/>
-        <a:lumOff val="35000"/>
-      </a:schemeClr>
-    </cs:fontRef>
-    <cs:defRPr sz="900" kern="1200"/>
-  </cs:legend>
-  <cs:plotArea mods="allowNoFillOverride allowNoLineOverride">
-    <cs:lnRef idx="0"/>
-    <cs:fillRef idx="0"/>
-    <cs:effectRef idx="0"/>
-    <cs:fontRef idx="minor">
-      <a:schemeClr val="tx1"/>
-    </cs:fontRef>
-  </cs:plotArea>
-  <cs:plotArea3D mods="allowNoFillOverride allowNoLineOverride">
-    <cs:lnRef idx="0"/>
-    <cs:fillRef idx="0"/>
-    <cs:effectRef idx="0"/>
-    <cs:fontRef idx="minor">
-      <a:schemeClr val="tx1"/>
-    </cs:fontRef>
-  </cs:plotArea3D>
-  <cs:seriesAxis>
-    <cs:lnRef idx="0"/>
-    <cs:fillRef idx="0"/>
-    <cs:effectRef idx="0"/>
-    <cs:fontRef idx="minor">
-      <a:schemeClr val="tx1">
-        <a:lumMod val="65000"/>
-        <a:lumOff val="35000"/>
-      </a:schemeClr>
-    </cs:fontRef>
-    <cs:defRPr sz="900" kern="1200"/>
-  </cs:seriesAxis>
-  <cs:seriesLine>
-    <cs:lnRef idx="0"/>
-    <cs:fillRef idx="0"/>
-    <cs:effectRef idx="0"/>
-    <cs:fontRef idx="minor">
-      <a:schemeClr val="tx1"/>
-    </cs:fontRef>
-    <cs:spPr>
-      <a:ln w="9525" cap="flat" cmpd="sng" algn="ctr">
-        <a:solidFill>
-          <a:schemeClr val="tx1">
-            <a:lumMod val="35000"/>
-            <a:lumOff val="65000"/>
-          </a:schemeClr>
-        </a:solidFill>
-        <a:round/>
-      </a:ln>
-    </cs:spPr>
-  </cs:seriesLine>
-  <cs:title>
-    <cs:lnRef idx="0"/>
-    <cs:fillRef idx="0"/>
-    <cs:effectRef idx="0"/>
-    <cs:fontRef idx="minor">
-      <a:schemeClr val="tx1">
-        <a:lumMod val="65000"/>
-        <a:lumOff val="35000"/>
-      </a:schemeClr>
-    </cs:fontRef>
-    <cs:defRPr sz="1400" b="0" kern="1200" spc="0" baseline="0"/>
-  </cs:title>
-  <cs:trendline>
-    <cs:lnRef idx="0">
-      <cs:styleClr val="auto"/>
-    </cs:lnRef>
-    <cs:fillRef idx="0"/>
-    <cs:effectRef idx="0"/>
-    <cs:fontRef idx="minor">
-      <a:schemeClr val="tx1"/>
-    </cs:fontRef>
-    <cs:spPr>
-      <a:ln w="19050" cap="rnd">
-        <a:solidFill>
-          <a:schemeClr val="phClr"/>
-        </a:solidFill>
-        <a:prstDash val="sysDot"/>
-      </a:ln>
-    </cs:spPr>
-  </cs:trendline>
-  <cs:trendlineLabel>
-    <cs:lnRef idx="0"/>
-    <cs:fillRef idx="0"/>
-    <cs:effectRef idx="0"/>
-    <cs:fontRef idx="minor">
-      <a:schemeClr val="tx1">
-        <a:lumMod val="65000"/>
-        <a:lumOff val="35000"/>
-      </a:schemeClr>
-    </cs:fontRef>
-    <cs:defRPr sz="900" kern="1200"/>
-  </cs:trendlineLabel>
-  <cs:upBar>
-    <cs:lnRef idx="0"/>
-    <cs:fillRef idx="0"/>
-    <cs:effectRef idx="0"/>
-    <cs:fontRef idx="minor">
-      <a:schemeClr val="tx1"/>
-    </cs:fontRef>
-    <cs:spPr>
-      <a:solidFill>
-        <a:schemeClr val="lt1"/>
-      </a:solidFill>
-      <a:ln w="9525" cap="flat" cmpd="sng" algn="ctr">
-        <a:solidFill>
-          <a:schemeClr val="tx1">
-            <a:lumMod val="65000"/>
-            <a:lumOff val="35000"/>
-          </a:schemeClr>
-        </a:solidFill>
-        <a:round/>
-      </a:ln>
-    </cs:spPr>
-  </cs:upBar>
-  <cs:valueAxis>
-    <cs:lnRef idx="0"/>
-    <cs:fillRef idx="0"/>
-    <cs:effectRef idx="0"/>
-    <cs:fontRef idx="minor">
-      <a:schemeClr val="tx1">
-        <a:lumMod val="65000"/>
-        <a:lumOff val="35000"/>
-      </a:schemeClr>
-    </cs:fontRef>
-    <cs:spPr>
-      <a:ln w="9525" cap="flat" cmpd="sng" algn="ctr">
-        <a:solidFill>
-          <a:schemeClr val="tx1">
-            <a:lumMod val="25000"/>
-            <a:lumOff val="75000"/>
-          </a:schemeClr>
-        </a:solidFill>
-        <a:round/>
-      </a:ln>
-    </cs:spPr>
-    <cs:defRPr sz="900" kern="1200"/>
-  </cs:valueAxis>
-  <cs:wall>
-    <cs:lnRef idx="0"/>
-    <cs:fillRef idx="0"/>
-    <cs:effectRef idx="0"/>
-    <cs:fontRef idx="minor">
-      <a:schemeClr val="tx1"/>
-    </cs:fontRef>
-    <cs:spPr>
-      <a:noFill/>
-      <a:ln>
-        <a:noFill/>
-      </a:ln>
-    </cs:spPr>
-  </cs:wall>
-</cs:chartStyle>
-</file>
-
-<file path=ppt/charts/style2.xml><?xml version="1.0" encoding="utf-8"?>
-<cs:chartStyle xmlns:cs="http://schemas.microsoft.com/office/drawing/2012/chartStyle" xmlns:a="http://schemas.openxmlformats.org/drawingml/2006/main" id="240">
-  <cs:axisTitle>
-    <cs:lnRef idx="0"/>
-    <cs:fillRef idx="0"/>
-    <cs:effectRef idx="0"/>
-    <cs:fontRef idx="minor">
-      <a:schemeClr val="tx1">
-        <a:lumMod val="65000"/>
-        <a:lumOff val="35000"/>
-      </a:schemeClr>
-    </cs:fontRef>
-    <cs:defRPr sz="1000" kern="1200"/>
-  </cs:axisTitle>
-  <cs:categoryAxis>
-    <cs:lnRef idx="0"/>
-    <cs:fillRef idx="0"/>
-    <cs:effectRef idx="0"/>
-    <cs:fontRef idx="minor">
-      <a:schemeClr val="tx1">
-        <a:lumMod val="65000"/>
-        <a:lumOff val="35000"/>
-      </a:schemeClr>
-    </cs:fontRef>
-    <cs:spPr>
-      <a:ln w="9525" cap="flat" cmpd="sng" algn="ctr">
-        <a:solidFill>
-          <a:schemeClr val="tx1">
-            <a:lumMod val="25000"/>
-            <a:lumOff val="75000"/>
-          </a:schemeClr>
-        </a:solidFill>
-        <a:round/>
-      </a:ln>
-    </cs:spPr>
-    <cs:defRPr sz="900" kern="1200"/>
-  </cs:categoryAxis>
-  <cs:chartArea mods="allowNoFillOverride allowNoLineOverride">
-    <cs:lnRef idx="0"/>
-    <cs:fillRef idx="0"/>
-    <cs:effectRef idx="0"/>
-    <cs:fontRef idx="minor">
-      <a:schemeClr val="tx1"/>
-    </cs:fontRef>
-    <cs:spPr>
-      <a:solidFill>
-        <a:schemeClr val="bg1"/>
-      </a:solidFill>
-      <a:ln w="9525" cap="flat" cmpd="sng" algn="ctr">
-        <a:solidFill>
-          <a:schemeClr val="tx1">
-            <a:lumMod val="15000"/>
-            <a:lumOff val="85000"/>
-          </a:schemeClr>
-        </a:solidFill>
-        <a:round/>
-      </a:ln>
-    </cs:spPr>
-    <cs:defRPr sz="1000" kern="1200"/>
-  </cs:chartArea>
-  <cs:dataLabel>
-    <cs:lnRef idx="0"/>
-    <cs:fillRef idx="0"/>
-    <cs:effectRef idx="0"/>
-    <cs:fontRef idx="minor">
-      <a:schemeClr val="tx1">
-        <a:lumMod val="75000"/>
-        <a:lumOff val="25000"/>
-      </a:schemeClr>
-    </cs:fontRef>
-    <cs:defRPr sz="900" kern="1200"/>
-  </cs:dataLabel>
-  <cs:dataLabelCallout>
-    <cs:lnRef idx="0"/>
-    <cs:fillRef idx="0"/>
-    <cs:effectRef idx="0"/>
-    <cs:fontRef idx="minor">
-      <a:schemeClr val="dk1">
-        <a:lumMod val="65000"/>
-        <a:lumOff val="35000"/>
-      </a:schemeClr>
-    </cs:fontRef>
-    <cs:spPr>
-      <a:solidFill>
-        <a:schemeClr val="lt1"/>
-      </a:solidFill>
-      <a:ln>
-        <a:solidFill>
-          <a:schemeClr val="dk1">
-            <a:lumMod val="25000"/>
-            <a:lumOff val="75000"/>
-          </a:schemeClr>
-        </a:solidFill>
-      </a:ln>
-    </cs:spPr>
-    <cs:defRPr sz="900" kern="1200"/>
-    <cs:bodyPr rot="0" spcFirstLastPara="1" vertOverflow="clip" horzOverflow="clip" vert="horz" wrap="square" lIns="36576" tIns="18288" rIns="36576" bIns="18288" anchor="ctr" anchorCtr="1">
-      <a:spAutoFit/>
-    </cs:bodyPr>
-  </cs:dataLabelCallout>
-  <cs:dataPoint>
-    <cs:lnRef idx="0"/>
-    <cs:fillRef idx="1">
-      <cs:styleClr val="auto"/>
-    </cs:fillRef>
-    <cs:effectRef idx="0"/>
-    <cs:fontRef idx="minor">
-      <a:schemeClr val="tx1"/>
-    </cs:fontRef>
-  </cs:dataPoint>
-  <cs:dataPoint3D>
-    <cs:lnRef idx="0"/>
-    <cs:fillRef idx="1">
-      <cs:styleClr val="auto"/>
-    </cs:fillRef>
-    <cs:effectRef idx="0"/>
-    <cs:fontRef idx="minor">
-      <a:schemeClr val="tx1"/>
-    </cs:fontRef>
-  </cs:dataPoint3D>
-  <cs:dataPointLine>
-    <cs:lnRef idx="0">
-      <cs:styleClr val="auto"/>
-    </cs:lnRef>
-    <cs:fillRef idx="1"/>
-    <cs:effectRef idx="0"/>
-    <cs:fontRef idx="minor">
-      <a:schemeClr val="tx1"/>
-    </cs:fontRef>
-    <cs:spPr>
-      <a:ln w="19050" cap="rnd">
-        <a:solidFill>
-          <a:schemeClr val="phClr"/>
-        </a:solidFill>
-        <a:round/>
-      </a:ln>
-    </cs:spPr>
-  </cs:dataPointLine>
-  <cs:dataPointMarker>
-    <cs:lnRef idx="0">
-      <cs:styleClr val="auto"/>
-    </cs:lnRef>
-    <cs:fillRef idx="1">
-      <cs:styleClr val="auto"/>
-    </cs:fillRef>
-    <cs:effectRef idx="0"/>
-    <cs:fontRef idx="minor">
-      <a:schemeClr val="tx1"/>
-    </cs:fontRef>
-    <cs:spPr>
-      <a:ln w="9525">
-        <a:solidFill>
-          <a:schemeClr val="phClr"/>
-        </a:solidFill>
-      </a:ln>
-    </cs:spPr>
-  </cs:dataPointMarker>
-  <cs:dataPointMarkerLayout symbol="circle" size="5"/>
-  <cs:dataPointWireframe>
-    <cs:lnRef idx="0">
-      <cs:styleClr val="auto"/>
-    </cs:lnRef>
-    <cs:fillRef idx="0"/>
-    <cs:effectRef idx="0"/>
-    <cs:fontRef idx="minor">
-      <a:schemeClr val="dk1"/>
-    </cs:fontRef>
-    <cs:spPr>
-      <a:ln w="9525" cap="rnd">
-        <a:solidFill>
-          <a:schemeClr val="phClr"/>
-        </a:solidFill>
-        <a:round/>
-      </a:ln>
-    </cs:spPr>
-  </cs:dataPointWireframe>
-  <cs:dataTable>
-    <cs:lnRef idx="0"/>
-    <cs:fillRef idx="0"/>
-    <cs:effectRef idx="0"/>
-    <cs:fontRef idx="minor">
-      <a:schemeClr val="tx1">
-        <a:lumMod val="65000"/>
-        <a:lumOff val="35000"/>
-      </a:schemeClr>
-    </cs:fontRef>
-    <cs:spPr>
-      <a:noFill/>
-      <a:ln w="9525" cap="flat" cmpd="sng" algn="ctr">
-        <a:solidFill>
-          <a:schemeClr val="tx1">
-            <a:lumMod val="15000"/>
-            <a:lumOff val="85000"/>
-          </a:schemeClr>
-        </a:solidFill>
-        <a:round/>
-      </a:ln>
-    </cs:spPr>
-    <cs:defRPr sz="900" kern="1200"/>
-  </cs:dataTable>
-  <cs:downBar>
-    <cs:lnRef idx="0"/>
-    <cs:fillRef idx="0"/>
-    <cs:effectRef idx="0"/>
-    <cs:fontRef idx="minor">
-      <a:schemeClr val="tx1"/>
-    </cs:fontRef>
-    <cs:spPr>
-      <a:solidFill>
-        <a:schemeClr val="dk1">
-          <a:lumMod val="75000"/>
-          <a:lumOff val="25000"/>
-        </a:schemeClr>
-      </a:solidFill>
-      <a:ln w="9525" cap="flat" cmpd="sng" algn="ctr">
-        <a:solidFill>
-          <a:schemeClr val="tx1">
-            <a:lumMod val="65000"/>
-            <a:lumOff val="35000"/>
-          </a:schemeClr>
-        </a:solidFill>
-        <a:round/>
-      </a:ln>
-    </cs:spPr>
-  </cs:downBar>
-  <cs:dropLine>
-    <cs:lnRef idx="0"/>
-    <cs:fillRef idx="0"/>
-    <cs:effectRef idx="0"/>
-    <cs:fontRef idx="minor">
-      <a:schemeClr val="tx1"/>
-    </cs:fontRef>
-    <cs:spPr>
-      <a:ln w="9525" cap="flat" cmpd="sng" algn="ctr">
-        <a:solidFill>
-          <a:schemeClr val="tx1">
-            <a:lumMod val="35000"/>
-            <a:lumOff val="65000"/>
-          </a:schemeClr>
-        </a:solidFill>
-        <a:round/>
-      </a:ln>
-    </cs:spPr>
-  </cs:dropLine>
-  <cs:errorBar>
-    <cs:lnRef idx="0"/>
-    <cs:fillRef idx="0"/>
-    <cs:effectRef idx="0"/>
-    <cs:fontRef idx="minor">
-      <a:schemeClr val="tx1"/>
-    </cs:fontRef>
-    <cs:spPr>
-      <a:ln w="9525" cap="flat" cmpd="sng" algn="ctr">
-        <a:solidFill>
-          <a:schemeClr val="tx1">
-            <a:lumMod val="65000"/>
-            <a:lumOff val="35000"/>
-          </a:schemeClr>
-        </a:solidFill>
-        <a:round/>
-      </a:ln>
-    </cs:spPr>
-  </cs:errorBar>
-  <cs:floor>
-    <cs:lnRef idx="0"/>
-    <cs:fillRef idx="0"/>
-    <cs:effectRef idx="0"/>
-    <cs:fontRef idx="minor">
-      <a:schemeClr val="tx1"/>
-    </cs:fontRef>
-    <cs:spPr>
-      <a:noFill/>
-      <a:ln>
-        <a:noFill/>
-      </a:ln>
-    </cs:spPr>
-  </cs:floor>
-  <cs:gridlineMajor>
-    <cs:lnRef idx="0"/>
-    <cs:fillRef idx="0"/>
-    <cs:effectRef idx="0"/>
-    <cs:fontRef idx="minor">
-      <a:schemeClr val="tx1"/>
-    </cs:fontRef>
-    <cs:spPr>
-      <a:ln w="9525" cap="flat" cmpd="sng" algn="ctr">
-        <a:solidFill>
-          <a:schemeClr val="tx1">
-            <a:lumMod val="15000"/>
-            <a:lumOff val="85000"/>
-          </a:schemeClr>
-        </a:solidFill>
-        <a:round/>
-      </a:ln>
-    </cs:spPr>
-  </cs:gridlineMajor>
-  <cs:gridlineMinor>
-    <cs:lnRef idx="0"/>
-    <cs:fillRef idx="0"/>
-    <cs:effectRef idx="0"/>
-    <cs:fontRef idx="minor">
-      <a:schemeClr val="tx1"/>
-    </cs:fontRef>
-    <cs:spPr>
-      <a:ln w="9525" cap="flat" cmpd="sng" algn="ctr">
-        <a:solidFill>
-          <a:schemeClr val="tx1">
-            <a:lumMod val="5000"/>
-            <a:lumOff val="95000"/>
-          </a:schemeClr>
-        </a:solidFill>
-        <a:round/>
-      </a:ln>
-    </cs:spPr>
-  </cs:gridlineMinor>
-  <cs:hiLoLine>
-    <cs:lnRef idx="0"/>
-    <cs:fillRef idx="0"/>
-    <cs:effectRef idx="0"/>
-    <cs:fontRef idx="minor">
-      <a:schemeClr val="tx1"/>
-    </cs:fontRef>
-    <cs:spPr>
-      <a:ln w="9525" cap="flat" cmpd="sng" algn="ctr">
-        <a:solidFill>
-          <a:schemeClr val="tx1">
-            <a:lumMod val="50000"/>
-            <a:lumOff val="50000"/>
-          </a:schemeClr>
-        </a:solidFill>
-        <a:round/>
-      </a:ln>
-    </cs:spPr>
-  </cs:hiLoLine>
-  <cs:leaderLine>
-    <cs:lnRef idx="0"/>
-    <cs:fillRef idx="0"/>
-    <cs:effectRef idx="0"/>
-    <cs:fontRef idx="minor">
-      <a:schemeClr val="tx1"/>
-    </cs:fontRef>
-    <cs:spPr>
-      <a:ln w="9525" cap="flat" cmpd="sng" algn="ctr">
-        <a:solidFill>
-          <a:schemeClr val="tx1">
-            <a:lumMod val="35000"/>
-            <a:lumOff val="65000"/>
-          </a:schemeClr>
-        </a:solidFill>
-        <a:round/>
-      </a:ln>
-    </cs:spPr>
-  </cs:leaderLine>
-  <cs:legend>
-    <cs:lnRef idx="0"/>
-    <cs:fillRef idx="0"/>
-    <cs:effectRef idx="0"/>
-    <cs:fontRef idx="minor">
-      <a:schemeClr val="tx1">
-        <a:lumMod val="65000"/>
-        <a:lumOff val="35000"/>
-      </a:schemeClr>
-    </cs:fontRef>
-    <cs:defRPr sz="900" kern="1200"/>
-  </cs:legend>
-  <cs:plotArea mods="allowNoFillOverride allowNoLineOverride">
-    <cs:lnRef idx="0"/>
-    <cs:fillRef idx="0"/>
-    <cs:effectRef idx="0"/>
-    <cs:fontRef idx="minor">
-      <a:schemeClr val="tx1"/>
-    </cs:fontRef>
-  </cs:plotArea>
-  <cs:plotArea3D mods="allowNoFillOverride allowNoLineOverride">
-    <cs:lnRef idx="0"/>
-    <cs:fillRef idx="0"/>
-    <cs:effectRef idx="0"/>
-    <cs:fontRef idx="minor">
-      <a:schemeClr val="tx1"/>
-    </cs:fontRef>
-  </cs:plotArea3D>
-  <cs:seriesAxis>
-    <cs:lnRef idx="0"/>
-    <cs:fillRef idx="0"/>
-    <cs:effectRef idx="0"/>
-    <cs:fontRef idx="minor">
-      <a:schemeClr val="tx1">
-        <a:lumMod val="65000"/>
-        <a:lumOff val="35000"/>
-      </a:schemeClr>
-    </cs:fontRef>
-    <cs:defRPr sz="900" kern="1200"/>
-  </cs:seriesAxis>
-  <cs:seriesLine>
-    <cs:lnRef idx="0"/>
-    <cs:fillRef idx="0"/>
-    <cs:effectRef idx="0"/>
-    <cs:fontRef idx="minor">
-      <a:schemeClr val="tx1"/>
-    </cs:fontRef>
-    <cs:spPr>
-      <a:ln w="9525" cap="flat" cmpd="sng" algn="ctr">
-        <a:solidFill>
-          <a:schemeClr val="tx1">
-            <a:lumMod val="35000"/>
-            <a:lumOff val="65000"/>
-          </a:schemeClr>
-        </a:solidFill>
-        <a:round/>
-      </a:ln>
-    </cs:spPr>
-  </cs:seriesLine>
-  <cs:title>
-    <cs:lnRef idx="0"/>
-    <cs:fillRef idx="0"/>
-    <cs:effectRef idx="0"/>
-    <cs:fontRef idx="minor">
-      <a:schemeClr val="tx1">
-        <a:lumMod val="65000"/>
-        <a:lumOff val="35000"/>
-      </a:schemeClr>
-    </cs:fontRef>
-    <cs:defRPr sz="1400" b="0" kern="1200" spc="0" baseline="0"/>
-  </cs:title>
-  <cs:trendline>
-    <cs:lnRef idx="0">
-      <cs:styleClr val="auto"/>
-    </cs:lnRef>
-    <cs:fillRef idx="0"/>
-    <cs:effectRef idx="0"/>
-    <cs:fontRef idx="minor">
-      <a:schemeClr val="tx1"/>
-    </cs:fontRef>
-    <cs:spPr>
-      <a:ln w="19050" cap="rnd">
-        <a:solidFill>
-          <a:schemeClr val="phClr"/>
-        </a:solidFill>
-        <a:prstDash val="sysDot"/>
-      </a:ln>
-    </cs:spPr>
-  </cs:trendline>
-  <cs:trendlineLabel>
-    <cs:lnRef idx="0"/>
-    <cs:fillRef idx="0"/>
-    <cs:effectRef idx="0"/>
-    <cs:fontRef idx="minor">
-      <a:schemeClr val="tx1">
-        <a:lumMod val="65000"/>
-        <a:lumOff val="35000"/>
-      </a:schemeClr>
-    </cs:fontRef>
-    <cs:defRPr sz="900" kern="1200"/>
-  </cs:trendlineLabel>
-  <cs:upBar>
-    <cs:lnRef idx="0"/>
-    <cs:fillRef idx="0"/>
-    <cs:effectRef idx="0"/>
-    <cs:fontRef idx="minor">
-      <a:schemeClr val="tx1"/>
-    </cs:fontRef>
-    <cs:spPr>
-      <a:solidFill>
-        <a:schemeClr val="lt1"/>
-      </a:solidFill>
-      <a:ln w="9525" cap="flat" cmpd="sng" algn="ctr">
-        <a:solidFill>
-          <a:schemeClr val="tx1">
-            <a:lumMod val="65000"/>
-            <a:lumOff val="35000"/>
-          </a:schemeClr>
-        </a:solidFill>
-        <a:round/>
-      </a:ln>
-    </cs:spPr>
-  </cs:upBar>
-  <cs:valueAxis>
-    <cs:lnRef idx="0"/>
-    <cs:fillRef idx="0"/>
-    <cs:effectRef idx="0"/>
-    <cs:fontRef idx="minor">
-      <a:schemeClr val="tx1">
-        <a:lumMod val="65000"/>
-        <a:lumOff val="35000"/>
-      </a:schemeClr>
-    </cs:fontRef>
-    <cs:spPr>
-      <a:ln w="9525" cap="flat" cmpd="sng" algn="ctr">
-        <a:solidFill>
-          <a:schemeClr val="tx1">
-            <a:lumMod val="25000"/>
-            <a:lumOff val="75000"/>
-          </a:schemeClr>
-        </a:solidFill>
-        <a:round/>
-      </a:ln>
-    </cs:spPr>
-    <cs:defRPr sz="900" kern="1200"/>
-  </cs:valueAxis>
-  <cs:wall>
-    <cs:lnRef idx="0"/>
-    <cs:fillRef idx="0"/>
-    <cs:effectRef idx="0"/>
-    <cs:fontRef idx="minor">
-      <a:schemeClr val="tx1"/>
-    </cs:fontRef>
-    <cs:spPr>
-      <a:noFill/>
-      <a:ln>
-        <a:noFill/>
-      </a:ln>
-    </cs:spPr>
-  </cs:wall>
-</cs:chartStyle>
-</file>
-
-<file path=ppt/charts/style3.xml><?xml version="1.0" encoding="utf-8"?>
-<cs:chartStyle xmlns:cs="http://schemas.microsoft.com/office/drawing/2012/chartStyle" xmlns:a="http://schemas.openxmlformats.org/drawingml/2006/main" id="240">
-  <cs:axisTitle>
-    <cs:lnRef idx="0"/>
-    <cs:fillRef idx="0"/>
-    <cs:effectRef idx="0"/>
-    <cs:fontRef idx="minor">
-      <a:schemeClr val="tx1">
-        <a:lumMod val="65000"/>
-        <a:lumOff val="35000"/>
-      </a:schemeClr>
-    </cs:fontRef>
-    <cs:defRPr sz="1000" kern="1200"/>
-  </cs:axisTitle>
-  <cs:categoryAxis>
-    <cs:lnRef idx="0"/>
-    <cs:fillRef idx="0"/>
-    <cs:effectRef idx="0"/>
-    <cs:fontRef idx="minor">
-      <a:schemeClr val="tx1">
-        <a:lumMod val="65000"/>
-        <a:lumOff val="35000"/>
-      </a:schemeClr>
-    </cs:fontRef>
-    <cs:spPr>
-      <a:ln w="9525" cap="flat" cmpd="sng" algn="ctr">
-        <a:solidFill>
-          <a:schemeClr val="tx1">
-            <a:lumMod val="25000"/>
-            <a:lumOff val="75000"/>
-          </a:schemeClr>
-        </a:solidFill>
-        <a:round/>
-      </a:ln>
-    </cs:spPr>
-    <cs:defRPr sz="900" kern="1200"/>
-  </cs:categoryAxis>
-  <cs:chartArea mods="allowNoFillOverride allowNoLineOverride">
-    <cs:lnRef idx="0"/>
-    <cs:fillRef idx="0"/>
-    <cs:effectRef idx="0"/>
-    <cs:fontRef idx="minor">
-      <a:schemeClr val="tx1"/>
-    </cs:fontRef>
-    <cs:spPr>
-      <a:solidFill>
-        <a:schemeClr val="bg1"/>
-      </a:solidFill>
-      <a:ln w="9525" cap="flat" cmpd="sng" algn="ctr">
-        <a:solidFill>
-          <a:schemeClr val="tx1">
-            <a:lumMod val="15000"/>
-            <a:lumOff val="85000"/>
-          </a:schemeClr>
-        </a:solidFill>
-        <a:round/>
-      </a:ln>
-    </cs:spPr>
-    <cs:defRPr sz="1000" kern="1200"/>
-  </cs:chartArea>
-  <cs:dataLabel>
-    <cs:lnRef idx="0"/>
-    <cs:fillRef idx="0"/>
-    <cs:effectRef idx="0"/>
-    <cs:fontRef idx="minor">
-      <a:schemeClr val="tx1">
-        <a:lumMod val="75000"/>
-        <a:lumOff val="25000"/>
-      </a:schemeClr>
-    </cs:fontRef>
-    <cs:defRPr sz="900" kern="1200"/>
-  </cs:dataLabel>
-  <cs:dataLabelCallout>
-    <cs:lnRef idx="0"/>
-    <cs:fillRef idx="0"/>
-    <cs:effectRef idx="0"/>
-    <cs:fontRef idx="minor">
-      <a:schemeClr val="dk1">
-        <a:lumMod val="65000"/>
-        <a:lumOff val="35000"/>
-      </a:schemeClr>
-    </cs:fontRef>
-    <cs:spPr>
-      <a:solidFill>
-        <a:schemeClr val="lt1"/>
-      </a:solidFill>
-      <a:ln>
-        <a:solidFill>
-          <a:schemeClr val="dk1">
-            <a:lumMod val="25000"/>
-            <a:lumOff val="75000"/>
-          </a:schemeClr>
-        </a:solidFill>
-      </a:ln>
-    </cs:spPr>
-    <cs:defRPr sz="900" kern="1200"/>
-    <cs:bodyPr rot="0" spcFirstLastPara="1" vertOverflow="clip" horzOverflow="clip" vert="horz" wrap="square" lIns="36576" tIns="18288" rIns="36576" bIns="18288" anchor="ctr" anchorCtr="1">
-      <a:spAutoFit/>
-    </cs:bodyPr>
-  </cs:dataLabelCallout>
-  <cs:dataPoint>
-    <cs:lnRef idx="0"/>
-    <cs:fillRef idx="1">
-      <cs:styleClr val="auto"/>
-    </cs:fillRef>
-    <cs:effectRef idx="0"/>
-    <cs:fontRef idx="minor">
-      <a:schemeClr val="tx1"/>
-    </cs:fontRef>
-  </cs:dataPoint>
-  <cs:dataPoint3D>
-    <cs:lnRef idx="0"/>
-    <cs:fillRef idx="1">
-      <cs:styleClr val="auto"/>
-    </cs:fillRef>
-    <cs:effectRef idx="0"/>
-    <cs:fontRef idx="minor">
-      <a:schemeClr val="tx1"/>
-    </cs:fontRef>
-  </cs:dataPoint3D>
-  <cs:dataPointLine>
-    <cs:lnRef idx="0">
-      <cs:styleClr val="auto"/>
-    </cs:lnRef>
-    <cs:fillRef idx="1"/>
-    <cs:effectRef idx="0"/>
-    <cs:fontRef idx="minor">
-      <a:schemeClr val="tx1"/>
-    </cs:fontRef>
-    <cs:spPr>
-      <a:ln w="19050" cap="rnd">
-        <a:solidFill>
-          <a:schemeClr val="phClr"/>
-        </a:solidFill>
-        <a:round/>
-      </a:ln>
-    </cs:spPr>
-  </cs:dataPointLine>
-  <cs:dataPointMarker>
-    <cs:lnRef idx="0">
-      <cs:styleClr val="auto"/>
-    </cs:lnRef>
-    <cs:fillRef idx="1">
-      <cs:styleClr val="auto"/>
-    </cs:fillRef>
-    <cs:effectRef idx="0"/>
-    <cs:fontRef idx="minor">
-      <a:schemeClr val="tx1"/>
-    </cs:fontRef>
-    <cs:spPr>
-      <a:ln w="9525">
-        <a:solidFill>
-          <a:schemeClr val="phClr"/>
-        </a:solidFill>
-      </a:ln>
-    </cs:spPr>
-  </cs:dataPointMarker>
-  <cs:dataPointMarkerLayout symbol="circle" size="5"/>
-  <cs:dataPointWireframe>
-    <cs:lnRef idx="0">
-      <cs:styleClr val="auto"/>
-    </cs:lnRef>
-    <cs:fillRef idx="0"/>
-    <cs:effectRef idx="0"/>
-    <cs:fontRef idx="minor">
-      <a:schemeClr val="dk1"/>
-    </cs:fontRef>
-    <cs:spPr>
-      <a:ln w="9525" cap="rnd">
-        <a:solidFill>
-          <a:schemeClr val="phClr"/>
-        </a:solidFill>
-        <a:round/>
-      </a:ln>
-    </cs:spPr>
-  </cs:dataPointWireframe>
-  <cs:dataTable>
-    <cs:lnRef idx="0"/>
-    <cs:fillRef idx="0"/>
-    <cs:effectRef idx="0"/>
-    <cs:fontRef idx="minor">
-      <a:schemeClr val="tx1">
-        <a:lumMod val="65000"/>
-        <a:lumOff val="35000"/>
-      </a:schemeClr>
-    </cs:fontRef>
-    <cs:spPr>
-      <a:noFill/>
-      <a:ln w="9525" cap="flat" cmpd="sng" algn="ctr">
-        <a:solidFill>
-          <a:schemeClr val="tx1">
-            <a:lumMod val="15000"/>
-            <a:lumOff val="85000"/>
-          </a:schemeClr>
-        </a:solidFill>
-        <a:round/>
-      </a:ln>
-    </cs:spPr>
-    <cs:defRPr sz="900" kern="1200"/>
-  </cs:dataTable>
-  <cs:downBar>
-    <cs:lnRef idx="0"/>
-    <cs:fillRef idx="0"/>
-    <cs:effectRef idx="0"/>
-    <cs:fontRef idx="minor">
-      <a:schemeClr val="tx1"/>
-    </cs:fontRef>
-    <cs:spPr>
-      <a:solidFill>
-        <a:schemeClr val="dk1">
-          <a:lumMod val="75000"/>
-          <a:lumOff val="25000"/>
-        </a:schemeClr>
-      </a:solidFill>
-      <a:ln w="9525" cap="flat" cmpd="sng" algn="ctr">
-        <a:solidFill>
-          <a:schemeClr val="tx1">
-            <a:lumMod val="65000"/>
-            <a:lumOff val="35000"/>
-          </a:schemeClr>
-        </a:solidFill>
-        <a:round/>
-      </a:ln>
-    </cs:spPr>
-  </cs:downBar>
-  <cs:dropLine>
-    <cs:lnRef idx="0"/>
-    <cs:fillRef idx="0"/>
-    <cs:effectRef idx="0"/>
-    <cs:fontRef idx="minor">
-      <a:schemeClr val="tx1"/>
-    </cs:fontRef>
-    <cs:spPr>
-      <a:ln w="9525" cap="flat" cmpd="sng" algn="ctr">
-        <a:solidFill>
-          <a:schemeClr val="tx1">
-            <a:lumMod val="35000"/>
-            <a:lumOff val="65000"/>
-          </a:schemeClr>
-        </a:solidFill>
-        <a:round/>
-      </a:ln>
-    </cs:spPr>
-  </cs:dropLine>
-  <cs:errorBar>
-    <cs:lnRef idx="0"/>
-    <cs:fillRef idx="0"/>
-    <cs:effectRef idx="0"/>
-    <cs:fontRef idx="minor">
-      <a:schemeClr val="tx1"/>
-    </cs:fontRef>
-    <cs:spPr>
-      <a:ln w="9525" cap="flat" cmpd="sng" algn="ctr">
-        <a:solidFill>
-          <a:schemeClr val="tx1">
-            <a:lumMod val="65000"/>
-            <a:lumOff val="35000"/>
-          </a:schemeClr>
-        </a:solidFill>
-        <a:round/>
-      </a:ln>
-    </cs:spPr>
-  </cs:errorBar>
-  <cs:floor>
-    <cs:lnRef idx="0"/>
-    <cs:fillRef idx="0"/>
-    <cs:effectRef idx="0"/>
-    <cs:fontRef idx="minor">
-      <a:schemeClr val="tx1"/>
-    </cs:fontRef>
-    <cs:spPr>
-      <a:noFill/>
-      <a:ln>
-        <a:noFill/>
-      </a:ln>
-    </cs:spPr>
-  </cs:floor>
-  <cs:gridlineMajor>
-    <cs:lnRef idx="0"/>
-    <cs:fillRef idx="0"/>
-    <cs:effectRef idx="0"/>
-    <cs:fontRef idx="minor">
-      <a:schemeClr val="tx1"/>
-    </cs:fontRef>
-    <cs:spPr>
-      <a:ln w="9525" cap="flat" cmpd="sng" algn="ctr">
-        <a:solidFill>
-          <a:schemeClr val="tx1">
-            <a:lumMod val="15000"/>
-            <a:lumOff val="85000"/>
-          </a:schemeClr>
-        </a:solidFill>
-        <a:round/>
-      </a:ln>
-    </cs:spPr>
-  </cs:gridlineMajor>
-  <cs:gridlineMinor>
-    <cs:lnRef idx="0"/>
-    <cs:fillRef idx="0"/>
-    <cs:effectRef idx="0"/>
-    <cs:fontRef idx="minor">
-      <a:schemeClr val="tx1"/>
-    </cs:fontRef>
-    <cs:spPr>
-      <a:ln w="9525" cap="flat" cmpd="sng" algn="ctr">
-        <a:solidFill>
-          <a:schemeClr val="tx1">
-            <a:lumMod val="5000"/>
-            <a:lumOff val="95000"/>
-          </a:schemeClr>
-        </a:solidFill>
-        <a:round/>
-      </a:ln>
-    </cs:spPr>
-  </cs:gridlineMinor>
-  <cs:hiLoLine>
-    <cs:lnRef idx="0"/>
-    <cs:fillRef idx="0"/>
-    <cs:effectRef idx="0"/>
-    <cs:fontRef idx="minor">
-      <a:schemeClr val="tx1"/>
-    </cs:fontRef>
-    <cs:spPr>
-      <a:ln w="9525" cap="flat" cmpd="sng" algn="ctr">
-        <a:solidFill>
-          <a:schemeClr val="tx1">
-            <a:lumMod val="50000"/>
-            <a:lumOff val="50000"/>
-          </a:schemeClr>
-        </a:solidFill>
-        <a:round/>
-      </a:ln>
-    </cs:spPr>
-  </cs:hiLoLine>
-  <cs:leaderLine>
-    <cs:lnRef idx="0"/>
-    <cs:fillRef idx="0"/>
-    <cs:effectRef idx="0"/>
-    <cs:fontRef idx="minor">
-      <a:schemeClr val="tx1"/>
-    </cs:fontRef>
-    <cs:spPr>
-      <a:ln w="9525" cap="flat" cmpd="sng" algn="ctr">
-        <a:solidFill>
-          <a:schemeClr val="tx1">
-            <a:lumMod val="35000"/>
-            <a:lumOff val="65000"/>
-          </a:schemeClr>
-        </a:solidFill>
-        <a:round/>
-      </a:ln>
-    </cs:spPr>
-  </cs:leaderLine>
-  <cs:legend>
-    <cs:lnRef idx="0"/>
-    <cs:fillRef idx="0"/>
-    <cs:effectRef idx="0"/>
-    <cs:fontRef idx="minor">
-      <a:schemeClr val="tx1">
-        <a:lumMod val="65000"/>
-        <a:lumOff val="35000"/>
-      </a:schemeClr>
-    </cs:fontRef>
-    <cs:defRPr sz="900" kern="1200"/>
-  </cs:legend>
-  <cs:plotArea mods="allowNoFillOverride allowNoLineOverride">
-    <cs:lnRef idx="0"/>
-    <cs:fillRef idx="0"/>
-    <cs:effectRef idx="0"/>
-    <cs:fontRef idx="minor">
-      <a:schemeClr val="tx1"/>
-    </cs:fontRef>
-  </cs:plotArea>
-  <cs:plotArea3D mods="allowNoFillOverride allowNoLineOverride">
-    <cs:lnRef idx="0"/>
-    <cs:fillRef idx="0"/>
-    <cs:effectRef idx="0"/>
-    <cs:fontRef idx="minor">
-      <a:schemeClr val="tx1"/>
-    </cs:fontRef>
-  </cs:plotArea3D>
-  <cs:seriesAxis>
-    <cs:lnRef idx="0"/>
-    <cs:fillRef idx="0"/>
-    <cs:effectRef idx="0"/>
-    <cs:fontRef idx="minor">
-      <a:schemeClr val="tx1">
-        <a:lumMod val="65000"/>
-        <a:lumOff val="35000"/>
-      </a:schemeClr>
-    </cs:fontRef>
-    <cs:defRPr sz="900" kern="1200"/>
-  </cs:seriesAxis>
-  <cs:seriesLine>
-    <cs:lnRef idx="0"/>
-    <cs:fillRef idx="0"/>
-    <cs:effectRef idx="0"/>
-    <cs:fontRef idx="minor">
-      <a:schemeClr val="tx1"/>
-    </cs:fontRef>
-    <cs:spPr>
-      <a:ln w="9525" cap="flat" cmpd="sng" algn="ctr">
-        <a:solidFill>
-          <a:schemeClr val="tx1">
-            <a:lumMod val="35000"/>
-            <a:lumOff val="65000"/>
-          </a:schemeClr>
-        </a:solidFill>
-        <a:round/>
-      </a:ln>
-    </cs:spPr>
-  </cs:seriesLine>
-  <cs:title>
-    <cs:lnRef idx="0"/>
-    <cs:fillRef idx="0"/>
-    <cs:effectRef idx="0"/>
-    <cs:fontRef idx="minor">
-      <a:schemeClr val="tx1">
-        <a:lumMod val="65000"/>
-        <a:lumOff val="35000"/>
-      </a:schemeClr>
-    </cs:fontRef>
-    <cs:defRPr sz="1400" b="0" kern="1200" spc="0" baseline="0"/>
-  </cs:title>
-  <cs:trendline>
-    <cs:lnRef idx="0">
-      <cs:styleClr val="auto"/>
-    </cs:lnRef>
-    <cs:fillRef idx="0"/>
-    <cs:effectRef idx="0"/>
-    <cs:fontRef idx="minor">
-      <a:schemeClr val="tx1"/>
-    </cs:fontRef>
-    <cs:spPr>
-      <a:ln w="19050" cap="rnd">
-        <a:solidFill>
-          <a:schemeClr val="phClr"/>
-        </a:solidFill>
-        <a:prstDash val="sysDot"/>
-      </a:ln>
-    </cs:spPr>
-  </cs:trendline>
-  <cs:trendlineLabel>
-    <cs:lnRef idx="0"/>
-    <cs:fillRef idx="0"/>
-    <cs:effectRef idx="0"/>
-    <cs:fontRef idx="minor">
-      <a:schemeClr val="tx1">
-        <a:lumMod val="65000"/>
-        <a:lumOff val="35000"/>
-      </a:schemeClr>
-    </cs:fontRef>
-    <cs:defRPr sz="900" kern="1200"/>
-  </cs:trendlineLabel>
-  <cs:upBar>
-    <cs:lnRef idx="0"/>
-    <cs:fillRef idx="0"/>
-    <cs:effectRef idx="0"/>
-    <cs:fontRef idx="minor">
-      <a:schemeClr val="tx1"/>
-    </cs:fontRef>
-    <cs:spPr>
-      <a:solidFill>
-        <a:schemeClr val="lt1"/>
-      </a:solidFill>
-      <a:ln w="9525" cap="flat" cmpd="sng" algn="ctr">
-        <a:solidFill>
-          <a:schemeClr val="tx1">
-            <a:lumMod val="65000"/>
-            <a:lumOff val="35000"/>
-          </a:schemeClr>
-        </a:solidFill>
-        <a:round/>
-      </a:ln>
-    </cs:spPr>
-  </cs:upBar>
-  <cs:valueAxis>
-    <cs:lnRef idx="0"/>
-    <cs:fillRef idx="0"/>
-    <cs:effectRef idx="0"/>
-    <cs:fontRef idx="minor">
-      <a:schemeClr val="tx1">
-        <a:lumMod val="65000"/>
-        <a:lumOff val="35000"/>
-      </a:schemeClr>
-    </cs:fontRef>
-    <cs:spPr>
-      <a:ln w="9525" cap="flat" cmpd="sng" algn="ctr">
-        <a:solidFill>
-          <a:schemeClr val="tx1">
-            <a:lumMod val="25000"/>
-            <a:lumOff val="75000"/>
-          </a:schemeClr>
-        </a:solidFill>
-        <a:round/>
-      </a:ln>
-    </cs:spPr>
-    <cs:defRPr sz="900" kern="1200"/>
-  </cs:valueAxis>
-  <cs:wall>
-    <cs:lnRef idx="0"/>
-    <cs:fillRef idx="0"/>
-    <cs:effectRef idx="0"/>
-    <cs:fontRef idx="minor">
-      <a:schemeClr val="tx1"/>
-    </cs:fontRef>
-    <cs:spPr>
-      <a:noFill/>
-      <a:ln>
-        <a:noFill/>
-      </a:ln>
-    </cs:spPr>
-  </cs:wall>
-</cs:chartStyle>
-</file>
-
-<file path=ppt/charts/style4.xml><?xml version="1.0" encoding="utf-8"?>
-<cs:chartStyle xmlns:cs="http://schemas.microsoft.com/office/drawing/2012/chartStyle" xmlns:a="http://schemas.openxmlformats.org/drawingml/2006/main" id="240">
-  <cs:axisTitle>
-    <cs:lnRef idx="0"/>
-    <cs:fillRef idx="0"/>
-    <cs:effectRef idx="0"/>
-    <cs:fontRef idx="minor">
-      <a:schemeClr val="tx1">
-        <a:lumMod val="65000"/>
-        <a:lumOff val="35000"/>
-      </a:schemeClr>
-    </cs:fontRef>
-    <cs:defRPr sz="1000" kern="1200"/>
-  </cs:axisTitle>
-  <cs:categoryAxis>
-    <cs:lnRef idx="0"/>
-    <cs:fillRef idx="0"/>
-    <cs:effectRef idx="0"/>
-    <cs:fontRef idx="minor">
-      <a:schemeClr val="tx1">
-        <a:lumMod val="65000"/>
-        <a:lumOff val="35000"/>
-      </a:schemeClr>
-    </cs:fontRef>
-    <cs:spPr>
-      <a:ln w="9525" cap="flat" cmpd="sng" algn="ctr">
-        <a:solidFill>
-          <a:schemeClr val="tx1">
-            <a:lumMod val="25000"/>
-            <a:lumOff val="75000"/>
-          </a:schemeClr>
-        </a:solidFill>
-        <a:round/>
-      </a:ln>
-    </cs:spPr>
-    <cs:defRPr sz="900" kern="1200"/>
-  </cs:categoryAxis>
-  <cs:chartArea mods="allowNoFillOverride allowNoLineOverride">
-    <cs:lnRef idx="0"/>
-    <cs:fillRef idx="0"/>
-    <cs:effectRef idx="0"/>
-    <cs:fontRef idx="minor">
-      <a:schemeClr val="tx1"/>
-    </cs:fontRef>
-    <cs:spPr>
-      <a:solidFill>
-        <a:schemeClr val="bg1"/>
-      </a:solidFill>
-      <a:ln w="9525" cap="flat" cmpd="sng" algn="ctr">
-        <a:solidFill>
-          <a:schemeClr val="tx1">
-            <a:lumMod val="15000"/>
-            <a:lumOff val="85000"/>
-          </a:schemeClr>
-        </a:solidFill>
-        <a:round/>
-      </a:ln>
-    </cs:spPr>
-    <cs:defRPr sz="1000" kern="1200"/>
-  </cs:chartArea>
-  <cs:dataLabel>
-    <cs:lnRef idx="0"/>
-    <cs:fillRef idx="0"/>
-    <cs:effectRef idx="0"/>
-    <cs:fontRef idx="minor">
-      <a:schemeClr val="tx1">
-        <a:lumMod val="75000"/>
-        <a:lumOff val="25000"/>
-      </a:schemeClr>
-    </cs:fontRef>
-    <cs:defRPr sz="900" kern="1200"/>
-  </cs:dataLabel>
-  <cs:dataLabelCallout>
-    <cs:lnRef idx="0"/>
-    <cs:fillRef idx="0"/>
-    <cs:effectRef idx="0"/>
-    <cs:fontRef idx="minor">
-      <a:schemeClr val="dk1">
-        <a:lumMod val="65000"/>
-        <a:lumOff val="35000"/>
-      </a:schemeClr>
-    </cs:fontRef>
-    <cs:spPr>
-      <a:solidFill>
-        <a:schemeClr val="lt1"/>
-      </a:solidFill>
-      <a:ln>
-        <a:solidFill>
-          <a:schemeClr val="dk1">
-            <a:lumMod val="25000"/>
-            <a:lumOff val="75000"/>
-          </a:schemeClr>
-        </a:solidFill>
-      </a:ln>
-    </cs:spPr>
-    <cs:defRPr sz="900" kern="1200"/>
-    <cs:bodyPr rot="0" spcFirstLastPara="1" vertOverflow="clip" horzOverflow="clip" vert="horz" wrap="square" lIns="36576" tIns="18288" rIns="36576" bIns="18288" anchor="ctr" anchorCtr="1">
-      <a:spAutoFit/>
-    </cs:bodyPr>
-  </cs:dataLabelCallout>
-  <cs:dataPoint>
-    <cs:lnRef idx="0"/>
-    <cs:fillRef idx="1">
-      <cs:styleClr val="auto"/>
-    </cs:fillRef>
-    <cs:effectRef idx="0"/>
-    <cs:fontRef idx="minor">
-      <a:schemeClr val="tx1"/>
-    </cs:fontRef>
-  </cs:dataPoint>
-  <cs:dataPoint3D>
-    <cs:lnRef idx="0"/>
-    <cs:fillRef idx="1">
-      <cs:styleClr val="auto"/>
-    </cs:fillRef>
-    <cs:effectRef idx="0"/>
-    <cs:fontRef idx="minor">
-      <a:schemeClr val="tx1"/>
-    </cs:fontRef>
-  </cs:dataPoint3D>
-  <cs:dataPointLine>
-    <cs:lnRef idx="0">
-      <cs:styleClr val="auto"/>
-    </cs:lnRef>
-    <cs:fillRef idx="1"/>
-    <cs:effectRef idx="0"/>
-    <cs:fontRef idx="minor">
-      <a:schemeClr val="tx1"/>
-    </cs:fontRef>
-    <cs:spPr>
-      <a:ln w="19050" cap="rnd">
-        <a:solidFill>
-          <a:schemeClr val="phClr"/>
-        </a:solidFill>
-        <a:round/>
-      </a:ln>
-    </cs:spPr>
-  </cs:dataPointLine>
-  <cs:dataPointMarker>
-    <cs:lnRef idx="0">
-      <cs:styleClr val="auto"/>
-    </cs:lnRef>
-    <cs:fillRef idx="1">
-      <cs:styleClr val="auto"/>
-    </cs:fillRef>
-    <cs:effectRef idx="0"/>
-    <cs:fontRef idx="minor">
-      <a:schemeClr val="tx1"/>
-    </cs:fontRef>
-    <cs:spPr>
-      <a:ln w="9525">
-        <a:solidFill>
-          <a:schemeClr val="phClr"/>
-        </a:solidFill>
-      </a:ln>
-    </cs:spPr>
-  </cs:dataPointMarker>
-  <cs:dataPointMarkerLayout symbol="circle" size="5"/>
-  <cs:dataPointWireframe>
-    <cs:lnRef idx="0">
-      <cs:styleClr val="auto"/>
-    </cs:lnRef>
-    <cs:fillRef idx="0"/>
-    <cs:effectRef idx="0"/>
-    <cs:fontRef idx="minor">
-      <a:schemeClr val="dk1"/>
-    </cs:fontRef>
-    <cs:spPr>
-      <a:ln w="9525" cap="rnd">
-        <a:solidFill>
-          <a:schemeClr val="phClr"/>
-        </a:solidFill>
-        <a:round/>
-      </a:ln>
-    </cs:spPr>
-  </cs:dataPointWireframe>
-  <cs:dataTable>
-    <cs:lnRef idx="0"/>
-    <cs:fillRef idx="0"/>
-    <cs:effectRef idx="0"/>
-    <cs:fontRef idx="minor">
-      <a:schemeClr val="tx1">
-        <a:lumMod val="65000"/>
-        <a:lumOff val="35000"/>
-      </a:schemeClr>
-    </cs:fontRef>
-    <cs:spPr>
-      <a:noFill/>
-      <a:ln w="9525" cap="flat" cmpd="sng" algn="ctr">
-        <a:solidFill>
-          <a:schemeClr val="tx1">
-            <a:lumMod val="15000"/>
-            <a:lumOff val="85000"/>
-          </a:schemeClr>
-        </a:solidFill>
-        <a:round/>
-      </a:ln>
-    </cs:spPr>
-    <cs:defRPr sz="900" kern="1200"/>
-  </cs:dataTable>
-  <cs:downBar>
-    <cs:lnRef idx="0"/>
-    <cs:fillRef idx="0"/>
-    <cs:effectRef idx="0"/>
-    <cs:fontRef idx="minor">
-      <a:schemeClr val="tx1"/>
-    </cs:fontRef>
-    <cs:spPr>
-      <a:solidFill>
-        <a:schemeClr val="dk1">
-          <a:lumMod val="75000"/>
-          <a:lumOff val="25000"/>
-        </a:schemeClr>
-      </a:solidFill>
-      <a:ln w="9525" cap="flat" cmpd="sng" algn="ctr">
-        <a:solidFill>
-          <a:schemeClr val="tx1">
-            <a:lumMod val="65000"/>
-            <a:lumOff val="35000"/>
-          </a:schemeClr>
-        </a:solidFill>
-        <a:round/>
-      </a:ln>
-    </cs:spPr>
-  </cs:downBar>
-  <cs:dropLine>
-    <cs:lnRef idx="0"/>
-    <cs:fillRef idx="0"/>
-    <cs:effectRef idx="0"/>
-    <cs:fontRef idx="minor">
-      <a:schemeClr val="tx1"/>
-    </cs:fontRef>
-    <cs:spPr>
-      <a:ln w="9525" cap="flat" cmpd="sng" algn="ctr">
-        <a:solidFill>
-          <a:schemeClr val="tx1">
-            <a:lumMod val="35000"/>
-            <a:lumOff val="65000"/>
-          </a:schemeClr>
-        </a:solidFill>
-        <a:round/>
-      </a:ln>
-    </cs:spPr>
-  </cs:dropLine>
-  <cs:errorBar>
-    <cs:lnRef idx="0"/>
-    <cs:fillRef idx="0"/>
-    <cs:effectRef idx="0"/>
-    <cs:fontRef idx="minor">
-      <a:schemeClr val="tx1"/>
-    </cs:fontRef>
-    <cs:spPr>
-      <a:ln w="9525" cap="flat" cmpd="sng" algn="ctr">
-        <a:solidFill>
-          <a:schemeClr val="tx1">
-            <a:lumMod val="65000"/>
-            <a:lumOff val="35000"/>
-          </a:schemeClr>
-        </a:solidFill>
-        <a:round/>
-      </a:ln>
-    </cs:spPr>
-  </cs:errorBar>
-  <cs:floor>
-    <cs:lnRef idx="0"/>
-    <cs:fillRef idx="0"/>
-    <cs:effectRef idx="0"/>
-    <cs:fontRef idx="minor">
-      <a:schemeClr val="tx1"/>
-    </cs:fontRef>
-    <cs:spPr>
-      <a:noFill/>
-      <a:ln>
-        <a:noFill/>
-      </a:ln>
-    </cs:spPr>
-  </cs:floor>
-  <cs:gridlineMajor>
-    <cs:lnRef idx="0"/>
-    <cs:fillRef idx="0"/>
-    <cs:effectRef idx="0"/>
-    <cs:fontRef idx="minor">
-      <a:schemeClr val="tx1"/>
-    </cs:fontRef>
-    <cs:spPr>
-      <a:ln w="9525" cap="flat" cmpd="sng" algn="ctr">
-        <a:solidFill>
-          <a:schemeClr val="tx1">
-            <a:lumMod val="15000"/>
-            <a:lumOff val="85000"/>
-          </a:schemeClr>
-        </a:solidFill>
-        <a:round/>
-      </a:ln>
-    </cs:spPr>
-  </cs:gridlineMajor>
-  <cs:gridlineMinor>
-    <cs:lnRef idx="0"/>
-    <cs:fillRef idx="0"/>
-    <cs:effectRef idx="0"/>
-    <cs:fontRef idx="minor">
-      <a:schemeClr val="tx1"/>
-    </cs:fontRef>
-    <cs:spPr>
-      <a:ln w="9525" cap="flat" cmpd="sng" algn="ctr">
-        <a:solidFill>
-          <a:schemeClr val="tx1">
-            <a:lumMod val="5000"/>
-            <a:lumOff val="95000"/>
-          </a:schemeClr>
-        </a:solidFill>
-        <a:round/>
-      </a:ln>
-    </cs:spPr>
-  </cs:gridlineMinor>
-  <cs:hiLoLine>
-    <cs:lnRef idx="0"/>
-    <cs:fillRef idx="0"/>
-    <cs:effectRef idx="0"/>
-    <cs:fontRef idx="minor">
-      <a:schemeClr val="tx1"/>
-    </cs:fontRef>
-    <cs:spPr>
-      <a:ln w="9525" cap="flat" cmpd="sng" algn="ctr">
-        <a:solidFill>
-          <a:schemeClr val="tx1">
-            <a:lumMod val="50000"/>
-            <a:lumOff val="50000"/>
-          </a:schemeClr>
-        </a:solidFill>
-        <a:round/>
-      </a:ln>
-    </cs:spPr>
-  </cs:hiLoLine>
-  <cs:leaderLine>
-    <cs:lnRef idx="0"/>
-    <cs:fillRef idx="0"/>
-    <cs:effectRef idx="0"/>
-    <cs:fontRef idx="minor">
-      <a:schemeClr val="tx1"/>
-    </cs:fontRef>
-    <cs:spPr>
-      <a:ln w="9525" cap="flat" cmpd="sng" algn="ctr">
-        <a:solidFill>
-          <a:schemeClr val="tx1">
-            <a:lumMod val="35000"/>
-            <a:lumOff val="65000"/>
-          </a:schemeClr>
-        </a:solidFill>
-        <a:round/>
-      </a:ln>
-    </cs:spPr>
-  </cs:leaderLine>
-  <cs:legend>
-    <cs:lnRef idx="0"/>
-    <cs:fillRef idx="0"/>
-    <cs:effectRef idx="0"/>
-    <cs:fontRef idx="minor">
-      <a:schemeClr val="tx1">
-        <a:lumMod val="65000"/>
-        <a:lumOff val="35000"/>
-      </a:schemeClr>
-    </cs:fontRef>
-    <cs:defRPr sz="900" kern="1200"/>
-  </cs:legend>
-  <cs:plotArea mods="allowNoFillOverride allowNoLineOverride">
-    <cs:lnRef idx="0"/>
-    <cs:fillRef idx="0"/>
-    <cs:effectRef idx="0"/>
-    <cs:fontRef idx="minor">
-      <a:schemeClr val="tx1"/>
-    </cs:fontRef>
-  </cs:plotArea>
-  <cs:plotArea3D mods="allowNoFillOverride allowNoLineOverride">
-    <cs:lnRef idx="0"/>
-    <cs:fillRef idx="0"/>
-    <cs:effectRef idx="0"/>
-    <cs:fontRef idx="minor">
-      <a:schemeClr val="tx1"/>
-    </cs:fontRef>
-  </cs:plotArea3D>
-  <cs:seriesAxis>
-    <cs:lnRef idx="0"/>
-    <cs:fillRef idx="0"/>
-    <cs:effectRef idx="0"/>
-    <cs:fontRef idx="minor">
-      <a:schemeClr val="tx1">
-        <a:lumMod val="65000"/>
-        <a:lumOff val="35000"/>
-      </a:schemeClr>
-    </cs:fontRef>
-    <cs:defRPr sz="900" kern="1200"/>
-  </cs:seriesAxis>
-  <cs:seriesLine>
-    <cs:lnRef idx="0"/>
-    <cs:fillRef idx="0"/>
-    <cs:effectRef idx="0"/>
-    <cs:fontRef idx="minor">
-      <a:schemeClr val="tx1"/>
-    </cs:fontRef>
-    <cs:spPr>
-      <a:ln w="9525" cap="flat" cmpd="sng" algn="ctr">
-        <a:solidFill>
-          <a:schemeClr val="tx1">
-            <a:lumMod val="35000"/>
-            <a:lumOff val="65000"/>
-          </a:schemeClr>
-        </a:solidFill>
-        <a:round/>
-      </a:ln>
-    </cs:spPr>
-  </cs:seriesLine>
-  <cs:title>
-    <cs:lnRef idx="0"/>
-    <cs:fillRef idx="0"/>
-    <cs:effectRef idx="0"/>
-    <cs:fontRef idx="minor">
-      <a:schemeClr val="tx1">
-        <a:lumMod val="65000"/>
-        <a:lumOff val="35000"/>
-      </a:schemeClr>
-    </cs:fontRef>
-    <cs:defRPr sz="1400" b="0" kern="1200" spc="0" baseline="0"/>
-  </cs:title>
-  <cs:trendline>
-    <cs:lnRef idx="0">
-      <cs:styleClr val="auto"/>
-    </cs:lnRef>
-    <cs:fillRef idx="0"/>
-    <cs:effectRef idx="0"/>
-    <cs:fontRef idx="minor">
-      <a:schemeClr val="tx1"/>
-    </cs:fontRef>
-    <cs:spPr>
-      <a:ln w="19050" cap="rnd">
-        <a:solidFill>
-          <a:schemeClr val="phClr"/>
-        </a:solidFill>
-        <a:prstDash val="sysDot"/>
-      </a:ln>
-    </cs:spPr>
-  </cs:trendline>
-  <cs:trendlineLabel>
-    <cs:lnRef idx="0"/>
-    <cs:fillRef idx="0"/>
-    <cs:effectRef idx="0"/>
-    <cs:fontRef idx="minor">
-      <a:schemeClr val="tx1">
-        <a:lumMod val="65000"/>
-        <a:lumOff val="35000"/>
-      </a:schemeClr>
-    </cs:fontRef>
-    <cs:defRPr sz="900" kern="1200"/>
-  </cs:trendlineLabel>
-  <cs:upBar>
-    <cs:lnRef idx="0"/>
-    <cs:fillRef idx="0"/>
-    <cs:effectRef idx="0"/>
-    <cs:fontRef idx="minor">
-      <a:schemeClr val="tx1"/>
-    </cs:fontRef>
-    <cs:spPr>
-      <a:solidFill>
-        <a:schemeClr val="lt1"/>
-      </a:solidFill>
-      <a:ln w="9525" cap="flat" cmpd="sng" algn="ctr">
-        <a:solidFill>
-          <a:schemeClr val="tx1">
-            <a:lumMod val="65000"/>
-            <a:lumOff val="35000"/>
-          </a:schemeClr>
-        </a:solidFill>
-        <a:round/>
-      </a:ln>
-    </cs:spPr>
-  </cs:upBar>
-  <cs:valueAxis>
-    <cs:lnRef idx="0"/>
-    <cs:fillRef idx="0"/>
-    <cs:effectRef idx="0"/>
-    <cs:fontRef idx="minor">
-      <a:schemeClr val="tx1">
-        <a:lumMod val="65000"/>
-        <a:lumOff val="35000"/>
-      </a:schemeClr>
-    </cs:fontRef>
-    <cs:spPr>
-      <a:ln w="9525" cap="flat" cmpd="sng" algn="ctr">
-        <a:solidFill>
-          <a:schemeClr val="tx1">
-            <a:lumMod val="25000"/>
-            <a:lumOff val="75000"/>
-          </a:schemeClr>
-        </a:solidFill>
-        <a:round/>
-      </a:ln>
-    </cs:spPr>
-    <cs:defRPr sz="900" kern="1200"/>
-  </cs:valueAxis>
-  <cs:wall>
-    <cs:lnRef idx="0"/>
-    <cs:fillRef idx="0"/>
-    <cs:effectRef idx="0"/>
-    <cs:fontRef idx="minor">
-      <a:schemeClr val="tx1"/>
-    </cs:fontRef>
-    <cs:spPr>
-      <a:noFill/>
-      <a:ln>
-        <a:noFill/>
-      </a:ln>
-    </cs:spPr>
-  </cs:wall>
-</cs:chartStyle>
 </file>
 
 <file path=ppt/notesMasters/notesMaster1.xml><?xml version="1.0" encoding="utf-8"?>
@@ -5079,7 +2172,8 @@
           <a:p>
             <a:fld id="{2E86FABA-D603-46B8-94C7-F73A40963B6B}" type="datetimeFigureOut">
               <a:rPr lang="ru-RU" smtClean="0"/>
-              <a:t>22.04.2018</a:t>
+              <a:pPr/>
+              <a:t>26.04.2018</a:t>
             </a:fld>
             <a:endParaRPr lang="ru-RU" dirty="0"/>
           </a:p>
@@ -5238,6 +2332,7 @@
           <a:p>
             <a:fld id="{A6C2C539-D2AA-42BB-9DB2-01C91D0B00A3}" type="slidenum">
               <a:rPr lang="ru-RU" smtClean="0"/>
+              <a:pPr/>
               <a:t>‹#›</a:t>
             </a:fld>
             <a:endParaRPr lang="ru-RU" dirty="0"/>
@@ -5412,6 +2507,7 @@
           <a:p>
             <a:fld id="{A6C2C539-D2AA-42BB-9DB2-01C91D0B00A3}" type="slidenum">
               <a:rPr lang="ru-RU" smtClean="0"/>
+              <a:pPr/>
               <a:t>1</a:t>
             </a:fld>
             <a:endParaRPr lang="ru-RU" dirty="0"/>
@@ -5437,7 +2533,7 @@
     <p:bg>
       <p:bgPr>
         <a:blipFill dpi="0" rotWithShape="1">
-          <a:blip r:embed="rId2">
+          <a:blip r:embed="rId2" cstate="print">
             <a:lum/>
           </a:blip>
           <a:srcRect/>
@@ -5644,6 +2740,7 @@
           <a:p>
             <a:fld id="{B6743867-4E32-4E2D-8739-58246E7E28D2}" type="slidenum">
               <a:rPr lang="ru-RU" smtClean="0"/>
+              <a:pPr/>
               <a:t>‹#›</a:t>
             </a:fld>
             <a:endParaRPr lang="ru-RU" dirty="0"/>
@@ -5669,7 +2766,7 @@
     <p:bg>
       <p:bgPr>
         <a:blipFill dpi="0" rotWithShape="1">
-          <a:blip r:embed="rId2">
+          <a:blip r:embed="rId2" cstate="print">
             <a:lum/>
           </a:blip>
           <a:srcRect/>
@@ -5808,6 +2905,7 @@
           <a:p>
             <a:fld id="{B6743867-4E32-4E2D-8739-58246E7E28D2}" type="slidenum">
               <a:rPr lang="ru-RU" smtClean="0"/>
+              <a:pPr/>
               <a:t>‹#›</a:t>
             </a:fld>
             <a:endParaRPr lang="ru-RU" dirty="0"/>
@@ -5833,7 +2931,7 @@
     <p:bg>
       <p:bgPr>
         <a:blipFill dpi="0" rotWithShape="1">
-          <a:blip r:embed="rId2">
+          <a:blip r:embed="rId2" cstate="print">
             <a:lum/>
           </a:blip>
           <a:srcRect/>
@@ -5880,6 +2978,7 @@
           <a:p>
             <a:fld id="{B6743867-4E32-4E2D-8739-58246E7E28D2}" type="slidenum">
               <a:rPr lang="ru-RU" smtClean="0"/>
+              <a:pPr/>
               <a:t>‹#›</a:t>
             </a:fld>
             <a:endParaRPr lang="ru-RU" dirty="0"/>
@@ -6022,7 +3121,7 @@
     <p:bg>
       <p:bgPr>
         <a:blipFill dpi="0" rotWithShape="1">
-          <a:blip r:embed="rId2">
+          <a:blip r:embed="rId2" cstate="print">
             <a:lum/>
           </a:blip>
           <a:srcRect/>
@@ -6143,7 +3242,7 @@
     <p:bg>
       <p:bgPr>
         <a:blipFill dpi="0" rotWithShape="1">
-          <a:blip r:embed="rId7">
+          <a:blip r:embed="rId7" cstate="print">
             <a:lum/>
           </a:blip>
           <a:srcRect/>
@@ -6372,6 +3471,7 @@
           <a:p>
             <a:fld id="{B6743867-4E32-4E2D-8739-58246E7E28D2}" type="slidenum">
               <a:rPr lang="ru-RU" smtClean="0"/>
+              <a:pPr/>
               <a:t>‹#›</a:t>
             </a:fld>
             <a:endParaRPr lang="ru-RU" dirty="0"/>
@@ -6766,12 +3866,20 @@
           <a:p>
             <a:pPr algn="r"/>
             <a:r>
+              <a:rPr lang="ru-RU" sz="2400" dirty="0" err="1" smtClean="0">
+                <a:solidFill>
+                  <a:schemeClr val="bg1"/>
+                </a:solidFill>
+              </a:rPr>
+              <a:t>д.ф-м.н</a:t>
+            </a:r>
+            <a:r>
               <a:rPr lang="ru-RU" sz="2400" dirty="0" smtClean="0">
                 <a:solidFill>
                   <a:schemeClr val="bg1"/>
                 </a:solidFill>
               </a:rPr>
-              <a:t>Морозов В.А.</a:t>
+              <a:t> Морозов В.А.</a:t>
             </a:r>
             <a:endParaRPr lang="ru-RU" sz="2400" dirty="0">
               <a:solidFill>
@@ -6860,6 +3968,7 @@
           <a:p>
             <a:fld id="{B6743867-4E32-4E2D-8739-58246E7E28D2}" type="slidenum">
               <a:rPr lang="ru-RU" smtClean="0"/>
+              <a:pPr/>
               <a:t>10</a:t>
             </a:fld>
             <a:endParaRPr lang="ru-RU" dirty="0"/>
@@ -7031,7 +4140,7 @@
           <a:p>
             <a:r>
               <a:rPr lang="ru-RU" dirty="0" smtClean="0"/>
-              <a:t>Погрешность модели</a:t>
+              <a:t>Выводы</a:t>
             </a:r>
             <a:endParaRPr lang="ru-RU" dirty="0"/>
           </a:p>
@@ -7054,105 +4163,8 @@
           <a:p>
             <a:fld id="{B6743867-4E32-4E2D-8739-58246E7E28D2}" type="slidenum">
               <a:rPr lang="ru-RU" smtClean="0"/>
+              <a:pPr/>
               <a:t>11</a:t>
-            </a:fld>
-            <a:endParaRPr lang="ru-RU" dirty="0"/>
-          </a:p>
-        </p:txBody>
-      </p:sp>
-      <p:graphicFrame>
-        <p:nvGraphicFramePr>
-          <p:cNvPr id="5" name="Диаграмма 4"/>
-          <p:cNvGraphicFramePr/>
-          <p:nvPr>
-            <p:extLst>
-              <p:ext uri="{D42A27DB-BD31-4B8C-83A1-F6EECF244321}">
-                <p14:modId xmlns:p14="http://schemas.microsoft.com/office/powerpoint/2010/main" val="1677397092"/>
-              </p:ext>
-            </p:extLst>
-          </p:nvPr>
-        </p:nvGraphicFramePr>
-        <p:xfrm>
-          <a:off x="683568" y="1340768"/>
-          <a:ext cx="7560840" cy="4464496"/>
-        </p:xfrm>
-        <a:graphic>
-          <a:graphicData uri="http://schemas.openxmlformats.org/drawingml/2006/chart">
-            <c:chart xmlns:c="http://schemas.openxmlformats.org/drawingml/2006/chart" xmlns:r="http://schemas.openxmlformats.org/officeDocument/2006/relationships" r:id="rId2"/>
-          </a:graphicData>
-        </a:graphic>
-      </p:graphicFrame>
-    </p:spTree>
-    <p:extLst>
-      <p:ext uri="{BB962C8B-B14F-4D97-AF65-F5344CB8AC3E}">
-        <p14:creationId xmlns:p14="http://schemas.microsoft.com/office/powerpoint/2010/main" val="1900078824"/>
-      </p:ext>
-    </p:extLst>
-  </p:cSld>
-  <p:clrMapOvr>
-    <a:masterClrMapping/>
-  </p:clrMapOvr>
-</p:sld>
-</file>
-
-<file path=ppt/slides/slide12.xml><?xml version="1.0" encoding="utf-8"?>
-<p:sld xmlns:a="http://schemas.openxmlformats.org/drawingml/2006/main" xmlns:r="http://schemas.openxmlformats.org/officeDocument/2006/relationships" xmlns:p="http://schemas.openxmlformats.org/presentationml/2006/main">
-  <p:cSld>
-    <p:spTree>
-      <p:nvGrpSpPr>
-        <p:cNvPr id="1" name=""/>
-        <p:cNvGrpSpPr/>
-        <p:nvPr/>
-      </p:nvGrpSpPr>
-      <p:grpSpPr>
-        <a:xfrm>
-          <a:off x="0" y="0"/>
-          <a:ext cx="0" cy="0"/>
-          <a:chOff x="0" y="0"/>
-          <a:chExt cx="0" cy="0"/>
-        </a:xfrm>
-      </p:grpSpPr>
-      <p:sp>
-        <p:nvSpPr>
-          <p:cNvPr id="2" name="Заголовок 1"/>
-          <p:cNvSpPr>
-            <a:spLocks noGrp="1"/>
-          </p:cNvSpPr>
-          <p:nvPr>
-            <p:ph type="title"/>
-          </p:nvPr>
-        </p:nvSpPr>
-        <p:spPr/>
-        <p:txBody>
-          <a:bodyPr/>
-          <a:lstStyle/>
-          <a:p>
-            <a:r>
-              <a:rPr lang="ru-RU" dirty="0" smtClean="0"/>
-              <a:t>Выводы</a:t>
-            </a:r>
-            <a:endParaRPr lang="ru-RU" dirty="0"/>
-          </a:p>
-        </p:txBody>
-      </p:sp>
-      <p:sp>
-        <p:nvSpPr>
-          <p:cNvPr id="4" name="Номер слайда 3"/>
-          <p:cNvSpPr>
-            <a:spLocks noGrp="1"/>
-          </p:cNvSpPr>
-          <p:nvPr>
-            <p:ph type="sldNum" sz="quarter" idx="12"/>
-          </p:nvPr>
-        </p:nvSpPr>
-        <p:spPr/>
-        <p:txBody>
-          <a:bodyPr/>
-          <a:lstStyle/>
-          <a:p>
-            <a:fld id="{B6743867-4E32-4E2D-8739-58246E7E28D2}" type="slidenum">
-              <a:rPr lang="ru-RU" smtClean="0"/>
-              <a:t>12</a:t>
             </a:fld>
             <a:endParaRPr lang="ru-RU" dirty="0"/>
           </a:p>
@@ -7186,7 +4198,7 @@
             </a:pPr>
             <a:r>
               <a:rPr lang="ru-RU" dirty="0" smtClean="0"/>
-              <a:t>Разработана модель описывающая деформацию иглы при движении в вязкоупругих материалах в реальном времени</a:t>
+              <a:t>Разработана модель, описывающая отклонение иглы при движении в вязкоупругих материалах в реальном времени</a:t>
             </a:r>
             <a:r>
               <a:rPr lang="en-US" dirty="0" smtClean="0"/>
@@ -7244,7 +4256,7 @@
 </p:sld>
 </file>
 
-<file path=ppt/slides/slide13.xml><?xml version="1.0" encoding="utf-8"?>
+<file path=ppt/slides/slide12.xml><?xml version="1.0" encoding="utf-8"?>
 <p:sld xmlns:a="http://schemas.openxmlformats.org/drawingml/2006/main" xmlns:r="http://schemas.openxmlformats.org/officeDocument/2006/relationships" xmlns:p="http://schemas.openxmlformats.org/presentationml/2006/main">
   <p:cSld>
     <p:spTree>
@@ -7408,15 +4420,7 @@
                   <a:schemeClr val="bg1"/>
                 </a:solidFill>
               </a:rPr>
-              <a:t>. Морозов </a:t>
-            </a:r>
-            <a:r>
-              <a:rPr lang="ru-RU" sz="2400" dirty="0" smtClean="0">
-                <a:solidFill>
-                  <a:schemeClr val="bg1"/>
-                </a:solidFill>
-              </a:rPr>
-              <a:t>В.А.</a:t>
+              <a:t>. Морозов В.А.</a:t>
             </a:r>
             <a:endParaRPr lang="ru-RU" sz="2400" dirty="0">
               <a:solidFill>
@@ -7446,7 +4450,7 @@
 </p:sld>
 </file>
 
-<file path=ppt/slides/slide14.xml><?xml version="1.0" encoding="utf-8"?>
+<file path=ppt/slides/slide13.xml><?xml version="1.0" encoding="utf-8"?>
 <p:sld xmlns:a="http://schemas.openxmlformats.org/drawingml/2006/main" xmlns:r="http://schemas.openxmlformats.org/officeDocument/2006/relationships" xmlns:p="http://schemas.openxmlformats.org/presentationml/2006/main">
   <p:cSld>
     <p:spTree>
@@ -7522,7 +4526,7 @@
           <a:bodyPr/>
           <a:lstStyle/>
           <a:p>
-            <a:endParaRPr lang="ru-RU"/>
+            <a:endParaRPr lang="ru-RU" dirty="0"/>
           </a:p>
         </p:txBody>
       </p:sp>
@@ -7543,7 +4547,8 @@
           <a:p>
             <a:fld id="{B6743867-4E32-4E2D-8739-58246E7E28D2}" type="slidenum">
               <a:rPr lang="ru-RU" smtClean="0"/>
-              <a:t>14</a:t>
+              <a:pPr/>
+              <a:t>13</a:t>
             </a:fld>
             <a:endParaRPr lang="ru-RU" dirty="0"/>
           </a:p>
@@ -7627,7 +4632,7 @@
           </p:nvPr>
         </p:nvPicPr>
         <p:blipFill>
-          <a:blip r:embed="rId2">
+          <a:blip r:embed="rId2" cstate="print">
             <a:extLst>
               <a:ext uri="{28A0092B-C50C-407E-A947-70E740481C1C}">
                 <a14:useLocalDpi xmlns:a14="http://schemas.microsoft.com/office/drawing/2010/main" val="0"/>
@@ -7678,6 +4683,7 @@
           <a:p>
             <a:fld id="{B6743867-4E32-4E2D-8739-58246E7E28D2}" type="slidenum">
               <a:rPr lang="ru-RU" smtClean="0"/>
+              <a:pPr/>
               <a:t>2</a:t>
             </a:fld>
             <a:endParaRPr lang="ru-RU" dirty="0"/>
@@ -7693,7 +4699,7 @@
           <p:nvPr/>
         </p:nvPicPr>
         <p:blipFill>
-          <a:blip r:embed="rId3">
+          <a:blip r:embed="rId3" cstate="print">
             <a:extLst>
               <a:ext uri="{28A0092B-C50C-407E-A947-70E740481C1C}">
                 <a14:useLocalDpi xmlns:a14="http://schemas.microsoft.com/office/drawing/2010/main" val="0"/>
@@ -7706,7 +4712,7 @@
         </p:blipFill>
         <p:spPr>
           <a:xfrm>
-            <a:off x="467544" y="3356992"/>
+            <a:off x="323528" y="3140968"/>
             <a:ext cx="4320480" cy="2880320"/>
           </a:xfrm>
           <a:prstGeom prst="roundRect">
@@ -7859,6 +4865,7 @@
           <a:p>
             <a:fld id="{B6743867-4E32-4E2D-8739-58246E7E28D2}" type="slidenum">
               <a:rPr lang="ru-RU" smtClean="0"/>
+              <a:pPr/>
               <a:t>3</a:t>
             </a:fld>
             <a:endParaRPr lang="ru-RU" dirty="0"/>
@@ -8150,7 +5157,7 @@
             </a:pPr>
             <a:r>
               <a:rPr lang="ru-RU" sz="2400" dirty="0" smtClean="0"/>
-              <a:t>Дополнительные подзадачи повышающие точность решения:</a:t>
+              <a:t>Дополнительные подзадачи, повышающие точность решения:</a:t>
             </a:r>
             <a:endParaRPr lang="en-US" sz="2400" dirty="0" smtClean="0"/>
           </a:p>
@@ -8241,6 +5248,7 @@
           <a:p>
             <a:fld id="{B6743867-4E32-4E2D-8739-58246E7E28D2}" type="slidenum">
               <a:rPr lang="ru-RU" smtClean="0"/>
+              <a:pPr/>
               <a:t>4</a:t>
             </a:fld>
             <a:endParaRPr lang="ru-RU" dirty="0"/>
@@ -8301,7 +5309,7 @@
           <a:p>
             <a:r>
               <a:rPr lang="ru-RU" dirty="0" smtClean="0"/>
-              <a:t>Частная постановка задачи</a:t>
+              <a:t> постановка решаемой задачи</a:t>
             </a:r>
             <a:endParaRPr lang="ru-RU" dirty="0"/>
           </a:p>
@@ -8429,7 +5437,7 @@
                 <a:ext cx="4042792" cy="2764903"/>
               </a:xfrm>
               <a:blipFill rotWithShape="0">
-                <a:blip r:embed="rId3"/>
+                <a:blip r:embed="rId3" cstate="print"/>
                 <a:stretch>
                   <a:fillRect l="-1357" t="-1325" r="-2112"/>
                 </a:stretch>
@@ -8467,6 +5475,7 @@
           <a:p>
             <a:fld id="{B6743867-4E32-4E2D-8739-58246E7E28D2}" type="slidenum">
               <a:rPr lang="ru-RU" smtClean="0"/>
+              <a:pPr/>
               <a:t>5</a:t>
             </a:fld>
             <a:endParaRPr lang="ru-RU" dirty="0"/>
@@ -8536,73 +5545,6 @@
           </a:p>
         </p:txBody>
       </p:sp>
-      <p:graphicFrame>
-        <p:nvGraphicFramePr>
-          <p:cNvPr id="6" name="Объект 5"/>
-          <p:cNvGraphicFramePr>
-            <a:graphicFrameLocks noChangeAspect="1"/>
-          </p:cNvGraphicFramePr>
-          <p:nvPr>
-            <p:extLst>
-              <p:ext uri="{D42A27DB-BD31-4B8C-83A1-F6EECF244321}">
-                <p14:modId xmlns:p14="http://schemas.microsoft.com/office/powerpoint/2010/main" val="116418436"/>
-              </p:ext>
-            </p:extLst>
-          </p:nvPr>
-        </p:nvGraphicFramePr>
-        <p:xfrm>
-          <a:off x="4742656" y="1268760"/>
-          <a:ext cx="4221832" cy="2808143"/>
-        </p:xfrm>
-        <a:graphic>
-          <a:graphicData uri="http://schemas.openxmlformats.org/presentationml/2006/ole">
-            <mc:AlternateContent xmlns:mc="http://schemas.openxmlformats.org/markup-compatibility/2006">
-              <mc:Choice xmlns:v="urn:schemas-microsoft-com:vml" Requires="v">
-                <p:oleObj spid="_x0000_s1052" r:id="rId4" imgW="2304913" imgH="1533698" progId="Visio.Drawing.15">
-                  <p:embed/>
-                </p:oleObj>
-              </mc:Choice>
-              <mc:Fallback>
-                <p:oleObj r:id="rId4" imgW="2304913" imgH="1533698" progId="Visio.Drawing.15">
-                  <p:embed/>
-                  <p:pic>
-                    <p:nvPicPr>
-                      <p:cNvPr id="0" name="Object 1"/>
-                      <p:cNvPicPr>
-                        <a:picLocks noChangeAspect="1" noChangeArrowheads="1"/>
-                      </p:cNvPicPr>
-                      <p:nvPr/>
-                    </p:nvPicPr>
-                    <p:blipFill>
-                      <a:blip r:embed="rId5">
-                        <a:extLst>
-                          <a:ext uri="{28A0092B-C50C-407E-A947-70E740481C1C}">
-                            <a14:useLocalDpi xmlns:a14="http://schemas.microsoft.com/office/drawing/2010/main" val="0"/>
-                          </a:ext>
-                        </a:extLst>
-                      </a:blip>
-                      <a:srcRect/>
-                      <a:stretch>
-                        <a:fillRect/>
-                      </a:stretch>
-                    </p:blipFill>
-                    <p:spPr bwMode="auto">
-                      <a:xfrm>
-                        <a:off x="4742656" y="1268760"/>
-                        <a:ext cx="4221832" cy="2808143"/>
-                      </a:xfrm>
-                      <a:prstGeom prst="rect">
-                        <a:avLst/>
-                      </a:prstGeom>
-                      <a:noFill/>
-                    </p:spPr>
-                  </p:pic>
-                </p:oleObj>
-              </mc:Fallback>
-            </mc:AlternateContent>
-          </a:graphicData>
-        </a:graphic>
-      </p:graphicFrame>
       <p:sp>
         <p:nvSpPr>
           <p:cNvPr id="7" name="Прямоугольник 6"/>
@@ -8612,7 +5554,7 @@
         <p:spPr>
           <a:xfrm>
             <a:off x="611560" y="4662095"/>
-            <a:ext cx="8142076" cy="1015663"/>
+            <a:ext cx="5184576" cy="1323439"/>
           </a:xfrm>
           <a:prstGeom prst="rect">
             <a:avLst/>
@@ -8653,17 +5595,57 @@
               <a:t>, </a:t>
             </a:r>
             <a:r>
+              <a:rPr lang="ru-RU" sz="2000" dirty="0" smtClean="0"/>
+              <a:t>отклонение </a:t>
+            </a:r>
+            <a:r>
+              <a:rPr lang="ru-RU" sz="2000" dirty="0" smtClean="0"/>
+              <a:t> </a:t>
+            </a:r>
+            <a:r>
               <a:rPr lang="ru-RU" sz="2000" dirty="0"/>
-              <a:t>деформация иглы в зависимости от </a:t>
+              <a:t>иглы в зависимости от </a:t>
             </a:r>
             <a:r>
               <a:rPr lang="ru-RU" sz="2000" dirty="0" smtClean="0"/>
-              <a:t>движения;</a:t>
+              <a:t>движения (увеличения </a:t>
+            </a:r>
+            <a:r>
+              <a:rPr lang="en-US" sz="2000" i="1" dirty="0" smtClean="0"/>
+              <a:t>l(t)</a:t>
+            </a:r>
+            <a:r>
+              <a:rPr lang="ru-RU" sz="2000" dirty="0" smtClean="0"/>
+              <a:t>);</a:t>
             </a:r>
             <a:endParaRPr lang="ru-RU" sz="2000" dirty="0"/>
           </a:p>
         </p:txBody>
       </p:sp>
+      <p:pic>
+        <p:nvPicPr>
+          <p:cNvPr id="8" name="Рисунок 7"/>
+          <p:cNvPicPr>
+            <a:picLocks noChangeAspect="1"/>
+          </p:cNvPicPr>
+          <p:nvPr/>
+        </p:nvPicPr>
+        <p:blipFill>
+          <a:blip r:embed="rId4"/>
+          <a:stretch>
+            <a:fillRect/>
+          </a:stretch>
+        </p:blipFill>
+        <p:spPr>
+          <a:xfrm>
+            <a:off x="5580112" y="1124744"/>
+            <a:ext cx="3000571" cy="4367591"/>
+          </a:xfrm>
+          <a:prstGeom prst="rect">
+            <a:avLst/>
+          </a:prstGeom>
+        </p:spPr>
+      </p:pic>
     </p:spTree>
     <p:extLst>
       <p:ext uri="{BB962C8B-B14F-4D97-AF65-F5344CB8AC3E}">
@@ -8723,7 +5705,7 @@
           <a:p>
             <a:r>
               <a:rPr lang="ru-RU" dirty="0" smtClean="0"/>
-              <a:t>Модель деформации</a:t>
+              <a:t>Модель</a:t>
             </a:r>
             <a:endParaRPr lang="ru-RU" dirty="0"/>
           </a:p>
@@ -8746,6 +5728,7 @@
           <a:p>
             <a:fld id="{B6743867-4E32-4E2D-8739-58246E7E28D2}" type="slidenum">
               <a:rPr lang="ru-RU" smtClean="0"/>
+              <a:pPr/>
               <a:t>6</a:t>
             </a:fld>
             <a:endParaRPr lang="ru-RU" dirty="0"/>
@@ -8793,7 +5776,7 @@
                       </a:r>
                       <a:r>
                         <a:rPr lang="ru-RU" baseline="0" dirty="0" smtClean="0"/>
-                        <a:t> деформации</a:t>
+                        <a:t> отклонения</a:t>
                       </a:r>
                       <a:endParaRPr lang="ru-RU" dirty="0"/>
                     </a:p>
@@ -9010,8 +5993,8 @@
           </a:graphicData>
         </a:graphic>
       </p:graphicFrame>
-      <mc:AlternateContent xmlns:mc="http://schemas.openxmlformats.org/markup-compatibility/2006" xmlns:a14="http://schemas.microsoft.com/office/drawing/2010/main">
-        <mc:Choice Requires="a14">
+      <mc:AlternateContent xmlns:mc="http://schemas.openxmlformats.org/markup-compatibility/2006">
+        <mc:Choice xmlns:a14="http://schemas.microsoft.com/office/drawing/2010/main" Requires="a14">
           <p:sp>
             <p:nvSpPr>
               <p:cNvPr id="9" name="Прямоугольник 8"/>
@@ -9101,6 +6084,24 @@
                                 </a:rPr>
                                 <m:t>𝑙</m:t>
                               </m:r>
+                              <m:r>
+                                <a:rPr lang="en-US" b="0" i="1" smtClean="0">
+                                  <a:latin typeface="Cambria Math" panose="02040503050406030204" pitchFamily="18" charset="0"/>
+                                </a:rPr>
+                                <m:t>(</m:t>
+                              </m:r>
+                              <m:r>
+                                <a:rPr lang="en-US" b="0" i="1" smtClean="0">
+                                  <a:latin typeface="Cambria Math" panose="02040503050406030204" pitchFamily="18" charset="0"/>
+                                </a:rPr>
+                                <m:t>𝑡</m:t>
+                              </m:r>
+                              <m:r>
+                                <a:rPr lang="en-US" b="0" i="1" smtClean="0">
+                                  <a:latin typeface="Cambria Math" panose="02040503050406030204" pitchFamily="18" charset="0"/>
+                                </a:rPr>
+                                <m:t>)</m:t>
+                              </m:r>
                             </m:e>
                             <m:sup>
                               <m:r>
@@ -9178,7 +6179,7 @@
             </p:txBody>
           </p:sp>
         </mc:Choice>
-        <mc:Fallback xmlns="">
+        <mc:Fallback>
           <p:sp>
             <p:nvSpPr>
               <p:cNvPr id="9" name="Прямоугольник 8"/>
@@ -9378,7 +6379,7 @@
                 <a:avLst/>
               </a:prstGeom>
               <a:blipFill rotWithShape="0">
-                <a:blip r:embed="rId4"/>
+                <a:blip r:embed="rId4" cstate="print"/>
                 <a:stretch>
                   <a:fillRect/>
                 </a:stretch>
@@ -9565,7 +6566,7 @@
                 <a:avLst/>
               </a:prstGeom>
               <a:blipFill rotWithShape="0">
-                <a:blip r:embed="rId5"/>
+                <a:blip r:embed="rId5" cstate="print"/>
                 <a:stretch>
                   <a:fillRect/>
                 </a:stretch>
@@ -9725,7 +6726,7 @@
                 <a:avLst/>
               </a:prstGeom>
               <a:blipFill rotWithShape="0">
-                <a:blip r:embed="rId6"/>
+                <a:blip r:embed="rId6" cstate="print"/>
                 <a:stretch>
                   <a:fillRect r="-761" b="-9375"/>
                 </a:stretch>
@@ -9809,73 +6810,6 @@
           </a:p>
         </p:txBody>
       </p:sp>
-      <p:graphicFrame>
-        <p:nvGraphicFramePr>
-          <p:cNvPr id="15" name="Объект 14"/>
-          <p:cNvGraphicFramePr>
-            <a:graphicFrameLocks noChangeAspect="1"/>
-          </p:cNvGraphicFramePr>
-          <p:nvPr>
-            <p:extLst>
-              <p:ext uri="{D42A27DB-BD31-4B8C-83A1-F6EECF244321}">
-                <p14:modId xmlns:p14="http://schemas.microsoft.com/office/powerpoint/2010/main" val="3512611122"/>
-              </p:ext>
-            </p:extLst>
-          </p:nvPr>
-        </p:nvGraphicFramePr>
-        <p:xfrm>
-          <a:off x="64894" y="897948"/>
-          <a:ext cx="3838048" cy="2747076"/>
-        </p:xfrm>
-        <a:graphic>
-          <a:graphicData uri="http://schemas.openxmlformats.org/presentationml/2006/ole">
-            <mc:AlternateContent xmlns:mc="http://schemas.openxmlformats.org/markup-compatibility/2006">
-              <mc:Choice xmlns:v="urn:schemas-microsoft-com:vml" Requires="v">
-                <p:oleObj spid="_x0000_s2104" r:id="rId7" imgW="2248001" imgH="1514648" progId="Visio.Drawing.15">
-                  <p:embed/>
-                </p:oleObj>
-              </mc:Choice>
-              <mc:Fallback>
-                <p:oleObj r:id="rId7" imgW="2248001" imgH="1514648" progId="Visio.Drawing.15">
-                  <p:embed/>
-                  <p:pic>
-                    <p:nvPicPr>
-                      <p:cNvPr id="0" name="Object 1"/>
-                      <p:cNvPicPr>
-                        <a:picLocks noChangeAspect="1" noChangeArrowheads="1"/>
-                      </p:cNvPicPr>
-                      <p:nvPr/>
-                    </p:nvPicPr>
-                    <p:blipFill>
-                      <a:blip r:embed="rId8">
-                        <a:extLst>
-                          <a:ext uri="{28A0092B-C50C-407E-A947-70E740481C1C}">
-                            <a14:useLocalDpi xmlns:a14="http://schemas.microsoft.com/office/drawing/2010/main" val="0"/>
-                          </a:ext>
-                        </a:extLst>
-                      </a:blip>
-                      <a:srcRect/>
-                      <a:stretch>
-                        <a:fillRect/>
-                      </a:stretch>
-                    </p:blipFill>
-                    <p:spPr bwMode="auto">
-                      <a:xfrm>
-                        <a:off x="64894" y="897948"/>
-                        <a:ext cx="3838048" cy="2747076"/>
-                      </a:xfrm>
-                      <a:prstGeom prst="rect">
-                        <a:avLst/>
-                      </a:prstGeom>
-                      <a:noFill/>
-                    </p:spPr>
-                  </p:pic>
-                </p:oleObj>
-              </mc:Fallback>
-            </mc:AlternateContent>
-          </a:graphicData>
-        </a:graphic>
-      </p:graphicFrame>
       <mc:AlternateContent xmlns:mc="http://schemas.openxmlformats.org/markup-compatibility/2006">
         <mc:Choice xmlns:a14="http://schemas.microsoft.com/office/drawing/2010/main" Requires="a14">
           <p:graphicFrame>
@@ -9887,13 +6821,13 @@
               <p:nvPr>
                 <p:extLst>
                   <p:ext uri="{D42A27DB-BD31-4B8C-83A1-F6EECF244321}">
-                    <p14:modId xmlns:p14="http://schemas.microsoft.com/office/powerpoint/2010/main" val="2346272547"/>
+                    <p14:modId xmlns:p14="http://schemas.microsoft.com/office/powerpoint/2010/main" val="391337321"/>
                   </p:ext>
                 </p:extLst>
               </p:nvPr>
             </p:nvGraphicFramePr>
             <p:xfrm>
-              <a:off x="4067944" y="3447431"/>
+              <a:off x="4058980" y="3442683"/>
               <a:ext cx="4903137" cy="3119184"/>
             </p:xfrm>
             <a:graphic>
@@ -10228,11 +7162,7 @@
                           </a14:m>
                           <a:r>
                             <a:rPr lang="ru-RU" dirty="0" smtClean="0"/>
-                            <a:t> – длина иглы от 0 до 100 </a:t>
-                          </a:r>
-                          <a:r>
-                            <a:rPr lang="ru-RU" dirty="0" smtClean="0"/>
-                            <a:t>мм – изменяется с</a:t>
+                            <a:t> – длина иглы от 0 до 100 мм – изменяется с</a:t>
                           </a:r>
                           <a:r>
                             <a:rPr lang="ru-RU" baseline="0" dirty="0" smtClean="0"/>
@@ -10352,9 +7282,7 @@
                           <a:headEnd type="none" w="med" len="med"/>
                           <a:tailEnd type="none" w="med" len="med"/>
                         </a:lnB>
-                        <a:solidFill>
-                          <a:schemeClr val="bg1"/>
-                        </a:solidFill>
+                        <a:noFill/>
                       </a:tcPr>
                     </a:tc>
                   </a:tr>
@@ -10373,13 +7301,13 @@
               <p:nvPr>
                 <p:extLst>
                   <p:ext uri="{D42A27DB-BD31-4B8C-83A1-F6EECF244321}">
-                    <p14:modId xmlns:p14="http://schemas.microsoft.com/office/powerpoint/2010/main" val="2346272547"/>
+                    <p14:modId xmlns:p14="http://schemas.microsoft.com/office/powerpoint/2010/main" val="391337321"/>
                   </p:ext>
                 </p:extLst>
               </p:nvPr>
             </p:nvGraphicFramePr>
             <p:xfrm>
-              <a:off x="4067944" y="3447431"/>
+              <a:off x="4058980" y="3442683"/>
               <a:ext cx="4903137" cy="3119184"/>
             </p:xfrm>
             <a:graphic>
@@ -10505,7 +7433,7 @@
                           <a:tailEnd type="none" w="med" len="med"/>
                         </a:lnB>
                         <a:blipFill rotWithShape="0">
-                          <a:blip r:embed="rId9"/>
+                          <a:blip r:embed="rId7"/>
                           <a:stretch>
                             <a:fillRect l="-124" t="-14349" r="-248" b="-3532"/>
                           </a:stretch>
@@ -10591,36 +7519,36 @@
           <p:nvPr>
             <p:extLst>
               <p:ext uri="{D42A27DB-BD31-4B8C-83A1-F6EECF244321}">
-                <p14:modId xmlns:p14="http://schemas.microsoft.com/office/powerpoint/2010/main" val="3664004476"/>
+                <p14:modId xmlns:p14="http://schemas.microsoft.com/office/powerpoint/2010/main" val="1575401247"/>
               </p:ext>
             </p:extLst>
           </p:nvPr>
         </p:nvGraphicFramePr>
         <p:xfrm>
-          <a:off x="3073741" y="2830103"/>
+          <a:off x="3210249" y="2503620"/>
           <a:ext cx="575935" cy="794233"/>
         </p:xfrm>
         <a:graphic>
           <a:graphicData uri="http://schemas.openxmlformats.org/presentationml/2006/ole">
             <mc:AlternateContent xmlns:mc="http://schemas.openxmlformats.org/markup-compatibility/2006">
               <mc:Choice xmlns:v="urn:schemas-microsoft-com:vml" Requires="v">
-                <p:oleObj spid="_x0000_s2105" r:id="rId10" imgW="666627" imgH="914400" progId="Visio.Drawing.15">
+                <p:oleObj spid="_x0000_s2119" r:id="rId8" imgW="666627" imgH="914400" progId="">
                   <p:embed/>
                 </p:oleObj>
               </mc:Choice>
               <mc:Fallback>
-                <p:oleObj r:id="rId10" imgW="666627" imgH="914400" progId="Visio.Drawing.15">
+                <p:oleObj r:id="rId8" imgW="666627" imgH="914400" progId="">
                   <p:embed/>
                   <p:pic>
                     <p:nvPicPr>
-                      <p:cNvPr id="0" name="Object 4"/>
+                      <p:cNvPr id="0" name="Picture 61"/>
                       <p:cNvPicPr>
                         <a:picLocks noChangeAspect="1" noChangeArrowheads="1"/>
                       </p:cNvPicPr>
                       <p:nvPr/>
                     </p:nvPicPr>
                     <p:blipFill>
-                      <a:blip r:embed="rId11">
+                      <a:blip r:embed="rId9">
                         <a:extLst>
                           <a:ext uri="{28A0092B-C50C-407E-A947-70E740481C1C}">
                             <a14:useLocalDpi xmlns:a14="http://schemas.microsoft.com/office/drawing/2010/main" val="0"/>
@@ -10634,13 +7562,22 @@
                     </p:blipFill>
                     <p:spPr bwMode="auto">
                       <a:xfrm>
-                        <a:off x="3073741" y="2830103"/>
+                        <a:off x="3210249" y="2503620"/>
                         <a:ext cx="575935" cy="794233"/>
                       </a:xfrm>
                       <a:prstGeom prst="rect">
                         <a:avLst/>
                       </a:prstGeom>
                       <a:noFill/>
+                      <a:extLst>
+                        <a:ext uri="{909E8E84-426E-40DD-AFC4-6F175D3DCCD1}">
+                          <a14:hiddenFill xmlns:a14="http://schemas.microsoft.com/office/drawing/2010/main">
+                            <a:solidFill>
+                              <a:srgbClr val="FFFFFF"/>
+                            </a:solidFill>
+                          </a14:hiddenFill>
+                        </a:ext>
+                      </a:extLst>
                     </p:spPr>
                   </p:pic>
                 </p:oleObj>
@@ -10658,14 +7595,14 @@
           <p:nvPr>
             <p:extLst>
               <p:ext uri="{D42A27DB-BD31-4B8C-83A1-F6EECF244321}">
-                <p14:modId xmlns:p14="http://schemas.microsoft.com/office/powerpoint/2010/main" val="3160724051"/>
+                <p14:modId xmlns:p14="http://schemas.microsoft.com/office/powerpoint/2010/main" val="2815233540"/>
               </p:ext>
             </p:extLst>
           </p:nvPr>
         </p:nvGraphicFramePr>
         <p:xfrm>
-          <a:off x="179512" y="3930992"/>
-          <a:ext cx="3744416" cy="2306320"/>
+          <a:off x="179512" y="4546326"/>
+          <a:ext cx="3744416" cy="2001520"/>
         </p:xfrm>
         <a:graphic>
           <a:graphicData uri="http://schemas.openxmlformats.org/drawingml/2006/table">
@@ -10685,7 +7622,7 @@
                     <a:p>
                       <a:pPr algn="ctr"/>
                       <a:r>
-                        <a:rPr lang="ru-RU" sz="1600" dirty="0" smtClean="0">
+                        <a:rPr lang="ru-RU" sz="1400" dirty="0" smtClean="0">
                           <a:solidFill>
                             <a:sysClr val="windowText" lastClr="000000"/>
                           </a:solidFill>
@@ -10693,14 +7630,14 @@
                         <a:t>Линейная скорость,</a:t>
                       </a:r>
                       <a:r>
-                        <a:rPr lang="ru-RU" sz="1600" baseline="0" dirty="0" smtClean="0">
+                        <a:rPr lang="ru-RU" sz="1400" baseline="0" dirty="0" smtClean="0">
                           <a:solidFill>
                             <a:sysClr val="windowText" lastClr="000000"/>
                           </a:solidFill>
                         </a:rPr>
                         <a:t> мм/с</a:t>
                       </a:r>
-                      <a:endParaRPr lang="ru-RU" sz="1600" dirty="0">
+                      <a:endParaRPr lang="ru-RU" sz="1400" dirty="0">
                         <a:solidFill>
                           <a:sysClr val="windowText" lastClr="000000"/>
                         </a:solidFill>
@@ -10758,7 +7695,7 @@
                     <a:p>
                       <a:pPr algn="ctr"/>
                       <a:r>
-                        <a:rPr lang="ru-RU" sz="1600" dirty="0" smtClean="0">
+                        <a:rPr lang="ru-RU" sz="1400" dirty="0" smtClean="0">
                           <a:solidFill>
                             <a:sysClr val="windowText" lastClr="000000"/>
                           </a:solidFill>
@@ -10766,14 +7703,14 @@
                         <a:t>Шаг времени, с</a:t>
                       </a:r>
                       <a:r>
-                        <a:rPr lang="ru-RU" sz="1600" baseline="0" dirty="0" smtClean="0">
+                        <a:rPr lang="ru-RU" sz="1400" baseline="0" dirty="0" smtClean="0">
                           <a:solidFill>
                             <a:sysClr val="windowText" lastClr="000000"/>
                           </a:solidFill>
                         </a:rPr>
                         <a:t> </a:t>
                       </a:r>
-                      <a:endParaRPr lang="ru-RU" sz="1600" dirty="0">
+                      <a:endParaRPr lang="ru-RU" sz="1400" dirty="0">
                         <a:solidFill>
                           <a:sysClr val="windowText" lastClr="000000"/>
                         </a:solidFill>
@@ -10876,9 +7813,7 @@
                       <a:headEnd type="none" w="med" len="med"/>
                       <a:tailEnd type="none" w="med" len="med"/>
                     </a:lnB>
-                    <a:solidFill>
-                      <a:schemeClr val="bg1"/>
-                    </a:solidFill>
+                    <a:noFill/>
                   </a:tcPr>
                 </a:tc>
                 <a:tc>
@@ -10969,9 +7904,7 @@
                       <a:headEnd type="none" w="med" len="med"/>
                       <a:tailEnd type="none" w="med" len="med"/>
                     </a:lnB>
-                    <a:solidFill>
-                      <a:schemeClr val="bg1"/>
-                    </a:solidFill>
+                    <a:noFill/>
                   </a:tcPr>
                 </a:tc>
               </a:tr>
@@ -11055,9 +7988,7 @@
                       <a:headEnd type="none" w="med" len="med"/>
                       <a:tailEnd type="none" w="med" len="med"/>
                     </a:lnB>
-                    <a:solidFill>
-                      <a:schemeClr val="bg1"/>
-                    </a:solidFill>
+                    <a:noFill/>
                   </a:tcPr>
                 </a:tc>
                 <a:tc>
@@ -11148,9 +8079,7 @@
                       <a:headEnd type="none" w="med" len="med"/>
                       <a:tailEnd type="none" w="med" len="med"/>
                     </a:lnB>
-                    <a:solidFill>
-                      <a:schemeClr val="bg1"/>
-                    </a:solidFill>
+                    <a:noFill/>
                   </a:tcPr>
                 </a:tc>
               </a:tr>
@@ -11234,9 +8163,7 @@
                       <a:headEnd type="none" w="med" len="med"/>
                       <a:tailEnd type="none" w="med" len="med"/>
                     </a:lnB>
-                    <a:solidFill>
-                      <a:schemeClr val="bg1"/>
-                    </a:solidFill>
+                    <a:noFill/>
                   </a:tcPr>
                 </a:tc>
                 <a:tc>
@@ -11327,9 +8254,7 @@
                       <a:headEnd type="none" w="med" len="med"/>
                       <a:tailEnd type="none" w="med" len="med"/>
                     </a:lnB>
-                    <a:solidFill>
-                      <a:schemeClr val="bg1"/>
-                    </a:solidFill>
+                    <a:noFill/>
                   </a:tcPr>
                 </a:tc>
               </a:tr>
@@ -11413,9 +8338,7 @@
                       <a:headEnd type="none" w="med" len="med"/>
                       <a:tailEnd type="none" w="med" len="med"/>
                     </a:lnB>
-                    <a:solidFill>
-                      <a:schemeClr val="bg1"/>
-                    </a:solidFill>
+                    <a:noFill/>
                   </a:tcPr>
                 </a:tc>
                 <a:tc>
@@ -11506,9 +8429,7 @@
                       <a:headEnd type="none" w="med" len="med"/>
                       <a:tailEnd type="none" w="med" len="med"/>
                     </a:lnB>
-                    <a:solidFill>
-                      <a:schemeClr val="bg1"/>
-                    </a:solidFill>
+                    <a:noFill/>
                   </a:tcPr>
                 </a:tc>
               </a:tr>
@@ -11516,6 +8437,30 @@
           </a:graphicData>
         </a:graphic>
       </p:graphicFrame>
+      <p:pic>
+        <p:nvPicPr>
+          <p:cNvPr id="3" name="Рисунок 2"/>
+          <p:cNvPicPr>
+            <a:picLocks noChangeAspect="1"/>
+          </p:cNvPicPr>
+          <p:nvPr/>
+        </p:nvPicPr>
+        <p:blipFill>
+          <a:blip r:embed="rId10"/>
+          <a:stretch>
+            <a:fillRect/>
+          </a:stretch>
+        </p:blipFill>
+        <p:spPr>
+          <a:xfrm>
+            <a:off x="438028" y="987187"/>
+            <a:ext cx="2431164" cy="3528755"/>
+          </a:xfrm>
+          <a:prstGeom prst="rect">
+            <a:avLst/>
+          </a:prstGeom>
+        </p:spPr>
+      </p:pic>
     </p:spTree>
     <p:extLst>
       <p:ext uri="{BB962C8B-B14F-4D97-AF65-F5344CB8AC3E}">
@@ -11595,6 +8540,7 @@
           <a:p>
             <a:fld id="{B6743867-4E32-4E2D-8739-58246E7E28D2}" type="slidenum">
               <a:rPr lang="ru-RU" smtClean="0"/>
+              <a:pPr/>
               <a:t>7</a:t>
             </a:fld>
             <a:endParaRPr lang="ru-RU" dirty="0"/>
@@ -11735,6 +8681,7 @@
           <a:p>
             <a:fld id="{B6743867-4E32-4E2D-8739-58246E7E28D2}" type="slidenum">
               <a:rPr lang="ru-RU" smtClean="0"/>
+              <a:pPr/>
               <a:t>8</a:t>
             </a:fld>
             <a:endParaRPr lang="ru-RU" dirty="0"/>
@@ -11896,6 +8843,7 @@
           <a:p>
             <a:fld id="{B6743867-4E32-4E2D-8739-58246E7E28D2}" type="slidenum">
               <a:rPr lang="ru-RU" smtClean="0"/>
+              <a:pPr/>
               <a:t>9</a:t>
             </a:fld>
             <a:endParaRPr lang="ru-RU" dirty="0"/>
@@ -11909,7 +8857,7 @@
           <p:nvPr/>
         </p:nvPicPr>
         <p:blipFill>
-          <a:blip r:embed="rId2"/>
+          <a:blip r:embed="rId2" cstate="print"/>
           <a:stretch>
             <a:fillRect/>
           </a:stretch>
@@ -12004,10 +8952,10 @@
                 <a:ea typeface="Calibri" panose="020F0502020204030204" pitchFamily="34" charset="0"/>
                 <a:cs typeface="Times New Roman" panose="02020603050405020304" pitchFamily="18" charset="0"/>
               </a:rPr>
-              <a:t>Плотность материала 1500 </a:t>
-            </a:r>
-            <a:r>
-              <a:rPr lang="ru-RU" sz="2000" dirty="0"/>
+              <a:t>Плотность материала </a:t>
+            </a:r>
+            <a:r>
+              <a:rPr lang="ru-RU" sz="2000" dirty="0" smtClean="0"/>
               <a:t>1500 </a:t>
             </a:r>
             <a:r>
@@ -12042,7 +8990,7 @@
           <p:nvPr/>
         </p:nvPicPr>
         <p:blipFill>
-          <a:blip r:embed="rId3"/>
+          <a:blip r:embed="rId3" cstate="print"/>
           <a:stretch>
             <a:fillRect/>
           </a:stretch>
@@ -12064,7 +9012,7 @@
           <p:nvPr/>
         </p:nvPicPr>
         <p:blipFill>
-          <a:blip r:embed="rId4"/>
+          <a:blip r:embed="rId4" cstate="print"/>
           <a:stretch>
             <a:fillRect/>
           </a:stretch>

--- a/Dissertacia/MyWork/DocWork/Модель деформируемого объекта управления.pptx
+++ b/Dissertacia/MyWork/DocWork/Модель деформируемого объекта управления.pptx
@@ -536,11 +536,11 @@
           <c:showPercent val="0"/>
           <c:showBubbleSize val="0"/>
         </c:dLbls>
-        <c:axId val="232602944"/>
-        <c:axId val="232544104"/>
+        <c:axId val="174920328"/>
+        <c:axId val="129705152"/>
       </c:scatterChart>
       <c:valAx>
-        <c:axId val="232602944"/>
+        <c:axId val="174920328"/>
         <c:scaling>
           <c:orientation val="minMax"/>
         </c:scaling>
@@ -647,12 +647,12 @@
             <a:endParaRPr lang="ru-RU"/>
           </a:p>
         </c:txPr>
-        <c:crossAx val="232544104"/>
+        <c:crossAx val="129705152"/>
         <c:crosses val="autoZero"/>
         <c:crossBetween val="midCat"/>
       </c:valAx>
       <c:valAx>
-        <c:axId val="232544104"/>
+        <c:axId val="129705152"/>
         <c:scaling>
           <c:orientation val="minMax"/>
           <c:max val="4"/>
@@ -764,7 +764,7 @@
             <a:endParaRPr lang="ru-RU"/>
           </a:p>
         </c:txPr>
-        <c:crossAx val="232602944"/>
+        <c:crossAx val="174920328"/>
         <c:crosses val="autoZero"/>
         <c:crossBetween val="midCat"/>
       </c:valAx>
@@ -1234,11 +1234,11 @@
           <c:showPercent val="0"/>
           <c:showBubbleSize val="0"/>
         </c:dLbls>
-        <c:axId val="232437872"/>
-        <c:axId val="232456592"/>
+        <c:axId val="177049624"/>
+        <c:axId val="177125840"/>
       </c:scatterChart>
       <c:valAx>
-        <c:axId val="232437872"/>
+        <c:axId val="177049624"/>
         <c:scaling>
           <c:orientation val="minMax"/>
         </c:scaling>
@@ -1346,12 +1346,12 @@
             <a:endParaRPr lang="ru-RU"/>
           </a:p>
         </c:txPr>
-        <c:crossAx val="232456592"/>
+        <c:crossAx val="177125840"/>
         <c:crosses val="autoZero"/>
         <c:crossBetween val="midCat"/>
       </c:valAx>
       <c:valAx>
-        <c:axId val="232456592"/>
+        <c:axId val="177125840"/>
         <c:scaling>
           <c:orientation val="minMax"/>
         </c:scaling>
@@ -1467,7 +1467,7 @@
             <a:endParaRPr lang="ru-RU"/>
           </a:p>
         </c:txPr>
-        <c:crossAx val="232437872"/>
+        <c:crossAx val="177049624"/>
         <c:crosses val="autoZero"/>
         <c:crossBetween val="midCat"/>
       </c:valAx>
@@ -1786,11 +1786,11 @@
           <c:showPercent val="0"/>
           <c:showBubbleSize val="0"/>
         </c:dLbls>
-        <c:axId val="232289264"/>
-        <c:axId val="233275264"/>
+        <c:axId val="177236344"/>
+        <c:axId val="177239800"/>
       </c:scatterChart>
       <c:valAx>
-        <c:axId val="232289264"/>
+        <c:axId val="177236344"/>
         <c:scaling>
           <c:orientation val="minMax"/>
         </c:scaling>
@@ -1851,7 +1851,6 @@
               </a:p>
             </c:rich>
           </c:tx>
-          <c:layout/>
           <c:overlay val="0"/>
           <c:spPr>
             <a:noFill/>
@@ -1898,12 +1897,12 @@
             <a:endParaRPr lang="ru-RU"/>
           </a:p>
         </c:txPr>
-        <c:crossAx val="233275264"/>
+        <c:crossAx val="177239800"/>
         <c:crosses val="autoZero"/>
         <c:crossBetween val="midCat"/>
       </c:valAx>
       <c:valAx>
-        <c:axId val="233275264"/>
+        <c:axId val="177239800"/>
         <c:scaling>
           <c:orientation val="minMax"/>
         </c:scaling>
@@ -1972,7 +1971,6 @@
               </a:p>
             </c:rich>
           </c:tx>
-          <c:layout/>
           <c:overlay val="0"/>
           <c:spPr>
             <a:noFill/>
@@ -2019,7 +2017,7 @@
             <a:endParaRPr lang="ru-RU"/>
           </a:p>
         </c:txPr>
-        <c:crossAx val="232289264"/>
+        <c:crossAx val="177236344"/>
         <c:crosses val="autoZero"/>
         <c:crossBetween val="midCat"/>
       </c:valAx>
@@ -2033,7 +2031,6 @@
     </c:plotArea>
     <c:legend>
       <c:legendPos val="b"/>
-      <c:layout/>
       <c:overlay val="0"/>
       <c:spPr>
         <a:noFill/>
@@ -2173,7 +2170,7 @@
             <a:fld id="{2E86FABA-D603-46B8-94C7-F73A40963B6B}" type="datetimeFigureOut">
               <a:rPr lang="ru-RU" smtClean="0"/>
               <a:pPr/>
-              <a:t>26.04.2018</a:t>
+              <a:t>27.04.2018</a:t>
             </a:fld>
             <a:endParaRPr lang="ru-RU" dirty="0"/>
           </a:p>
@@ -5596,11 +5593,7 @@
             </a:r>
             <a:r>
               <a:rPr lang="ru-RU" sz="2000" dirty="0" smtClean="0"/>
-              <a:t>отклонение </a:t>
-            </a:r>
-            <a:r>
-              <a:rPr lang="ru-RU" sz="2000" dirty="0" smtClean="0"/>
-              <a:t> </a:t>
+              <a:t>отклонение  </a:t>
             </a:r>
             <a:r>
               <a:rPr lang="ru-RU" sz="2000" dirty="0"/>
@@ -5993,8 +5986,8 @@
           </a:graphicData>
         </a:graphic>
       </p:graphicFrame>
-      <mc:AlternateContent xmlns:mc="http://schemas.openxmlformats.org/markup-compatibility/2006">
-        <mc:Choice xmlns:a14="http://schemas.microsoft.com/office/drawing/2010/main" Requires="a14">
+      <mc:AlternateContent xmlns:mc="http://schemas.openxmlformats.org/markup-compatibility/2006" xmlns:a14="http://schemas.microsoft.com/office/drawing/2010/main">
+        <mc:Choice Requires="a14">
           <p:sp>
             <p:nvSpPr>
               <p:cNvPr id="9" name="Прямоугольник 8"/>
@@ -6179,7 +6172,7 @@
             </p:txBody>
           </p:sp>
         </mc:Choice>
-        <mc:Fallback>
+        <mc:Fallback xmlns="">
           <p:sp>
             <p:nvSpPr>
               <p:cNvPr id="9" name="Прямоугольник 8"/>
@@ -6810,8 +6803,8 @@
           </a:p>
         </p:txBody>
       </p:sp>
-      <mc:AlternateContent xmlns:mc="http://schemas.openxmlformats.org/markup-compatibility/2006">
-        <mc:Choice xmlns:a14="http://schemas.microsoft.com/office/drawing/2010/main" Requires="a14">
+      <mc:AlternateContent xmlns:mc="http://schemas.openxmlformats.org/markup-compatibility/2006" xmlns:a14="http://schemas.microsoft.com/office/drawing/2010/main">
+        <mc:Choice Requires="a14">
           <p:graphicFrame>
             <p:nvGraphicFramePr>
               <p:cNvPr id="16" name="Таблица 15"/>
@@ -7291,7 +7284,7 @@
             </a:graphic>
           </p:graphicFrame>
         </mc:Choice>
-        <mc:Fallback>
+        <mc:Fallback xmlns="">
           <p:graphicFrame>
             <p:nvGraphicFramePr>
               <p:cNvPr id="16" name="Таблица 15"/>
@@ -7532,12 +7525,12 @@
           <a:graphicData uri="http://schemas.openxmlformats.org/presentationml/2006/ole">
             <mc:AlternateContent xmlns:mc="http://schemas.openxmlformats.org/markup-compatibility/2006">
               <mc:Choice xmlns:v="urn:schemas-microsoft-com:vml" Requires="v">
-                <p:oleObj spid="_x0000_s2119" r:id="rId8" imgW="666627" imgH="914400" progId="">
+                <p:oleObj spid="_x0000_s2120" r:id="rId9" imgW="666627" imgH="914400" progId="">
                   <p:embed/>
                 </p:oleObj>
               </mc:Choice>
               <mc:Fallback>
-                <p:oleObj r:id="rId8" imgW="666627" imgH="914400" progId="">
+                <p:oleObj r:id="rId9" imgW="666627" imgH="914400" progId="">
                   <p:embed/>
                   <p:pic>
                     <p:nvPicPr>
@@ -7548,7 +7541,7 @@
                       <p:nvPr/>
                     </p:nvPicPr>
                     <p:blipFill>
-                      <a:blip r:embed="rId9">
+                      <a:blip r:embed="rId10">
                         <a:extLst>
                           <a:ext uri="{28A0092B-C50C-407E-A947-70E740481C1C}">
                             <a14:useLocalDpi xmlns:a14="http://schemas.microsoft.com/office/drawing/2010/main" val="0"/>
@@ -8446,7 +8439,7 @@
           <p:nvPr/>
         </p:nvPicPr>
         <p:blipFill>
-          <a:blip r:embed="rId10"/>
+          <a:blip r:embed="rId11"/>
           <a:stretch>
             <a:fillRect/>
           </a:stretch>

--- a/Dissertacia/MyWork/DocWork/Модель деформируемого объекта управления.pptx
+++ b/Dissertacia/MyWork/DocWork/Модель деформируемого объекта управления.pptx
@@ -182,7 +182,6 @@
           </a:p>
         </c:rich>
       </c:tx>
-      <c:layout/>
       <c:overlay val="0"/>
       <c:spPr>
         <a:noFill/>
@@ -536,11 +535,11 @@
           <c:showPercent val="0"/>
           <c:showBubbleSize val="0"/>
         </c:dLbls>
-        <c:axId val="174920328"/>
-        <c:axId val="129705152"/>
+        <c:axId val="868078240"/>
+        <c:axId val="868080960"/>
       </c:scatterChart>
       <c:valAx>
-        <c:axId val="174920328"/>
+        <c:axId val="868078240"/>
         <c:scaling>
           <c:orientation val="minMax"/>
         </c:scaling>
@@ -600,7 +599,6 @@
               </a:p>
             </c:rich>
           </c:tx>
-          <c:layout/>
           <c:overlay val="0"/>
           <c:spPr>
             <a:noFill/>
@@ -647,12 +645,12 @@
             <a:endParaRPr lang="ru-RU"/>
           </a:p>
         </c:txPr>
-        <c:crossAx val="129705152"/>
+        <c:crossAx val="868080960"/>
         <c:crosses val="autoZero"/>
         <c:crossBetween val="midCat"/>
       </c:valAx>
       <c:valAx>
-        <c:axId val="129705152"/>
+        <c:axId val="868080960"/>
         <c:scaling>
           <c:orientation val="minMax"/>
           <c:max val="4"/>
@@ -717,7 +715,6 @@
               </a:p>
             </c:rich>
           </c:tx>
-          <c:layout/>
           <c:overlay val="0"/>
           <c:spPr>
             <a:noFill/>
@@ -764,7 +761,7 @@
             <a:endParaRPr lang="ru-RU"/>
           </a:p>
         </c:txPr>
-        <c:crossAx val="174920328"/>
+        <c:crossAx val="868078240"/>
         <c:crosses val="autoZero"/>
         <c:crossBetween val="midCat"/>
       </c:valAx>
@@ -778,7 +775,6 @@
     </c:plotArea>
     <c:legend>
       <c:legendPos val="b"/>
-      <c:layout/>
       <c:overlay val="0"/>
       <c:spPr>
         <a:noFill/>
@@ -880,7 +876,6 @@
           </a:p>
         </c:rich>
       </c:tx>
-      <c:layout/>
       <c:overlay val="0"/>
       <c:spPr>
         <a:noFill/>
@@ -1234,11 +1229,11 @@
           <c:showPercent val="0"/>
           <c:showBubbleSize val="0"/>
         </c:dLbls>
-        <c:axId val="177049624"/>
-        <c:axId val="177125840"/>
+        <c:axId val="868067360"/>
+        <c:axId val="868075520"/>
       </c:scatterChart>
       <c:valAx>
-        <c:axId val="177049624"/>
+        <c:axId val="868067360"/>
         <c:scaling>
           <c:orientation val="minMax"/>
         </c:scaling>
@@ -1299,7 +1294,6 @@
               </a:p>
             </c:rich>
           </c:tx>
-          <c:layout/>
           <c:overlay val="0"/>
           <c:spPr>
             <a:noFill/>
@@ -1346,12 +1340,12 @@
             <a:endParaRPr lang="ru-RU"/>
           </a:p>
         </c:txPr>
-        <c:crossAx val="177125840"/>
+        <c:crossAx val="868075520"/>
         <c:crosses val="autoZero"/>
         <c:crossBetween val="midCat"/>
       </c:valAx>
       <c:valAx>
-        <c:axId val="177125840"/>
+        <c:axId val="868075520"/>
         <c:scaling>
           <c:orientation val="minMax"/>
         </c:scaling>
@@ -1420,7 +1414,6 @@
               </a:p>
             </c:rich>
           </c:tx>
-          <c:layout/>
           <c:overlay val="0"/>
           <c:spPr>
             <a:noFill/>
@@ -1467,7 +1460,7 @@
             <a:endParaRPr lang="ru-RU"/>
           </a:p>
         </c:txPr>
-        <c:crossAx val="177049624"/>
+        <c:crossAx val="868067360"/>
         <c:crosses val="autoZero"/>
         <c:crossBetween val="midCat"/>
       </c:valAx>
@@ -1481,7 +1474,6 @@
     </c:plotArea>
     <c:legend>
       <c:legendPos val="b"/>
-      <c:layout/>
       <c:overlay val="0"/>
       <c:spPr>
         <a:noFill/>
@@ -1786,11 +1778,11 @@
           <c:showPercent val="0"/>
           <c:showBubbleSize val="0"/>
         </c:dLbls>
-        <c:axId val="177236344"/>
-        <c:axId val="177239800"/>
+        <c:axId val="868079872"/>
+        <c:axId val="868074432"/>
       </c:scatterChart>
       <c:valAx>
-        <c:axId val="177236344"/>
+        <c:axId val="868079872"/>
         <c:scaling>
           <c:orientation val="minMax"/>
         </c:scaling>
@@ -1851,6 +1843,7 @@
               </a:p>
             </c:rich>
           </c:tx>
+          <c:layout/>
           <c:overlay val="0"/>
           <c:spPr>
             <a:noFill/>
@@ -1897,12 +1890,12 @@
             <a:endParaRPr lang="ru-RU"/>
           </a:p>
         </c:txPr>
-        <c:crossAx val="177239800"/>
+        <c:crossAx val="868074432"/>
         <c:crosses val="autoZero"/>
         <c:crossBetween val="midCat"/>
       </c:valAx>
       <c:valAx>
-        <c:axId val="177239800"/>
+        <c:axId val="868074432"/>
         <c:scaling>
           <c:orientation val="minMax"/>
         </c:scaling>
@@ -1971,6 +1964,7 @@
               </a:p>
             </c:rich>
           </c:tx>
+          <c:layout/>
           <c:overlay val="0"/>
           <c:spPr>
             <a:noFill/>
@@ -2017,7 +2011,7 @@
             <a:endParaRPr lang="ru-RU"/>
           </a:p>
         </c:txPr>
-        <c:crossAx val="177236344"/>
+        <c:crossAx val="868079872"/>
         <c:crosses val="autoZero"/>
         <c:crossBetween val="midCat"/>
       </c:valAx>
@@ -2031,6 +2025,7 @@
     </c:plotArea>
     <c:legend>
       <c:legendPos val="b"/>
+      <c:layout/>
       <c:overlay val="0"/>
       <c:spPr>
         <a:noFill/>
@@ -2170,7 +2165,7 @@
             <a:fld id="{2E86FABA-D603-46B8-94C7-F73A40963B6B}" type="datetimeFigureOut">
               <a:rPr lang="ru-RU" smtClean="0"/>
               <a:pPr/>
-              <a:t>27.04.2018</a:t>
+              <a:t>28.04.2018</a:t>
             </a:fld>
             <a:endParaRPr lang="ru-RU" dirty="0"/>
           </a:p>
@@ -5615,30 +5610,136 @@
           </a:p>
         </p:txBody>
       </p:sp>
-      <p:pic>
-        <p:nvPicPr>
-          <p:cNvPr id="8" name="Рисунок 7"/>
-          <p:cNvPicPr>
-            <a:picLocks noChangeAspect="1"/>
-          </p:cNvPicPr>
+      <p:sp>
+        <p:nvSpPr>
+          <p:cNvPr id="6" name="Rectangle 2"/>
+          <p:cNvSpPr>
+            <a:spLocks noChangeArrowheads="1"/>
+          </p:cNvSpPr>
           <p:nvPr/>
-        </p:nvPicPr>
-        <p:blipFill>
-          <a:blip r:embed="rId4"/>
-          <a:stretch>
-            <a:fillRect/>
-          </a:stretch>
-        </p:blipFill>
-        <p:spPr>
+        </p:nvSpPr>
+        <p:spPr bwMode="auto">
           <a:xfrm>
-            <a:off x="5580112" y="1124744"/>
-            <a:ext cx="3000571" cy="4367591"/>
+            <a:off x="4803930" y="1287731"/>
+            <a:ext cx="11789724" cy="47923"/>
           </a:xfrm>
           <a:prstGeom prst="rect">
             <a:avLst/>
           </a:prstGeom>
+          <a:noFill/>
+          <a:ln>
+            <a:noFill/>
+          </a:ln>
+          <a:effectLst/>
+          <a:extLst>
+            <a:ext uri="{909E8E84-426E-40DD-AFC4-6F175D3DCCD1}">
+              <a14:hiddenFill xmlns:a14="http://schemas.microsoft.com/office/drawing/2010/main">
+                <a:solidFill>
+                  <a:schemeClr val="accent1"/>
+                </a:solidFill>
+              </a14:hiddenFill>
+            </a:ext>
+            <a:ext uri="{91240B29-F687-4F45-9708-019B960494DF}">
+              <a14:hiddenLine xmlns:a14="http://schemas.microsoft.com/office/drawing/2010/main" w="9525">
+                <a:solidFill>
+                  <a:schemeClr val="tx1"/>
+                </a:solidFill>
+                <a:miter lim="800000"/>
+                <a:headEnd/>
+                <a:tailEnd/>
+              </a14:hiddenLine>
+            </a:ext>
+            <a:ext uri="{AF507438-7753-43E0-B8FC-AC1667EBCBE1}">
+              <a14:hiddenEffects xmlns:a14="http://schemas.microsoft.com/office/drawing/2010/main">
+                <a:effectLst>
+                  <a:outerShdw dist="35921" dir="2700000" algn="ctr" rotWithShape="0">
+                    <a:schemeClr val="bg2"/>
+                  </a:outerShdw>
+                </a:effectLst>
+              </a14:hiddenEffects>
+            </a:ext>
+          </a:extLst>
         </p:spPr>
-      </p:pic>
+        <p:txBody>
+          <a:bodyPr vert="horz" wrap="square" lIns="91440" tIns="45720" rIns="91440" bIns="45720" numCol="1" anchor="ctr" anchorCtr="0" compatLnSpc="1">
+            <a:prstTxWarp prst="textNoShape">
+              <a:avLst/>
+            </a:prstTxWarp>
+            <a:spAutoFit/>
+          </a:bodyPr>
+          <a:lstStyle/>
+          <a:p>
+            <a:endParaRPr lang="ru-RU"/>
+          </a:p>
+        </p:txBody>
+      </p:sp>
+      <p:graphicFrame>
+        <p:nvGraphicFramePr>
+          <p:cNvPr id="9" name="Объект 8"/>
+          <p:cNvGraphicFramePr>
+            <a:graphicFrameLocks noChangeAspect="1"/>
+          </p:cNvGraphicFramePr>
+          <p:nvPr>
+            <p:extLst>
+              <p:ext uri="{D42A27DB-BD31-4B8C-83A1-F6EECF244321}">
+                <p14:modId xmlns:p14="http://schemas.microsoft.com/office/powerpoint/2010/main" val="1945299815"/>
+              </p:ext>
+            </p:extLst>
+          </p:nvPr>
+        </p:nvGraphicFramePr>
+        <p:xfrm>
+          <a:off x="5364088" y="929895"/>
+          <a:ext cx="3573760" cy="5280813"/>
+        </p:xfrm>
+        <a:graphic>
+          <a:graphicData uri="http://schemas.openxmlformats.org/presentationml/2006/ole">
+            <mc:AlternateContent xmlns:mc="http://schemas.openxmlformats.org/markup-compatibility/2006">
+              <mc:Choice xmlns:v="urn:schemas-microsoft-com:vml" Requires="v">
+                <p:oleObj spid="_x0000_s3079" name="Visio" r:id="rId4" imgW="1533485" imgH="2266950" progId="Visio.Drawing.15">
+                  <p:embed/>
+                </p:oleObj>
+              </mc:Choice>
+              <mc:Fallback>
+                <p:oleObj name="Visio" r:id="rId4" imgW="1533485" imgH="2266950" progId="Visio.Drawing.15">
+                  <p:embed/>
+                  <p:pic>
+                    <p:nvPicPr>
+                      <p:cNvPr id="0" name="Object 1"/>
+                      <p:cNvPicPr>
+                        <a:picLocks noChangeAspect="1" noChangeArrowheads="1"/>
+                      </p:cNvPicPr>
+                      <p:nvPr/>
+                    </p:nvPicPr>
+                    <p:blipFill>
+                      <a:blip r:embed="rId5">
+                        <a:extLst>
+                          <a:ext uri="{28A0092B-C50C-407E-A947-70E740481C1C}">
+                            <a14:useLocalDpi xmlns:a14="http://schemas.microsoft.com/office/drawing/2010/main" val="0"/>
+                          </a:ext>
+                        </a:extLst>
+                      </a:blip>
+                      <a:srcRect/>
+                      <a:stretch>
+                        <a:fillRect/>
+                      </a:stretch>
+                    </p:blipFill>
+                    <p:spPr bwMode="auto">
+                      <a:xfrm>
+                        <a:off x="5364088" y="929895"/>
+                        <a:ext cx="3573760" cy="5280813"/>
+                      </a:xfrm>
+                      <a:prstGeom prst="rect">
+                        <a:avLst/>
+                      </a:prstGeom>
+                      <a:noFill/>
+                    </p:spPr>
+                  </p:pic>
+                </p:oleObj>
+              </mc:Fallback>
+            </mc:AlternateContent>
+          </a:graphicData>
+        </a:graphic>
+      </p:graphicFrame>
     </p:spTree>
     <p:extLst>
       <p:ext uri="{BB962C8B-B14F-4D97-AF65-F5344CB8AC3E}">
@@ -7525,12 +7626,12 @@
           <a:graphicData uri="http://schemas.openxmlformats.org/presentationml/2006/ole">
             <mc:AlternateContent xmlns:mc="http://schemas.openxmlformats.org/markup-compatibility/2006">
               <mc:Choice xmlns:v="urn:schemas-microsoft-com:vml" Requires="v">
-                <p:oleObj spid="_x0000_s2120" r:id="rId9" imgW="666627" imgH="914400" progId="">
+                <p:oleObj spid="_x0000_s2131" r:id="rId8" imgW="666627" imgH="914400" progId="">
                   <p:embed/>
                 </p:oleObj>
               </mc:Choice>
               <mc:Fallback>
-                <p:oleObj r:id="rId9" imgW="666627" imgH="914400" progId="">
+                <p:oleObj r:id="rId8" imgW="666627" imgH="914400" progId="">
                   <p:embed/>
                   <p:pic>
                     <p:nvPicPr>
@@ -7541,7 +7642,7 @@
                       <p:nvPr/>
                     </p:nvPicPr>
                     <p:blipFill>
-                      <a:blip r:embed="rId10">
+                      <a:blip r:embed="rId9">
                         <a:extLst>
                           <a:ext uri="{28A0092B-C50C-407E-A947-70E740481C1C}">
                             <a14:useLocalDpi xmlns:a14="http://schemas.microsoft.com/office/drawing/2010/main" val="0"/>
@@ -8430,30 +8531,136 @@
           </a:graphicData>
         </a:graphic>
       </p:graphicFrame>
-      <p:pic>
-        <p:nvPicPr>
-          <p:cNvPr id="3" name="Рисунок 2"/>
-          <p:cNvPicPr>
-            <a:picLocks noChangeAspect="1"/>
-          </p:cNvPicPr>
+      <p:sp>
+        <p:nvSpPr>
+          <p:cNvPr id="5" name="Rectangle 74"/>
+          <p:cNvSpPr>
+            <a:spLocks noChangeArrowheads="1"/>
+          </p:cNvSpPr>
           <p:nvPr/>
-        </p:nvPicPr>
-        <p:blipFill>
-          <a:blip r:embed="rId11"/>
-          <a:stretch>
-            <a:fillRect/>
-          </a:stretch>
-        </p:blipFill>
-        <p:spPr>
+        </p:nvSpPr>
+        <p:spPr bwMode="auto">
           <a:xfrm>
-            <a:off x="438028" y="987187"/>
-            <a:ext cx="2431164" cy="3528755"/>
+            <a:off x="543754" y="909009"/>
+            <a:ext cx="7549393" cy="45719"/>
           </a:xfrm>
           <a:prstGeom prst="rect">
             <a:avLst/>
           </a:prstGeom>
+          <a:noFill/>
+          <a:ln>
+            <a:noFill/>
+          </a:ln>
+          <a:effectLst/>
+          <a:extLst>
+            <a:ext uri="{909E8E84-426E-40DD-AFC4-6F175D3DCCD1}">
+              <a14:hiddenFill xmlns:a14="http://schemas.microsoft.com/office/drawing/2010/main">
+                <a:solidFill>
+                  <a:schemeClr val="accent1"/>
+                </a:solidFill>
+              </a14:hiddenFill>
+            </a:ext>
+            <a:ext uri="{91240B29-F687-4F45-9708-019B960494DF}">
+              <a14:hiddenLine xmlns:a14="http://schemas.microsoft.com/office/drawing/2010/main" w="9525">
+                <a:solidFill>
+                  <a:schemeClr val="tx1"/>
+                </a:solidFill>
+                <a:miter lim="800000"/>
+                <a:headEnd/>
+                <a:tailEnd/>
+              </a14:hiddenLine>
+            </a:ext>
+            <a:ext uri="{AF507438-7753-43E0-B8FC-AC1667EBCBE1}">
+              <a14:hiddenEffects xmlns:a14="http://schemas.microsoft.com/office/drawing/2010/main">
+                <a:effectLst>
+                  <a:outerShdw dist="35921" dir="2700000" algn="ctr" rotWithShape="0">
+                    <a:schemeClr val="bg2"/>
+                  </a:outerShdw>
+                </a:effectLst>
+              </a14:hiddenEffects>
+            </a:ext>
+          </a:extLst>
         </p:spPr>
-      </p:pic>
+        <p:txBody>
+          <a:bodyPr vert="horz" wrap="square" lIns="91440" tIns="45720" rIns="91440" bIns="45720" numCol="1" anchor="ctr" anchorCtr="0" compatLnSpc="1">
+            <a:prstTxWarp prst="textNoShape">
+              <a:avLst/>
+            </a:prstTxWarp>
+            <a:spAutoFit/>
+          </a:bodyPr>
+          <a:lstStyle/>
+          <a:p>
+            <a:endParaRPr lang="ru-RU"/>
+          </a:p>
+        </p:txBody>
+      </p:sp>
+      <p:graphicFrame>
+        <p:nvGraphicFramePr>
+          <p:cNvPr id="7" name="Объект 6"/>
+          <p:cNvGraphicFramePr>
+            <a:graphicFrameLocks noChangeAspect="1"/>
+          </p:cNvGraphicFramePr>
+          <p:nvPr>
+            <p:extLst>
+              <p:ext uri="{D42A27DB-BD31-4B8C-83A1-F6EECF244321}">
+                <p14:modId xmlns:p14="http://schemas.microsoft.com/office/powerpoint/2010/main" val="2482212202"/>
+              </p:ext>
+            </p:extLst>
+          </p:nvPr>
+        </p:nvGraphicFramePr>
+        <p:xfrm>
+          <a:off x="543755" y="909010"/>
+          <a:ext cx="2571512" cy="3774697"/>
+        </p:xfrm>
+        <a:graphic>
+          <a:graphicData uri="http://schemas.openxmlformats.org/presentationml/2006/ole">
+            <mc:AlternateContent xmlns:mc="http://schemas.openxmlformats.org/markup-compatibility/2006">
+              <mc:Choice xmlns:v="urn:schemas-microsoft-com:vml" Requires="v">
+                <p:oleObj spid="_x0000_s2132" name="Visio" r:id="rId10" imgW="1514399" imgH="2219498" progId="Visio.Drawing.15">
+                  <p:embed/>
+                </p:oleObj>
+              </mc:Choice>
+              <mc:Fallback>
+                <p:oleObj name="Visio" r:id="rId10" imgW="1514399" imgH="2219498" progId="Visio.Drawing.15">
+                  <p:embed/>
+                  <p:pic>
+                    <p:nvPicPr>
+                      <p:cNvPr id="0" name="Object 73"/>
+                      <p:cNvPicPr>
+                        <a:picLocks noChangeAspect="1" noChangeArrowheads="1"/>
+                      </p:cNvPicPr>
+                      <p:nvPr/>
+                    </p:nvPicPr>
+                    <p:blipFill>
+                      <a:blip r:embed="rId11">
+                        <a:extLst>
+                          <a:ext uri="{28A0092B-C50C-407E-A947-70E740481C1C}">
+                            <a14:useLocalDpi xmlns:a14="http://schemas.microsoft.com/office/drawing/2010/main" val="0"/>
+                          </a:ext>
+                        </a:extLst>
+                      </a:blip>
+                      <a:srcRect/>
+                      <a:stretch>
+                        <a:fillRect/>
+                      </a:stretch>
+                    </p:blipFill>
+                    <p:spPr bwMode="auto">
+                      <a:xfrm>
+                        <a:off x="543755" y="909010"/>
+                        <a:ext cx="2571512" cy="3774697"/>
+                      </a:xfrm>
+                      <a:prstGeom prst="rect">
+                        <a:avLst/>
+                      </a:prstGeom>
+                      <a:noFill/>
+                    </p:spPr>
+                  </p:pic>
+                </p:oleObj>
+              </mc:Fallback>
+            </mc:AlternateContent>
+          </a:graphicData>
+        </a:graphic>
+      </p:graphicFrame>
     </p:spTree>
     <p:extLst>
       <p:ext uri="{BB962C8B-B14F-4D97-AF65-F5344CB8AC3E}">

--- a/Dissertacia/MyWork/DocWork/Модель деформируемого объекта управления.pptx
+++ b/Dissertacia/MyWork/DocWork/Модель деформируемого объекта управления.pptx
@@ -177,11 +177,20 @@
             </a:r>
             <a:r>
               <a:rPr lang="ru-RU" sz="1800" dirty="0"/>
-              <a:t>иглы в зависимости от плотности материала</a:t>
+              <a:t>иглы в зависимости </a:t>
+            </a:r>
+            <a:r>
+              <a:rPr lang="ru-RU" sz="1800" dirty="0" smtClean="0"/>
+              <a:t>от скорости при различной </a:t>
+            </a:r>
+            <a:r>
+              <a:rPr lang="ru-RU" sz="1800" dirty="0"/>
+              <a:t>плотности материала</a:t>
             </a:r>
           </a:p>
         </c:rich>
       </c:tx>
+      <c:layout/>
       <c:overlay val="0"/>
       <c:spPr>
         <a:noFill/>
@@ -279,13 +288,13 @@
                   <c:v>0.146371140301682</c:v>
                 </c:pt>
                 <c:pt idx="2">
-                  <c:v>0.32933506567877607</c:v>
+                  <c:v>0.32933506567877613</c:v>
                 </c:pt>
                 <c:pt idx="3">
-                  <c:v>0.58548456120672776</c:v>
+                  <c:v>0.58548456120672754</c:v>
                 </c:pt>
                 <c:pt idx="4">
-                  <c:v>0.91481962688549712</c:v>
+                  <c:v>0.91481962688549723</c:v>
                 </c:pt>
                 <c:pt idx="5">
                   <c:v>1.3173402627151098</c:v>
@@ -294,10 +303,10 @@
                   <c:v>1.79304646869567</c:v>
                 </c:pt>
                 <c:pt idx="7">
-                  <c:v>2.3419382448269106</c:v>
+                  <c:v>2.341938244826911</c:v>
                 </c:pt>
                 <c:pt idx="8">
-                  <c:v>2.9640155911088697</c:v>
+                  <c:v>2.9640155911088693</c:v>
                 </c:pt>
                 <c:pt idx="9">
                   <c:v>3.6592785075419898</c:v>
@@ -383,16 +392,16 @@
                 <c:formatCode>0.000</c:formatCode>
                 <c:ptCount val="10"/>
                 <c:pt idx="0">
-                  <c:v>2.6834709055307705E-2</c:v>
+                  <c:v>2.6834709055307708E-2</c:v>
                 </c:pt>
                 <c:pt idx="1">
-                  <c:v>0.10733883622123101</c:v>
+                  <c:v>0.10733883622123103</c:v>
                 </c:pt>
                 <c:pt idx="2">
-                  <c:v>0.24151238149775905</c:v>
+                  <c:v>0.24151238149775911</c:v>
                 </c:pt>
                 <c:pt idx="3">
-                  <c:v>0.42935534488492405</c:v>
+                  <c:v>0.42935534488492411</c:v>
                 </c:pt>
                 <c:pt idx="4">
                   <c:v>0.67086772638273295</c:v>
@@ -404,13 +413,13 @@
                   <c:v>1.3149007437100699</c:v>
                 </c:pt>
                 <c:pt idx="7">
-                  <c:v>1.7174213795396895</c:v>
+                  <c:v>1.7174213795396891</c:v>
                 </c:pt>
                 <c:pt idx="8">
-                  <c:v>2.1736114334798695</c:v>
+                  <c:v>2.1736114334798686</c:v>
                 </c:pt>
                 <c:pt idx="9">
-                  <c:v>2.6834709055309305</c:v>
+                  <c:v>2.6834709055309309</c:v>
                 </c:pt>
               </c:numCache>
             </c:numRef>
@@ -505,7 +514,7 @@
                   <c:v>0.35129073672403599</c:v>
                 </c:pt>
                 <c:pt idx="4">
-                  <c:v>0.54889177613131912</c:v>
+                  <c:v>0.54889177613131923</c:v>
                 </c:pt>
                 <c:pt idx="5">
                   <c:v>0.79040415762902905</c:v>
@@ -520,7 +529,7 @@
                   <c:v>1.77840935466551</c:v>
                 </c:pt>
                 <c:pt idx="9">
-                  <c:v>2.1955671045252796</c:v>
+                  <c:v>2.1955671045252791</c:v>
                 </c:pt>
               </c:numCache>
             </c:numRef>
@@ -535,11 +544,11 @@
           <c:showPercent val="0"/>
           <c:showBubbleSize val="0"/>
         </c:dLbls>
-        <c:axId val="868078240"/>
-        <c:axId val="868080960"/>
+        <c:axId val="1668306576"/>
+        <c:axId val="1668305488"/>
       </c:scatterChart>
       <c:valAx>
-        <c:axId val="868078240"/>
+        <c:axId val="1668306576"/>
         <c:scaling>
           <c:orientation val="minMax"/>
         </c:scaling>
@@ -599,6 +608,7 @@
               </a:p>
             </c:rich>
           </c:tx>
+          <c:layout/>
           <c:overlay val="0"/>
           <c:spPr>
             <a:noFill/>
@@ -645,12 +655,12 @@
             <a:endParaRPr lang="ru-RU"/>
           </a:p>
         </c:txPr>
-        <c:crossAx val="868080960"/>
+        <c:crossAx val="1668305488"/>
         <c:crosses val="autoZero"/>
         <c:crossBetween val="midCat"/>
       </c:valAx>
       <c:valAx>
-        <c:axId val="868080960"/>
+        <c:axId val="1668305488"/>
         <c:scaling>
           <c:orientation val="minMax"/>
           <c:max val="4"/>
@@ -715,6 +725,7 @@
               </a:p>
             </c:rich>
           </c:tx>
+          <c:layout/>
           <c:overlay val="0"/>
           <c:spPr>
             <a:noFill/>
@@ -761,7 +772,7 @@
             <a:endParaRPr lang="ru-RU"/>
           </a:p>
         </c:txPr>
-        <c:crossAx val="868078240"/>
+        <c:crossAx val="1668306576"/>
         <c:crosses val="autoZero"/>
         <c:crossBetween val="midCat"/>
       </c:valAx>
@@ -775,6 +786,7 @@
     </c:plotArea>
     <c:legend>
       <c:legendPos val="b"/>
+      <c:layout/>
       <c:overlay val="0"/>
       <c:spPr>
         <a:noFill/>
@@ -870,12 +882,21 @@
             </a:r>
             <a:r>
               <a:rPr lang="ru-RU" sz="1800" baseline="0" dirty="0"/>
-              <a:t>в зависимости от угла острия</a:t>
+              <a:t>в зависимости от </a:t>
+            </a:r>
+            <a:r>
+              <a:rPr lang="ru-RU" sz="1800" baseline="0" dirty="0" smtClean="0"/>
+              <a:t> скорости при различных углах </a:t>
+            </a:r>
+            <a:r>
+              <a:rPr lang="ru-RU" sz="1800" baseline="0" dirty="0"/>
+              <a:t>острия</a:t>
             </a:r>
             <a:endParaRPr lang="ru-RU" sz="1800" dirty="0"/>
           </a:p>
         </c:rich>
       </c:tx>
+      <c:layout/>
       <c:overlay val="0"/>
       <c:spPr>
         <a:noFill/>
@@ -967,34 +988,34 @@
                 <c:formatCode>0.000</c:formatCode>
                 <c:ptCount val="10"/>
                 <c:pt idx="0">
-                  <c:v>2.5875006470093311E-2</c:v>
+                  <c:v>2.5875006470093321E-2</c:v>
                 </c:pt>
                 <c:pt idx="1">
                   <c:v>0.10350002588037302</c:v>
                 </c:pt>
                 <c:pt idx="2">
-                  <c:v>0.23287505823082996</c:v>
+                  <c:v>0.23287505823082993</c:v>
                 </c:pt>
                 <c:pt idx="3">
                   <c:v>0.41400010352149302</c:v>
                 </c:pt>
                 <c:pt idx="4">
-                  <c:v>0.64687516175232784</c:v>
+                  <c:v>0.64687516175232773</c:v>
                 </c:pt>
                 <c:pt idx="5">
-                  <c:v>0.93150023292332107</c:v>
+                  <c:v>0.93150023292332118</c:v>
                 </c:pt>
                 <c:pt idx="6">
-                  <c:v>1.2678753170346095</c:v>
+                  <c:v>1.2678753170346091</c:v>
                 </c:pt>
                 <c:pt idx="7">
                   <c:v>1.6560004140859701</c:v>
                 </c:pt>
                 <c:pt idx="8">
-                  <c:v>2.0958755240775195</c:v>
+                  <c:v>2.0958755240775191</c:v>
                 </c:pt>
                 <c:pt idx="9">
-                  <c:v>2.5875006470093109</c:v>
+                  <c:v>2.5875006470093118</c:v>
                 </c:pt>
               </c:numCache>
             </c:numRef>
@@ -1083,13 +1104,13 @@
                   <c:v>0.146371140301682</c:v>
                 </c:pt>
                 <c:pt idx="2">
-                  <c:v>0.32933506567877607</c:v>
+                  <c:v>0.32933506567877613</c:v>
                 </c:pt>
                 <c:pt idx="3">
-                  <c:v>0.58548456120672776</c:v>
+                  <c:v>0.58548456120672754</c:v>
                 </c:pt>
                 <c:pt idx="4">
-                  <c:v>0.91481962688549712</c:v>
+                  <c:v>0.91481962688549723</c:v>
                 </c:pt>
                 <c:pt idx="5">
                   <c:v>1.3173402627151098</c:v>
@@ -1098,10 +1119,10 @@
                   <c:v>1.79304646869567</c:v>
                 </c:pt>
                 <c:pt idx="7">
-                  <c:v>2.3419382448269106</c:v>
+                  <c:v>2.341938244826911</c:v>
                 </c:pt>
                 <c:pt idx="8">
-                  <c:v>2.9640155911088697</c:v>
+                  <c:v>2.9640155911088693</c:v>
                 </c:pt>
                 <c:pt idx="9">
                   <c:v>3.6592785075419898</c:v>
@@ -1187,16 +1208,16 @@
                 <c:formatCode>0.000</c:formatCode>
                 <c:ptCount val="10"/>
                 <c:pt idx="0">
-                  <c:v>4.4816825850438925E-2</c:v>
+                  <c:v>4.4816825850438946E-2</c:v>
                 </c:pt>
                 <c:pt idx="1">
-                  <c:v>0.17926730340175603</c:v>
+                  <c:v>0.17926730340175606</c:v>
                 </c:pt>
                 <c:pt idx="2">
                   <c:v>0.40335143265391993</c:v>
                 </c:pt>
                 <c:pt idx="3">
-                  <c:v>0.71706921360702214</c:v>
+                  <c:v>0.71706921360702225</c:v>
                 </c:pt>
                 <c:pt idx="4">
                   <c:v>1.1204206462609299</c:v>
@@ -1208,13 +1229,13 @@
                   <c:v>2.1960244666714601</c:v>
                 </c:pt>
                 <c:pt idx="7">
-                  <c:v>2.8682768544280894</c:v>
+                  <c:v>2.868276854428089</c:v>
                 </c:pt>
                 <c:pt idx="8">
-                  <c:v>3.6301628938851196</c:v>
+                  <c:v>3.6301628938851191</c:v>
                 </c:pt>
                 <c:pt idx="9">
-                  <c:v>4.4816825850437016</c:v>
+                  <c:v>4.4816825850437034</c:v>
                 </c:pt>
               </c:numCache>
             </c:numRef>
@@ -1229,11 +1250,11 @@
           <c:showPercent val="0"/>
           <c:showBubbleSize val="0"/>
         </c:dLbls>
-        <c:axId val="868067360"/>
-        <c:axId val="868075520"/>
+        <c:axId val="1668296784"/>
+        <c:axId val="1668307120"/>
       </c:scatterChart>
       <c:valAx>
-        <c:axId val="868067360"/>
+        <c:axId val="1668296784"/>
         <c:scaling>
           <c:orientation val="minMax"/>
         </c:scaling>
@@ -1294,6 +1315,7 @@
               </a:p>
             </c:rich>
           </c:tx>
+          <c:layout/>
           <c:overlay val="0"/>
           <c:spPr>
             <a:noFill/>
@@ -1340,12 +1362,12 @@
             <a:endParaRPr lang="ru-RU"/>
           </a:p>
         </c:txPr>
-        <c:crossAx val="868075520"/>
+        <c:crossAx val="1668307120"/>
         <c:crosses val="autoZero"/>
         <c:crossBetween val="midCat"/>
       </c:valAx>
       <c:valAx>
-        <c:axId val="868075520"/>
+        <c:axId val="1668307120"/>
         <c:scaling>
           <c:orientation val="minMax"/>
         </c:scaling>
@@ -1414,6 +1436,7 @@
               </a:p>
             </c:rich>
           </c:tx>
+          <c:layout/>
           <c:overlay val="0"/>
           <c:spPr>
             <a:noFill/>
@@ -1460,7 +1483,7 @@
             <a:endParaRPr lang="ru-RU"/>
           </a:p>
         </c:txPr>
-        <c:crossAx val="868067360"/>
+        <c:crossAx val="1668296784"/>
         <c:crosses val="autoZero"/>
         <c:crossBetween val="midCat"/>
       </c:valAx>
@@ -1474,6 +1497,7 @@
     </c:plotArea>
     <c:legend>
       <c:legendPos val="b"/>
+      <c:layout/>
       <c:overlay val="0"/>
       <c:spPr>
         <a:noFill/>
@@ -1632,13 +1656,13 @@
                   <c:v>0.16</c:v>
                 </c:pt>
                 <c:pt idx="2">
-                  <c:v>0.24000000000000002</c:v>
+                  <c:v>0.24000000000000005</c:v>
                 </c:pt>
                 <c:pt idx="3">
-                  <c:v>0.39000000000000007</c:v>
+                  <c:v>0.39000000000000012</c:v>
                 </c:pt>
                 <c:pt idx="4">
-                  <c:v>0.62000000000000011</c:v>
+                  <c:v>0.62000000000000022</c:v>
                 </c:pt>
                 <c:pt idx="5">
                   <c:v>0.93</c:v>
@@ -1742,13 +1766,13 @@
                   <c:v>0.146371140301682</c:v>
                 </c:pt>
                 <c:pt idx="2">
-                  <c:v>0.32933506567877607</c:v>
+                  <c:v>0.32933506567877613</c:v>
                 </c:pt>
                 <c:pt idx="3">
-                  <c:v>0.58548456120672776</c:v>
+                  <c:v>0.58548456120672754</c:v>
                 </c:pt>
                 <c:pt idx="4">
-                  <c:v>0.91481962688549712</c:v>
+                  <c:v>0.91481962688549723</c:v>
                 </c:pt>
                 <c:pt idx="5">
                   <c:v>1.3173402627151098</c:v>
@@ -1757,10 +1781,10 @@
                   <c:v>1.79304646869567</c:v>
                 </c:pt>
                 <c:pt idx="7">
-                  <c:v>2.3419382448269106</c:v>
+                  <c:v>2.341938244826911</c:v>
                 </c:pt>
                 <c:pt idx="8">
-                  <c:v>2.9640155911088697</c:v>
+                  <c:v>2.9640155911088693</c:v>
                 </c:pt>
                 <c:pt idx="9">
                   <c:v>3.6592785075419898</c:v>
@@ -1778,11 +1802,11 @@
           <c:showPercent val="0"/>
           <c:showBubbleSize val="0"/>
         </c:dLbls>
-        <c:axId val="868079872"/>
-        <c:axId val="868074432"/>
+        <c:axId val="1668300048"/>
+        <c:axId val="1668309296"/>
       </c:scatterChart>
       <c:valAx>
-        <c:axId val="868079872"/>
+        <c:axId val="1668300048"/>
         <c:scaling>
           <c:orientation val="minMax"/>
         </c:scaling>
@@ -1890,12 +1914,12 @@
             <a:endParaRPr lang="ru-RU"/>
           </a:p>
         </c:txPr>
-        <c:crossAx val="868074432"/>
+        <c:crossAx val="1668309296"/>
         <c:crosses val="autoZero"/>
         <c:crossBetween val="midCat"/>
       </c:valAx>
       <c:valAx>
-        <c:axId val="868074432"/>
+        <c:axId val="1668309296"/>
         <c:scaling>
           <c:orientation val="minMax"/>
         </c:scaling>
@@ -2011,7 +2035,7 @@
             <a:endParaRPr lang="ru-RU"/>
           </a:p>
         </c:txPr>
-        <c:crossAx val="868079872"/>
+        <c:crossAx val="1668300048"/>
         <c:crosses val="autoZero"/>
         <c:crossBetween val="midCat"/>
       </c:valAx>
@@ -2165,7 +2189,7 @@
             <a:fld id="{2E86FABA-D603-46B8-94C7-F73A40963B6B}" type="datetimeFigureOut">
               <a:rPr lang="ru-RU" smtClean="0"/>
               <a:pPr/>
-              <a:t>28.04.2018</a:t>
+              <a:t>05.05.2018</a:t>
             </a:fld>
             <a:endParaRPr lang="ru-RU" dirty="0"/>
           </a:p>
@@ -5695,16 +5719,16 @@
           <a:graphicData uri="http://schemas.openxmlformats.org/presentationml/2006/ole">
             <mc:AlternateContent xmlns:mc="http://schemas.openxmlformats.org/markup-compatibility/2006">
               <mc:Choice xmlns:v="urn:schemas-microsoft-com:vml" Requires="v">
-                <p:oleObj spid="_x0000_s3079" name="Visio" r:id="rId4" imgW="1533485" imgH="2266950" progId="Visio.Drawing.15">
+                <p:oleObj spid="_x0000_s3081" name="Visio" r:id="rId4" imgW="1533485" imgH="2266950" progId="">
                   <p:embed/>
                 </p:oleObj>
               </mc:Choice>
               <mc:Fallback>
-                <p:oleObj name="Visio" r:id="rId4" imgW="1533485" imgH="2266950" progId="Visio.Drawing.15">
+                <p:oleObj name="Visio" r:id="rId4" imgW="1533485" imgH="2266950" progId="">
                   <p:embed/>
                   <p:pic>
                     <p:nvPicPr>
-                      <p:cNvPr id="0" name="Object 1"/>
+                      <p:cNvPr id="0" name="Picture 7"/>
                       <p:cNvPicPr>
                         <a:picLocks noChangeAspect="1" noChangeArrowheads="1"/>
                       </p:cNvPicPr>
@@ -5732,6 +5756,15 @@
                         <a:avLst/>
                       </a:prstGeom>
                       <a:noFill/>
+                      <a:extLst>
+                        <a:ext uri="{909E8E84-426E-40DD-AFC4-6F175D3DCCD1}">
+                          <a14:hiddenFill xmlns:a14="http://schemas.microsoft.com/office/drawing/2010/main">
+                            <a:solidFill>
+                              <a:srgbClr val="FFFFFF"/>
+                            </a:solidFill>
+                          </a14:hiddenFill>
+                        </a:ext>
+                      </a:extLst>
                     </p:spPr>
                   </p:pic>
                 </p:oleObj>
@@ -6291,7 +6324,7 @@
                 <a:avLst/>
               </a:prstGeom>
               <a:blipFill rotWithShape="0">
-                <a:blip r:embed="rId3"/>
+                <a:blip r:embed="rId3" cstate="print"/>
                 <a:stretch>
                   <a:fillRect/>
                 </a:stretch>
@@ -7395,7 +7428,7 @@
               <p:nvPr>
                 <p:extLst>
                   <p:ext uri="{D42A27DB-BD31-4B8C-83A1-F6EECF244321}">
-                    <p14:modId xmlns:p14="http://schemas.microsoft.com/office/powerpoint/2010/main" val="391337321"/>
+                    <p14:modId xmlns:p14="http://schemas.microsoft.com/office/powerpoint/2010/main" xmlns="" xmlns:a14="http://schemas.microsoft.com/office/drawing/2010/main" val="391337321"/>
                   </p:ext>
                 </p:extLst>
               </p:nvPr>
@@ -7626,7 +7659,7 @@
           <a:graphicData uri="http://schemas.openxmlformats.org/presentationml/2006/ole">
             <mc:AlternateContent xmlns:mc="http://schemas.openxmlformats.org/markup-compatibility/2006">
               <mc:Choice xmlns:v="urn:schemas-microsoft-com:vml" Requires="v">
-                <p:oleObj spid="_x0000_s2131" r:id="rId8" imgW="666627" imgH="914400" progId="">
+                <p:oleObj spid="_x0000_s2135" r:id="rId8" imgW="666627" imgH="914400" progId="">
                   <p:embed/>
                 </p:oleObj>
               </mc:Choice>
@@ -7635,7 +7668,7 @@
                   <p:embed/>
                   <p:pic>
                     <p:nvPicPr>
-                      <p:cNvPr id="0" name="Picture 61"/>
+                      <p:cNvPr id="0" name="Picture 83"/>
                       <p:cNvPicPr>
                         <a:picLocks noChangeAspect="1" noChangeArrowheads="1"/>
                       </p:cNvPicPr>
@@ -8123,7 +8156,7 @@
                           </a:solidFill>
                           <a:effectLst/>
                         </a:rPr>
-                        <a:t>-6</a:t>
+                        <a:t>-7</a:t>
                       </a:r>
                       <a:endParaRPr lang="ru-RU" sz="1600" dirty="0" smtClean="0">
                         <a:solidFill>
@@ -8616,16 +8649,16 @@
           <a:graphicData uri="http://schemas.openxmlformats.org/presentationml/2006/ole">
             <mc:AlternateContent xmlns:mc="http://schemas.openxmlformats.org/markup-compatibility/2006">
               <mc:Choice xmlns:v="urn:schemas-microsoft-com:vml" Requires="v">
-                <p:oleObj spid="_x0000_s2132" name="Visio" r:id="rId10" imgW="1514399" imgH="2219498" progId="Visio.Drawing.15">
+                <p:oleObj spid="_x0000_s2136" name="Visio" r:id="rId10" imgW="1514399" imgH="2219498" progId="">
                   <p:embed/>
                 </p:oleObj>
               </mc:Choice>
               <mc:Fallback>
-                <p:oleObj name="Visio" r:id="rId10" imgW="1514399" imgH="2219498" progId="Visio.Drawing.15">
+                <p:oleObj name="Visio" r:id="rId10" imgW="1514399" imgH="2219498" progId="">
                   <p:embed/>
                   <p:pic>
                     <p:nvPicPr>
-                      <p:cNvPr id="0" name="Object 73"/>
+                      <p:cNvPr id="0" name="Picture 84"/>
                       <p:cNvPicPr>
                         <a:picLocks noChangeAspect="1" noChangeArrowheads="1"/>
                       </p:cNvPicPr>
@@ -8653,6 +8686,15 @@
                         <a:avLst/>
                       </a:prstGeom>
                       <a:noFill/>
+                      <a:extLst>
+                        <a:ext uri="{909E8E84-426E-40DD-AFC4-6F175D3DCCD1}">
+                          <a14:hiddenFill xmlns:a14="http://schemas.microsoft.com/office/drawing/2010/main">
+                            <a:solidFill>
+                              <a:srgbClr val="FFFFFF"/>
+                            </a:solidFill>
+                          </a14:hiddenFill>
+                        </a:ext>
+                      </a:extLst>
                     </p:spPr>
                   </p:pic>
                 </p:oleObj>

--- a/Dissertacia/MyWork/DocWork/Модель деформируемого объекта управления.pptx
+++ b/Dissertacia/MyWork/DocWork/Модель деформируемого объекта управления.pptx
@@ -5,22 +5,24 @@
     <p:sldMasterId id="2147483648" r:id="rId1"/>
   </p:sldMasterIdLst>
   <p:notesMasterIdLst>
-    <p:notesMasterId r:id="rId15"/>
+    <p:notesMasterId r:id="rId17"/>
   </p:notesMasterIdLst>
   <p:sldIdLst>
     <p:sldId id="280" r:id="rId2"/>
     <p:sldId id="281" r:id="rId3"/>
-    <p:sldId id="284" r:id="rId4"/>
-    <p:sldId id="291" r:id="rId5"/>
-    <p:sldId id="285" r:id="rId6"/>
-    <p:sldId id="286" r:id="rId7"/>
-    <p:sldId id="293" r:id="rId8"/>
-    <p:sldId id="287" r:id="rId9"/>
-    <p:sldId id="288" r:id="rId10"/>
-    <p:sldId id="292" r:id="rId11"/>
-    <p:sldId id="289" r:id="rId12"/>
-    <p:sldId id="278" r:id="rId13"/>
-    <p:sldId id="290" r:id="rId14"/>
+    <p:sldId id="294" r:id="rId4"/>
+    <p:sldId id="295" r:id="rId5"/>
+    <p:sldId id="284" r:id="rId6"/>
+    <p:sldId id="291" r:id="rId7"/>
+    <p:sldId id="285" r:id="rId8"/>
+    <p:sldId id="286" r:id="rId9"/>
+    <p:sldId id="293" r:id="rId10"/>
+    <p:sldId id="287" r:id="rId11"/>
+    <p:sldId id="288" r:id="rId12"/>
+    <p:sldId id="292" r:id="rId13"/>
+    <p:sldId id="289" r:id="rId14"/>
+    <p:sldId id="278" r:id="rId15"/>
+    <p:sldId id="290" r:id="rId16"/>
   </p:sldIdLst>
   <p:sldSz cx="9144000" cy="6858000" type="screen4x3"/>
   <p:notesSz cx="6858000" cy="9144000"/>
@@ -139,7 +141,7 @@
 </file>
 
 <file path=ppt/charts/chart1.xml><?xml version="1.0" encoding="utf-8"?>
-<c:chartSpace xmlns:c="http://schemas.openxmlformats.org/drawingml/2006/chart" xmlns:a="http://schemas.openxmlformats.org/drawingml/2006/main" xmlns:r="http://schemas.openxmlformats.org/officeDocument/2006/relationships">
+<c:chartSpace xmlns:c="http://schemas.openxmlformats.org/drawingml/2006/chart" xmlns:a="http://schemas.openxmlformats.org/drawingml/2006/main" xmlns:r="http://schemas.openxmlformats.org/officeDocument/2006/relationships" xmlns:c16r2="http://schemas.microsoft.com/office/drawing/2015/06/chart">
   <c:date1904 val="0"/>
   <c:lang val="ru-RU"/>
   <c:roundedCorners val="0"/>
@@ -190,7 +192,6 @@
           </a:p>
         </c:rich>
       </c:tx>
-      <c:layout/>
       <c:overlay val="0"/>
       <c:spPr>
         <a:noFill/>
@@ -315,6 +316,11 @@
             </c:numRef>
           </c:yVal>
           <c:smooth val="1"/>
+          <c:extLst>
+            <c:ext xmlns:c16="http://schemas.microsoft.com/office/drawing/2014/chart" uri="{C3380CC4-5D6E-409C-BE32-E72D297353CC}">
+              <c16:uniqueId val="{00000000-BE25-4459-ACD3-6EA86BD5A999}"/>
+            </c:ext>
+          </c:extLst>
         </c:ser>
         <c:ser>
           <c:idx val="1"/>
@@ -425,6 +431,11 @@
             </c:numRef>
           </c:yVal>
           <c:smooth val="1"/>
+          <c:extLst>
+            <c:ext xmlns:c16="http://schemas.microsoft.com/office/drawing/2014/chart" uri="{C3380CC4-5D6E-409C-BE32-E72D297353CC}">
+              <c16:uniqueId val="{00000001-BE25-4459-ACD3-6EA86BD5A999}"/>
+            </c:ext>
+          </c:extLst>
         </c:ser>
         <c:ser>
           <c:idx val="2"/>
@@ -535,6 +546,11 @@
             </c:numRef>
           </c:yVal>
           <c:smooth val="1"/>
+          <c:extLst>
+            <c:ext xmlns:c16="http://schemas.microsoft.com/office/drawing/2014/chart" uri="{C3380CC4-5D6E-409C-BE32-E72D297353CC}">
+              <c16:uniqueId val="{00000002-BE25-4459-ACD3-6EA86BD5A999}"/>
+            </c:ext>
+          </c:extLst>
         </c:ser>
         <c:dLbls>
           <c:showLegendKey val="0"/>
@@ -608,7 +624,6 @@
               </a:p>
             </c:rich>
           </c:tx>
-          <c:layout/>
           <c:overlay val="0"/>
           <c:spPr>
             <a:noFill/>
@@ -725,7 +740,6 @@
               </a:p>
             </c:rich>
           </c:tx>
-          <c:layout/>
           <c:overlay val="0"/>
           <c:spPr>
             <a:noFill/>
@@ -786,7 +800,6 @@
     </c:plotArea>
     <c:legend>
       <c:legendPos val="b"/>
-      <c:layout/>
       <c:overlay val="0"/>
       <c:spPr>
         <a:noFill/>
@@ -844,7 +857,7 @@
 </file>
 
 <file path=ppt/charts/chart2.xml><?xml version="1.0" encoding="utf-8"?>
-<c:chartSpace xmlns:c="http://schemas.openxmlformats.org/drawingml/2006/chart" xmlns:a="http://schemas.openxmlformats.org/drawingml/2006/main" xmlns:r="http://schemas.openxmlformats.org/officeDocument/2006/relationships">
+<c:chartSpace xmlns:c="http://schemas.openxmlformats.org/drawingml/2006/chart" xmlns:a="http://schemas.openxmlformats.org/drawingml/2006/main" xmlns:r="http://schemas.openxmlformats.org/officeDocument/2006/relationships" xmlns:c16r2="http://schemas.microsoft.com/office/drawing/2015/06/chart">
   <c:date1904 val="0"/>
   <c:lang val="ru-RU"/>
   <c:roundedCorners val="0"/>
@@ -896,7 +909,6 @@
           </a:p>
         </c:rich>
       </c:tx>
-      <c:layout/>
       <c:overlay val="0"/>
       <c:spPr>
         <a:noFill/>
@@ -1021,6 +1033,11 @@
             </c:numRef>
           </c:yVal>
           <c:smooth val="1"/>
+          <c:extLst>
+            <c:ext xmlns:c16="http://schemas.microsoft.com/office/drawing/2014/chart" uri="{C3380CC4-5D6E-409C-BE32-E72D297353CC}">
+              <c16:uniqueId val="{00000000-0A9E-42A7-9B6E-C9283844DF8F}"/>
+            </c:ext>
+          </c:extLst>
         </c:ser>
         <c:ser>
           <c:idx val="1"/>
@@ -1131,6 +1148,11 @@
             </c:numRef>
           </c:yVal>
           <c:smooth val="1"/>
+          <c:extLst>
+            <c:ext xmlns:c16="http://schemas.microsoft.com/office/drawing/2014/chart" uri="{C3380CC4-5D6E-409C-BE32-E72D297353CC}">
+              <c16:uniqueId val="{00000001-0A9E-42A7-9B6E-C9283844DF8F}"/>
+            </c:ext>
+          </c:extLst>
         </c:ser>
         <c:ser>
           <c:idx val="2"/>
@@ -1241,6 +1263,11 @@
             </c:numRef>
           </c:yVal>
           <c:smooth val="1"/>
+          <c:extLst>
+            <c:ext xmlns:c16="http://schemas.microsoft.com/office/drawing/2014/chart" uri="{C3380CC4-5D6E-409C-BE32-E72D297353CC}">
+              <c16:uniqueId val="{00000002-0A9E-42A7-9B6E-C9283844DF8F}"/>
+            </c:ext>
+          </c:extLst>
         </c:ser>
         <c:dLbls>
           <c:showLegendKey val="0"/>
@@ -1315,7 +1342,6 @@
               </a:p>
             </c:rich>
           </c:tx>
-          <c:layout/>
           <c:overlay val="0"/>
           <c:spPr>
             <a:noFill/>
@@ -1436,7 +1462,6 @@
               </a:p>
             </c:rich>
           </c:tx>
-          <c:layout/>
           <c:overlay val="0"/>
           <c:spPr>
             <a:noFill/>
@@ -1497,7 +1522,6 @@
     </c:plotArea>
     <c:legend>
       <c:legendPos val="b"/>
-      <c:layout/>
       <c:overlay val="0"/>
       <c:spPr>
         <a:noFill/>
@@ -1555,7 +1579,7 @@
 </file>
 
 <file path=ppt/charts/chart3.xml><?xml version="1.0" encoding="utf-8"?>
-<c:chartSpace xmlns:c="http://schemas.openxmlformats.org/drawingml/2006/chart" xmlns:a="http://schemas.openxmlformats.org/drawingml/2006/main" xmlns:r="http://schemas.openxmlformats.org/officeDocument/2006/relationships">
+<c:chartSpace xmlns:c="http://schemas.openxmlformats.org/drawingml/2006/chart" xmlns:a="http://schemas.openxmlformats.org/drawingml/2006/main" xmlns:r="http://schemas.openxmlformats.org/officeDocument/2006/relationships" xmlns:c16r2="http://schemas.microsoft.com/office/drawing/2015/06/chart">
   <c:date1904 val="0"/>
   <c:lang val="ru-RU"/>
   <c:roundedCorners val="0"/>
@@ -1683,6 +1707,11 @@
             </c:numRef>
           </c:yVal>
           <c:smooth val="1"/>
+          <c:extLst>
+            <c:ext xmlns:c16="http://schemas.microsoft.com/office/drawing/2014/chart" uri="{C3380CC4-5D6E-409C-BE32-E72D297353CC}">
+              <c16:uniqueId val="{00000000-DCB9-4964-8F69-919FF85D19B2}"/>
+            </c:ext>
+          </c:extLst>
         </c:ser>
         <c:ser>
           <c:idx val="1"/>
@@ -1793,6 +1822,11 @@
             </c:numRef>
           </c:yVal>
           <c:smooth val="1"/>
+          <c:extLst>
+            <c:ext xmlns:c16="http://schemas.microsoft.com/office/drawing/2014/chart" uri="{C3380CC4-5D6E-409C-BE32-E72D297353CC}">
+              <c16:uniqueId val="{00000001-DCB9-4964-8F69-919FF85D19B2}"/>
+            </c:ext>
+          </c:extLst>
         </c:ser>
         <c:dLbls>
           <c:showLegendKey val="0"/>
@@ -1867,7 +1901,6 @@
               </a:p>
             </c:rich>
           </c:tx>
-          <c:layout/>
           <c:overlay val="0"/>
           <c:spPr>
             <a:noFill/>
@@ -1988,7 +2021,6 @@
               </a:p>
             </c:rich>
           </c:tx>
-          <c:layout/>
           <c:overlay val="0"/>
           <c:spPr>
             <a:noFill/>
@@ -2049,7 +2081,6 @@
     </c:plotArea>
     <c:legend>
       <c:legendPos val="b"/>
-      <c:layout/>
       <c:overlay val="0"/>
       <c:spPr>
         <a:noFill/>
@@ -2189,7 +2220,7 @@
             <a:fld id="{2E86FABA-D603-46B8-94C7-F73A40963B6B}" type="datetimeFigureOut">
               <a:rPr lang="ru-RU" smtClean="0"/>
               <a:pPr/>
-              <a:t>05.05.2018</a:t>
+              <a:t>06.05.2018</a:t>
             </a:fld>
             <a:endParaRPr lang="ru-RU" dirty="0"/>
           </a:p>
@@ -3954,14 +3985,7 @@
           <a:p>
             <a:r>
               <a:rPr lang="ru-RU" dirty="0" smtClean="0"/>
-              <a:t>Результаты моделирования</a:t>
-            </a:r>
-            <a:br>
-              <a:rPr lang="ru-RU" dirty="0" smtClean="0"/>
-            </a:br>
-            <a:r>
-              <a:rPr lang="ru-RU" dirty="0" smtClean="0"/>
-              <a:t>сравнение с экспериментом</a:t>
+              <a:t>Результаты Моделирования при разном угле острия</a:t>
             </a:r>
             <a:endParaRPr lang="ru-RU" dirty="0"/>
           </a:p>
@@ -3998,14 +4022,14 @@
           <p:nvPr>
             <p:extLst>
               <p:ext uri="{D42A27DB-BD31-4B8C-83A1-F6EECF244321}">
-                <p14:modId xmlns:p14="http://schemas.microsoft.com/office/powerpoint/2010/main" val="3914226382"/>
+                <p14:modId xmlns:p14="http://schemas.microsoft.com/office/powerpoint/2010/main" val="932917703"/>
               </p:ext>
             </p:extLst>
           </p:nvPr>
         </p:nvGraphicFramePr>
         <p:xfrm>
-          <a:off x="251520" y="1772816"/>
-          <a:ext cx="8686328" cy="4680520"/>
+          <a:off x="395536" y="1628800"/>
+          <a:ext cx="8538140" cy="4752528"/>
         </p:xfrm>
         <a:graphic>
           <a:graphicData uri="http://schemas.openxmlformats.org/drawingml/2006/chart">
@@ -4015,13 +4039,13 @@
       </p:graphicFrame>
       <p:sp>
         <p:nvSpPr>
-          <p:cNvPr id="7" name="Прямоугольник 6"/>
+          <p:cNvPr id="6" name="Прямоугольник 5"/>
           <p:cNvSpPr/>
           <p:nvPr/>
         </p:nvSpPr>
         <p:spPr>
           <a:xfrm>
-            <a:off x="395536" y="1189544"/>
+            <a:off x="539552" y="1196752"/>
             <a:ext cx="3888432" cy="369332"/>
           </a:xfrm>
           <a:prstGeom prst="rect">
@@ -4069,43 +4093,10 @@
           </a:p>
         </p:txBody>
       </p:sp>
-      <p:sp>
-        <p:nvSpPr>
-          <p:cNvPr id="8" name="Прямоугольник 7"/>
-          <p:cNvSpPr/>
-          <p:nvPr/>
-        </p:nvSpPr>
-        <p:spPr>
-          <a:xfrm>
-            <a:off x="6300192" y="1189544"/>
-            <a:ext cx="3888432" cy="369332"/>
-          </a:xfrm>
-          <a:prstGeom prst="rect">
-            <a:avLst/>
-          </a:prstGeom>
-        </p:spPr>
-        <p:txBody>
-          <a:bodyPr wrap="square">
-            <a:spAutoFit/>
-          </a:bodyPr>
-          <a:lstStyle/>
-          <a:p>
-            <a:r>
-              <a:rPr lang="ru-RU" dirty="0" smtClean="0"/>
-              <a:t>Угол острия 45 градусов</a:t>
-            </a:r>
-            <a:endParaRPr lang="ru-RU" baseline="30000" dirty="0">
-              <a:solidFill>
-                <a:schemeClr val="dk1"/>
-              </a:solidFill>
-            </a:endParaRPr>
-          </a:p>
-        </p:txBody>
-      </p:sp>
     </p:spTree>
     <p:extLst>
       <p:ext uri="{BB962C8B-B14F-4D97-AF65-F5344CB8AC3E}">
-        <p14:creationId xmlns:p14="http://schemas.microsoft.com/office/powerpoint/2010/main" val="4116918572"/>
+        <p14:creationId xmlns:p14="http://schemas.microsoft.com/office/powerpoint/2010/main" val="2303795975"/>
       </p:ext>
     </p:extLst>
   </p:cSld>
@@ -4156,7 +4147,7 @@
           <a:p>
             <a:r>
               <a:rPr lang="ru-RU" dirty="0" smtClean="0"/>
-              <a:t>Выводы</a:t>
+              <a:t>Эксперимент</a:t>
             </a:r>
             <a:endParaRPr lang="ru-RU" dirty="0"/>
           </a:p>
@@ -4181,6 +4172,471 @@
               <a:rPr lang="ru-RU" smtClean="0"/>
               <a:pPr/>
               <a:t>11</a:t>
+            </a:fld>
+            <a:endParaRPr lang="ru-RU" dirty="0"/>
+          </a:p>
+        </p:txBody>
+      </p:sp>
+      <p:pic>
+        <p:nvPicPr>
+          <p:cNvPr id="5" name="Рисунок 4"/>
+          <p:cNvPicPr/>
+          <p:nvPr/>
+        </p:nvPicPr>
+        <p:blipFill>
+          <a:blip r:embed="rId2" cstate="print"/>
+          <a:stretch>
+            <a:fillRect/>
+          </a:stretch>
+        </p:blipFill>
+        <p:spPr>
+          <a:xfrm>
+            <a:off x="2411760" y="1048980"/>
+            <a:ext cx="6732240" cy="3600401"/>
+          </a:xfrm>
+          <a:prstGeom prst="rect">
+            <a:avLst/>
+          </a:prstGeom>
+        </p:spPr>
+      </p:pic>
+      <p:sp>
+        <p:nvSpPr>
+          <p:cNvPr id="6" name="Прямоугольник 5"/>
+          <p:cNvSpPr/>
+          <p:nvPr/>
+        </p:nvSpPr>
+        <p:spPr>
+          <a:xfrm>
+            <a:off x="3419872" y="4649381"/>
+            <a:ext cx="6192688" cy="1477328"/>
+          </a:xfrm>
+          <a:prstGeom prst="rect">
+            <a:avLst/>
+          </a:prstGeom>
+        </p:spPr>
+        <p:txBody>
+          <a:bodyPr wrap="square">
+            <a:spAutoFit/>
+          </a:bodyPr>
+          <a:lstStyle/>
+          <a:p>
+            <a:pPr indent="450215" algn="ctr">
+              <a:lnSpc>
+                <a:spcPct val="150000"/>
+              </a:lnSpc>
+              <a:spcAft>
+                <a:spcPts val="0"/>
+              </a:spcAft>
+            </a:pPr>
+            <a:r>
+              <a:rPr lang="ru-RU" sz="2000" dirty="0">
+                <a:latin typeface="+mj-lt"/>
+                <a:ea typeface="Calibri" panose="020F0502020204030204" pitchFamily="34" charset="0"/>
+                <a:cs typeface="Times New Roman" panose="02020603050405020304" pitchFamily="18" charset="0"/>
+              </a:rPr>
+              <a:t>УПИ – устройство перемещения </a:t>
+            </a:r>
+            <a:r>
+              <a:rPr lang="ru-RU" sz="2000" dirty="0" smtClean="0">
+                <a:latin typeface="+mj-lt"/>
+                <a:ea typeface="Calibri" panose="020F0502020204030204" pitchFamily="34" charset="0"/>
+                <a:cs typeface="Times New Roman" panose="02020603050405020304" pitchFamily="18" charset="0"/>
+              </a:rPr>
+              <a:t>игл</a:t>
+            </a:r>
+          </a:p>
+          <a:p>
+            <a:pPr indent="450215" algn="ctr">
+              <a:lnSpc>
+                <a:spcPct val="150000"/>
+              </a:lnSpc>
+              <a:spcAft>
+                <a:spcPts val="0"/>
+              </a:spcAft>
+            </a:pPr>
+            <a:r>
+              <a:rPr lang="ru-RU" sz="2000" dirty="0" smtClean="0">
+                <a:latin typeface="+mj-lt"/>
+                <a:ea typeface="Calibri" panose="020F0502020204030204" pitchFamily="34" charset="0"/>
+                <a:cs typeface="Times New Roman" panose="02020603050405020304" pitchFamily="18" charset="0"/>
+              </a:rPr>
+              <a:t>Угол острия иглы  - 45 градусов</a:t>
+            </a:r>
+          </a:p>
+          <a:p>
+            <a:pPr indent="450215" algn="ctr">
+              <a:lnSpc>
+                <a:spcPct val="150000"/>
+              </a:lnSpc>
+              <a:spcAft>
+                <a:spcPts val="0"/>
+              </a:spcAft>
+            </a:pPr>
+            <a:r>
+              <a:rPr lang="ru-RU" sz="2000" dirty="0" smtClean="0">
+                <a:effectLst/>
+                <a:latin typeface="+mj-lt"/>
+                <a:ea typeface="Calibri" panose="020F0502020204030204" pitchFamily="34" charset="0"/>
+                <a:cs typeface="Times New Roman" panose="02020603050405020304" pitchFamily="18" charset="0"/>
+              </a:rPr>
+              <a:t>Плотность материала </a:t>
+            </a:r>
+            <a:r>
+              <a:rPr lang="ru-RU" sz="2000" dirty="0" smtClean="0"/>
+              <a:t>1500 </a:t>
+            </a:r>
+            <a:r>
+              <a:rPr lang="ru-RU" sz="2000" dirty="0">
+                <a:solidFill>
+                  <a:schemeClr val="dk1"/>
+                </a:solidFill>
+              </a:rPr>
+              <a:t>кг/м</a:t>
+            </a:r>
+            <a:r>
+              <a:rPr lang="ru-RU" sz="2000" baseline="30000" dirty="0">
+                <a:solidFill>
+                  <a:schemeClr val="dk1"/>
+                </a:solidFill>
+              </a:rPr>
+              <a:t>3</a:t>
+            </a:r>
+            <a:endParaRPr lang="ru-RU" sz="2000" dirty="0">
+              <a:effectLst/>
+              <a:latin typeface="+mj-lt"/>
+              <a:ea typeface="Calibri" panose="020F0502020204030204" pitchFamily="34" charset="0"/>
+              <a:cs typeface="Times New Roman" panose="02020603050405020304" pitchFamily="18" charset="0"/>
+            </a:endParaRPr>
+          </a:p>
+        </p:txBody>
+      </p:sp>
+      <p:pic>
+        <p:nvPicPr>
+          <p:cNvPr id="7" name="Рисунок 6"/>
+          <p:cNvPicPr/>
+          <p:nvPr/>
+        </p:nvPicPr>
+        <p:blipFill>
+          <a:blip r:embed="rId3" cstate="print"/>
+          <a:stretch>
+            <a:fillRect/>
+          </a:stretch>
+        </p:blipFill>
+        <p:spPr>
+          <a:xfrm>
+            <a:off x="179512" y="1071550"/>
+            <a:ext cx="4320480" cy="2957413"/>
+          </a:xfrm>
+          <a:prstGeom prst="rect">
+            <a:avLst/>
+          </a:prstGeom>
+        </p:spPr>
+      </p:pic>
+      <p:pic>
+        <p:nvPicPr>
+          <p:cNvPr id="8" name="Рисунок 7"/>
+          <p:cNvPicPr/>
+          <p:nvPr/>
+        </p:nvPicPr>
+        <p:blipFill>
+          <a:blip r:embed="rId4" cstate="print"/>
+          <a:stretch>
+            <a:fillRect/>
+          </a:stretch>
+        </p:blipFill>
+        <p:spPr>
+          <a:xfrm>
+            <a:off x="35496" y="4028964"/>
+            <a:ext cx="4464496" cy="2285606"/>
+          </a:xfrm>
+          <a:prstGeom prst="rect">
+            <a:avLst/>
+          </a:prstGeom>
+        </p:spPr>
+      </p:pic>
+    </p:spTree>
+    <p:extLst>
+      <p:ext uri="{BB962C8B-B14F-4D97-AF65-F5344CB8AC3E}">
+        <p14:creationId xmlns:p14="http://schemas.microsoft.com/office/powerpoint/2010/main" val="2060578180"/>
+      </p:ext>
+    </p:extLst>
+  </p:cSld>
+  <p:clrMapOvr>
+    <a:masterClrMapping/>
+  </p:clrMapOvr>
+  <p:timing>
+    <p:tnLst>
+      <p:par>
+        <p:cTn id="1" dur="indefinite" restart="never" nodeType="tmRoot"/>
+      </p:par>
+    </p:tnLst>
+  </p:timing>
+</p:sld>
+</file>
+
+<file path=ppt/slides/slide12.xml><?xml version="1.0" encoding="utf-8"?>
+<p:sld xmlns:a="http://schemas.openxmlformats.org/drawingml/2006/main" xmlns:r="http://schemas.openxmlformats.org/officeDocument/2006/relationships" xmlns:p="http://schemas.openxmlformats.org/presentationml/2006/main">
+  <p:cSld>
+    <p:spTree>
+      <p:nvGrpSpPr>
+        <p:cNvPr id="1" name=""/>
+        <p:cNvGrpSpPr/>
+        <p:nvPr/>
+      </p:nvGrpSpPr>
+      <p:grpSpPr>
+        <a:xfrm>
+          <a:off x="0" y="0"/>
+          <a:ext cx="0" cy="0"/>
+          <a:chOff x="0" y="0"/>
+          <a:chExt cx="0" cy="0"/>
+        </a:xfrm>
+      </p:grpSpPr>
+      <p:sp>
+        <p:nvSpPr>
+          <p:cNvPr id="2" name="Заголовок 1"/>
+          <p:cNvSpPr>
+            <a:spLocks noGrp="1"/>
+          </p:cNvSpPr>
+          <p:nvPr>
+            <p:ph type="title"/>
+          </p:nvPr>
+        </p:nvSpPr>
+        <p:spPr/>
+        <p:txBody>
+          <a:bodyPr>
+            <a:normAutofit fontScale="90000"/>
+          </a:bodyPr>
+          <a:lstStyle/>
+          <a:p>
+            <a:r>
+              <a:rPr lang="ru-RU" dirty="0" smtClean="0"/>
+              <a:t>Результаты моделирования</a:t>
+            </a:r>
+            <a:br>
+              <a:rPr lang="ru-RU" dirty="0" smtClean="0"/>
+            </a:br>
+            <a:r>
+              <a:rPr lang="ru-RU" dirty="0" smtClean="0"/>
+              <a:t>сравнение с экспериментом</a:t>
+            </a:r>
+            <a:endParaRPr lang="ru-RU" dirty="0"/>
+          </a:p>
+        </p:txBody>
+      </p:sp>
+      <p:sp>
+        <p:nvSpPr>
+          <p:cNvPr id="4" name="Номер слайда 3"/>
+          <p:cNvSpPr>
+            <a:spLocks noGrp="1"/>
+          </p:cNvSpPr>
+          <p:nvPr>
+            <p:ph type="sldNum" sz="quarter" idx="12"/>
+          </p:nvPr>
+        </p:nvSpPr>
+        <p:spPr/>
+        <p:txBody>
+          <a:bodyPr/>
+          <a:lstStyle/>
+          <a:p>
+            <a:fld id="{B6743867-4E32-4E2D-8739-58246E7E28D2}" type="slidenum">
+              <a:rPr lang="ru-RU" smtClean="0"/>
+              <a:pPr/>
+              <a:t>12</a:t>
+            </a:fld>
+            <a:endParaRPr lang="ru-RU" dirty="0"/>
+          </a:p>
+        </p:txBody>
+      </p:sp>
+      <p:graphicFrame>
+        <p:nvGraphicFramePr>
+          <p:cNvPr id="5" name="Диаграмма 4"/>
+          <p:cNvGraphicFramePr/>
+          <p:nvPr>
+            <p:extLst>
+              <p:ext uri="{D42A27DB-BD31-4B8C-83A1-F6EECF244321}">
+                <p14:modId xmlns:p14="http://schemas.microsoft.com/office/powerpoint/2010/main" val="3914226382"/>
+              </p:ext>
+            </p:extLst>
+          </p:nvPr>
+        </p:nvGraphicFramePr>
+        <p:xfrm>
+          <a:off x="251520" y="1772816"/>
+          <a:ext cx="8686328" cy="4680520"/>
+        </p:xfrm>
+        <a:graphic>
+          <a:graphicData uri="http://schemas.openxmlformats.org/drawingml/2006/chart">
+            <c:chart xmlns:c="http://schemas.openxmlformats.org/drawingml/2006/chart" xmlns:r="http://schemas.openxmlformats.org/officeDocument/2006/relationships" r:id="rId2"/>
+          </a:graphicData>
+        </a:graphic>
+      </p:graphicFrame>
+      <p:sp>
+        <p:nvSpPr>
+          <p:cNvPr id="7" name="Прямоугольник 6"/>
+          <p:cNvSpPr/>
+          <p:nvPr/>
+        </p:nvSpPr>
+        <p:spPr>
+          <a:xfrm>
+            <a:off x="395536" y="1189544"/>
+            <a:ext cx="3888432" cy="369332"/>
+          </a:xfrm>
+          <a:prstGeom prst="rect">
+            <a:avLst/>
+          </a:prstGeom>
+        </p:spPr>
+        <p:txBody>
+          <a:bodyPr wrap="square">
+            <a:spAutoFit/>
+          </a:bodyPr>
+          <a:lstStyle/>
+          <a:p>
+            <a:r>
+              <a:rPr lang="ru-RU" dirty="0"/>
+              <a:t>П</a:t>
+            </a:r>
+            <a:r>
+              <a:rPr lang="ru-RU" dirty="0" smtClean="0"/>
+              <a:t>лотность материала  </a:t>
+            </a:r>
+            <a:r>
+              <a:rPr lang="en-US" dirty="0"/>
+              <a:t>– </a:t>
+            </a:r>
+            <a:r>
+              <a:rPr lang="ru-RU" dirty="0"/>
+              <a:t> 1500 </a:t>
+            </a:r>
+            <a:r>
+              <a:rPr lang="ru-RU" dirty="0">
+                <a:solidFill>
+                  <a:schemeClr val="dk1"/>
+                </a:solidFill>
+              </a:rPr>
+              <a:t>кг/м</a:t>
+            </a:r>
+            <a:r>
+              <a:rPr lang="ru-RU" baseline="30000" dirty="0">
+                <a:solidFill>
+                  <a:schemeClr val="dk1"/>
+                </a:solidFill>
+              </a:rPr>
+              <a:t>3</a:t>
+            </a:r>
+          </a:p>
+        </p:txBody>
+      </p:sp>
+      <p:sp>
+        <p:nvSpPr>
+          <p:cNvPr id="8" name="Прямоугольник 7"/>
+          <p:cNvSpPr/>
+          <p:nvPr/>
+        </p:nvSpPr>
+        <p:spPr>
+          <a:xfrm>
+            <a:off x="6300192" y="1189544"/>
+            <a:ext cx="3888432" cy="369332"/>
+          </a:xfrm>
+          <a:prstGeom prst="rect">
+            <a:avLst/>
+          </a:prstGeom>
+        </p:spPr>
+        <p:txBody>
+          <a:bodyPr wrap="square">
+            <a:spAutoFit/>
+          </a:bodyPr>
+          <a:lstStyle/>
+          <a:p>
+            <a:r>
+              <a:rPr lang="ru-RU" dirty="0" smtClean="0"/>
+              <a:t>Угол острия 45 градусов</a:t>
+            </a:r>
+            <a:endParaRPr lang="ru-RU" baseline="30000" dirty="0">
+              <a:solidFill>
+                <a:schemeClr val="dk1"/>
+              </a:solidFill>
+            </a:endParaRPr>
+          </a:p>
+        </p:txBody>
+      </p:sp>
+    </p:spTree>
+    <p:extLst>
+      <p:ext uri="{BB962C8B-B14F-4D97-AF65-F5344CB8AC3E}">
+        <p14:creationId xmlns:p14="http://schemas.microsoft.com/office/powerpoint/2010/main" val="4116918572"/>
+      </p:ext>
+    </p:extLst>
+  </p:cSld>
+  <p:clrMapOvr>
+    <a:masterClrMapping/>
+  </p:clrMapOvr>
+  <p:timing>
+    <p:tnLst>
+      <p:par>
+        <p:cTn id="1" dur="indefinite" restart="never" nodeType="tmRoot"/>
+      </p:par>
+    </p:tnLst>
+  </p:timing>
+</p:sld>
+</file>
+
+<file path=ppt/slides/slide13.xml><?xml version="1.0" encoding="utf-8"?>
+<p:sld xmlns:a="http://schemas.openxmlformats.org/drawingml/2006/main" xmlns:r="http://schemas.openxmlformats.org/officeDocument/2006/relationships" xmlns:p="http://schemas.openxmlformats.org/presentationml/2006/main">
+  <p:cSld>
+    <p:spTree>
+      <p:nvGrpSpPr>
+        <p:cNvPr id="1" name=""/>
+        <p:cNvGrpSpPr/>
+        <p:nvPr/>
+      </p:nvGrpSpPr>
+      <p:grpSpPr>
+        <a:xfrm>
+          <a:off x="0" y="0"/>
+          <a:ext cx="0" cy="0"/>
+          <a:chOff x="0" y="0"/>
+          <a:chExt cx="0" cy="0"/>
+        </a:xfrm>
+      </p:grpSpPr>
+      <p:sp>
+        <p:nvSpPr>
+          <p:cNvPr id="2" name="Заголовок 1"/>
+          <p:cNvSpPr>
+            <a:spLocks noGrp="1"/>
+          </p:cNvSpPr>
+          <p:nvPr>
+            <p:ph type="title"/>
+          </p:nvPr>
+        </p:nvSpPr>
+        <p:spPr/>
+        <p:txBody>
+          <a:bodyPr/>
+          <a:lstStyle/>
+          <a:p>
+            <a:r>
+              <a:rPr lang="ru-RU" dirty="0" smtClean="0"/>
+              <a:t>Выводы</a:t>
+            </a:r>
+            <a:endParaRPr lang="ru-RU" dirty="0"/>
+          </a:p>
+        </p:txBody>
+      </p:sp>
+      <p:sp>
+        <p:nvSpPr>
+          <p:cNvPr id="4" name="Номер слайда 3"/>
+          <p:cNvSpPr>
+            <a:spLocks noGrp="1"/>
+          </p:cNvSpPr>
+          <p:nvPr>
+            <p:ph type="sldNum" sz="quarter" idx="12"/>
+          </p:nvPr>
+        </p:nvSpPr>
+        <p:spPr/>
+        <p:txBody>
+          <a:bodyPr/>
+          <a:lstStyle/>
+          <a:p>
+            <a:fld id="{B6743867-4E32-4E2D-8739-58246E7E28D2}" type="slidenum">
+              <a:rPr lang="ru-RU" smtClean="0"/>
+              <a:pPr/>
+              <a:t>13</a:t>
             </a:fld>
             <a:endParaRPr lang="ru-RU" dirty="0"/>
           </a:p>
@@ -4272,7 +4728,7 @@
 </p:sld>
 </file>
 
-<file path=ppt/slides/slide12.xml><?xml version="1.0" encoding="utf-8"?>
+<file path=ppt/slides/slide14.xml><?xml version="1.0" encoding="utf-8"?>
 <p:sld xmlns:a="http://schemas.openxmlformats.org/drawingml/2006/main" xmlns:r="http://schemas.openxmlformats.org/officeDocument/2006/relationships" xmlns:p="http://schemas.openxmlformats.org/presentationml/2006/main">
   <p:cSld>
     <p:spTree>
@@ -4466,7 +4922,7 @@
 </p:sld>
 </file>
 
-<file path=ppt/slides/slide13.xml><?xml version="1.0" encoding="utf-8"?>
+<file path=ppt/slides/slide15.xml><?xml version="1.0" encoding="utf-8"?>
 <p:sld xmlns:a="http://schemas.openxmlformats.org/drawingml/2006/main" xmlns:r="http://schemas.openxmlformats.org/officeDocument/2006/relationships" xmlns:p="http://schemas.openxmlformats.org/presentationml/2006/main">
   <p:cSld>
     <p:spTree>
@@ -4564,7 +5020,7 @@
             <a:fld id="{B6743867-4E32-4E2D-8739-58246E7E28D2}" type="slidenum">
               <a:rPr lang="ru-RU" smtClean="0"/>
               <a:pPr/>
-              <a:t>13</a:t>
+              <a:t>15</a:t>
             </a:fld>
             <a:endParaRPr lang="ru-RU" dirty="0"/>
           </a:p>
@@ -4789,6 +5245,767 @@
             <p:ph type="title"/>
           </p:nvPr>
         </p:nvSpPr>
+        <p:spPr/>
+        <p:txBody>
+          <a:bodyPr/>
+          <a:lstStyle/>
+          <a:p>
+            <a:r>
+              <a:rPr lang="ru-RU" dirty="0" smtClean="0"/>
+              <a:t>Операция</a:t>
+            </a:r>
+            <a:endParaRPr lang="ru-RU" dirty="0"/>
+          </a:p>
+        </p:txBody>
+      </p:sp>
+      <p:sp>
+        <p:nvSpPr>
+          <p:cNvPr id="4" name="Номер слайда 3"/>
+          <p:cNvSpPr>
+            <a:spLocks noGrp="1"/>
+          </p:cNvSpPr>
+          <p:nvPr>
+            <p:ph type="sldNum" sz="quarter" idx="12"/>
+          </p:nvPr>
+        </p:nvSpPr>
+        <p:spPr/>
+        <p:txBody>
+          <a:bodyPr/>
+          <a:lstStyle/>
+          <a:p>
+            <a:fld id="{B6743867-4E32-4E2D-8739-58246E7E28D2}" type="slidenum">
+              <a:rPr lang="ru-RU" smtClean="0"/>
+              <a:pPr/>
+              <a:t>3</a:t>
+            </a:fld>
+            <a:endParaRPr lang="ru-RU" dirty="0"/>
+          </a:p>
+        </p:txBody>
+      </p:sp>
+      <p:pic>
+        <p:nvPicPr>
+          <p:cNvPr id="9" name="Объект 8"/>
+          <p:cNvPicPr>
+            <a:picLocks noGrp="1" noChangeAspect="1"/>
+          </p:cNvPicPr>
+          <p:nvPr>
+            <p:ph idx="1"/>
+          </p:nvPr>
+        </p:nvPicPr>
+        <p:blipFill>
+          <a:blip r:embed="rId2"/>
+          <a:stretch>
+            <a:fillRect/>
+          </a:stretch>
+        </p:blipFill>
+        <p:spPr>
+          <a:xfrm>
+            <a:off x="101514" y="1088007"/>
+            <a:ext cx="8820472" cy="3241826"/>
+          </a:xfrm>
+          <a:prstGeom prst="rect">
+            <a:avLst/>
+          </a:prstGeom>
+        </p:spPr>
+      </p:pic>
+      <p:pic>
+        <p:nvPicPr>
+          <p:cNvPr id="10" name="Рисунок 9"/>
+          <p:cNvPicPr/>
+          <p:nvPr/>
+        </p:nvPicPr>
+        <p:blipFill>
+          <a:blip r:embed="rId3" cstate="print"/>
+          <a:stretch>
+            <a:fillRect/>
+          </a:stretch>
+        </p:blipFill>
+        <p:spPr>
+          <a:xfrm>
+            <a:off x="5364088" y="4235130"/>
+            <a:ext cx="3248025" cy="2162175"/>
+          </a:xfrm>
+          <a:prstGeom prst="rect">
+            <a:avLst/>
+          </a:prstGeom>
+        </p:spPr>
+      </p:pic>
+      <p:sp>
+        <p:nvSpPr>
+          <p:cNvPr id="11" name="TextBox 10"/>
+          <p:cNvSpPr txBox="1"/>
+          <p:nvPr/>
+        </p:nvSpPr>
+        <p:spPr>
+          <a:xfrm>
+            <a:off x="323528" y="4437112"/>
+            <a:ext cx="4248472" cy="1200329"/>
+          </a:xfrm>
+          <a:prstGeom prst="rect">
+            <a:avLst/>
+          </a:prstGeom>
+          <a:noFill/>
+        </p:spPr>
+        <p:txBody>
+          <a:bodyPr wrap="square" rtlCol="0">
+            <a:spAutoFit/>
+          </a:bodyPr>
+          <a:lstStyle/>
+          <a:p>
+            <a:r>
+              <a:rPr lang="ru-RU" dirty="0" smtClean="0"/>
+              <a:t>Из-за несимметричности кончика иглы, при ее движении в тканях человека она будет отклоняться от  прямолинейного движения</a:t>
+            </a:r>
+            <a:endParaRPr lang="ru-RU" dirty="0"/>
+          </a:p>
+        </p:txBody>
+      </p:sp>
+    </p:spTree>
+    <p:extLst>
+      <p:ext uri="{BB962C8B-B14F-4D97-AF65-F5344CB8AC3E}">
+        <p14:creationId xmlns:p14="http://schemas.microsoft.com/office/powerpoint/2010/main" val="1129889512"/>
+      </p:ext>
+    </p:extLst>
+  </p:cSld>
+  <p:clrMapOvr>
+    <a:masterClrMapping/>
+  </p:clrMapOvr>
+</p:sld>
+</file>
+
+<file path=ppt/slides/slide4.xml><?xml version="1.0" encoding="utf-8"?>
+<p:sld xmlns:a="http://schemas.openxmlformats.org/drawingml/2006/main" xmlns:r="http://schemas.openxmlformats.org/officeDocument/2006/relationships" xmlns:p="http://schemas.openxmlformats.org/presentationml/2006/main">
+  <p:cSld>
+    <p:spTree>
+      <p:nvGrpSpPr>
+        <p:cNvPr id="1" name=""/>
+        <p:cNvGrpSpPr/>
+        <p:nvPr/>
+      </p:nvGrpSpPr>
+      <p:grpSpPr>
+        <a:xfrm>
+          <a:off x="0" y="0"/>
+          <a:ext cx="0" cy="0"/>
+          <a:chOff x="0" y="0"/>
+          <a:chExt cx="0" cy="0"/>
+        </a:xfrm>
+      </p:grpSpPr>
+      <p:sp>
+        <p:nvSpPr>
+          <p:cNvPr id="2" name="Заголовок 1"/>
+          <p:cNvSpPr>
+            <a:spLocks noGrp="1"/>
+          </p:cNvSpPr>
+          <p:nvPr>
+            <p:ph type="title"/>
+          </p:nvPr>
+        </p:nvSpPr>
+        <p:spPr/>
+        <p:txBody>
+          <a:bodyPr/>
+          <a:lstStyle/>
+          <a:p>
+            <a:r>
+              <a:rPr lang="ru-RU" dirty="0" smtClean="0"/>
+              <a:t>Цель управления</a:t>
+            </a:r>
+            <a:endParaRPr lang="ru-RU" dirty="0"/>
+          </a:p>
+        </p:txBody>
+      </p:sp>
+      <p:sp>
+        <p:nvSpPr>
+          <p:cNvPr id="4" name="Номер слайда 3"/>
+          <p:cNvSpPr>
+            <a:spLocks noGrp="1"/>
+          </p:cNvSpPr>
+          <p:nvPr>
+            <p:ph type="sldNum" sz="quarter" idx="12"/>
+          </p:nvPr>
+        </p:nvSpPr>
+        <p:spPr/>
+        <p:txBody>
+          <a:bodyPr/>
+          <a:lstStyle/>
+          <a:p>
+            <a:fld id="{B6743867-4E32-4E2D-8739-58246E7E28D2}" type="slidenum">
+              <a:rPr lang="ru-RU" smtClean="0"/>
+              <a:pPr/>
+              <a:t>4</a:t>
+            </a:fld>
+            <a:endParaRPr lang="ru-RU" dirty="0"/>
+          </a:p>
+        </p:txBody>
+      </p:sp>
+      <p:pic>
+        <p:nvPicPr>
+          <p:cNvPr id="5" name="Рисунок 4"/>
+          <p:cNvPicPr>
+            <a:picLocks noChangeAspect="1"/>
+          </p:cNvPicPr>
+          <p:nvPr/>
+        </p:nvPicPr>
+        <p:blipFill>
+          <a:blip r:embed="rId2"/>
+          <a:stretch>
+            <a:fillRect/>
+          </a:stretch>
+        </p:blipFill>
+        <p:spPr>
+          <a:xfrm>
+            <a:off x="1331640" y="1295272"/>
+            <a:ext cx="6450508" cy="1963198"/>
+          </a:xfrm>
+          <a:prstGeom prst="rect">
+            <a:avLst/>
+          </a:prstGeom>
+        </p:spPr>
+      </p:pic>
+      <p:sp>
+        <p:nvSpPr>
+          <p:cNvPr id="7" name="Объект 2"/>
+          <p:cNvSpPr txBox="1">
+            <a:spLocks/>
+          </p:cNvSpPr>
+          <p:nvPr/>
+        </p:nvSpPr>
+        <p:spPr>
+          <a:xfrm>
+            <a:off x="5712848" y="3681954"/>
+            <a:ext cx="3052029" cy="982862"/>
+          </a:xfrm>
+          <a:prstGeom prst="rect">
+            <a:avLst/>
+          </a:prstGeom>
+        </p:spPr>
+        <p:txBody>
+          <a:bodyPr vert="horz" lIns="91440" tIns="45720" rIns="91440" bIns="45720" rtlCol="0">
+            <a:normAutofit/>
+          </a:bodyPr>
+          <a:lstStyle>
+            <a:lvl1pPr marL="342900" indent="-342900" algn="l" defTabSz="914400" rtl="0" eaLnBrk="1" latinLnBrk="0" hangingPunct="1">
+              <a:spcBef>
+                <a:spcPct val="20000"/>
+              </a:spcBef>
+              <a:buFont typeface="Arial" panose="020B0604020202020204" pitchFamily="34" charset="0"/>
+              <a:buChar char="•"/>
+              <a:defRPr sz="3200" kern="1200">
+                <a:solidFill>
+                  <a:schemeClr val="tx1"/>
+                </a:solidFill>
+                <a:latin typeface="+mn-lt"/>
+                <a:ea typeface="+mn-ea"/>
+                <a:cs typeface="+mn-cs"/>
+              </a:defRPr>
+            </a:lvl1pPr>
+            <a:lvl2pPr marL="742950" indent="-285750" algn="l" defTabSz="914400" rtl="0" eaLnBrk="1" latinLnBrk="0" hangingPunct="1">
+              <a:spcBef>
+                <a:spcPct val="20000"/>
+              </a:spcBef>
+              <a:buFont typeface="Arial" panose="020B0604020202020204" pitchFamily="34" charset="0"/>
+              <a:buChar char="–"/>
+              <a:defRPr sz="2800" kern="1200">
+                <a:solidFill>
+                  <a:schemeClr val="tx1"/>
+                </a:solidFill>
+                <a:latin typeface="+mn-lt"/>
+                <a:ea typeface="+mn-ea"/>
+                <a:cs typeface="+mn-cs"/>
+              </a:defRPr>
+            </a:lvl2pPr>
+            <a:lvl3pPr marL="1143000" indent="-228600" algn="l" defTabSz="914400" rtl="0" eaLnBrk="1" latinLnBrk="0" hangingPunct="1">
+              <a:spcBef>
+                <a:spcPct val="20000"/>
+              </a:spcBef>
+              <a:buFont typeface="Arial" panose="020B0604020202020204" pitchFamily="34" charset="0"/>
+              <a:buChar char="•"/>
+              <a:defRPr sz="2400" kern="1200">
+                <a:solidFill>
+                  <a:schemeClr val="tx1"/>
+                </a:solidFill>
+                <a:latin typeface="+mn-lt"/>
+                <a:ea typeface="+mn-ea"/>
+                <a:cs typeface="+mn-cs"/>
+              </a:defRPr>
+            </a:lvl3pPr>
+            <a:lvl4pPr marL="1600200" indent="-228600" algn="l" defTabSz="914400" rtl="0" eaLnBrk="1" latinLnBrk="0" hangingPunct="1">
+              <a:spcBef>
+                <a:spcPct val="20000"/>
+              </a:spcBef>
+              <a:buFont typeface="Arial" panose="020B0604020202020204" pitchFamily="34" charset="0"/>
+              <a:buChar char="–"/>
+              <a:defRPr sz="2000" kern="1200">
+                <a:solidFill>
+                  <a:schemeClr val="tx1"/>
+                </a:solidFill>
+                <a:latin typeface="+mn-lt"/>
+                <a:ea typeface="+mn-ea"/>
+                <a:cs typeface="+mn-cs"/>
+              </a:defRPr>
+            </a:lvl4pPr>
+            <a:lvl5pPr marL="2057400" indent="-228600" algn="l" defTabSz="914400" rtl="0" eaLnBrk="1" latinLnBrk="0" hangingPunct="1">
+              <a:spcBef>
+                <a:spcPct val="20000"/>
+              </a:spcBef>
+              <a:buFont typeface="Arial" panose="020B0604020202020204" pitchFamily="34" charset="0"/>
+              <a:buChar char="»"/>
+              <a:defRPr sz="2000" kern="1200">
+                <a:solidFill>
+                  <a:schemeClr val="tx1"/>
+                </a:solidFill>
+                <a:latin typeface="+mn-lt"/>
+                <a:ea typeface="+mn-ea"/>
+                <a:cs typeface="+mn-cs"/>
+              </a:defRPr>
+            </a:lvl5pPr>
+            <a:lvl6pPr marL="2514600" indent="-228600" algn="l" defTabSz="914400" rtl="0" eaLnBrk="1" latinLnBrk="0" hangingPunct="1">
+              <a:spcBef>
+                <a:spcPct val="20000"/>
+              </a:spcBef>
+              <a:buFont typeface="Arial" panose="020B0604020202020204" pitchFamily="34" charset="0"/>
+              <a:buChar char="•"/>
+              <a:defRPr sz="2000" kern="1200">
+                <a:solidFill>
+                  <a:schemeClr val="tx1"/>
+                </a:solidFill>
+                <a:latin typeface="+mn-lt"/>
+                <a:ea typeface="+mn-ea"/>
+                <a:cs typeface="+mn-cs"/>
+              </a:defRPr>
+            </a:lvl6pPr>
+            <a:lvl7pPr marL="2971800" indent="-228600" algn="l" defTabSz="914400" rtl="0" eaLnBrk="1" latinLnBrk="0" hangingPunct="1">
+              <a:spcBef>
+                <a:spcPct val="20000"/>
+              </a:spcBef>
+              <a:buFont typeface="Arial" panose="020B0604020202020204" pitchFamily="34" charset="0"/>
+              <a:buChar char="•"/>
+              <a:defRPr sz="2000" kern="1200">
+                <a:solidFill>
+                  <a:schemeClr val="tx1"/>
+                </a:solidFill>
+                <a:latin typeface="+mn-lt"/>
+                <a:ea typeface="+mn-ea"/>
+                <a:cs typeface="+mn-cs"/>
+              </a:defRPr>
+            </a:lvl7pPr>
+            <a:lvl8pPr marL="3429000" indent="-228600" algn="l" defTabSz="914400" rtl="0" eaLnBrk="1" latinLnBrk="0" hangingPunct="1">
+              <a:spcBef>
+                <a:spcPct val="20000"/>
+              </a:spcBef>
+              <a:buFont typeface="Arial" panose="020B0604020202020204" pitchFamily="34" charset="0"/>
+              <a:buChar char="•"/>
+              <a:defRPr sz="2000" kern="1200">
+                <a:solidFill>
+                  <a:schemeClr val="tx1"/>
+                </a:solidFill>
+                <a:latin typeface="+mn-lt"/>
+                <a:ea typeface="+mn-ea"/>
+                <a:cs typeface="+mn-cs"/>
+              </a:defRPr>
+            </a:lvl8pPr>
+            <a:lvl9pPr marL="3886200" indent="-228600" algn="l" defTabSz="914400" rtl="0" eaLnBrk="1" latinLnBrk="0" hangingPunct="1">
+              <a:spcBef>
+                <a:spcPct val="20000"/>
+              </a:spcBef>
+              <a:buFont typeface="Arial" panose="020B0604020202020204" pitchFamily="34" charset="0"/>
+              <a:buChar char="•"/>
+              <a:defRPr sz="2000" kern="1200">
+                <a:solidFill>
+                  <a:schemeClr val="tx1"/>
+                </a:solidFill>
+                <a:latin typeface="+mn-lt"/>
+                <a:ea typeface="+mn-ea"/>
+                <a:cs typeface="+mn-cs"/>
+              </a:defRPr>
+            </a:lvl9pPr>
+          </a:lstStyle>
+          <a:p>
+            <a:pPr marL="0" indent="0">
+              <a:buFont typeface="Arial" panose="020B0604020202020204" pitchFamily="34" charset="0"/>
+              <a:buNone/>
+            </a:pPr>
+            <a:r>
+              <a:rPr lang="ru-RU" sz="2400" dirty="0" smtClean="0"/>
+              <a:t>Движение по </a:t>
+            </a:r>
+          </a:p>
+          <a:p>
+            <a:pPr marL="0" indent="0">
+              <a:buFont typeface="Arial" panose="020B0604020202020204" pitchFamily="34" charset="0"/>
+              <a:buNone/>
+            </a:pPr>
+            <a:r>
+              <a:rPr lang="ru-RU" sz="2400" dirty="0" smtClean="0"/>
+              <a:t>заданной траектории</a:t>
+            </a:r>
+            <a:endParaRPr lang="ru-RU" sz="2400" dirty="0"/>
+          </a:p>
+        </p:txBody>
+      </p:sp>
+      <p:sp>
+        <p:nvSpPr>
+          <p:cNvPr id="8" name="Выноска со стрелкой вправо 7"/>
+          <p:cNvSpPr/>
+          <p:nvPr/>
+        </p:nvSpPr>
+        <p:spPr>
+          <a:xfrm>
+            <a:off x="699980" y="3682814"/>
+            <a:ext cx="4980471" cy="982002"/>
+          </a:xfrm>
+          <a:prstGeom prst="rightArrowCallout">
+            <a:avLst>
+              <a:gd name="adj1" fmla="val 25000"/>
+              <a:gd name="adj2" fmla="val 25000"/>
+              <a:gd name="adj3" fmla="val 25000"/>
+              <a:gd name="adj4" fmla="val 82955"/>
+            </a:avLst>
+          </a:prstGeom>
+          <a:solidFill>
+            <a:schemeClr val="bg1">
+              <a:lumMod val="75000"/>
+            </a:schemeClr>
+          </a:solidFill>
+        </p:spPr>
+        <p:style>
+          <a:lnRef idx="2">
+            <a:schemeClr val="accent1">
+              <a:shade val="50000"/>
+            </a:schemeClr>
+          </a:lnRef>
+          <a:fillRef idx="1">
+            <a:schemeClr val="accent1"/>
+          </a:fillRef>
+          <a:effectRef idx="0">
+            <a:schemeClr val="accent1"/>
+          </a:effectRef>
+          <a:fontRef idx="minor">
+            <a:schemeClr val="lt1"/>
+          </a:fontRef>
+        </p:style>
+        <p:txBody>
+          <a:bodyPr rtlCol="0" anchor="ctr"/>
+          <a:lstStyle/>
+          <a:p>
+            <a:pPr algn="ctr"/>
+            <a:r>
+              <a:rPr lang="ru-RU" sz="2400" dirty="0">
+                <a:solidFill>
+                  <a:schemeClr val="tx1"/>
+                </a:solidFill>
+              </a:rPr>
+              <a:t>Поступательное </a:t>
+            </a:r>
+            <a:r>
+              <a:rPr lang="ru-RU" sz="2400" dirty="0" smtClean="0">
+                <a:solidFill>
+                  <a:schemeClr val="tx1"/>
+                </a:solidFill>
+              </a:rPr>
+              <a:t>движение,</a:t>
+            </a:r>
+            <a:endParaRPr lang="ru-RU" sz="2400" dirty="0">
+              <a:solidFill>
+                <a:schemeClr val="tx1"/>
+              </a:solidFill>
+            </a:endParaRPr>
+          </a:p>
+          <a:p>
+            <a:pPr algn="ctr"/>
+            <a:r>
+              <a:rPr lang="ru-RU" sz="2400" dirty="0">
+                <a:solidFill>
+                  <a:schemeClr val="tx1"/>
+                </a:solidFill>
+              </a:rPr>
+              <a:t>Вращательное движение</a:t>
+            </a:r>
+          </a:p>
+        </p:txBody>
+      </p:sp>
+      <p:sp>
+        <p:nvSpPr>
+          <p:cNvPr id="9" name="Объект 2"/>
+          <p:cNvSpPr txBox="1">
+            <a:spLocks/>
+          </p:cNvSpPr>
+          <p:nvPr/>
+        </p:nvSpPr>
+        <p:spPr>
+          <a:xfrm>
+            <a:off x="5796136" y="5280731"/>
+            <a:ext cx="3052029" cy="725601"/>
+          </a:xfrm>
+          <a:prstGeom prst="rect">
+            <a:avLst/>
+          </a:prstGeom>
+        </p:spPr>
+        <p:txBody>
+          <a:bodyPr vert="horz" lIns="91440" tIns="45720" rIns="91440" bIns="45720" rtlCol="0">
+            <a:normAutofit/>
+          </a:bodyPr>
+          <a:lstStyle>
+            <a:lvl1pPr marL="342900" indent="-342900" algn="l" defTabSz="914400" rtl="0" eaLnBrk="1" latinLnBrk="0" hangingPunct="1">
+              <a:spcBef>
+                <a:spcPct val="20000"/>
+              </a:spcBef>
+              <a:buFont typeface="Arial" panose="020B0604020202020204" pitchFamily="34" charset="0"/>
+              <a:buChar char="•"/>
+              <a:defRPr sz="3200" kern="1200">
+                <a:solidFill>
+                  <a:schemeClr val="tx1"/>
+                </a:solidFill>
+                <a:latin typeface="+mn-lt"/>
+                <a:ea typeface="+mn-ea"/>
+                <a:cs typeface="+mn-cs"/>
+              </a:defRPr>
+            </a:lvl1pPr>
+            <a:lvl2pPr marL="742950" indent="-285750" algn="l" defTabSz="914400" rtl="0" eaLnBrk="1" latinLnBrk="0" hangingPunct="1">
+              <a:spcBef>
+                <a:spcPct val="20000"/>
+              </a:spcBef>
+              <a:buFont typeface="Arial" panose="020B0604020202020204" pitchFamily="34" charset="0"/>
+              <a:buChar char="–"/>
+              <a:defRPr sz="2800" kern="1200">
+                <a:solidFill>
+                  <a:schemeClr val="tx1"/>
+                </a:solidFill>
+                <a:latin typeface="+mn-lt"/>
+                <a:ea typeface="+mn-ea"/>
+                <a:cs typeface="+mn-cs"/>
+              </a:defRPr>
+            </a:lvl2pPr>
+            <a:lvl3pPr marL="1143000" indent="-228600" algn="l" defTabSz="914400" rtl="0" eaLnBrk="1" latinLnBrk="0" hangingPunct="1">
+              <a:spcBef>
+                <a:spcPct val="20000"/>
+              </a:spcBef>
+              <a:buFont typeface="Arial" panose="020B0604020202020204" pitchFamily="34" charset="0"/>
+              <a:buChar char="•"/>
+              <a:defRPr sz="2400" kern="1200">
+                <a:solidFill>
+                  <a:schemeClr val="tx1"/>
+                </a:solidFill>
+                <a:latin typeface="+mn-lt"/>
+                <a:ea typeface="+mn-ea"/>
+                <a:cs typeface="+mn-cs"/>
+              </a:defRPr>
+            </a:lvl3pPr>
+            <a:lvl4pPr marL="1600200" indent="-228600" algn="l" defTabSz="914400" rtl="0" eaLnBrk="1" latinLnBrk="0" hangingPunct="1">
+              <a:spcBef>
+                <a:spcPct val="20000"/>
+              </a:spcBef>
+              <a:buFont typeface="Arial" panose="020B0604020202020204" pitchFamily="34" charset="0"/>
+              <a:buChar char="–"/>
+              <a:defRPr sz="2000" kern="1200">
+                <a:solidFill>
+                  <a:schemeClr val="tx1"/>
+                </a:solidFill>
+                <a:latin typeface="+mn-lt"/>
+                <a:ea typeface="+mn-ea"/>
+                <a:cs typeface="+mn-cs"/>
+              </a:defRPr>
+            </a:lvl4pPr>
+            <a:lvl5pPr marL="2057400" indent="-228600" algn="l" defTabSz="914400" rtl="0" eaLnBrk="1" latinLnBrk="0" hangingPunct="1">
+              <a:spcBef>
+                <a:spcPct val="20000"/>
+              </a:spcBef>
+              <a:buFont typeface="Arial" panose="020B0604020202020204" pitchFamily="34" charset="0"/>
+              <a:buChar char="»"/>
+              <a:defRPr sz="2000" kern="1200">
+                <a:solidFill>
+                  <a:schemeClr val="tx1"/>
+                </a:solidFill>
+                <a:latin typeface="+mn-lt"/>
+                <a:ea typeface="+mn-ea"/>
+                <a:cs typeface="+mn-cs"/>
+              </a:defRPr>
+            </a:lvl5pPr>
+            <a:lvl6pPr marL="2514600" indent="-228600" algn="l" defTabSz="914400" rtl="0" eaLnBrk="1" latinLnBrk="0" hangingPunct="1">
+              <a:spcBef>
+                <a:spcPct val="20000"/>
+              </a:spcBef>
+              <a:buFont typeface="Arial" panose="020B0604020202020204" pitchFamily="34" charset="0"/>
+              <a:buChar char="•"/>
+              <a:defRPr sz="2000" kern="1200">
+                <a:solidFill>
+                  <a:schemeClr val="tx1"/>
+                </a:solidFill>
+                <a:latin typeface="+mn-lt"/>
+                <a:ea typeface="+mn-ea"/>
+                <a:cs typeface="+mn-cs"/>
+              </a:defRPr>
+            </a:lvl6pPr>
+            <a:lvl7pPr marL="2971800" indent="-228600" algn="l" defTabSz="914400" rtl="0" eaLnBrk="1" latinLnBrk="0" hangingPunct="1">
+              <a:spcBef>
+                <a:spcPct val="20000"/>
+              </a:spcBef>
+              <a:buFont typeface="Arial" panose="020B0604020202020204" pitchFamily="34" charset="0"/>
+              <a:buChar char="•"/>
+              <a:defRPr sz="2000" kern="1200">
+                <a:solidFill>
+                  <a:schemeClr val="tx1"/>
+                </a:solidFill>
+                <a:latin typeface="+mn-lt"/>
+                <a:ea typeface="+mn-ea"/>
+                <a:cs typeface="+mn-cs"/>
+              </a:defRPr>
+            </a:lvl7pPr>
+            <a:lvl8pPr marL="3429000" indent="-228600" algn="l" defTabSz="914400" rtl="0" eaLnBrk="1" latinLnBrk="0" hangingPunct="1">
+              <a:spcBef>
+                <a:spcPct val="20000"/>
+              </a:spcBef>
+              <a:buFont typeface="Arial" panose="020B0604020202020204" pitchFamily="34" charset="0"/>
+              <a:buChar char="•"/>
+              <a:defRPr sz="2000" kern="1200">
+                <a:solidFill>
+                  <a:schemeClr val="tx1"/>
+                </a:solidFill>
+                <a:latin typeface="+mn-lt"/>
+                <a:ea typeface="+mn-ea"/>
+                <a:cs typeface="+mn-cs"/>
+              </a:defRPr>
+            </a:lvl8pPr>
+            <a:lvl9pPr marL="3886200" indent="-228600" algn="l" defTabSz="914400" rtl="0" eaLnBrk="1" latinLnBrk="0" hangingPunct="1">
+              <a:spcBef>
+                <a:spcPct val="20000"/>
+              </a:spcBef>
+              <a:buFont typeface="Arial" panose="020B0604020202020204" pitchFamily="34" charset="0"/>
+              <a:buChar char="•"/>
+              <a:defRPr sz="2000" kern="1200">
+                <a:solidFill>
+                  <a:schemeClr val="tx1"/>
+                </a:solidFill>
+                <a:latin typeface="+mn-lt"/>
+                <a:ea typeface="+mn-ea"/>
+                <a:cs typeface="+mn-cs"/>
+              </a:defRPr>
+            </a:lvl9pPr>
+          </a:lstStyle>
+          <a:p>
+            <a:pPr marL="0" indent="0">
+              <a:buFont typeface="Arial" panose="020B0604020202020204" pitchFamily="34" charset="0"/>
+              <a:buNone/>
+            </a:pPr>
+            <a:r>
+              <a:rPr lang="ru-RU" sz="1800" dirty="0" smtClean="0"/>
+              <a:t>Поступательное движение</a:t>
+            </a:r>
+          </a:p>
+          <a:p>
+            <a:pPr marL="0" indent="0">
+              <a:buFont typeface="Arial" panose="020B0604020202020204" pitchFamily="34" charset="0"/>
+              <a:buNone/>
+            </a:pPr>
+            <a:r>
+              <a:rPr lang="ru-RU" sz="1800" dirty="0" smtClean="0"/>
+              <a:t>Вращательное движение</a:t>
+            </a:r>
+            <a:endParaRPr lang="ru-RU" sz="1800" dirty="0"/>
+          </a:p>
+        </p:txBody>
+      </p:sp>
+      <p:sp>
+        <p:nvSpPr>
+          <p:cNvPr id="10" name="Выноска со стрелкой вправо 9"/>
+          <p:cNvSpPr/>
+          <p:nvPr/>
+        </p:nvSpPr>
+        <p:spPr>
+          <a:xfrm>
+            <a:off x="683568" y="5152531"/>
+            <a:ext cx="5012868" cy="982002"/>
+          </a:xfrm>
+          <a:prstGeom prst="rightArrowCallout">
+            <a:avLst>
+              <a:gd name="adj1" fmla="val 25000"/>
+              <a:gd name="adj2" fmla="val 25000"/>
+              <a:gd name="adj3" fmla="val 25000"/>
+              <a:gd name="adj4" fmla="val 82789"/>
+            </a:avLst>
+          </a:prstGeom>
+          <a:solidFill>
+            <a:schemeClr val="bg1">
+              <a:lumMod val="75000"/>
+            </a:schemeClr>
+          </a:solidFill>
+        </p:spPr>
+        <p:style>
+          <a:lnRef idx="2">
+            <a:schemeClr val="accent1">
+              <a:shade val="50000"/>
+            </a:schemeClr>
+          </a:lnRef>
+          <a:fillRef idx="1">
+            <a:schemeClr val="accent1"/>
+          </a:fillRef>
+          <a:effectRef idx="0">
+            <a:schemeClr val="accent1"/>
+          </a:effectRef>
+          <a:fontRef idx="minor">
+            <a:schemeClr val="lt1"/>
+          </a:fontRef>
+        </p:style>
+        <p:txBody>
+          <a:bodyPr rtlCol="0" anchor="ctr"/>
+          <a:lstStyle/>
+          <a:p>
+            <a:pPr algn="ctr"/>
+            <a:r>
+              <a:rPr lang="ru-RU" sz="2400" dirty="0" smtClean="0">
+                <a:solidFill>
+                  <a:schemeClr val="tx1"/>
+                </a:solidFill>
+              </a:rPr>
+              <a:t>Заданная траектория</a:t>
+            </a:r>
+            <a:endParaRPr lang="ru-RU" sz="2400" dirty="0">
+              <a:solidFill>
+                <a:schemeClr val="tx1"/>
+              </a:solidFill>
+            </a:endParaRPr>
+          </a:p>
+        </p:txBody>
+      </p:sp>
+    </p:spTree>
+    <p:extLst>
+      <p:ext uri="{BB962C8B-B14F-4D97-AF65-F5344CB8AC3E}">
+        <p14:creationId xmlns:p14="http://schemas.microsoft.com/office/powerpoint/2010/main" val="3173664396"/>
+      </p:ext>
+    </p:extLst>
+  </p:cSld>
+  <p:clrMapOvr>
+    <a:masterClrMapping/>
+  </p:clrMapOvr>
+</p:sld>
+</file>
+
+<file path=ppt/slides/slide5.xml><?xml version="1.0" encoding="utf-8"?>
+<p:sld xmlns:a="http://schemas.openxmlformats.org/drawingml/2006/main" xmlns:r="http://schemas.openxmlformats.org/officeDocument/2006/relationships" xmlns:p="http://schemas.openxmlformats.org/presentationml/2006/main">
+  <p:cSld>
+    <p:spTree>
+      <p:nvGrpSpPr>
+        <p:cNvPr id="1" name=""/>
+        <p:cNvGrpSpPr/>
+        <p:nvPr/>
+      </p:nvGrpSpPr>
+      <p:grpSpPr>
+        <a:xfrm>
+          <a:off x="0" y="0"/>
+          <a:ext cx="0" cy="0"/>
+          <a:chOff x="0" y="0"/>
+          <a:chExt cx="0" cy="0"/>
+        </a:xfrm>
+      </p:grpSpPr>
+      <p:sp>
+        <p:nvSpPr>
+          <p:cNvPr id="2" name="Заголовок 1"/>
+          <p:cNvSpPr>
+            <a:spLocks noGrp="1"/>
+          </p:cNvSpPr>
+          <p:nvPr>
+            <p:ph type="title"/>
+          </p:nvPr>
+        </p:nvSpPr>
         <p:spPr>
           <a:xfrm>
             <a:off x="2195736" y="274638"/>
@@ -4882,7 +6099,7 @@
             <a:fld id="{B6743867-4E32-4E2D-8739-58246E7E28D2}" type="slidenum">
               <a:rPr lang="ru-RU" smtClean="0"/>
               <a:pPr/>
-              <a:t>3</a:t>
+              <a:t>5</a:t>
             </a:fld>
             <a:endParaRPr lang="ru-RU" dirty="0"/>
           </a:p>
@@ -5096,7 +6313,7 @@
 </p:sld>
 </file>
 
-<file path=ppt/slides/slide4.xml><?xml version="1.0" encoding="utf-8"?>
+<file path=ppt/slides/slide6.xml><?xml version="1.0" encoding="utf-8"?>
 <p:sld xmlns:a="http://schemas.openxmlformats.org/drawingml/2006/main" xmlns:r="http://schemas.openxmlformats.org/officeDocument/2006/relationships" xmlns:p="http://schemas.openxmlformats.org/presentationml/2006/main">
   <p:cSld>
     <p:spTree>
@@ -5222,8 +6439,17 @@
             </a:pPr>
             <a:r>
               <a:rPr lang="ru-RU" sz="2400" dirty="0"/>
-              <a:t>Моделирование силы трения при внедрении иглы в вязкоупругие ткани;</a:t>
-            </a:r>
+              <a:t>Моделирование силы трения при внедрении иглы в </a:t>
+            </a:r>
+            <a:r>
+              <a:rPr lang="ru-RU" sz="2400" dirty="0" smtClean="0"/>
+              <a:t>ткань</a:t>
+            </a:r>
+            <a:r>
+              <a:rPr lang="ru-RU" sz="2400" dirty="0" smtClean="0"/>
+              <a:t>;</a:t>
+            </a:r>
+            <a:endParaRPr lang="ru-RU" sz="2400" dirty="0"/>
           </a:p>
           <a:p>
             <a:pPr lvl="0">
@@ -5233,8 +6459,13 @@
             </a:pPr>
             <a:r>
               <a:rPr lang="ru-RU" sz="2400" dirty="0"/>
-              <a:t>Моделирование деформации вязкоупругих тканей.</a:t>
-            </a:r>
+              <a:t>Моделирование </a:t>
+            </a:r>
+            <a:r>
+              <a:rPr lang="ru-RU" sz="2400" dirty="0" smtClean="0"/>
+              <a:t>деформации ткани человека.</a:t>
+            </a:r>
+            <a:endParaRPr lang="ru-RU" sz="2400" dirty="0"/>
           </a:p>
           <a:p>
             <a:pPr marL="0" indent="0">
@@ -5265,7 +6496,7 @@
             <a:fld id="{B6743867-4E32-4E2D-8739-58246E7E28D2}" type="slidenum">
               <a:rPr lang="ru-RU" smtClean="0"/>
               <a:pPr/>
-              <a:t>4</a:t>
+              <a:t>6</a:t>
             </a:fld>
             <a:endParaRPr lang="ru-RU" dirty="0"/>
           </a:p>
@@ -5284,7 +6515,7 @@
 </p:sld>
 </file>
 
-<file path=ppt/slides/slide5.xml><?xml version="1.0" encoding="utf-8"?>
+<file path=ppt/slides/slide7.xml><?xml version="1.0" encoding="utf-8"?>
 <p:sld xmlns:a="http://schemas.openxmlformats.org/drawingml/2006/main" xmlns:r="http://schemas.openxmlformats.org/officeDocument/2006/relationships" xmlns:p="http://schemas.openxmlformats.org/presentationml/2006/main">
   <p:cSld>
     <p:spTree>
@@ -5492,7 +6723,7 @@
             <a:fld id="{B6743867-4E32-4E2D-8739-58246E7E28D2}" type="slidenum">
               <a:rPr lang="ru-RU" smtClean="0"/>
               <a:pPr/>
-              <a:t>5</a:t>
+              <a:t>7</a:t>
             </a:fld>
             <a:endParaRPr lang="ru-RU" dirty="0"/>
           </a:p>
@@ -5719,7 +6950,7 @@
           <a:graphicData uri="http://schemas.openxmlformats.org/presentationml/2006/ole">
             <mc:AlternateContent xmlns:mc="http://schemas.openxmlformats.org/markup-compatibility/2006">
               <mc:Choice xmlns:v="urn:schemas-microsoft-com:vml" Requires="v">
-                <p:oleObj spid="_x0000_s3081" name="Visio" r:id="rId4" imgW="1533485" imgH="2266950" progId="">
+                <p:oleObj spid="_x0000_s3087" name="Visio" r:id="rId4" imgW="1533485" imgH="2266950" progId="">
                   <p:embed/>
                 </p:oleObj>
               </mc:Choice>
@@ -5793,7 +7024,7 @@
 </p:sld>
 </file>
 
-<file path=ppt/slides/slide6.xml><?xml version="1.0" encoding="utf-8"?>
+<file path=ppt/slides/slide8.xml><?xml version="1.0" encoding="utf-8"?>
 <p:sld xmlns:a="http://schemas.openxmlformats.org/drawingml/2006/main" xmlns:r="http://schemas.openxmlformats.org/officeDocument/2006/relationships" xmlns:p="http://schemas.openxmlformats.org/presentationml/2006/main">
   <p:cSld>
     <p:spTree>
@@ -5856,7 +7087,7 @@
             <a:fld id="{B6743867-4E32-4E2D-8739-58246E7E28D2}" type="slidenum">
               <a:rPr lang="ru-RU" smtClean="0"/>
               <a:pPr/>
-              <a:t>6</a:t>
+              <a:t>8</a:t>
             </a:fld>
             <a:endParaRPr lang="ru-RU" dirty="0"/>
           </a:p>
@@ -5871,14 +7102,14 @@
           <p:nvPr>
             <p:extLst>
               <p:ext uri="{D42A27DB-BD31-4B8C-83A1-F6EECF244321}">
-                <p14:modId xmlns:p14="http://schemas.microsoft.com/office/powerpoint/2010/main" val="4276688427"/>
+                <p14:modId xmlns:p14="http://schemas.microsoft.com/office/powerpoint/2010/main" val="4166001167"/>
               </p:ext>
             </p:extLst>
           </p:nvPr>
         </p:nvGraphicFramePr>
         <p:xfrm>
-          <a:off x="4067944" y="1107345"/>
-          <a:ext cx="4892422" cy="2218536"/>
+          <a:off x="4057229" y="1028758"/>
+          <a:ext cx="4892422" cy="2461147"/>
         </p:xfrm>
         <a:graphic>
           <a:graphicData uri="http://schemas.openxmlformats.org/drawingml/2006/table">
@@ -5887,10 +7118,22 @@
                 <a:tableStyleId>{69CF1AB2-1976-4502-BF36-3FF5EA218861}</a:tableStyleId>
               </a:tblPr>
               <a:tblGrid>
-                <a:gridCol w="2448272"/>
-                <a:gridCol w="2444150"/>
+                <a:gridCol w="2448272">
+                  <a:extLst>
+                    <a:ext uri="{9D8B030D-6E8A-4147-A177-3AD203B41FA5}">
+                      <a16:colId xmlns:a16="http://schemas.microsoft.com/office/drawing/2014/main" val="20000"/>
+                    </a:ext>
+                  </a:extLst>
+                </a:gridCol>
+                <a:gridCol w="2444150">
+                  <a:extLst>
+                    <a:ext uri="{9D8B030D-6E8A-4147-A177-3AD203B41FA5}">
+                      <a16:colId xmlns:a16="http://schemas.microsoft.com/office/drawing/2014/main" val="20001"/>
+                    </a:ext>
+                  </a:extLst>
+                </a:gridCol>
               </a:tblGrid>
-              <a:tr h="312184">
+              <a:tr h="678538">
                 <a:tc>
                   <a:txBody>
                     <a:bodyPr/>
@@ -6013,8 +7256,13 @@
                     </a:solidFill>
                   </a:tcPr>
                 </a:tc>
+                <a:extLst>
+                  <a:ext uri="{0D108BD9-81ED-4DB2-BD59-A6C34878D82A}">
+                    <a16:rowId xmlns:a16="http://schemas.microsoft.com/office/drawing/2014/main" val="10000"/>
+                  </a:ext>
+                </a:extLst>
               </a:tr>
-              <a:tr h="1578456">
+              <a:tr h="1782609">
                 <a:tc>
                   <a:txBody>
                     <a:bodyPr/>
@@ -6115,13 +7363,18 @@
                     </a:solidFill>
                   </a:tcPr>
                 </a:tc>
+                <a:extLst>
+                  <a:ext uri="{0D108BD9-81ED-4DB2-BD59-A6C34878D82A}">
+                    <a16:rowId xmlns:a16="http://schemas.microsoft.com/office/drawing/2014/main" val="10001"/>
+                  </a:ext>
+                </a:extLst>
               </a:tr>
             </a:tbl>
           </a:graphicData>
         </a:graphic>
       </p:graphicFrame>
-      <mc:AlternateContent xmlns:mc="http://schemas.openxmlformats.org/markup-compatibility/2006" xmlns:a14="http://schemas.microsoft.com/office/drawing/2010/main">
-        <mc:Choice Requires="a14">
+      <mc:AlternateContent xmlns:mc="http://schemas.openxmlformats.org/markup-compatibility/2006">
+        <mc:Choice xmlns:a14="http://schemas.microsoft.com/office/drawing/2010/main" Requires="a14">
           <p:sp>
             <p:nvSpPr>
               <p:cNvPr id="9" name="Прямоугольник 8"/>
@@ -6130,8 +7383,8 @@
             </p:nvSpPr>
             <p:spPr>
               <a:xfrm>
-                <a:off x="4350309" y="1872131"/>
-                <a:ext cx="2160240" cy="701987"/>
+                <a:off x="4067013" y="1704698"/>
+                <a:ext cx="2453939" cy="701987"/>
               </a:xfrm>
               <a:prstGeom prst="rect">
                 <a:avLst/>
@@ -6160,7 +7413,7 @@
                         <a:rPr lang="ru-RU" i="0">
                           <a:latin typeface="Cambria Math" panose="02040503050406030204" pitchFamily="18" charset="0"/>
                         </a:rPr>
-                        <m:t>= </m:t>
+                        <m:t>=</m:t>
                       </m:r>
                       <m:f>
                         <m:fPr>
@@ -6306,7 +7559,7 @@
             </p:txBody>
           </p:sp>
         </mc:Choice>
-        <mc:Fallback xmlns="">
+        <mc:Fallback>
           <p:sp>
             <p:nvSpPr>
               <p:cNvPr id="9" name="Прямоугольник 8"/>
@@ -6317,14 +7570,14 @@
             </p:nvSpPr>
             <p:spPr>
               <a:xfrm>
-                <a:off x="4350309" y="1872131"/>
-                <a:ext cx="2160240" cy="701987"/>
+                <a:off x="4067013" y="1704698"/>
+                <a:ext cx="2453939" cy="701987"/>
               </a:xfrm>
               <a:prstGeom prst="rect">
                 <a:avLst/>
               </a:prstGeom>
-              <a:blipFill rotWithShape="0">
-                <a:blip r:embed="rId3" cstate="print"/>
+              <a:blipFill>
+                <a:blip r:embed="rId3"/>
                 <a:stretch>
                   <a:fillRect/>
                 </a:stretch>
@@ -6345,8 +7598,8 @@
           </p:sp>
         </mc:Fallback>
       </mc:AlternateContent>
-      <mc:AlternateContent xmlns:mc="http://schemas.openxmlformats.org/markup-compatibility/2006" xmlns:a14="http://schemas.microsoft.com/office/drawing/2010/main">
-        <mc:Choice Requires="a14">
+      <mc:AlternateContent xmlns:mc="http://schemas.openxmlformats.org/markup-compatibility/2006">
+        <mc:Choice xmlns:a14="http://schemas.microsoft.com/office/drawing/2010/main" Requires="a14">
           <p:sp>
             <p:nvSpPr>
               <p:cNvPr id="10" name="Прямоугольник 9"/>
@@ -6355,8 +7608,8 @@
             </p:nvSpPr>
             <p:spPr>
               <a:xfrm>
-                <a:off x="4280907" y="2548679"/>
-                <a:ext cx="2160240" cy="646331"/>
+                <a:off x="4104844" y="2362268"/>
+                <a:ext cx="2425892" cy="646331"/>
               </a:xfrm>
               <a:prstGeom prst="rect">
                 <a:avLst/>
@@ -6478,7 +7731,19 @@
                         <a:rPr lang="en-US" b="0" i="0" smtClean="0">
                           <a:latin typeface="Cambria Math" panose="02040503050406030204" pitchFamily="18" charset="0"/>
                         </a:rPr>
-                        <m:t>    (2)</m:t>
+                        <m:t>    </m:t>
+                      </m:r>
+                      <m:r>
+                        <a:rPr lang="ru-RU" b="0" i="0" smtClean="0">
+                          <a:latin typeface="Cambria Math" panose="02040503050406030204" pitchFamily="18" charset="0"/>
+                        </a:rPr>
+                        <m:t>  </m:t>
+                      </m:r>
+                      <m:r>
+                        <a:rPr lang="en-US" b="0" i="0" smtClean="0">
+                          <a:latin typeface="Cambria Math" panose="02040503050406030204" pitchFamily="18" charset="0"/>
+                        </a:rPr>
+                        <m:t>(2)</m:t>
                       </m:r>
                     </m:oMath>
                   </m:oMathPara>
@@ -6488,7 +7753,7 @@
             </p:txBody>
           </p:sp>
         </mc:Choice>
-        <mc:Fallback xmlns="">
+        <mc:Fallback>
           <p:sp>
             <p:nvSpPr>
               <p:cNvPr id="10" name="Прямоугольник 9"/>
@@ -6499,14 +7764,14 @@
             </p:nvSpPr>
             <p:spPr>
               <a:xfrm>
-                <a:off x="4280907" y="2548679"/>
-                <a:ext cx="2160240" cy="646331"/>
+                <a:off x="4104844" y="2362268"/>
+                <a:ext cx="2425892" cy="646331"/>
               </a:xfrm>
               <a:prstGeom prst="rect">
                 <a:avLst/>
               </a:prstGeom>
-              <a:blipFill rotWithShape="0">
-                <a:blip r:embed="rId4" cstate="print"/>
+              <a:blipFill>
+                <a:blip r:embed="rId4"/>
                 <a:stretch>
                   <a:fillRect/>
                 </a:stretch>
@@ -6937,8 +8202,8 @@
           </a:p>
         </p:txBody>
       </p:sp>
-      <mc:AlternateContent xmlns:mc="http://schemas.openxmlformats.org/markup-compatibility/2006" xmlns:a14="http://schemas.microsoft.com/office/drawing/2010/main">
-        <mc:Choice Requires="a14">
+      <mc:AlternateContent xmlns:mc="http://schemas.openxmlformats.org/markup-compatibility/2006">
+        <mc:Choice xmlns:a14="http://schemas.microsoft.com/office/drawing/2010/main" Requires="a14">
           <p:graphicFrame>
             <p:nvGraphicFramePr>
               <p:cNvPr id="16" name="Таблица 15"/>
@@ -6948,13 +8213,13 @@
               <p:nvPr>
                 <p:extLst>
                   <p:ext uri="{D42A27DB-BD31-4B8C-83A1-F6EECF244321}">
-                    <p14:modId xmlns:p14="http://schemas.microsoft.com/office/powerpoint/2010/main" val="391337321"/>
+                    <p14:modId xmlns:p14="http://schemas.microsoft.com/office/powerpoint/2010/main" val="379840072"/>
                   </p:ext>
                 </p:extLst>
               </p:nvPr>
             </p:nvGraphicFramePr>
             <p:xfrm>
-              <a:off x="4058980" y="3442683"/>
+              <a:off x="4057229" y="3505817"/>
               <a:ext cx="4903137" cy="3119184"/>
             </p:xfrm>
             <a:graphic>
@@ -6964,9 +8229,15 @@
                     <a:tableStyleId>{5C22544A-7EE6-4342-B048-85BDC9FD1C3A}</a:tableStyleId>
                   </a:tblPr>
                   <a:tblGrid>
-                    <a:gridCol w="4903137"/>
+                    <a:gridCol w="4903137">
+                      <a:extLst>
+                        <a:ext uri="{9D8B030D-6E8A-4147-A177-3AD203B41FA5}">
+                          <a16:colId xmlns:a16="http://schemas.microsoft.com/office/drawing/2014/main" val="20000"/>
+                        </a:ext>
+                      </a:extLst>
+                    </a:gridCol>
                   </a:tblGrid>
-                  <a:tr h="329183">
+                  <a:tr h="235427">
                     <a:tc>
                       <a:txBody>
                         <a:bodyPr/>
@@ -7032,6 +8303,11 @@
                         </a:solidFill>
                       </a:tcPr>
                     </a:tc>
+                    <a:extLst>
+                      <a:ext uri="{0D108BD9-81ED-4DB2-BD59-A6C34878D82A}">
+                        <a16:rowId xmlns:a16="http://schemas.microsoft.com/office/drawing/2014/main" val="10000"/>
+                      </a:ext>
+                    </a:extLst>
                   </a:tr>
                   <a:tr h="370840">
                     <a:tc>
@@ -7412,13 +8688,18 @@
                         <a:noFill/>
                       </a:tcPr>
                     </a:tc>
+                    <a:extLst>
+                      <a:ext uri="{0D108BD9-81ED-4DB2-BD59-A6C34878D82A}">
+                        <a16:rowId xmlns:a16="http://schemas.microsoft.com/office/drawing/2014/main" val="10001"/>
+                      </a:ext>
+                    </a:extLst>
                   </a:tr>
                 </a:tbl>
               </a:graphicData>
             </a:graphic>
           </p:graphicFrame>
         </mc:Choice>
-        <mc:Fallback xmlns="">
+        <mc:Fallback>
           <p:graphicFrame>
             <p:nvGraphicFramePr>
               <p:cNvPr id="16" name="Таблица 15"/>
@@ -7428,13 +8709,13 @@
               <p:nvPr>
                 <p:extLst>
                   <p:ext uri="{D42A27DB-BD31-4B8C-83A1-F6EECF244321}">
-                    <p14:modId xmlns:p14="http://schemas.microsoft.com/office/powerpoint/2010/main" xmlns="" xmlns:a14="http://schemas.microsoft.com/office/drawing/2010/main" val="391337321"/>
+                    <p14:modId xmlns:p14="http://schemas.microsoft.com/office/powerpoint/2010/main" val="379840072"/>
                   </p:ext>
                 </p:extLst>
               </p:nvPr>
             </p:nvGraphicFramePr>
             <p:xfrm>
-              <a:off x="4058980" y="3442683"/>
+              <a:off x="4057229" y="3505817"/>
               <a:ext cx="4903137" cy="3119184"/>
             </p:xfrm>
             <a:graphic>
@@ -7444,7 +8725,13 @@
                     <a:tableStyleId>{5C22544A-7EE6-4342-B048-85BDC9FD1C3A}</a:tableStyleId>
                   </a:tblPr>
                   <a:tblGrid>
-                    <a:gridCol w="4903137"/>
+                    <a:gridCol w="4903137">
+                      <a:extLst>
+                        <a:ext uri="{9D8B030D-6E8A-4147-A177-3AD203B41FA5}">
+                          <a16:colId xmlns:a16="http://schemas.microsoft.com/office/drawing/2014/main" val="20000"/>
+                        </a:ext>
+                      </a:extLst>
+                    </a:gridCol>
                   </a:tblGrid>
                   <a:tr h="365760">
                     <a:tc>
@@ -7512,6 +8799,11 @@
                         </a:solidFill>
                       </a:tcPr>
                     </a:tc>
+                    <a:extLst>
+                      <a:ext uri="{0D108BD9-81ED-4DB2-BD59-A6C34878D82A}">
+                        <a16:rowId xmlns:a16="http://schemas.microsoft.com/office/drawing/2014/main" val="10000"/>
+                      </a:ext>
+                    </a:extLst>
                   </a:tr>
                   <a:tr h="2753424">
                     <a:tc>
@@ -7559,14 +8851,19 @@
                           <a:headEnd type="none" w="med" len="med"/>
                           <a:tailEnd type="none" w="med" len="med"/>
                         </a:lnB>
-                        <a:blipFill rotWithShape="0">
+                        <a:blipFill>
                           <a:blip r:embed="rId7"/>
                           <a:stretch>
-                            <a:fillRect l="-124" t="-14349" r="-248" b="-3532"/>
+                            <a:fillRect l="-124" t="-14381" r="-248" b="-3540"/>
                           </a:stretch>
                         </a:blipFill>
                       </a:tcPr>
                     </a:tc>
+                    <a:extLst>
+                      <a:ext uri="{0D108BD9-81ED-4DB2-BD59-A6C34878D82A}">
+                        <a16:rowId xmlns:a16="http://schemas.microsoft.com/office/drawing/2014/main" val="10001"/>
+                      </a:ext>
+                    </a:extLst>
                   </a:tr>
                 </a:tbl>
               </a:graphicData>
@@ -7659,7 +8956,7 @@
           <a:graphicData uri="http://schemas.openxmlformats.org/presentationml/2006/ole">
             <mc:AlternateContent xmlns:mc="http://schemas.openxmlformats.org/markup-compatibility/2006">
               <mc:Choice xmlns:v="urn:schemas-microsoft-com:vml" Requires="v">
-                <p:oleObj spid="_x0000_s2135" r:id="rId8" imgW="666627" imgH="914400" progId="">
+                <p:oleObj spid="_x0000_s2151" r:id="rId8" imgW="666627" imgH="914400" progId="">
                   <p:embed/>
                 </p:oleObj>
               </mc:Choice>
@@ -7738,8 +9035,20 @@
                 <a:tableStyleId>{5C22544A-7EE6-4342-B048-85BDC9FD1C3A}</a:tableStyleId>
               </a:tblPr>
               <a:tblGrid>
-                <a:gridCol w="1440160"/>
-                <a:gridCol w="2304256"/>
+                <a:gridCol w="1440160">
+                  <a:extLst>
+                    <a:ext uri="{9D8B030D-6E8A-4147-A177-3AD203B41FA5}">
+                      <a16:colId xmlns:a16="http://schemas.microsoft.com/office/drawing/2014/main" val="20000"/>
+                    </a:ext>
+                  </a:extLst>
+                </a:gridCol>
+                <a:gridCol w="2304256">
+                  <a:extLst>
+                    <a:ext uri="{9D8B030D-6E8A-4147-A177-3AD203B41FA5}">
+                      <a16:colId xmlns:a16="http://schemas.microsoft.com/office/drawing/2014/main" val="20001"/>
+                    </a:ext>
+                  </a:extLst>
+                </a:gridCol>
               </a:tblGrid>
               <a:tr h="370840">
                 <a:tc>
@@ -7888,6 +9197,11 @@
                     </a:solidFill>
                   </a:tcPr>
                 </a:tc>
+                <a:extLst>
+                  <a:ext uri="{0D108BD9-81ED-4DB2-BD59-A6C34878D82A}">
+                    <a16:rowId xmlns:a16="http://schemas.microsoft.com/office/drawing/2014/main" val="10000"/>
+                  </a:ext>
+                </a:extLst>
               </a:tr>
               <a:tr h="370840">
                 <a:tc>
@@ -8034,6 +9348,11 @@
                     <a:noFill/>
                   </a:tcPr>
                 </a:tc>
+                <a:extLst>
+                  <a:ext uri="{0D108BD9-81ED-4DB2-BD59-A6C34878D82A}">
+                    <a16:rowId xmlns:a16="http://schemas.microsoft.com/office/drawing/2014/main" val="10001"/>
+                  </a:ext>
+                </a:extLst>
               </a:tr>
               <a:tr h="370840">
                 <a:tc>
@@ -8209,6 +9528,11 @@
                     <a:noFill/>
                   </a:tcPr>
                 </a:tc>
+                <a:extLst>
+                  <a:ext uri="{0D108BD9-81ED-4DB2-BD59-A6C34878D82A}">
+                    <a16:rowId xmlns:a16="http://schemas.microsoft.com/office/drawing/2014/main" val="10002"/>
+                  </a:ext>
+                </a:extLst>
               </a:tr>
               <a:tr h="370840">
                 <a:tc>
@@ -8384,6 +9708,11 @@
                     <a:noFill/>
                   </a:tcPr>
                 </a:tc>
+                <a:extLst>
+                  <a:ext uri="{0D108BD9-81ED-4DB2-BD59-A6C34878D82A}">
+                    <a16:rowId xmlns:a16="http://schemas.microsoft.com/office/drawing/2014/main" val="10003"/>
+                  </a:ext>
+                </a:extLst>
               </a:tr>
               <a:tr h="370840">
                 <a:tc>
@@ -8559,6 +9888,11 @@
                     <a:noFill/>
                   </a:tcPr>
                 </a:tc>
+                <a:extLst>
+                  <a:ext uri="{0D108BD9-81ED-4DB2-BD59-A6C34878D82A}">
+                    <a16:rowId xmlns:a16="http://schemas.microsoft.com/office/drawing/2014/main" val="10004"/>
+                  </a:ext>
+                </a:extLst>
               </a:tr>
             </a:tbl>
           </a:graphicData>
@@ -8649,7 +9983,7 @@
           <a:graphicData uri="http://schemas.openxmlformats.org/presentationml/2006/ole">
             <mc:AlternateContent xmlns:mc="http://schemas.openxmlformats.org/markup-compatibility/2006">
               <mc:Choice xmlns:v="urn:schemas-microsoft-com:vml" Requires="v">
-                <p:oleObj spid="_x0000_s2136" name="Visio" r:id="rId10" imgW="1514399" imgH="2219498" progId="">
+                <p:oleObj spid="_x0000_s2152" name="Visio" r:id="rId10" imgW="1514399" imgH="2219498" progId="">
                   <p:embed/>
                 </p:oleObj>
               </mc:Choice>
@@ -8723,7 +10057,7 @@
 </p:sld>
 </file>
 
-<file path=ppt/slides/slide7.xml><?xml version="1.0" encoding="utf-8"?>
+<file path=ppt/slides/slide9.xml><?xml version="1.0" encoding="utf-8"?>
 <p:sld xmlns:a="http://schemas.openxmlformats.org/drawingml/2006/main" xmlns:r="http://schemas.openxmlformats.org/officeDocument/2006/relationships" xmlns:p="http://schemas.openxmlformats.org/presentationml/2006/main">
   <p:cSld>
     <p:spTree>
@@ -8783,7 +10117,7 @@
             <a:fld id="{B6743867-4E32-4E2D-8739-58246E7E28D2}" type="slidenum">
               <a:rPr lang="ru-RU" smtClean="0"/>
               <a:pPr/>
-              <a:t>7</a:t>
+              <a:t>9</a:t>
             </a:fld>
             <a:endParaRPr lang="ru-RU" dirty="0"/>
           </a:p>
@@ -8848,431 +10182,6 @@
     <p:extLst>
       <p:ext uri="{BB962C8B-B14F-4D97-AF65-F5344CB8AC3E}">
         <p14:creationId xmlns:p14="http://schemas.microsoft.com/office/powerpoint/2010/main" val="1001137116"/>
-      </p:ext>
-    </p:extLst>
-  </p:cSld>
-  <p:clrMapOvr>
-    <a:masterClrMapping/>
-  </p:clrMapOvr>
-  <p:timing>
-    <p:tnLst>
-      <p:par>
-        <p:cTn id="1" dur="indefinite" restart="never" nodeType="tmRoot"/>
-      </p:par>
-    </p:tnLst>
-  </p:timing>
-</p:sld>
-</file>
-
-<file path=ppt/slides/slide8.xml><?xml version="1.0" encoding="utf-8"?>
-<p:sld xmlns:a="http://schemas.openxmlformats.org/drawingml/2006/main" xmlns:r="http://schemas.openxmlformats.org/officeDocument/2006/relationships" xmlns:p="http://schemas.openxmlformats.org/presentationml/2006/main">
-  <p:cSld>
-    <p:spTree>
-      <p:nvGrpSpPr>
-        <p:cNvPr id="1" name=""/>
-        <p:cNvGrpSpPr/>
-        <p:nvPr/>
-      </p:nvGrpSpPr>
-      <p:grpSpPr>
-        <a:xfrm>
-          <a:off x="0" y="0"/>
-          <a:ext cx="0" cy="0"/>
-          <a:chOff x="0" y="0"/>
-          <a:chExt cx="0" cy="0"/>
-        </a:xfrm>
-      </p:grpSpPr>
-      <p:sp>
-        <p:nvSpPr>
-          <p:cNvPr id="2" name="Заголовок 1"/>
-          <p:cNvSpPr>
-            <a:spLocks noGrp="1"/>
-          </p:cNvSpPr>
-          <p:nvPr>
-            <p:ph type="title"/>
-          </p:nvPr>
-        </p:nvSpPr>
-        <p:spPr/>
-        <p:txBody>
-          <a:bodyPr>
-            <a:normAutofit fontScale="90000"/>
-          </a:bodyPr>
-          <a:lstStyle/>
-          <a:p>
-            <a:r>
-              <a:rPr lang="ru-RU" dirty="0" smtClean="0"/>
-              <a:t>Результаты Моделирования при разном угле острия</a:t>
-            </a:r>
-            <a:endParaRPr lang="ru-RU" dirty="0"/>
-          </a:p>
-        </p:txBody>
-      </p:sp>
-      <p:sp>
-        <p:nvSpPr>
-          <p:cNvPr id="4" name="Номер слайда 3"/>
-          <p:cNvSpPr>
-            <a:spLocks noGrp="1"/>
-          </p:cNvSpPr>
-          <p:nvPr>
-            <p:ph type="sldNum" sz="quarter" idx="12"/>
-          </p:nvPr>
-        </p:nvSpPr>
-        <p:spPr/>
-        <p:txBody>
-          <a:bodyPr/>
-          <a:lstStyle/>
-          <a:p>
-            <a:fld id="{B6743867-4E32-4E2D-8739-58246E7E28D2}" type="slidenum">
-              <a:rPr lang="ru-RU" smtClean="0"/>
-              <a:pPr/>
-              <a:t>8</a:t>
-            </a:fld>
-            <a:endParaRPr lang="ru-RU" dirty="0"/>
-          </a:p>
-        </p:txBody>
-      </p:sp>
-      <p:graphicFrame>
-        <p:nvGraphicFramePr>
-          <p:cNvPr id="5" name="Диаграмма 4"/>
-          <p:cNvGraphicFramePr/>
-          <p:nvPr>
-            <p:extLst>
-              <p:ext uri="{D42A27DB-BD31-4B8C-83A1-F6EECF244321}">
-                <p14:modId xmlns:p14="http://schemas.microsoft.com/office/powerpoint/2010/main" val="932917703"/>
-              </p:ext>
-            </p:extLst>
-          </p:nvPr>
-        </p:nvGraphicFramePr>
-        <p:xfrm>
-          <a:off x="395536" y="1628800"/>
-          <a:ext cx="8538140" cy="4752528"/>
-        </p:xfrm>
-        <a:graphic>
-          <a:graphicData uri="http://schemas.openxmlformats.org/drawingml/2006/chart">
-            <c:chart xmlns:c="http://schemas.openxmlformats.org/drawingml/2006/chart" xmlns:r="http://schemas.openxmlformats.org/officeDocument/2006/relationships" r:id="rId2"/>
-          </a:graphicData>
-        </a:graphic>
-      </p:graphicFrame>
-      <p:sp>
-        <p:nvSpPr>
-          <p:cNvPr id="6" name="Прямоугольник 5"/>
-          <p:cNvSpPr/>
-          <p:nvPr/>
-        </p:nvSpPr>
-        <p:spPr>
-          <a:xfrm>
-            <a:off x="539552" y="1196752"/>
-            <a:ext cx="3888432" cy="369332"/>
-          </a:xfrm>
-          <a:prstGeom prst="rect">
-            <a:avLst/>
-          </a:prstGeom>
-        </p:spPr>
-        <p:txBody>
-          <a:bodyPr wrap="square">
-            <a:spAutoFit/>
-          </a:bodyPr>
-          <a:lstStyle/>
-          <a:p>
-            <a:r>
-              <a:rPr lang="ru-RU" dirty="0"/>
-              <a:t>П</a:t>
-            </a:r>
-            <a:r>
-              <a:rPr lang="ru-RU" dirty="0" smtClean="0"/>
-              <a:t>лотность материала  </a:t>
-            </a:r>
-            <a:r>
-              <a:rPr lang="en-US" dirty="0"/>
-              <a:t>– </a:t>
-            </a:r>
-            <a:r>
-              <a:rPr lang="ru-RU" dirty="0"/>
-              <a:t> 1500 </a:t>
-            </a:r>
-            <a:r>
-              <a:rPr lang="ru-RU" dirty="0">
-                <a:solidFill>
-                  <a:schemeClr val="dk1"/>
-                </a:solidFill>
-              </a:rPr>
-              <a:t>кг/м</a:t>
-            </a:r>
-            <a:r>
-              <a:rPr lang="ru-RU" baseline="30000" dirty="0">
-                <a:solidFill>
-                  <a:schemeClr val="dk1"/>
-                </a:solidFill>
-              </a:rPr>
-              <a:t>3</a:t>
-            </a:r>
-          </a:p>
-        </p:txBody>
-      </p:sp>
-    </p:spTree>
-    <p:extLst>
-      <p:ext uri="{BB962C8B-B14F-4D97-AF65-F5344CB8AC3E}">
-        <p14:creationId xmlns:p14="http://schemas.microsoft.com/office/powerpoint/2010/main" val="2303795975"/>
-      </p:ext>
-    </p:extLst>
-  </p:cSld>
-  <p:clrMapOvr>
-    <a:masterClrMapping/>
-  </p:clrMapOvr>
-  <p:timing>
-    <p:tnLst>
-      <p:par>
-        <p:cTn id="1" dur="indefinite" restart="never" nodeType="tmRoot"/>
-      </p:par>
-    </p:tnLst>
-  </p:timing>
-</p:sld>
-</file>
-
-<file path=ppt/slides/slide9.xml><?xml version="1.0" encoding="utf-8"?>
-<p:sld xmlns:a="http://schemas.openxmlformats.org/drawingml/2006/main" xmlns:r="http://schemas.openxmlformats.org/officeDocument/2006/relationships" xmlns:p="http://schemas.openxmlformats.org/presentationml/2006/main">
-  <p:cSld>
-    <p:spTree>
-      <p:nvGrpSpPr>
-        <p:cNvPr id="1" name=""/>
-        <p:cNvGrpSpPr/>
-        <p:nvPr/>
-      </p:nvGrpSpPr>
-      <p:grpSpPr>
-        <a:xfrm>
-          <a:off x="0" y="0"/>
-          <a:ext cx="0" cy="0"/>
-          <a:chOff x="0" y="0"/>
-          <a:chExt cx="0" cy="0"/>
-        </a:xfrm>
-      </p:grpSpPr>
-      <p:sp>
-        <p:nvSpPr>
-          <p:cNvPr id="2" name="Заголовок 1"/>
-          <p:cNvSpPr>
-            <a:spLocks noGrp="1"/>
-          </p:cNvSpPr>
-          <p:nvPr>
-            <p:ph type="title"/>
-          </p:nvPr>
-        </p:nvSpPr>
-        <p:spPr/>
-        <p:txBody>
-          <a:bodyPr/>
-          <a:lstStyle/>
-          <a:p>
-            <a:r>
-              <a:rPr lang="ru-RU" dirty="0" smtClean="0"/>
-              <a:t>Эксперимент</a:t>
-            </a:r>
-            <a:endParaRPr lang="ru-RU" dirty="0"/>
-          </a:p>
-        </p:txBody>
-      </p:sp>
-      <p:sp>
-        <p:nvSpPr>
-          <p:cNvPr id="4" name="Номер слайда 3"/>
-          <p:cNvSpPr>
-            <a:spLocks noGrp="1"/>
-          </p:cNvSpPr>
-          <p:nvPr>
-            <p:ph type="sldNum" sz="quarter" idx="12"/>
-          </p:nvPr>
-        </p:nvSpPr>
-        <p:spPr/>
-        <p:txBody>
-          <a:bodyPr/>
-          <a:lstStyle/>
-          <a:p>
-            <a:fld id="{B6743867-4E32-4E2D-8739-58246E7E28D2}" type="slidenum">
-              <a:rPr lang="ru-RU" smtClean="0"/>
-              <a:pPr/>
-              <a:t>9</a:t>
-            </a:fld>
-            <a:endParaRPr lang="ru-RU" dirty="0"/>
-          </a:p>
-        </p:txBody>
-      </p:sp>
-      <p:pic>
-        <p:nvPicPr>
-          <p:cNvPr id="5" name="Рисунок 4"/>
-          <p:cNvPicPr/>
-          <p:nvPr/>
-        </p:nvPicPr>
-        <p:blipFill>
-          <a:blip r:embed="rId2" cstate="print"/>
-          <a:stretch>
-            <a:fillRect/>
-          </a:stretch>
-        </p:blipFill>
-        <p:spPr>
-          <a:xfrm>
-            <a:off x="2411760" y="1048980"/>
-            <a:ext cx="6732240" cy="3600401"/>
-          </a:xfrm>
-          <a:prstGeom prst="rect">
-            <a:avLst/>
-          </a:prstGeom>
-        </p:spPr>
-      </p:pic>
-      <p:sp>
-        <p:nvSpPr>
-          <p:cNvPr id="6" name="Прямоугольник 5"/>
-          <p:cNvSpPr/>
-          <p:nvPr/>
-        </p:nvSpPr>
-        <p:spPr>
-          <a:xfrm>
-            <a:off x="3419872" y="4649381"/>
-            <a:ext cx="6192688" cy="1477328"/>
-          </a:xfrm>
-          <a:prstGeom prst="rect">
-            <a:avLst/>
-          </a:prstGeom>
-        </p:spPr>
-        <p:txBody>
-          <a:bodyPr wrap="square">
-            <a:spAutoFit/>
-          </a:bodyPr>
-          <a:lstStyle/>
-          <a:p>
-            <a:pPr indent="450215" algn="ctr">
-              <a:lnSpc>
-                <a:spcPct val="150000"/>
-              </a:lnSpc>
-              <a:spcAft>
-                <a:spcPts val="0"/>
-              </a:spcAft>
-            </a:pPr>
-            <a:r>
-              <a:rPr lang="ru-RU" sz="2000" dirty="0">
-                <a:latin typeface="+mj-lt"/>
-                <a:ea typeface="Calibri" panose="020F0502020204030204" pitchFamily="34" charset="0"/>
-                <a:cs typeface="Times New Roman" panose="02020603050405020304" pitchFamily="18" charset="0"/>
-              </a:rPr>
-              <a:t>УПИ – устройство перемещения </a:t>
-            </a:r>
-            <a:r>
-              <a:rPr lang="ru-RU" sz="2000" dirty="0" smtClean="0">
-                <a:latin typeface="+mj-lt"/>
-                <a:ea typeface="Calibri" panose="020F0502020204030204" pitchFamily="34" charset="0"/>
-                <a:cs typeface="Times New Roman" panose="02020603050405020304" pitchFamily="18" charset="0"/>
-              </a:rPr>
-              <a:t>игл</a:t>
-            </a:r>
-          </a:p>
-          <a:p>
-            <a:pPr indent="450215" algn="ctr">
-              <a:lnSpc>
-                <a:spcPct val="150000"/>
-              </a:lnSpc>
-              <a:spcAft>
-                <a:spcPts val="0"/>
-              </a:spcAft>
-            </a:pPr>
-            <a:r>
-              <a:rPr lang="ru-RU" sz="2000" dirty="0" smtClean="0">
-                <a:latin typeface="+mj-lt"/>
-                <a:ea typeface="Calibri" panose="020F0502020204030204" pitchFamily="34" charset="0"/>
-                <a:cs typeface="Times New Roman" panose="02020603050405020304" pitchFamily="18" charset="0"/>
-              </a:rPr>
-              <a:t>Угол острия иглы  - 45 градусов</a:t>
-            </a:r>
-          </a:p>
-          <a:p>
-            <a:pPr indent="450215" algn="ctr">
-              <a:lnSpc>
-                <a:spcPct val="150000"/>
-              </a:lnSpc>
-              <a:spcAft>
-                <a:spcPts val="0"/>
-              </a:spcAft>
-            </a:pPr>
-            <a:r>
-              <a:rPr lang="ru-RU" sz="2000" dirty="0" smtClean="0">
-                <a:effectLst/>
-                <a:latin typeface="+mj-lt"/>
-                <a:ea typeface="Calibri" panose="020F0502020204030204" pitchFamily="34" charset="0"/>
-                <a:cs typeface="Times New Roman" panose="02020603050405020304" pitchFamily="18" charset="0"/>
-              </a:rPr>
-              <a:t>Плотность материала </a:t>
-            </a:r>
-            <a:r>
-              <a:rPr lang="ru-RU" sz="2000" dirty="0" smtClean="0"/>
-              <a:t>1500 </a:t>
-            </a:r>
-            <a:r>
-              <a:rPr lang="ru-RU" sz="2000" dirty="0">
-                <a:solidFill>
-                  <a:schemeClr val="dk1"/>
-                </a:solidFill>
-              </a:rPr>
-              <a:t>кг/м</a:t>
-            </a:r>
-            <a:r>
-              <a:rPr lang="ru-RU" sz="2000" baseline="30000" dirty="0">
-                <a:solidFill>
-                  <a:schemeClr val="dk1"/>
-                </a:solidFill>
-              </a:rPr>
-              <a:t>3</a:t>
-            </a:r>
-            <a:endParaRPr lang="ru-RU" sz="2000" dirty="0">
-              <a:effectLst/>
-              <a:latin typeface="+mj-lt"/>
-              <a:ea typeface="Calibri" panose="020F0502020204030204" pitchFamily="34" charset="0"/>
-              <a:cs typeface="Times New Roman" panose="02020603050405020304" pitchFamily="18" charset="0"/>
-            </a:endParaRPr>
-          </a:p>
-        </p:txBody>
-      </p:sp>
-      <p:pic>
-        <p:nvPicPr>
-          <p:cNvPr id="7" name="Рисунок 6"/>
-          <p:cNvPicPr/>
-          <p:nvPr/>
-        </p:nvPicPr>
-        <p:blipFill>
-          <a:blip r:embed="rId3" cstate="print"/>
-          <a:stretch>
-            <a:fillRect/>
-          </a:stretch>
-        </p:blipFill>
-        <p:spPr>
-          <a:xfrm>
-            <a:off x="179512" y="1071550"/>
-            <a:ext cx="4320480" cy="2957413"/>
-          </a:xfrm>
-          <a:prstGeom prst="rect">
-            <a:avLst/>
-          </a:prstGeom>
-        </p:spPr>
-      </p:pic>
-      <p:pic>
-        <p:nvPicPr>
-          <p:cNvPr id="8" name="Рисунок 7"/>
-          <p:cNvPicPr/>
-          <p:nvPr/>
-        </p:nvPicPr>
-        <p:blipFill>
-          <a:blip r:embed="rId4" cstate="print"/>
-          <a:stretch>
-            <a:fillRect/>
-          </a:stretch>
-        </p:blipFill>
-        <p:spPr>
-          <a:xfrm>
-            <a:off x="35496" y="4028964"/>
-            <a:ext cx="4464496" cy="2285606"/>
-          </a:xfrm>
-          <a:prstGeom prst="rect">
-            <a:avLst/>
-          </a:prstGeom>
-        </p:spPr>
-      </p:pic>
-    </p:spTree>
-    <p:extLst>
-      <p:ext uri="{BB962C8B-B14F-4D97-AF65-F5344CB8AC3E}">
-        <p14:creationId xmlns:p14="http://schemas.microsoft.com/office/powerpoint/2010/main" val="2060578180"/>
       </p:ext>
     </p:extLst>
   </p:cSld>

--- a/Dissertacia/MyWork/DocWork/Модель деформируемого объекта управления.pptx
+++ b/Dissertacia/MyWork/DocWork/Модель деформируемого объекта управления.pptx
@@ -141,7 +141,7 @@
 </file>
 
 <file path=ppt/charts/chart1.xml><?xml version="1.0" encoding="utf-8"?>
-<c:chartSpace xmlns:c="http://schemas.openxmlformats.org/drawingml/2006/chart" xmlns:a="http://schemas.openxmlformats.org/drawingml/2006/main" xmlns:r="http://schemas.openxmlformats.org/officeDocument/2006/relationships" xmlns:c16r2="http://schemas.microsoft.com/office/drawing/2015/06/chart">
+<c:chartSpace xmlns:c="http://schemas.openxmlformats.org/drawingml/2006/chart" xmlns:a="http://schemas.openxmlformats.org/drawingml/2006/main" xmlns:r="http://schemas.openxmlformats.org/officeDocument/2006/relationships">
   <c:date1904 val="0"/>
   <c:lang val="ru-RU"/>
   <c:roundedCorners val="0"/>
@@ -192,6 +192,7 @@
           </a:p>
         </c:rich>
       </c:tx>
+      <c:layout/>
       <c:overlay val="0"/>
       <c:spPr>
         <a:noFill/>
@@ -316,7 +317,7 @@
             </c:numRef>
           </c:yVal>
           <c:smooth val="1"/>
-          <c:extLst>
+          <c:extLst xmlns:c16r2="http://schemas.microsoft.com/office/drawing/2015/06/chart">
             <c:ext xmlns:c16="http://schemas.microsoft.com/office/drawing/2014/chart" uri="{C3380CC4-5D6E-409C-BE32-E72D297353CC}">
               <c16:uniqueId val="{00000000-BE25-4459-ACD3-6EA86BD5A999}"/>
             </c:ext>
@@ -431,7 +432,7 @@
             </c:numRef>
           </c:yVal>
           <c:smooth val="1"/>
-          <c:extLst>
+          <c:extLst xmlns:c16r2="http://schemas.microsoft.com/office/drawing/2015/06/chart">
             <c:ext xmlns:c16="http://schemas.microsoft.com/office/drawing/2014/chart" uri="{C3380CC4-5D6E-409C-BE32-E72D297353CC}">
               <c16:uniqueId val="{00000001-BE25-4459-ACD3-6EA86BD5A999}"/>
             </c:ext>
@@ -546,7 +547,7 @@
             </c:numRef>
           </c:yVal>
           <c:smooth val="1"/>
-          <c:extLst>
+          <c:extLst xmlns:c16r2="http://schemas.microsoft.com/office/drawing/2015/06/chart">
             <c:ext xmlns:c16="http://schemas.microsoft.com/office/drawing/2014/chart" uri="{C3380CC4-5D6E-409C-BE32-E72D297353CC}">
               <c16:uniqueId val="{00000002-BE25-4459-ACD3-6EA86BD5A999}"/>
             </c:ext>
@@ -560,11 +561,11 @@
           <c:showPercent val="0"/>
           <c:showBubbleSize val="0"/>
         </c:dLbls>
-        <c:axId val="1668306576"/>
-        <c:axId val="1668305488"/>
+        <c:axId val="-813833824"/>
+        <c:axId val="-813832192"/>
       </c:scatterChart>
       <c:valAx>
-        <c:axId val="1668306576"/>
+        <c:axId val="-813833824"/>
         <c:scaling>
           <c:orientation val="minMax"/>
         </c:scaling>
@@ -624,6 +625,7 @@
               </a:p>
             </c:rich>
           </c:tx>
+          <c:layout/>
           <c:overlay val="0"/>
           <c:spPr>
             <a:noFill/>
@@ -670,12 +672,12 @@
             <a:endParaRPr lang="ru-RU"/>
           </a:p>
         </c:txPr>
-        <c:crossAx val="1668305488"/>
+        <c:crossAx val="-813832192"/>
         <c:crosses val="autoZero"/>
         <c:crossBetween val="midCat"/>
       </c:valAx>
       <c:valAx>
-        <c:axId val="1668305488"/>
+        <c:axId val="-813832192"/>
         <c:scaling>
           <c:orientation val="minMax"/>
           <c:max val="4"/>
@@ -740,6 +742,7 @@
               </a:p>
             </c:rich>
           </c:tx>
+          <c:layout/>
           <c:overlay val="0"/>
           <c:spPr>
             <a:noFill/>
@@ -786,7 +789,7 @@
             <a:endParaRPr lang="ru-RU"/>
           </a:p>
         </c:txPr>
-        <c:crossAx val="1668306576"/>
+        <c:crossAx val="-813833824"/>
         <c:crosses val="autoZero"/>
         <c:crossBetween val="midCat"/>
       </c:valAx>
@@ -800,6 +803,7 @@
     </c:plotArea>
     <c:legend>
       <c:legendPos val="b"/>
+      <c:layout/>
       <c:overlay val="0"/>
       <c:spPr>
         <a:noFill/>
@@ -857,7 +861,7 @@
 </file>
 
 <file path=ppt/charts/chart2.xml><?xml version="1.0" encoding="utf-8"?>
-<c:chartSpace xmlns:c="http://schemas.openxmlformats.org/drawingml/2006/chart" xmlns:a="http://schemas.openxmlformats.org/drawingml/2006/main" xmlns:r="http://schemas.openxmlformats.org/officeDocument/2006/relationships" xmlns:c16r2="http://schemas.microsoft.com/office/drawing/2015/06/chart">
+<c:chartSpace xmlns:c="http://schemas.openxmlformats.org/drawingml/2006/chart" xmlns:a="http://schemas.openxmlformats.org/drawingml/2006/main" xmlns:r="http://schemas.openxmlformats.org/officeDocument/2006/relationships">
   <c:date1904 val="0"/>
   <c:lang val="ru-RU"/>
   <c:roundedCorners val="0"/>
@@ -909,6 +913,7 @@
           </a:p>
         </c:rich>
       </c:tx>
+      <c:layout/>
       <c:overlay val="0"/>
       <c:spPr>
         <a:noFill/>
@@ -1033,7 +1038,7 @@
             </c:numRef>
           </c:yVal>
           <c:smooth val="1"/>
-          <c:extLst>
+          <c:extLst xmlns:c16r2="http://schemas.microsoft.com/office/drawing/2015/06/chart">
             <c:ext xmlns:c16="http://schemas.microsoft.com/office/drawing/2014/chart" uri="{C3380CC4-5D6E-409C-BE32-E72D297353CC}">
               <c16:uniqueId val="{00000000-0A9E-42A7-9B6E-C9283844DF8F}"/>
             </c:ext>
@@ -1148,7 +1153,7 @@
             </c:numRef>
           </c:yVal>
           <c:smooth val="1"/>
-          <c:extLst>
+          <c:extLst xmlns:c16r2="http://schemas.microsoft.com/office/drawing/2015/06/chart">
             <c:ext xmlns:c16="http://schemas.microsoft.com/office/drawing/2014/chart" uri="{C3380CC4-5D6E-409C-BE32-E72D297353CC}">
               <c16:uniqueId val="{00000001-0A9E-42A7-9B6E-C9283844DF8F}"/>
             </c:ext>
@@ -1263,7 +1268,7 @@
             </c:numRef>
           </c:yVal>
           <c:smooth val="1"/>
-          <c:extLst>
+          <c:extLst xmlns:c16r2="http://schemas.microsoft.com/office/drawing/2015/06/chart">
             <c:ext xmlns:c16="http://schemas.microsoft.com/office/drawing/2014/chart" uri="{C3380CC4-5D6E-409C-BE32-E72D297353CC}">
               <c16:uniqueId val="{00000002-0A9E-42A7-9B6E-C9283844DF8F}"/>
             </c:ext>
@@ -1277,11 +1282,11 @@
           <c:showPercent val="0"/>
           <c:showBubbleSize val="0"/>
         </c:dLbls>
-        <c:axId val="1668296784"/>
-        <c:axId val="1668307120"/>
+        <c:axId val="-813835456"/>
+        <c:axId val="-813837088"/>
       </c:scatterChart>
       <c:valAx>
-        <c:axId val="1668296784"/>
+        <c:axId val="-813835456"/>
         <c:scaling>
           <c:orientation val="minMax"/>
         </c:scaling>
@@ -1342,6 +1347,7 @@
               </a:p>
             </c:rich>
           </c:tx>
+          <c:layout/>
           <c:overlay val="0"/>
           <c:spPr>
             <a:noFill/>
@@ -1388,12 +1394,12 @@
             <a:endParaRPr lang="ru-RU"/>
           </a:p>
         </c:txPr>
-        <c:crossAx val="1668307120"/>
+        <c:crossAx val="-813837088"/>
         <c:crosses val="autoZero"/>
         <c:crossBetween val="midCat"/>
       </c:valAx>
       <c:valAx>
-        <c:axId val="1668307120"/>
+        <c:axId val="-813837088"/>
         <c:scaling>
           <c:orientation val="minMax"/>
         </c:scaling>
@@ -1462,6 +1468,7 @@
               </a:p>
             </c:rich>
           </c:tx>
+          <c:layout/>
           <c:overlay val="0"/>
           <c:spPr>
             <a:noFill/>
@@ -1508,7 +1515,7 @@
             <a:endParaRPr lang="ru-RU"/>
           </a:p>
         </c:txPr>
-        <c:crossAx val="1668296784"/>
+        <c:crossAx val="-813835456"/>
         <c:crosses val="autoZero"/>
         <c:crossBetween val="midCat"/>
       </c:valAx>
@@ -1522,6 +1529,7 @@
     </c:plotArea>
     <c:legend>
       <c:legendPos val="b"/>
+      <c:layout/>
       <c:overlay val="0"/>
       <c:spPr>
         <a:noFill/>
@@ -1579,7 +1587,7 @@
 </file>
 
 <file path=ppt/charts/chart3.xml><?xml version="1.0" encoding="utf-8"?>
-<c:chartSpace xmlns:c="http://schemas.openxmlformats.org/drawingml/2006/chart" xmlns:a="http://schemas.openxmlformats.org/drawingml/2006/main" xmlns:r="http://schemas.openxmlformats.org/officeDocument/2006/relationships" xmlns:c16r2="http://schemas.microsoft.com/office/drawing/2015/06/chart">
+<c:chartSpace xmlns:c="http://schemas.openxmlformats.org/drawingml/2006/chart" xmlns:a="http://schemas.openxmlformats.org/drawingml/2006/main" xmlns:r="http://schemas.openxmlformats.org/officeDocument/2006/relationships">
   <c:date1904 val="0"/>
   <c:lang val="ru-RU"/>
   <c:roundedCorners val="0"/>
@@ -1707,7 +1715,7 @@
             </c:numRef>
           </c:yVal>
           <c:smooth val="1"/>
-          <c:extLst>
+          <c:extLst xmlns:c16r2="http://schemas.microsoft.com/office/drawing/2015/06/chart">
             <c:ext xmlns:c16="http://schemas.microsoft.com/office/drawing/2014/chart" uri="{C3380CC4-5D6E-409C-BE32-E72D297353CC}">
               <c16:uniqueId val="{00000000-DCB9-4964-8F69-919FF85D19B2}"/>
             </c:ext>
@@ -1822,7 +1830,7 @@
             </c:numRef>
           </c:yVal>
           <c:smooth val="1"/>
-          <c:extLst>
+          <c:extLst xmlns:c16r2="http://schemas.microsoft.com/office/drawing/2015/06/chart">
             <c:ext xmlns:c16="http://schemas.microsoft.com/office/drawing/2014/chart" uri="{C3380CC4-5D6E-409C-BE32-E72D297353CC}">
               <c16:uniqueId val="{00000001-DCB9-4964-8F69-919FF85D19B2}"/>
             </c:ext>
@@ -1836,11 +1844,11 @@
           <c:showPercent val="0"/>
           <c:showBubbleSize val="0"/>
         </c:dLbls>
-        <c:axId val="1668300048"/>
-        <c:axId val="1668309296"/>
+        <c:axId val="-813834912"/>
+        <c:axId val="-813824576"/>
       </c:scatterChart>
       <c:valAx>
-        <c:axId val="1668300048"/>
+        <c:axId val="-813834912"/>
         <c:scaling>
           <c:orientation val="minMax"/>
         </c:scaling>
@@ -1901,6 +1909,7 @@
               </a:p>
             </c:rich>
           </c:tx>
+          <c:layout/>
           <c:overlay val="0"/>
           <c:spPr>
             <a:noFill/>
@@ -1947,12 +1956,12 @@
             <a:endParaRPr lang="ru-RU"/>
           </a:p>
         </c:txPr>
-        <c:crossAx val="1668309296"/>
+        <c:crossAx val="-813824576"/>
         <c:crosses val="autoZero"/>
         <c:crossBetween val="midCat"/>
       </c:valAx>
       <c:valAx>
-        <c:axId val="1668309296"/>
+        <c:axId val="-813824576"/>
         <c:scaling>
           <c:orientation val="minMax"/>
         </c:scaling>
@@ -2021,6 +2030,7 @@
               </a:p>
             </c:rich>
           </c:tx>
+          <c:layout/>
           <c:overlay val="0"/>
           <c:spPr>
             <a:noFill/>
@@ -2067,7 +2077,7 @@
             <a:endParaRPr lang="ru-RU"/>
           </a:p>
         </c:txPr>
-        <c:crossAx val="1668300048"/>
+        <c:crossAx val="-813834912"/>
         <c:crosses val="autoZero"/>
         <c:crossBetween val="midCat"/>
       </c:valAx>
@@ -2081,6 +2091,7 @@
     </c:plotArea>
     <c:legend>
       <c:legendPos val="b"/>
+      <c:layout/>
       <c:overlay val="0"/>
       <c:spPr>
         <a:noFill/>
@@ -2220,7 +2231,7 @@
             <a:fld id="{2E86FABA-D603-46B8-94C7-F73A40963B6B}" type="datetimeFigureOut">
               <a:rPr lang="ru-RU" smtClean="0"/>
               <a:pPr/>
-              <a:t>06.05.2018</a:t>
+              <a:t>07.05.2018</a:t>
             </a:fld>
             <a:endParaRPr lang="ru-RU" dirty="0"/>
           </a:p>
@@ -6443,11 +6454,7 @@
             </a:r>
             <a:r>
               <a:rPr lang="ru-RU" sz="2400" dirty="0" smtClean="0"/>
-              <a:t>ткань</a:t>
-            </a:r>
-            <a:r>
-              <a:rPr lang="ru-RU" sz="2400" dirty="0" smtClean="0"/>
-              <a:t>;</a:t>
+              <a:t>ткань;</a:t>
             </a:r>
             <a:endParaRPr lang="ru-RU" sz="2400" dirty="0"/>
           </a:p>
@@ -6928,38 +6935,101 @@
           </a:p>
         </p:txBody>
       </p:sp>
+      <p:sp>
+        <p:nvSpPr>
+          <p:cNvPr id="8" name="Rectangle 18"/>
+          <p:cNvSpPr>
+            <a:spLocks noChangeArrowheads="1"/>
+          </p:cNvSpPr>
+          <p:nvPr/>
+        </p:nvSpPr>
+        <p:spPr bwMode="auto">
+          <a:xfrm>
+            <a:off x="5652120" y="987231"/>
+            <a:ext cx="11777308" cy="45719"/>
+          </a:xfrm>
+          <a:prstGeom prst="rect">
+            <a:avLst/>
+          </a:prstGeom>
+          <a:noFill/>
+          <a:ln>
+            <a:noFill/>
+          </a:ln>
+          <a:effectLst/>
+          <a:extLst>
+            <a:ext uri="{909E8E84-426E-40DD-AFC4-6F175D3DCCD1}">
+              <a14:hiddenFill xmlns:a14="http://schemas.microsoft.com/office/drawing/2010/main">
+                <a:solidFill>
+                  <a:schemeClr val="accent1"/>
+                </a:solidFill>
+              </a14:hiddenFill>
+            </a:ext>
+            <a:ext uri="{91240B29-F687-4F45-9708-019B960494DF}">
+              <a14:hiddenLine xmlns:a14="http://schemas.microsoft.com/office/drawing/2010/main" w="9525">
+                <a:solidFill>
+                  <a:schemeClr val="tx1"/>
+                </a:solidFill>
+                <a:miter lim="800000"/>
+                <a:headEnd/>
+                <a:tailEnd/>
+              </a14:hiddenLine>
+            </a:ext>
+            <a:ext uri="{AF507438-7753-43E0-B8FC-AC1667EBCBE1}">
+              <a14:hiddenEffects xmlns:a14="http://schemas.microsoft.com/office/drawing/2010/main">
+                <a:effectLst>
+                  <a:outerShdw dist="35921" dir="2700000" algn="ctr" rotWithShape="0">
+                    <a:schemeClr val="bg2"/>
+                  </a:outerShdw>
+                </a:effectLst>
+              </a14:hiddenEffects>
+            </a:ext>
+          </a:extLst>
+        </p:spPr>
+        <p:txBody>
+          <a:bodyPr vert="horz" wrap="square" lIns="91440" tIns="45720" rIns="91440" bIns="45720" numCol="1" anchor="ctr" anchorCtr="0" compatLnSpc="1">
+            <a:prstTxWarp prst="textNoShape">
+              <a:avLst/>
+            </a:prstTxWarp>
+            <a:spAutoFit/>
+          </a:bodyPr>
+          <a:lstStyle/>
+          <a:p>
+            <a:endParaRPr lang="ru-RU"/>
+          </a:p>
+        </p:txBody>
+      </p:sp>
       <p:graphicFrame>
         <p:nvGraphicFramePr>
-          <p:cNvPr id="9" name="Объект 8"/>
+          <p:cNvPr id="10" name="Объект 9"/>
           <p:cNvGraphicFramePr>
             <a:graphicFrameLocks noChangeAspect="1"/>
           </p:cNvGraphicFramePr>
           <p:nvPr>
             <p:extLst>
               <p:ext uri="{D42A27DB-BD31-4B8C-83A1-F6EECF244321}">
-                <p14:modId xmlns:p14="http://schemas.microsoft.com/office/powerpoint/2010/main" val="1945299815"/>
+                <p14:modId xmlns:p14="http://schemas.microsoft.com/office/powerpoint/2010/main" val="4223835879"/>
               </p:ext>
             </p:extLst>
           </p:nvPr>
         </p:nvGraphicFramePr>
         <p:xfrm>
-          <a:off x="5364088" y="929895"/>
-          <a:ext cx="3573760" cy="5280813"/>
+          <a:off x="5652119" y="987232"/>
+          <a:ext cx="3412469" cy="5106064"/>
         </p:xfrm>
         <a:graphic>
           <a:graphicData uri="http://schemas.openxmlformats.org/presentationml/2006/ole">
             <mc:AlternateContent xmlns:mc="http://schemas.openxmlformats.org/markup-compatibility/2006">
               <mc:Choice xmlns:v="urn:schemas-microsoft-com:vml" Requires="v">
-                <p:oleObj spid="_x0000_s3087" name="Visio" r:id="rId4" imgW="1533485" imgH="2266950" progId="">
+                <p:oleObj spid="_x0000_s3092" name="Visio" r:id="rId4" imgW="1514399" imgH="2266950" progId="Visio.Drawing.15">
                   <p:embed/>
                 </p:oleObj>
               </mc:Choice>
               <mc:Fallback>
-                <p:oleObj name="Visio" r:id="rId4" imgW="1533485" imgH="2266950" progId="">
+                <p:oleObj name="Visio" r:id="rId4" imgW="1514399" imgH="2266950" progId="Visio.Drawing.15">
                   <p:embed/>
                   <p:pic>
                     <p:nvPicPr>
-                      <p:cNvPr id="0" name="Picture 7"/>
+                      <p:cNvPr id="0" name="Object 17"/>
                       <p:cNvPicPr>
                         <a:picLocks noChangeAspect="1" noChangeArrowheads="1"/>
                       </p:cNvPicPr>
@@ -6980,22 +7050,13 @@
                     </p:blipFill>
                     <p:spPr bwMode="auto">
                       <a:xfrm>
-                        <a:off x="5364088" y="929895"/>
-                        <a:ext cx="3573760" cy="5280813"/>
+                        <a:off x="5652119" y="987232"/>
+                        <a:ext cx="3412469" cy="5106064"/>
                       </a:xfrm>
                       <a:prstGeom prst="rect">
                         <a:avLst/>
                       </a:prstGeom>
                       <a:noFill/>
-                      <a:extLst>
-                        <a:ext uri="{909E8E84-426E-40DD-AFC4-6F175D3DCCD1}">
-                          <a14:hiddenFill xmlns:a14="http://schemas.microsoft.com/office/drawing/2010/main">
-                            <a:solidFill>
-                              <a:srgbClr val="FFFFFF"/>
-                            </a:solidFill>
-                          </a14:hiddenFill>
-                        </a:ext>
-                      </a:extLst>
                     </p:spPr>
                   </p:pic>
                 </p:oleObj>
@@ -7102,14 +7163,14 @@
           <p:nvPr>
             <p:extLst>
               <p:ext uri="{D42A27DB-BD31-4B8C-83A1-F6EECF244321}">
-                <p14:modId xmlns:p14="http://schemas.microsoft.com/office/powerpoint/2010/main" val="4166001167"/>
+                <p14:modId xmlns:p14="http://schemas.microsoft.com/office/powerpoint/2010/main" val="3570899145"/>
               </p:ext>
             </p:extLst>
           </p:nvPr>
         </p:nvGraphicFramePr>
         <p:xfrm>
-          <a:off x="4057229" y="1028758"/>
-          <a:ext cx="4892422" cy="2461147"/>
+          <a:off x="3949038" y="1028758"/>
+          <a:ext cx="5000613" cy="2900130"/>
         </p:xfrm>
         <a:graphic>
           <a:graphicData uri="http://schemas.openxmlformats.org/drawingml/2006/table">
@@ -7118,22 +7179,22 @@
                 <a:tableStyleId>{69CF1AB2-1976-4502-BF36-3FF5EA218861}</a:tableStyleId>
               </a:tblPr>
               <a:tblGrid>
-                <a:gridCol w="2448272">
+                <a:gridCol w="2502413">
                   <a:extLst>
                     <a:ext uri="{9D8B030D-6E8A-4147-A177-3AD203B41FA5}">
-                      <a16:colId xmlns:a16="http://schemas.microsoft.com/office/drawing/2014/main" val="20000"/>
+                      <a16:colId xmlns:a16="http://schemas.microsoft.com/office/drawing/2014/main" xmlns="" val="20000"/>
                     </a:ext>
                   </a:extLst>
                 </a:gridCol>
-                <a:gridCol w="2444150">
+                <a:gridCol w="2498200">
                   <a:extLst>
                     <a:ext uri="{9D8B030D-6E8A-4147-A177-3AD203B41FA5}">
-                      <a16:colId xmlns:a16="http://schemas.microsoft.com/office/drawing/2014/main" val="20001"/>
+                      <a16:colId xmlns:a16="http://schemas.microsoft.com/office/drawing/2014/main" xmlns="" val="20001"/>
                     </a:ext>
                   </a:extLst>
                 </a:gridCol>
               </a:tblGrid>
-              <a:tr h="678538">
+              <a:tr h="600042">
                 <a:tc>
                   <a:txBody>
                     <a:bodyPr/>
@@ -7258,11 +7319,11 @@
                 </a:tc>
                 <a:extLst>
                   <a:ext uri="{0D108BD9-81ED-4DB2-BD59-A6C34878D82A}">
-                    <a16:rowId xmlns:a16="http://schemas.microsoft.com/office/drawing/2014/main" val="10000"/>
+                    <a16:rowId xmlns:a16="http://schemas.microsoft.com/office/drawing/2014/main" xmlns="" val="10000"/>
                   </a:ext>
                 </a:extLst>
               </a:tr>
-              <a:tr h="1782609">
+              <a:tr h="2260050">
                 <a:tc>
                   <a:txBody>
                     <a:bodyPr/>
@@ -7365,7 +7426,7 @@
                 </a:tc>
                 <a:extLst>
                   <a:ext uri="{0D108BD9-81ED-4DB2-BD59-A6C34878D82A}">
-                    <a16:rowId xmlns:a16="http://schemas.microsoft.com/office/drawing/2014/main" val="10001"/>
+                    <a16:rowId xmlns:a16="http://schemas.microsoft.com/office/drawing/2014/main" xmlns="" val="10001"/>
                   </a:ext>
                 </a:extLst>
               </a:tr>
@@ -7383,8 +7444,8 @@
             </p:nvSpPr>
             <p:spPr>
               <a:xfrm>
-                <a:off x="4067013" y="1704698"/>
-                <a:ext cx="2453939" cy="701987"/>
+                <a:off x="4160610" y="1633758"/>
+                <a:ext cx="2429436" cy="760914"/>
               </a:xfrm>
               <a:prstGeom prst="rect">
                 <a:avLst/>
@@ -7403,91 +7464,67 @@
                       <m:jc m:val="centerGroup"/>
                     </m:oMathParaPr>
                     <m:oMath xmlns:m="http://schemas.openxmlformats.org/officeDocument/2006/math">
+                      <m:sSub>
+                        <m:sSubPr>
+                          <m:ctrlPr>
+                            <a:rPr lang="ru-RU" i="1" smtClean="0"/>
+                          </m:ctrlPr>
+                        </m:sSubPr>
+                        <m:e>
+                          <m:r>
+                            <a:rPr lang="ru-RU" i="1"/>
+                            <m:t>𝑦</m:t>
+                          </m:r>
+                        </m:e>
+                        <m:sub>
+                          <m:r>
+                            <a:rPr lang="ru-RU" i="1"/>
+                            <m:t>𝑛</m:t>
+                          </m:r>
+                        </m:sub>
+                      </m:sSub>
                       <m:r>
-                        <a:rPr lang="ru-RU" i="1" smtClean="0">
-                          <a:latin typeface="Cambria Math" panose="02040503050406030204" pitchFamily="18" charset="0"/>
-                        </a:rPr>
-                        <m:t>𝑦</m:t>
-                      </m:r>
-                      <m:r>
-                        <a:rPr lang="ru-RU" i="0">
-                          <a:latin typeface="Cambria Math" panose="02040503050406030204" pitchFamily="18" charset="0"/>
-                        </a:rPr>
-                        <m:t>=</m:t>
+                        <a:rPr lang="ru-RU" i="1"/>
+                        <m:t>= </m:t>
                       </m:r>
                       <m:f>
                         <m:fPr>
                           <m:ctrlPr>
-                            <a:rPr lang="ru-RU" i="1">
-                              <a:latin typeface="Cambria Math" panose="02040503050406030204" pitchFamily="18" charset="0"/>
-                            </a:rPr>
+                            <a:rPr lang="ru-RU" i="1"/>
                           </m:ctrlPr>
                         </m:fPr>
                         <m:num>
-                          <m:sSub>
-                            <m:sSubPr>
-                              <m:ctrlPr>
-                                <a:rPr lang="ru-RU" i="1" smtClean="0">
-                                  <a:latin typeface="Cambria Math" panose="02040503050406030204" pitchFamily="18" charset="0"/>
-                                </a:rPr>
-                              </m:ctrlPr>
-                            </m:sSubPr>
-                            <m:e>
-                              <m:r>
-                                <a:rPr lang="en-US" b="0" i="1" smtClean="0">
-                                  <a:latin typeface="Cambria Math" panose="02040503050406030204" pitchFamily="18" charset="0"/>
-                                </a:rPr>
-                                <m:t>𝐹</m:t>
-                              </m:r>
-                            </m:e>
-                            <m:sub>
-                              <m:r>
-                                <a:rPr lang="en-US" b="0" i="1" smtClean="0">
-                                  <a:latin typeface="Cambria Math" panose="02040503050406030204" pitchFamily="18" charset="0"/>
-                                </a:rPr>
-                                <m:t>𝑝</m:t>
-                              </m:r>
-                            </m:sub>
-                          </m:sSub>
+                          <m:r>
+                            <a:rPr lang="ru-RU" i="1"/>
+                            <m:t>𝐹</m:t>
+                          </m:r>
                           <m:sSup>
                             <m:sSupPr>
                               <m:ctrlPr>
-                                <a:rPr lang="ru-RU" i="1">
-                                  <a:latin typeface="Cambria Math" panose="02040503050406030204" pitchFamily="18" charset="0"/>
-                                </a:rPr>
+                                <a:rPr lang="ru-RU" i="1"/>
                               </m:ctrlPr>
                             </m:sSupPr>
                             <m:e>
                               <m:r>
-                                <a:rPr lang="ru-RU" i="1">
-                                  <a:latin typeface="Cambria Math" panose="02040503050406030204" pitchFamily="18" charset="0"/>
-                                </a:rPr>
+                                <a:rPr lang="ru-RU" i="1"/>
                                 <m:t>𝑙</m:t>
                               </m:r>
                               <m:r>
-                                <a:rPr lang="en-US" b="0" i="1" smtClean="0">
-                                  <a:latin typeface="Cambria Math" panose="02040503050406030204" pitchFamily="18" charset="0"/>
-                                </a:rPr>
+                                <a:rPr lang="ru-RU" i="1"/>
                                 <m:t>(</m:t>
                               </m:r>
                               <m:r>
-                                <a:rPr lang="en-US" b="0" i="1" smtClean="0">
-                                  <a:latin typeface="Cambria Math" panose="02040503050406030204" pitchFamily="18" charset="0"/>
-                                </a:rPr>
+                                <a:rPr lang="en-US" i="1"/>
                                 <m:t>𝑡</m:t>
                               </m:r>
                               <m:r>
-                                <a:rPr lang="en-US" b="0" i="1" smtClean="0">
-                                  <a:latin typeface="Cambria Math" panose="02040503050406030204" pitchFamily="18" charset="0"/>
-                                </a:rPr>
+                                <a:rPr lang="ru-RU" i="1"/>
                                 <m:t>)</m:t>
                               </m:r>
                             </m:e>
                             <m:sup>
                               <m:r>
-                                <a:rPr lang="ru-RU" i="0">
-                                  <a:latin typeface="Cambria Math" panose="02040503050406030204" pitchFamily="18" charset="0"/>
-                                </a:rPr>
+                                <a:rPr lang="ru-RU" i="1"/>
                                 <m:t>3</m:t>
                               </m:r>
                             </m:sup>
@@ -7495,38 +7532,28 @@
                         </m:num>
                         <m:den>
                           <m:r>
-                            <a:rPr lang="ru-RU" i="0">
-                              <a:latin typeface="Cambria Math" panose="02040503050406030204" pitchFamily="18" charset="0"/>
-                            </a:rPr>
+                            <a:rPr lang="ru-RU" i="1"/>
                             <m:t>2</m:t>
                           </m:r>
                           <m:r>
-                            <a:rPr lang="ru-RU" i="1">
-                              <a:latin typeface="Cambria Math" panose="02040503050406030204" pitchFamily="18" charset="0"/>
-                            </a:rPr>
+                            <a:rPr lang="ru-RU" i="1"/>
                             <m:t>𝐸</m:t>
                           </m:r>
                           <m:sSub>
                             <m:sSubPr>
                               <m:ctrlPr>
-                                <a:rPr lang="ru-RU" i="1">
-                                  <a:latin typeface="Cambria Math" panose="02040503050406030204" pitchFamily="18" charset="0"/>
-                                </a:rPr>
+                                <a:rPr lang="ru-RU" i="1"/>
                               </m:ctrlPr>
                             </m:sSubPr>
                             <m:e>
                               <m:r>
-                                <a:rPr lang="ru-RU" i="1">
-                                  <a:latin typeface="Cambria Math" panose="02040503050406030204" pitchFamily="18" charset="0"/>
-                                </a:rPr>
+                                <a:rPr lang="ru-RU" i="1"/>
                                 <m:t>𝐽</m:t>
                               </m:r>
                             </m:e>
                             <m:sub>
                               <m:r>
-                                <a:rPr lang="ru-RU" i="1">
-                                  <a:latin typeface="Cambria Math" panose="02040503050406030204" pitchFamily="18" charset="0"/>
-                                </a:rPr>
+                                <a:rPr lang="ru-RU" i="1"/>
                                 <m:t>𝑥</m:t>
                               </m:r>
                             </m:sub>
@@ -7534,16 +7561,16 @@
                         </m:den>
                       </m:f>
                       <m:r>
-                        <a:rPr lang="ru-RU" b="0" i="0" smtClean="0">
+                        <a:rPr lang="ru-RU" b="0" i="1" smtClean="0">
                           <a:latin typeface="Cambria Math" panose="02040503050406030204" pitchFamily="18" charset="0"/>
                         </a:rPr>
                         <m:t> </m:t>
                       </m:r>
                       <m:r>
-                        <a:rPr lang="en-US" b="0" i="0" smtClean="0">
+                        <a:rPr lang="ru-RU" b="0" i="0" smtClean="0">
                           <a:latin typeface="Cambria Math" panose="02040503050406030204" pitchFamily="18" charset="0"/>
                         </a:rPr>
-                        <m:t>      </m:t>
+                        <m:t>        </m:t>
                       </m:r>
                       <m:r>
                         <a:rPr lang="ru-RU" b="0" i="0" smtClean="0">
@@ -7570,13 +7597,13 @@
             </p:nvSpPr>
             <p:spPr>
               <a:xfrm>
-                <a:off x="4067013" y="1704698"/>
-                <a:ext cx="2453939" cy="701987"/>
+                <a:off x="4160610" y="1633758"/>
+                <a:ext cx="2429436" cy="760914"/>
               </a:xfrm>
               <a:prstGeom prst="rect">
                 <a:avLst/>
               </a:prstGeom>
-              <a:blipFill>
+              <a:blipFill rotWithShape="0">
                 <a:blip r:embed="rId3"/>
                 <a:stretch>
                   <a:fillRect/>
@@ -7608,7 +7635,7 @@
             </p:nvSpPr>
             <p:spPr>
               <a:xfrm>
-                <a:off x="4104844" y="2362268"/>
+                <a:off x="4160610" y="2344121"/>
                 <a:ext cx="2425892" cy="646331"/>
               </a:xfrm>
               <a:prstGeom prst="rect">
@@ -7740,6 +7767,12 @@
                         <m:t>  </m:t>
                       </m:r>
                       <m:r>
+                        <a:rPr lang="ru-RU" b="0" i="0" smtClean="0">
+                          <a:latin typeface="Cambria Math" panose="02040503050406030204" pitchFamily="18" charset="0"/>
+                        </a:rPr>
+                        <m:t>  </m:t>
+                      </m:r>
+                      <m:r>
                         <a:rPr lang="en-US" b="0" i="0" smtClean="0">
                           <a:latin typeface="Cambria Math" panose="02040503050406030204" pitchFamily="18" charset="0"/>
                         </a:rPr>
@@ -7764,13 +7797,13 @@
             </p:nvSpPr>
             <p:spPr>
               <a:xfrm>
-                <a:off x="4104844" y="2362268"/>
+                <a:off x="4160610" y="2344121"/>
                 <a:ext cx="2425892" cy="646331"/>
               </a:xfrm>
               <a:prstGeom prst="rect">
                 <a:avLst/>
               </a:prstGeom>
-              <a:blipFill>
+              <a:blipFill rotWithShape="0">
                 <a:blip r:embed="rId4"/>
                 <a:stretch>
                   <a:fillRect/>
@@ -7792,8 +7825,8 @@
           </p:sp>
         </mc:Fallback>
       </mc:AlternateContent>
-      <mc:AlternateContent xmlns:mc="http://schemas.openxmlformats.org/markup-compatibility/2006" xmlns:a14="http://schemas.microsoft.com/office/drawing/2010/main">
-        <mc:Choice Requires="a14">
+      <mc:AlternateContent xmlns:mc="http://schemas.openxmlformats.org/markup-compatibility/2006">
+        <mc:Choice xmlns:a14="http://schemas.microsoft.com/office/drawing/2010/main" Requires="a14">
           <p:sp>
             <p:nvSpPr>
               <p:cNvPr id="11" name="Прямоугольник 10"/>
@@ -7930,7 +7963,19 @@
                         <a:rPr lang="en-US" b="0" i="0" smtClean="0">
                           <a:latin typeface="Cambria Math" panose="02040503050406030204" pitchFamily="18" charset="0"/>
                         </a:rPr>
-                        <m:t>     (3)</m:t>
+                        <m:t>     (</m:t>
+                      </m:r>
+                      <m:r>
+                        <a:rPr lang="ru-RU" b="0" i="0" smtClean="0">
+                          <a:latin typeface="Cambria Math" panose="02040503050406030204" pitchFamily="18" charset="0"/>
+                        </a:rPr>
+                        <m:t>4</m:t>
+                      </m:r>
+                      <m:r>
+                        <a:rPr lang="en-US" b="0" i="0" smtClean="0">
+                          <a:latin typeface="Cambria Math" panose="02040503050406030204" pitchFamily="18" charset="0"/>
+                        </a:rPr>
+                        <m:t>)</m:t>
                       </m:r>
                     </m:oMath>
                   </m:oMathPara>
@@ -7940,7 +7985,7 @@
             </p:txBody>
           </p:sp>
         </mc:Choice>
-        <mc:Fallback xmlns="">
+        <mc:Fallback>
           <p:sp>
             <p:nvSpPr>
               <p:cNvPr id="11" name="Прямоугольник 10"/>
@@ -7958,7 +8003,7 @@
                 <a:avLst/>
               </a:prstGeom>
               <a:blipFill rotWithShape="0">
-                <a:blip r:embed="rId5" cstate="print"/>
+                <a:blip r:embed="rId5"/>
                 <a:stretch>
                   <a:fillRect/>
                 </a:stretch>
@@ -7979,8 +8024,8 @@
           </p:sp>
         </mc:Fallback>
       </mc:AlternateContent>
-      <mc:AlternateContent xmlns:mc="http://schemas.openxmlformats.org/markup-compatibility/2006" xmlns:a14="http://schemas.microsoft.com/office/drawing/2010/main">
-        <mc:Choice Requires="a14">
+      <mc:AlternateContent xmlns:mc="http://schemas.openxmlformats.org/markup-compatibility/2006">
+        <mc:Choice xmlns:a14="http://schemas.microsoft.com/office/drawing/2010/main" Requires="a14">
           <p:sp>
             <p:nvSpPr>
               <p:cNvPr id="13" name="Прямоугольник 12"/>
@@ -8090,7 +8135,19 @@
                         <a:rPr lang="en-US" b="0" i="0" smtClean="0">
                           <a:latin typeface="Cambria Math" panose="02040503050406030204" pitchFamily="18" charset="0"/>
                         </a:rPr>
-                        <m:t>       (4)</m:t>
+                        <m:t>       (</m:t>
+                      </m:r>
+                      <m:r>
+                        <a:rPr lang="ru-RU" b="0" i="0" smtClean="0">
+                          <a:latin typeface="Cambria Math" panose="02040503050406030204" pitchFamily="18" charset="0"/>
+                        </a:rPr>
+                        <m:t>5</m:t>
+                      </m:r>
+                      <m:r>
+                        <a:rPr lang="en-US" b="0" i="0" smtClean="0">
+                          <a:latin typeface="Cambria Math" panose="02040503050406030204" pitchFamily="18" charset="0"/>
+                        </a:rPr>
+                        <m:t>)</m:t>
                       </m:r>
                     </m:oMath>
                   </m:oMathPara>
@@ -8100,7 +8157,7 @@
             </p:txBody>
           </p:sp>
         </mc:Choice>
-        <mc:Fallback xmlns="">
+        <mc:Fallback>
           <p:sp>
             <p:nvSpPr>
               <p:cNvPr id="13" name="Прямоугольник 12"/>
@@ -8118,7 +8175,7 @@
                 <a:avLst/>
               </a:prstGeom>
               <a:blipFill rotWithShape="0">
-                <a:blip r:embed="rId6" cstate="print"/>
+                <a:blip r:embed="rId6"/>
                 <a:stretch>
                   <a:fillRect r="-761" b="-9375"/>
                 </a:stretch>
@@ -8213,14 +8270,14 @@
               <p:nvPr>
                 <p:extLst>
                   <p:ext uri="{D42A27DB-BD31-4B8C-83A1-F6EECF244321}">
-                    <p14:modId xmlns:p14="http://schemas.microsoft.com/office/powerpoint/2010/main" val="379840072"/>
+                    <p14:modId xmlns:p14="http://schemas.microsoft.com/office/powerpoint/2010/main" val="1094168305"/>
                   </p:ext>
                 </p:extLst>
               </p:nvPr>
             </p:nvGraphicFramePr>
             <p:xfrm>
-              <a:off x="4057229" y="3505817"/>
-              <a:ext cx="4903137" cy="3119184"/>
+              <a:off x="3949038" y="3970459"/>
+              <a:ext cx="5036438" cy="2556539"/>
             </p:xfrm>
             <a:graphic>
               <a:graphicData uri="http://schemas.openxmlformats.org/drawingml/2006/table">
@@ -8229,15 +8286,15 @@
                     <a:tableStyleId>{5C22544A-7EE6-4342-B048-85BDC9FD1C3A}</a:tableStyleId>
                   </a:tblPr>
                   <a:tblGrid>
-                    <a:gridCol w="4903137">
+                    <a:gridCol w="5036438">
                       <a:extLst>
                         <a:ext uri="{9D8B030D-6E8A-4147-A177-3AD203B41FA5}">
-                          <a16:colId xmlns:a16="http://schemas.microsoft.com/office/drawing/2014/main" val="20000"/>
+                          <a16:colId xmlns:a16="http://schemas.microsoft.com/office/drawing/2014/main" xmlns="" val="20000"/>
                         </a:ext>
                       </a:extLst>
                     </a:gridCol>
                   </a:tblGrid>
-                  <a:tr h="235427">
+                  <a:tr h="442464">
                     <a:tc>
                       <a:txBody>
                         <a:bodyPr/>
@@ -8305,15 +8362,44 @@
                     </a:tc>
                     <a:extLst>
                       <a:ext uri="{0D108BD9-81ED-4DB2-BD59-A6C34878D82A}">
-                        <a16:rowId xmlns:a16="http://schemas.microsoft.com/office/drawing/2014/main" val="10000"/>
+                        <a16:rowId xmlns:a16="http://schemas.microsoft.com/office/drawing/2014/main" xmlns="" val="10000"/>
                       </a:ext>
                     </a:extLst>
                   </a:tr>
-                  <a:tr h="370840">
+                  <a:tr h="2114075">
                     <a:tc>
                       <a:txBody>
                         <a:bodyPr/>
                         <a:lstStyle/>
+                        <a:p>
+                          <a14:m>
+                            <m:oMath xmlns:m="http://schemas.openxmlformats.org/officeDocument/2006/math">
+                              <m:r>
+                                <a:rPr lang="ru-RU" i="1" smtClean="0">
+                                  <a:latin typeface="Cambria Math" panose="02040503050406030204" pitchFamily="18" charset="0"/>
+                                </a:rPr>
+                                <m:t>𝑛</m:t>
+                              </m:r>
+                            </m:oMath>
+                          </a14:m>
+                          <a:r>
+                            <a:rPr lang="ru-RU" i="1" dirty="0" smtClean="0">
+                              <a:latin typeface="Cambria Math" panose="02040503050406030204" pitchFamily="18" charset="0"/>
+                            </a:rPr>
+                            <a:t> </a:t>
+                          </a:r>
+                          <a:r>
+                            <a:rPr lang="en-US" dirty="0" smtClean="0"/>
+                            <a:t>–</a:t>
+                          </a:r>
+                          <a:r>
+                            <a:rPr lang="ru-RU" dirty="0" smtClean="0"/>
+                            <a:t> текущая итерация моделирования</a:t>
+                          </a:r>
+                          <a:endParaRPr lang="ru-RU" i="1" dirty="0" smtClean="0">
+                            <a:latin typeface="Cambria Math" panose="02040503050406030204" pitchFamily="18" charset="0"/>
+                          </a:endParaRPr>
+                        </a:p>
                         <a:p>
                           <a14:m>
                             <m:oMath xmlns:m="http://schemas.openxmlformats.org/officeDocument/2006/math">
@@ -8369,8 +8455,6 @@
                             </a:rPr>
                             <a:t>3</a:t>
                           </a:r>
-                        </a:p>
-                        <a:p>
                           <a:endParaRPr lang="ru-RU" sz="1800" kern="1200" baseline="30000" dirty="0" smtClean="0">
                             <a:solidFill>
                               <a:schemeClr val="dk1"/>
@@ -8398,10 +8482,12 @@
                           </a:r>
                           <a:r>
                             <a:rPr lang="ru-RU" baseline="0" dirty="0" smtClean="0"/>
-                            <a:t>  - от 3 до 30 мм/с</a:t>
+                            <a:t>  - от 3 до 30 </a:t>
                           </a:r>
-                        </a:p>
-                        <a:p>
+                          <a:r>
+                            <a:rPr lang="ru-RU" baseline="0" dirty="0" smtClean="0"/>
+                            <a:t>мм/с</a:t>
+                          </a:r>
                           <a:endParaRPr lang="ru-RU" baseline="0" dirty="0" smtClean="0"/>
                         </a:p>
                         <a:p>
@@ -8540,8 +8626,6 @@
                             </a:rPr>
                             <a:t>тела</a:t>
                           </a:r>
-                        </a:p>
-                        <a:p>
                           <a:endParaRPr lang="ru-RU" sz="1800" kern="1200" dirty="0" smtClean="0">
                             <a:solidFill>
                               <a:schemeClr val="dk1"/>
@@ -8575,9 +8659,6 @@
                             <a:rPr lang="ru-RU" dirty="0" smtClean="0"/>
                             <a:t> </a:t>
                           </a:r>
-                        </a:p>
-                        <a:p>
-                          <a:endParaRPr lang="ru-RU" dirty="0" smtClean="0"/>
                         </a:p>
                         <a:p>
                           <a14:m>
@@ -8690,7 +8771,7 @@
                     </a:tc>
                     <a:extLst>
                       <a:ext uri="{0D108BD9-81ED-4DB2-BD59-A6C34878D82A}">
-                        <a16:rowId xmlns:a16="http://schemas.microsoft.com/office/drawing/2014/main" val="10001"/>
+                        <a16:rowId xmlns:a16="http://schemas.microsoft.com/office/drawing/2014/main" xmlns="" val="10001"/>
                       </a:ext>
                     </a:extLst>
                   </a:tr>
@@ -8709,14 +8790,14 @@
               <p:nvPr>
                 <p:extLst>
                   <p:ext uri="{D42A27DB-BD31-4B8C-83A1-F6EECF244321}">
-                    <p14:modId xmlns:p14="http://schemas.microsoft.com/office/powerpoint/2010/main" val="379840072"/>
+                    <p14:modId xmlns:p14="http://schemas.microsoft.com/office/powerpoint/2010/main" val="1094168305"/>
                   </p:ext>
                 </p:extLst>
               </p:nvPr>
             </p:nvGraphicFramePr>
             <p:xfrm>
-              <a:off x="4057229" y="3505817"/>
-              <a:ext cx="4903137" cy="3119184"/>
+              <a:off x="3949038" y="3970459"/>
+              <a:ext cx="5036438" cy="2556539"/>
             </p:xfrm>
             <a:graphic>
               <a:graphicData uri="http://schemas.openxmlformats.org/drawingml/2006/table">
@@ -8725,15 +8806,15 @@
                     <a:tableStyleId>{5C22544A-7EE6-4342-B048-85BDC9FD1C3A}</a:tableStyleId>
                   </a:tblPr>
                   <a:tblGrid>
-                    <a:gridCol w="4903137">
+                    <a:gridCol w="5036438">
                       <a:extLst>
                         <a:ext uri="{9D8B030D-6E8A-4147-A177-3AD203B41FA5}">
-                          <a16:colId xmlns:a16="http://schemas.microsoft.com/office/drawing/2014/main" val="20000"/>
+                          <a16:colId xmlns:a16="http://schemas.microsoft.com/office/drawing/2014/main" xmlns:a14="http://schemas.microsoft.com/office/drawing/2010/main" xmlns="" val="20000"/>
                         </a:ext>
                       </a:extLst>
                     </a:gridCol>
                   </a:tblGrid>
-                  <a:tr h="365760">
+                  <a:tr h="442464">
                     <a:tc>
                       <a:txBody>
                         <a:bodyPr/>
@@ -8801,11 +8882,11 @@
                     </a:tc>
                     <a:extLst>
                       <a:ext uri="{0D108BD9-81ED-4DB2-BD59-A6C34878D82A}">
-                        <a16:rowId xmlns:a16="http://schemas.microsoft.com/office/drawing/2014/main" val="10000"/>
+                        <a16:rowId xmlns:a16="http://schemas.microsoft.com/office/drawing/2014/main" xmlns:a14="http://schemas.microsoft.com/office/drawing/2010/main" xmlns="" val="10000"/>
                       </a:ext>
                     </a:extLst>
                   </a:tr>
-                  <a:tr h="2753424">
+                  <a:tr h="2114075">
                     <a:tc>
                       <a:txBody>
                         <a:bodyPr/>
@@ -8851,17 +8932,17 @@
                           <a:headEnd type="none" w="med" len="med"/>
                           <a:tailEnd type="none" w="med" len="med"/>
                         </a:lnB>
-                        <a:blipFill>
+                        <a:blipFill rotWithShape="0">
                           <a:blip r:embed="rId7"/>
                           <a:stretch>
-                            <a:fillRect l="-124" t="-14381" r="-248" b="-3540"/>
+                            <a:fillRect l="-121" t="-22478" r="-363" b="-576"/>
                           </a:stretch>
                         </a:blipFill>
                       </a:tcPr>
                     </a:tc>
                     <a:extLst>
                       <a:ext uri="{0D108BD9-81ED-4DB2-BD59-A6C34878D82A}">
-                        <a16:rowId xmlns:a16="http://schemas.microsoft.com/office/drawing/2014/main" val="10001"/>
+                        <a16:rowId xmlns:a16="http://schemas.microsoft.com/office/drawing/2014/main" xmlns:a14="http://schemas.microsoft.com/office/drawing/2010/main" xmlns="" val="10001"/>
                       </a:ext>
                     </a:extLst>
                   </a:tr>
@@ -8956,7 +9037,7 @@
           <a:graphicData uri="http://schemas.openxmlformats.org/presentationml/2006/ole">
             <mc:AlternateContent xmlns:mc="http://schemas.openxmlformats.org/markup-compatibility/2006">
               <mc:Choice xmlns:v="urn:schemas-microsoft-com:vml" Requires="v">
-                <p:oleObj spid="_x0000_s2151" r:id="rId8" imgW="666627" imgH="914400" progId="">
+                <p:oleObj spid="_x0000_s2159" r:id="rId8" imgW="666627" imgH="914400" progId="">
                   <p:embed/>
                 </p:oleObj>
               </mc:Choice>
@@ -9019,13 +9100,13 @@
           <p:nvPr>
             <p:extLst>
               <p:ext uri="{D42A27DB-BD31-4B8C-83A1-F6EECF244321}">
-                <p14:modId xmlns:p14="http://schemas.microsoft.com/office/powerpoint/2010/main" val="2815233540"/>
+                <p14:modId xmlns:p14="http://schemas.microsoft.com/office/powerpoint/2010/main" val="56059230"/>
               </p:ext>
             </p:extLst>
           </p:nvPr>
         </p:nvGraphicFramePr>
         <p:xfrm>
-          <a:off x="179512" y="4546326"/>
+          <a:off x="41768" y="4525478"/>
           <a:ext cx="3744416" cy="2001520"/>
         </p:xfrm>
         <a:graphic>
@@ -9038,14 +9119,14 @@
                 <a:gridCol w="1440160">
                   <a:extLst>
                     <a:ext uri="{9D8B030D-6E8A-4147-A177-3AD203B41FA5}">
-                      <a16:colId xmlns:a16="http://schemas.microsoft.com/office/drawing/2014/main" val="20000"/>
+                      <a16:colId xmlns:a16="http://schemas.microsoft.com/office/drawing/2014/main" xmlns="" val="20000"/>
                     </a:ext>
                   </a:extLst>
                 </a:gridCol>
                 <a:gridCol w="2304256">
                   <a:extLst>
                     <a:ext uri="{9D8B030D-6E8A-4147-A177-3AD203B41FA5}">
-                      <a16:colId xmlns:a16="http://schemas.microsoft.com/office/drawing/2014/main" val="20001"/>
+                      <a16:colId xmlns:a16="http://schemas.microsoft.com/office/drawing/2014/main" xmlns="" val="20001"/>
                     </a:ext>
                   </a:extLst>
                 </a:gridCol>
@@ -9199,7 +9280,7 @@
                 </a:tc>
                 <a:extLst>
                   <a:ext uri="{0D108BD9-81ED-4DB2-BD59-A6C34878D82A}">
-                    <a16:rowId xmlns:a16="http://schemas.microsoft.com/office/drawing/2014/main" val="10000"/>
+                    <a16:rowId xmlns:a16="http://schemas.microsoft.com/office/drawing/2014/main" xmlns="" val="10000"/>
                   </a:ext>
                 </a:extLst>
               </a:tr>
@@ -9350,7 +9431,7 @@
                 </a:tc>
                 <a:extLst>
                   <a:ext uri="{0D108BD9-81ED-4DB2-BD59-A6C34878D82A}">
-                    <a16:rowId xmlns:a16="http://schemas.microsoft.com/office/drawing/2014/main" val="10001"/>
+                    <a16:rowId xmlns:a16="http://schemas.microsoft.com/office/drawing/2014/main" xmlns="" val="10001"/>
                   </a:ext>
                 </a:extLst>
               </a:tr>
@@ -9530,7 +9611,7 @@
                 </a:tc>
                 <a:extLst>
                   <a:ext uri="{0D108BD9-81ED-4DB2-BD59-A6C34878D82A}">
-                    <a16:rowId xmlns:a16="http://schemas.microsoft.com/office/drawing/2014/main" val="10002"/>
+                    <a16:rowId xmlns:a16="http://schemas.microsoft.com/office/drawing/2014/main" xmlns="" val="10002"/>
                   </a:ext>
                 </a:extLst>
               </a:tr>
@@ -9710,7 +9791,7 @@
                 </a:tc>
                 <a:extLst>
                   <a:ext uri="{0D108BD9-81ED-4DB2-BD59-A6C34878D82A}">
-                    <a16:rowId xmlns:a16="http://schemas.microsoft.com/office/drawing/2014/main" val="10003"/>
+                    <a16:rowId xmlns:a16="http://schemas.microsoft.com/office/drawing/2014/main" xmlns="" val="10003"/>
                   </a:ext>
                 </a:extLst>
               </a:tr>
@@ -9890,7 +9971,7 @@
                 </a:tc>
                 <a:extLst>
                   <a:ext uri="{0D108BD9-81ED-4DB2-BD59-A6C34878D82A}">
-                    <a16:rowId xmlns:a16="http://schemas.microsoft.com/office/drawing/2014/main" val="10004"/>
+                    <a16:rowId xmlns:a16="http://schemas.microsoft.com/office/drawing/2014/main" xmlns="" val="10004"/>
                   </a:ext>
                 </a:extLst>
               </a:tr>
@@ -9961,45 +10042,330 @@
           </a:p>
         </p:txBody>
       </p:sp>
+      <mc:AlternateContent xmlns:mc="http://schemas.openxmlformats.org/markup-compatibility/2006">
+        <mc:Choice xmlns:a14="http://schemas.microsoft.com/office/drawing/2010/main" Requires="a14">
+          <p:sp>
+            <p:nvSpPr>
+              <p:cNvPr id="3" name="Прямоугольник 2"/>
+              <p:cNvSpPr/>
+              <p:nvPr/>
+            </p:nvSpPr>
+            <p:spPr>
+              <a:xfrm>
+                <a:off x="3949038" y="3059868"/>
+                <a:ext cx="2506199" cy="869020"/>
+              </a:xfrm>
+              <a:prstGeom prst="rect">
+                <a:avLst/>
+              </a:prstGeom>
+            </p:spPr>
+            <p:txBody>
+              <a:bodyPr wrap="none">
+                <a:spAutoFit/>
+              </a:bodyPr>
+              <a:lstStyle/>
+              <a:p>
+                <a14:m>
+                  <m:oMathPara xmlns:m="http://schemas.openxmlformats.org/officeDocument/2006/math">
+                    <m:oMathParaPr>
+                      <m:jc m:val="centerGroup"/>
+                    </m:oMathParaPr>
+                    <m:oMath xmlns:m="http://schemas.openxmlformats.org/officeDocument/2006/math">
+                      <m:sSub>
+                        <m:sSubPr>
+                          <m:ctrlPr>
+                            <a:rPr lang="ru-RU" smtClean="0">
+                              <a:latin typeface="Cambria Math" panose="02040503050406030204" pitchFamily="18" charset="0"/>
+                            </a:rPr>
+                          </m:ctrlPr>
+                        </m:sSubPr>
+                        <m:e>
+                          <m:r>
+                            <a:rPr lang="ru-RU" i="1">
+                              <a:latin typeface="Cambria Math" panose="02040503050406030204" pitchFamily="18" charset="0"/>
+                            </a:rPr>
+                            <m:t>𝑦</m:t>
+                          </m:r>
+                        </m:e>
+                        <m:sub>
+                          <m:r>
+                            <a:rPr lang="ru-RU" i="1">
+                              <a:latin typeface="Cambria Math" panose="02040503050406030204" pitchFamily="18" charset="0"/>
+                            </a:rPr>
+                            <m:t>𝑎𝑙𝑙</m:t>
+                          </m:r>
+                          <m:r>
+                            <a:rPr lang="ru-RU" i="0">
+                              <a:latin typeface="Cambria Math" panose="02040503050406030204" pitchFamily="18" charset="0"/>
+                            </a:rPr>
+                            <m:t> </m:t>
+                          </m:r>
+                        </m:sub>
+                      </m:sSub>
+                      <m:r>
+                        <a:rPr lang="ru-RU" i="0">
+                          <a:latin typeface="Cambria Math" panose="02040503050406030204" pitchFamily="18" charset="0"/>
+                        </a:rPr>
+                        <m:t>= </m:t>
+                      </m:r>
+                      <m:nary>
+                        <m:naryPr>
+                          <m:chr m:val="∑"/>
+                          <m:limLoc m:val="undOvr"/>
+                          <m:ctrlPr>
+                            <a:rPr lang="ru-RU" i="1">
+                              <a:latin typeface="Cambria Math" panose="02040503050406030204" pitchFamily="18" charset="0"/>
+                            </a:rPr>
+                          </m:ctrlPr>
+                        </m:naryPr>
+                        <m:sub>
+                          <m:r>
+                            <a:rPr lang="ru-RU" i="0">
+                              <a:latin typeface="Cambria Math" panose="02040503050406030204" pitchFamily="18" charset="0"/>
+                            </a:rPr>
+                            <m:t>1</m:t>
+                          </m:r>
+                        </m:sub>
+                        <m:sup>
+                          <m:r>
+                            <a:rPr lang="ru-RU" i="1">
+                              <a:latin typeface="Cambria Math" panose="02040503050406030204" pitchFamily="18" charset="0"/>
+                            </a:rPr>
+                            <m:t>𝑛</m:t>
+                          </m:r>
+                          <m:r>
+                            <a:rPr lang="ru-RU" i="0">
+                              <a:latin typeface="Cambria Math" panose="02040503050406030204" pitchFamily="18" charset="0"/>
+                            </a:rPr>
+                            <m:t>−1</m:t>
+                          </m:r>
+                        </m:sup>
+                        <m:e>
+                          <m:sSub>
+                            <m:sSubPr>
+                              <m:ctrlPr>
+                                <a:rPr lang="ru-RU" i="1">
+                                  <a:latin typeface="Cambria Math" panose="02040503050406030204" pitchFamily="18" charset="0"/>
+                                </a:rPr>
+                              </m:ctrlPr>
+                            </m:sSubPr>
+                            <m:e>
+                              <m:r>
+                                <a:rPr lang="ru-RU" i="1">
+                                  <a:latin typeface="Cambria Math" panose="02040503050406030204" pitchFamily="18" charset="0"/>
+                                </a:rPr>
+                                <m:t>𝑦</m:t>
+                              </m:r>
+                            </m:e>
+                            <m:sub>
+                              <m:r>
+                                <a:rPr lang="ru-RU" i="1">
+                                  <a:latin typeface="Cambria Math" panose="02040503050406030204" pitchFamily="18" charset="0"/>
+                                </a:rPr>
+                                <m:t>𝑛</m:t>
+                              </m:r>
+                              <m:r>
+                                <a:rPr lang="ru-RU" i="0">
+                                  <a:latin typeface="Cambria Math" panose="02040503050406030204" pitchFamily="18" charset="0"/>
+                                </a:rPr>
+                                <m:t> </m:t>
+                              </m:r>
+                            </m:sub>
+                          </m:sSub>
+                        </m:e>
+                      </m:nary>
+                      <m:r>
+                        <a:rPr lang="ru-RU" i="0">
+                          <a:latin typeface="Cambria Math" panose="02040503050406030204" pitchFamily="18" charset="0"/>
+                        </a:rPr>
+                        <m:t>+</m:t>
+                      </m:r>
+                      <m:sSub>
+                        <m:sSubPr>
+                          <m:ctrlPr>
+                            <a:rPr lang="ru-RU" i="1">
+                              <a:latin typeface="Cambria Math" panose="02040503050406030204" pitchFamily="18" charset="0"/>
+                            </a:rPr>
+                          </m:ctrlPr>
+                        </m:sSubPr>
+                        <m:e>
+                          <m:r>
+                            <a:rPr lang="ru-RU" i="1">
+                              <a:latin typeface="Cambria Math" panose="02040503050406030204" pitchFamily="18" charset="0"/>
+                            </a:rPr>
+                            <m:t>𝑦</m:t>
+                          </m:r>
+                        </m:e>
+                        <m:sub>
+                          <m:r>
+                            <a:rPr lang="ru-RU" i="1">
+                              <a:latin typeface="Cambria Math" panose="02040503050406030204" pitchFamily="18" charset="0"/>
+                            </a:rPr>
+                            <m:t>𝑛</m:t>
+                          </m:r>
+                        </m:sub>
+                      </m:sSub>
+                      <m:r>
+                        <a:rPr lang="ru-RU" i="0">
+                          <a:latin typeface="Cambria Math" panose="02040503050406030204" pitchFamily="18" charset="0"/>
+                        </a:rPr>
+                        <m:t> </m:t>
+                      </m:r>
+                      <m:r>
+                        <a:rPr lang="ru-RU" b="0" i="0" smtClean="0">
+                          <a:latin typeface="Cambria Math" panose="02040503050406030204" pitchFamily="18" charset="0"/>
+                        </a:rPr>
+                        <m:t>(3)</m:t>
+                      </m:r>
+                    </m:oMath>
+                  </m:oMathPara>
+                </a14:m>
+                <a:endParaRPr lang="ru-RU" dirty="0"/>
+              </a:p>
+            </p:txBody>
+          </p:sp>
+        </mc:Choice>
+        <mc:Fallback>
+          <p:sp>
+            <p:nvSpPr>
+              <p:cNvPr id="3" name="Прямоугольник 2"/>
+              <p:cNvSpPr>
+                <a:spLocks noRot="1" noChangeAspect="1" noMove="1" noResize="1" noEditPoints="1" noAdjustHandles="1" noChangeArrowheads="1" noChangeShapeType="1" noTextEdit="1"/>
+              </p:cNvSpPr>
+              <p:nvPr/>
+            </p:nvSpPr>
+            <p:spPr>
+              <a:xfrm>
+                <a:off x="3949038" y="3059868"/>
+                <a:ext cx="2506199" cy="869020"/>
+              </a:xfrm>
+              <a:prstGeom prst="rect">
+                <a:avLst/>
+              </a:prstGeom>
+              <a:blipFill rotWithShape="0">
+                <a:blip r:embed="rId10"/>
+                <a:stretch>
+                  <a:fillRect/>
+                </a:stretch>
+              </a:blipFill>
+            </p:spPr>
+            <p:txBody>
+              <a:bodyPr/>
+              <a:lstStyle/>
+              <a:p>
+                <a:r>
+                  <a:rPr lang="ru-RU">
+                    <a:noFill/>
+                  </a:rPr>
+                  <a:t> </a:t>
+                </a:r>
+              </a:p>
+            </p:txBody>
+          </p:sp>
+        </mc:Fallback>
+      </mc:AlternateContent>
+      <p:sp>
+        <p:nvSpPr>
+          <p:cNvPr id="12" name="Rectangle 108"/>
+          <p:cNvSpPr>
+            <a:spLocks noChangeArrowheads="1"/>
+          </p:cNvSpPr>
+          <p:nvPr/>
+        </p:nvSpPr>
+        <p:spPr bwMode="auto">
+          <a:xfrm flipV="1">
+            <a:off x="772673" y="620227"/>
+            <a:ext cx="8722711" cy="45719"/>
+          </a:xfrm>
+          <a:prstGeom prst="rect">
+            <a:avLst/>
+          </a:prstGeom>
+          <a:noFill/>
+          <a:ln>
+            <a:noFill/>
+          </a:ln>
+          <a:effectLst/>
+          <a:extLst>
+            <a:ext uri="{909E8E84-426E-40DD-AFC4-6F175D3DCCD1}">
+              <a14:hiddenFill xmlns:a14="http://schemas.microsoft.com/office/drawing/2010/main">
+                <a:solidFill>
+                  <a:schemeClr val="accent1"/>
+                </a:solidFill>
+              </a14:hiddenFill>
+            </a:ext>
+            <a:ext uri="{91240B29-F687-4F45-9708-019B960494DF}">
+              <a14:hiddenLine xmlns:a14="http://schemas.microsoft.com/office/drawing/2010/main" w="9525">
+                <a:solidFill>
+                  <a:schemeClr val="tx1"/>
+                </a:solidFill>
+                <a:miter lim="800000"/>
+                <a:headEnd/>
+                <a:tailEnd/>
+              </a14:hiddenLine>
+            </a:ext>
+            <a:ext uri="{AF507438-7753-43E0-B8FC-AC1667EBCBE1}">
+              <a14:hiddenEffects xmlns:a14="http://schemas.microsoft.com/office/drawing/2010/main">
+                <a:effectLst>
+                  <a:outerShdw dist="35921" dir="2700000" algn="ctr" rotWithShape="0">
+                    <a:schemeClr val="bg2"/>
+                  </a:outerShdw>
+                </a:effectLst>
+              </a14:hiddenEffects>
+            </a:ext>
+          </a:extLst>
+        </p:spPr>
+        <p:txBody>
+          <a:bodyPr vert="horz" wrap="square" lIns="91440" tIns="45720" rIns="91440" bIns="45720" numCol="1" anchor="ctr" anchorCtr="0" compatLnSpc="1">
+            <a:prstTxWarp prst="textNoShape">
+              <a:avLst/>
+            </a:prstTxWarp>
+            <a:spAutoFit/>
+          </a:bodyPr>
+          <a:lstStyle/>
+          <a:p>
+            <a:endParaRPr lang="ru-RU"/>
+          </a:p>
+        </p:txBody>
+      </p:sp>
       <p:graphicFrame>
         <p:nvGraphicFramePr>
-          <p:cNvPr id="7" name="Объект 6"/>
+          <p:cNvPr id="15" name="Объект 14"/>
           <p:cNvGraphicFramePr>
             <a:graphicFrameLocks noChangeAspect="1"/>
           </p:cNvGraphicFramePr>
           <p:nvPr>
             <p:extLst>
               <p:ext uri="{D42A27DB-BD31-4B8C-83A1-F6EECF244321}">
-                <p14:modId xmlns:p14="http://schemas.microsoft.com/office/powerpoint/2010/main" val="2482212202"/>
+                <p14:modId xmlns:p14="http://schemas.microsoft.com/office/powerpoint/2010/main" val="1953150210"/>
               </p:ext>
             </p:extLst>
           </p:nvPr>
         </p:nvGraphicFramePr>
         <p:xfrm>
-          <a:off x="543755" y="909010"/>
-          <a:ext cx="2571512" cy="3774697"/>
+          <a:off x="457569" y="1052276"/>
+          <a:ext cx="2560816" cy="3473202"/>
         </p:xfrm>
         <a:graphic>
           <a:graphicData uri="http://schemas.openxmlformats.org/presentationml/2006/ole">
             <mc:AlternateContent xmlns:mc="http://schemas.openxmlformats.org/markup-compatibility/2006">
               <mc:Choice xmlns:v="urn:schemas-microsoft-com:vml" Requires="v">
-                <p:oleObj spid="_x0000_s2152" name="Visio" r:id="rId10" imgW="1514399" imgH="2219498" progId="">
+                <p:oleObj spid="_x0000_s2160" name="Visio" r:id="rId11" imgW="1514399" imgH="2219498" progId="Visio.Drawing.15">
                   <p:embed/>
                 </p:oleObj>
               </mc:Choice>
               <mc:Fallback>
-                <p:oleObj name="Visio" r:id="rId10" imgW="1514399" imgH="2219498" progId="">
+                <p:oleObj name="Visio" r:id="rId11" imgW="1514399" imgH="2219498" progId="Visio.Drawing.15">
                   <p:embed/>
                   <p:pic>
                     <p:nvPicPr>
-                      <p:cNvPr id="0" name="Picture 84"/>
+                      <p:cNvPr id="0" name="Object 107"/>
                       <p:cNvPicPr>
                         <a:picLocks noChangeAspect="1" noChangeArrowheads="1"/>
                       </p:cNvPicPr>
                       <p:nvPr/>
                     </p:nvPicPr>
                     <p:blipFill>
-                      <a:blip r:embed="rId11">
+                      <a:blip r:embed="rId12">
                         <a:extLst>
                           <a:ext uri="{28A0092B-C50C-407E-A947-70E740481C1C}">
                             <a14:useLocalDpi xmlns:a14="http://schemas.microsoft.com/office/drawing/2010/main" val="0"/>
@@ -10013,22 +10379,13 @@
                     </p:blipFill>
                     <p:spPr bwMode="auto">
                       <a:xfrm>
-                        <a:off x="543755" y="909010"/>
-                        <a:ext cx="2571512" cy="3774697"/>
+                        <a:off x="457569" y="1052276"/>
+                        <a:ext cx="2560816" cy="3473202"/>
                       </a:xfrm>
                       <a:prstGeom prst="rect">
                         <a:avLst/>
                       </a:prstGeom>
                       <a:noFill/>
-                      <a:extLst>
-                        <a:ext uri="{909E8E84-426E-40DD-AFC4-6F175D3DCCD1}">
-                          <a14:hiddenFill xmlns:a14="http://schemas.microsoft.com/office/drawing/2010/main">
-                            <a:solidFill>
-                              <a:srgbClr val="FFFFFF"/>
-                            </a:solidFill>
-                          </a14:hiddenFill>
-                        </a:ext>
-                      </a:extLst>
                     </p:spPr>
                   </p:pic>
                 </p:oleObj>

--- a/Dissertacia/MyWork/DocWork/Модель деформируемого объекта управления.pptx
+++ b/Dissertacia/MyWork/DocWork/Модель деформируемого объекта управления.pptx
@@ -141,7 +141,7 @@
 </file>
 
 <file path=ppt/charts/chart1.xml><?xml version="1.0" encoding="utf-8"?>
-<c:chartSpace xmlns:c="http://schemas.openxmlformats.org/drawingml/2006/chart" xmlns:a="http://schemas.openxmlformats.org/drawingml/2006/main" xmlns:r="http://schemas.openxmlformats.org/officeDocument/2006/relationships">
+<c:chartSpace xmlns:c="http://schemas.openxmlformats.org/drawingml/2006/chart" xmlns:a="http://schemas.openxmlformats.org/drawingml/2006/main" xmlns:r="http://schemas.openxmlformats.org/officeDocument/2006/relationships" xmlns:c16r2="http://schemas.microsoft.com/office/drawing/2015/06/chart">
   <c:date1904 val="0"/>
   <c:lang val="ru-RU"/>
   <c:roundedCorners val="0"/>
@@ -317,7 +317,7 @@
             </c:numRef>
           </c:yVal>
           <c:smooth val="1"/>
-          <c:extLst xmlns:c16r2="http://schemas.microsoft.com/office/drawing/2015/06/chart">
+          <c:extLst>
             <c:ext xmlns:c16="http://schemas.microsoft.com/office/drawing/2014/chart" uri="{C3380CC4-5D6E-409C-BE32-E72D297353CC}">
               <c16:uniqueId val="{00000000-BE25-4459-ACD3-6EA86BD5A999}"/>
             </c:ext>
@@ -432,7 +432,7 @@
             </c:numRef>
           </c:yVal>
           <c:smooth val="1"/>
-          <c:extLst xmlns:c16r2="http://schemas.microsoft.com/office/drawing/2015/06/chart">
+          <c:extLst>
             <c:ext xmlns:c16="http://schemas.microsoft.com/office/drawing/2014/chart" uri="{C3380CC4-5D6E-409C-BE32-E72D297353CC}">
               <c16:uniqueId val="{00000001-BE25-4459-ACD3-6EA86BD5A999}"/>
             </c:ext>
@@ -547,7 +547,7 @@
             </c:numRef>
           </c:yVal>
           <c:smooth val="1"/>
-          <c:extLst xmlns:c16r2="http://schemas.microsoft.com/office/drawing/2015/06/chart">
+          <c:extLst>
             <c:ext xmlns:c16="http://schemas.microsoft.com/office/drawing/2014/chart" uri="{C3380CC4-5D6E-409C-BE32-E72D297353CC}">
               <c16:uniqueId val="{00000002-BE25-4459-ACD3-6EA86BD5A999}"/>
             </c:ext>
@@ -861,7 +861,7 @@
 </file>
 
 <file path=ppt/charts/chart2.xml><?xml version="1.0" encoding="utf-8"?>
-<c:chartSpace xmlns:c="http://schemas.openxmlformats.org/drawingml/2006/chart" xmlns:a="http://schemas.openxmlformats.org/drawingml/2006/main" xmlns:r="http://schemas.openxmlformats.org/officeDocument/2006/relationships">
+<c:chartSpace xmlns:c="http://schemas.openxmlformats.org/drawingml/2006/chart" xmlns:a="http://schemas.openxmlformats.org/drawingml/2006/main" xmlns:r="http://schemas.openxmlformats.org/officeDocument/2006/relationships" xmlns:c16r2="http://schemas.microsoft.com/office/drawing/2015/06/chart">
   <c:date1904 val="0"/>
   <c:lang val="ru-RU"/>
   <c:roundedCorners val="0"/>
@@ -1038,7 +1038,7 @@
             </c:numRef>
           </c:yVal>
           <c:smooth val="1"/>
-          <c:extLst xmlns:c16r2="http://schemas.microsoft.com/office/drawing/2015/06/chart">
+          <c:extLst>
             <c:ext xmlns:c16="http://schemas.microsoft.com/office/drawing/2014/chart" uri="{C3380CC4-5D6E-409C-BE32-E72D297353CC}">
               <c16:uniqueId val="{00000000-0A9E-42A7-9B6E-C9283844DF8F}"/>
             </c:ext>
@@ -1153,7 +1153,7 @@
             </c:numRef>
           </c:yVal>
           <c:smooth val="1"/>
-          <c:extLst xmlns:c16r2="http://schemas.microsoft.com/office/drawing/2015/06/chart">
+          <c:extLst>
             <c:ext xmlns:c16="http://schemas.microsoft.com/office/drawing/2014/chart" uri="{C3380CC4-5D6E-409C-BE32-E72D297353CC}">
               <c16:uniqueId val="{00000001-0A9E-42A7-9B6E-C9283844DF8F}"/>
             </c:ext>
@@ -1268,7 +1268,7 @@
             </c:numRef>
           </c:yVal>
           <c:smooth val="1"/>
-          <c:extLst xmlns:c16r2="http://schemas.microsoft.com/office/drawing/2015/06/chart">
+          <c:extLst>
             <c:ext xmlns:c16="http://schemas.microsoft.com/office/drawing/2014/chart" uri="{C3380CC4-5D6E-409C-BE32-E72D297353CC}">
               <c16:uniqueId val="{00000002-0A9E-42A7-9B6E-C9283844DF8F}"/>
             </c:ext>
@@ -1587,7 +1587,7 @@
 </file>
 
 <file path=ppt/charts/chart3.xml><?xml version="1.0" encoding="utf-8"?>
-<c:chartSpace xmlns:c="http://schemas.openxmlformats.org/drawingml/2006/chart" xmlns:a="http://schemas.openxmlformats.org/drawingml/2006/main" xmlns:r="http://schemas.openxmlformats.org/officeDocument/2006/relationships">
+<c:chartSpace xmlns:c="http://schemas.openxmlformats.org/drawingml/2006/chart" xmlns:a="http://schemas.openxmlformats.org/drawingml/2006/main" xmlns:r="http://schemas.openxmlformats.org/officeDocument/2006/relationships" xmlns:c16r2="http://schemas.microsoft.com/office/drawing/2015/06/chart">
   <c:date1904 val="0"/>
   <c:lang val="ru-RU"/>
   <c:roundedCorners val="0"/>
@@ -1715,7 +1715,7 @@
             </c:numRef>
           </c:yVal>
           <c:smooth val="1"/>
-          <c:extLst xmlns:c16r2="http://schemas.microsoft.com/office/drawing/2015/06/chart">
+          <c:extLst>
             <c:ext xmlns:c16="http://schemas.microsoft.com/office/drawing/2014/chart" uri="{C3380CC4-5D6E-409C-BE32-E72D297353CC}">
               <c16:uniqueId val="{00000000-DCB9-4964-8F69-919FF85D19B2}"/>
             </c:ext>
@@ -1830,7 +1830,7 @@
             </c:numRef>
           </c:yVal>
           <c:smooth val="1"/>
-          <c:extLst xmlns:c16r2="http://schemas.microsoft.com/office/drawing/2015/06/chart">
+          <c:extLst>
             <c:ext xmlns:c16="http://schemas.microsoft.com/office/drawing/2014/chart" uri="{C3380CC4-5D6E-409C-BE32-E72D297353CC}">
               <c16:uniqueId val="{00000001-DCB9-4964-8F69-919FF85D19B2}"/>
             </c:ext>
@@ -1909,7 +1909,6 @@
               </a:p>
             </c:rich>
           </c:tx>
-          <c:layout/>
           <c:overlay val="0"/>
           <c:spPr>
             <a:noFill/>
@@ -2030,7 +2029,6 @@
               </a:p>
             </c:rich>
           </c:tx>
-          <c:layout/>
           <c:overlay val="0"/>
           <c:spPr>
             <a:noFill/>
@@ -2091,7 +2089,6 @@
     </c:plotArea>
     <c:legend>
       <c:legendPos val="b"/>
-      <c:layout/>
       <c:overlay val="0"/>
       <c:spPr>
         <a:noFill/>
@@ -2231,7 +2228,7 @@
             <a:fld id="{2E86FABA-D603-46B8-94C7-F73A40963B6B}" type="datetimeFigureOut">
               <a:rPr lang="ru-RU" smtClean="0"/>
               <a:pPr/>
-              <a:t>07.05.2018</a:t>
+              <a:t>09.05.2018</a:t>
             </a:fld>
             <a:endParaRPr lang="ru-RU" dirty="0"/>
           </a:p>
@@ -4681,7 +4678,15 @@
             </a:pPr>
             <a:r>
               <a:rPr lang="ru-RU" dirty="0" smtClean="0"/>
-              <a:t>Разработана модель, описывающая отклонение иглы при движении в вязкоупругих материалах в реальном времени</a:t>
+              <a:t>Разработана модель, описывающая отклонение иглы при движении в </a:t>
+            </a:r>
+            <a:r>
+              <a:rPr lang="ru-RU" dirty="0" smtClean="0"/>
+              <a:t>тканях человека в </a:t>
+            </a:r>
+            <a:r>
+              <a:rPr lang="ru-RU" dirty="0" smtClean="0"/>
+              <a:t>реальном времени</a:t>
             </a:r>
             <a:r>
               <a:rPr lang="en-US" dirty="0" smtClean="0"/>
@@ -6049,7 +6054,7 @@
         </p:nvSpPr>
         <p:spPr>
           <a:xfrm>
-            <a:off x="179512" y="4653136"/>
+            <a:off x="179512" y="4911011"/>
             <a:ext cx="8784976" cy="1656184"/>
           </a:xfrm>
         </p:spPr>
@@ -6153,7 +6158,7 @@
         <p:spPr>
           <a:xfrm>
             <a:off x="179512" y="1275725"/>
-            <a:ext cx="3888432" cy="2862322"/>
+            <a:ext cx="3888432" cy="3477875"/>
           </a:xfrm>
           <a:prstGeom prst="rect">
             <a:avLst/>
@@ -6300,7 +6305,57 @@
                 <a:ea typeface="Calibri" panose="020F0502020204030204" pitchFamily="34" charset="0"/>
                 <a:cs typeface="Arial" panose="020B0604020202020204" pitchFamily="34" charset="0"/>
               </a:rPr>
-              <a:t>распределенная нагрузка (сила, которую оказывает ткань на поверхность иглы).</a:t>
+              <a:t>распределенная нагрузка (сила, которую оказывает ткань на поверхность иглы</a:t>
+            </a:r>
+            <a:r>
+              <a:rPr lang="ru-RU" sz="2000" dirty="0" smtClean="0">
+                <a:latin typeface="+mj-lt"/>
+                <a:ea typeface="Calibri" panose="020F0502020204030204" pitchFamily="34" charset="0"/>
+                <a:cs typeface="Arial" panose="020B0604020202020204" pitchFamily="34" charset="0"/>
+              </a:rPr>
+              <a:t>).</a:t>
+            </a:r>
+            <a:endParaRPr lang="en-US" sz="2000" dirty="0" smtClean="0">
+              <a:latin typeface="+mj-lt"/>
+              <a:ea typeface="Calibri" panose="020F0502020204030204" pitchFamily="34" charset="0"/>
+              <a:cs typeface="Arial" panose="020B0604020202020204" pitchFamily="34" charset="0"/>
+            </a:endParaRPr>
+          </a:p>
+          <a:p>
+            <a:pPr marL="342900" lvl="0" indent="-342900" algn="just">
+              <a:spcAft>
+                <a:spcPts val="0"/>
+              </a:spcAft>
+              <a:buFont typeface="Symbol" panose="05050102010706020507" pitchFamily="18" charset="2"/>
+              <a:buChar char=""/>
+            </a:pPr>
+            <a:r>
+              <a:rPr lang="en-US" sz="2000" i="1" dirty="0" err="1" smtClean="0">
+                <a:ea typeface="Calibri" panose="020F0502020204030204" pitchFamily="34" charset="0"/>
+                <a:cs typeface="Arial" panose="020B0604020202020204" pitchFamily="34" charset="0"/>
+              </a:rPr>
+              <a:t>F</a:t>
+            </a:r>
+            <a:r>
+              <a:rPr lang="en-US" sz="2000" i="1" baseline="-25000" dirty="0" err="1" smtClean="0">
+                <a:ea typeface="Calibri" panose="020F0502020204030204" pitchFamily="34" charset="0"/>
+                <a:cs typeface="Arial" panose="020B0604020202020204" pitchFamily="34" charset="0"/>
+              </a:rPr>
+              <a:t>needle</a:t>
+            </a:r>
+            <a:r>
+              <a:rPr lang="en-US" sz="2000" i="1" dirty="0" smtClean="0">
+                <a:ea typeface="Calibri" panose="020F0502020204030204" pitchFamily="34" charset="0"/>
+                <a:cs typeface="Arial" panose="020B0604020202020204" pitchFamily="34" charset="0"/>
+              </a:rPr>
+              <a:t>  - </a:t>
+            </a:r>
+            <a:r>
+              <a:rPr lang="ru-RU" sz="2000" dirty="0" smtClean="0">
+                <a:ea typeface="Calibri" panose="020F0502020204030204" pitchFamily="34" charset="0"/>
+                <a:cs typeface="Arial" panose="020B0604020202020204" pitchFamily="34" charset="0"/>
+              </a:rPr>
+              <a:t>сила с которой внедряется игла.</a:t>
             </a:r>
             <a:endParaRPr lang="ru-RU" sz="2000" dirty="0">
               <a:effectLst/>
@@ -6311,6 +6366,249 @@
           </a:p>
         </p:txBody>
       </p:sp>
+      <mc:AlternateContent xmlns:mc="http://schemas.openxmlformats.org/markup-compatibility/2006" xmlns:a14="http://schemas.microsoft.com/office/drawing/2010/main">
+        <mc:Choice Requires="a14">
+          <p:sp>
+            <p:nvSpPr>
+              <p:cNvPr id="7" name="TextBox 6"/>
+              <p:cNvSpPr txBox="1"/>
+              <p:nvPr/>
+            </p:nvSpPr>
+            <p:spPr>
+              <a:xfrm>
+                <a:off x="4781125" y="3610335"/>
+                <a:ext cx="3470181" cy="452240"/>
+              </a:xfrm>
+              <a:prstGeom prst="rect">
+                <a:avLst/>
+              </a:prstGeom>
+              <a:noFill/>
+            </p:spPr>
+            <p:txBody>
+              <a:bodyPr wrap="none" lIns="0" tIns="0" rIns="0" bIns="0" rtlCol="0">
+                <a:spAutoFit/>
+              </a:bodyPr>
+              <a:lstStyle/>
+              <a:p>
+                <a:pPr/>
+                <a14:m>
+                  <m:oMathPara xmlns:m="http://schemas.openxmlformats.org/officeDocument/2006/math">
+                    <m:oMathParaPr>
+                      <m:jc m:val="centerGroup"/>
+                    </m:oMathParaPr>
+                    <m:oMath xmlns:m="http://schemas.openxmlformats.org/officeDocument/2006/math">
+                      <m:sSub>
+                        <m:sSubPr>
+                          <m:ctrlPr>
+                            <a:rPr lang="en-US" sz="2400" i="1" smtClean="0">
+                              <a:latin typeface="Cambria Math" panose="02040503050406030204" pitchFamily="18" charset="0"/>
+                            </a:rPr>
+                          </m:ctrlPr>
+                        </m:sSubPr>
+                        <m:e>
+                          <m:acc>
+                            <m:accPr>
+                              <m:chr m:val="⃗"/>
+                              <m:ctrlPr>
+                                <a:rPr lang="en-US" sz="2400" i="1">
+                                  <a:latin typeface="Cambria Math" panose="02040503050406030204" pitchFamily="18" charset="0"/>
+                                </a:rPr>
+                              </m:ctrlPr>
+                            </m:accPr>
+                            <m:e>
+                              <m:r>
+                                <a:rPr lang="en-US" sz="2400" i="1">
+                                  <a:latin typeface="Cambria Math" panose="02040503050406030204" pitchFamily="18" charset="0"/>
+                                </a:rPr>
+                                <m:t>𝐹</m:t>
+                              </m:r>
+                            </m:e>
+                          </m:acc>
+                        </m:e>
+                        <m:sub>
+                          <m:r>
+                            <a:rPr lang="en-US" sz="2400" b="0" i="1" smtClean="0">
+                              <a:latin typeface="Cambria Math" panose="02040503050406030204" pitchFamily="18" charset="0"/>
+                            </a:rPr>
+                            <m:t>𝑛𝑒𝑒𝑑𝑙𝑒</m:t>
+                          </m:r>
+                        </m:sub>
+                      </m:sSub>
+                      <m:r>
+                        <a:rPr lang="en-US" sz="2400" b="0" i="1" smtClean="0">
+                          <a:latin typeface="Cambria Math" panose="02040503050406030204" pitchFamily="18" charset="0"/>
+                        </a:rPr>
+                        <m:t>= </m:t>
+                      </m:r>
+                      <m:sSub>
+                        <m:sSubPr>
+                          <m:ctrlPr>
+                            <a:rPr lang="en-US" sz="2400" b="0" i="1" smtClean="0">
+                              <a:latin typeface="Cambria Math" panose="02040503050406030204" pitchFamily="18" charset="0"/>
+                            </a:rPr>
+                          </m:ctrlPr>
+                        </m:sSubPr>
+                        <m:e>
+                          <m:acc>
+                            <m:accPr>
+                              <m:chr m:val="⃗"/>
+                              <m:ctrlPr>
+                                <a:rPr lang="en-US" sz="2400" b="0" i="1" smtClean="0">
+                                  <a:latin typeface="Cambria Math" panose="02040503050406030204" pitchFamily="18" charset="0"/>
+                                </a:rPr>
+                              </m:ctrlPr>
+                            </m:accPr>
+                            <m:e>
+                              <m:r>
+                                <a:rPr lang="en-US" sz="2400" b="0" i="1" smtClean="0">
+                                  <a:latin typeface="Cambria Math" panose="02040503050406030204" pitchFamily="18" charset="0"/>
+                                </a:rPr>
+                                <m:t>𝐹</m:t>
+                              </m:r>
+                            </m:e>
+                          </m:acc>
+                        </m:e>
+                        <m:sub>
+                          <m:r>
+                            <a:rPr lang="en-US" sz="2400" b="0" i="1" smtClean="0">
+                              <a:latin typeface="Cambria Math" panose="02040503050406030204" pitchFamily="18" charset="0"/>
+                            </a:rPr>
+                            <m:t>𝑡</m:t>
+                          </m:r>
+                        </m:sub>
+                      </m:sSub>
+                      <m:r>
+                        <a:rPr lang="en-US" sz="2400" b="0" i="1" smtClean="0">
+                          <a:latin typeface="Cambria Math" panose="02040503050406030204" pitchFamily="18" charset="0"/>
+                        </a:rPr>
+                        <m:t>+</m:t>
+                      </m:r>
+                      <m:sSub>
+                        <m:sSubPr>
+                          <m:ctrlPr>
+                            <a:rPr lang="en-US" sz="2400" i="1">
+                              <a:latin typeface="Cambria Math" panose="02040503050406030204" pitchFamily="18" charset="0"/>
+                            </a:rPr>
+                          </m:ctrlPr>
+                        </m:sSubPr>
+                        <m:e>
+                          <m:acc>
+                            <m:accPr>
+                              <m:chr m:val="⃗"/>
+                              <m:ctrlPr>
+                                <a:rPr lang="en-US" sz="2400" i="1">
+                                  <a:latin typeface="Cambria Math" panose="02040503050406030204" pitchFamily="18" charset="0"/>
+                                </a:rPr>
+                              </m:ctrlPr>
+                            </m:accPr>
+                            <m:e>
+                              <m:r>
+                                <a:rPr lang="en-US" sz="2400" i="1">
+                                  <a:latin typeface="Cambria Math" panose="02040503050406030204" pitchFamily="18" charset="0"/>
+                                </a:rPr>
+                                <m:t>𝐹</m:t>
+                              </m:r>
+                            </m:e>
+                          </m:acc>
+                        </m:e>
+                        <m:sub>
+                          <m:r>
+                            <a:rPr lang="en-US" sz="2400" b="0" i="1" smtClean="0">
+                              <a:latin typeface="Cambria Math" panose="02040503050406030204" pitchFamily="18" charset="0"/>
+                            </a:rPr>
+                            <m:t>𝑓</m:t>
+                          </m:r>
+                        </m:sub>
+                      </m:sSub>
+                      <m:r>
+                        <a:rPr lang="en-US" sz="2400" b="0" i="0" smtClean="0">
+                          <a:latin typeface="Cambria Math" panose="02040503050406030204" pitchFamily="18" charset="0"/>
+                        </a:rPr>
+                        <m:t>+ </m:t>
+                      </m:r>
+                      <m:acc>
+                        <m:accPr>
+                          <m:chr m:val="⃗"/>
+                          <m:ctrlPr>
+                            <a:rPr lang="en-US" sz="2400" b="0" i="1" smtClean="0">
+                              <a:latin typeface="Cambria Math" panose="02040503050406030204" pitchFamily="18" charset="0"/>
+                            </a:rPr>
+                          </m:ctrlPr>
+                        </m:accPr>
+                        <m:e>
+                          <m:r>
+                            <a:rPr lang="en-US" sz="2400" b="0" i="1" smtClean="0">
+                              <a:latin typeface="Cambria Math" panose="02040503050406030204" pitchFamily="18" charset="0"/>
+                            </a:rPr>
+                            <m:t>𝑤</m:t>
+                          </m:r>
+                        </m:e>
+                      </m:acc>
+                      <m:r>
+                        <a:rPr lang="en-US" sz="2400" b="0" i="1" smtClean="0">
+                          <a:latin typeface="Cambria Math" panose="02040503050406030204" pitchFamily="18" charset="0"/>
+                        </a:rPr>
+                        <m:t>(</m:t>
+                      </m:r>
+                      <m:r>
+                        <a:rPr lang="en-US" sz="2400" b="0" i="1" smtClean="0">
+                          <a:latin typeface="Cambria Math" panose="02040503050406030204" pitchFamily="18" charset="0"/>
+                        </a:rPr>
+                        <m:t>𝑥</m:t>
+                      </m:r>
+                      <m:r>
+                        <a:rPr lang="en-US" sz="2400" b="0" i="1" smtClean="0">
+                          <a:latin typeface="Cambria Math" panose="02040503050406030204" pitchFamily="18" charset="0"/>
+                        </a:rPr>
+                        <m:t>)</m:t>
+                      </m:r>
+                    </m:oMath>
+                  </m:oMathPara>
+                </a14:m>
+                <a:endParaRPr lang="ru-RU" sz="2400" dirty="0"/>
+              </a:p>
+            </p:txBody>
+          </p:sp>
+        </mc:Choice>
+        <mc:Fallback xmlns="">
+          <p:sp>
+            <p:nvSpPr>
+              <p:cNvPr id="7" name="TextBox 6"/>
+              <p:cNvSpPr txBox="1">
+                <a:spLocks noRot="1" noChangeAspect="1" noMove="1" noResize="1" noEditPoints="1" noAdjustHandles="1" noChangeArrowheads="1" noChangeShapeType="1" noTextEdit="1"/>
+              </p:cNvSpPr>
+              <p:nvPr/>
+            </p:nvSpPr>
+            <p:spPr>
+              <a:xfrm>
+                <a:off x="4781125" y="3610335"/>
+                <a:ext cx="3470181" cy="452240"/>
+              </a:xfrm>
+              <a:prstGeom prst="rect">
+                <a:avLst/>
+              </a:prstGeom>
+              <a:blipFill>
+                <a:blip r:embed="rId3"/>
+                <a:stretch>
+                  <a:fillRect/>
+                </a:stretch>
+              </a:blipFill>
+            </p:spPr>
+            <p:txBody>
+              <a:bodyPr/>
+              <a:lstStyle/>
+              <a:p>
+                <a:r>
+                  <a:rPr lang="ru-RU">
+                    <a:noFill/>
+                  </a:rPr>
+                  <a:t> </a:t>
+                </a:r>
+              </a:p>
+            </p:txBody>
+          </p:sp>
+        </mc:Fallback>
+      </mc:AlternateContent>
     </p:spTree>
     <p:extLst>
       <p:ext uri="{BB962C8B-B14F-4D97-AF65-F5344CB8AC3E}">
@@ -6417,7 +6715,15 @@
             </a:r>
             <a:r>
               <a:rPr lang="ru-RU" sz="2400" dirty="0"/>
-              <a:t>процесса прокола, получение изгиба иглы перед внедрением ее в вязкоупругие ткани (нагрузка и разгрузка иглы в процессе прокола);</a:t>
+              <a:t>процесса прокола, получение изгиба иглы перед внедрением ее в </a:t>
+            </a:r>
+            <a:r>
+              <a:rPr lang="ru-RU" sz="2400" dirty="0" smtClean="0"/>
+              <a:t>ткани </a:t>
+            </a:r>
+            <a:r>
+              <a:rPr lang="ru-RU" sz="2400" dirty="0"/>
+              <a:t>(нагрузка и разгрузка иглы в процессе прокола);</a:t>
             </a:r>
           </a:p>
           <a:p>
@@ -6569,8 +6875,8 @@
           </a:p>
         </p:txBody>
       </p:sp>
-      <mc:AlternateContent xmlns:mc="http://schemas.openxmlformats.org/markup-compatibility/2006" xmlns:a14="http://schemas.microsoft.com/office/drawing/2010/main">
-        <mc:Choice Requires="a14">
+      <mc:AlternateContent xmlns:mc="http://schemas.openxmlformats.org/markup-compatibility/2006">
+        <mc:Choice xmlns:a14="http://schemas.microsoft.com/office/drawing/2010/main" Requires="a14">
           <p:sp>
             <p:nvSpPr>
               <p:cNvPr id="3" name="Объект 2"/>
@@ -6584,12 +6890,12 @@
             <p:spPr>
               <a:xfrm>
                 <a:off x="462372" y="1357165"/>
-                <a:ext cx="4042792" cy="2764903"/>
+                <a:ext cx="4042792" cy="3007939"/>
               </a:xfrm>
             </p:spPr>
             <p:txBody>
               <a:bodyPr>
-                <a:normAutofit/>
+                <a:normAutofit lnSpcReduction="10000"/>
               </a:bodyPr>
               <a:lstStyle/>
               <a:p>
@@ -6619,8 +6925,13 @@
                 </a:r>
                 <a:r>
                   <a:rPr lang="ru-RU" sz="2000" dirty="0"/>
-                  <a:t> скорость движения иглы в вязкоупругих тканях;</a:t>
+                  <a:t> скорость движения иглы в </a:t>
                 </a:r>
+                <a:r>
+                  <a:rPr lang="ru-RU" sz="2000" dirty="0" smtClean="0"/>
+                  <a:t>тканях человека;</a:t>
+                </a:r>
+                <a:endParaRPr lang="ru-RU" sz="2000" dirty="0"/>
               </a:p>
               <a:p>
                 <a:pPr lvl="0"/>
@@ -6665,8 +6976,46 @@
                 </a14:m>
                 <a:r>
                   <a:rPr lang="ru-RU" sz="2000" dirty="0"/>
-                  <a:t>угол под которым действует сила.</a:t>
+                  <a:t>угол под которым действует сила</a:t>
                 </a:r>
+                <a:r>
+                  <a:rPr lang="ru-RU" sz="2000" dirty="0" smtClean="0"/>
+                  <a:t>.</a:t>
+                </a:r>
+              </a:p>
+              <a:p>
+                <a:r>
+                  <a:rPr lang="en-US" sz="2000" i="1" dirty="0" err="1">
+                    <a:ea typeface="Calibri" panose="020F0502020204030204" pitchFamily="34" charset="0"/>
+                    <a:cs typeface="Arial" panose="020B0604020202020204" pitchFamily="34" charset="0"/>
+                  </a:rPr>
+                  <a:t>F</a:t>
+                </a:r>
+                <a:r>
+                  <a:rPr lang="en-US" sz="2000" i="1" baseline="-25000" dirty="0" err="1">
+                    <a:ea typeface="Calibri" panose="020F0502020204030204" pitchFamily="34" charset="0"/>
+                    <a:cs typeface="Arial" panose="020B0604020202020204" pitchFamily="34" charset="0"/>
+                  </a:rPr>
+                  <a:t>needle</a:t>
+                </a:r>
+                <a:r>
+                  <a:rPr lang="en-US" sz="2000" i="1" dirty="0">
+                    <a:ea typeface="Calibri" panose="020F0502020204030204" pitchFamily="34" charset="0"/>
+                    <a:cs typeface="Arial" panose="020B0604020202020204" pitchFamily="34" charset="0"/>
+                  </a:rPr>
+                  <a:t>  - </a:t>
+                </a:r>
+                <a:r>
+                  <a:rPr lang="ru-RU" sz="2000" dirty="0">
+                    <a:ea typeface="Calibri" panose="020F0502020204030204" pitchFamily="34" charset="0"/>
+                    <a:cs typeface="Arial" panose="020B0604020202020204" pitchFamily="34" charset="0"/>
+                  </a:rPr>
+                  <a:t>сила с которой внедряется игла.</a:t>
+                </a:r>
+              </a:p>
+              <a:p>
+                <a:pPr lvl="0"/>
+                <a:endParaRPr lang="ru-RU" sz="2000" dirty="0"/>
               </a:p>
               <a:p>
                 <a:endParaRPr lang="ru-RU" sz="2000" dirty="0"/>
@@ -6674,7 +7023,7 @@
             </p:txBody>
           </p:sp>
         </mc:Choice>
-        <mc:Fallback xmlns="">
+        <mc:Fallback>
           <p:sp>
             <p:nvSpPr>
               <p:cNvPr id="3" name="Объект 2"/>
@@ -6688,12 +7037,12 @@
             <p:spPr>
               <a:xfrm>
                 <a:off x="462372" y="1357165"/>
-                <a:ext cx="4042792" cy="2764903"/>
+                <a:ext cx="4042792" cy="3007939"/>
               </a:xfrm>
-              <a:blipFill rotWithShape="0">
-                <a:blip r:embed="rId3" cstate="print"/>
+              <a:blipFill>
+                <a:blip r:embed="rId3"/>
                 <a:stretch>
-                  <a:fillRect l="-1357" t="-1325" r="-2112"/>
+                  <a:fillRect l="-1357" t="-2231" r="-2262"/>
                 </a:stretch>
               </a:blipFill>
             </p:spPr>
@@ -6807,7 +7156,7 @@
         </p:nvSpPr>
         <p:spPr>
           <a:xfrm>
-            <a:off x="611560" y="4662095"/>
+            <a:off x="467542" y="5076860"/>
             <a:ext cx="5184576" cy="1323439"/>
           </a:xfrm>
           <a:prstGeom prst="rect">
@@ -7020,7 +7369,7 @@
           <a:graphicData uri="http://schemas.openxmlformats.org/presentationml/2006/ole">
             <mc:AlternateContent xmlns:mc="http://schemas.openxmlformats.org/markup-compatibility/2006">
               <mc:Choice xmlns:v="urn:schemas-microsoft-com:vml" Requires="v">
-                <p:oleObj spid="_x0000_s3092" name="Visio" r:id="rId4" imgW="1514399" imgH="2266950" progId="Visio.Drawing.15">
+                <p:oleObj spid="_x0000_s3101" name="Visio" r:id="rId4" imgW="1514399" imgH="2266950" progId="Visio.Drawing.15">
                   <p:embed/>
                 </p:oleObj>
               </mc:Choice>
@@ -7065,6 +7414,163 @@
           </a:graphicData>
         </a:graphic>
       </p:graphicFrame>
+      <mc:AlternateContent xmlns:mc="http://schemas.openxmlformats.org/markup-compatibility/2006" xmlns:a14="http://schemas.microsoft.com/office/drawing/2010/main">
+        <mc:Choice Requires="a14">
+          <p:sp>
+            <p:nvSpPr>
+              <p:cNvPr id="9" name="Прямоугольник 8"/>
+              <p:cNvSpPr/>
+              <p:nvPr/>
+            </p:nvSpPr>
+            <p:spPr>
+              <a:xfrm>
+                <a:off x="462371" y="4365104"/>
+                <a:ext cx="1900777" cy="506421"/>
+              </a:xfrm>
+              <a:prstGeom prst="rect">
+                <a:avLst/>
+              </a:prstGeom>
+            </p:spPr>
+            <p:txBody>
+              <a:bodyPr wrap="none">
+                <a:spAutoFit/>
+              </a:bodyPr>
+              <a:lstStyle/>
+              <a:p>
+                <a:pPr/>
+                <a14:m>
+                  <m:oMathPara xmlns:m="http://schemas.openxmlformats.org/officeDocument/2006/math">
+                    <m:oMathParaPr>
+                      <m:jc m:val="centerGroup"/>
+                    </m:oMathParaPr>
+                    <m:oMath xmlns:m="http://schemas.openxmlformats.org/officeDocument/2006/math">
+                      <m:sSub>
+                        <m:sSubPr>
+                          <m:ctrlPr>
+                            <a:rPr lang="en-US" sz="2400" i="1">
+                              <a:latin typeface="Cambria Math" panose="02040503050406030204" pitchFamily="18" charset="0"/>
+                            </a:rPr>
+                          </m:ctrlPr>
+                        </m:sSubPr>
+                        <m:e>
+                          <m:acc>
+                            <m:accPr>
+                              <m:chr m:val="⃗"/>
+                              <m:ctrlPr>
+                                <a:rPr lang="en-US" sz="2400" i="1">
+                                  <a:latin typeface="Cambria Math" panose="02040503050406030204" pitchFamily="18" charset="0"/>
+                                </a:rPr>
+                              </m:ctrlPr>
+                            </m:accPr>
+                            <m:e>
+                              <m:r>
+                                <a:rPr lang="en-US" sz="2400" i="1">
+                                  <a:latin typeface="Cambria Math" panose="02040503050406030204" pitchFamily="18" charset="0"/>
+                                </a:rPr>
+                                <m:t>𝐹</m:t>
+                              </m:r>
+                            </m:e>
+                          </m:acc>
+                        </m:e>
+                        <m:sub>
+                          <m:r>
+                            <a:rPr lang="en-US" sz="2400" i="1">
+                              <a:latin typeface="Cambria Math" panose="02040503050406030204" pitchFamily="18" charset="0"/>
+                            </a:rPr>
+                            <m:t>𝑛𝑒𝑒𝑑𝑙𝑒</m:t>
+                          </m:r>
+                        </m:sub>
+                      </m:sSub>
+                      <m:r>
+                        <a:rPr lang="en-US" sz="2400" i="1">
+                          <a:latin typeface="Cambria Math" panose="02040503050406030204" pitchFamily="18" charset="0"/>
+                        </a:rPr>
+                        <m:t>= </m:t>
+                      </m:r>
+                      <m:sSub>
+                        <m:sSubPr>
+                          <m:ctrlPr>
+                            <a:rPr lang="en-US" sz="2400" i="1">
+                              <a:latin typeface="Cambria Math" panose="02040503050406030204" pitchFamily="18" charset="0"/>
+                            </a:rPr>
+                          </m:ctrlPr>
+                        </m:sSubPr>
+                        <m:e>
+                          <m:acc>
+                            <m:accPr>
+                              <m:chr m:val="⃗"/>
+                              <m:ctrlPr>
+                                <a:rPr lang="en-US" sz="2400" i="1">
+                                  <a:latin typeface="Cambria Math" panose="02040503050406030204" pitchFamily="18" charset="0"/>
+                                </a:rPr>
+                              </m:ctrlPr>
+                            </m:accPr>
+                            <m:e>
+                              <m:r>
+                                <a:rPr lang="en-US" sz="2400" i="1">
+                                  <a:latin typeface="Cambria Math" panose="02040503050406030204" pitchFamily="18" charset="0"/>
+                                </a:rPr>
+                                <m:t>𝐹</m:t>
+                              </m:r>
+                            </m:e>
+                          </m:acc>
+                        </m:e>
+                        <m:sub>
+                          <m:r>
+                            <a:rPr lang="en-US" sz="2400" i="1">
+                              <a:latin typeface="Cambria Math" panose="02040503050406030204" pitchFamily="18" charset="0"/>
+                            </a:rPr>
+                            <m:t>𝑡</m:t>
+                          </m:r>
+                        </m:sub>
+                      </m:sSub>
+                    </m:oMath>
+                  </m:oMathPara>
+                </a14:m>
+                <a:endParaRPr lang="ru-RU" sz="2400" dirty="0"/>
+              </a:p>
+            </p:txBody>
+          </p:sp>
+        </mc:Choice>
+        <mc:Fallback xmlns="">
+          <p:sp>
+            <p:nvSpPr>
+              <p:cNvPr id="9" name="Прямоугольник 8"/>
+              <p:cNvSpPr>
+                <a:spLocks noRot="1" noChangeAspect="1" noMove="1" noResize="1" noEditPoints="1" noAdjustHandles="1" noChangeArrowheads="1" noChangeShapeType="1" noTextEdit="1"/>
+              </p:cNvSpPr>
+              <p:nvPr/>
+            </p:nvSpPr>
+            <p:spPr>
+              <a:xfrm>
+                <a:off x="462371" y="4365104"/>
+                <a:ext cx="1900777" cy="506421"/>
+              </a:xfrm>
+              <a:prstGeom prst="rect">
+                <a:avLst/>
+              </a:prstGeom>
+              <a:blipFill>
+                <a:blip r:embed="rId6"/>
+                <a:stretch>
+                  <a:fillRect/>
+                </a:stretch>
+              </a:blipFill>
+            </p:spPr>
+            <p:txBody>
+              <a:bodyPr/>
+              <a:lstStyle/>
+              <a:p>
+                <a:r>
+                  <a:rPr lang="ru-RU">
+                    <a:noFill/>
+                  </a:rPr>
+                  <a:t> </a:t>
+                </a:r>
+              </a:p>
+            </p:txBody>
+          </p:sp>
+        </mc:Fallback>
+      </mc:AlternateContent>
     </p:spTree>
     <p:extLst>
       <p:ext uri="{BB962C8B-B14F-4D97-AF65-F5344CB8AC3E}">
@@ -7182,14 +7688,14 @@
                 <a:gridCol w="2502413">
                   <a:extLst>
                     <a:ext uri="{9D8B030D-6E8A-4147-A177-3AD203B41FA5}">
-                      <a16:colId xmlns:a16="http://schemas.microsoft.com/office/drawing/2014/main" xmlns="" val="20000"/>
+                      <a16:colId xmlns:a16="http://schemas.microsoft.com/office/drawing/2014/main" val="20000"/>
                     </a:ext>
                   </a:extLst>
                 </a:gridCol>
                 <a:gridCol w="2498200">
                   <a:extLst>
                     <a:ext uri="{9D8B030D-6E8A-4147-A177-3AD203B41FA5}">
-                      <a16:colId xmlns:a16="http://schemas.microsoft.com/office/drawing/2014/main" xmlns="" val="20001"/>
+                      <a16:colId xmlns:a16="http://schemas.microsoft.com/office/drawing/2014/main" val="20001"/>
                     </a:ext>
                   </a:extLst>
                 </a:gridCol>
@@ -7319,7 +7825,7 @@
                 </a:tc>
                 <a:extLst>
                   <a:ext uri="{0D108BD9-81ED-4DB2-BD59-A6C34878D82A}">
-                    <a16:rowId xmlns:a16="http://schemas.microsoft.com/office/drawing/2014/main" xmlns="" val="10000"/>
+                    <a16:rowId xmlns:a16="http://schemas.microsoft.com/office/drawing/2014/main" val="10000"/>
                   </a:ext>
                 </a:extLst>
               </a:tr>
@@ -7426,7 +7932,7 @@
                 </a:tc>
                 <a:extLst>
                   <a:ext uri="{0D108BD9-81ED-4DB2-BD59-A6C34878D82A}">
-                    <a16:rowId xmlns:a16="http://schemas.microsoft.com/office/drawing/2014/main" xmlns="" val="10001"/>
+                    <a16:rowId xmlns:a16="http://schemas.microsoft.com/office/drawing/2014/main" val="10001"/>
                   </a:ext>
                 </a:extLst>
               </a:tr>
@@ -7434,8 +7940,8 @@
           </a:graphicData>
         </a:graphic>
       </p:graphicFrame>
-      <mc:AlternateContent xmlns:mc="http://schemas.openxmlformats.org/markup-compatibility/2006">
-        <mc:Choice xmlns:a14="http://schemas.microsoft.com/office/drawing/2010/main" Requires="a14">
+      <mc:AlternateContent xmlns:mc="http://schemas.openxmlformats.org/markup-compatibility/2006" xmlns:a14="http://schemas.microsoft.com/office/drawing/2010/main">
+        <mc:Choice Requires="a14">
           <p:sp>
             <p:nvSpPr>
               <p:cNvPr id="9" name="Прямоугольник 8"/>
@@ -7467,64 +7973,88 @@
                       <m:sSub>
                         <m:sSubPr>
                           <m:ctrlPr>
-                            <a:rPr lang="ru-RU" i="1" smtClean="0"/>
+                            <a:rPr lang="ru-RU" i="1" smtClean="0">
+                              <a:latin typeface="Cambria Math" panose="02040503050406030204" pitchFamily="18" charset="0"/>
+                            </a:rPr>
                           </m:ctrlPr>
                         </m:sSubPr>
                         <m:e>
                           <m:r>
-                            <a:rPr lang="ru-RU" i="1"/>
+                            <a:rPr lang="ru-RU" i="1">
+                              <a:latin typeface="Cambria Math" panose="02040503050406030204" pitchFamily="18" charset="0"/>
+                            </a:rPr>
                             <m:t>𝑦</m:t>
                           </m:r>
                         </m:e>
                         <m:sub>
                           <m:r>
-                            <a:rPr lang="ru-RU" i="1"/>
+                            <a:rPr lang="ru-RU" i="1">
+                              <a:latin typeface="Cambria Math" panose="02040503050406030204" pitchFamily="18" charset="0"/>
+                            </a:rPr>
                             <m:t>𝑛</m:t>
                           </m:r>
                         </m:sub>
                       </m:sSub>
                       <m:r>
-                        <a:rPr lang="ru-RU" i="1"/>
+                        <a:rPr lang="ru-RU" i="1">
+                          <a:latin typeface="Cambria Math" panose="02040503050406030204" pitchFamily="18" charset="0"/>
+                        </a:rPr>
                         <m:t>= </m:t>
                       </m:r>
                       <m:f>
                         <m:fPr>
                           <m:ctrlPr>
-                            <a:rPr lang="ru-RU" i="1"/>
+                            <a:rPr lang="ru-RU" i="1">
+                              <a:latin typeface="Cambria Math" panose="02040503050406030204" pitchFamily="18" charset="0"/>
+                            </a:rPr>
                           </m:ctrlPr>
                         </m:fPr>
                         <m:num>
                           <m:r>
-                            <a:rPr lang="ru-RU" i="1"/>
+                            <a:rPr lang="ru-RU" i="1">
+                              <a:latin typeface="Cambria Math" panose="02040503050406030204" pitchFamily="18" charset="0"/>
+                            </a:rPr>
                             <m:t>𝐹</m:t>
                           </m:r>
                           <m:sSup>
                             <m:sSupPr>
                               <m:ctrlPr>
-                                <a:rPr lang="ru-RU" i="1"/>
+                                <a:rPr lang="ru-RU" i="1">
+                                  <a:latin typeface="Cambria Math" panose="02040503050406030204" pitchFamily="18" charset="0"/>
+                                </a:rPr>
                               </m:ctrlPr>
                             </m:sSupPr>
                             <m:e>
                               <m:r>
-                                <a:rPr lang="ru-RU" i="1"/>
+                                <a:rPr lang="ru-RU" i="1">
+                                  <a:latin typeface="Cambria Math" panose="02040503050406030204" pitchFamily="18" charset="0"/>
+                                </a:rPr>
                                 <m:t>𝑙</m:t>
                               </m:r>
                               <m:r>
-                                <a:rPr lang="ru-RU" i="1"/>
+                                <a:rPr lang="ru-RU" i="1">
+                                  <a:latin typeface="Cambria Math" panose="02040503050406030204" pitchFamily="18" charset="0"/>
+                                </a:rPr>
                                 <m:t>(</m:t>
                               </m:r>
                               <m:r>
-                                <a:rPr lang="en-US" i="1"/>
+                                <a:rPr lang="en-US" i="1">
+                                  <a:latin typeface="Cambria Math" panose="02040503050406030204" pitchFamily="18" charset="0"/>
+                                </a:rPr>
                                 <m:t>𝑡</m:t>
                               </m:r>
                               <m:r>
-                                <a:rPr lang="ru-RU" i="1"/>
+                                <a:rPr lang="ru-RU" i="1">
+                                  <a:latin typeface="Cambria Math" panose="02040503050406030204" pitchFamily="18" charset="0"/>
+                                </a:rPr>
                                 <m:t>)</m:t>
                               </m:r>
                             </m:e>
                             <m:sup>
                               <m:r>
-                                <a:rPr lang="ru-RU" i="1"/>
+                                <a:rPr lang="ru-RU" i="1">
+                                  <a:latin typeface="Cambria Math" panose="02040503050406030204" pitchFamily="18" charset="0"/>
+                                </a:rPr>
                                 <m:t>3</m:t>
                               </m:r>
                             </m:sup>
@@ -7532,28 +8062,38 @@
                         </m:num>
                         <m:den>
                           <m:r>
-                            <a:rPr lang="ru-RU" i="1"/>
+                            <a:rPr lang="ru-RU" i="1">
+                              <a:latin typeface="Cambria Math" panose="02040503050406030204" pitchFamily="18" charset="0"/>
+                            </a:rPr>
                             <m:t>2</m:t>
                           </m:r>
                           <m:r>
-                            <a:rPr lang="ru-RU" i="1"/>
+                            <a:rPr lang="ru-RU" i="1">
+                              <a:latin typeface="Cambria Math" panose="02040503050406030204" pitchFamily="18" charset="0"/>
+                            </a:rPr>
                             <m:t>𝐸</m:t>
                           </m:r>
                           <m:sSub>
                             <m:sSubPr>
                               <m:ctrlPr>
-                                <a:rPr lang="ru-RU" i="1"/>
+                                <a:rPr lang="ru-RU" i="1">
+                                  <a:latin typeface="Cambria Math" panose="02040503050406030204" pitchFamily="18" charset="0"/>
+                                </a:rPr>
                               </m:ctrlPr>
                             </m:sSubPr>
                             <m:e>
                               <m:r>
-                                <a:rPr lang="ru-RU" i="1"/>
+                                <a:rPr lang="ru-RU" i="1">
+                                  <a:latin typeface="Cambria Math" panose="02040503050406030204" pitchFamily="18" charset="0"/>
+                                </a:rPr>
                                 <m:t>𝐽</m:t>
                               </m:r>
                             </m:e>
                             <m:sub>
                               <m:r>
-                                <a:rPr lang="ru-RU" i="1"/>
+                                <a:rPr lang="ru-RU" i="1">
+                                  <a:latin typeface="Cambria Math" panose="02040503050406030204" pitchFamily="18" charset="0"/>
+                                </a:rPr>
                                 <m:t>𝑥</m:t>
                               </m:r>
                             </m:sub>
@@ -7570,13 +8110,7 @@
                         <a:rPr lang="ru-RU" b="0" i="0" smtClean="0">
                           <a:latin typeface="Cambria Math" panose="02040503050406030204" pitchFamily="18" charset="0"/>
                         </a:rPr>
-                        <m:t>        </m:t>
-                      </m:r>
-                      <m:r>
-                        <a:rPr lang="ru-RU" b="0" i="0" smtClean="0">
-                          <a:latin typeface="Cambria Math" panose="02040503050406030204" pitchFamily="18" charset="0"/>
-                        </a:rPr>
-                        <m:t>(1)</m:t>
+                        <m:t>        (1)</m:t>
                       </m:r>
                     </m:oMath>
                   </m:oMathPara>
@@ -7586,7 +8120,7 @@
             </p:txBody>
           </p:sp>
         </mc:Choice>
-        <mc:Fallback>
+        <mc:Fallback xmlns="">
           <p:sp>
             <p:nvSpPr>
               <p:cNvPr id="9" name="Прямоугольник 8"/>
@@ -7625,8 +8159,8 @@
           </p:sp>
         </mc:Fallback>
       </mc:AlternateContent>
-      <mc:AlternateContent xmlns:mc="http://schemas.openxmlformats.org/markup-compatibility/2006">
-        <mc:Choice xmlns:a14="http://schemas.microsoft.com/office/drawing/2010/main" Requires="a14">
+      <mc:AlternateContent xmlns:mc="http://schemas.openxmlformats.org/markup-compatibility/2006" xmlns:a14="http://schemas.microsoft.com/office/drawing/2010/main">
+        <mc:Choice Requires="a14">
           <p:sp>
             <p:nvSpPr>
               <p:cNvPr id="10" name="Прямоугольник 9"/>
@@ -7764,13 +8298,7 @@
                         <a:rPr lang="ru-RU" b="0" i="0" smtClean="0">
                           <a:latin typeface="Cambria Math" panose="02040503050406030204" pitchFamily="18" charset="0"/>
                         </a:rPr>
-                        <m:t>  </m:t>
-                      </m:r>
-                      <m:r>
-                        <a:rPr lang="ru-RU" b="0" i="0" smtClean="0">
-                          <a:latin typeface="Cambria Math" panose="02040503050406030204" pitchFamily="18" charset="0"/>
-                        </a:rPr>
-                        <m:t>  </m:t>
+                        <m:t>    </m:t>
                       </m:r>
                       <m:r>
                         <a:rPr lang="en-US" b="0" i="0" smtClean="0">
@@ -7786,7 +8314,7 @@
             </p:txBody>
           </p:sp>
         </mc:Choice>
-        <mc:Fallback>
+        <mc:Fallback xmlns="">
           <p:sp>
             <p:nvSpPr>
               <p:cNvPr id="10" name="Прямоугольник 9"/>
@@ -7825,8 +8353,8 @@
           </p:sp>
         </mc:Fallback>
       </mc:AlternateContent>
-      <mc:AlternateContent xmlns:mc="http://schemas.openxmlformats.org/markup-compatibility/2006">
-        <mc:Choice xmlns:a14="http://schemas.microsoft.com/office/drawing/2010/main" Requires="a14">
+      <mc:AlternateContent xmlns:mc="http://schemas.openxmlformats.org/markup-compatibility/2006" xmlns:a14="http://schemas.microsoft.com/office/drawing/2010/main">
+        <mc:Choice Requires="a14">
           <p:sp>
             <p:nvSpPr>
               <p:cNvPr id="11" name="Прямоугольник 10"/>
@@ -7985,7 +8513,7 @@
             </p:txBody>
           </p:sp>
         </mc:Choice>
-        <mc:Fallback>
+        <mc:Fallback xmlns="">
           <p:sp>
             <p:nvSpPr>
               <p:cNvPr id="11" name="Прямоугольник 10"/>
@@ -8024,8 +8552,8 @@
           </p:sp>
         </mc:Fallback>
       </mc:AlternateContent>
-      <mc:AlternateContent xmlns:mc="http://schemas.openxmlformats.org/markup-compatibility/2006">
-        <mc:Choice xmlns:a14="http://schemas.microsoft.com/office/drawing/2010/main" Requires="a14">
+      <mc:AlternateContent xmlns:mc="http://schemas.openxmlformats.org/markup-compatibility/2006" xmlns:a14="http://schemas.microsoft.com/office/drawing/2010/main">
+        <mc:Choice Requires="a14">
           <p:sp>
             <p:nvSpPr>
               <p:cNvPr id="13" name="Прямоугольник 12"/>
@@ -8157,7 +8685,7 @@
             </p:txBody>
           </p:sp>
         </mc:Choice>
-        <mc:Fallback>
+        <mc:Fallback xmlns="">
           <p:sp>
             <p:nvSpPr>
               <p:cNvPr id="13" name="Прямоугольник 12"/>
@@ -8259,8 +8787,8 @@
           </a:p>
         </p:txBody>
       </p:sp>
-      <mc:AlternateContent xmlns:mc="http://schemas.openxmlformats.org/markup-compatibility/2006">
-        <mc:Choice xmlns:a14="http://schemas.microsoft.com/office/drawing/2010/main" Requires="a14">
+      <mc:AlternateContent xmlns:mc="http://schemas.openxmlformats.org/markup-compatibility/2006" xmlns:a14="http://schemas.microsoft.com/office/drawing/2010/main">
+        <mc:Choice Requires="a14">
           <p:graphicFrame>
             <p:nvGraphicFramePr>
               <p:cNvPr id="16" name="Таблица 15"/>
@@ -8289,7 +8817,7 @@
                     <a:gridCol w="5036438">
                       <a:extLst>
                         <a:ext uri="{9D8B030D-6E8A-4147-A177-3AD203B41FA5}">
-                          <a16:colId xmlns:a16="http://schemas.microsoft.com/office/drawing/2014/main" xmlns="" val="20000"/>
+                          <a16:colId xmlns:a16="http://schemas.microsoft.com/office/drawing/2014/main" val="20000"/>
                         </a:ext>
                       </a:extLst>
                     </a:gridCol>
@@ -8362,7 +8890,7 @@
                     </a:tc>
                     <a:extLst>
                       <a:ext uri="{0D108BD9-81ED-4DB2-BD59-A6C34878D82A}">
-                        <a16:rowId xmlns:a16="http://schemas.microsoft.com/office/drawing/2014/main" xmlns="" val="10000"/>
+                        <a16:rowId xmlns:a16="http://schemas.microsoft.com/office/drawing/2014/main" val="10000"/>
                       </a:ext>
                     </a:extLst>
                   </a:tr>
@@ -8455,15 +8983,6 @@
                             </a:rPr>
                             <a:t>3</a:t>
                           </a:r>
-                          <a:endParaRPr lang="ru-RU" sz="1800" kern="1200" baseline="30000" dirty="0" smtClean="0">
-                            <a:solidFill>
-                              <a:schemeClr val="dk1"/>
-                            </a:solidFill>
-                            <a:effectLst/>
-                            <a:latin typeface="+mn-lt"/>
-                            <a:ea typeface="+mn-ea"/>
-                            <a:cs typeface="+mn-cs"/>
-                          </a:endParaRPr>
                         </a:p>
                         <a:p>
                           <a14:m>
@@ -8482,13 +9001,8 @@
                           </a:r>
                           <a:r>
                             <a:rPr lang="ru-RU" baseline="0" dirty="0" smtClean="0"/>
-                            <a:t>  - от 3 до 30 </a:t>
+                            <a:t>  - от 3 до 30 мм/с</a:t>
                           </a:r>
-                          <a:r>
-                            <a:rPr lang="ru-RU" baseline="0" dirty="0" smtClean="0"/>
-                            <a:t>мм/с</a:t>
-                          </a:r>
-                          <a:endParaRPr lang="ru-RU" baseline="0" dirty="0" smtClean="0"/>
                         </a:p>
                         <a:p>
                           <a14:m>
@@ -8626,15 +9140,6 @@
                             </a:rPr>
                             <a:t>тела</a:t>
                           </a:r>
-                          <a:endParaRPr lang="ru-RU" sz="1800" kern="1200" dirty="0" smtClean="0">
-                            <a:solidFill>
-                              <a:schemeClr val="dk1"/>
-                            </a:solidFill>
-                            <a:effectLst/>
-                            <a:latin typeface="+mn-lt"/>
-                            <a:ea typeface="+mn-ea"/>
-                            <a:cs typeface="+mn-cs"/>
-                          </a:endParaRPr>
                         </a:p>
                         <a:p>
                           <a14:m>
@@ -8771,7 +9276,7 @@
                     </a:tc>
                     <a:extLst>
                       <a:ext uri="{0D108BD9-81ED-4DB2-BD59-A6C34878D82A}">
-                        <a16:rowId xmlns:a16="http://schemas.microsoft.com/office/drawing/2014/main" xmlns="" val="10001"/>
+                        <a16:rowId xmlns:a16="http://schemas.microsoft.com/office/drawing/2014/main" val="10001"/>
                       </a:ext>
                     </a:extLst>
                   </a:tr>
@@ -8780,7 +9285,7 @@
             </a:graphic>
           </p:graphicFrame>
         </mc:Choice>
-        <mc:Fallback>
+        <mc:Fallback xmlns="">
           <p:graphicFrame>
             <p:nvGraphicFramePr>
               <p:cNvPr id="16" name="Таблица 15"/>
@@ -9037,7 +9542,7 @@
           <a:graphicData uri="http://schemas.openxmlformats.org/presentationml/2006/ole">
             <mc:AlternateContent xmlns:mc="http://schemas.openxmlformats.org/markup-compatibility/2006">
               <mc:Choice xmlns:v="urn:schemas-microsoft-com:vml" Requires="v">
-                <p:oleObj spid="_x0000_s2159" r:id="rId8" imgW="666627" imgH="914400" progId="">
+                <p:oleObj spid="_x0000_s2177" r:id="rId8" imgW="666627" imgH="914400" progId="">
                   <p:embed/>
                 </p:oleObj>
               </mc:Choice>
@@ -9119,14 +9624,14 @@
                 <a:gridCol w="1440160">
                   <a:extLst>
                     <a:ext uri="{9D8B030D-6E8A-4147-A177-3AD203B41FA5}">
-                      <a16:colId xmlns:a16="http://schemas.microsoft.com/office/drawing/2014/main" xmlns="" val="20000"/>
+                      <a16:colId xmlns:a16="http://schemas.microsoft.com/office/drawing/2014/main" val="20000"/>
                     </a:ext>
                   </a:extLst>
                 </a:gridCol>
                 <a:gridCol w="2304256">
                   <a:extLst>
                     <a:ext uri="{9D8B030D-6E8A-4147-A177-3AD203B41FA5}">
-                      <a16:colId xmlns:a16="http://schemas.microsoft.com/office/drawing/2014/main" xmlns="" val="20001"/>
+                      <a16:colId xmlns:a16="http://schemas.microsoft.com/office/drawing/2014/main" val="20001"/>
                     </a:ext>
                   </a:extLst>
                 </a:gridCol>
@@ -9280,7 +9785,7 @@
                 </a:tc>
                 <a:extLst>
                   <a:ext uri="{0D108BD9-81ED-4DB2-BD59-A6C34878D82A}">
-                    <a16:rowId xmlns:a16="http://schemas.microsoft.com/office/drawing/2014/main" xmlns="" val="10000"/>
+                    <a16:rowId xmlns:a16="http://schemas.microsoft.com/office/drawing/2014/main" val="10000"/>
                   </a:ext>
                 </a:extLst>
               </a:tr>
@@ -9431,7 +9936,7 @@
                 </a:tc>
                 <a:extLst>
                   <a:ext uri="{0D108BD9-81ED-4DB2-BD59-A6C34878D82A}">
-                    <a16:rowId xmlns:a16="http://schemas.microsoft.com/office/drawing/2014/main" xmlns="" val="10001"/>
+                    <a16:rowId xmlns:a16="http://schemas.microsoft.com/office/drawing/2014/main" val="10001"/>
                   </a:ext>
                 </a:extLst>
               </a:tr>
@@ -9611,7 +10116,7 @@
                 </a:tc>
                 <a:extLst>
                   <a:ext uri="{0D108BD9-81ED-4DB2-BD59-A6C34878D82A}">
-                    <a16:rowId xmlns:a16="http://schemas.microsoft.com/office/drawing/2014/main" xmlns="" val="10002"/>
+                    <a16:rowId xmlns:a16="http://schemas.microsoft.com/office/drawing/2014/main" val="10002"/>
                   </a:ext>
                 </a:extLst>
               </a:tr>
@@ -9791,7 +10296,7 @@
                 </a:tc>
                 <a:extLst>
                   <a:ext uri="{0D108BD9-81ED-4DB2-BD59-A6C34878D82A}">
-                    <a16:rowId xmlns:a16="http://schemas.microsoft.com/office/drawing/2014/main" xmlns="" val="10003"/>
+                    <a16:rowId xmlns:a16="http://schemas.microsoft.com/office/drawing/2014/main" val="10003"/>
                   </a:ext>
                 </a:extLst>
               </a:tr>
@@ -9971,7 +10476,7 @@
                 </a:tc>
                 <a:extLst>
                   <a:ext uri="{0D108BD9-81ED-4DB2-BD59-A6C34878D82A}">
-                    <a16:rowId xmlns:a16="http://schemas.microsoft.com/office/drawing/2014/main" xmlns="" val="10004"/>
+                    <a16:rowId xmlns:a16="http://schemas.microsoft.com/office/drawing/2014/main" val="10004"/>
                   </a:ext>
                 </a:extLst>
               </a:tr>
@@ -10042,8 +10547,8 @@
           </a:p>
         </p:txBody>
       </p:sp>
-      <mc:AlternateContent xmlns:mc="http://schemas.openxmlformats.org/markup-compatibility/2006">
-        <mc:Choice xmlns:a14="http://schemas.microsoft.com/office/drawing/2010/main" Requires="a14">
+      <mc:AlternateContent xmlns:mc="http://schemas.openxmlformats.org/markup-compatibility/2006" xmlns:a14="http://schemas.microsoft.com/office/drawing/2010/main">
+        <mc:Choice Requires="a14">
           <p:sp>
             <p:nvSpPr>
               <p:cNvPr id="3" name="Прямоугольник 2"/>
@@ -10065,6 +10570,7 @@
               </a:bodyPr>
               <a:lstStyle/>
               <a:p>
+                <a:pPr/>
                 <a14:m>
                   <m:oMathPara xmlns:m="http://schemas.openxmlformats.org/officeDocument/2006/math">
                     <m:oMathParaPr>
@@ -10074,7 +10580,7 @@
                       <m:sSub>
                         <m:sSubPr>
                           <m:ctrlPr>
-                            <a:rPr lang="ru-RU" smtClean="0">
+                            <a:rPr lang="ru-RU" i="1" smtClean="0">
                               <a:latin typeface="Cambria Math" panose="02040503050406030204" pitchFamily="18" charset="0"/>
                             </a:rPr>
                           </m:ctrlPr>
@@ -10225,7 +10731,7 @@
             </p:txBody>
           </p:sp>
         </mc:Choice>
-        <mc:Fallback>
+        <mc:Fallback xmlns="">
           <p:sp>
             <p:nvSpPr>
               <p:cNvPr id="3" name="Прямоугольник 2"/>
@@ -10349,7 +10855,7 @@
           <a:graphicData uri="http://schemas.openxmlformats.org/presentationml/2006/ole">
             <mc:AlternateContent xmlns:mc="http://schemas.openxmlformats.org/markup-compatibility/2006">
               <mc:Choice xmlns:v="urn:schemas-microsoft-com:vml" Requires="v">
-                <p:oleObj spid="_x0000_s2160" name="Visio" r:id="rId11" imgW="1514399" imgH="2219498" progId="Visio.Drawing.15">
+                <p:oleObj spid="_x0000_s2178" name="Visio" r:id="rId11" imgW="1514399" imgH="2219498" progId="Visio.Drawing.15">
                   <p:embed/>
                 </p:oleObj>
               </mc:Choice>

--- a/Dissertacia/MyWork/DocWork/Модель деформируемого объекта управления.pptx
+++ b/Dissertacia/MyWork/DocWork/Модель деформируемого объекта управления.pptx
@@ -141,7 +141,7 @@
 </file>
 
 <file path=ppt/charts/chart1.xml><?xml version="1.0" encoding="utf-8"?>
-<c:chartSpace xmlns:c="http://schemas.openxmlformats.org/drawingml/2006/chart" xmlns:a="http://schemas.openxmlformats.org/drawingml/2006/main" xmlns:r="http://schemas.openxmlformats.org/officeDocument/2006/relationships" xmlns:c16r2="http://schemas.microsoft.com/office/drawing/2015/06/chart">
+<c:chartSpace xmlns:c="http://schemas.openxmlformats.org/drawingml/2006/chart" xmlns:a="http://schemas.openxmlformats.org/drawingml/2006/main" xmlns:r="http://schemas.openxmlformats.org/officeDocument/2006/relationships">
   <c:date1904 val="0"/>
   <c:lang val="ru-RU"/>
   <c:roundedCorners val="0"/>
@@ -192,7 +192,6 @@
           </a:p>
         </c:rich>
       </c:tx>
-      <c:layout/>
       <c:overlay val="0"/>
       <c:spPr>
         <a:noFill/>
@@ -317,7 +316,7 @@
             </c:numRef>
           </c:yVal>
           <c:smooth val="1"/>
-          <c:extLst>
+          <c:extLst xmlns:c16r2="http://schemas.microsoft.com/office/drawing/2015/06/chart">
             <c:ext xmlns:c16="http://schemas.microsoft.com/office/drawing/2014/chart" uri="{C3380CC4-5D6E-409C-BE32-E72D297353CC}">
               <c16:uniqueId val="{00000000-BE25-4459-ACD3-6EA86BD5A999}"/>
             </c:ext>
@@ -432,7 +431,7 @@
             </c:numRef>
           </c:yVal>
           <c:smooth val="1"/>
-          <c:extLst>
+          <c:extLst xmlns:c16r2="http://schemas.microsoft.com/office/drawing/2015/06/chart">
             <c:ext xmlns:c16="http://schemas.microsoft.com/office/drawing/2014/chart" uri="{C3380CC4-5D6E-409C-BE32-E72D297353CC}">
               <c16:uniqueId val="{00000001-BE25-4459-ACD3-6EA86BD5A999}"/>
             </c:ext>
@@ -547,7 +546,7 @@
             </c:numRef>
           </c:yVal>
           <c:smooth val="1"/>
-          <c:extLst>
+          <c:extLst xmlns:c16r2="http://schemas.microsoft.com/office/drawing/2015/06/chart">
             <c:ext xmlns:c16="http://schemas.microsoft.com/office/drawing/2014/chart" uri="{C3380CC4-5D6E-409C-BE32-E72D297353CC}">
               <c16:uniqueId val="{00000002-BE25-4459-ACD3-6EA86BD5A999}"/>
             </c:ext>
@@ -561,11 +560,11 @@
           <c:showPercent val="0"/>
           <c:showBubbleSize val="0"/>
         </c:dLbls>
-        <c:axId val="-813833824"/>
-        <c:axId val="-813832192"/>
+        <c:axId val="280832728"/>
+        <c:axId val="280833120"/>
       </c:scatterChart>
       <c:valAx>
-        <c:axId val="-813833824"/>
+        <c:axId val="280832728"/>
         <c:scaling>
           <c:orientation val="minMax"/>
         </c:scaling>
@@ -625,7 +624,6 @@
               </a:p>
             </c:rich>
           </c:tx>
-          <c:layout/>
           <c:overlay val="0"/>
           <c:spPr>
             <a:noFill/>
@@ -672,12 +670,12 @@
             <a:endParaRPr lang="ru-RU"/>
           </a:p>
         </c:txPr>
-        <c:crossAx val="-813832192"/>
+        <c:crossAx val="280833120"/>
         <c:crosses val="autoZero"/>
         <c:crossBetween val="midCat"/>
       </c:valAx>
       <c:valAx>
-        <c:axId val="-813832192"/>
+        <c:axId val="280833120"/>
         <c:scaling>
           <c:orientation val="minMax"/>
           <c:max val="4"/>
@@ -742,7 +740,6 @@
               </a:p>
             </c:rich>
           </c:tx>
-          <c:layout/>
           <c:overlay val="0"/>
           <c:spPr>
             <a:noFill/>
@@ -789,7 +786,7 @@
             <a:endParaRPr lang="ru-RU"/>
           </a:p>
         </c:txPr>
-        <c:crossAx val="-813833824"/>
+        <c:crossAx val="280832728"/>
         <c:crosses val="autoZero"/>
         <c:crossBetween val="midCat"/>
       </c:valAx>
@@ -803,7 +800,6 @@
     </c:plotArea>
     <c:legend>
       <c:legendPos val="b"/>
-      <c:layout/>
       <c:overlay val="0"/>
       <c:spPr>
         <a:noFill/>
@@ -861,7 +857,7 @@
 </file>
 
 <file path=ppt/charts/chart2.xml><?xml version="1.0" encoding="utf-8"?>
-<c:chartSpace xmlns:c="http://schemas.openxmlformats.org/drawingml/2006/chart" xmlns:a="http://schemas.openxmlformats.org/drawingml/2006/main" xmlns:r="http://schemas.openxmlformats.org/officeDocument/2006/relationships" xmlns:c16r2="http://schemas.microsoft.com/office/drawing/2015/06/chart">
+<c:chartSpace xmlns:c="http://schemas.openxmlformats.org/drawingml/2006/chart" xmlns:a="http://schemas.openxmlformats.org/drawingml/2006/main" xmlns:r="http://schemas.openxmlformats.org/officeDocument/2006/relationships">
   <c:date1904 val="0"/>
   <c:lang val="ru-RU"/>
   <c:roundedCorners val="0"/>
@@ -913,7 +909,6 @@
           </a:p>
         </c:rich>
       </c:tx>
-      <c:layout/>
       <c:overlay val="0"/>
       <c:spPr>
         <a:noFill/>
@@ -1038,7 +1033,7 @@
             </c:numRef>
           </c:yVal>
           <c:smooth val="1"/>
-          <c:extLst>
+          <c:extLst xmlns:c16r2="http://schemas.microsoft.com/office/drawing/2015/06/chart">
             <c:ext xmlns:c16="http://schemas.microsoft.com/office/drawing/2014/chart" uri="{C3380CC4-5D6E-409C-BE32-E72D297353CC}">
               <c16:uniqueId val="{00000000-0A9E-42A7-9B6E-C9283844DF8F}"/>
             </c:ext>
@@ -1153,7 +1148,7 @@
             </c:numRef>
           </c:yVal>
           <c:smooth val="1"/>
-          <c:extLst>
+          <c:extLst xmlns:c16r2="http://schemas.microsoft.com/office/drawing/2015/06/chart">
             <c:ext xmlns:c16="http://schemas.microsoft.com/office/drawing/2014/chart" uri="{C3380CC4-5D6E-409C-BE32-E72D297353CC}">
               <c16:uniqueId val="{00000001-0A9E-42A7-9B6E-C9283844DF8F}"/>
             </c:ext>
@@ -1268,7 +1263,7 @@
             </c:numRef>
           </c:yVal>
           <c:smooth val="1"/>
-          <c:extLst>
+          <c:extLst xmlns:c16r2="http://schemas.microsoft.com/office/drawing/2015/06/chart">
             <c:ext xmlns:c16="http://schemas.microsoft.com/office/drawing/2014/chart" uri="{C3380CC4-5D6E-409C-BE32-E72D297353CC}">
               <c16:uniqueId val="{00000002-0A9E-42A7-9B6E-C9283844DF8F}"/>
             </c:ext>
@@ -1282,573 +1277,11 @@
           <c:showPercent val="0"/>
           <c:showBubbleSize val="0"/>
         </c:dLbls>
-        <c:axId val="-813835456"/>
-        <c:axId val="-813837088"/>
+        <c:axId val="281443168"/>
+        <c:axId val="281443560"/>
       </c:scatterChart>
       <c:valAx>
-        <c:axId val="-813835456"/>
-        <c:scaling>
-          <c:orientation val="minMax"/>
-        </c:scaling>
-        <c:delete val="0"/>
-        <c:axPos val="b"/>
-        <c:majorGridlines>
-          <c:spPr>
-            <a:ln w="9525" cap="flat" cmpd="sng" algn="ctr">
-              <a:solidFill>
-                <a:schemeClr val="tx1">
-                  <a:lumMod val="15000"/>
-                  <a:lumOff val="85000"/>
-                </a:schemeClr>
-              </a:solidFill>
-              <a:round/>
-            </a:ln>
-            <a:effectLst/>
-          </c:spPr>
-        </c:majorGridlines>
-        <c:minorGridlines>
-          <c:spPr>
-            <a:ln w="9525" cap="flat" cmpd="sng" algn="ctr">
-              <a:solidFill>
-                <a:schemeClr val="tx1">
-                  <a:lumMod val="5000"/>
-                  <a:lumOff val="95000"/>
-                </a:schemeClr>
-              </a:solidFill>
-              <a:round/>
-            </a:ln>
-            <a:effectLst/>
-          </c:spPr>
-        </c:minorGridlines>
-        <c:title>
-          <c:tx>
-            <c:rich>
-              <a:bodyPr rot="0" spcFirstLastPara="1" vertOverflow="ellipsis" vert="horz" wrap="square" anchor="ctr" anchorCtr="1"/>
-              <a:lstStyle/>
-              <a:p>
-                <a:pPr>
-                  <a:defRPr sz="1400" b="0" i="0" u="none" strike="noStrike" kern="1200" baseline="0">
-                    <a:solidFill>
-                      <a:schemeClr val="tx1">
-                        <a:lumMod val="65000"/>
-                        <a:lumOff val="35000"/>
-                      </a:schemeClr>
-                    </a:solidFill>
-                    <a:latin typeface="+mn-lt"/>
-                    <a:ea typeface="+mn-ea"/>
-                    <a:cs typeface="+mn-cs"/>
-                  </a:defRPr>
-                </a:pPr>
-                <a:r>
-                  <a:rPr lang="ru-RU" sz="1400" baseline="0"/>
-                  <a:t>Скорость, мм/с</a:t>
-                </a:r>
-                <a:endParaRPr lang="ru-RU" sz="1400"/>
-              </a:p>
-            </c:rich>
-          </c:tx>
-          <c:layout/>
-          <c:overlay val="0"/>
-          <c:spPr>
-            <a:noFill/>
-            <a:ln>
-              <a:noFill/>
-            </a:ln>
-            <a:effectLst/>
-          </c:spPr>
-        </c:title>
-        <c:numFmt formatCode="General" sourceLinked="1"/>
-        <c:majorTickMark val="none"/>
-        <c:minorTickMark val="none"/>
-        <c:tickLblPos val="nextTo"/>
-        <c:spPr>
-          <a:noFill/>
-          <a:ln w="9525" cap="flat" cmpd="sng" algn="ctr">
-            <a:solidFill>
-              <a:schemeClr val="tx1">
-                <a:lumMod val="25000"/>
-                <a:lumOff val="75000"/>
-              </a:schemeClr>
-            </a:solidFill>
-            <a:round/>
-          </a:ln>
-          <a:effectLst/>
-        </c:spPr>
-        <c:txPr>
-          <a:bodyPr rot="-60000000" spcFirstLastPara="1" vertOverflow="ellipsis" vert="horz" wrap="square" anchor="ctr" anchorCtr="1"/>
-          <a:lstStyle/>
-          <a:p>
-            <a:pPr>
-              <a:defRPr sz="1200" b="0" i="0" u="none" strike="noStrike" kern="1200" baseline="0">
-                <a:solidFill>
-                  <a:schemeClr val="tx1">
-                    <a:lumMod val="65000"/>
-                    <a:lumOff val="35000"/>
-                  </a:schemeClr>
-                </a:solidFill>
-                <a:latin typeface="+mn-lt"/>
-                <a:ea typeface="+mn-ea"/>
-                <a:cs typeface="+mn-cs"/>
-              </a:defRPr>
-            </a:pPr>
-            <a:endParaRPr lang="ru-RU"/>
-          </a:p>
-        </c:txPr>
-        <c:crossAx val="-813837088"/>
-        <c:crosses val="autoZero"/>
-        <c:crossBetween val="midCat"/>
-      </c:valAx>
-      <c:valAx>
-        <c:axId val="-813837088"/>
-        <c:scaling>
-          <c:orientation val="minMax"/>
-        </c:scaling>
-        <c:delete val="0"/>
-        <c:axPos val="l"/>
-        <c:majorGridlines>
-          <c:spPr>
-            <a:ln w="9525" cap="flat" cmpd="sng" algn="ctr">
-              <a:solidFill>
-                <a:schemeClr val="tx1">
-                  <a:lumMod val="15000"/>
-                  <a:lumOff val="85000"/>
-                </a:schemeClr>
-              </a:solidFill>
-              <a:round/>
-            </a:ln>
-            <a:effectLst/>
-          </c:spPr>
-        </c:majorGridlines>
-        <c:minorGridlines>
-          <c:spPr>
-            <a:ln w="9525" cap="flat" cmpd="sng" algn="ctr">
-              <a:solidFill>
-                <a:schemeClr val="tx1">
-                  <a:lumMod val="5000"/>
-                  <a:lumOff val="95000"/>
-                </a:schemeClr>
-              </a:solidFill>
-              <a:round/>
-            </a:ln>
-            <a:effectLst/>
-          </c:spPr>
-        </c:minorGridlines>
-        <c:title>
-          <c:tx>
-            <c:rich>
-              <a:bodyPr rot="-5400000" spcFirstLastPara="1" vertOverflow="ellipsis" vert="horz" wrap="square" anchor="ctr" anchorCtr="1"/>
-              <a:lstStyle/>
-              <a:p>
-                <a:pPr>
-                  <a:defRPr sz="1400" b="0" i="0" u="none" strike="noStrike" kern="1200" baseline="0">
-                    <a:solidFill>
-                      <a:schemeClr val="tx1">
-                        <a:lumMod val="65000"/>
-                        <a:lumOff val="35000"/>
-                      </a:schemeClr>
-                    </a:solidFill>
-                    <a:latin typeface="+mn-lt"/>
-                    <a:ea typeface="+mn-ea"/>
-                    <a:cs typeface="+mn-cs"/>
-                  </a:defRPr>
-                </a:pPr>
-                <a:r>
-                  <a:rPr lang="ru-RU" sz="1400" dirty="0" smtClean="0"/>
-                  <a:t>Отклонение,</a:t>
-                </a:r>
-                <a:r>
-                  <a:rPr lang="ru-RU" sz="1400" baseline="0" dirty="0" smtClean="0"/>
-                  <a:t> </a:t>
-                </a:r>
-                <a:r>
-                  <a:rPr lang="ru-RU" sz="1400" baseline="0" dirty="0"/>
-                  <a:t>мм</a:t>
-                </a:r>
-                <a:endParaRPr lang="ru-RU" sz="1400" dirty="0"/>
-              </a:p>
-            </c:rich>
-          </c:tx>
-          <c:layout/>
-          <c:overlay val="0"/>
-          <c:spPr>
-            <a:noFill/>
-            <a:ln>
-              <a:noFill/>
-            </a:ln>
-            <a:effectLst/>
-          </c:spPr>
-        </c:title>
-        <c:numFmt formatCode="0.000" sourceLinked="1"/>
-        <c:majorTickMark val="none"/>
-        <c:minorTickMark val="none"/>
-        <c:tickLblPos val="nextTo"/>
-        <c:spPr>
-          <a:noFill/>
-          <a:ln w="9525" cap="flat" cmpd="sng" algn="ctr">
-            <a:solidFill>
-              <a:schemeClr val="tx1">
-                <a:lumMod val="25000"/>
-                <a:lumOff val="75000"/>
-              </a:schemeClr>
-            </a:solidFill>
-            <a:round/>
-          </a:ln>
-          <a:effectLst/>
-        </c:spPr>
-        <c:txPr>
-          <a:bodyPr rot="-60000000" spcFirstLastPara="1" vertOverflow="ellipsis" vert="horz" wrap="square" anchor="ctr" anchorCtr="1"/>
-          <a:lstStyle/>
-          <a:p>
-            <a:pPr>
-              <a:defRPr sz="1200" b="0" i="0" u="none" strike="noStrike" kern="1200" baseline="0">
-                <a:solidFill>
-                  <a:schemeClr val="tx1">
-                    <a:lumMod val="65000"/>
-                    <a:lumOff val="35000"/>
-                  </a:schemeClr>
-                </a:solidFill>
-                <a:latin typeface="+mn-lt"/>
-                <a:ea typeface="+mn-ea"/>
-                <a:cs typeface="+mn-cs"/>
-              </a:defRPr>
-            </a:pPr>
-            <a:endParaRPr lang="ru-RU"/>
-          </a:p>
-        </c:txPr>
-        <c:crossAx val="-813835456"/>
-        <c:crosses val="autoZero"/>
-        <c:crossBetween val="midCat"/>
-      </c:valAx>
-      <c:spPr>
-        <a:noFill/>
-        <a:ln>
-          <a:noFill/>
-        </a:ln>
-        <a:effectLst/>
-      </c:spPr>
-    </c:plotArea>
-    <c:legend>
-      <c:legendPos val="b"/>
-      <c:layout/>
-      <c:overlay val="0"/>
-      <c:spPr>
-        <a:noFill/>
-        <a:ln>
-          <a:noFill/>
-        </a:ln>
-        <a:effectLst/>
-      </c:spPr>
-      <c:txPr>
-        <a:bodyPr rot="0" spcFirstLastPara="1" vertOverflow="ellipsis" vert="horz" wrap="square" anchor="ctr" anchorCtr="1"/>
-        <a:lstStyle/>
-        <a:p>
-          <a:pPr>
-            <a:defRPr sz="900" b="0" i="0" u="none" strike="noStrike" kern="1200" baseline="0">
-              <a:solidFill>
-                <a:schemeClr val="tx1">
-                  <a:lumMod val="65000"/>
-                  <a:lumOff val="35000"/>
-                </a:schemeClr>
-              </a:solidFill>
-              <a:latin typeface="+mn-lt"/>
-              <a:ea typeface="+mn-ea"/>
-              <a:cs typeface="+mn-cs"/>
-            </a:defRPr>
-          </a:pPr>
-          <a:endParaRPr lang="ru-RU"/>
-        </a:p>
-      </c:txPr>
-    </c:legend>
-    <c:plotVisOnly val="1"/>
-    <c:dispBlanksAs val="gap"/>
-    <c:showDLblsOverMax val="0"/>
-  </c:chart>
-  <c:spPr>
-    <a:noFill/>
-    <a:ln>
-      <a:noFill/>
-    </a:ln>
-    <a:effectLst/>
-  </c:spPr>
-  <c:txPr>
-    <a:bodyPr/>
-    <a:lstStyle/>
-    <a:p>
-      <a:pPr>
-        <a:defRPr/>
-      </a:pPr>
-      <a:endParaRPr lang="ru-RU"/>
-    </a:p>
-  </c:txPr>
-  <c:externalData r:id="rId1">
-    <c:autoUpdate val="0"/>
-  </c:externalData>
-</c:chartSpace>
-</file>
-
-<file path=ppt/charts/chart3.xml><?xml version="1.0" encoding="utf-8"?>
-<c:chartSpace xmlns:c="http://schemas.openxmlformats.org/drawingml/2006/chart" xmlns:a="http://schemas.openxmlformats.org/drawingml/2006/main" xmlns:r="http://schemas.openxmlformats.org/officeDocument/2006/relationships" xmlns:c16r2="http://schemas.microsoft.com/office/drawing/2015/06/chart">
-  <c:date1904 val="0"/>
-  <c:lang val="ru-RU"/>
-  <c:roundedCorners val="0"/>
-  <mc:AlternateContent xmlns:mc="http://schemas.openxmlformats.org/markup-compatibility/2006">
-    <mc:Choice xmlns:c14="http://schemas.microsoft.com/office/drawing/2007/8/2/chart" Requires="c14">
-      <c14:style val="102"/>
-    </mc:Choice>
-    <mc:Fallback>
-      <c:style val="2"/>
-    </mc:Fallback>
-  </mc:AlternateContent>
-  <c:chart>
-    <c:autoTitleDeleted val="1"/>
-    <c:plotArea>
-      <c:layout/>
-      <c:scatterChart>
-        <c:scatterStyle val="smoothMarker"/>
-        <c:varyColors val="0"/>
-        <c:ser>
-          <c:idx val="0"/>
-          <c:order val="0"/>
-          <c:tx>
-            <c:v>Эксперимент</c:v>
-          </c:tx>
-          <c:spPr>
-            <a:ln w="19050" cap="rnd">
-              <a:solidFill>
-                <a:schemeClr val="accent1"/>
-              </a:solidFill>
-              <a:round/>
-            </a:ln>
-            <a:effectLst/>
-          </c:spPr>
-          <c:marker>
-            <c:symbol val="circle"/>
-            <c:size val="5"/>
-            <c:spPr>
-              <a:solidFill>
-                <a:schemeClr val="accent1"/>
-              </a:solidFill>
-              <a:ln w="9525">
-                <a:solidFill>
-                  <a:schemeClr val="accent1"/>
-                </a:solidFill>
-              </a:ln>
-              <a:effectLst/>
-            </c:spPr>
-          </c:marker>
-          <c:xVal>
-            <c:numRef>
-              <c:f>Лист1!$C$4:$C$13</c:f>
-              <c:numCache>
-                <c:formatCode>General</c:formatCode>
-                <c:ptCount val="10"/>
-                <c:pt idx="0">
-                  <c:v>3</c:v>
-                </c:pt>
-                <c:pt idx="1">
-                  <c:v>6</c:v>
-                </c:pt>
-                <c:pt idx="2">
-                  <c:v>9</c:v>
-                </c:pt>
-                <c:pt idx="3">
-                  <c:v>12</c:v>
-                </c:pt>
-                <c:pt idx="4">
-                  <c:v>15</c:v>
-                </c:pt>
-                <c:pt idx="5">
-                  <c:v>18</c:v>
-                </c:pt>
-                <c:pt idx="6">
-                  <c:v>21</c:v>
-                </c:pt>
-                <c:pt idx="7">
-                  <c:v>24</c:v>
-                </c:pt>
-                <c:pt idx="8">
-                  <c:v>27</c:v>
-                </c:pt>
-                <c:pt idx="9">
-                  <c:v>30</c:v>
-                </c:pt>
-              </c:numCache>
-            </c:numRef>
-          </c:xVal>
-          <c:yVal>
-            <c:numRef>
-              <c:f>Лист1!$D$4:$D$13</c:f>
-              <c:numCache>
-                <c:formatCode>General</c:formatCode>
-                <c:ptCount val="10"/>
-                <c:pt idx="0">
-                  <c:v>0.1</c:v>
-                </c:pt>
-                <c:pt idx="1">
-                  <c:v>0.16</c:v>
-                </c:pt>
-                <c:pt idx="2">
-                  <c:v>0.24000000000000005</c:v>
-                </c:pt>
-                <c:pt idx="3">
-                  <c:v>0.39000000000000012</c:v>
-                </c:pt>
-                <c:pt idx="4">
-                  <c:v>0.62000000000000022</c:v>
-                </c:pt>
-                <c:pt idx="5">
-                  <c:v>0.93</c:v>
-                </c:pt>
-                <c:pt idx="6">
-                  <c:v>1.44</c:v>
-                </c:pt>
-                <c:pt idx="7">
-                  <c:v>2.2000000000000002</c:v>
-                </c:pt>
-                <c:pt idx="8">
-                  <c:v>3.3</c:v>
-                </c:pt>
-                <c:pt idx="9">
-                  <c:v>4.9400000000000004</c:v>
-                </c:pt>
-              </c:numCache>
-            </c:numRef>
-          </c:yVal>
-          <c:smooth val="1"/>
-          <c:extLst>
-            <c:ext xmlns:c16="http://schemas.microsoft.com/office/drawing/2014/chart" uri="{C3380CC4-5D6E-409C-BE32-E72D297353CC}">
-              <c16:uniqueId val="{00000000-DCB9-4964-8F69-919FF85D19B2}"/>
-            </c:ext>
-          </c:extLst>
-        </c:ser>
-        <c:ser>
-          <c:idx val="1"/>
-          <c:order val="1"/>
-          <c:tx>
-            <c:v>Модель </c:v>
-          </c:tx>
-          <c:spPr>
-            <a:ln w="19050" cap="rnd">
-              <a:solidFill>
-                <a:schemeClr val="accent2"/>
-              </a:solidFill>
-              <a:round/>
-            </a:ln>
-            <a:effectLst/>
-          </c:spPr>
-          <c:marker>
-            <c:symbol val="circle"/>
-            <c:size val="5"/>
-            <c:spPr>
-              <a:solidFill>
-                <a:schemeClr val="accent2"/>
-              </a:solidFill>
-              <a:ln w="9525">
-                <a:solidFill>
-                  <a:schemeClr val="accent2"/>
-                </a:solidFill>
-              </a:ln>
-              <a:effectLst/>
-            </c:spPr>
-          </c:marker>
-          <c:xVal>
-            <c:numRef>
-              <c:f>Лист1!$C$64:$C$73</c:f>
-              <c:numCache>
-                <c:formatCode>General</c:formatCode>
-                <c:ptCount val="10"/>
-                <c:pt idx="0">
-                  <c:v>3</c:v>
-                </c:pt>
-                <c:pt idx="1">
-                  <c:v>6</c:v>
-                </c:pt>
-                <c:pt idx="2">
-                  <c:v>9</c:v>
-                </c:pt>
-                <c:pt idx="3">
-                  <c:v>12</c:v>
-                </c:pt>
-                <c:pt idx="4">
-                  <c:v>15</c:v>
-                </c:pt>
-                <c:pt idx="5">
-                  <c:v>18</c:v>
-                </c:pt>
-                <c:pt idx="6">
-                  <c:v>21</c:v>
-                </c:pt>
-                <c:pt idx="7">
-                  <c:v>24</c:v>
-                </c:pt>
-                <c:pt idx="8">
-                  <c:v>27</c:v>
-                </c:pt>
-                <c:pt idx="9">
-                  <c:v>30</c:v>
-                </c:pt>
-              </c:numCache>
-            </c:numRef>
-          </c:xVal>
-          <c:yVal>
-            <c:numRef>
-              <c:f>Лист1!$D$64:$D$73</c:f>
-              <c:numCache>
-                <c:formatCode>0.000</c:formatCode>
-                <c:ptCount val="10"/>
-                <c:pt idx="0">
-                  <c:v>3.6592785075420499E-2</c:v>
-                </c:pt>
-                <c:pt idx="1">
-                  <c:v>0.146371140301682</c:v>
-                </c:pt>
-                <c:pt idx="2">
-                  <c:v>0.32933506567877613</c:v>
-                </c:pt>
-                <c:pt idx="3">
-                  <c:v>0.58548456120672754</c:v>
-                </c:pt>
-                <c:pt idx="4">
-                  <c:v>0.91481962688549723</c:v>
-                </c:pt>
-                <c:pt idx="5">
-                  <c:v>1.3173402627151098</c:v>
-                </c:pt>
-                <c:pt idx="6">
-                  <c:v>1.79304646869567</c:v>
-                </c:pt>
-                <c:pt idx="7">
-                  <c:v>2.341938244826911</c:v>
-                </c:pt>
-                <c:pt idx="8">
-                  <c:v>2.9640155911088693</c:v>
-                </c:pt>
-                <c:pt idx="9">
-                  <c:v>3.6592785075419898</c:v>
-                </c:pt>
-              </c:numCache>
-            </c:numRef>
-          </c:yVal>
-          <c:smooth val="1"/>
-          <c:extLst>
-            <c:ext xmlns:c16="http://schemas.microsoft.com/office/drawing/2014/chart" uri="{C3380CC4-5D6E-409C-BE32-E72D297353CC}">
-              <c16:uniqueId val="{00000001-DCB9-4964-8F69-919FF85D19B2}"/>
-            </c:ext>
-          </c:extLst>
-        </c:ser>
-        <c:dLbls>
-          <c:showLegendKey val="0"/>
-          <c:showVal val="0"/>
-          <c:showCatName val="0"/>
-          <c:showSerName val="0"/>
-          <c:showPercent val="0"/>
-          <c:showBubbleSize val="0"/>
-        </c:dLbls>
-        <c:axId val="-813834912"/>
-        <c:axId val="-813824576"/>
-      </c:scatterChart>
-      <c:valAx>
-        <c:axId val="-813834912"/>
+        <c:axId val="281443168"/>
         <c:scaling>
           <c:orientation val="minMax"/>
         </c:scaling>
@@ -1955,12 +1388,571 @@
             <a:endParaRPr lang="ru-RU"/>
           </a:p>
         </c:txPr>
-        <c:crossAx val="-813824576"/>
+        <c:crossAx val="281443560"/>
         <c:crosses val="autoZero"/>
         <c:crossBetween val="midCat"/>
       </c:valAx>
       <c:valAx>
-        <c:axId val="-813824576"/>
+        <c:axId val="281443560"/>
+        <c:scaling>
+          <c:orientation val="minMax"/>
+        </c:scaling>
+        <c:delete val="0"/>
+        <c:axPos val="l"/>
+        <c:majorGridlines>
+          <c:spPr>
+            <a:ln w="9525" cap="flat" cmpd="sng" algn="ctr">
+              <a:solidFill>
+                <a:schemeClr val="tx1">
+                  <a:lumMod val="15000"/>
+                  <a:lumOff val="85000"/>
+                </a:schemeClr>
+              </a:solidFill>
+              <a:round/>
+            </a:ln>
+            <a:effectLst/>
+          </c:spPr>
+        </c:majorGridlines>
+        <c:minorGridlines>
+          <c:spPr>
+            <a:ln w="9525" cap="flat" cmpd="sng" algn="ctr">
+              <a:solidFill>
+                <a:schemeClr val="tx1">
+                  <a:lumMod val="5000"/>
+                  <a:lumOff val="95000"/>
+                </a:schemeClr>
+              </a:solidFill>
+              <a:round/>
+            </a:ln>
+            <a:effectLst/>
+          </c:spPr>
+        </c:minorGridlines>
+        <c:title>
+          <c:tx>
+            <c:rich>
+              <a:bodyPr rot="-5400000" spcFirstLastPara="1" vertOverflow="ellipsis" vert="horz" wrap="square" anchor="ctr" anchorCtr="1"/>
+              <a:lstStyle/>
+              <a:p>
+                <a:pPr>
+                  <a:defRPr sz="1400" b="0" i="0" u="none" strike="noStrike" kern="1200" baseline="0">
+                    <a:solidFill>
+                      <a:schemeClr val="tx1">
+                        <a:lumMod val="65000"/>
+                        <a:lumOff val="35000"/>
+                      </a:schemeClr>
+                    </a:solidFill>
+                    <a:latin typeface="+mn-lt"/>
+                    <a:ea typeface="+mn-ea"/>
+                    <a:cs typeface="+mn-cs"/>
+                  </a:defRPr>
+                </a:pPr>
+                <a:r>
+                  <a:rPr lang="ru-RU" sz="1400" dirty="0" smtClean="0"/>
+                  <a:t>Отклонение,</a:t>
+                </a:r>
+                <a:r>
+                  <a:rPr lang="ru-RU" sz="1400" baseline="0" dirty="0" smtClean="0"/>
+                  <a:t> </a:t>
+                </a:r>
+                <a:r>
+                  <a:rPr lang="ru-RU" sz="1400" baseline="0" dirty="0"/>
+                  <a:t>мм</a:t>
+                </a:r>
+                <a:endParaRPr lang="ru-RU" sz="1400" dirty="0"/>
+              </a:p>
+            </c:rich>
+          </c:tx>
+          <c:overlay val="0"/>
+          <c:spPr>
+            <a:noFill/>
+            <a:ln>
+              <a:noFill/>
+            </a:ln>
+            <a:effectLst/>
+          </c:spPr>
+        </c:title>
+        <c:numFmt formatCode="0.000" sourceLinked="1"/>
+        <c:majorTickMark val="none"/>
+        <c:minorTickMark val="none"/>
+        <c:tickLblPos val="nextTo"/>
+        <c:spPr>
+          <a:noFill/>
+          <a:ln w="9525" cap="flat" cmpd="sng" algn="ctr">
+            <a:solidFill>
+              <a:schemeClr val="tx1">
+                <a:lumMod val="25000"/>
+                <a:lumOff val="75000"/>
+              </a:schemeClr>
+            </a:solidFill>
+            <a:round/>
+          </a:ln>
+          <a:effectLst/>
+        </c:spPr>
+        <c:txPr>
+          <a:bodyPr rot="-60000000" spcFirstLastPara="1" vertOverflow="ellipsis" vert="horz" wrap="square" anchor="ctr" anchorCtr="1"/>
+          <a:lstStyle/>
+          <a:p>
+            <a:pPr>
+              <a:defRPr sz="1200" b="0" i="0" u="none" strike="noStrike" kern="1200" baseline="0">
+                <a:solidFill>
+                  <a:schemeClr val="tx1">
+                    <a:lumMod val="65000"/>
+                    <a:lumOff val="35000"/>
+                  </a:schemeClr>
+                </a:solidFill>
+                <a:latin typeface="+mn-lt"/>
+                <a:ea typeface="+mn-ea"/>
+                <a:cs typeface="+mn-cs"/>
+              </a:defRPr>
+            </a:pPr>
+            <a:endParaRPr lang="ru-RU"/>
+          </a:p>
+        </c:txPr>
+        <c:crossAx val="281443168"/>
+        <c:crosses val="autoZero"/>
+        <c:crossBetween val="midCat"/>
+      </c:valAx>
+      <c:spPr>
+        <a:noFill/>
+        <a:ln>
+          <a:noFill/>
+        </a:ln>
+        <a:effectLst/>
+      </c:spPr>
+    </c:plotArea>
+    <c:legend>
+      <c:legendPos val="b"/>
+      <c:overlay val="0"/>
+      <c:spPr>
+        <a:noFill/>
+        <a:ln>
+          <a:noFill/>
+        </a:ln>
+        <a:effectLst/>
+      </c:spPr>
+      <c:txPr>
+        <a:bodyPr rot="0" spcFirstLastPara="1" vertOverflow="ellipsis" vert="horz" wrap="square" anchor="ctr" anchorCtr="1"/>
+        <a:lstStyle/>
+        <a:p>
+          <a:pPr>
+            <a:defRPr sz="900" b="0" i="0" u="none" strike="noStrike" kern="1200" baseline="0">
+              <a:solidFill>
+                <a:schemeClr val="tx1">
+                  <a:lumMod val="65000"/>
+                  <a:lumOff val="35000"/>
+                </a:schemeClr>
+              </a:solidFill>
+              <a:latin typeface="+mn-lt"/>
+              <a:ea typeface="+mn-ea"/>
+              <a:cs typeface="+mn-cs"/>
+            </a:defRPr>
+          </a:pPr>
+          <a:endParaRPr lang="ru-RU"/>
+        </a:p>
+      </c:txPr>
+    </c:legend>
+    <c:plotVisOnly val="1"/>
+    <c:dispBlanksAs val="gap"/>
+    <c:showDLblsOverMax val="0"/>
+  </c:chart>
+  <c:spPr>
+    <a:noFill/>
+    <a:ln>
+      <a:noFill/>
+    </a:ln>
+    <a:effectLst/>
+  </c:spPr>
+  <c:txPr>
+    <a:bodyPr/>
+    <a:lstStyle/>
+    <a:p>
+      <a:pPr>
+        <a:defRPr/>
+      </a:pPr>
+      <a:endParaRPr lang="ru-RU"/>
+    </a:p>
+  </c:txPr>
+  <c:externalData r:id="rId1">
+    <c:autoUpdate val="0"/>
+  </c:externalData>
+</c:chartSpace>
+</file>
+
+<file path=ppt/charts/chart3.xml><?xml version="1.0" encoding="utf-8"?>
+<c:chartSpace xmlns:c="http://schemas.openxmlformats.org/drawingml/2006/chart" xmlns:a="http://schemas.openxmlformats.org/drawingml/2006/main" xmlns:r="http://schemas.openxmlformats.org/officeDocument/2006/relationships">
+  <c:date1904 val="0"/>
+  <c:lang val="ru-RU"/>
+  <c:roundedCorners val="0"/>
+  <mc:AlternateContent xmlns:mc="http://schemas.openxmlformats.org/markup-compatibility/2006">
+    <mc:Choice xmlns:c14="http://schemas.microsoft.com/office/drawing/2007/8/2/chart" Requires="c14">
+      <c14:style val="102"/>
+    </mc:Choice>
+    <mc:Fallback>
+      <c:style val="2"/>
+    </mc:Fallback>
+  </mc:AlternateContent>
+  <c:chart>
+    <c:autoTitleDeleted val="1"/>
+    <c:plotArea>
+      <c:layout/>
+      <c:scatterChart>
+        <c:scatterStyle val="smoothMarker"/>
+        <c:varyColors val="0"/>
+        <c:ser>
+          <c:idx val="0"/>
+          <c:order val="0"/>
+          <c:tx>
+            <c:v>Эксперимент</c:v>
+          </c:tx>
+          <c:spPr>
+            <a:ln w="19050" cap="rnd">
+              <a:solidFill>
+                <a:schemeClr val="accent1"/>
+              </a:solidFill>
+              <a:round/>
+            </a:ln>
+            <a:effectLst/>
+          </c:spPr>
+          <c:marker>
+            <c:symbol val="circle"/>
+            <c:size val="5"/>
+            <c:spPr>
+              <a:solidFill>
+                <a:schemeClr val="accent1"/>
+              </a:solidFill>
+              <a:ln w="9525">
+                <a:solidFill>
+                  <a:schemeClr val="accent1"/>
+                </a:solidFill>
+              </a:ln>
+              <a:effectLst/>
+            </c:spPr>
+          </c:marker>
+          <c:xVal>
+            <c:numRef>
+              <c:f>Лист1!$C$4:$C$13</c:f>
+              <c:numCache>
+                <c:formatCode>General</c:formatCode>
+                <c:ptCount val="10"/>
+                <c:pt idx="0">
+                  <c:v>3</c:v>
+                </c:pt>
+                <c:pt idx="1">
+                  <c:v>6</c:v>
+                </c:pt>
+                <c:pt idx="2">
+                  <c:v>9</c:v>
+                </c:pt>
+                <c:pt idx="3">
+                  <c:v>12</c:v>
+                </c:pt>
+                <c:pt idx="4">
+                  <c:v>15</c:v>
+                </c:pt>
+                <c:pt idx="5">
+                  <c:v>18</c:v>
+                </c:pt>
+                <c:pt idx="6">
+                  <c:v>21</c:v>
+                </c:pt>
+                <c:pt idx="7">
+                  <c:v>24</c:v>
+                </c:pt>
+                <c:pt idx="8">
+                  <c:v>27</c:v>
+                </c:pt>
+                <c:pt idx="9">
+                  <c:v>30</c:v>
+                </c:pt>
+              </c:numCache>
+            </c:numRef>
+          </c:xVal>
+          <c:yVal>
+            <c:numRef>
+              <c:f>Лист1!$D$4:$D$13</c:f>
+              <c:numCache>
+                <c:formatCode>General</c:formatCode>
+                <c:ptCount val="10"/>
+                <c:pt idx="0">
+                  <c:v>0.1</c:v>
+                </c:pt>
+                <c:pt idx="1">
+                  <c:v>0.16</c:v>
+                </c:pt>
+                <c:pt idx="2">
+                  <c:v>0.24000000000000005</c:v>
+                </c:pt>
+                <c:pt idx="3">
+                  <c:v>0.39000000000000012</c:v>
+                </c:pt>
+                <c:pt idx="4">
+                  <c:v>0.62000000000000022</c:v>
+                </c:pt>
+                <c:pt idx="5">
+                  <c:v>0.93</c:v>
+                </c:pt>
+                <c:pt idx="6">
+                  <c:v>1.44</c:v>
+                </c:pt>
+                <c:pt idx="7">
+                  <c:v>2.2000000000000002</c:v>
+                </c:pt>
+                <c:pt idx="8">
+                  <c:v>3.3</c:v>
+                </c:pt>
+                <c:pt idx="9">
+                  <c:v>4.9400000000000004</c:v>
+                </c:pt>
+              </c:numCache>
+            </c:numRef>
+          </c:yVal>
+          <c:smooth val="1"/>
+          <c:extLst xmlns:c16r2="http://schemas.microsoft.com/office/drawing/2015/06/chart">
+            <c:ext xmlns:c16="http://schemas.microsoft.com/office/drawing/2014/chart" uri="{C3380CC4-5D6E-409C-BE32-E72D297353CC}">
+              <c16:uniqueId val="{00000000-DCB9-4964-8F69-919FF85D19B2}"/>
+            </c:ext>
+          </c:extLst>
+        </c:ser>
+        <c:ser>
+          <c:idx val="1"/>
+          <c:order val="1"/>
+          <c:tx>
+            <c:v>Модель </c:v>
+          </c:tx>
+          <c:spPr>
+            <a:ln w="19050" cap="rnd">
+              <a:solidFill>
+                <a:schemeClr val="accent2"/>
+              </a:solidFill>
+              <a:round/>
+            </a:ln>
+            <a:effectLst/>
+          </c:spPr>
+          <c:marker>
+            <c:symbol val="circle"/>
+            <c:size val="5"/>
+            <c:spPr>
+              <a:solidFill>
+                <a:schemeClr val="accent2"/>
+              </a:solidFill>
+              <a:ln w="9525">
+                <a:solidFill>
+                  <a:schemeClr val="accent2"/>
+                </a:solidFill>
+              </a:ln>
+              <a:effectLst/>
+            </c:spPr>
+          </c:marker>
+          <c:xVal>
+            <c:numRef>
+              <c:f>Лист1!$C$64:$C$73</c:f>
+              <c:numCache>
+                <c:formatCode>General</c:formatCode>
+                <c:ptCount val="10"/>
+                <c:pt idx="0">
+                  <c:v>3</c:v>
+                </c:pt>
+                <c:pt idx="1">
+                  <c:v>6</c:v>
+                </c:pt>
+                <c:pt idx="2">
+                  <c:v>9</c:v>
+                </c:pt>
+                <c:pt idx="3">
+                  <c:v>12</c:v>
+                </c:pt>
+                <c:pt idx="4">
+                  <c:v>15</c:v>
+                </c:pt>
+                <c:pt idx="5">
+                  <c:v>18</c:v>
+                </c:pt>
+                <c:pt idx="6">
+                  <c:v>21</c:v>
+                </c:pt>
+                <c:pt idx="7">
+                  <c:v>24</c:v>
+                </c:pt>
+                <c:pt idx="8">
+                  <c:v>27</c:v>
+                </c:pt>
+                <c:pt idx="9">
+                  <c:v>30</c:v>
+                </c:pt>
+              </c:numCache>
+            </c:numRef>
+          </c:xVal>
+          <c:yVal>
+            <c:numRef>
+              <c:f>Лист1!$D$64:$D$73</c:f>
+              <c:numCache>
+                <c:formatCode>0.000</c:formatCode>
+                <c:ptCount val="10"/>
+                <c:pt idx="0">
+                  <c:v>3.6592785075420499E-2</c:v>
+                </c:pt>
+                <c:pt idx="1">
+                  <c:v>0.146371140301682</c:v>
+                </c:pt>
+                <c:pt idx="2">
+                  <c:v>0.32933506567877613</c:v>
+                </c:pt>
+                <c:pt idx="3">
+                  <c:v>0.58548456120672754</c:v>
+                </c:pt>
+                <c:pt idx="4">
+                  <c:v>0.91481962688549723</c:v>
+                </c:pt>
+                <c:pt idx="5">
+                  <c:v>1.3173402627151098</c:v>
+                </c:pt>
+                <c:pt idx="6">
+                  <c:v>1.79304646869567</c:v>
+                </c:pt>
+                <c:pt idx="7">
+                  <c:v>2.341938244826911</c:v>
+                </c:pt>
+                <c:pt idx="8">
+                  <c:v>2.9640155911088693</c:v>
+                </c:pt>
+                <c:pt idx="9">
+                  <c:v>3.6592785075419898</c:v>
+                </c:pt>
+              </c:numCache>
+            </c:numRef>
+          </c:yVal>
+          <c:smooth val="1"/>
+          <c:extLst xmlns:c16r2="http://schemas.microsoft.com/office/drawing/2015/06/chart">
+            <c:ext xmlns:c16="http://schemas.microsoft.com/office/drawing/2014/chart" uri="{C3380CC4-5D6E-409C-BE32-E72D297353CC}">
+              <c16:uniqueId val="{00000001-DCB9-4964-8F69-919FF85D19B2}"/>
+            </c:ext>
+          </c:extLst>
+        </c:ser>
+        <c:dLbls>
+          <c:showLegendKey val="0"/>
+          <c:showVal val="0"/>
+          <c:showCatName val="0"/>
+          <c:showSerName val="0"/>
+          <c:showPercent val="0"/>
+          <c:showBubbleSize val="0"/>
+        </c:dLbls>
+        <c:axId val="281444344"/>
+        <c:axId val="281549672"/>
+      </c:scatterChart>
+      <c:valAx>
+        <c:axId val="281444344"/>
+        <c:scaling>
+          <c:orientation val="minMax"/>
+        </c:scaling>
+        <c:delete val="0"/>
+        <c:axPos val="b"/>
+        <c:majorGridlines>
+          <c:spPr>
+            <a:ln w="9525" cap="flat" cmpd="sng" algn="ctr">
+              <a:solidFill>
+                <a:schemeClr val="tx1">
+                  <a:lumMod val="15000"/>
+                  <a:lumOff val="85000"/>
+                </a:schemeClr>
+              </a:solidFill>
+              <a:round/>
+            </a:ln>
+            <a:effectLst/>
+          </c:spPr>
+        </c:majorGridlines>
+        <c:minorGridlines>
+          <c:spPr>
+            <a:ln w="9525" cap="flat" cmpd="sng" algn="ctr">
+              <a:solidFill>
+                <a:schemeClr val="tx1">
+                  <a:lumMod val="5000"/>
+                  <a:lumOff val="95000"/>
+                </a:schemeClr>
+              </a:solidFill>
+              <a:round/>
+            </a:ln>
+            <a:effectLst/>
+          </c:spPr>
+        </c:minorGridlines>
+        <c:title>
+          <c:tx>
+            <c:rich>
+              <a:bodyPr rot="0" spcFirstLastPara="1" vertOverflow="ellipsis" vert="horz" wrap="square" anchor="ctr" anchorCtr="1"/>
+              <a:lstStyle/>
+              <a:p>
+                <a:pPr>
+                  <a:defRPr sz="1400" b="0" i="0" u="none" strike="noStrike" kern="1200" baseline="0">
+                    <a:solidFill>
+                      <a:schemeClr val="tx1">
+                        <a:lumMod val="65000"/>
+                        <a:lumOff val="35000"/>
+                      </a:schemeClr>
+                    </a:solidFill>
+                    <a:latin typeface="+mn-lt"/>
+                    <a:ea typeface="+mn-ea"/>
+                    <a:cs typeface="+mn-cs"/>
+                  </a:defRPr>
+                </a:pPr>
+                <a:r>
+                  <a:rPr lang="ru-RU" sz="1400" baseline="0"/>
+                  <a:t>Скорость, мм/с</a:t>
+                </a:r>
+                <a:endParaRPr lang="ru-RU" sz="1400"/>
+              </a:p>
+            </c:rich>
+          </c:tx>
+          <c:overlay val="0"/>
+          <c:spPr>
+            <a:noFill/>
+            <a:ln>
+              <a:noFill/>
+            </a:ln>
+            <a:effectLst/>
+          </c:spPr>
+        </c:title>
+        <c:numFmt formatCode="General" sourceLinked="1"/>
+        <c:majorTickMark val="none"/>
+        <c:minorTickMark val="none"/>
+        <c:tickLblPos val="nextTo"/>
+        <c:spPr>
+          <a:noFill/>
+          <a:ln w="9525" cap="flat" cmpd="sng" algn="ctr">
+            <a:solidFill>
+              <a:schemeClr val="tx1">
+                <a:lumMod val="25000"/>
+                <a:lumOff val="75000"/>
+              </a:schemeClr>
+            </a:solidFill>
+            <a:round/>
+          </a:ln>
+          <a:effectLst/>
+        </c:spPr>
+        <c:txPr>
+          <a:bodyPr rot="-60000000" spcFirstLastPara="1" vertOverflow="ellipsis" vert="horz" wrap="square" anchor="ctr" anchorCtr="1"/>
+          <a:lstStyle/>
+          <a:p>
+            <a:pPr>
+              <a:defRPr sz="1200" b="0" i="0" u="none" strike="noStrike" kern="1200" baseline="0">
+                <a:solidFill>
+                  <a:schemeClr val="tx1">
+                    <a:lumMod val="65000"/>
+                    <a:lumOff val="35000"/>
+                  </a:schemeClr>
+                </a:solidFill>
+                <a:latin typeface="+mn-lt"/>
+                <a:ea typeface="+mn-ea"/>
+                <a:cs typeface="+mn-cs"/>
+              </a:defRPr>
+            </a:pPr>
+            <a:endParaRPr lang="ru-RU"/>
+          </a:p>
+        </c:txPr>
+        <c:crossAx val="281549672"/>
+        <c:crosses val="autoZero"/>
+        <c:crossBetween val="midCat"/>
+      </c:valAx>
+      <c:valAx>
+        <c:axId val="281549672"/>
         <c:scaling>
           <c:orientation val="minMax"/>
         </c:scaling>
@@ -2075,7 +2067,7 @@
             <a:endParaRPr lang="ru-RU"/>
           </a:p>
         </c:txPr>
-        <c:crossAx val="-813834912"/>
+        <c:crossAx val="281444344"/>
         <c:crosses val="autoZero"/>
         <c:crossBetween val="midCat"/>
       </c:valAx>
@@ -2228,7 +2220,7 @@
             <a:fld id="{2E86FABA-D603-46B8-94C7-F73A40963B6B}" type="datetimeFigureOut">
               <a:rPr lang="ru-RU" smtClean="0"/>
               <a:pPr/>
-              <a:t>09.05.2018</a:t>
+              <a:t>14.05.2018</a:t>
             </a:fld>
             <a:endParaRPr lang="ru-RU" dirty="0"/>
           </a:p>
@@ -4678,15 +4670,7 @@
             </a:pPr>
             <a:r>
               <a:rPr lang="ru-RU" dirty="0" smtClean="0"/>
-              <a:t>Разработана модель, описывающая отклонение иглы при движении в </a:t>
-            </a:r>
-            <a:r>
-              <a:rPr lang="ru-RU" dirty="0" smtClean="0"/>
-              <a:t>тканях человека в </a:t>
-            </a:r>
-            <a:r>
-              <a:rPr lang="ru-RU" dirty="0" smtClean="0"/>
-              <a:t>реальном времени</a:t>
+              <a:t>Разработана модель, описывающая отклонение иглы при движении в тканях человека в реальном времени</a:t>
             </a:r>
             <a:r>
               <a:rPr lang="en-US" dirty="0" smtClean="0"/>
@@ -5641,7 +5625,7 @@
               <a:buNone/>
             </a:pPr>
             <a:r>
-              <a:rPr lang="ru-RU" sz="2400" dirty="0" smtClean="0"/>
+              <a:rPr lang="ru-RU" sz="2200" dirty="0" smtClean="0"/>
               <a:t>Движение по </a:t>
             </a:r>
           </a:p>
@@ -5651,10 +5635,10 @@
               <a:buNone/>
             </a:pPr>
             <a:r>
-              <a:rPr lang="ru-RU" sz="2400" dirty="0" smtClean="0"/>
+              <a:rPr lang="ru-RU" sz="2200" dirty="0" smtClean="0"/>
               <a:t>заданной траектории</a:t>
             </a:r>
-            <a:endParaRPr lang="ru-RU" sz="2400" dirty="0"/>
+            <a:endParaRPr lang="ru-RU" sz="2200" dirty="0"/>
           </a:p>
         </p:txBody>
       </p:sp>
@@ -5666,7 +5650,7 @@
         </p:nvSpPr>
         <p:spPr>
           <a:xfrm>
-            <a:off x="699980" y="3682814"/>
+            <a:off x="467544" y="3682814"/>
             <a:ext cx="4980471" cy="982002"/>
           </a:xfrm>
           <a:prstGeom prst="rightArrowCallout">
@@ -5749,8 +5733,8 @@
         </p:nvSpPr>
         <p:spPr>
           <a:xfrm>
-            <a:off x="5796136" y="5280731"/>
-            <a:ext cx="3052029" cy="725601"/>
+            <a:off x="5629267" y="5177200"/>
+            <a:ext cx="3456384" cy="853802"/>
           </a:xfrm>
           <a:prstGeom prst="rect">
             <a:avLst/>
@@ -5758,7 +5742,7 @@
         </p:spPr>
         <p:txBody>
           <a:bodyPr vert="horz" lIns="91440" tIns="45720" rIns="91440" bIns="45720" rtlCol="0">
-            <a:normAutofit/>
+            <a:noAutofit/>
           </a:bodyPr>
           <a:lstStyle>
             <a:lvl1pPr marL="342900" indent="-342900" algn="l" defTabSz="914400" rtl="0" eaLnBrk="1" latinLnBrk="0" hangingPunct="1">
@@ -5903,7 +5887,7 @@
               <a:buNone/>
             </a:pPr>
             <a:r>
-              <a:rPr lang="ru-RU" sz="1800" dirty="0" smtClean="0"/>
+              <a:rPr lang="ru-RU" sz="2200" dirty="0" smtClean="0"/>
               <a:t>Поступательное движение</a:t>
             </a:r>
           </a:p>
@@ -5913,10 +5897,10 @@
               <a:buNone/>
             </a:pPr>
             <a:r>
-              <a:rPr lang="ru-RU" sz="1800" dirty="0" smtClean="0"/>
+              <a:rPr lang="ru-RU" sz="2200" dirty="0" smtClean="0"/>
               <a:t>Вращательное движение</a:t>
             </a:r>
-            <a:endParaRPr lang="ru-RU" sz="1800" dirty="0"/>
+            <a:endParaRPr lang="ru-RU" sz="2200" dirty="0"/>
           </a:p>
         </p:txBody>
       </p:sp>
@@ -5928,7 +5912,7 @@
         </p:nvSpPr>
         <p:spPr>
           <a:xfrm>
-            <a:off x="683568" y="5152531"/>
+            <a:off x="467544" y="5113100"/>
             <a:ext cx="5012868" cy="982002"/>
           </a:xfrm>
           <a:prstGeom prst="rightArrowCallout">
@@ -6875,8 +6859,8 @@
           </a:p>
         </p:txBody>
       </p:sp>
-      <mc:AlternateContent xmlns:mc="http://schemas.openxmlformats.org/markup-compatibility/2006">
-        <mc:Choice xmlns:a14="http://schemas.microsoft.com/office/drawing/2010/main" Requires="a14">
+      <mc:AlternateContent xmlns:mc="http://schemas.openxmlformats.org/markup-compatibility/2006" xmlns:a14="http://schemas.microsoft.com/office/drawing/2010/main">
+        <mc:Choice Requires="a14">
           <p:sp>
             <p:nvSpPr>
               <p:cNvPr id="3" name="Объект 2"/>
@@ -7023,7 +7007,7 @@
             </p:txBody>
           </p:sp>
         </mc:Choice>
-        <mc:Fallback>
+        <mc:Fallback xmlns="">
           <p:sp>
             <p:nvSpPr>
               <p:cNvPr id="3" name="Объект 2"/>
@@ -7369,7 +7353,7 @@
           <a:graphicData uri="http://schemas.openxmlformats.org/presentationml/2006/ole">
             <mc:AlternateContent xmlns:mc="http://schemas.openxmlformats.org/markup-compatibility/2006">
               <mc:Choice xmlns:v="urn:schemas-microsoft-com:vml" Requires="v">
-                <p:oleObj spid="_x0000_s3101" name="Visio" r:id="rId4" imgW="1514399" imgH="2266950" progId="Visio.Drawing.15">
+                <p:oleObj spid="_x0000_s3104" name="Visio" r:id="rId4" imgW="1514399" imgH="2266950" progId="Visio.Drawing.15">
                   <p:embed/>
                 </p:oleObj>
               </mc:Choice>
@@ -7688,14 +7672,14 @@
                 <a:gridCol w="2502413">
                   <a:extLst>
                     <a:ext uri="{9D8B030D-6E8A-4147-A177-3AD203B41FA5}">
-                      <a16:colId xmlns:a16="http://schemas.microsoft.com/office/drawing/2014/main" val="20000"/>
+                      <a16:colId xmlns:a16="http://schemas.microsoft.com/office/drawing/2014/main" xmlns="" val="20000"/>
                     </a:ext>
                   </a:extLst>
                 </a:gridCol>
                 <a:gridCol w="2498200">
                   <a:extLst>
                     <a:ext uri="{9D8B030D-6E8A-4147-A177-3AD203B41FA5}">
-                      <a16:colId xmlns:a16="http://schemas.microsoft.com/office/drawing/2014/main" val="20001"/>
+                      <a16:colId xmlns:a16="http://schemas.microsoft.com/office/drawing/2014/main" xmlns="" val="20001"/>
                     </a:ext>
                   </a:extLst>
                 </a:gridCol>
@@ -7825,7 +7809,7 @@
                 </a:tc>
                 <a:extLst>
                   <a:ext uri="{0D108BD9-81ED-4DB2-BD59-A6C34878D82A}">
-                    <a16:rowId xmlns:a16="http://schemas.microsoft.com/office/drawing/2014/main" val="10000"/>
+                    <a16:rowId xmlns:a16="http://schemas.microsoft.com/office/drawing/2014/main" xmlns="" val="10000"/>
                   </a:ext>
                 </a:extLst>
               </a:tr>
@@ -7932,7 +7916,7 @@
                 </a:tc>
                 <a:extLst>
                   <a:ext uri="{0D108BD9-81ED-4DB2-BD59-A6C34878D82A}">
-                    <a16:rowId xmlns:a16="http://schemas.microsoft.com/office/drawing/2014/main" val="10001"/>
+                    <a16:rowId xmlns:a16="http://schemas.microsoft.com/office/drawing/2014/main" xmlns="" val="10001"/>
                   </a:ext>
                 </a:extLst>
               </a:tr>
@@ -8817,7 +8801,7 @@
                     <a:gridCol w="5036438">
                       <a:extLst>
                         <a:ext uri="{9D8B030D-6E8A-4147-A177-3AD203B41FA5}">
-                          <a16:colId xmlns:a16="http://schemas.microsoft.com/office/drawing/2014/main" val="20000"/>
+                          <a16:colId xmlns:a16="http://schemas.microsoft.com/office/drawing/2014/main" xmlns="" val="20000"/>
                         </a:ext>
                       </a:extLst>
                     </a:gridCol>
@@ -8890,7 +8874,7 @@
                     </a:tc>
                     <a:extLst>
                       <a:ext uri="{0D108BD9-81ED-4DB2-BD59-A6C34878D82A}">
-                        <a16:rowId xmlns:a16="http://schemas.microsoft.com/office/drawing/2014/main" val="10000"/>
+                        <a16:rowId xmlns:a16="http://schemas.microsoft.com/office/drawing/2014/main" xmlns="" val="10000"/>
                       </a:ext>
                     </a:extLst>
                   </a:tr>
@@ -9276,7 +9260,7 @@
                     </a:tc>
                     <a:extLst>
                       <a:ext uri="{0D108BD9-81ED-4DB2-BD59-A6C34878D82A}">
-                        <a16:rowId xmlns:a16="http://schemas.microsoft.com/office/drawing/2014/main" val="10001"/>
+                        <a16:rowId xmlns:a16="http://schemas.microsoft.com/office/drawing/2014/main" xmlns="" val="10001"/>
                       </a:ext>
                     </a:extLst>
                   </a:tr>
@@ -9542,7 +9526,7 @@
           <a:graphicData uri="http://schemas.openxmlformats.org/presentationml/2006/ole">
             <mc:AlternateContent xmlns:mc="http://schemas.openxmlformats.org/markup-compatibility/2006">
               <mc:Choice xmlns:v="urn:schemas-microsoft-com:vml" Requires="v">
-                <p:oleObj spid="_x0000_s2177" r:id="rId8" imgW="666627" imgH="914400" progId="">
+                <p:oleObj spid="_x0000_s2183" r:id="rId8" imgW="666627" imgH="914400" progId="">
                   <p:embed/>
                 </p:oleObj>
               </mc:Choice>
@@ -9624,14 +9608,14 @@
                 <a:gridCol w="1440160">
                   <a:extLst>
                     <a:ext uri="{9D8B030D-6E8A-4147-A177-3AD203B41FA5}">
-                      <a16:colId xmlns:a16="http://schemas.microsoft.com/office/drawing/2014/main" val="20000"/>
+                      <a16:colId xmlns:a16="http://schemas.microsoft.com/office/drawing/2014/main" xmlns="" val="20000"/>
                     </a:ext>
                   </a:extLst>
                 </a:gridCol>
                 <a:gridCol w="2304256">
                   <a:extLst>
                     <a:ext uri="{9D8B030D-6E8A-4147-A177-3AD203B41FA5}">
-                      <a16:colId xmlns:a16="http://schemas.microsoft.com/office/drawing/2014/main" val="20001"/>
+                      <a16:colId xmlns:a16="http://schemas.microsoft.com/office/drawing/2014/main" xmlns="" val="20001"/>
                     </a:ext>
                   </a:extLst>
                 </a:gridCol>
@@ -9785,7 +9769,7 @@
                 </a:tc>
                 <a:extLst>
                   <a:ext uri="{0D108BD9-81ED-4DB2-BD59-A6C34878D82A}">
-                    <a16:rowId xmlns:a16="http://schemas.microsoft.com/office/drawing/2014/main" val="10000"/>
+                    <a16:rowId xmlns:a16="http://schemas.microsoft.com/office/drawing/2014/main" xmlns="" val="10000"/>
                   </a:ext>
                 </a:extLst>
               </a:tr>
@@ -9936,7 +9920,7 @@
                 </a:tc>
                 <a:extLst>
                   <a:ext uri="{0D108BD9-81ED-4DB2-BD59-A6C34878D82A}">
-                    <a16:rowId xmlns:a16="http://schemas.microsoft.com/office/drawing/2014/main" val="10001"/>
+                    <a16:rowId xmlns:a16="http://schemas.microsoft.com/office/drawing/2014/main" xmlns="" val="10001"/>
                   </a:ext>
                 </a:extLst>
               </a:tr>
@@ -10116,7 +10100,7 @@
                 </a:tc>
                 <a:extLst>
                   <a:ext uri="{0D108BD9-81ED-4DB2-BD59-A6C34878D82A}">
-                    <a16:rowId xmlns:a16="http://schemas.microsoft.com/office/drawing/2014/main" val="10002"/>
+                    <a16:rowId xmlns:a16="http://schemas.microsoft.com/office/drawing/2014/main" xmlns="" val="10002"/>
                   </a:ext>
                 </a:extLst>
               </a:tr>
@@ -10296,7 +10280,7 @@
                 </a:tc>
                 <a:extLst>
                   <a:ext uri="{0D108BD9-81ED-4DB2-BD59-A6C34878D82A}">
-                    <a16:rowId xmlns:a16="http://schemas.microsoft.com/office/drawing/2014/main" val="10003"/>
+                    <a16:rowId xmlns:a16="http://schemas.microsoft.com/office/drawing/2014/main" xmlns="" val="10003"/>
                   </a:ext>
                 </a:extLst>
               </a:tr>
@@ -10476,7 +10460,7 @@
                 </a:tc>
                 <a:extLst>
                   <a:ext uri="{0D108BD9-81ED-4DB2-BD59-A6C34878D82A}">
-                    <a16:rowId xmlns:a16="http://schemas.microsoft.com/office/drawing/2014/main" val="10004"/>
+                    <a16:rowId xmlns:a16="http://schemas.microsoft.com/office/drawing/2014/main" xmlns="" val="10004"/>
                   </a:ext>
                 </a:extLst>
               </a:tr>
@@ -10855,7 +10839,7 @@
           <a:graphicData uri="http://schemas.openxmlformats.org/presentationml/2006/ole">
             <mc:AlternateContent xmlns:mc="http://schemas.openxmlformats.org/markup-compatibility/2006">
               <mc:Choice xmlns:v="urn:schemas-microsoft-com:vml" Requires="v">
-                <p:oleObj spid="_x0000_s2178" name="Visio" r:id="rId11" imgW="1514399" imgH="2219498" progId="Visio.Drawing.15">
+                <p:oleObj spid="_x0000_s2184" name="Visio" r:id="rId11" imgW="1514399" imgH="2219498" progId="Visio.Drawing.15">
                   <p:embed/>
                 </p:oleObj>
               </mc:Choice>

--- a/Dissertacia/MyWork/DocWork/Модель деформируемого объекта управления.pptx
+++ b/Dissertacia/MyWork/DocWork/Модель деформируемого объекта управления.pptx
@@ -5,7 +5,7 @@
     <p:sldMasterId id="2147483648" r:id="rId1"/>
   </p:sldMasterIdLst>
   <p:notesMasterIdLst>
-    <p:notesMasterId r:id="rId17"/>
+    <p:notesMasterId r:id="rId16"/>
   </p:notesMasterIdLst>
   <p:sldIdLst>
     <p:sldId id="280" r:id="rId2"/>
@@ -22,7 +22,6 @@
     <p:sldId id="292" r:id="rId13"/>
     <p:sldId id="289" r:id="rId14"/>
     <p:sldId id="278" r:id="rId15"/>
-    <p:sldId id="290" r:id="rId16"/>
   </p:sldIdLst>
   <p:sldSz cx="9144000" cy="6858000" type="screen4x3"/>
   <p:notesSz cx="6858000" cy="9144000"/>
@@ -192,6 +191,7 @@
           </a:p>
         </c:rich>
       </c:tx>
+      <c:layout/>
       <c:overlay val="0"/>
       <c:spPr>
         <a:noFill/>
@@ -560,11 +560,11 @@
           <c:showPercent val="0"/>
           <c:showBubbleSize val="0"/>
         </c:dLbls>
-        <c:axId val="280832728"/>
-        <c:axId val="280833120"/>
+        <c:axId val="302705456"/>
+        <c:axId val="302705848"/>
       </c:scatterChart>
       <c:valAx>
-        <c:axId val="280832728"/>
+        <c:axId val="302705456"/>
         <c:scaling>
           <c:orientation val="minMax"/>
         </c:scaling>
@@ -624,6 +624,7 @@
               </a:p>
             </c:rich>
           </c:tx>
+          <c:layout/>
           <c:overlay val="0"/>
           <c:spPr>
             <a:noFill/>
@@ -670,12 +671,12 @@
             <a:endParaRPr lang="ru-RU"/>
           </a:p>
         </c:txPr>
-        <c:crossAx val="280833120"/>
+        <c:crossAx val="302705848"/>
         <c:crosses val="autoZero"/>
         <c:crossBetween val="midCat"/>
       </c:valAx>
       <c:valAx>
-        <c:axId val="280833120"/>
+        <c:axId val="302705848"/>
         <c:scaling>
           <c:orientation val="minMax"/>
           <c:max val="4"/>
@@ -740,6 +741,7 @@
               </a:p>
             </c:rich>
           </c:tx>
+          <c:layout/>
           <c:overlay val="0"/>
           <c:spPr>
             <a:noFill/>
@@ -786,7 +788,7 @@
             <a:endParaRPr lang="ru-RU"/>
           </a:p>
         </c:txPr>
-        <c:crossAx val="280832728"/>
+        <c:crossAx val="302705456"/>
         <c:crosses val="autoZero"/>
         <c:crossBetween val="midCat"/>
       </c:valAx>
@@ -800,6 +802,7 @@
     </c:plotArea>
     <c:legend>
       <c:legendPos val="b"/>
+      <c:layout/>
       <c:overlay val="0"/>
       <c:spPr>
         <a:noFill/>
@@ -909,6 +912,7 @@
           </a:p>
         </c:rich>
       </c:tx>
+      <c:layout/>
       <c:overlay val="0"/>
       <c:spPr>
         <a:noFill/>
@@ -1277,11 +1281,11 @@
           <c:showPercent val="0"/>
           <c:showBubbleSize val="0"/>
         </c:dLbls>
-        <c:axId val="281443168"/>
-        <c:axId val="281443560"/>
+        <c:axId val="302706632"/>
+        <c:axId val="302707024"/>
       </c:scatterChart>
       <c:valAx>
-        <c:axId val="281443168"/>
+        <c:axId val="302706632"/>
         <c:scaling>
           <c:orientation val="minMax"/>
         </c:scaling>
@@ -1342,6 +1346,7 @@
               </a:p>
             </c:rich>
           </c:tx>
+          <c:layout/>
           <c:overlay val="0"/>
           <c:spPr>
             <a:noFill/>
@@ -1388,12 +1393,12 @@
             <a:endParaRPr lang="ru-RU"/>
           </a:p>
         </c:txPr>
-        <c:crossAx val="281443560"/>
+        <c:crossAx val="302707024"/>
         <c:crosses val="autoZero"/>
         <c:crossBetween val="midCat"/>
       </c:valAx>
       <c:valAx>
-        <c:axId val="281443560"/>
+        <c:axId val="302707024"/>
         <c:scaling>
           <c:orientation val="minMax"/>
         </c:scaling>
@@ -1462,6 +1467,7 @@
               </a:p>
             </c:rich>
           </c:tx>
+          <c:layout/>
           <c:overlay val="0"/>
           <c:spPr>
             <a:noFill/>
@@ -1508,7 +1514,7 @@
             <a:endParaRPr lang="ru-RU"/>
           </a:p>
         </c:txPr>
-        <c:crossAx val="281443168"/>
+        <c:crossAx val="302706632"/>
         <c:crosses val="autoZero"/>
         <c:crossBetween val="midCat"/>
       </c:valAx>
@@ -1522,6 +1528,7 @@
     </c:plotArea>
     <c:legend>
       <c:legendPos val="b"/>
+      <c:layout/>
       <c:overlay val="0"/>
       <c:spPr>
         <a:noFill/>
@@ -1836,11 +1843,11 @@
           <c:showPercent val="0"/>
           <c:showBubbleSize val="0"/>
         </c:dLbls>
-        <c:axId val="281444344"/>
-        <c:axId val="281549672"/>
+        <c:axId val="302707808"/>
+        <c:axId val="302708200"/>
       </c:scatterChart>
       <c:valAx>
-        <c:axId val="281444344"/>
+        <c:axId val="302707808"/>
         <c:scaling>
           <c:orientation val="minMax"/>
         </c:scaling>
@@ -1901,6 +1908,7 @@
               </a:p>
             </c:rich>
           </c:tx>
+          <c:layout/>
           <c:overlay val="0"/>
           <c:spPr>
             <a:noFill/>
@@ -1947,12 +1955,12 @@
             <a:endParaRPr lang="ru-RU"/>
           </a:p>
         </c:txPr>
-        <c:crossAx val="281549672"/>
+        <c:crossAx val="302708200"/>
         <c:crosses val="autoZero"/>
         <c:crossBetween val="midCat"/>
       </c:valAx>
       <c:valAx>
-        <c:axId val="281549672"/>
+        <c:axId val="302708200"/>
         <c:scaling>
           <c:orientation val="minMax"/>
         </c:scaling>
@@ -2021,6 +2029,7 @@
               </a:p>
             </c:rich>
           </c:tx>
+          <c:layout/>
           <c:overlay val="0"/>
           <c:spPr>
             <a:noFill/>
@@ -2067,7 +2076,7 @@
             <a:endParaRPr lang="ru-RU"/>
           </a:p>
         </c:txPr>
-        <c:crossAx val="281444344"/>
+        <c:crossAx val="302707808"/>
         <c:crosses val="autoZero"/>
         <c:crossBetween val="midCat"/>
       </c:valAx>
@@ -2081,6 +2090,7 @@
     </c:plotArea>
     <c:legend>
       <c:legendPos val="b"/>
+      <c:layout/>
       <c:overlay val="0"/>
       <c:spPr>
         <a:noFill/>
@@ -2220,7 +2230,7 @@
             <a:fld id="{2E86FABA-D603-46B8-94C7-F73A40963B6B}" type="datetimeFigureOut">
               <a:rPr lang="ru-RU" smtClean="0"/>
               <a:pPr/>
-              <a:t>14.05.2018</a:t>
+              <a:t>04.06.2018</a:t>
             </a:fld>
             <a:endParaRPr lang="ru-RU" dirty="0"/>
           </a:p>
@@ -4705,6 +4715,7 @@
               <a:rPr lang="ru-RU" dirty="0" smtClean="0"/>
               <a:t>В результате сравнения экспериментальных данных и результатов моделирования было показано, что данная модель после доработки, может быть использована для корректировки робототехнического комплекса </a:t>
             </a:r>
+            <a:endParaRPr lang="ru-RU" dirty="0" smtClean="0"/>
           </a:p>
         </p:txBody>
       </p:sp>
@@ -4906,130 +4917,6 @@
     <p:extLst>
       <p:ext uri="{BB962C8B-B14F-4D97-AF65-F5344CB8AC3E}">
         <p14:creationId xmlns:p14="http://schemas.microsoft.com/office/powerpoint/2010/main" val="1430061642"/>
-      </p:ext>
-    </p:extLst>
-  </p:cSld>
-  <p:clrMapOvr>
-    <a:masterClrMapping/>
-  </p:clrMapOvr>
-  <p:timing>
-    <p:tnLst>
-      <p:par>
-        <p:cTn id="1" dur="indefinite" restart="never" nodeType="tmRoot"/>
-      </p:par>
-    </p:tnLst>
-  </p:timing>
-</p:sld>
-</file>
-
-<file path=ppt/slides/slide15.xml><?xml version="1.0" encoding="utf-8"?>
-<p:sld xmlns:a="http://schemas.openxmlformats.org/drawingml/2006/main" xmlns:r="http://schemas.openxmlformats.org/officeDocument/2006/relationships" xmlns:p="http://schemas.openxmlformats.org/presentationml/2006/main">
-  <p:cSld>
-    <p:spTree>
-      <p:nvGrpSpPr>
-        <p:cNvPr id="1" name=""/>
-        <p:cNvGrpSpPr/>
-        <p:nvPr/>
-      </p:nvGrpSpPr>
-      <p:grpSpPr>
-        <a:xfrm>
-          <a:off x="0" y="0"/>
-          <a:ext cx="0" cy="0"/>
-          <a:chOff x="0" y="0"/>
-          <a:chExt cx="0" cy="0"/>
-        </a:xfrm>
-      </p:grpSpPr>
-      <p:sp>
-        <p:nvSpPr>
-          <p:cNvPr id="2" name="Заголовок 1"/>
-          <p:cNvSpPr>
-            <a:spLocks noGrp="1"/>
-          </p:cNvSpPr>
-          <p:nvPr>
-            <p:ph type="title"/>
-          </p:nvPr>
-        </p:nvSpPr>
-        <p:spPr/>
-        <p:txBody>
-          <a:bodyPr>
-            <a:normAutofit fontScale="90000"/>
-          </a:bodyPr>
-          <a:lstStyle/>
-          <a:p>
-            <a:r>
-              <a:rPr lang="ru-RU" dirty="0" smtClean="0"/>
-              <a:t>Публикации</a:t>
-            </a:r>
-            <a:br>
-              <a:rPr lang="ru-RU" dirty="0" smtClean="0"/>
-            </a:br>
-            <a:r>
-              <a:rPr lang="ru-RU" dirty="0" smtClean="0"/>
-              <a:t>Сотрудничество с </a:t>
-            </a:r>
-            <a:r>
-              <a:rPr lang="ru-RU" dirty="0" err="1" smtClean="0"/>
-              <a:t>цнии</a:t>
-            </a:r>
-            <a:r>
-              <a:rPr lang="ru-RU" dirty="0" smtClean="0"/>
-              <a:t> </a:t>
-            </a:r>
-            <a:r>
-              <a:rPr lang="ru-RU" dirty="0" err="1" smtClean="0"/>
-              <a:t>ртк</a:t>
-            </a:r>
-            <a:endParaRPr lang="ru-RU" dirty="0"/>
-          </a:p>
-        </p:txBody>
-      </p:sp>
-      <p:sp>
-        <p:nvSpPr>
-          <p:cNvPr id="3" name="Объект 2"/>
-          <p:cNvSpPr>
-            <a:spLocks noGrp="1"/>
-          </p:cNvSpPr>
-          <p:nvPr>
-            <p:ph idx="1"/>
-          </p:nvPr>
-        </p:nvSpPr>
-        <p:spPr/>
-        <p:txBody>
-          <a:bodyPr/>
-          <a:lstStyle/>
-          <a:p>
-            <a:endParaRPr lang="ru-RU" dirty="0"/>
-          </a:p>
-        </p:txBody>
-      </p:sp>
-      <p:sp>
-        <p:nvSpPr>
-          <p:cNvPr id="4" name="Номер слайда 3"/>
-          <p:cNvSpPr>
-            <a:spLocks noGrp="1"/>
-          </p:cNvSpPr>
-          <p:nvPr>
-            <p:ph type="sldNum" sz="quarter" idx="12"/>
-          </p:nvPr>
-        </p:nvSpPr>
-        <p:spPr/>
-        <p:txBody>
-          <a:bodyPr/>
-          <a:lstStyle/>
-          <a:p>
-            <a:fld id="{B6743867-4E32-4E2D-8739-58246E7E28D2}" type="slidenum">
-              <a:rPr lang="ru-RU" smtClean="0"/>
-              <a:pPr/>
-              <a:t>15</a:t>
-            </a:fld>
-            <a:endParaRPr lang="ru-RU" dirty="0"/>
-          </a:p>
-        </p:txBody>
-      </p:sp>
-    </p:spTree>
-    <p:extLst>
-      <p:ext uri="{BB962C8B-B14F-4D97-AF65-F5344CB8AC3E}">
-        <p14:creationId xmlns:p14="http://schemas.microsoft.com/office/powerpoint/2010/main" val="1206948750"/>
       </p:ext>
     </p:extLst>
   </p:cSld>
@@ -5453,8 +5340,8 @@
         </p:blipFill>
         <p:spPr>
           <a:xfrm>
-            <a:off x="1331640" y="1295272"/>
-            <a:ext cx="6450508" cy="1963198"/>
+            <a:off x="1627479" y="2034414"/>
+            <a:ext cx="5946452" cy="1809790"/>
           </a:xfrm>
           <a:prstGeom prst="rect">
             <a:avLst/>
@@ -5471,8 +5358,8 @@
         </p:nvSpPr>
         <p:spPr>
           <a:xfrm>
-            <a:off x="5712848" y="3681954"/>
-            <a:ext cx="3052029" cy="982862"/>
+            <a:off x="5436096" y="4175197"/>
+            <a:ext cx="3052029" cy="771487"/>
           </a:xfrm>
           <a:prstGeom prst="rect">
             <a:avLst/>
@@ -5625,7 +5512,7 @@
               <a:buNone/>
             </a:pPr>
             <a:r>
-              <a:rPr lang="ru-RU" sz="2200" dirty="0" smtClean="0"/>
+              <a:rPr lang="ru-RU" sz="2000" dirty="0" smtClean="0"/>
               <a:t>Движение по </a:t>
             </a:r>
           </a:p>
@@ -5635,10 +5522,10 @@
               <a:buNone/>
             </a:pPr>
             <a:r>
-              <a:rPr lang="ru-RU" sz="2200" dirty="0" smtClean="0"/>
+              <a:rPr lang="ru-RU" sz="2000" dirty="0" smtClean="0"/>
               <a:t>заданной траектории</a:t>
             </a:r>
-            <a:endParaRPr lang="ru-RU" sz="2200" dirty="0"/>
+            <a:endParaRPr lang="ru-RU" sz="2000" dirty="0"/>
           </a:p>
         </p:txBody>
       </p:sp>
@@ -5650,8 +5537,8 @@
         </p:nvSpPr>
         <p:spPr>
           <a:xfrm>
-            <a:off x="467544" y="3682814"/>
-            <a:ext cx="4980471" cy="982002"/>
+            <a:off x="1115616" y="4082210"/>
+            <a:ext cx="4015681" cy="838846"/>
           </a:xfrm>
           <a:prstGeom prst="rightArrowCallout">
             <a:avLst>
@@ -5689,7 +5576,7 @@
           <a:p>
             <a:pPr algn="ctr"/>
             <a:r>
-              <a:rPr lang="ru-RU" sz="2400" dirty="0">
+              <a:rPr lang="ru-RU" sz="2000" dirty="0">
                 <a:solidFill>
                   <a:schemeClr val="tx1"/>
                 </a:solidFill>
@@ -5697,14 +5584,14 @@
               <a:t>Поступательное </a:t>
             </a:r>
             <a:r>
-              <a:rPr lang="ru-RU" sz="2400" dirty="0" smtClean="0">
+              <a:rPr lang="ru-RU" sz="2000" dirty="0" smtClean="0">
                 <a:solidFill>
                   <a:schemeClr val="tx1"/>
                 </a:solidFill>
               </a:rPr>
               <a:t>движение,</a:t>
             </a:r>
-            <a:endParaRPr lang="ru-RU" sz="2400" dirty="0">
+            <a:endParaRPr lang="ru-RU" sz="2000" dirty="0">
               <a:solidFill>
                 <a:schemeClr val="tx1"/>
               </a:solidFill>
@@ -5713,7 +5600,7 @@
           <a:p>
             <a:pPr algn="ctr"/>
             <a:r>
-              <a:rPr lang="ru-RU" sz="2400" dirty="0">
+              <a:rPr lang="ru-RU" sz="2000" dirty="0">
                 <a:solidFill>
                   <a:schemeClr val="tx1"/>
                 </a:solidFill>
@@ -5733,7 +5620,7 @@
         </p:nvSpPr>
         <p:spPr>
           <a:xfrm>
-            <a:off x="5629267" y="5177200"/>
+            <a:off x="5341235" y="5182338"/>
             <a:ext cx="3456384" cy="853802"/>
           </a:xfrm>
           <a:prstGeom prst="rect">
@@ -5887,7 +5774,7 @@
               <a:buNone/>
             </a:pPr>
             <a:r>
-              <a:rPr lang="ru-RU" sz="2200" dirty="0" smtClean="0"/>
+              <a:rPr lang="ru-RU" sz="2000" dirty="0" smtClean="0"/>
               <a:t>Поступательное движение</a:t>
             </a:r>
           </a:p>
@@ -5897,10 +5784,10 @@
               <a:buNone/>
             </a:pPr>
             <a:r>
-              <a:rPr lang="ru-RU" sz="2200" dirty="0" smtClean="0"/>
+              <a:rPr lang="ru-RU" sz="2000" dirty="0" smtClean="0"/>
               <a:t>Вращательное движение</a:t>
             </a:r>
-            <a:endParaRPr lang="ru-RU" sz="2200" dirty="0"/>
+            <a:endParaRPr lang="ru-RU" sz="2000" dirty="0"/>
           </a:p>
         </p:txBody>
       </p:sp>
@@ -5912,8 +5799,8 @@
         </p:nvSpPr>
         <p:spPr>
           <a:xfrm>
-            <a:off x="467544" y="5113100"/>
-            <a:ext cx="5012868" cy="982002"/>
+            <a:off x="1115616" y="5306346"/>
+            <a:ext cx="4044367" cy="805994"/>
           </a:xfrm>
           <a:prstGeom prst="rightArrowCallout">
             <a:avLst>
@@ -5951,18 +5838,52 @@
           <a:p>
             <a:pPr algn="ctr"/>
             <a:r>
-              <a:rPr lang="ru-RU" sz="2400" dirty="0" smtClean="0">
+              <a:rPr lang="ru-RU" sz="2000" dirty="0" smtClean="0">
                 <a:solidFill>
                   <a:schemeClr val="tx1"/>
                 </a:solidFill>
               </a:rPr>
               <a:t>Заданная траектория</a:t>
             </a:r>
-            <a:endParaRPr lang="ru-RU" sz="2400" dirty="0">
+            <a:endParaRPr lang="ru-RU" sz="2000" dirty="0">
               <a:solidFill>
                 <a:schemeClr val="tx1"/>
               </a:solidFill>
             </a:endParaRPr>
+          </a:p>
+        </p:txBody>
+      </p:sp>
+      <p:sp>
+        <p:nvSpPr>
+          <p:cNvPr id="3" name="Прямоугольник 2"/>
+          <p:cNvSpPr/>
+          <p:nvPr/>
+        </p:nvSpPr>
+        <p:spPr>
+          <a:xfrm>
+            <a:off x="236922" y="1150077"/>
+            <a:ext cx="8727566" cy="646331"/>
+          </a:xfrm>
+          <a:prstGeom prst="rect">
+            <a:avLst/>
+          </a:prstGeom>
+        </p:spPr>
+        <p:txBody>
+          <a:bodyPr wrap="square">
+            <a:spAutoFit/>
+          </a:bodyPr>
+          <a:lstStyle/>
+          <a:p>
+            <a:pPr algn="just"/>
+            <a:r>
+              <a:rPr lang="ru-RU" b="1" dirty="0"/>
+              <a:t>Цель: </a:t>
+            </a:r>
+            <a:r>
+              <a:rPr lang="ru-RU" dirty="0"/>
+              <a:t>расчёт и прогнозирование отклонения иглы от прямолинейного движения при перемещении иглы в мягких тканях пациента в режиме реального времени.</a:t>
+            </a:r>
+            <a:endParaRPr lang="ru-RU" dirty="0"/>
           </a:p>
         </p:txBody>
       </p:sp>
@@ -7353,7 +7274,7 @@
           <a:graphicData uri="http://schemas.openxmlformats.org/presentationml/2006/ole">
             <mc:AlternateContent xmlns:mc="http://schemas.openxmlformats.org/markup-compatibility/2006">
               <mc:Choice xmlns:v="urn:schemas-microsoft-com:vml" Requires="v">
-                <p:oleObj spid="_x0000_s3104" name="Visio" r:id="rId4" imgW="1514399" imgH="2266950" progId="Visio.Drawing.15">
+                <p:oleObj spid="_x0000_s3114" name="Visio" r:id="rId4" imgW="1514399" imgH="2266950" progId="Visio.Drawing.15">
                   <p:embed/>
                 </p:oleObj>
               </mc:Choice>
@@ -7653,14 +7574,14 @@
           <p:nvPr>
             <p:extLst>
               <p:ext uri="{D42A27DB-BD31-4B8C-83A1-F6EECF244321}">
-                <p14:modId xmlns:p14="http://schemas.microsoft.com/office/powerpoint/2010/main" val="3570899145"/>
+                <p14:modId xmlns:p14="http://schemas.microsoft.com/office/powerpoint/2010/main" val="1400197984"/>
               </p:ext>
             </p:extLst>
           </p:nvPr>
         </p:nvGraphicFramePr>
         <p:xfrm>
-          <a:off x="3949038" y="1028758"/>
-          <a:ext cx="5000613" cy="2900130"/>
+          <a:off x="3958538" y="1018383"/>
+          <a:ext cx="5000613" cy="2582435"/>
         </p:xfrm>
         <a:graphic>
           <a:graphicData uri="http://schemas.openxmlformats.org/drawingml/2006/table">
@@ -7672,19 +7593,19 @@
                 <a:gridCol w="2502413">
                   <a:extLst>
                     <a:ext uri="{9D8B030D-6E8A-4147-A177-3AD203B41FA5}">
-                      <a16:colId xmlns:a16="http://schemas.microsoft.com/office/drawing/2014/main" xmlns="" val="20000"/>
+                      <a16:colId xmlns="" xmlns:a16="http://schemas.microsoft.com/office/drawing/2014/main" val="20000"/>
                     </a:ext>
                   </a:extLst>
                 </a:gridCol>
                 <a:gridCol w="2498200">
                   <a:extLst>
                     <a:ext uri="{9D8B030D-6E8A-4147-A177-3AD203B41FA5}">
-                      <a16:colId xmlns:a16="http://schemas.microsoft.com/office/drawing/2014/main" xmlns="" val="20001"/>
+                      <a16:colId xmlns="" xmlns:a16="http://schemas.microsoft.com/office/drawing/2014/main" val="20001"/>
                     </a:ext>
                   </a:extLst>
                 </a:gridCol>
               </a:tblGrid>
-              <a:tr h="600042">
+              <a:tr h="322385">
                 <a:tc>
                   <a:txBody>
                     <a:bodyPr/>
@@ -7692,14 +7613,14 @@
                     <a:p>
                       <a:pPr algn="ctr"/>
                       <a:r>
-                        <a:rPr lang="ru-RU" dirty="0" smtClean="0"/>
+                        <a:rPr lang="ru-RU" sz="1400" dirty="0" smtClean="0"/>
                         <a:t>Расчет</a:t>
                       </a:r>
                       <a:r>
-                        <a:rPr lang="ru-RU" baseline="0" dirty="0" smtClean="0"/>
+                        <a:rPr lang="ru-RU" sz="1400" baseline="0" dirty="0" smtClean="0"/>
                         <a:t> отклонения</a:t>
                       </a:r>
-                      <a:endParaRPr lang="ru-RU" dirty="0"/>
+                      <a:endParaRPr lang="ru-RU" sz="1400" dirty="0"/>
                     </a:p>
                   </a:txBody>
                   <a:tcPr>
@@ -7753,14 +7674,14 @@
                     <a:p>
                       <a:pPr algn="ctr"/>
                       <a:r>
-                        <a:rPr lang="ru-RU" dirty="0" smtClean="0"/>
+                        <a:rPr lang="ru-RU" sz="1400" dirty="0" smtClean="0"/>
                         <a:t>Воздействие</a:t>
                       </a:r>
                       <a:r>
-                        <a:rPr lang="ru-RU" baseline="0" dirty="0" smtClean="0"/>
+                        <a:rPr lang="ru-RU" sz="1400" baseline="0" dirty="0" smtClean="0"/>
                         <a:t> внешней среды</a:t>
                       </a:r>
-                      <a:endParaRPr lang="ru-RU" dirty="0"/>
+                      <a:endParaRPr lang="ru-RU" sz="1400" dirty="0"/>
                     </a:p>
                   </a:txBody>
                   <a:tcPr>
@@ -7809,7 +7730,7 @@
                 </a:tc>
                 <a:extLst>
                   <a:ext uri="{0D108BD9-81ED-4DB2-BD59-A6C34878D82A}">
-                    <a16:rowId xmlns:a16="http://schemas.microsoft.com/office/drawing/2014/main" xmlns="" val="10000"/>
+                    <a16:rowId xmlns="" xmlns:a16="http://schemas.microsoft.com/office/drawing/2014/main" val="10000"/>
                   </a:ext>
                 </a:extLst>
               </a:tr>
@@ -7916,7 +7837,7 @@
                 </a:tc>
                 <a:extLst>
                   <a:ext uri="{0D108BD9-81ED-4DB2-BD59-A6C34878D82A}">
-                    <a16:rowId xmlns:a16="http://schemas.microsoft.com/office/drawing/2014/main" xmlns="" val="10001"/>
+                    <a16:rowId xmlns="" xmlns:a16="http://schemas.microsoft.com/office/drawing/2014/main" val="10001"/>
                   </a:ext>
                 </a:extLst>
               </a:tr>
@@ -7924,8 +7845,8 @@
           </a:graphicData>
         </a:graphic>
       </p:graphicFrame>
-      <mc:AlternateContent xmlns:mc="http://schemas.openxmlformats.org/markup-compatibility/2006" xmlns:a14="http://schemas.microsoft.com/office/drawing/2010/main">
-        <mc:Choice Requires="a14">
+      <mc:AlternateContent xmlns:mc="http://schemas.openxmlformats.org/markup-compatibility/2006">
+        <mc:Choice xmlns:a14="http://schemas.microsoft.com/office/drawing/2010/main" Requires="a14">
           <p:sp>
             <p:nvSpPr>
               <p:cNvPr id="9" name="Прямоугольник 8"/>
@@ -7934,7 +7855,7 @@
             </p:nvSpPr>
             <p:spPr>
               <a:xfrm>
-                <a:off x="4160610" y="1633758"/>
+                <a:off x="4137917" y="1328567"/>
                 <a:ext cx="2429436" cy="760914"/>
               </a:xfrm>
               <a:prstGeom prst="rect">
@@ -8104,7 +8025,7 @@
             </p:txBody>
           </p:sp>
         </mc:Choice>
-        <mc:Fallback xmlns="">
+        <mc:Fallback>
           <p:sp>
             <p:nvSpPr>
               <p:cNvPr id="9" name="Прямоугольник 8"/>
@@ -8115,7 +8036,7 @@
             </p:nvSpPr>
             <p:spPr>
               <a:xfrm>
-                <a:off x="4160610" y="1633758"/>
+                <a:off x="4137917" y="1328567"/>
                 <a:ext cx="2429436" cy="760914"/>
               </a:xfrm>
               <a:prstGeom prst="rect">
@@ -8143,8 +8064,8 @@
           </p:sp>
         </mc:Fallback>
       </mc:AlternateContent>
-      <mc:AlternateContent xmlns:mc="http://schemas.openxmlformats.org/markup-compatibility/2006" xmlns:a14="http://schemas.microsoft.com/office/drawing/2010/main">
-        <mc:Choice Requires="a14">
+      <mc:AlternateContent xmlns:mc="http://schemas.openxmlformats.org/markup-compatibility/2006">
+        <mc:Choice xmlns:a14="http://schemas.microsoft.com/office/drawing/2010/main" Requires="a14">
           <p:sp>
             <p:nvSpPr>
               <p:cNvPr id="10" name="Прямоугольник 9"/>
@@ -8153,7 +8074,7 @@
             </p:nvSpPr>
             <p:spPr>
               <a:xfrm>
-                <a:off x="4160610" y="2344121"/>
+                <a:off x="4117445" y="1970874"/>
                 <a:ext cx="2425892" cy="646331"/>
               </a:xfrm>
               <a:prstGeom prst="rect">
@@ -8298,7 +8219,7 @@
             </p:txBody>
           </p:sp>
         </mc:Choice>
-        <mc:Fallback xmlns="">
+        <mc:Fallback>
           <p:sp>
             <p:nvSpPr>
               <p:cNvPr id="10" name="Прямоугольник 9"/>
@@ -8309,7 +8230,7 @@
             </p:nvSpPr>
             <p:spPr>
               <a:xfrm>
-                <a:off x="4160610" y="2344121"/>
+                <a:off x="4117445" y="1970874"/>
                 <a:ext cx="2425892" cy="646331"/>
               </a:xfrm>
               <a:prstGeom prst="rect">
@@ -8337,8 +8258,8 @@
           </p:sp>
         </mc:Fallback>
       </mc:AlternateContent>
-      <mc:AlternateContent xmlns:mc="http://schemas.openxmlformats.org/markup-compatibility/2006" xmlns:a14="http://schemas.microsoft.com/office/drawing/2010/main">
-        <mc:Choice Requires="a14">
+      <mc:AlternateContent xmlns:mc="http://schemas.openxmlformats.org/markup-compatibility/2006">
+        <mc:Choice xmlns:a14="http://schemas.microsoft.com/office/drawing/2010/main" Requires="a14">
           <p:sp>
             <p:nvSpPr>
               <p:cNvPr id="11" name="Прямоугольник 10"/>
@@ -8347,7 +8268,7 @@
             </p:nvSpPr>
             <p:spPr>
               <a:xfrm>
-                <a:off x="6536129" y="1857289"/>
+                <a:off x="6520085" y="1502416"/>
                 <a:ext cx="2401719" cy="646331"/>
               </a:xfrm>
               <a:prstGeom prst="rect">
@@ -8497,7 +8418,7 @@
             </p:txBody>
           </p:sp>
         </mc:Choice>
-        <mc:Fallback xmlns="">
+        <mc:Fallback>
           <p:sp>
             <p:nvSpPr>
               <p:cNvPr id="11" name="Прямоугольник 10"/>
@@ -8508,7 +8429,7 @@
             </p:nvSpPr>
             <p:spPr>
               <a:xfrm>
-                <a:off x="6536129" y="1857289"/>
+                <a:off x="6520085" y="1502416"/>
                 <a:ext cx="2401719" cy="646331"/>
               </a:xfrm>
               <a:prstGeom prst="rect">
@@ -8771,8 +8692,8 @@
           </a:p>
         </p:txBody>
       </p:sp>
-      <mc:AlternateContent xmlns:mc="http://schemas.openxmlformats.org/markup-compatibility/2006" xmlns:a14="http://schemas.microsoft.com/office/drawing/2010/main">
-        <mc:Choice Requires="a14">
+      <mc:AlternateContent xmlns:mc="http://schemas.openxmlformats.org/markup-compatibility/2006">
+        <mc:Choice xmlns:a14="http://schemas.microsoft.com/office/drawing/2010/main" Requires="a14">
           <p:graphicFrame>
             <p:nvGraphicFramePr>
               <p:cNvPr id="16" name="Таблица 15"/>
@@ -8782,14 +8703,14 @@
               <p:nvPr>
                 <p:extLst>
                   <p:ext uri="{D42A27DB-BD31-4B8C-83A1-F6EECF244321}">
-                    <p14:modId xmlns:p14="http://schemas.microsoft.com/office/powerpoint/2010/main" val="1094168305"/>
+                    <p14:modId xmlns:p14="http://schemas.microsoft.com/office/powerpoint/2010/main" val="1292078515"/>
                   </p:ext>
                 </p:extLst>
               </p:nvPr>
             </p:nvGraphicFramePr>
             <p:xfrm>
-              <a:off x="3949038" y="3970459"/>
-              <a:ext cx="5036438" cy="2556539"/>
+              <a:off x="3949463" y="3631157"/>
+              <a:ext cx="5036438" cy="2915302"/>
             </p:xfrm>
             <a:graphic>
               <a:graphicData uri="http://schemas.openxmlformats.org/drawingml/2006/table">
@@ -8801,12 +8722,12 @@
                     <a:gridCol w="5036438">
                       <a:extLst>
                         <a:ext uri="{9D8B030D-6E8A-4147-A177-3AD203B41FA5}">
-                          <a16:colId xmlns:a16="http://schemas.microsoft.com/office/drawing/2014/main" xmlns="" val="20000"/>
+                          <a16:colId xmlns="" xmlns:a16="http://schemas.microsoft.com/office/drawing/2014/main" val="20000"/>
                         </a:ext>
                       </a:extLst>
                     </a:gridCol>
                   </a:tblGrid>
-                  <a:tr h="442464">
+                  <a:tr h="314165">
                     <a:tc>
                       <a:txBody>
                         <a:bodyPr/>
@@ -8814,14 +8735,14 @@
                         <a:p>
                           <a:pPr algn="ctr"/>
                           <a:r>
-                            <a:rPr lang="ru-RU" dirty="0" smtClean="0">
+                            <a:rPr lang="ru-RU" sz="1600" dirty="0" smtClean="0">
                               <a:solidFill>
                                 <a:sysClr val="windowText" lastClr="000000"/>
                               </a:solidFill>
                             </a:rPr>
                             <a:t>Параметры </a:t>
                           </a:r>
-                          <a:endParaRPr lang="ru-RU" dirty="0">
+                          <a:endParaRPr lang="ru-RU" sz="1600" dirty="0">
                             <a:solidFill>
                               <a:sysClr val="windowText" lastClr="000000"/>
                             </a:solidFill>
@@ -8874,11 +8795,11 @@
                     </a:tc>
                     <a:extLst>
                       <a:ext uri="{0D108BD9-81ED-4DB2-BD59-A6C34878D82A}">
-                        <a16:rowId xmlns:a16="http://schemas.microsoft.com/office/drawing/2014/main" xmlns="" val="10000"/>
+                        <a16:rowId xmlns="" xmlns:a16="http://schemas.microsoft.com/office/drawing/2014/main" val="10000"/>
                       </a:ext>
                     </a:extLst>
                   </a:tr>
-                  <a:tr h="2114075">
+                  <a:tr h="2580022">
                     <a:tc>
                       <a:txBody>
                         <a:bodyPr/>
@@ -9217,6 +9138,79 @@
                             <a:t>2</a:t>
                           </a:r>
                         </a:p>
+                        <a:p>
+                          <a14:m>
+                            <m:oMath xmlns:m="http://schemas.openxmlformats.org/officeDocument/2006/math">
+                              <m:r>
+                                <a:rPr lang="en-US" sz="1800" i="1" kern="1200" smtClean="0">
+                                  <a:solidFill>
+                                    <a:schemeClr val="dk1"/>
+                                  </a:solidFill>
+                                  <a:effectLst/>
+                                  <a:latin typeface="+mn-lt"/>
+                                  <a:ea typeface="+mn-ea"/>
+                                  <a:cs typeface="+mn-cs"/>
+                                </a:rPr>
+                                <m:t>𝑠</m:t>
+                              </m:r>
+                              <m:r>
+                                <a:rPr lang="ru-RU" sz="1800" b="0" i="0" kern="1200" smtClean="0">
+                                  <a:solidFill>
+                                    <a:schemeClr val="dk1"/>
+                                  </a:solidFill>
+                                  <a:effectLst/>
+                                  <a:latin typeface="Cambria Math" panose="02040503050406030204" pitchFamily="18" charset="0"/>
+                                  <a:ea typeface="+mn-ea"/>
+                                  <a:cs typeface="+mn-cs"/>
+                                </a:rPr>
+                                <m:t> − </m:t>
+                              </m:r>
+                            </m:oMath>
+                          </a14:m>
+                          <a:r>
+                            <a:rPr lang="ru-RU" dirty="0" smtClean="0"/>
+                            <a:t>модуль толщина</a:t>
+                          </a:r>
+                          <a:r>
+                            <a:rPr lang="ru-RU" baseline="0" dirty="0" smtClean="0"/>
+                            <a:t> стенки иглы – 0.1 мм</a:t>
+                          </a:r>
+                        </a:p>
+                        <a:p>
+                          <a14:m>
+                            <m:oMath xmlns:m="http://schemas.openxmlformats.org/officeDocument/2006/math">
+                              <m:r>
+                                <a:rPr lang="en-US" sz="1800" i="1" kern="1200" smtClean="0">
+                                  <a:solidFill>
+                                    <a:schemeClr val="dk1"/>
+                                  </a:solidFill>
+                                  <a:effectLst/>
+                                  <a:latin typeface="+mn-lt"/>
+                                  <a:ea typeface="+mn-ea"/>
+                                  <a:cs typeface="+mn-cs"/>
+                                </a:rPr>
+                                <m:t>𝐷</m:t>
+                              </m:r>
+                              <m:r>
+                                <a:rPr lang="en-US" sz="1800" b="0" i="1" kern="1200" smtClean="0">
+                                  <a:solidFill>
+                                    <a:schemeClr val="dk1"/>
+                                  </a:solidFill>
+                                  <a:effectLst/>
+                                  <a:latin typeface="Cambria Math" panose="02040503050406030204" pitchFamily="18" charset="0"/>
+                                  <a:ea typeface="+mn-ea"/>
+                                  <a:cs typeface="+mn-cs"/>
+                                </a:rPr>
+                                <m:t>−</m:t>
+                              </m:r>
+                            </m:oMath>
+                          </a14:m>
+                          <a:r>
+                            <a:rPr lang="ru-RU" i="0" baseline="0" dirty="0" smtClean="0"/>
+                            <a:t>диаметр среднего сечения иглы – 0.9 мм</a:t>
+                          </a:r>
+                          <a:endParaRPr lang="ru-RU" i="1" baseline="0" dirty="0" smtClean="0"/>
+                        </a:p>
                       </a:txBody>
                       <a:tcPr>
                         <a:lnL w="12700" cap="flat" cmpd="sng" algn="ctr">
@@ -9260,7 +9254,7 @@
                     </a:tc>
                     <a:extLst>
                       <a:ext uri="{0D108BD9-81ED-4DB2-BD59-A6C34878D82A}">
-                        <a16:rowId xmlns:a16="http://schemas.microsoft.com/office/drawing/2014/main" xmlns="" val="10001"/>
+                        <a16:rowId xmlns="" xmlns:a16="http://schemas.microsoft.com/office/drawing/2014/main" val="10001"/>
                       </a:ext>
                     </a:extLst>
                   </a:tr>
@@ -9269,7 +9263,7 @@
             </a:graphic>
           </p:graphicFrame>
         </mc:Choice>
-        <mc:Fallback xmlns="">
+        <mc:Fallback>
           <p:graphicFrame>
             <p:nvGraphicFramePr>
               <p:cNvPr id="16" name="Таблица 15"/>
@@ -9279,14 +9273,14 @@
               <p:nvPr>
                 <p:extLst>
                   <p:ext uri="{D42A27DB-BD31-4B8C-83A1-F6EECF244321}">
-                    <p14:modId xmlns:p14="http://schemas.microsoft.com/office/powerpoint/2010/main" val="1094168305"/>
+                    <p14:modId xmlns:p14="http://schemas.microsoft.com/office/powerpoint/2010/main" val="1292078515"/>
                   </p:ext>
                 </p:extLst>
               </p:nvPr>
             </p:nvGraphicFramePr>
             <p:xfrm>
-              <a:off x="3949038" y="3970459"/>
-              <a:ext cx="5036438" cy="2556539"/>
+              <a:off x="3949463" y="3631157"/>
+              <a:ext cx="5036438" cy="2915302"/>
             </p:xfrm>
             <a:graphic>
               <a:graphicData uri="http://schemas.openxmlformats.org/drawingml/2006/table">
@@ -9298,12 +9292,12 @@
                     <a:gridCol w="5036438">
                       <a:extLst>
                         <a:ext uri="{9D8B030D-6E8A-4147-A177-3AD203B41FA5}">
-                          <a16:colId xmlns:a16="http://schemas.microsoft.com/office/drawing/2014/main" xmlns:a14="http://schemas.microsoft.com/office/drawing/2010/main" xmlns="" val="20000"/>
+                          <a16:colId xmlns="" xmlns:a16="http://schemas.microsoft.com/office/drawing/2014/main" xmlns:a14="http://schemas.microsoft.com/office/drawing/2010/main" val="20000"/>
                         </a:ext>
                       </a:extLst>
                     </a:gridCol>
                   </a:tblGrid>
-                  <a:tr h="442464">
+                  <a:tr h="335280">
                     <a:tc>
                       <a:txBody>
                         <a:bodyPr/>
@@ -9311,14 +9305,14 @@
                         <a:p>
                           <a:pPr algn="ctr"/>
                           <a:r>
-                            <a:rPr lang="ru-RU" dirty="0" smtClean="0">
+                            <a:rPr lang="ru-RU" sz="1600" dirty="0" smtClean="0">
                               <a:solidFill>
                                 <a:sysClr val="windowText" lastClr="000000"/>
                               </a:solidFill>
                             </a:rPr>
                             <a:t>Параметры </a:t>
                           </a:r>
-                          <a:endParaRPr lang="ru-RU" dirty="0">
+                          <a:endParaRPr lang="ru-RU" sz="1600" dirty="0">
                             <a:solidFill>
                               <a:sysClr val="windowText" lastClr="000000"/>
                             </a:solidFill>
@@ -9371,11 +9365,11 @@
                     </a:tc>
                     <a:extLst>
                       <a:ext uri="{0D108BD9-81ED-4DB2-BD59-A6C34878D82A}">
-                        <a16:rowId xmlns:a16="http://schemas.microsoft.com/office/drawing/2014/main" xmlns:a14="http://schemas.microsoft.com/office/drawing/2010/main" xmlns="" val="10000"/>
+                        <a16:rowId xmlns="" xmlns:a16="http://schemas.microsoft.com/office/drawing/2014/main" xmlns:a14="http://schemas.microsoft.com/office/drawing/2010/main" val="10000"/>
                       </a:ext>
                     </a:extLst>
                   </a:tr>
-                  <a:tr h="2114075">
+                  <a:tr h="2580022">
                     <a:tc>
                       <a:txBody>
                         <a:bodyPr/>
@@ -9424,14 +9418,14 @@
                         <a:blipFill rotWithShape="0">
                           <a:blip r:embed="rId7"/>
                           <a:stretch>
-                            <a:fillRect l="-121" t="-22478" r="-363" b="-576"/>
+                            <a:fillRect l="-121" t="-13443" r="-242" b="-3538"/>
                           </a:stretch>
                         </a:blipFill>
                       </a:tcPr>
                     </a:tc>
                     <a:extLst>
                       <a:ext uri="{0D108BD9-81ED-4DB2-BD59-A6C34878D82A}">
-                        <a16:rowId xmlns:a16="http://schemas.microsoft.com/office/drawing/2014/main" xmlns:a14="http://schemas.microsoft.com/office/drawing/2010/main" xmlns="" val="10001"/>
+                        <a16:rowId xmlns="" xmlns:a16="http://schemas.microsoft.com/office/drawing/2014/main" xmlns:a14="http://schemas.microsoft.com/office/drawing/2010/main" val="10001"/>
                       </a:ext>
                     </a:extLst>
                   </a:tr>
@@ -9526,7 +9520,7 @@
           <a:graphicData uri="http://schemas.openxmlformats.org/presentationml/2006/ole">
             <mc:AlternateContent xmlns:mc="http://schemas.openxmlformats.org/markup-compatibility/2006">
               <mc:Choice xmlns:v="urn:schemas-microsoft-com:vml" Requires="v">
-                <p:oleObj spid="_x0000_s2183" r:id="rId8" imgW="666627" imgH="914400" progId="">
+                <p:oleObj spid="_x0000_s2203" r:id="rId8" imgW="666627" imgH="914400" progId="">
                   <p:embed/>
                 </p:oleObj>
               </mc:Choice>
@@ -9608,14 +9602,14 @@
                 <a:gridCol w="1440160">
                   <a:extLst>
                     <a:ext uri="{9D8B030D-6E8A-4147-A177-3AD203B41FA5}">
-                      <a16:colId xmlns:a16="http://schemas.microsoft.com/office/drawing/2014/main" xmlns="" val="20000"/>
+                      <a16:colId xmlns="" xmlns:a16="http://schemas.microsoft.com/office/drawing/2014/main" val="20000"/>
                     </a:ext>
                   </a:extLst>
                 </a:gridCol>
                 <a:gridCol w="2304256">
                   <a:extLst>
                     <a:ext uri="{9D8B030D-6E8A-4147-A177-3AD203B41FA5}">
-                      <a16:colId xmlns:a16="http://schemas.microsoft.com/office/drawing/2014/main" xmlns="" val="20001"/>
+                      <a16:colId xmlns="" xmlns:a16="http://schemas.microsoft.com/office/drawing/2014/main" val="20001"/>
                     </a:ext>
                   </a:extLst>
                 </a:gridCol>
@@ -9769,7 +9763,7 @@
                 </a:tc>
                 <a:extLst>
                   <a:ext uri="{0D108BD9-81ED-4DB2-BD59-A6C34878D82A}">
-                    <a16:rowId xmlns:a16="http://schemas.microsoft.com/office/drawing/2014/main" xmlns="" val="10000"/>
+                    <a16:rowId xmlns="" xmlns:a16="http://schemas.microsoft.com/office/drawing/2014/main" val="10000"/>
                   </a:ext>
                 </a:extLst>
               </a:tr>
@@ -9920,7 +9914,7 @@
                 </a:tc>
                 <a:extLst>
                   <a:ext uri="{0D108BD9-81ED-4DB2-BD59-A6C34878D82A}">
-                    <a16:rowId xmlns:a16="http://schemas.microsoft.com/office/drawing/2014/main" xmlns="" val="10001"/>
+                    <a16:rowId xmlns="" xmlns:a16="http://schemas.microsoft.com/office/drawing/2014/main" val="10001"/>
                   </a:ext>
                 </a:extLst>
               </a:tr>
@@ -10100,7 +10094,7 @@
                 </a:tc>
                 <a:extLst>
                   <a:ext uri="{0D108BD9-81ED-4DB2-BD59-A6C34878D82A}">
-                    <a16:rowId xmlns:a16="http://schemas.microsoft.com/office/drawing/2014/main" xmlns="" val="10002"/>
+                    <a16:rowId xmlns="" xmlns:a16="http://schemas.microsoft.com/office/drawing/2014/main" val="10002"/>
                   </a:ext>
                 </a:extLst>
               </a:tr>
@@ -10280,7 +10274,7 @@
                 </a:tc>
                 <a:extLst>
                   <a:ext uri="{0D108BD9-81ED-4DB2-BD59-A6C34878D82A}">
-                    <a16:rowId xmlns:a16="http://schemas.microsoft.com/office/drawing/2014/main" xmlns="" val="10003"/>
+                    <a16:rowId xmlns="" xmlns:a16="http://schemas.microsoft.com/office/drawing/2014/main" val="10003"/>
                   </a:ext>
                 </a:extLst>
               </a:tr>
@@ -10460,7 +10454,7 @@
                 </a:tc>
                 <a:extLst>
                   <a:ext uri="{0D108BD9-81ED-4DB2-BD59-A6C34878D82A}">
-                    <a16:rowId xmlns:a16="http://schemas.microsoft.com/office/drawing/2014/main" xmlns="" val="10004"/>
+                    <a16:rowId xmlns="" xmlns:a16="http://schemas.microsoft.com/office/drawing/2014/main" val="10004"/>
                   </a:ext>
                 </a:extLst>
               </a:tr>
@@ -10531,8 +10525,8 @@
           </a:p>
         </p:txBody>
       </p:sp>
-      <mc:AlternateContent xmlns:mc="http://schemas.openxmlformats.org/markup-compatibility/2006" xmlns:a14="http://schemas.microsoft.com/office/drawing/2010/main">
-        <mc:Choice Requires="a14">
+      <mc:AlternateContent xmlns:mc="http://schemas.openxmlformats.org/markup-compatibility/2006">
+        <mc:Choice xmlns:a14="http://schemas.microsoft.com/office/drawing/2010/main" Requires="a14">
           <p:sp>
             <p:nvSpPr>
               <p:cNvPr id="3" name="Прямоугольник 2"/>
@@ -10541,7 +10535,7 @@
             </p:nvSpPr>
             <p:spPr>
               <a:xfrm>
-                <a:off x="3949038" y="3059868"/>
+                <a:off x="3973272" y="2617205"/>
                 <a:ext cx="2506199" cy="869020"/>
               </a:xfrm>
               <a:prstGeom prst="rect">
@@ -10715,7 +10709,7 @@
             </p:txBody>
           </p:sp>
         </mc:Choice>
-        <mc:Fallback xmlns="">
+        <mc:Fallback>
           <p:sp>
             <p:nvSpPr>
               <p:cNvPr id="3" name="Прямоугольник 2"/>
@@ -10726,7 +10720,7 @@
             </p:nvSpPr>
             <p:spPr>
               <a:xfrm>
-                <a:off x="3949038" y="3059868"/>
+                <a:off x="3973272" y="2617205"/>
                 <a:ext cx="2506199" cy="869020"/>
               </a:xfrm>
               <a:prstGeom prst="rect">
@@ -10839,7 +10833,7 @@
           <a:graphicData uri="http://schemas.openxmlformats.org/presentationml/2006/ole">
             <mc:AlternateContent xmlns:mc="http://schemas.openxmlformats.org/markup-compatibility/2006">
               <mc:Choice xmlns:v="urn:schemas-microsoft-com:vml" Requires="v">
-                <p:oleObj spid="_x0000_s2184" name="Visio" r:id="rId11" imgW="1514399" imgH="2219498" progId="Visio.Drawing.15">
+                <p:oleObj spid="_x0000_s2204" name="Visio" r:id="rId11" imgW="1514399" imgH="2219498" progId="Visio.Drawing.15">
                   <p:embed/>
                 </p:oleObj>
               </mc:Choice>
